--- a/Prototype/Icon.pptx
+++ b/Prototype/Icon.pptx
@@ -2,11 +2,13 @@
 <file path=ppt/presentation.xml><?xml version="1.0" encoding="utf-8"?>
 <p:presentation xmlns:a="http://schemas.openxmlformats.org/drawingml/2006/main" xmlns:r="http://schemas.openxmlformats.org/officeDocument/2006/relationships" xmlns:p="http://schemas.openxmlformats.org/presentationml/2006/main" saveSubsetFonts="1">
   <p:sldMasterIdLst>
-    <p:sldMasterId id="2147483648" r:id="rId1"/>
+    <p:sldMasterId id="2147483648" r:id="rId4"/>
   </p:sldMasterIdLst>
   <p:sldIdLst>
-    <p:sldId id="256" r:id="rId2"/>
-    <p:sldId id="257" r:id="rId3"/>
+    <p:sldId id="256" r:id="rId5"/>
+    <p:sldId id="258" r:id="rId6"/>
+    <p:sldId id="259" r:id="rId7"/>
+    <p:sldId id="257" r:id="rId8"/>
   </p:sldIdLst>
   <p:sldSz cx="12192000" cy="6858000"/>
   <p:notesSz cx="6858000" cy="9144000"/>
@@ -105,6 +107,11 @@
       </a:defRPr>
     </a:lvl9pPr>
   </p:defaultTextStyle>
+  <p:extLst>
+    <p:ext uri="{EFAFB233-063F-42B5-8137-9DF3F51BA10A}">
+      <p15:sldGuideLst xmlns:p15="http://schemas.microsoft.com/office/powerpoint/2012/main"/>
+    </p:ext>
+  </p:extLst>
 </p:presentation>
 </file>
 
@@ -255,7 +262,7 @@
           <a:p>
             <a:fld id="{245C2C28-0D12-4EC8-9616-6109F8E9BCEB}" type="datetimeFigureOut">
               <a:rPr lang="en-US" smtClean="0"/>
-              <a:t>9/26/2018</a:t>
+              <a:t>10/3/2018</a:t>
             </a:fld>
             <a:endParaRPr lang="en-US"/>
           </a:p>
@@ -453,7 +460,7 @@
           <a:p>
             <a:fld id="{245C2C28-0D12-4EC8-9616-6109F8E9BCEB}" type="datetimeFigureOut">
               <a:rPr lang="en-US" smtClean="0"/>
-              <a:t>9/26/2018</a:t>
+              <a:t>10/3/2018</a:t>
             </a:fld>
             <a:endParaRPr lang="en-US"/>
           </a:p>
@@ -661,7 +668,7 @@
           <a:p>
             <a:fld id="{245C2C28-0D12-4EC8-9616-6109F8E9BCEB}" type="datetimeFigureOut">
               <a:rPr lang="en-US" smtClean="0"/>
-              <a:t>9/26/2018</a:t>
+              <a:t>10/3/2018</a:t>
             </a:fld>
             <a:endParaRPr lang="en-US"/>
           </a:p>
@@ -859,7 +866,7 @@
           <a:p>
             <a:fld id="{245C2C28-0D12-4EC8-9616-6109F8E9BCEB}" type="datetimeFigureOut">
               <a:rPr lang="en-US" smtClean="0"/>
-              <a:t>9/26/2018</a:t>
+              <a:t>10/3/2018</a:t>
             </a:fld>
             <a:endParaRPr lang="en-US"/>
           </a:p>
@@ -1134,7 +1141,7 @@
           <a:p>
             <a:fld id="{245C2C28-0D12-4EC8-9616-6109F8E9BCEB}" type="datetimeFigureOut">
               <a:rPr lang="en-US" smtClean="0"/>
-              <a:t>9/26/2018</a:t>
+              <a:t>10/3/2018</a:t>
             </a:fld>
             <a:endParaRPr lang="en-US"/>
           </a:p>
@@ -1399,7 +1406,7 @@
           <a:p>
             <a:fld id="{245C2C28-0D12-4EC8-9616-6109F8E9BCEB}" type="datetimeFigureOut">
               <a:rPr lang="en-US" smtClean="0"/>
-              <a:t>9/26/2018</a:t>
+              <a:t>10/3/2018</a:t>
             </a:fld>
             <a:endParaRPr lang="en-US"/>
           </a:p>
@@ -1811,7 +1818,7 @@
           <a:p>
             <a:fld id="{245C2C28-0D12-4EC8-9616-6109F8E9BCEB}" type="datetimeFigureOut">
               <a:rPr lang="en-US" smtClean="0"/>
-              <a:t>9/26/2018</a:t>
+              <a:t>10/3/2018</a:t>
             </a:fld>
             <a:endParaRPr lang="en-US"/>
           </a:p>
@@ -1952,7 +1959,7 @@
           <a:p>
             <a:fld id="{245C2C28-0D12-4EC8-9616-6109F8E9BCEB}" type="datetimeFigureOut">
               <a:rPr lang="en-US" smtClean="0"/>
-              <a:t>9/26/2018</a:t>
+              <a:t>10/3/2018</a:t>
             </a:fld>
             <a:endParaRPr lang="en-US"/>
           </a:p>
@@ -2065,7 +2072,7 @@
           <a:p>
             <a:fld id="{245C2C28-0D12-4EC8-9616-6109F8E9BCEB}" type="datetimeFigureOut">
               <a:rPr lang="en-US" smtClean="0"/>
-              <a:t>9/26/2018</a:t>
+              <a:t>10/3/2018</a:t>
             </a:fld>
             <a:endParaRPr lang="en-US"/>
           </a:p>
@@ -2376,7 +2383,7 @@
           <a:p>
             <a:fld id="{245C2C28-0D12-4EC8-9616-6109F8E9BCEB}" type="datetimeFigureOut">
               <a:rPr lang="en-US" smtClean="0"/>
-              <a:t>9/26/2018</a:t>
+              <a:t>10/3/2018</a:t>
             </a:fld>
             <a:endParaRPr lang="en-US"/>
           </a:p>
@@ -2664,7 +2671,7 @@
           <a:p>
             <a:fld id="{245C2C28-0D12-4EC8-9616-6109F8E9BCEB}" type="datetimeFigureOut">
               <a:rPr lang="en-US" smtClean="0"/>
-              <a:t>9/26/2018</a:t>
+              <a:t>10/3/2018</a:t>
             </a:fld>
             <a:endParaRPr lang="en-US"/>
           </a:p>
@@ -2905,7 +2912,7 @@
           <a:p>
             <a:fld id="{245C2C28-0D12-4EC8-9616-6109F8E9BCEB}" type="datetimeFigureOut">
               <a:rPr lang="en-US" smtClean="0"/>
-              <a:t>9/26/2018</a:t>
+              <a:t>10/3/2018</a:t>
             </a:fld>
             <a:endParaRPr lang="en-US"/>
           </a:p>
@@ -3775,6 +3782,839 @@
 <file path=ppt/slides/slide2.xml><?xml version="1.0" encoding="utf-8"?>
 <p:sld xmlns:a="http://schemas.openxmlformats.org/drawingml/2006/main" xmlns:r="http://schemas.openxmlformats.org/officeDocument/2006/relationships" xmlns:p="http://schemas.openxmlformats.org/presentationml/2006/main">
   <p:cSld>
+    <p:spTree>
+      <p:nvGrpSpPr>
+        <p:cNvPr id="1" name=""/>
+        <p:cNvGrpSpPr/>
+        <p:nvPr/>
+      </p:nvGrpSpPr>
+      <p:grpSpPr>
+        <a:xfrm>
+          <a:off x="0" y="0"/>
+          <a:ext cx="0" cy="0"/>
+          <a:chOff x="0" y="0"/>
+          <a:chExt cx="0" cy="0"/>
+        </a:xfrm>
+      </p:grpSpPr>
+      <p:pic>
+        <p:nvPicPr>
+          <p:cNvPr id="2" name="Picture 1">
+            <a:extLst>
+              <a:ext uri="{FF2B5EF4-FFF2-40B4-BE49-F238E27FC236}">
+                <a16:creationId xmlns:a16="http://schemas.microsoft.com/office/drawing/2014/main" id="{78D28494-B058-453F-8158-A3512158C307}"/>
+              </a:ext>
+            </a:extLst>
+          </p:cNvPr>
+          <p:cNvPicPr preferRelativeResize="0">
+            <a:picLocks/>
+          </p:cNvPicPr>
+          <p:nvPr>
+            <p:custDataLst>
+              <p:custData r:id="rId1"/>
+            </p:custDataLst>
+          </p:nvPr>
+        </p:nvPicPr>
+        <p:blipFill>
+          <a:blip r:embed="rId5">
+            <a:extLst>
+              <a:ext uri="{28A0092B-C50C-407E-A947-70E740481C1C}">
+                <a14:useLocalDpi xmlns:a14="http://schemas.microsoft.com/office/drawing/2010/main" val="0"/>
+              </a:ext>
+            </a:extLst>
+          </a:blip>
+          <a:stretch>
+            <a:fillRect/>
+          </a:stretch>
+        </p:blipFill>
+        <p:spPr>
+          <a:xfrm>
+            <a:off x="1035503" y="2171290"/>
+            <a:ext cx="184413" cy="247500"/>
+          </a:xfrm>
+          <a:prstGeom prst="rect">
+            <a:avLst/>
+          </a:prstGeom>
+        </p:spPr>
+      </p:pic>
+      <p:sp>
+        <p:nvSpPr>
+          <p:cNvPr id="3" name="Rectangle 2">
+            <a:extLst>
+              <a:ext uri="{FF2B5EF4-FFF2-40B4-BE49-F238E27FC236}">
+                <a16:creationId xmlns:a16="http://schemas.microsoft.com/office/drawing/2014/main" id="{AE312CDA-960C-41F2-A181-76D43E73E11E}"/>
+              </a:ext>
+            </a:extLst>
+          </p:cNvPr>
+          <p:cNvSpPr/>
+          <p:nvPr/>
+        </p:nvSpPr>
+        <p:spPr>
+          <a:xfrm>
+            <a:off x="1221834" y="2171290"/>
+            <a:ext cx="45719" cy="247500"/>
+          </a:xfrm>
+          <a:prstGeom prst="rect">
+            <a:avLst/>
+          </a:prstGeom>
+          <a:solidFill>
+            <a:schemeClr val="tx1"/>
+          </a:solidFill>
+          <a:ln>
+            <a:noFill/>
+          </a:ln>
+        </p:spPr>
+        <p:style>
+          <a:lnRef idx="2">
+            <a:schemeClr val="accent1">
+              <a:shade val="50000"/>
+            </a:schemeClr>
+          </a:lnRef>
+          <a:fillRef idx="1">
+            <a:schemeClr val="accent1"/>
+          </a:fillRef>
+          <a:effectRef idx="0">
+            <a:schemeClr val="accent1"/>
+          </a:effectRef>
+          <a:fontRef idx="minor">
+            <a:schemeClr val="lt1"/>
+          </a:fontRef>
+        </p:style>
+        <p:txBody>
+          <a:bodyPr rtlCol="0" anchor="ctr"/>
+          <a:lstStyle/>
+          <a:p>
+            <a:pPr algn="ctr"/>
+            <a:endParaRPr lang="en-US"/>
+          </a:p>
+        </p:txBody>
+      </p:sp>
+      <p:grpSp>
+        <p:nvGrpSpPr>
+          <p:cNvPr id="6" name="Group 5">
+            <a:extLst>
+              <a:ext uri="{FF2B5EF4-FFF2-40B4-BE49-F238E27FC236}">
+                <a16:creationId xmlns:a16="http://schemas.microsoft.com/office/drawing/2014/main" id="{8520D60F-79EF-4728-83E3-ABC294E82FEA}"/>
+              </a:ext>
+            </a:extLst>
+          </p:cNvPr>
+          <p:cNvGrpSpPr/>
+          <p:nvPr/>
+        </p:nvGrpSpPr>
+        <p:grpSpPr>
+          <a:xfrm flipH="1">
+            <a:off x="1035503" y="2516912"/>
+            <a:ext cx="232050" cy="247500"/>
+            <a:chOff x="1035503" y="2516912"/>
+            <a:chExt cx="232050" cy="247500"/>
+          </a:xfrm>
+        </p:grpSpPr>
+        <p:pic>
+          <p:nvPicPr>
+            <p:cNvPr id="4" name="Picture 3">
+              <a:extLst>
+                <a:ext uri="{FF2B5EF4-FFF2-40B4-BE49-F238E27FC236}">
+                  <a16:creationId xmlns:a16="http://schemas.microsoft.com/office/drawing/2014/main" id="{AA915D65-0FBF-4AB3-BAAF-11C22D0A5BF5}"/>
+                </a:ext>
+              </a:extLst>
+            </p:cNvPr>
+            <p:cNvPicPr preferRelativeResize="0">
+              <a:picLocks/>
+            </p:cNvPicPr>
+            <p:nvPr>
+              <p:custDataLst>
+                <p:custData r:id="rId3"/>
+              </p:custDataLst>
+            </p:nvPr>
+          </p:nvPicPr>
+          <p:blipFill>
+            <a:blip r:embed="rId5">
+              <a:extLst>
+                <a:ext uri="{28A0092B-C50C-407E-A947-70E740481C1C}">
+                  <a14:useLocalDpi xmlns:a14="http://schemas.microsoft.com/office/drawing/2010/main" val="0"/>
+                </a:ext>
+              </a:extLst>
+            </a:blip>
+            <a:stretch>
+              <a:fillRect/>
+            </a:stretch>
+          </p:blipFill>
+          <p:spPr>
+            <a:xfrm>
+              <a:off x="1035503" y="2516912"/>
+              <a:ext cx="184413" cy="247500"/>
+            </a:xfrm>
+            <a:prstGeom prst="rect">
+              <a:avLst/>
+            </a:prstGeom>
+          </p:spPr>
+        </p:pic>
+        <p:sp>
+          <p:nvSpPr>
+            <p:cNvPr id="5" name="Rectangle 4">
+              <a:extLst>
+                <a:ext uri="{FF2B5EF4-FFF2-40B4-BE49-F238E27FC236}">
+                  <a16:creationId xmlns:a16="http://schemas.microsoft.com/office/drawing/2014/main" id="{A3B08E67-DA30-47BB-9F86-97C086D1FECB}"/>
+                </a:ext>
+              </a:extLst>
+            </p:cNvPr>
+            <p:cNvSpPr/>
+            <p:nvPr/>
+          </p:nvSpPr>
+          <p:spPr>
+            <a:xfrm>
+              <a:off x="1221834" y="2516912"/>
+              <a:ext cx="45719" cy="247500"/>
+            </a:xfrm>
+            <a:prstGeom prst="rect">
+              <a:avLst/>
+            </a:prstGeom>
+            <a:solidFill>
+              <a:schemeClr val="tx1"/>
+            </a:solidFill>
+            <a:ln>
+              <a:noFill/>
+            </a:ln>
+          </p:spPr>
+          <p:style>
+            <a:lnRef idx="2">
+              <a:schemeClr val="accent1">
+                <a:shade val="50000"/>
+              </a:schemeClr>
+            </a:lnRef>
+            <a:fillRef idx="1">
+              <a:schemeClr val="accent1"/>
+            </a:fillRef>
+            <a:effectRef idx="0">
+              <a:schemeClr val="accent1"/>
+            </a:effectRef>
+            <a:fontRef idx="minor">
+              <a:schemeClr val="lt1"/>
+            </a:fontRef>
+          </p:style>
+          <p:txBody>
+            <a:bodyPr rtlCol="0" anchor="ctr"/>
+            <a:lstStyle/>
+            <a:p>
+              <a:pPr algn="ctr"/>
+              <a:endParaRPr lang="en-US"/>
+            </a:p>
+          </p:txBody>
+        </p:sp>
+      </p:grpSp>
+      <p:pic>
+        <p:nvPicPr>
+          <p:cNvPr id="7" name="Picture 6">
+            <a:extLst>
+              <a:ext uri="{FF2B5EF4-FFF2-40B4-BE49-F238E27FC236}">
+                <a16:creationId xmlns:a16="http://schemas.microsoft.com/office/drawing/2014/main" id="{6D221579-EA75-45FB-BCD4-8786100E180D}"/>
+              </a:ext>
+            </a:extLst>
+          </p:cNvPr>
+          <p:cNvPicPr preferRelativeResize="0">
+            <a:picLocks/>
+          </p:cNvPicPr>
+          <p:nvPr>
+            <p:custDataLst>
+              <p:custData r:id="rId2"/>
+            </p:custDataLst>
+          </p:nvPr>
+        </p:nvPicPr>
+        <p:blipFill rotWithShape="1">
+          <a:blip r:embed="rId6">
+            <a:extLst>
+              <a:ext uri="{28A0092B-C50C-407E-A947-70E740481C1C}">
+                <a14:useLocalDpi xmlns:a14="http://schemas.microsoft.com/office/drawing/2010/main" val="0"/>
+              </a:ext>
+            </a:extLst>
+          </a:blip>
+          <a:srcRect l="24992" t="23267" r="24992" b="24992"/>
+          <a:stretch/>
+        </p:blipFill>
+        <p:spPr>
+          <a:xfrm>
+            <a:off x="1035503" y="1787418"/>
+            <a:ext cx="276225" cy="285750"/>
+          </a:xfrm>
+          <a:prstGeom prst="rect">
+            <a:avLst/>
+          </a:prstGeom>
+        </p:spPr>
+      </p:pic>
+    </p:spTree>
+    <p:extLst>
+      <p:ext uri="{BB962C8B-B14F-4D97-AF65-F5344CB8AC3E}">
+        <p14:creationId xmlns:p14="http://schemas.microsoft.com/office/powerpoint/2010/main" val="958477323"/>
+      </p:ext>
+    </p:extLst>
+  </p:cSld>
+  <p:clrMapOvr>
+    <a:masterClrMapping/>
+  </p:clrMapOvr>
+</p:sld>
+</file>
+
+<file path=ppt/slides/slide3.xml><?xml version="1.0" encoding="utf-8"?>
+<p:sld xmlns:a="http://schemas.openxmlformats.org/drawingml/2006/main" xmlns:r="http://schemas.openxmlformats.org/officeDocument/2006/relationships" xmlns:p="http://schemas.openxmlformats.org/presentationml/2006/main">
+  <p:cSld>
+    <p:spTree>
+      <p:nvGrpSpPr>
+        <p:cNvPr id="1" name=""/>
+        <p:cNvGrpSpPr/>
+        <p:nvPr/>
+      </p:nvGrpSpPr>
+      <p:grpSpPr>
+        <a:xfrm>
+          <a:off x="0" y="0"/>
+          <a:ext cx="0" cy="0"/>
+          <a:chOff x="0" y="0"/>
+          <a:chExt cx="0" cy="0"/>
+        </a:xfrm>
+      </p:grpSpPr>
+      <p:sp>
+        <p:nvSpPr>
+          <p:cNvPr id="2" name="Rectangle 1">
+            <a:extLst>
+              <a:ext uri="{FF2B5EF4-FFF2-40B4-BE49-F238E27FC236}">
+                <a16:creationId xmlns:a16="http://schemas.microsoft.com/office/drawing/2014/main" id="{A194BB3F-B4B7-42DF-BB9D-A10782CE4279}"/>
+              </a:ext>
+            </a:extLst>
+          </p:cNvPr>
+          <p:cNvSpPr/>
+          <p:nvPr/>
+        </p:nvSpPr>
+        <p:spPr>
+          <a:xfrm>
+            <a:off x="2002335" y="554425"/>
+            <a:ext cx="3443425" cy="5933588"/>
+          </a:xfrm>
+          <a:prstGeom prst="rect">
+            <a:avLst/>
+          </a:prstGeom>
+        </p:spPr>
+        <p:style>
+          <a:lnRef idx="2">
+            <a:schemeClr val="accent1">
+              <a:shade val="50000"/>
+            </a:schemeClr>
+          </a:lnRef>
+          <a:fillRef idx="1">
+            <a:schemeClr val="accent1"/>
+          </a:fillRef>
+          <a:effectRef idx="0">
+            <a:schemeClr val="accent1"/>
+          </a:effectRef>
+          <a:fontRef idx="minor">
+            <a:schemeClr val="lt1"/>
+          </a:fontRef>
+        </p:style>
+        <p:txBody>
+          <a:bodyPr rtlCol="0" anchor="ctr"/>
+          <a:lstStyle/>
+          <a:p>
+            <a:pPr algn="ctr"/>
+            <a:endParaRPr lang="en-US"/>
+          </a:p>
+        </p:txBody>
+      </p:sp>
+      <p:sp>
+        <p:nvSpPr>
+          <p:cNvPr id="4" name="TextBox 3">
+            <a:extLst>
+              <a:ext uri="{FF2B5EF4-FFF2-40B4-BE49-F238E27FC236}">
+                <a16:creationId xmlns:a16="http://schemas.microsoft.com/office/drawing/2014/main" id="{AB8493C0-FBBE-4C81-AAC6-8D1E851CB373}"/>
+              </a:ext>
+            </a:extLst>
+          </p:cNvPr>
+          <p:cNvSpPr txBox="1"/>
+          <p:nvPr/>
+        </p:nvSpPr>
+        <p:spPr>
+          <a:xfrm>
+            <a:off x="6096000" y="477520"/>
+            <a:ext cx="4602480" cy="4524315"/>
+          </a:xfrm>
+          <a:prstGeom prst="rect">
+            <a:avLst/>
+          </a:prstGeom>
+          <a:noFill/>
+        </p:spPr>
+        <p:txBody>
+          <a:bodyPr wrap="square" rtlCol="0">
+            <a:spAutoFit/>
+          </a:bodyPr>
+          <a:lstStyle/>
+          <a:p>
+            <a:pPr marL="285750" indent="-285750">
+              <a:buFont typeface="Arial" panose="020B0604020202020204" pitchFamily="34" charset="0"/>
+              <a:buChar char="•"/>
+            </a:pPr>
+            <a:r>
+              <a:rPr lang="en-US" dirty="0"/>
+              <a:t>Levels</a:t>
+            </a:r>
+          </a:p>
+          <a:p>
+            <a:pPr marL="285750" indent="-285750">
+              <a:buFont typeface="Arial" panose="020B0604020202020204" pitchFamily="34" charset="0"/>
+              <a:buChar char="•"/>
+            </a:pPr>
+            <a:r>
+              <a:rPr lang="en-US" dirty="0"/>
+              <a:t>Parts</a:t>
+            </a:r>
+          </a:p>
+          <a:p>
+            <a:pPr marL="742950" lvl="1" indent="-285750">
+              <a:buFont typeface="Arial" panose="020B0604020202020204" pitchFamily="34" charset="0"/>
+              <a:buChar char="•"/>
+            </a:pPr>
+            <a:r>
+              <a:rPr lang="en-US" dirty="0"/>
+              <a:t>Verse</a:t>
+            </a:r>
+          </a:p>
+          <a:p>
+            <a:pPr marL="742950" lvl="1" indent="-285750">
+              <a:buFont typeface="Arial" panose="020B0604020202020204" pitchFamily="34" charset="0"/>
+              <a:buChar char="•"/>
+            </a:pPr>
+            <a:r>
+              <a:rPr lang="en-US" dirty="0"/>
+              <a:t>Chorus</a:t>
+            </a:r>
+          </a:p>
+          <a:p>
+            <a:pPr marL="742950" lvl="1" indent="-285750">
+              <a:buFont typeface="Arial" panose="020B0604020202020204" pitchFamily="34" charset="0"/>
+              <a:buChar char="•"/>
+            </a:pPr>
+            <a:r>
+              <a:rPr lang="en-US" dirty="0"/>
+              <a:t>Bridge</a:t>
+            </a:r>
+          </a:p>
+          <a:p>
+            <a:pPr marL="742950" lvl="1" indent="-285750">
+              <a:buFont typeface="Arial" panose="020B0604020202020204" pitchFamily="34" charset="0"/>
+              <a:buChar char="•"/>
+            </a:pPr>
+            <a:r>
+              <a:rPr lang="en-US" dirty="0" err="1"/>
+              <a:t>Inrto</a:t>
+            </a:r>
+            <a:endParaRPr lang="en-US" dirty="0"/>
+          </a:p>
+          <a:p>
+            <a:pPr marL="742950" lvl="1" indent="-285750">
+              <a:buFont typeface="Arial" panose="020B0604020202020204" pitchFamily="34" charset="0"/>
+              <a:buChar char="•"/>
+            </a:pPr>
+            <a:r>
+              <a:rPr lang="en-US" dirty="0" err="1"/>
+              <a:t>PreChorus</a:t>
+            </a:r>
+            <a:endParaRPr lang="en-US" dirty="0"/>
+          </a:p>
+          <a:p>
+            <a:pPr marL="285750" indent="-285750">
+              <a:buFont typeface="Arial" panose="020B0604020202020204" pitchFamily="34" charset="0"/>
+              <a:buChar char="•"/>
+            </a:pPr>
+            <a:r>
+              <a:rPr lang="en-US" dirty="0"/>
+              <a:t>Type of Levels</a:t>
+            </a:r>
+          </a:p>
+          <a:p>
+            <a:pPr marL="742950" lvl="1" indent="-285750">
+              <a:buFont typeface="Arial" panose="020B0604020202020204" pitchFamily="34" charset="0"/>
+              <a:buChar char="•"/>
+            </a:pPr>
+            <a:r>
+              <a:rPr lang="en-US" dirty="0"/>
+              <a:t>Bass</a:t>
+            </a:r>
+          </a:p>
+          <a:p>
+            <a:pPr marL="742950" lvl="1" indent="-285750">
+              <a:buFont typeface="Arial" panose="020B0604020202020204" pitchFamily="34" charset="0"/>
+              <a:buChar char="•"/>
+            </a:pPr>
+            <a:r>
+              <a:rPr lang="en-US" dirty="0" err="1"/>
+              <a:t>Mids</a:t>
+            </a:r>
+            <a:endParaRPr lang="en-US" dirty="0"/>
+          </a:p>
+          <a:p>
+            <a:pPr marL="742950" lvl="1" indent="-285750">
+              <a:buFont typeface="Arial" panose="020B0604020202020204" pitchFamily="34" charset="0"/>
+              <a:buChar char="•"/>
+            </a:pPr>
+            <a:r>
+              <a:rPr lang="en-US" dirty="0"/>
+              <a:t>High </a:t>
+            </a:r>
+            <a:r>
+              <a:rPr lang="en-US" dirty="0" err="1"/>
+              <a:t>Mids</a:t>
+            </a:r>
+            <a:endParaRPr lang="en-US" dirty="0"/>
+          </a:p>
+          <a:p>
+            <a:pPr marL="742950" lvl="1" indent="-285750">
+              <a:buFont typeface="Arial" panose="020B0604020202020204" pitchFamily="34" charset="0"/>
+              <a:buChar char="•"/>
+            </a:pPr>
+            <a:r>
+              <a:rPr lang="en-US" dirty="0"/>
+              <a:t>Highs</a:t>
+            </a:r>
+          </a:p>
+          <a:p>
+            <a:pPr marL="742950" lvl="1" indent="-285750">
+              <a:buFont typeface="Arial" panose="020B0604020202020204" pitchFamily="34" charset="0"/>
+              <a:buChar char="•"/>
+            </a:pPr>
+            <a:r>
+              <a:rPr lang="en-US" dirty="0"/>
+              <a:t>Reverb/</a:t>
+            </a:r>
+            <a:r>
+              <a:rPr lang="en-US" dirty="0" err="1"/>
+              <a:t>fx</a:t>
+            </a:r>
+            <a:endParaRPr lang="en-US" dirty="0"/>
+          </a:p>
+          <a:p>
+            <a:pPr marL="285750" indent="-285750">
+              <a:buFont typeface="Arial" panose="020B0604020202020204" pitchFamily="34" charset="0"/>
+              <a:buChar char="•"/>
+            </a:pPr>
+            <a:r>
+              <a:rPr lang="en-US" dirty="0"/>
+              <a:t>Pitch</a:t>
+            </a:r>
+          </a:p>
+          <a:p>
+            <a:pPr marL="285750" indent="-285750">
+              <a:buFont typeface="Arial" panose="020B0604020202020204" pitchFamily="34" charset="0"/>
+              <a:buChar char="•"/>
+            </a:pPr>
+            <a:endParaRPr lang="en-US" dirty="0"/>
+          </a:p>
+          <a:p>
+            <a:pPr marL="742950" lvl="1" indent="-285750">
+              <a:buFont typeface="Arial" panose="020B0604020202020204" pitchFamily="34" charset="0"/>
+              <a:buChar char="•"/>
+            </a:pPr>
+            <a:endParaRPr lang="en-US" dirty="0"/>
+          </a:p>
+        </p:txBody>
+      </p:sp>
+      <p:sp>
+        <p:nvSpPr>
+          <p:cNvPr id="6" name="Rectangle 5">
+            <a:extLst>
+              <a:ext uri="{FF2B5EF4-FFF2-40B4-BE49-F238E27FC236}">
+                <a16:creationId xmlns:a16="http://schemas.microsoft.com/office/drawing/2014/main" id="{DD20BDF1-C31A-4C60-9C16-C31EF2BFB505}"/>
+              </a:ext>
+            </a:extLst>
+          </p:cNvPr>
+          <p:cNvSpPr/>
+          <p:nvPr/>
+        </p:nvSpPr>
+        <p:spPr>
+          <a:xfrm>
+            <a:off x="2123440" y="4897120"/>
+            <a:ext cx="3119120" cy="1406455"/>
+          </a:xfrm>
+          <a:prstGeom prst="rect">
+            <a:avLst/>
+          </a:prstGeom>
+          <a:solidFill>
+            <a:schemeClr val="tx1">
+              <a:lumMod val="75000"/>
+              <a:lumOff val="25000"/>
+            </a:schemeClr>
+          </a:solidFill>
+        </p:spPr>
+        <p:style>
+          <a:lnRef idx="2">
+            <a:schemeClr val="accent1">
+              <a:shade val="50000"/>
+            </a:schemeClr>
+          </a:lnRef>
+          <a:fillRef idx="1">
+            <a:schemeClr val="accent1"/>
+          </a:fillRef>
+          <a:effectRef idx="0">
+            <a:schemeClr val="accent1"/>
+          </a:effectRef>
+          <a:fontRef idx="minor">
+            <a:schemeClr val="lt1"/>
+          </a:fontRef>
+        </p:style>
+        <p:txBody>
+          <a:bodyPr rtlCol="0" anchor="ctr"/>
+          <a:lstStyle/>
+          <a:p>
+            <a:r>
+              <a:rPr lang="en-US" dirty="0"/>
+              <a:t>Notes</a:t>
+            </a:r>
+          </a:p>
+        </p:txBody>
+      </p:sp>
+      <p:sp>
+        <p:nvSpPr>
+          <p:cNvPr id="7" name="TextBox 6">
+            <a:extLst>
+              <a:ext uri="{FF2B5EF4-FFF2-40B4-BE49-F238E27FC236}">
+                <a16:creationId xmlns:a16="http://schemas.microsoft.com/office/drawing/2014/main" id="{D8161ED5-3EC5-4BF2-9F6B-500A8F7538E6}"/>
+              </a:ext>
+            </a:extLst>
+          </p:cNvPr>
+          <p:cNvSpPr txBox="1"/>
+          <p:nvPr/>
+        </p:nvSpPr>
+        <p:spPr>
+          <a:xfrm>
+            <a:off x="8961120" y="372805"/>
+            <a:ext cx="2946400" cy="5632311"/>
+          </a:xfrm>
+          <a:prstGeom prst="rect">
+            <a:avLst/>
+          </a:prstGeom>
+          <a:noFill/>
+        </p:spPr>
+        <p:txBody>
+          <a:bodyPr wrap="square" rtlCol="0">
+            <a:spAutoFit/>
+          </a:bodyPr>
+          <a:lstStyle/>
+          <a:p>
+            <a:pPr marL="285750" indent="-285750">
+              <a:buFont typeface="Arial" panose="020B0604020202020204" pitchFamily="34" charset="0"/>
+              <a:buChar char="•"/>
+            </a:pPr>
+            <a:r>
+              <a:rPr lang="en-US" dirty="0"/>
+              <a:t>Tracks</a:t>
+            </a:r>
+          </a:p>
+          <a:p>
+            <a:pPr marL="742950" lvl="1" indent="-285750">
+              <a:buFont typeface="Arial" panose="020B0604020202020204" pitchFamily="34" charset="0"/>
+              <a:buChar char="•"/>
+            </a:pPr>
+            <a:r>
+              <a:rPr lang="en-US" dirty="0"/>
+              <a:t>Drums</a:t>
+            </a:r>
+          </a:p>
+          <a:p>
+            <a:pPr marL="1200150" lvl="2" indent="-285750">
+              <a:buFont typeface="Arial" panose="020B0604020202020204" pitchFamily="34" charset="0"/>
+              <a:buChar char="•"/>
+            </a:pPr>
+            <a:r>
+              <a:rPr lang="en-US" dirty="0"/>
+              <a:t>Kick</a:t>
+            </a:r>
+          </a:p>
+          <a:p>
+            <a:pPr marL="1200150" lvl="2" indent="-285750">
+              <a:buFont typeface="Arial" panose="020B0604020202020204" pitchFamily="34" charset="0"/>
+              <a:buChar char="•"/>
+            </a:pPr>
+            <a:r>
+              <a:rPr lang="en-US" dirty="0"/>
+              <a:t>Snare</a:t>
+            </a:r>
+          </a:p>
+          <a:p>
+            <a:pPr marL="1200150" lvl="2" indent="-285750">
+              <a:buFont typeface="Arial" panose="020B0604020202020204" pitchFamily="34" charset="0"/>
+              <a:buChar char="•"/>
+            </a:pPr>
+            <a:r>
+              <a:rPr lang="en-US" dirty="0"/>
+              <a:t>HH</a:t>
+            </a:r>
+          </a:p>
+          <a:p>
+            <a:pPr marL="1200150" lvl="2" indent="-285750">
+              <a:buFont typeface="Arial" panose="020B0604020202020204" pitchFamily="34" charset="0"/>
+              <a:buChar char="•"/>
+            </a:pPr>
+            <a:r>
+              <a:rPr lang="en-US" dirty="0"/>
+              <a:t>Overs</a:t>
+            </a:r>
+          </a:p>
+          <a:p>
+            <a:pPr marL="1200150" lvl="2" indent="-285750">
+              <a:buFont typeface="Arial" panose="020B0604020202020204" pitchFamily="34" charset="0"/>
+              <a:buChar char="•"/>
+            </a:pPr>
+            <a:r>
+              <a:rPr lang="en-US" dirty="0"/>
+              <a:t>Toms</a:t>
+            </a:r>
+          </a:p>
+          <a:p>
+            <a:pPr marL="1657350" lvl="3" indent="-285750">
+              <a:buFont typeface="Arial" panose="020B0604020202020204" pitchFamily="34" charset="0"/>
+              <a:buChar char="•"/>
+            </a:pPr>
+            <a:r>
+              <a:rPr lang="en-US" dirty="0"/>
+              <a:t>Hi</a:t>
+            </a:r>
+          </a:p>
+          <a:p>
+            <a:pPr marL="1657350" lvl="3" indent="-285750">
+              <a:buFont typeface="Arial" panose="020B0604020202020204" pitchFamily="34" charset="0"/>
+              <a:buChar char="•"/>
+            </a:pPr>
+            <a:r>
+              <a:rPr lang="en-US" dirty="0"/>
+              <a:t>Med</a:t>
+            </a:r>
+          </a:p>
+          <a:p>
+            <a:pPr marL="1657350" lvl="3" indent="-285750">
+              <a:buFont typeface="Arial" panose="020B0604020202020204" pitchFamily="34" charset="0"/>
+              <a:buChar char="•"/>
+            </a:pPr>
+            <a:r>
+              <a:rPr lang="en-US" dirty="0"/>
+              <a:t>Low</a:t>
+            </a:r>
+          </a:p>
+          <a:p>
+            <a:pPr marL="742950" lvl="1" indent="-285750">
+              <a:buFont typeface="Arial" panose="020B0604020202020204" pitchFamily="34" charset="0"/>
+              <a:buChar char="•"/>
+            </a:pPr>
+            <a:r>
+              <a:rPr lang="en-US" dirty="0"/>
+              <a:t>Acoustic</a:t>
+            </a:r>
+          </a:p>
+          <a:p>
+            <a:pPr marL="742950" lvl="1" indent="-285750">
+              <a:buFont typeface="Arial" panose="020B0604020202020204" pitchFamily="34" charset="0"/>
+              <a:buChar char="•"/>
+            </a:pPr>
+            <a:r>
+              <a:rPr lang="en-US" dirty="0"/>
+              <a:t>Perc</a:t>
+            </a:r>
+          </a:p>
+          <a:p>
+            <a:pPr marL="742950" lvl="1" indent="-285750">
+              <a:buFont typeface="Arial" panose="020B0604020202020204" pitchFamily="34" charset="0"/>
+              <a:buChar char="•"/>
+            </a:pPr>
+            <a:r>
+              <a:rPr lang="en-US" dirty="0"/>
+              <a:t>Rhythm </a:t>
+            </a:r>
+            <a:r>
+              <a:rPr lang="en-US" dirty="0" err="1"/>
+              <a:t>Gtr</a:t>
+            </a:r>
+            <a:endParaRPr lang="en-US" dirty="0"/>
+          </a:p>
+          <a:p>
+            <a:pPr marL="742950" lvl="1" indent="-285750">
+              <a:buFont typeface="Arial" panose="020B0604020202020204" pitchFamily="34" charset="0"/>
+              <a:buChar char="•"/>
+            </a:pPr>
+            <a:r>
+              <a:rPr lang="en-US" dirty="0"/>
+              <a:t>Piano</a:t>
+            </a:r>
+          </a:p>
+          <a:p>
+            <a:pPr marL="742950" lvl="1" indent="-285750">
+              <a:buFont typeface="Arial" panose="020B0604020202020204" pitchFamily="34" charset="0"/>
+              <a:buChar char="•"/>
+            </a:pPr>
+            <a:r>
+              <a:rPr lang="en-US" dirty="0"/>
+              <a:t>Keys</a:t>
+            </a:r>
+          </a:p>
+          <a:p>
+            <a:pPr marL="742950" lvl="1" indent="-285750">
+              <a:buFont typeface="Arial" panose="020B0604020202020204" pitchFamily="34" charset="0"/>
+              <a:buChar char="•"/>
+            </a:pPr>
+            <a:r>
+              <a:rPr lang="en-US" dirty="0"/>
+              <a:t>Bass</a:t>
+            </a:r>
+          </a:p>
+          <a:p>
+            <a:pPr marL="742950" lvl="1" indent="-285750">
+              <a:buFont typeface="Arial" panose="020B0604020202020204" pitchFamily="34" charset="0"/>
+              <a:buChar char="•"/>
+            </a:pPr>
+            <a:r>
+              <a:rPr lang="en-US" dirty="0"/>
+              <a:t>Lead </a:t>
+            </a:r>
+            <a:r>
+              <a:rPr lang="en-US" dirty="0" err="1"/>
+              <a:t>Gtr</a:t>
+            </a:r>
+            <a:endParaRPr lang="en-US" dirty="0"/>
+          </a:p>
+          <a:p>
+            <a:pPr marL="742950" lvl="1" indent="-285750">
+              <a:buFont typeface="Arial" panose="020B0604020202020204" pitchFamily="34" charset="0"/>
+              <a:buChar char="•"/>
+            </a:pPr>
+            <a:r>
+              <a:rPr lang="en-US" dirty="0"/>
+              <a:t>Strings</a:t>
+            </a:r>
+          </a:p>
+          <a:p>
+            <a:pPr marL="742950" lvl="1" indent="-285750">
+              <a:buFont typeface="Arial" panose="020B0604020202020204" pitchFamily="34" charset="0"/>
+              <a:buChar char="•"/>
+            </a:pPr>
+            <a:endParaRPr lang="en-US" dirty="0"/>
+          </a:p>
+          <a:p>
+            <a:pPr marL="742950" lvl="1" indent="-285750">
+              <a:buFont typeface="Arial" panose="020B0604020202020204" pitchFamily="34" charset="0"/>
+              <a:buChar char="•"/>
+            </a:pPr>
+            <a:endParaRPr lang="en-US" dirty="0"/>
+          </a:p>
+        </p:txBody>
+      </p:sp>
+    </p:spTree>
+    <p:extLst>
+      <p:ext uri="{BB962C8B-B14F-4D97-AF65-F5344CB8AC3E}">
+        <p14:creationId xmlns:p14="http://schemas.microsoft.com/office/powerpoint/2010/main" val="2334414300"/>
+      </p:ext>
+    </p:extLst>
+  </p:cSld>
+  <p:clrMapOvr>
+    <a:masterClrMapping/>
+  </p:clrMapOvr>
+</p:sld>
+</file>
+
+<file path=ppt/slides/slide4.xml><?xml version="1.0" encoding="utf-8"?>
+<p:sld xmlns:a="http://schemas.openxmlformats.org/drawingml/2006/main" xmlns:r="http://schemas.openxmlformats.org/officeDocument/2006/relationships" xmlns:p="http://schemas.openxmlformats.org/presentationml/2006/main">
+  <p:cSld>
     <p:bg>
       <p:bgPr>
         <a:solidFill>
@@ -5482,4 +6322,46 @@
     </a:ext>
   </a:extLst>
 </a:theme>
+</file>
+
+<file path=customXml/item1.xml><?xml version="1.0" encoding="utf-8"?>
+<Control xmlns="http://schemas.microsoft.com/VisualStudio/2011/storyboarding/control">
+  <Id Name="System.Storyboarding.WindowsAppIcons.Play" Revision="1" Stencil="System.Storyboarding.WindowsAppIcons" StencilVersion="0.1"/>
+</Control>
+</file>
+
+<file path=customXml/item2.xml><?xml version="1.0" encoding="utf-8"?>
+<Control xmlns="http://schemas.microsoft.com/VisualStudio/2011/storyboarding/control">
+  <Id Name="System.Storyboarding.WindowsAppIcons.Play" Revision="1" Stencil="System.Storyboarding.WindowsAppIcons" StencilVersion="0.1"/>
+</Control>
+</file>
+
+<file path=customXml/item3.xml><?xml version="1.0" encoding="utf-8"?>
+<Control xmlns="http://schemas.microsoft.com/VisualStudio/2011/storyboarding/control">
+  <Id Name="System.Storyboarding.WindowsAppIcons.Edit" Revision="1" Stencil="System.Storyboarding.WindowsAppIcons" StencilVersion="0.1"/>
+</Control>
+</file>
+
+<file path=customXml/itemProps1.xml><?xml version="1.0" encoding="utf-8"?>
+<ds:datastoreItem xmlns:ds="http://schemas.openxmlformats.org/officeDocument/2006/customXml" ds:itemID="{5B8607FE-59BB-43C3-BBC9-D002A93B2860}">
+  <ds:schemaRefs>
+    <ds:schemaRef ds:uri="http://schemas.microsoft.com/VisualStudio/2011/storyboarding/control"/>
+  </ds:schemaRefs>
+</ds:datastoreItem>
+</file>
+
+<file path=customXml/itemProps2.xml><?xml version="1.0" encoding="utf-8"?>
+<ds:datastoreItem xmlns:ds="http://schemas.openxmlformats.org/officeDocument/2006/customXml" ds:itemID="{5D95BE6E-D5AB-409A-85E4-CE7D6FA00509}">
+  <ds:schemaRefs>
+    <ds:schemaRef ds:uri="http://schemas.microsoft.com/VisualStudio/2011/storyboarding/control"/>
+  </ds:schemaRefs>
+</ds:datastoreItem>
+</file>
+
+<file path=customXml/itemProps3.xml><?xml version="1.0" encoding="utf-8"?>
+<ds:datastoreItem xmlns:ds="http://schemas.openxmlformats.org/officeDocument/2006/customXml" ds:itemID="{61361C12-AEB1-4243-8694-E22DB7BB0B58}">
+  <ds:schemaRefs>
+    <ds:schemaRef ds:uri="http://schemas.microsoft.com/VisualStudio/2011/storyboarding/control"/>
+  </ds:schemaRefs>
+</ds:datastoreItem>
 </file>
--- a/Prototype/Icon.pptx
+++ b/Prototype/Icon.pptx
@@ -2,13 +2,13 @@
 <file path=ppt/presentation.xml><?xml version="1.0" encoding="utf-8"?>
 <p:presentation xmlns:a="http://schemas.openxmlformats.org/drawingml/2006/main" xmlns:r="http://schemas.openxmlformats.org/officeDocument/2006/relationships" xmlns:p="http://schemas.openxmlformats.org/presentationml/2006/main" saveSubsetFonts="1">
   <p:sldMasterIdLst>
-    <p:sldMasterId id="2147483648" r:id="rId4"/>
+    <p:sldMasterId id="2147483648" r:id="rId8"/>
   </p:sldMasterIdLst>
   <p:sldIdLst>
-    <p:sldId id="256" r:id="rId5"/>
-    <p:sldId id="258" r:id="rId6"/>
-    <p:sldId id="259" r:id="rId7"/>
-    <p:sldId id="257" r:id="rId8"/>
+    <p:sldId id="256" r:id="rId9"/>
+    <p:sldId id="258" r:id="rId10"/>
+    <p:sldId id="259" r:id="rId11"/>
+    <p:sldId id="257" r:id="rId12"/>
   </p:sldIdLst>
   <p:sldSz cx="12192000" cy="6858000"/>
   <p:notesSz cx="6858000" cy="9144000"/>
@@ -262,7 +262,7 @@
           <a:p>
             <a:fld id="{245C2C28-0D12-4EC8-9616-6109F8E9BCEB}" type="datetimeFigureOut">
               <a:rPr lang="en-US" smtClean="0"/>
-              <a:t>10/3/2018</a:t>
+              <a:t>10/13/2018</a:t>
             </a:fld>
             <a:endParaRPr lang="en-US"/>
           </a:p>
@@ -460,7 +460,7 @@
           <a:p>
             <a:fld id="{245C2C28-0D12-4EC8-9616-6109F8E9BCEB}" type="datetimeFigureOut">
               <a:rPr lang="en-US" smtClean="0"/>
-              <a:t>10/3/2018</a:t>
+              <a:t>10/13/2018</a:t>
             </a:fld>
             <a:endParaRPr lang="en-US"/>
           </a:p>
@@ -668,7 +668,7 @@
           <a:p>
             <a:fld id="{245C2C28-0D12-4EC8-9616-6109F8E9BCEB}" type="datetimeFigureOut">
               <a:rPr lang="en-US" smtClean="0"/>
-              <a:t>10/3/2018</a:t>
+              <a:t>10/13/2018</a:t>
             </a:fld>
             <a:endParaRPr lang="en-US"/>
           </a:p>
@@ -866,7 +866,7 @@
           <a:p>
             <a:fld id="{245C2C28-0D12-4EC8-9616-6109F8E9BCEB}" type="datetimeFigureOut">
               <a:rPr lang="en-US" smtClean="0"/>
-              <a:t>10/3/2018</a:t>
+              <a:t>10/13/2018</a:t>
             </a:fld>
             <a:endParaRPr lang="en-US"/>
           </a:p>
@@ -1141,7 +1141,7 @@
           <a:p>
             <a:fld id="{245C2C28-0D12-4EC8-9616-6109F8E9BCEB}" type="datetimeFigureOut">
               <a:rPr lang="en-US" smtClean="0"/>
-              <a:t>10/3/2018</a:t>
+              <a:t>10/13/2018</a:t>
             </a:fld>
             <a:endParaRPr lang="en-US"/>
           </a:p>
@@ -1406,7 +1406,7 @@
           <a:p>
             <a:fld id="{245C2C28-0D12-4EC8-9616-6109F8E9BCEB}" type="datetimeFigureOut">
               <a:rPr lang="en-US" smtClean="0"/>
-              <a:t>10/3/2018</a:t>
+              <a:t>10/13/2018</a:t>
             </a:fld>
             <a:endParaRPr lang="en-US"/>
           </a:p>
@@ -1818,7 +1818,7 @@
           <a:p>
             <a:fld id="{245C2C28-0D12-4EC8-9616-6109F8E9BCEB}" type="datetimeFigureOut">
               <a:rPr lang="en-US" smtClean="0"/>
-              <a:t>10/3/2018</a:t>
+              <a:t>10/13/2018</a:t>
             </a:fld>
             <a:endParaRPr lang="en-US"/>
           </a:p>
@@ -1959,7 +1959,7 @@
           <a:p>
             <a:fld id="{245C2C28-0D12-4EC8-9616-6109F8E9BCEB}" type="datetimeFigureOut">
               <a:rPr lang="en-US" smtClean="0"/>
-              <a:t>10/3/2018</a:t>
+              <a:t>10/13/2018</a:t>
             </a:fld>
             <a:endParaRPr lang="en-US"/>
           </a:p>
@@ -2072,7 +2072,7 @@
           <a:p>
             <a:fld id="{245C2C28-0D12-4EC8-9616-6109F8E9BCEB}" type="datetimeFigureOut">
               <a:rPr lang="en-US" smtClean="0"/>
-              <a:t>10/3/2018</a:t>
+              <a:t>10/13/2018</a:t>
             </a:fld>
             <a:endParaRPr lang="en-US"/>
           </a:p>
@@ -2383,7 +2383,7 @@
           <a:p>
             <a:fld id="{245C2C28-0D12-4EC8-9616-6109F8E9BCEB}" type="datetimeFigureOut">
               <a:rPr lang="en-US" smtClean="0"/>
-              <a:t>10/3/2018</a:t>
+              <a:t>10/13/2018</a:t>
             </a:fld>
             <a:endParaRPr lang="en-US"/>
           </a:p>
@@ -2671,7 +2671,7 @@
           <a:p>
             <a:fld id="{245C2C28-0D12-4EC8-9616-6109F8E9BCEB}" type="datetimeFigureOut">
               <a:rPr lang="en-US" smtClean="0"/>
-              <a:t>10/3/2018</a:t>
+              <a:t>10/13/2018</a:t>
             </a:fld>
             <a:endParaRPr lang="en-US"/>
           </a:p>
@@ -2912,7 +2912,7 @@
           <a:p>
             <a:fld id="{245C2C28-0D12-4EC8-9616-6109F8E9BCEB}" type="datetimeFigureOut">
               <a:rPr lang="en-US" smtClean="0"/>
-              <a:t>10/3/2018</a:t>
+              <a:t>10/13/2018</a:t>
             </a:fld>
             <a:endParaRPr lang="en-US"/>
           </a:p>
@@ -3815,7 +3815,7 @@
           </p:nvPr>
         </p:nvPicPr>
         <p:blipFill>
-          <a:blip r:embed="rId5">
+          <a:blip r:embed="rId9">
             <a:extLst>
               <a:ext uri="{28A0092B-C50C-407E-A947-70E740481C1C}">
                 <a14:useLocalDpi xmlns:a14="http://schemas.microsoft.com/office/drawing/2010/main" val="0"/>
@@ -3922,12 +3922,12 @@
             </p:cNvPicPr>
             <p:nvPr>
               <p:custDataLst>
-                <p:custData r:id="rId3"/>
+                <p:custData r:id="rId7"/>
               </p:custDataLst>
             </p:nvPr>
           </p:nvPicPr>
           <p:blipFill>
-            <a:blip r:embed="rId5">
+            <a:blip r:embed="rId9">
               <a:extLst>
                 <a:ext uri="{28A0092B-C50C-407E-A947-70E740481C1C}">
                   <a14:useLocalDpi xmlns:a14="http://schemas.microsoft.com/office/drawing/2010/main" val="0"/>
@@ -4020,7 +4020,7 @@
           </p:nvPr>
         </p:nvPicPr>
         <p:blipFill rotWithShape="1">
-          <a:blip r:embed="rId6">
+          <a:blip r:embed="rId10">
             <a:extLst>
               <a:ext uri="{28A0092B-C50C-407E-A947-70E740481C1C}">
                 <a14:useLocalDpi xmlns:a14="http://schemas.microsoft.com/office/drawing/2010/main" val="0"/>
@@ -4034,6 +4034,166 @@
           <a:xfrm>
             <a:off x="1035503" y="1787418"/>
             <a:ext cx="276225" cy="285750"/>
+          </a:xfrm>
+          <a:prstGeom prst="rect">
+            <a:avLst/>
+          </a:prstGeom>
+        </p:spPr>
+      </p:pic>
+      <p:pic>
+        <p:nvPicPr>
+          <p:cNvPr id="8" name="Picture 7">
+            <a:extLst>
+              <a:ext uri="{FF2B5EF4-FFF2-40B4-BE49-F238E27FC236}">
+                <a16:creationId xmlns:a16="http://schemas.microsoft.com/office/drawing/2014/main" id="{D762D232-0492-4AEB-BB2C-B00A755B904C}"/>
+              </a:ext>
+            </a:extLst>
+          </p:cNvPr>
+          <p:cNvPicPr preferRelativeResize="0">
+            <a:picLocks/>
+          </p:cNvPicPr>
+          <p:nvPr>
+            <p:custDataLst>
+              <p:custData r:id="rId3"/>
+            </p:custDataLst>
+          </p:nvPr>
+        </p:nvPicPr>
+        <p:blipFill>
+          <a:blip r:embed="rId11">
+            <a:extLst>
+              <a:ext uri="{28A0092B-C50C-407E-A947-70E740481C1C}">
+                <a14:useLocalDpi xmlns:a14="http://schemas.microsoft.com/office/drawing/2010/main" val="0"/>
+              </a:ext>
+            </a:extLst>
+          </a:blip>
+          <a:stretch>
+            <a:fillRect/>
+          </a:stretch>
+        </p:blipFill>
+        <p:spPr>
+          <a:xfrm>
+            <a:off x="875589" y="1254526"/>
+            <a:ext cx="566101" cy="566101"/>
+          </a:xfrm>
+          <a:prstGeom prst="rect">
+            <a:avLst/>
+          </a:prstGeom>
+        </p:spPr>
+      </p:pic>
+      <p:pic>
+        <p:nvPicPr>
+          <p:cNvPr id="9" name="Picture 8">
+            <a:extLst>
+              <a:ext uri="{FF2B5EF4-FFF2-40B4-BE49-F238E27FC236}">
+                <a16:creationId xmlns:a16="http://schemas.microsoft.com/office/drawing/2014/main" id="{512647F8-512A-460E-AB25-A05A10D364C4}"/>
+              </a:ext>
+            </a:extLst>
+          </p:cNvPr>
+          <p:cNvPicPr preferRelativeResize="0">
+            <a:picLocks/>
+          </p:cNvPicPr>
+          <p:nvPr>
+            <p:custDataLst>
+              <p:custData r:id="rId4"/>
+            </p:custDataLst>
+          </p:nvPr>
+        </p:nvPicPr>
+        <p:blipFill>
+          <a:blip r:embed="rId12">
+            <a:extLst>
+              <a:ext uri="{28A0092B-C50C-407E-A947-70E740481C1C}">
+                <a14:useLocalDpi xmlns:a14="http://schemas.microsoft.com/office/drawing/2010/main" val="0"/>
+              </a:ext>
+            </a:extLst>
+          </a:blip>
+          <a:stretch>
+            <a:fillRect/>
+          </a:stretch>
+        </p:blipFill>
+        <p:spPr>
+          <a:xfrm>
+            <a:off x="917970" y="920989"/>
+            <a:ext cx="522429" cy="470829"/>
+          </a:xfrm>
+          <a:prstGeom prst="rect">
+            <a:avLst/>
+          </a:prstGeom>
+        </p:spPr>
+      </p:pic>
+      <p:pic>
+        <p:nvPicPr>
+          <p:cNvPr id="10" name="Picture 9">
+            <a:extLst>
+              <a:ext uri="{FF2B5EF4-FFF2-40B4-BE49-F238E27FC236}">
+                <a16:creationId xmlns:a16="http://schemas.microsoft.com/office/drawing/2014/main" id="{554AA7BD-F926-4024-95C9-21E2280F8B5B}"/>
+              </a:ext>
+            </a:extLst>
+          </p:cNvPr>
+          <p:cNvPicPr preferRelativeResize="0">
+            <a:picLocks/>
+          </p:cNvPicPr>
+          <p:nvPr>
+            <p:custDataLst>
+              <p:custData r:id="rId5"/>
+            </p:custDataLst>
+          </p:nvPr>
+        </p:nvPicPr>
+        <p:blipFill>
+          <a:blip r:embed="rId13">
+            <a:extLst>
+              <a:ext uri="{28A0092B-C50C-407E-A947-70E740481C1C}">
+                <a14:useLocalDpi xmlns:a14="http://schemas.microsoft.com/office/drawing/2010/main" val="0"/>
+              </a:ext>
+            </a:extLst>
+          </a:blip>
+          <a:stretch>
+            <a:fillRect/>
+          </a:stretch>
+        </p:blipFill>
+        <p:spPr>
+          <a:xfrm>
+            <a:off x="917970" y="2764412"/>
+            <a:ext cx="522429" cy="522429"/>
+          </a:xfrm>
+          <a:prstGeom prst="rect">
+            <a:avLst/>
+          </a:prstGeom>
+        </p:spPr>
+      </p:pic>
+      <p:pic>
+        <p:nvPicPr>
+          <p:cNvPr id="11" name="Picture 10">
+            <a:extLst>
+              <a:ext uri="{FF2B5EF4-FFF2-40B4-BE49-F238E27FC236}">
+                <a16:creationId xmlns:a16="http://schemas.microsoft.com/office/drawing/2014/main" id="{4DA9E312-0E5E-4F00-A346-F1D7DFD0DE28}"/>
+              </a:ext>
+            </a:extLst>
+          </p:cNvPr>
+          <p:cNvPicPr preferRelativeResize="0">
+            <a:picLocks/>
+          </p:cNvPicPr>
+          <p:nvPr>
+            <p:custDataLst>
+              <p:custData r:id="rId6"/>
+            </p:custDataLst>
+          </p:nvPr>
+        </p:nvPicPr>
+        <p:blipFill>
+          <a:blip r:embed="rId14">
+            <a:extLst>
+              <a:ext uri="{28A0092B-C50C-407E-A947-70E740481C1C}">
+                <a14:useLocalDpi xmlns:a14="http://schemas.microsoft.com/office/drawing/2010/main" val="0"/>
+              </a:ext>
+            </a:extLst>
+          </a:blip>
+          <a:stretch>
+            <a:fillRect/>
+          </a:stretch>
+        </p:blipFill>
+        <p:spPr>
+          <a:xfrm>
+            <a:off x="933384" y="530076"/>
+            <a:ext cx="450510" cy="450510"/>
           </a:xfrm>
           <a:prstGeom prst="rect">
             <a:avLst/>
@@ -6326,7 +6486,7 @@
 
 <file path=customXml/item1.xml><?xml version="1.0" encoding="utf-8"?>
 <Control xmlns="http://schemas.microsoft.com/VisualStudio/2011/storyboarding/control">
-  <Id Name="System.Storyboarding.WindowsAppIcons.Play" Revision="1" Stencil="System.Storyboarding.WindowsAppIcons" StencilVersion="0.1"/>
+  <Id Name="System.Storyboarding.WindowsAppIcons.Edit" Revision="1" Stencil="System.Storyboarding.WindowsAppIcons" StencilVersion="0.1"/>
 </Control>
 </file>
 
@@ -6338,12 +6498,36 @@
 
 <file path=customXml/item3.xml><?xml version="1.0" encoding="utf-8"?>
 <Control xmlns="http://schemas.microsoft.com/VisualStudio/2011/storyboarding/control">
-  <Id Name="System.Storyboarding.WindowsAppIcons.Edit" Revision="1" Stencil="System.Storyboarding.WindowsAppIcons" StencilVersion="0.1"/>
+  <Id Name="System.Storyboarding.WindowsAppIcons.Play" Revision="1" Stencil="System.Storyboarding.WindowsAppIcons" StencilVersion="0.1"/>
+</Control>
+</file>
+
+<file path=customXml/item4.xml><?xml version="1.0" encoding="utf-8"?>
+<Control xmlns="http://schemas.microsoft.com/VisualStudio/2011/storyboarding/control">
+  <Id Name="System.Storyboarding.WindowsPhoneIcons.Cancel" Revision="1" Stencil="System.Storyboarding.WindowsPhoneIcons" StencilVersion="0.1"/>
+</Control>
+</file>
+
+<file path=customXml/item5.xml><?xml version="1.0" encoding="utf-8"?>
+<Control xmlns="http://schemas.microsoft.com/VisualStudio/2011/storyboarding/control">
+  <Id Name="System.Storyboarding.WindowsPhoneIcons.Add" Revision="1" Stencil="System.Storyboarding.WindowsPhoneIcons" StencilVersion="0.1"/>
+</Control>
+</file>
+
+<file path=customXml/item6.xml><?xml version="1.0" encoding="utf-8"?>
+<Control xmlns="http://schemas.microsoft.com/VisualStudio/2011/storyboarding/control">
+  <Id Name="System.Storyboarding.WindowsPhoneIcons.Refresh" Revision="1" Stencil="System.Storyboarding.WindowsPhoneIcons" StencilVersion="0.1"/>
+</Control>
+</file>
+
+<file path=customXml/item7.xml><?xml version="1.0" encoding="utf-8"?>
+<Control xmlns="http://schemas.microsoft.com/VisualStudio/2011/storyboarding/control">
+  <Id Name="System.Storyboarding.WindowsPhoneIcons.Minus" Revision="1" Stencil="System.Storyboarding.WindowsPhoneIcons" StencilVersion="0.1"/>
 </Control>
 </file>
 
 <file path=customXml/itemProps1.xml><?xml version="1.0" encoding="utf-8"?>
-<ds:datastoreItem xmlns:ds="http://schemas.openxmlformats.org/officeDocument/2006/customXml" ds:itemID="{5B8607FE-59BB-43C3-BBC9-D002A93B2860}">
+<ds:datastoreItem xmlns:ds="http://schemas.openxmlformats.org/officeDocument/2006/customXml" ds:itemID="{61361C12-AEB1-4243-8694-E22DB7BB0B58}">
   <ds:schemaRefs>
     <ds:schemaRef ds:uri="http://schemas.microsoft.com/VisualStudio/2011/storyboarding/control"/>
   </ds:schemaRefs>
@@ -6359,7 +6543,39 @@
 </file>
 
 <file path=customXml/itemProps3.xml><?xml version="1.0" encoding="utf-8"?>
-<ds:datastoreItem xmlns:ds="http://schemas.openxmlformats.org/officeDocument/2006/customXml" ds:itemID="{61361C12-AEB1-4243-8694-E22DB7BB0B58}">
+<ds:datastoreItem xmlns:ds="http://schemas.openxmlformats.org/officeDocument/2006/customXml" ds:itemID="{5B8607FE-59BB-43C3-BBC9-D002A93B2860}">
+  <ds:schemaRefs>
+    <ds:schemaRef ds:uri="http://schemas.microsoft.com/VisualStudio/2011/storyboarding/control"/>
+  </ds:schemaRefs>
+</ds:datastoreItem>
+</file>
+
+<file path=customXml/itemProps4.xml><?xml version="1.0" encoding="utf-8"?>
+<ds:datastoreItem xmlns:ds="http://schemas.openxmlformats.org/officeDocument/2006/customXml" ds:itemID="{0F4FBE72-4778-4A80-9A59-1EAA7879E88B}">
+  <ds:schemaRefs>
+    <ds:schemaRef ds:uri="http://schemas.microsoft.com/VisualStudio/2011/storyboarding/control"/>
+  </ds:schemaRefs>
+</ds:datastoreItem>
+</file>
+
+<file path=customXml/itemProps5.xml><?xml version="1.0" encoding="utf-8"?>
+<ds:datastoreItem xmlns:ds="http://schemas.openxmlformats.org/officeDocument/2006/customXml" ds:itemID="{182A85CA-4E58-49C8-8C48-758766C210A9}">
+  <ds:schemaRefs>
+    <ds:schemaRef ds:uri="http://schemas.microsoft.com/VisualStudio/2011/storyboarding/control"/>
+  </ds:schemaRefs>
+</ds:datastoreItem>
+</file>
+
+<file path=customXml/itemProps6.xml><?xml version="1.0" encoding="utf-8"?>
+<ds:datastoreItem xmlns:ds="http://schemas.openxmlformats.org/officeDocument/2006/customXml" ds:itemID="{F50EEE5E-70AE-4092-8CFF-7CEEF7A1A3DA}">
+  <ds:schemaRefs>
+    <ds:schemaRef ds:uri="http://schemas.microsoft.com/VisualStudio/2011/storyboarding/control"/>
+  </ds:schemaRefs>
+</ds:datastoreItem>
+</file>
+
+<file path=customXml/itemProps7.xml><?xml version="1.0" encoding="utf-8"?>
+<ds:datastoreItem xmlns:ds="http://schemas.openxmlformats.org/officeDocument/2006/customXml" ds:itemID="{0CAA02FD-32C9-42E8-98BE-0EAAD29173F4}">
   <ds:schemaRefs>
     <ds:schemaRef ds:uri="http://schemas.microsoft.com/VisualStudio/2011/storyboarding/control"/>
   </ds:schemaRefs>

--- a/Prototype/Icon.pptx
+++ b/Prototype/Icon.pptx
@@ -2,13 +2,22 @@
 <file path=ppt/presentation.xml><?xml version="1.0" encoding="utf-8"?>
 <p:presentation xmlns:a="http://schemas.openxmlformats.org/drawingml/2006/main" xmlns:r="http://schemas.openxmlformats.org/officeDocument/2006/relationships" xmlns:p="http://schemas.openxmlformats.org/presentationml/2006/main" saveSubsetFonts="1">
   <p:sldMasterIdLst>
-    <p:sldMasterId id="2147483648" r:id="rId8"/>
+    <p:sldMasterId id="2147483648" r:id="rId64"/>
   </p:sldMasterIdLst>
   <p:sldIdLst>
-    <p:sldId id="256" r:id="rId9"/>
-    <p:sldId id="258" r:id="rId10"/>
-    <p:sldId id="259" r:id="rId11"/>
-    <p:sldId id="257" r:id="rId12"/>
+    <p:sldId id="256" r:id="rId65"/>
+    <p:sldId id="267" r:id="rId66"/>
+    <p:sldId id="268" r:id="rId67"/>
+    <p:sldId id="258" r:id="rId68"/>
+    <p:sldId id="259" r:id="rId69"/>
+    <p:sldId id="261" r:id="rId70"/>
+    <p:sldId id="265" r:id="rId71"/>
+    <p:sldId id="264" r:id="rId72"/>
+    <p:sldId id="260" r:id="rId73"/>
+    <p:sldId id="262" r:id="rId74"/>
+    <p:sldId id="263" r:id="rId75"/>
+    <p:sldId id="266" r:id="rId76"/>
+    <p:sldId id="257" r:id="rId77"/>
   </p:sldIdLst>
   <p:sldSz cx="12192000" cy="6858000"/>
   <p:notesSz cx="6858000" cy="9144000"/>
@@ -262,7 +271,7 @@
           <a:p>
             <a:fld id="{245C2C28-0D12-4EC8-9616-6109F8E9BCEB}" type="datetimeFigureOut">
               <a:rPr lang="en-US" smtClean="0"/>
-              <a:t>10/13/2018</a:t>
+              <a:t>1/23/2019</a:t>
             </a:fld>
             <a:endParaRPr lang="en-US"/>
           </a:p>
@@ -460,7 +469,7 @@
           <a:p>
             <a:fld id="{245C2C28-0D12-4EC8-9616-6109F8E9BCEB}" type="datetimeFigureOut">
               <a:rPr lang="en-US" smtClean="0"/>
-              <a:t>10/13/2018</a:t>
+              <a:t>1/23/2019</a:t>
             </a:fld>
             <a:endParaRPr lang="en-US"/>
           </a:p>
@@ -668,7 +677,7 @@
           <a:p>
             <a:fld id="{245C2C28-0D12-4EC8-9616-6109F8E9BCEB}" type="datetimeFigureOut">
               <a:rPr lang="en-US" smtClean="0"/>
-              <a:t>10/13/2018</a:t>
+              <a:t>1/23/2019</a:t>
             </a:fld>
             <a:endParaRPr lang="en-US"/>
           </a:p>
@@ -866,7 +875,7 @@
           <a:p>
             <a:fld id="{245C2C28-0D12-4EC8-9616-6109F8E9BCEB}" type="datetimeFigureOut">
               <a:rPr lang="en-US" smtClean="0"/>
-              <a:t>10/13/2018</a:t>
+              <a:t>1/23/2019</a:t>
             </a:fld>
             <a:endParaRPr lang="en-US"/>
           </a:p>
@@ -1141,7 +1150,7 @@
           <a:p>
             <a:fld id="{245C2C28-0D12-4EC8-9616-6109F8E9BCEB}" type="datetimeFigureOut">
               <a:rPr lang="en-US" smtClean="0"/>
-              <a:t>10/13/2018</a:t>
+              <a:t>1/23/2019</a:t>
             </a:fld>
             <a:endParaRPr lang="en-US"/>
           </a:p>
@@ -1406,7 +1415,7 @@
           <a:p>
             <a:fld id="{245C2C28-0D12-4EC8-9616-6109F8E9BCEB}" type="datetimeFigureOut">
               <a:rPr lang="en-US" smtClean="0"/>
-              <a:t>10/13/2018</a:t>
+              <a:t>1/23/2019</a:t>
             </a:fld>
             <a:endParaRPr lang="en-US"/>
           </a:p>
@@ -1818,7 +1827,7 @@
           <a:p>
             <a:fld id="{245C2C28-0D12-4EC8-9616-6109F8E9BCEB}" type="datetimeFigureOut">
               <a:rPr lang="en-US" smtClean="0"/>
-              <a:t>10/13/2018</a:t>
+              <a:t>1/23/2019</a:t>
             </a:fld>
             <a:endParaRPr lang="en-US"/>
           </a:p>
@@ -1959,7 +1968,7 @@
           <a:p>
             <a:fld id="{245C2C28-0D12-4EC8-9616-6109F8E9BCEB}" type="datetimeFigureOut">
               <a:rPr lang="en-US" smtClean="0"/>
-              <a:t>10/13/2018</a:t>
+              <a:t>1/23/2019</a:t>
             </a:fld>
             <a:endParaRPr lang="en-US"/>
           </a:p>
@@ -2072,7 +2081,7 @@
           <a:p>
             <a:fld id="{245C2C28-0D12-4EC8-9616-6109F8E9BCEB}" type="datetimeFigureOut">
               <a:rPr lang="en-US" smtClean="0"/>
-              <a:t>10/13/2018</a:t>
+              <a:t>1/23/2019</a:t>
             </a:fld>
             <a:endParaRPr lang="en-US"/>
           </a:p>
@@ -2383,7 +2392,7 @@
           <a:p>
             <a:fld id="{245C2C28-0D12-4EC8-9616-6109F8E9BCEB}" type="datetimeFigureOut">
               <a:rPr lang="en-US" smtClean="0"/>
-              <a:t>10/13/2018</a:t>
+              <a:t>1/23/2019</a:t>
             </a:fld>
             <a:endParaRPr lang="en-US"/>
           </a:p>
@@ -2671,7 +2680,7 @@
           <a:p>
             <a:fld id="{245C2C28-0D12-4EC8-9616-6109F8E9BCEB}" type="datetimeFigureOut">
               <a:rPr lang="en-US" smtClean="0"/>
-              <a:t>10/13/2018</a:t>
+              <a:t>1/23/2019</a:t>
             </a:fld>
             <a:endParaRPr lang="en-US"/>
           </a:p>
@@ -2912,7 +2921,7 @@
           <a:p>
             <a:fld id="{245C2C28-0D12-4EC8-9616-6109F8E9BCEB}" type="datetimeFigureOut">
               <a:rPr lang="en-US" smtClean="0"/>
-              <a:t>10/13/2018</a:t>
+              <a:t>1/23/2019</a:t>
             </a:fld>
             <a:endParaRPr lang="en-US"/>
           </a:p>
@@ -3779,7 +3788,7 @@
 </p:sld>
 </file>
 
-<file path=ppt/slides/slide2.xml><?xml version="1.0" encoding="utf-8"?>
+<file path=ppt/slides/slide10.xml><?xml version="1.0" encoding="utf-8"?>
 <p:sld xmlns:a="http://schemas.openxmlformats.org/drawingml/2006/main" xmlns:r="http://schemas.openxmlformats.org/officeDocument/2006/relationships" xmlns:p="http://schemas.openxmlformats.org/presentationml/2006/main">
   <p:cSld>
     <p:spTree>
@@ -3796,12 +3805,63 @@
           <a:chExt cx="0" cy="0"/>
         </a:xfrm>
       </p:grpSpPr>
+      <p:sp>
+        <p:nvSpPr>
+          <p:cNvPr id="2" name="Rectangle 1">
+            <a:extLst>
+              <a:ext uri="{FF2B5EF4-FFF2-40B4-BE49-F238E27FC236}">
+                <a16:creationId xmlns:a16="http://schemas.microsoft.com/office/drawing/2014/main" id="{C293F4E4-0927-4CEC-BA8A-C957A75E398A}"/>
+              </a:ext>
+            </a:extLst>
+          </p:cNvPr>
+          <p:cNvSpPr/>
+          <p:nvPr/>
+        </p:nvSpPr>
+        <p:spPr>
+          <a:xfrm>
+            <a:off x="5079999" y="3779207"/>
+            <a:ext cx="1745673" cy="377330"/>
+          </a:xfrm>
+          <a:prstGeom prst="rect">
+            <a:avLst/>
+          </a:prstGeom>
+        </p:spPr>
+        <p:style>
+          <a:lnRef idx="0">
+            <a:schemeClr val="accent2"/>
+          </a:lnRef>
+          <a:fillRef idx="3">
+            <a:schemeClr val="accent2"/>
+          </a:fillRef>
+          <a:effectRef idx="3">
+            <a:schemeClr val="accent2"/>
+          </a:effectRef>
+          <a:fontRef idx="minor">
+            <a:schemeClr val="lt1"/>
+          </a:fontRef>
+        </p:style>
+        <p:txBody>
+          <a:bodyPr rtlCol="0" anchor="ctr"/>
+          <a:lstStyle/>
+          <a:p>
+            <a:r>
+              <a:rPr lang="en-US" dirty="0"/>
+              <a:t>Lead </a:t>
+            </a:r>
+            <a:r>
+              <a:rPr lang="en-US" dirty="0" err="1"/>
+              <a:t>Gtr</a:t>
+            </a:r>
+            <a:endParaRPr lang="en-US" dirty="0"/>
+          </a:p>
+        </p:txBody>
+      </p:sp>
       <p:pic>
         <p:nvPicPr>
-          <p:cNvPr id="2" name="Picture 1">
-            <a:extLst>
-              <a:ext uri="{FF2B5EF4-FFF2-40B4-BE49-F238E27FC236}">
-                <a16:creationId xmlns:a16="http://schemas.microsoft.com/office/drawing/2014/main" id="{78D28494-B058-453F-8158-A3512158C307}"/>
+          <p:cNvPr id="3" name="Picture 2">
+            <a:extLst>
+              <a:ext uri="{FF2B5EF4-FFF2-40B4-BE49-F238E27FC236}">
+                <a16:creationId xmlns:a16="http://schemas.microsoft.com/office/drawing/2014/main" id="{8AF317C1-920A-4E1F-8B6C-18426D0717B1}"/>
               </a:ext>
             </a:extLst>
           </p:cNvPr>
@@ -3814,34 +3874,463 @@
             </p:custDataLst>
           </p:nvPr>
         </p:nvPicPr>
-        <p:blipFill>
-          <a:blip r:embed="rId9">
+        <p:blipFill rotWithShape="1">
+          <a:blip r:embed="rId12">
             <a:extLst>
               <a:ext uri="{28A0092B-C50C-407E-A947-70E740481C1C}">
                 <a14:useLocalDpi xmlns:a14="http://schemas.microsoft.com/office/drawing/2010/main" val="0"/>
               </a:ext>
             </a:extLst>
           </a:blip>
+          <a:srcRect l="24992" t="23267" r="24992" b="24992"/>
+          <a:stretch/>
+        </p:blipFill>
+        <p:spPr>
+          <a:xfrm>
+            <a:off x="6505268" y="3827182"/>
+            <a:ext cx="276225" cy="285750"/>
+          </a:xfrm>
+          <a:prstGeom prst="rect">
+            <a:avLst/>
+          </a:prstGeom>
+        </p:spPr>
+        <p:style>
+          <a:lnRef idx="0">
+            <a:schemeClr val="accent3"/>
+          </a:lnRef>
+          <a:fillRef idx="3">
+            <a:schemeClr val="accent3"/>
+          </a:fillRef>
+          <a:effectRef idx="3">
+            <a:schemeClr val="accent3"/>
+          </a:effectRef>
+          <a:fontRef idx="minor">
+            <a:schemeClr val="lt1"/>
+          </a:fontRef>
+        </p:style>
+      </p:pic>
+      <p:grpSp>
+        <p:nvGrpSpPr>
+          <p:cNvPr id="15" name="Group 14">
+            <a:extLst>
+              <a:ext uri="{FF2B5EF4-FFF2-40B4-BE49-F238E27FC236}">
+                <a16:creationId xmlns:a16="http://schemas.microsoft.com/office/drawing/2014/main" id="{34B91532-0C38-48E0-87ED-9237DFBAC68F}"/>
+              </a:ext>
+            </a:extLst>
+          </p:cNvPr>
+          <p:cNvGrpSpPr/>
+          <p:nvPr/>
+        </p:nvGrpSpPr>
+        <p:grpSpPr>
+          <a:xfrm>
+            <a:off x="6082169" y="2504214"/>
+            <a:ext cx="510395" cy="1731523"/>
+            <a:chOff x="6271098" y="953311"/>
+            <a:chExt cx="510395" cy="1731523"/>
+          </a:xfrm>
+        </p:grpSpPr>
+        <p:sp>
+          <p:nvSpPr>
+            <p:cNvPr id="14" name="Rectangle 13">
+              <a:extLst>
+                <a:ext uri="{FF2B5EF4-FFF2-40B4-BE49-F238E27FC236}">
+                  <a16:creationId xmlns:a16="http://schemas.microsoft.com/office/drawing/2014/main" id="{EC9D4C03-9F1D-461C-BAF5-B89D42B8CA91}"/>
+                </a:ext>
+              </a:extLst>
+            </p:cNvPr>
+            <p:cNvSpPr/>
+            <p:nvPr/>
+          </p:nvSpPr>
+          <p:spPr>
+            <a:xfrm>
+              <a:off x="6271098" y="953311"/>
+              <a:ext cx="510395" cy="1731523"/>
+            </a:xfrm>
+            <a:prstGeom prst="rect">
+              <a:avLst/>
+            </a:prstGeom>
+          </p:spPr>
+          <p:style>
+            <a:lnRef idx="0">
+              <a:schemeClr val="accent1"/>
+            </a:lnRef>
+            <a:fillRef idx="3">
+              <a:schemeClr val="accent1"/>
+            </a:fillRef>
+            <a:effectRef idx="3">
+              <a:schemeClr val="accent1"/>
+            </a:effectRef>
+            <a:fontRef idx="minor">
+              <a:schemeClr val="lt1"/>
+            </a:fontRef>
+          </p:style>
+          <p:txBody>
+            <a:bodyPr rtlCol="0" anchor="ctr"/>
+            <a:lstStyle/>
+            <a:p>
+              <a:pPr algn="ctr"/>
+              <a:endParaRPr lang="en-US"/>
+            </a:p>
+          </p:txBody>
+        </p:sp>
+        <p:sp>
+          <p:nvSpPr>
+            <p:cNvPr id="5" name="Rectangle 96">
+              <a:extLst>
+                <a:ext uri="{FF2B5EF4-FFF2-40B4-BE49-F238E27FC236}">
+                  <a16:creationId xmlns:a16="http://schemas.microsoft.com/office/drawing/2014/main" id="{3556950B-4F54-4A45-8FB8-8FEB325EBB62}"/>
+                </a:ext>
+              </a:extLst>
+            </p:cNvPr>
+            <p:cNvSpPr>
+              <a:spLocks noChangeArrowheads="1"/>
+            </p:cNvSpPr>
+            <p:nvPr>
+              <p:custDataLst>
+                <p:custData r:id="rId3"/>
+                <p:custData r:id="rId4"/>
+              </p:custDataLst>
+            </p:nvPr>
+          </p:nvSpPr>
+          <p:spPr bwMode="black">
+            <a:xfrm>
+              <a:off x="6381518" y="1767750"/>
+              <a:ext cx="253782" cy="48768"/>
+            </a:xfrm>
+            <a:prstGeom prst="rect">
+              <a:avLst/>
+            </a:prstGeom>
+            <a:solidFill>
+              <a:srgbClr val="000000"/>
+            </a:solidFill>
+            <a:ln>
+              <a:noFill/>
+            </a:ln>
+            <a:extLst/>
+          </p:spPr>
+          <p:txBody>
+            <a:bodyPr vert="horz" wrap="square" lIns="97576" tIns="48788" rIns="97576" bIns="48788" numCol="1" anchor="t" anchorCtr="0" compatLnSpc="1">
+              <a:prstTxWarp prst="textNoShape">
+                <a:avLst/>
+              </a:prstTxWarp>
+            </a:bodyPr>
+            <a:lstStyle/>
+            <a:p>
+              <a:endParaRPr lang="en-US"/>
+            </a:p>
+          </p:txBody>
+        </p:sp>
+        <p:pic>
+          <p:nvPicPr>
+            <p:cNvPr id="7" name="Picture 6">
+              <a:extLst>
+                <a:ext uri="{FF2B5EF4-FFF2-40B4-BE49-F238E27FC236}">
+                  <a16:creationId xmlns:a16="http://schemas.microsoft.com/office/drawing/2014/main" id="{054785E6-CD14-4D55-BD49-76BCFFAAA933}"/>
+                </a:ext>
+              </a:extLst>
+            </p:cNvPr>
+            <p:cNvPicPr preferRelativeResize="0">
+              <a:picLocks/>
+            </p:cNvPicPr>
+            <p:nvPr>
+              <p:custDataLst>
+                <p:custData r:id="rId5"/>
+              </p:custDataLst>
+            </p:nvPr>
+          </p:nvPicPr>
+          <p:blipFill>
+            <a:blip r:embed="rId13">
+              <a:extLst>
+                <a:ext uri="{28A0092B-C50C-407E-A947-70E740481C1C}">
+                  <a14:useLocalDpi xmlns:a14="http://schemas.microsoft.com/office/drawing/2010/main" val="0"/>
+                </a:ext>
+              </a:extLst>
+            </a:blip>
+            <a:stretch>
+              <a:fillRect/>
+            </a:stretch>
+          </p:blipFill>
+          <p:spPr>
+            <a:xfrm rot="5400000">
+              <a:off x="6398393" y="2253173"/>
+              <a:ext cx="213750" cy="247500"/>
+            </a:xfrm>
+            <a:prstGeom prst="rect">
+              <a:avLst/>
+            </a:prstGeom>
+          </p:spPr>
+        </p:pic>
+        <p:pic>
+          <p:nvPicPr>
+            <p:cNvPr id="8" name="Picture 7">
+              <a:extLst>
+                <a:ext uri="{FF2B5EF4-FFF2-40B4-BE49-F238E27FC236}">
+                  <a16:creationId xmlns:a16="http://schemas.microsoft.com/office/drawing/2014/main" id="{75B5C8B4-06DE-46EF-8A3D-D943370AC8AE}"/>
+                </a:ext>
+              </a:extLst>
+            </p:cNvPr>
+            <p:cNvPicPr preferRelativeResize="0">
+              <a:picLocks/>
+            </p:cNvPicPr>
+            <p:nvPr>
+              <p:custDataLst>
+                <p:custData r:id="rId6"/>
+              </p:custDataLst>
+            </p:nvPr>
+          </p:nvPicPr>
+          <p:blipFill>
+            <a:blip r:embed="rId13">
+              <a:extLst>
+                <a:ext uri="{28A0092B-C50C-407E-A947-70E740481C1C}">
+                  <a14:useLocalDpi xmlns:a14="http://schemas.microsoft.com/office/drawing/2010/main" val="0"/>
+                </a:ext>
+              </a:extLst>
+            </a:blip>
+            <a:stretch>
+              <a:fillRect/>
+            </a:stretch>
+          </p:blipFill>
+          <p:spPr>
+            <a:xfrm rot="5400000">
+              <a:off x="6398393" y="2336582"/>
+              <a:ext cx="213750" cy="247500"/>
+            </a:xfrm>
+            <a:prstGeom prst="rect">
+              <a:avLst/>
+            </a:prstGeom>
+          </p:spPr>
+        </p:pic>
+        <p:pic>
+          <p:nvPicPr>
+            <p:cNvPr id="9" name="Picture 8">
+              <a:extLst>
+                <a:ext uri="{FF2B5EF4-FFF2-40B4-BE49-F238E27FC236}">
+                  <a16:creationId xmlns:a16="http://schemas.microsoft.com/office/drawing/2014/main" id="{B1F50DC6-5CD8-4367-9314-772F0A7EEAC2}"/>
+                </a:ext>
+              </a:extLst>
+            </p:cNvPr>
+            <p:cNvPicPr preferRelativeResize="0">
+              <a:picLocks/>
+            </p:cNvPicPr>
+            <p:nvPr>
+              <p:custDataLst>
+                <p:custData r:id="rId7"/>
+              </p:custDataLst>
+            </p:nvPr>
+          </p:nvPicPr>
+          <p:blipFill>
+            <a:blip r:embed="rId13">
+              <a:extLst>
+                <a:ext uri="{28A0092B-C50C-407E-A947-70E740481C1C}">
+                  <a14:useLocalDpi xmlns:a14="http://schemas.microsoft.com/office/drawing/2010/main" val="0"/>
+                </a:ext>
+              </a:extLst>
+            </a:blip>
+            <a:stretch>
+              <a:fillRect/>
+            </a:stretch>
+          </p:blipFill>
+          <p:spPr>
+            <a:xfrm rot="5400000">
+              <a:off x="6398393" y="1919533"/>
+              <a:ext cx="213750" cy="247500"/>
+            </a:xfrm>
+            <a:prstGeom prst="rect">
+              <a:avLst/>
+            </a:prstGeom>
+          </p:spPr>
+        </p:pic>
+        <p:pic>
+          <p:nvPicPr>
+            <p:cNvPr id="10" name="Picture 9">
+              <a:extLst>
+                <a:ext uri="{FF2B5EF4-FFF2-40B4-BE49-F238E27FC236}">
+                  <a16:creationId xmlns:a16="http://schemas.microsoft.com/office/drawing/2014/main" id="{1D9D46D4-BC98-4D94-9800-6A7CD61F76A9}"/>
+                </a:ext>
+              </a:extLst>
+            </p:cNvPr>
+            <p:cNvPicPr preferRelativeResize="0">
+              <a:picLocks/>
+            </p:cNvPicPr>
+            <p:nvPr>
+              <p:custDataLst>
+                <p:custData r:id="rId8"/>
+              </p:custDataLst>
+            </p:nvPr>
+          </p:nvPicPr>
+          <p:blipFill>
+            <a:blip r:embed="rId13">
+              <a:extLst>
+                <a:ext uri="{28A0092B-C50C-407E-A947-70E740481C1C}">
+                  <a14:useLocalDpi xmlns:a14="http://schemas.microsoft.com/office/drawing/2010/main" val="0"/>
+                </a:ext>
+              </a:extLst>
+            </a:blip>
+            <a:stretch>
+              <a:fillRect/>
+            </a:stretch>
+          </p:blipFill>
+          <p:spPr>
+            <a:xfrm rot="16200000" flipV="1">
+              <a:off x="6398393" y="999268"/>
+              <a:ext cx="213750" cy="247500"/>
+            </a:xfrm>
+            <a:prstGeom prst="rect">
+              <a:avLst/>
+            </a:prstGeom>
+          </p:spPr>
+        </p:pic>
+        <p:pic>
+          <p:nvPicPr>
+            <p:cNvPr id="11" name="Picture 10">
+              <a:extLst>
+                <a:ext uri="{FF2B5EF4-FFF2-40B4-BE49-F238E27FC236}">
+                  <a16:creationId xmlns:a16="http://schemas.microsoft.com/office/drawing/2014/main" id="{D3963CDC-8308-426B-AD62-E92BAB62603A}"/>
+                </a:ext>
+              </a:extLst>
+            </p:cNvPr>
+            <p:cNvPicPr preferRelativeResize="0">
+              <a:picLocks/>
+            </p:cNvPicPr>
+            <p:nvPr>
+              <p:custDataLst>
+                <p:custData r:id="rId9"/>
+              </p:custDataLst>
+            </p:nvPr>
+          </p:nvPicPr>
+          <p:blipFill>
+            <a:blip r:embed="rId13">
+              <a:extLst>
+                <a:ext uri="{28A0092B-C50C-407E-A947-70E740481C1C}">
+                  <a14:useLocalDpi xmlns:a14="http://schemas.microsoft.com/office/drawing/2010/main" val="0"/>
+                </a:ext>
+              </a:extLst>
+            </a:blip>
+            <a:stretch>
+              <a:fillRect/>
+            </a:stretch>
+          </p:blipFill>
+          <p:spPr>
+            <a:xfrm rot="16200000" flipV="1">
+              <a:off x="6398393" y="1082677"/>
+              <a:ext cx="213750" cy="247500"/>
+            </a:xfrm>
+            <a:prstGeom prst="rect">
+              <a:avLst/>
+            </a:prstGeom>
+          </p:spPr>
+        </p:pic>
+        <p:pic>
+          <p:nvPicPr>
+            <p:cNvPr id="12" name="Picture 11">
+              <a:extLst>
+                <a:ext uri="{FF2B5EF4-FFF2-40B4-BE49-F238E27FC236}">
+                  <a16:creationId xmlns:a16="http://schemas.microsoft.com/office/drawing/2014/main" id="{7BDD4321-A5DB-4537-98ED-987CE638204C}"/>
+                </a:ext>
+              </a:extLst>
+            </p:cNvPr>
+            <p:cNvPicPr preferRelativeResize="0">
+              <a:picLocks/>
+            </p:cNvPicPr>
+            <p:nvPr>
+              <p:custDataLst>
+                <p:custData r:id="rId10"/>
+              </p:custDataLst>
+            </p:nvPr>
+          </p:nvPicPr>
+          <p:blipFill>
+            <a:blip r:embed="rId13">
+              <a:extLst>
+                <a:ext uri="{28A0092B-C50C-407E-A947-70E740481C1C}">
+                  <a14:useLocalDpi xmlns:a14="http://schemas.microsoft.com/office/drawing/2010/main" val="0"/>
+                </a:ext>
+              </a:extLst>
+            </a:blip>
+            <a:stretch>
+              <a:fillRect/>
+            </a:stretch>
+          </p:blipFill>
+          <p:spPr>
+            <a:xfrm rot="16200000" flipV="1">
+              <a:off x="6398393" y="1416776"/>
+              <a:ext cx="213750" cy="247500"/>
+            </a:xfrm>
+            <a:prstGeom prst="rect">
+              <a:avLst/>
+            </a:prstGeom>
+          </p:spPr>
+        </p:pic>
+      </p:grpSp>
+      <p:pic>
+        <p:nvPicPr>
+          <p:cNvPr id="13" name="Picture 2" descr="C:\Users\t-dantay\Documents\Placeholders\volume.png">
+            <a:extLst>
+              <a:ext uri="{FF2B5EF4-FFF2-40B4-BE49-F238E27FC236}">
+                <a16:creationId xmlns:a16="http://schemas.microsoft.com/office/drawing/2014/main" id="{D00A9281-A8CA-4E6C-BC8E-B9A2C567B33D}"/>
+              </a:ext>
+            </a:extLst>
+          </p:cNvPr>
+          <p:cNvPicPr>
+            <a:picLocks noChangeAspect="1" noChangeArrowheads="1"/>
+          </p:cNvPicPr>
+          <p:nvPr>
+            <p:custDataLst>
+              <p:custData r:id="rId2"/>
+            </p:custDataLst>
+          </p:nvPr>
+        </p:nvPicPr>
+        <p:blipFill>
+          <a:blip r:embed="rId14" cstate="print">
+            <a:extLst>
+              <a:ext uri="{28A0092B-C50C-407E-A947-70E740481C1C}">
+                <a14:useLocalDpi xmlns:a14="http://schemas.microsoft.com/office/drawing/2010/main" val="0"/>
+              </a:ext>
+            </a:extLst>
+          </a:blip>
+          <a:srcRect/>
           <a:stretch>
             <a:fillRect/>
           </a:stretch>
         </p:blipFill>
-        <p:spPr>
-          <a:xfrm>
-            <a:off x="1035503" y="2171290"/>
-            <a:ext cx="184413" cy="247500"/>
+        <p:spPr bwMode="auto">
+          <a:xfrm>
+            <a:off x="5652898" y="3181312"/>
+            <a:ext cx="443102" cy="377329"/>
           </a:xfrm>
           <a:prstGeom prst="rect">
             <a:avLst/>
           </a:prstGeom>
-        </p:spPr>
+          <a:extLst>
+            <a:ext uri="{909E8E84-426E-40DD-AFC4-6F175D3DCCD1}">
+              <a14:hiddenFill xmlns:a14="http://schemas.microsoft.com/office/drawing/2010/main">
+                <a:solidFill>
+                  <a:srgbClr val="FFFFFF"/>
+                </a:solidFill>
+              </a14:hiddenFill>
+            </a:ext>
+          </a:extLst>
+        </p:spPr>
+        <p:style>
+          <a:lnRef idx="1">
+            <a:schemeClr val="accent3"/>
+          </a:lnRef>
+          <a:fillRef idx="3">
+            <a:schemeClr val="accent3"/>
+          </a:fillRef>
+          <a:effectRef idx="2">
+            <a:schemeClr val="accent3"/>
+          </a:effectRef>
+          <a:fontRef idx="minor">
+            <a:schemeClr val="lt1"/>
+          </a:fontRef>
+        </p:style>
       </p:pic>
       <p:sp>
         <p:nvSpPr>
-          <p:cNvPr id="3" name="Rectangle 2">
-            <a:extLst>
-              <a:ext uri="{FF2B5EF4-FFF2-40B4-BE49-F238E27FC236}">
-                <a16:creationId xmlns:a16="http://schemas.microsoft.com/office/drawing/2014/main" id="{AE312CDA-960C-41F2-A181-76D43E73E11E}"/>
+          <p:cNvPr id="17" name="Rectangle 16">
+            <a:extLst>
+              <a:ext uri="{FF2B5EF4-FFF2-40B4-BE49-F238E27FC236}">
+                <a16:creationId xmlns:a16="http://schemas.microsoft.com/office/drawing/2014/main" id="{38F16E11-ACD5-4601-BBE0-66329EC61DB4}"/>
               </a:ext>
             </a:extLst>
           </p:cNvPr>
@@ -3850,18 +4339,12 @@
         </p:nvSpPr>
         <p:spPr>
           <a:xfrm>
-            <a:off x="1221834" y="2171290"/>
-            <a:ext cx="45719" cy="247500"/>
+            <a:off x="4226015" y="4518376"/>
+            <a:ext cx="3712307" cy="1731522"/>
           </a:xfrm>
           <a:prstGeom prst="rect">
             <a:avLst/>
           </a:prstGeom>
-          <a:solidFill>
-            <a:schemeClr val="tx1"/>
-          </a:solidFill>
-          <a:ln>
-            <a:noFill/>
-          </a:ln>
         </p:spPr>
         <p:style>
           <a:lnRef idx="2">
@@ -3888,322 +4371,151 @@
           </a:p>
         </p:txBody>
       </p:sp>
-      <p:grpSp>
-        <p:nvGrpSpPr>
-          <p:cNvPr id="6" name="Group 5">
-            <a:extLst>
-              <a:ext uri="{FF2B5EF4-FFF2-40B4-BE49-F238E27FC236}">
-                <a16:creationId xmlns:a16="http://schemas.microsoft.com/office/drawing/2014/main" id="{8520D60F-79EF-4728-83E3-ABC294E82FEA}"/>
-              </a:ext>
-            </a:extLst>
-          </p:cNvPr>
-          <p:cNvGrpSpPr/>
+      <p:sp>
+        <p:nvSpPr>
+          <p:cNvPr id="18" name="Rectangle 17">
+            <a:extLst>
+              <a:ext uri="{FF2B5EF4-FFF2-40B4-BE49-F238E27FC236}">
+                <a16:creationId xmlns:a16="http://schemas.microsoft.com/office/drawing/2014/main" id="{3E5B5DE6-3C7F-4C74-ACDC-56062823730E}"/>
+              </a:ext>
+            </a:extLst>
+          </p:cNvPr>
+          <p:cNvSpPr/>
           <p:nvPr/>
-        </p:nvGrpSpPr>
-        <p:grpSpPr>
-          <a:xfrm flipH="1">
-            <a:off x="1035503" y="2516912"/>
-            <a:ext cx="232050" cy="247500"/>
-            <a:chOff x="1035503" y="2516912"/>
-            <a:chExt cx="232050" cy="247500"/>
-          </a:xfrm>
-        </p:grpSpPr>
-        <p:pic>
-          <p:nvPicPr>
-            <p:cNvPr id="4" name="Picture 3">
-              <a:extLst>
-                <a:ext uri="{FF2B5EF4-FFF2-40B4-BE49-F238E27FC236}">
-                  <a16:creationId xmlns:a16="http://schemas.microsoft.com/office/drawing/2014/main" id="{AA915D65-0FBF-4AB3-BAAF-11C22D0A5BF5}"/>
-                </a:ext>
-              </a:extLst>
-            </p:cNvPr>
-            <p:cNvPicPr preferRelativeResize="0">
-              <a:picLocks/>
-            </p:cNvPicPr>
-            <p:nvPr>
-              <p:custDataLst>
-                <p:custData r:id="rId7"/>
-              </p:custDataLst>
-            </p:nvPr>
-          </p:nvPicPr>
-          <p:blipFill>
-            <a:blip r:embed="rId9">
-              <a:extLst>
-                <a:ext uri="{28A0092B-C50C-407E-A947-70E740481C1C}">
-                  <a14:useLocalDpi xmlns:a14="http://schemas.microsoft.com/office/drawing/2010/main" val="0"/>
-                </a:ext>
-              </a:extLst>
-            </a:blip>
-            <a:stretch>
-              <a:fillRect/>
-            </a:stretch>
-          </p:blipFill>
-          <p:spPr>
-            <a:xfrm>
-              <a:off x="1035503" y="2516912"/>
-              <a:ext cx="184413" cy="247500"/>
-            </a:xfrm>
-            <a:prstGeom prst="rect">
-              <a:avLst/>
-            </a:prstGeom>
-          </p:spPr>
-        </p:pic>
-        <p:sp>
-          <p:nvSpPr>
-            <p:cNvPr id="5" name="Rectangle 4">
-              <a:extLst>
-                <a:ext uri="{FF2B5EF4-FFF2-40B4-BE49-F238E27FC236}">
-                  <a16:creationId xmlns:a16="http://schemas.microsoft.com/office/drawing/2014/main" id="{A3B08E67-DA30-47BB-9F86-97C086D1FECB}"/>
-                </a:ext>
-              </a:extLst>
-            </p:cNvPr>
-            <p:cNvSpPr/>
-            <p:nvPr/>
-          </p:nvSpPr>
-          <p:spPr>
-            <a:xfrm>
-              <a:off x="1221834" y="2516912"/>
-              <a:ext cx="45719" cy="247500"/>
-            </a:xfrm>
-            <a:prstGeom prst="rect">
-              <a:avLst/>
-            </a:prstGeom>
-            <a:solidFill>
-              <a:schemeClr val="tx1"/>
-            </a:solidFill>
-            <a:ln>
-              <a:noFill/>
-            </a:ln>
-          </p:spPr>
-          <p:style>
-            <a:lnRef idx="2">
-              <a:schemeClr val="accent1">
-                <a:shade val="50000"/>
-              </a:schemeClr>
-            </a:lnRef>
-            <a:fillRef idx="1">
-              <a:schemeClr val="accent1"/>
-            </a:fillRef>
-            <a:effectRef idx="0">
-              <a:schemeClr val="accent1"/>
-            </a:effectRef>
-            <a:fontRef idx="minor">
-              <a:schemeClr val="lt1"/>
-            </a:fontRef>
-          </p:style>
-          <p:txBody>
-            <a:bodyPr rtlCol="0" anchor="ctr"/>
-            <a:lstStyle/>
-            <a:p>
-              <a:pPr algn="ctr"/>
-              <a:endParaRPr lang="en-US"/>
-            </a:p>
-          </p:txBody>
-        </p:sp>
-      </p:grpSp>
-      <p:pic>
-        <p:nvPicPr>
-          <p:cNvPr id="7" name="Picture 6">
-            <a:extLst>
-              <a:ext uri="{FF2B5EF4-FFF2-40B4-BE49-F238E27FC236}">
-                <a16:creationId xmlns:a16="http://schemas.microsoft.com/office/drawing/2014/main" id="{6D221579-EA75-45FB-BCD4-8786100E180D}"/>
-              </a:ext>
-            </a:extLst>
-          </p:cNvPr>
-          <p:cNvPicPr preferRelativeResize="0">
-            <a:picLocks/>
-          </p:cNvPicPr>
-          <p:nvPr>
-            <p:custDataLst>
-              <p:custData r:id="rId2"/>
-            </p:custDataLst>
-          </p:nvPr>
-        </p:nvPicPr>
-        <p:blipFill rotWithShape="1">
-          <a:blip r:embed="rId10">
-            <a:extLst>
-              <a:ext uri="{28A0092B-C50C-407E-A947-70E740481C1C}">
-                <a14:useLocalDpi xmlns:a14="http://schemas.microsoft.com/office/drawing/2010/main" val="0"/>
-              </a:ext>
-            </a:extLst>
-          </a:blip>
-          <a:srcRect l="24992" t="23267" r="24992" b="24992"/>
-          <a:stretch/>
-        </p:blipFill>
-        <p:spPr>
-          <a:xfrm>
-            <a:off x="1035503" y="1787418"/>
-            <a:ext cx="276225" cy="285750"/>
+        </p:nvSpPr>
+        <p:spPr>
+          <a:xfrm>
+            <a:off x="4448752" y="4737440"/>
+            <a:ext cx="1633416" cy="429846"/>
           </a:xfrm>
           <a:prstGeom prst="rect">
             <a:avLst/>
           </a:prstGeom>
         </p:spPr>
-      </p:pic>
-      <p:pic>
-        <p:nvPicPr>
-          <p:cNvPr id="8" name="Picture 7">
-            <a:extLst>
-              <a:ext uri="{FF2B5EF4-FFF2-40B4-BE49-F238E27FC236}">
-                <a16:creationId xmlns:a16="http://schemas.microsoft.com/office/drawing/2014/main" id="{D762D232-0492-4AEB-BB2C-B00A755B904C}"/>
-              </a:ext>
-            </a:extLst>
-          </p:cNvPr>
-          <p:cNvPicPr preferRelativeResize="0">
-            <a:picLocks/>
-          </p:cNvPicPr>
-          <p:nvPr>
-            <p:custDataLst>
-              <p:custData r:id="rId3"/>
-            </p:custDataLst>
-          </p:nvPr>
-        </p:nvPicPr>
-        <p:blipFill>
-          <a:blip r:embed="rId11">
-            <a:extLst>
-              <a:ext uri="{28A0092B-C50C-407E-A947-70E740481C1C}">
-                <a14:useLocalDpi xmlns:a14="http://schemas.microsoft.com/office/drawing/2010/main" val="0"/>
-              </a:ext>
-            </a:extLst>
-          </a:blip>
-          <a:stretch>
-            <a:fillRect/>
-          </a:stretch>
-        </p:blipFill>
-        <p:spPr>
-          <a:xfrm>
-            <a:off x="875589" y="1254526"/>
-            <a:ext cx="566101" cy="566101"/>
+        <p:style>
+          <a:lnRef idx="3">
+            <a:schemeClr val="lt1"/>
+          </a:lnRef>
+          <a:fillRef idx="1">
+            <a:schemeClr val="accent2"/>
+          </a:fillRef>
+          <a:effectRef idx="1">
+            <a:schemeClr val="accent2"/>
+          </a:effectRef>
+          <a:fontRef idx="minor">
+            <a:schemeClr val="lt1"/>
+          </a:fontRef>
+        </p:style>
+        <p:txBody>
+          <a:bodyPr rtlCol="0" anchor="ctr"/>
+          <a:lstStyle/>
+          <a:p>
+            <a:pPr algn="ctr"/>
+            <a:r>
+              <a:rPr lang="en-US" dirty="0"/>
+              <a:t>Vox</a:t>
+            </a:r>
+          </a:p>
+        </p:txBody>
+      </p:sp>
+      <p:sp>
+        <p:nvSpPr>
+          <p:cNvPr id="21" name="Rectangle 20">
+            <a:extLst>
+              <a:ext uri="{FF2B5EF4-FFF2-40B4-BE49-F238E27FC236}">
+                <a16:creationId xmlns:a16="http://schemas.microsoft.com/office/drawing/2014/main" id="{708AAD57-545F-4ECD-ACE6-F113D5366CEF}"/>
+              </a:ext>
+            </a:extLst>
+          </p:cNvPr>
+          <p:cNvSpPr/>
+          <p:nvPr/>
+        </p:nvSpPr>
+        <p:spPr>
+          <a:xfrm>
+            <a:off x="4462584" y="5284285"/>
+            <a:ext cx="1633416" cy="429846"/>
           </a:xfrm>
           <a:prstGeom prst="rect">
             <a:avLst/>
           </a:prstGeom>
         </p:spPr>
-      </p:pic>
-      <p:pic>
-        <p:nvPicPr>
-          <p:cNvPr id="9" name="Picture 8">
-            <a:extLst>
-              <a:ext uri="{FF2B5EF4-FFF2-40B4-BE49-F238E27FC236}">
-                <a16:creationId xmlns:a16="http://schemas.microsoft.com/office/drawing/2014/main" id="{512647F8-512A-460E-AB25-A05A10D364C4}"/>
-              </a:ext>
-            </a:extLst>
-          </p:cNvPr>
-          <p:cNvPicPr preferRelativeResize="0">
-            <a:picLocks/>
-          </p:cNvPicPr>
-          <p:nvPr>
-            <p:custDataLst>
-              <p:custData r:id="rId4"/>
-            </p:custDataLst>
-          </p:nvPr>
-        </p:nvPicPr>
-        <p:blipFill>
-          <a:blip r:embed="rId12">
-            <a:extLst>
-              <a:ext uri="{28A0092B-C50C-407E-A947-70E740481C1C}">
-                <a14:useLocalDpi xmlns:a14="http://schemas.microsoft.com/office/drawing/2010/main" val="0"/>
-              </a:ext>
-            </a:extLst>
-          </a:blip>
-          <a:stretch>
-            <a:fillRect/>
-          </a:stretch>
-        </p:blipFill>
-        <p:spPr>
-          <a:xfrm>
-            <a:off x="917970" y="920989"/>
-            <a:ext cx="522429" cy="470829"/>
+        <p:style>
+          <a:lnRef idx="3">
+            <a:schemeClr val="lt1"/>
+          </a:lnRef>
+          <a:fillRef idx="1">
+            <a:schemeClr val="accent2"/>
+          </a:fillRef>
+          <a:effectRef idx="1">
+            <a:schemeClr val="accent2"/>
+          </a:effectRef>
+          <a:fontRef idx="minor">
+            <a:schemeClr val="lt1"/>
+          </a:fontRef>
+        </p:style>
+        <p:txBody>
+          <a:bodyPr rtlCol="0" anchor="ctr"/>
+          <a:lstStyle/>
+          <a:p>
+            <a:pPr algn="ctr"/>
+            <a:r>
+              <a:rPr lang="en-US" dirty="0"/>
+              <a:t>Drums</a:t>
+            </a:r>
+          </a:p>
+        </p:txBody>
+      </p:sp>
+      <p:sp>
+        <p:nvSpPr>
+          <p:cNvPr id="22" name="Rectangle 21">
+            <a:extLst>
+              <a:ext uri="{FF2B5EF4-FFF2-40B4-BE49-F238E27FC236}">
+                <a16:creationId xmlns:a16="http://schemas.microsoft.com/office/drawing/2014/main" id="{F2A0E8BC-6E3E-4B79-A80B-65B223C72C29}"/>
+              </a:ext>
+            </a:extLst>
+          </p:cNvPr>
+          <p:cNvSpPr/>
+          <p:nvPr/>
+        </p:nvSpPr>
+        <p:spPr>
+          <a:xfrm>
+            <a:off x="6260260" y="4737440"/>
+            <a:ext cx="1633416" cy="429846"/>
           </a:xfrm>
           <a:prstGeom prst="rect">
             <a:avLst/>
           </a:prstGeom>
         </p:spPr>
-      </p:pic>
-      <p:pic>
-        <p:nvPicPr>
-          <p:cNvPr id="10" name="Picture 9">
-            <a:extLst>
-              <a:ext uri="{FF2B5EF4-FFF2-40B4-BE49-F238E27FC236}">
-                <a16:creationId xmlns:a16="http://schemas.microsoft.com/office/drawing/2014/main" id="{554AA7BD-F926-4024-95C9-21E2280F8B5B}"/>
-              </a:ext>
-            </a:extLst>
-          </p:cNvPr>
-          <p:cNvPicPr preferRelativeResize="0">
-            <a:picLocks/>
-          </p:cNvPicPr>
-          <p:nvPr>
-            <p:custDataLst>
-              <p:custData r:id="rId5"/>
-            </p:custDataLst>
-          </p:nvPr>
-        </p:nvPicPr>
-        <p:blipFill>
-          <a:blip r:embed="rId13">
-            <a:extLst>
-              <a:ext uri="{28A0092B-C50C-407E-A947-70E740481C1C}">
-                <a14:useLocalDpi xmlns:a14="http://schemas.microsoft.com/office/drawing/2010/main" val="0"/>
-              </a:ext>
-            </a:extLst>
-          </a:blip>
-          <a:stretch>
-            <a:fillRect/>
-          </a:stretch>
-        </p:blipFill>
-        <p:spPr>
-          <a:xfrm>
-            <a:off x="917970" y="2764412"/>
-            <a:ext cx="522429" cy="522429"/>
-          </a:xfrm>
-          <a:prstGeom prst="rect">
-            <a:avLst/>
-          </a:prstGeom>
-        </p:spPr>
-      </p:pic>
-      <p:pic>
-        <p:nvPicPr>
-          <p:cNvPr id="11" name="Picture 10">
-            <a:extLst>
-              <a:ext uri="{FF2B5EF4-FFF2-40B4-BE49-F238E27FC236}">
-                <a16:creationId xmlns:a16="http://schemas.microsoft.com/office/drawing/2014/main" id="{4DA9E312-0E5E-4F00-A346-F1D7DFD0DE28}"/>
-              </a:ext>
-            </a:extLst>
-          </p:cNvPr>
-          <p:cNvPicPr preferRelativeResize="0">
-            <a:picLocks/>
-          </p:cNvPicPr>
-          <p:nvPr>
-            <p:custDataLst>
-              <p:custData r:id="rId6"/>
-            </p:custDataLst>
-          </p:nvPr>
-        </p:nvPicPr>
-        <p:blipFill>
-          <a:blip r:embed="rId14">
-            <a:extLst>
-              <a:ext uri="{28A0092B-C50C-407E-A947-70E740481C1C}">
-                <a14:useLocalDpi xmlns:a14="http://schemas.microsoft.com/office/drawing/2010/main" val="0"/>
-              </a:ext>
-            </a:extLst>
-          </a:blip>
-          <a:stretch>
-            <a:fillRect/>
-          </a:stretch>
-        </p:blipFill>
-        <p:spPr>
-          <a:xfrm>
-            <a:off x="933384" y="530076"/>
-            <a:ext cx="450510" cy="450510"/>
-          </a:xfrm>
-          <a:prstGeom prst="rect">
-            <a:avLst/>
-          </a:prstGeom>
-        </p:spPr>
-      </p:pic>
+        <p:style>
+          <a:lnRef idx="3">
+            <a:schemeClr val="lt1"/>
+          </a:lnRef>
+          <a:fillRef idx="1">
+            <a:schemeClr val="accent2"/>
+          </a:fillRef>
+          <a:effectRef idx="1">
+            <a:schemeClr val="accent2"/>
+          </a:effectRef>
+          <a:fontRef idx="minor">
+            <a:schemeClr val="lt1"/>
+          </a:fontRef>
+        </p:style>
+        <p:txBody>
+          <a:bodyPr rtlCol="0" anchor="ctr"/>
+          <a:lstStyle/>
+          <a:p>
+            <a:pPr algn="ctr"/>
+            <a:r>
+              <a:rPr lang="en-US" dirty="0"/>
+              <a:t>Bass</a:t>
+            </a:r>
+          </a:p>
+        </p:txBody>
+      </p:sp>
     </p:spTree>
     <p:extLst>
       <p:ext uri="{BB962C8B-B14F-4D97-AF65-F5344CB8AC3E}">
-        <p14:creationId xmlns:p14="http://schemas.microsoft.com/office/powerpoint/2010/main" val="958477323"/>
+        <p14:creationId xmlns:p14="http://schemas.microsoft.com/office/powerpoint/2010/main" val="3737375108"/>
       </p:ext>
     </p:extLst>
   </p:cSld>
@@ -4213,7 +4525,7 @@
 </p:sld>
 </file>
 
-<file path=ppt/slides/slide3.xml><?xml version="1.0" encoding="utf-8"?>
+<file path=ppt/slides/slide11.xml><?xml version="1.0" encoding="utf-8"?>
 <p:sld xmlns:a="http://schemas.openxmlformats.org/drawingml/2006/main" xmlns:r="http://schemas.openxmlformats.org/officeDocument/2006/relationships" xmlns:p="http://schemas.openxmlformats.org/presentationml/2006/main">
   <p:cSld>
     <p:spTree>
@@ -4235,7 +4547,7 @@
           <p:cNvPr id="2" name="Rectangle 1">
             <a:extLst>
               <a:ext uri="{FF2B5EF4-FFF2-40B4-BE49-F238E27FC236}">
-                <a16:creationId xmlns:a16="http://schemas.microsoft.com/office/drawing/2014/main" id="{A194BB3F-B4B7-42DF-BB9D-A10782CE4279}"/>
+                <a16:creationId xmlns:a16="http://schemas.microsoft.com/office/drawing/2014/main" id="{C293F4E4-0927-4CEC-BA8A-C957A75E398A}"/>
               </a:ext>
             </a:extLst>
           </p:cNvPr>
@@ -4244,8 +4556,602 @@
         </p:nvSpPr>
         <p:spPr>
           <a:xfrm>
-            <a:off x="2002335" y="554425"/>
-            <a:ext cx="3443425" cy="5933588"/>
+            <a:off x="5079999" y="3779207"/>
+            <a:ext cx="1745673" cy="377330"/>
+          </a:xfrm>
+          <a:prstGeom prst="rect">
+            <a:avLst/>
+          </a:prstGeom>
+        </p:spPr>
+        <p:style>
+          <a:lnRef idx="0">
+            <a:schemeClr val="accent2"/>
+          </a:lnRef>
+          <a:fillRef idx="3">
+            <a:schemeClr val="accent2"/>
+          </a:fillRef>
+          <a:effectRef idx="3">
+            <a:schemeClr val="accent2"/>
+          </a:effectRef>
+          <a:fontRef idx="minor">
+            <a:schemeClr val="lt1"/>
+          </a:fontRef>
+        </p:style>
+        <p:txBody>
+          <a:bodyPr rtlCol="0" anchor="ctr"/>
+          <a:lstStyle/>
+          <a:p>
+            <a:r>
+              <a:rPr lang="en-US" dirty="0"/>
+              <a:t>Lead </a:t>
+            </a:r>
+            <a:r>
+              <a:rPr lang="en-US" dirty="0" err="1"/>
+              <a:t>Gtr</a:t>
+            </a:r>
+            <a:endParaRPr lang="en-US" dirty="0"/>
+          </a:p>
+        </p:txBody>
+      </p:sp>
+      <p:pic>
+        <p:nvPicPr>
+          <p:cNvPr id="3" name="Picture 2">
+            <a:extLst>
+              <a:ext uri="{FF2B5EF4-FFF2-40B4-BE49-F238E27FC236}">
+                <a16:creationId xmlns:a16="http://schemas.microsoft.com/office/drawing/2014/main" id="{8AF317C1-920A-4E1F-8B6C-18426D0717B1}"/>
+              </a:ext>
+            </a:extLst>
+          </p:cNvPr>
+          <p:cNvPicPr preferRelativeResize="0">
+            <a:picLocks/>
+          </p:cNvPicPr>
+          <p:nvPr>
+            <p:custDataLst>
+              <p:custData r:id="rId1"/>
+            </p:custDataLst>
+          </p:nvPr>
+        </p:nvPicPr>
+        <p:blipFill rotWithShape="1">
+          <a:blip r:embed="rId12">
+            <a:extLst>
+              <a:ext uri="{28A0092B-C50C-407E-A947-70E740481C1C}">
+                <a14:useLocalDpi xmlns:a14="http://schemas.microsoft.com/office/drawing/2010/main" val="0"/>
+              </a:ext>
+            </a:extLst>
+          </a:blip>
+          <a:srcRect l="24992" t="23267" r="24992" b="24992"/>
+          <a:stretch/>
+        </p:blipFill>
+        <p:spPr>
+          <a:xfrm>
+            <a:off x="6505268" y="3827182"/>
+            <a:ext cx="276225" cy="285750"/>
+          </a:xfrm>
+          <a:prstGeom prst="rect">
+            <a:avLst/>
+          </a:prstGeom>
+        </p:spPr>
+        <p:style>
+          <a:lnRef idx="0">
+            <a:schemeClr val="accent3"/>
+          </a:lnRef>
+          <a:fillRef idx="3">
+            <a:schemeClr val="accent3"/>
+          </a:fillRef>
+          <a:effectRef idx="3">
+            <a:schemeClr val="accent3"/>
+          </a:effectRef>
+          <a:fontRef idx="minor">
+            <a:schemeClr val="lt1"/>
+          </a:fontRef>
+        </p:style>
+      </p:pic>
+      <p:grpSp>
+        <p:nvGrpSpPr>
+          <p:cNvPr id="15" name="Group 14">
+            <a:extLst>
+              <a:ext uri="{FF2B5EF4-FFF2-40B4-BE49-F238E27FC236}">
+                <a16:creationId xmlns:a16="http://schemas.microsoft.com/office/drawing/2014/main" id="{34B91532-0C38-48E0-87ED-9237DFBAC68F}"/>
+              </a:ext>
+            </a:extLst>
+          </p:cNvPr>
+          <p:cNvGrpSpPr/>
+          <p:nvPr/>
+        </p:nvGrpSpPr>
+        <p:grpSpPr>
+          <a:xfrm>
+            <a:off x="6082169" y="2504214"/>
+            <a:ext cx="510395" cy="1731523"/>
+            <a:chOff x="6271098" y="953311"/>
+            <a:chExt cx="510395" cy="1731523"/>
+          </a:xfrm>
+        </p:grpSpPr>
+        <p:sp>
+          <p:nvSpPr>
+            <p:cNvPr id="14" name="Rectangle 13">
+              <a:extLst>
+                <a:ext uri="{FF2B5EF4-FFF2-40B4-BE49-F238E27FC236}">
+                  <a16:creationId xmlns:a16="http://schemas.microsoft.com/office/drawing/2014/main" id="{EC9D4C03-9F1D-461C-BAF5-B89D42B8CA91}"/>
+                </a:ext>
+              </a:extLst>
+            </p:cNvPr>
+            <p:cNvSpPr/>
+            <p:nvPr/>
+          </p:nvSpPr>
+          <p:spPr>
+            <a:xfrm>
+              <a:off x="6271098" y="953311"/>
+              <a:ext cx="510395" cy="1731523"/>
+            </a:xfrm>
+            <a:prstGeom prst="rect">
+              <a:avLst/>
+            </a:prstGeom>
+          </p:spPr>
+          <p:style>
+            <a:lnRef idx="0">
+              <a:schemeClr val="accent1"/>
+            </a:lnRef>
+            <a:fillRef idx="3">
+              <a:schemeClr val="accent1"/>
+            </a:fillRef>
+            <a:effectRef idx="3">
+              <a:schemeClr val="accent1"/>
+            </a:effectRef>
+            <a:fontRef idx="minor">
+              <a:schemeClr val="lt1"/>
+            </a:fontRef>
+          </p:style>
+          <p:txBody>
+            <a:bodyPr rtlCol="0" anchor="ctr"/>
+            <a:lstStyle/>
+            <a:p>
+              <a:pPr algn="ctr"/>
+              <a:endParaRPr lang="en-US"/>
+            </a:p>
+          </p:txBody>
+        </p:sp>
+        <p:sp>
+          <p:nvSpPr>
+            <p:cNvPr id="5" name="Rectangle 96">
+              <a:extLst>
+                <a:ext uri="{FF2B5EF4-FFF2-40B4-BE49-F238E27FC236}">
+                  <a16:creationId xmlns:a16="http://schemas.microsoft.com/office/drawing/2014/main" id="{3556950B-4F54-4A45-8FB8-8FEB325EBB62}"/>
+                </a:ext>
+              </a:extLst>
+            </p:cNvPr>
+            <p:cNvSpPr>
+              <a:spLocks noChangeArrowheads="1"/>
+            </p:cNvSpPr>
+            <p:nvPr>
+              <p:custDataLst>
+                <p:custData r:id="rId3"/>
+                <p:custData r:id="rId4"/>
+              </p:custDataLst>
+            </p:nvPr>
+          </p:nvSpPr>
+          <p:spPr bwMode="black">
+            <a:xfrm>
+              <a:off x="6381518" y="1767750"/>
+              <a:ext cx="253782" cy="48768"/>
+            </a:xfrm>
+            <a:prstGeom prst="rect">
+              <a:avLst/>
+            </a:prstGeom>
+            <a:solidFill>
+              <a:srgbClr val="000000"/>
+            </a:solidFill>
+            <a:ln>
+              <a:noFill/>
+            </a:ln>
+            <a:extLst/>
+          </p:spPr>
+          <p:txBody>
+            <a:bodyPr vert="horz" wrap="square" lIns="97576" tIns="48788" rIns="97576" bIns="48788" numCol="1" anchor="t" anchorCtr="0" compatLnSpc="1">
+              <a:prstTxWarp prst="textNoShape">
+                <a:avLst/>
+              </a:prstTxWarp>
+            </a:bodyPr>
+            <a:lstStyle/>
+            <a:p>
+              <a:endParaRPr lang="en-US"/>
+            </a:p>
+          </p:txBody>
+        </p:sp>
+        <p:pic>
+          <p:nvPicPr>
+            <p:cNvPr id="7" name="Picture 6">
+              <a:extLst>
+                <a:ext uri="{FF2B5EF4-FFF2-40B4-BE49-F238E27FC236}">
+                  <a16:creationId xmlns:a16="http://schemas.microsoft.com/office/drawing/2014/main" id="{054785E6-CD14-4D55-BD49-76BCFFAAA933}"/>
+                </a:ext>
+              </a:extLst>
+            </p:cNvPr>
+            <p:cNvPicPr preferRelativeResize="0">
+              <a:picLocks/>
+            </p:cNvPicPr>
+            <p:nvPr>
+              <p:custDataLst>
+                <p:custData r:id="rId5"/>
+              </p:custDataLst>
+            </p:nvPr>
+          </p:nvPicPr>
+          <p:blipFill>
+            <a:blip r:embed="rId13">
+              <a:extLst>
+                <a:ext uri="{28A0092B-C50C-407E-A947-70E740481C1C}">
+                  <a14:useLocalDpi xmlns:a14="http://schemas.microsoft.com/office/drawing/2010/main" val="0"/>
+                </a:ext>
+              </a:extLst>
+            </a:blip>
+            <a:stretch>
+              <a:fillRect/>
+            </a:stretch>
+          </p:blipFill>
+          <p:spPr>
+            <a:xfrm rot="5400000">
+              <a:off x="6398393" y="2253173"/>
+              <a:ext cx="213750" cy="247500"/>
+            </a:xfrm>
+            <a:prstGeom prst="rect">
+              <a:avLst/>
+            </a:prstGeom>
+          </p:spPr>
+        </p:pic>
+        <p:pic>
+          <p:nvPicPr>
+            <p:cNvPr id="8" name="Picture 7">
+              <a:extLst>
+                <a:ext uri="{FF2B5EF4-FFF2-40B4-BE49-F238E27FC236}">
+                  <a16:creationId xmlns:a16="http://schemas.microsoft.com/office/drawing/2014/main" id="{75B5C8B4-06DE-46EF-8A3D-D943370AC8AE}"/>
+                </a:ext>
+              </a:extLst>
+            </p:cNvPr>
+            <p:cNvPicPr preferRelativeResize="0">
+              <a:picLocks/>
+            </p:cNvPicPr>
+            <p:nvPr>
+              <p:custDataLst>
+                <p:custData r:id="rId6"/>
+              </p:custDataLst>
+            </p:nvPr>
+          </p:nvPicPr>
+          <p:blipFill>
+            <a:blip r:embed="rId13">
+              <a:extLst>
+                <a:ext uri="{28A0092B-C50C-407E-A947-70E740481C1C}">
+                  <a14:useLocalDpi xmlns:a14="http://schemas.microsoft.com/office/drawing/2010/main" val="0"/>
+                </a:ext>
+              </a:extLst>
+            </a:blip>
+            <a:stretch>
+              <a:fillRect/>
+            </a:stretch>
+          </p:blipFill>
+          <p:spPr>
+            <a:xfrm rot="5400000">
+              <a:off x="6398393" y="2336582"/>
+              <a:ext cx="213750" cy="247500"/>
+            </a:xfrm>
+            <a:prstGeom prst="rect">
+              <a:avLst/>
+            </a:prstGeom>
+          </p:spPr>
+        </p:pic>
+        <p:pic>
+          <p:nvPicPr>
+            <p:cNvPr id="9" name="Picture 8">
+              <a:extLst>
+                <a:ext uri="{FF2B5EF4-FFF2-40B4-BE49-F238E27FC236}">
+                  <a16:creationId xmlns:a16="http://schemas.microsoft.com/office/drawing/2014/main" id="{B1F50DC6-5CD8-4367-9314-772F0A7EEAC2}"/>
+                </a:ext>
+              </a:extLst>
+            </p:cNvPr>
+            <p:cNvPicPr preferRelativeResize="0">
+              <a:picLocks/>
+            </p:cNvPicPr>
+            <p:nvPr>
+              <p:custDataLst>
+                <p:custData r:id="rId7"/>
+              </p:custDataLst>
+            </p:nvPr>
+          </p:nvPicPr>
+          <p:blipFill>
+            <a:blip r:embed="rId13">
+              <a:extLst>
+                <a:ext uri="{28A0092B-C50C-407E-A947-70E740481C1C}">
+                  <a14:useLocalDpi xmlns:a14="http://schemas.microsoft.com/office/drawing/2010/main" val="0"/>
+                </a:ext>
+              </a:extLst>
+            </a:blip>
+            <a:stretch>
+              <a:fillRect/>
+            </a:stretch>
+          </p:blipFill>
+          <p:spPr>
+            <a:xfrm rot="5400000">
+              <a:off x="6398393" y="1919533"/>
+              <a:ext cx="213750" cy="247500"/>
+            </a:xfrm>
+            <a:prstGeom prst="rect">
+              <a:avLst/>
+            </a:prstGeom>
+          </p:spPr>
+        </p:pic>
+        <p:pic>
+          <p:nvPicPr>
+            <p:cNvPr id="10" name="Picture 9">
+              <a:extLst>
+                <a:ext uri="{FF2B5EF4-FFF2-40B4-BE49-F238E27FC236}">
+                  <a16:creationId xmlns:a16="http://schemas.microsoft.com/office/drawing/2014/main" id="{1D9D46D4-BC98-4D94-9800-6A7CD61F76A9}"/>
+                </a:ext>
+              </a:extLst>
+            </p:cNvPr>
+            <p:cNvPicPr preferRelativeResize="0">
+              <a:picLocks/>
+            </p:cNvPicPr>
+            <p:nvPr>
+              <p:custDataLst>
+                <p:custData r:id="rId8"/>
+              </p:custDataLst>
+            </p:nvPr>
+          </p:nvPicPr>
+          <p:blipFill>
+            <a:blip r:embed="rId13">
+              <a:extLst>
+                <a:ext uri="{28A0092B-C50C-407E-A947-70E740481C1C}">
+                  <a14:useLocalDpi xmlns:a14="http://schemas.microsoft.com/office/drawing/2010/main" val="0"/>
+                </a:ext>
+              </a:extLst>
+            </a:blip>
+            <a:stretch>
+              <a:fillRect/>
+            </a:stretch>
+          </p:blipFill>
+          <p:spPr>
+            <a:xfrm rot="16200000" flipV="1">
+              <a:off x="6398393" y="999268"/>
+              <a:ext cx="213750" cy="247500"/>
+            </a:xfrm>
+            <a:prstGeom prst="rect">
+              <a:avLst/>
+            </a:prstGeom>
+          </p:spPr>
+        </p:pic>
+        <p:pic>
+          <p:nvPicPr>
+            <p:cNvPr id="11" name="Picture 10">
+              <a:extLst>
+                <a:ext uri="{FF2B5EF4-FFF2-40B4-BE49-F238E27FC236}">
+                  <a16:creationId xmlns:a16="http://schemas.microsoft.com/office/drawing/2014/main" id="{D3963CDC-8308-426B-AD62-E92BAB62603A}"/>
+                </a:ext>
+              </a:extLst>
+            </p:cNvPr>
+            <p:cNvPicPr preferRelativeResize="0">
+              <a:picLocks/>
+            </p:cNvPicPr>
+            <p:nvPr>
+              <p:custDataLst>
+                <p:custData r:id="rId9"/>
+              </p:custDataLst>
+            </p:nvPr>
+          </p:nvPicPr>
+          <p:blipFill>
+            <a:blip r:embed="rId13">
+              <a:extLst>
+                <a:ext uri="{28A0092B-C50C-407E-A947-70E740481C1C}">
+                  <a14:useLocalDpi xmlns:a14="http://schemas.microsoft.com/office/drawing/2010/main" val="0"/>
+                </a:ext>
+              </a:extLst>
+            </a:blip>
+            <a:stretch>
+              <a:fillRect/>
+            </a:stretch>
+          </p:blipFill>
+          <p:spPr>
+            <a:xfrm rot="16200000" flipV="1">
+              <a:off x="6398393" y="1082677"/>
+              <a:ext cx="213750" cy="247500"/>
+            </a:xfrm>
+            <a:prstGeom prst="rect">
+              <a:avLst/>
+            </a:prstGeom>
+          </p:spPr>
+        </p:pic>
+        <p:pic>
+          <p:nvPicPr>
+            <p:cNvPr id="12" name="Picture 11">
+              <a:extLst>
+                <a:ext uri="{FF2B5EF4-FFF2-40B4-BE49-F238E27FC236}">
+                  <a16:creationId xmlns:a16="http://schemas.microsoft.com/office/drawing/2014/main" id="{7BDD4321-A5DB-4537-98ED-987CE638204C}"/>
+                </a:ext>
+              </a:extLst>
+            </p:cNvPr>
+            <p:cNvPicPr preferRelativeResize="0">
+              <a:picLocks/>
+            </p:cNvPicPr>
+            <p:nvPr>
+              <p:custDataLst>
+                <p:custData r:id="rId10"/>
+              </p:custDataLst>
+            </p:nvPr>
+          </p:nvPicPr>
+          <p:blipFill>
+            <a:blip r:embed="rId13">
+              <a:extLst>
+                <a:ext uri="{28A0092B-C50C-407E-A947-70E740481C1C}">
+                  <a14:useLocalDpi xmlns:a14="http://schemas.microsoft.com/office/drawing/2010/main" val="0"/>
+                </a:ext>
+              </a:extLst>
+            </a:blip>
+            <a:stretch>
+              <a:fillRect/>
+            </a:stretch>
+          </p:blipFill>
+          <p:spPr>
+            <a:xfrm rot="16200000" flipV="1">
+              <a:off x="6398393" y="1416776"/>
+              <a:ext cx="213750" cy="247500"/>
+            </a:xfrm>
+            <a:prstGeom prst="rect">
+              <a:avLst/>
+            </a:prstGeom>
+          </p:spPr>
+        </p:pic>
+      </p:grpSp>
+      <p:pic>
+        <p:nvPicPr>
+          <p:cNvPr id="13" name="Picture 2" descr="C:\Users\t-dantay\Documents\Placeholders\volume.png">
+            <a:extLst>
+              <a:ext uri="{FF2B5EF4-FFF2-40B4-BE49-F238E27FC236}">
+                <a16:creationId xmlns:a16="http://schemas.microsoft.com/office/drawing/2014/main" id="{D00A9281-A8CA-4E6C-BC8E-B9A2C567B33D}"/>
+              </a:ext>
+            </a:extLst>
+          </p:cNvPr>
+          <p:cNvPicPr>
+            <a:picLocks noChangeAspect="1" noChangeArrowheads="1"/>
+          </p:cNvPicPr>
+          <p:nvPr>
+            <p:custDataLst>
+              <p:custData r:id="rId2"/>
+            </p:custDataLst>
+          </p:nvPr>
+        </p:nvPicPr>
+        <p:blipFill>
+          <a:blip r:embed="rId14" cstate="print">
+            <a:extLst>
+              <a:ext uri="{28A0092B-C50C-407E-A947-70E740481C1C}">
+                <a14:useLocalDpi xmlns:a14="http://schemas.microsoft.com/office/drawing/2010/main" val="0"/>
+              </a:ext>
+            </a:extLst>
+          </a:blip>
+          <a:srcRect/>
+          <a:stretch>
+            <a:fillRect/>
+          </a:stretch>
+        </p:blipFill>
+        <p:spPr bwMode="auto">
+          <a:xfrm>
+            <a:off x="5652898" y="3181312"/>
+            <a:ext cx="443102" cy="377329"/>
+          </a:xfrm>
+          <a:prstGeom prst="rect">
+            <a:avLst/>
+          </a:prstGeom>
+          <a:extLst>
+            <a:ext uri="{909E8E84-426E-40DD-AFC4-6F175D3DCCD1}">
+              <a14:hiddenFill xmlns:a14="http://schemas.microsoft.com/office/drawing/2010/main">
+                <a:solidFill>
+                  <a:srgbClr val="FFFFFF"/>
+                </a:solidFill>
+              </a14:hiddenFill>
+            </a:ext>
+          </a:extLst>
+        </p:spPr>
+        <p:style>
+          <a:lnRef idx="1">
+            <a:schemeClr val="accent3"/>
+          </a:lnRef>
+          <a:fillRef idx="3">
+            <a:schemeClr val="accent3"/>
+          </a:fillRef>
+          <a:effectRef idx="2">
+            <a:schemeClr val="accent3"/>
+          </a:effectRef>
+          <a:fontRef idx="minor">
+            <a:schemeClr val="lt1"/>
+          </a:fontRef>
+        </p:style>
+      </p:pic>
+    </p:spTree>
+    <p:extLst>
+      <p:ext uri="{BB962C8B-B14F-4D97-AF65-F5344CB8AC3E}">
+        <p14:creationId xmlns:p14="http://schemas.microsoft.com/office/powerpoint/2010/main" val="3620224741"/>
+      </p:ext>
+    </p:extLst>
+  </p:cSld>
+  <p:clrMapOvr>
+    <a:masterClrMapping/>
+  </p:clrMapOvr>
+</p:sld>
+</file>
+
+<file path=ppt/slides/slide12.xml><?xml version="1.0" encoding="utf-8"?>
+<p:sld xmlns:a="http://schemas.openxmlformats.org/drawingml/2006/main" xmlns:r="http://schemas.openxmlformats.org/officeDocument/2006/relationships" xmlns:p="http://schemas.openxmlformats.org/presentationml/2006/main">
+  <p:cSld>
+    <p:spTree>
+      <p:nvGrpSpPr>
+        <p:cNvPr id="1" name=""/>
+        <p:cNvGrpSpPr/>
+        <p:nvPr/>
+      </p:nvGrpSpPr>
+      <p:grpSpPr>
+        <a:xfrm>
+          <a:off x="0" y="0"/>
+          <a:ext cx="0" cy="0"/>
+          <a:chOff x="0" y="0"/>
+          <a:chExt cx="0" cy="0"/>
+        </a:xfrm>
+      </p:grpSpPr>
+      <p:sp>
+        <p:nvSpPr>
+          <p:cNvPr id="2" name="Rectangle 1">
+            <a:extLst>
+              <a:ext uri="{FF2B5EF4-FFF2-40B4-BE49-F238E27FC236}">
+                <a16:creationId xmlns:a16="http://schemas.microsoft.com/office/drawing/2014/main" id="{8384D5BA-30F6-47B2-B38E-33848EAEF70A}"/>
+              </a:ext>
+            </a:extLst>
+          </p:cNvPr>
+          <p:cNvSpPr/>
+          <p:nvPr/>
+        </p:nvSpPr>
+        <p:spPr>
+          <a:xfrm>
+            <a:off x="4377600" y="3096000"/>
+            <a:ext cx="2952000" cy="3067200"/>
+          </a:xfrm>
+          <a:prstGeom prst="rect">
+            <a:avLst/>
+          </a:prstGeom>
+        </p:spPr>
+        <p:style>
+          <a:lnRef idx="2">
+            <a:schemeClr val="dk1"/>
+          </a:lnRef>
+          <a:fillRef idx="1">
+            <a:schemeClr val="lt1"/>
+          </a:fillRef>
+          <a:effectRef idx="0">
+            <a:schemeClr val="dk1"/>
+          </a:effectRef>
+          <a:fontRef idx="minor">
+            <a:schemeClr val="dk1"/>
+          </a:fontRef>
+        </p:style>
+        <p:txBody>
+          <a:bodyPr rtlCol="0" anchor="ctr"/>
+          <a:lstStyle/>
+          <a:p>
+            <a:pPr algn="ctr"/>
+            <a:endParaRPr lang="en-US"/>
+          </a:p>
+        </p:txBody>
+      </p:sp>
+      <p:sp>
+        <p:nvSpPr>
+          <p:cNvPr id="3" name="Rectangle 2">
+            <a:extLst>
+              <a:ext uri="{FF2B5EF4-FFF2-40B4-BE49-F238E27FC236}">
+                <a16:creationId xmlns:a16="http://schemas.microsoft.com/office/drawing/2014/main" id="{F6F74AE4-CB5E-4BBC-9E51-993F01F28A56}"/>
+              </a:ext>
+            </a:extLst>
+          </p:cNvPr>
+          <p:cNvSpPr/>
+          <p:nvPr/>
+        </p:nvSpPr>
+        <p:spPr>
+          <a:xfrm>
+            <a:off x="4377600" y="6262200"/>
+            <a:ext cx="655200" cy="284400"/>
           </a:xfrm>
           <a:prstGeom prst="rect">
             <a:avLst/>
@@ -4272,212 +5178,20 @@
           <a:lstStyle/>
           <a:p>
             <a:pPr algn="ctr"/>
-            <a:endParaRPr lang="en-US"/>
-          </a:p>
-        </p:txBody>
-      </p:sp>
-      <p:sp>
-        <p:nvSpPr>
-          <p:cNvPr id="4" name="TextBox 3">
-            <a:extLst>
-              <a:ext uri="{FF2B5EF4-FFF2-40B4-BE49-F238E27FC236}">
-                <a16:creationId xmlns:a16="http://schemas.microsoft.com/office/drawing/2014/main" id="{AB8493C0-FBBE-4C81-AAC6-8D1E851CB373}"/>
-              </a:ext>
-            </a:extLst>
-          </p:cNvPr>
-          <p:cNvSpPr txBox="1"/>
-          <p:nvPr/>
-        </p:nvSpPr>
-        <p:spPr>
-          <a:xfrm>
-            <a:off x="6096000" y="477520"/>
-            <a:ext cx="4602480" cy="4524315"/>
-          </a:xfrm>
-          <a:prstGeom prst="rect">
-            <a:avLst/>
-          </a:prstGeom>
-          <a:noFill/>
-        </p:spPr>
-        <p:txBody>
-          <a:bodyPr wrap="square" rtlCol="0">
-            <a:spAutoFit/>
-          </a:bodyPr>
-          <a:lstStyle/>
-          <a:p>
-            <a:pPr marL="285750" indent="-285750">
-              <a:buFont typeface="Arial" panose="020B0604020202020204" pitchFamily="34" charset="0"/>
-              <a:buChar char="•"/>
-            </a:pPr>
-            <a:r>
-              <a:rPr lang="en-US" dirty="0"/>
-              <a:t>Levels</a:t>
-            </a:r>
-          </a:p>
-          <a:p>
-            <a:pPr marL="285750" indent="-285750">
-              <a:buFont typeface="Arial" panose="020B0604020202020204" pitchFamily="34" charset="0"/>
-              <a:buChar char="•"/>
-            </a:pPr>
-            <a:r>
-              <a:rPr lang="en-US" dirty="0"/>
-              <a:t>Parts</a:t>
-            </a:r>
-          </a:p>
-          <a:p>
-            <a:pPr marL="742950" lvl="1" indent="-285750">
-              <a:buFont typeface="Arial" panose="020B0604020202020204" pitchFamily="34" charset="0"/>
-              <a:buChar char="•"/>
-            </a:pPr>
-            <a:r>
-              <a:rPr lang="en-US" dirty="0"/>
-              <a:t>Verse</a:t>
-            </a:r>
-          </a:p>
-          <a:p>
-            <a:pPr marL="742950" lvl="1" indent="-285750">
-              <a:buFont typeface="Arial" panose="020B0604020202020204" pitchFamily="34" charset="0"/>
-              <a:buChar char="•"/>
-            </a:pPr>
-            <a:r>
-              <a:rPr lang="en-US" dirty="0"/>
-              <a:t>Chorus</a:t>
-            </a:r>
-          </a:p>
-          <a:p>
-            <a:pPr marL="742950" lvl="1" indent="-285750">
-              <a:buFont typeface="Arial" panose="020B0604020202020204" pitchFamily="34" charset="0"/>
-              <a:buChar char="•"/>
-            </a:pPr>
-            <a:r>
-              <a:rPr lang="en-US" dirty="0"/>
-              <a:t>Bridge</a:t>
-            </a:r>
-          </a:p>
-          <a:p>
-            <a:pPr marL="742950" lvl="1" indent="-285750">
-              <a:buFont typeface="Arial" panose="020B0604020202020204" pitchFamily="34" charset="0"/>
-              <a:buChar char="•"/>
-            </a:pPr>
-            <a:r>
-              <a:rPr lang="en-US" dirty="0" err="1"/>
-              <a:t>Inrto</a:t>
+            <a:r>
+              <a:rPr lang="en-US" sz="1600" dirty="0"/>
+              <a:t>up</a:t>
             </a:r>
             <a:endParaRPr lang="en-US" dirty="0"/>
           </a:p>
-          <a:p>
-            <a:pPr marL="742950" lvl="1" indent="-285750">
-              <a:buFont typeface="Arial" panose="020B0604020202020204" pitchFamily="34" charset="0"/>
-              <a:buChar char="•"/>
-            </a:pPr>
-            <a:r>
-              <a:rPr lang="en-US" dirty="0" err="1"/>
-              <a:t>PreChorus</a:t>
-            </a:r>
-            <a:endParaRPr lang="en-US" dirty="0"/>
-          </a:p>
-          <a:p>
-            <a:pPr marL="285750" indent="-285750">
-              <a:buFont typeface="Arial" panose="020B0604020202020204" pitchFamily="34" charset="0"/>
-              <a:buChar char="•"/>
-            </a:pPr>
-            <a:r>
-              <a:rPr lang="en-US" dirty="0"/>
-              <a:t>Type of Levels</a:t>
-            </a:r>
-          </a:p>
-          <a:p>
-            <a:pPr marL="742950" lvl="1" indent="-285750">
-              <a:buFont typeface="Arial" panose="020B0604020202020204" pitchFamily="34" charset="0"/>
-              <a:buChar char="•"/>
-            </a:pPr>
-            <a:r>
-              <a:rPr lang="en-US" dirty="0"/>
-              <a:t>Bass</a:t>
-            </a:r>
-          </a:p>
-          <a:p>
-            <a:pPr marL="742950" lvl="1" indent="-285750">
-              <a:buFont typeface="Arial" panose="020B0604020202020204" pitchFamily="34" charset="0"/>
-              <a:buChar char="•"/>
-            </a:pPr>
-            <a:r>
-              <a:rPr lang="en-US" dirty="0" err="1"/>
-              <a:t>Mids</a:t>
-            </a:r>
-            <a:endParaRPr lang="en-US" dirty="0"/>
-          </a:p>
-          <a:p>
-            <a:pPr marL="742950" lvl="1" indent="-285750">
-              <a:buFont typeface="Arial" panose="020B0604020202020204" pitchFamily="34" charset="0"/>
-              <a:buChar char="•"/>
-            </a:pPr>
-            <a:r>
-              <a:rPr lang="en-US" dirty="0"/>
-              <a:t>High </a:t>
-            </a:r>
-            <a:r>
-              <a:rPr lang="en-US" dirty="0" err="1"/>
-              <a:t>Mids</a:t>
-            </a:r>
-            <a:endParaRPr lang="en-US" dirty="0"/>
-          </a:p>
-          <a:p>
-            <a:pPr marL="742950" lvl="1" indent="-285750">
-              <a:buFont typeface="Arial" panose="020B0604020202020204" pitchFamily="34" charset="0"/>
-              <a:buChar char="•"/>
-            </a:pPr>
-            <a:r>
-              <a:rPr lang="en-US" dirty="0"/>
-              <a:t>Highs</a:t>
-            </a:r>
-          </a:p>
-          <a:p>
-            <a:pPr marL="742950" lvl="1" indent="-285750">
-              <a:buFont typeface="Arial" panose="020B0604020202020204" pitchFamily="34" charset="0"/>
-              <a:buChar char="•"/>
-            </a:pPr>
-            <a:r>
-              <a:rPr lang="en-US" dirty="0"/>
-              <a:t>Reverb/</a:t>
-            </a:r>
-            <a:r>
-              <a:rPr lang="en-US" dirty="0" err="1"/>
-              <a:t>fx</a:t>
-            </a:r>
-            <a:endParaRPr lang="en-US" dirty="0"/>
-          </a:p>
-          <a:p>
-            <a:pPr marL="285750" indent="-285750">
-              <a:buFont typeface="Arial" panose="020B0604020202020204" pitchFamily="34" charset="0"/>
-              <a:buChar char="•"/>
-            </a:pPr>
-            <a:r>
-              <a:rPr lang="en-US" dirty="0"/>
-              <a:t>Pitch</a:t>
-            </a:r>
-          </a:p>
-          <a:p>
-            <a:pPr marL="285750" indent="-285750">
-              <a:buFont typeface="Arial" panose="020B0604020202020204" pitchFamily="34" charset="0"/>
-              <a:buChar char="•"/>
-            </a:pPr>
-            <a:endParaRPr lang="en-US" dirty="0"/>
-          </a:p>
-          <a:p>
-            <a:pPr marL="742950" lvl="1" indent="-285750">
-              <a:buFont typeface="Arial" panose="020B0604020202020204" pitchFamily="34" charset="0"/>
-              <a:buChar char="•"/>
-            </a:pPr>
-            <a:endParaRPr lang="en-US" dirty="0"/>
-          </a:p>
-        </p:txBody>
-      </p:sp>
-      <p:sp>
-        <p:nvSpPr>
-          <p:cNvPr id="6" name="Rectangle 5">
-            <a:extLst>
-              <a:ext uri="{FF2B5EF4-FFF2-40B4-BE49-F238E27FC236}">
-                <a16:creationId xmlns:a16="http://schemas.microsoft.com/office/drawing/2014/main" id="{DD20BDF1-C31A-4C60-9C16-C31EF2BFB505}"/>
+        </p:txBody>
+      </p:sp>
+      <p:sp>
+        <p:nvSpPr>
+          <p:cNvPr id="4" name="Rectangle 3">
+            <a:extLst>
+              <a:ext uri="{FF2B5EF4-FFF2-40B4-BE49-F238E27FC236}">
+                <a16:creationId xmlns:a16="http://schemas.microsoft.com/office/drawing/2014/main" id="{8BEC3331-3255-4E65-8546-2E0718D984F1}"/>
               </a:ext>
             </a:extLst>
           </p:cNvPr>
@@ -4486,18 +5200,12 @@
         </p:nvSpPr>
         <p:spPr>
           <a:xfrm>
-            <a:off x="2123440" y="4897120"/>
-            <a:ext cx="3119120" cy="1406455"/>
+            <a:off x="5127600" y="6262200"/>
+            <a:ext cx="655200" cy="284400"/>
           </a:xfrm>
           <a:prstGeom prst="rect">
             <a:avLst/>
           </a:prstGeom>
-          <a:solidFill>
-            <a:schemeClr val="tx1">
-              <a:lumMod val="75000"/>
-              <a:lumOff val="25000"/>
-            </a:schemeClr>
-          </a:solidFill>
         </p:spPr>
         <p:style>
           <a:lnRef idx="2">
@@ -4519,250 +5227,356 @@
           <a:bodyPr rtlCol="0" anchor="ctr"/>
           <a:lstStyle/>
           <a:p>
+            <a:pPr algn="ctr"/>
+            <a:r>
+              <a:rPr lang="en-US" sz="1600" dirty="0"/>
+              <a:t>open</a:t>
+            </a:r>
+          </a:p>
+        </p:txBody>
+      </p:sp>
+      <p:sp>
+        <p:nvSpPr>
+          <p:cNvPr id="5" name="Rectangle 4">
+            <a:extLst>
+              <a:ext uri="{FF2B5EF4-FFF2-40B4-BE49-F238E27FC236}">
+                <a16:creationId xmlns:a16="http://schemas.microsoft.com/office/drawing/2014/main" id="{9C6A29C3-80B0-42D1-82FD-AEB6DCB9008F}"/>
+              </a:ext>
+            </a:extLst>
+          </p:cNvPr>
+          <p:cNvSpPr/>
+          <p:nvPr/>
+        </p:nvSpPr>
+        <p:spPr>
+          <a:xfrm>
+            <a:off x="5901000" y="6262200"/>
+            <a:ext cx="655200" cy="284400"/>
+          </a:xfrm>
+          <a:prstGeom prst="rect">
+            <a:avLst/>
+          </a:prstGeom>
+        </p:spPr>
+        <p:style>
+          <a:lnRef idx="2">
+            <a:schemeClr val="accent1">
+              <a:shade val="50000"/>
+            </a:schemeClr>
+          </a:lnRef>
+          <a:fillRef idx="1">
+            <a:schemeClr val="accent1"/>
+          </a:fillRef>
+          <a:effectRef idx="0">
+            <a:schemeClr val="accent1"/>
+          </a:effectRef>
+          <a:fontRef idx="minor">
+            <a:schemeClr val="lt1"/>
+          </a:fontRef>
+        </p:style>
+        <p:txBody>
+          <a:bodyPr rtlCol="0" anchor="ctr"/>
+          <a:lstStyle/>
+          <a:p>
+            <a:pPr algn="ctr"/>
+            <a:r>
+              <a:rPr lang="en-US" sz="1600" dirty="0"/>
+              <a:t>add</a:t>
+            </a:r>
+          </a:p>
+        </p:txBody>
+      </p:sp>
+      <p:sp>
+        <p:nvSpPr>
+          <p:cNvPr id="6" name="Rectangle 5">
+            <a:extLst>
+              <a:ext uri="{FF2B5EF4-FFF2-40B4-BE49-F238E27FC236}">
+                <a16:creationId xmlns:a16="http://schemas.microsoft.com/office/drawing/2014/main" id="{D337A49A-29F5-46D3-80D1-C8D407BE8A8F}"/>
+              </a:ext>
+            </a:extLst>
+          </p:cNvPr>
+          <p:cNvSpPr/>
+          <p:nvPr/>
+        </p:nvSpPr>
+        <p:spPr>
+          <a:xfrm>
+            <a:off x="6674400" y="6262200"/>
+            <a:ext cx="655200" cy="284400"/>
+          </a:xfrm>
+          <a:prstGeom prst="rect">
+            <a:avLst/>
+          </a:prstGeom>
+        </p:spPr>
+        <p:style>
+          <a:lnRef idx="2">
+            <a:schemeClr val="accent1">
+              <a:shade val="50000"/>
+            </a:schemeClr>
+          </a:lnRef>
+          <a:fillRef idx="1">
+            <a:schemeClr val="accent1"/>
+          </a:fillRef>
+          <a:effectRef idx="0">
+            <a:schemeClr val="accent1"/>
+          </a:effectRef>
+          <a:fontRef idx="minor">
+            <a:schemeClr val="lt1"/>
+          </a:fontRef>
+        </p:style>
+        <p:txBody>
+          <a:bodyPr rtlCol="0" anchor="ctr"/>
+          <a:lstStyle/>
+          <a:p>
+            <a:pPr algn="ctr"/>
+            <a:r>
+              <a:rPr lang="en-US" sz="1600" dirty="0"/>
+              <a:t>done</a:t>
+            </a:r>
+          </a:p>
+        </p:txBody>
+      </p:sp>
+      <p:sp>
+        <p:nvSpPr>
+          <p:cNvPr id="7" name="Rectangle 6">
+            <a:extLst>
+              <a:ext uri="{FF2B5EF4-FFF2-40B4-BE49-F238E27FC236}">
+                <a16:creationId xmlns:a16="http://schemas.microsoft.com/office/drawing/2014/main" id="{01EB8DFF-E655-4C6A-B9AF-AED9481E8568}"/>
+              </a:ext>
+            </a:extLst>
+          </p:cNvPr>
+          <p:cNvSpPr/>
+          <p:nvPr/>
+        </p:nvSpPr>
+        <p:spPr>
+          <a:xfrm>
+            <a:off x="4377600" y="1282500"/>
+            <a:ext cx="2952000" cy="1355400"/>
+          </a:xfrm>
+          <a:prstGeom prst="rect">
+            <a:avLst/>
+          </a:prstGeom>
+        </p:spPr>
+        <p:style>
+          <a:lnRef idx="2">
+            <a:schemeClr val="accent2">
+              <a:shade val="50000"/>
+            </a:schemeClr>
+          </a:lnRef>
+          <a:fillRef idx="1">
+            <a:schemeClr val="accent2"/>
+          </a:fillRef>
+          <a:effectRef idx="0">
+            <a:schemeClr val="accent2"/>
+          </a:effectRef>
+          <a:fontRef idx="minor">
+            <a:schemeClr val="lt1"/>
+          </a:fontRef>
+        </p:style>
+        <p:txBody>
+          <a:bodyPr rtlCol="0" anchor="t"/>
+          <a:lstStyle/>
+          <a:p>
             <a:r>
               <a:rPr lang="en-US" dirty="0"/>
-              <a:t>Notes</a:t>
-            </a:r>
-          </a:p>
-        </p:txBody>
-      </p:sp>
-      <p:sp>
-        <p:nvSpPr>
-          <p:cNvPr id="7" name="TextBox 6">
-            <a:extLst>
-              <a:ext uri="{FF2B5EF4-FFF2-40B4-BE49-F238E27FC236}">
-                <a16:creationId xmlns:a16="http://schemas.microsoft.com/office/drawing/2014/main" id="{D8161ED5-3EC5-4BF2-9F6B-500A8F7538E6}"/>
-              </a:ext>
-            </a:extLst>
-          </p:cNvPr>
-          <p:cNvSpPr txBox="1"/>
+              <a:t>Mixes	</a:t>
+            </a:r>
+            <a:r>
+              <a:rPr lang="en-US" dirty="0" err="1"/>
+              <a:t>Ondrive</a:t>
+            </a:r>
+            <a:endParaRPr lang="en-US" dirty="0"/>
+          </a:p>
+          <a:p>
+            <a:r>
+              <a:rPr lang="en-US" dirty="0" err="1"/>
+              <a:t>SomeDir</a:t>
+            </a:r>
+            <a:r>
+              <a:rPr lang="en-US" dirty="0"/>
+              <a:t>	Google</a:t>
+            </a:r>
+          </a:p>
+        </p:txBody>
+      </p:sp>
+      <p:pic>
+        <p:nvPicPr>
+          <p:cNvPr id="8" name="Picture 7">
+            <a:extLst>
+              <a:ext uri="{FF2B5EF4-FFF2-40B4-BE49-F238E27FC236}">
+                <a16:creationId xmlns:a16="http://schemas.microsoft.com/office/drawing/2014/main" id="{E71FD28A-368C-46C6-A788-7B932AD3597F}"/>
+              </a:ext>
+            </a:extLst>
+          </p:cNvPr>
+          <p:cNvPicPr preferRelativeResize="0">
+            <a:picLocks/>
+          </p:cNvPicPr>
+          <p:nvPr>
+            <p:custDataLst>
+              <p:custData r:id="rId1"/>
+            </p:custDataLst>
+          </p:nvPr>
+        </p:nvPicPr>
+        <p:blipFill>
+          <a:blip r:embed="rId4">
+            <a:extLst>
+              <a:ext uri="{28A0092B-C50C-407E-A947-70E740481C1C}">
+                <a14:useLocalDpi xmlns:a14="http://schemas.microsoft.com/office/drawing/2010/main" val="0"/>
+              </a:ext>
+            </a:extLst>
+          </a:blip>
+          <a:stretch>
+            <a:fillRect/>
+          </a:stretch>
+        </p:blipFill>
+        <p:spPr>
+          <a:xfrm>
+            <a:off x="6649200" y="1182600"/>
+            <a:ext cx="566101" cy="566101"/>
+          </a:xfrm>
+          <a:prstGeom prst="rect">
+            <a:avLst/>
+          </a:prstGeom>
+        </p:spPr>
+      </p:pic>
+      <p:pic>
+        <p:nvPicPr>
+          <p:cNvPr id="9" name="Picture 8">
+            <a:extLst>
+              <a:ext uri="{FF2B5EF4-FFF2-40B4-BE49-F238E27FC236}">
+                <a16:creationId xmlns:a16="http://schemas.microsoft.com/office/drawing/2014/main" id="{E1CC0864-B9EC-44CA-A678-D8B0F42B9DAE}"/>
+              </a:ext>
+            </a:extLst>
+          </p:cNvPr>
+          <p:cNvPicPr preferRelativeResize="0">
+            <a:picLocks/>
+          </p:cNvPicPr>
+          <p:nvPr>
+            <p:custDataLst>
+              <p:custData r:id="rId2"/>
+            </p:custDataLst>
+          </p:nvPr>
+        </p:nvPicPr>
+        <p:blipFill>
+          <a:blip r:embed="rId4">
+            <a:extLst>
+              <a:ext uri="{28A0092B-C50C-407E-A947-70E740481C1C}">
+                <a14:useLocalDpi xmlns:a14="http://schemas.microsoft.com/office/drawing/2010/main" val="0"/>
+              </a:ext>
+            </a:extLst>
+          </a:blip>
+          <a:stretch>
+            <a:fillRect/>
+          </a:stretch>
+        </p:blipFill>
+        <p:spPr>
+          <a:xfrm>
+            <a:off x="6645600" y="1422450"/>
+            <a:ext cx="566101" cy="566101"/>
+          </a:xfrm>
+          <a:prstGeom prst="rect">
+            <a:avLst/>
+          </a:prstGeom>
+        </p:spPr>
+      </p:pic>
+      <p:sp>
+        <p:nvSpPr>
+          <p:cNvPr id="10" name="Rectangle 9">
+            <a:extLst>
+              <a:ext uri="{FF2B5EF4-FFF2-40B4-BE49-F238E27FC236}">
+                <a16:creationId xmlns:a16="http://schemas.microsoft.com/office/drawing/2014/main" id="{54EB2DF4-17D3-45C3-84E0-CCF422709AB5}"/>
+              </a:ext>
+            </a:extLst>
+          </p:cNvPr>
+          <p:cNvSpPr/>
           <p:nvPr/>
         </p:nvSpPr>
         <p:spPr>
           <a:xfrm>
-            <a:off x="8961120" y="372805"/>
-            <a:ext cx="2946400" cy="5632311"/>
+            <a:off x="4377600" y="2711700"/>
+            <a:ext cx="1893600" cy="310500"/>
           </a:xfrm>
           <a:prstGeom prst="rect">
             <a:avLst/>
           </a:prstGeom>
-          <a:noFill/>
-        </p:spPr>
-        <p:txBody>
-          <a:bodyPr wrap="square" rtlCol="0">
-            <a:spAutoFit/>
-          </a:bodyPr>
+        </p:spPr>
+        <p:style>
+          <a:lnRef idx="2">
+            <a:schemeClr val="dk1"/>
+          </a:lnRef>
+          <a:fillRef idx="1">
+            <a:schemeClr val="lt1"/>
+          </a:fillRef>
+          <a:effectRef idx="0">
+            <a:schemeClr val="dk1"/>
+          </a:effectRef>
+          <a:fontRef idx="minor">
+            <a:schemeClr val="dk1"/>
+          </a:fontRef>
+        </p:style>
+        <p:txBody>
+          <a:bodyPr rtlCol="0" anchor="ctr"/>
           <a:lstStyle/>
           <a:p>
-            <a:pPr marL="285750" indent="-285750">
-              <a:buFont typeface="Arial" panose="020B0604020202020204" pitchFamily="34" charset="0"/>
-              <a:buChar char="•"/>
-            </a:pPr>
+            <a:pPr algn="ctr"/>
+            <a:r>
+              <a:rPr lang="en-US" dirty="0" err="1"/>
+              <a:t>Onedrive</a:t>
+            </a:r>
+            <a:endParaRPr lang="en-US" dirty="0"/>
+          </a:p>
+        </p:txBody>
+      </p:sp>
+      <p:sp>
+        <p:nvSpPr>
+          <p:cNvPr id="11" name="Rectangle 10">
+            <a:extLst>
+              <a:ext uri="{FF2B5EF4-FFF2-40B4-BE49-F238E27FC236}">
+                <a16:creationId xmlns:a16="http://schemas.microsoft.com/office/drawing/2014/main" id="{502FD477-A7BC-40BA-99D9-FD2FBDE00F54}"/>
+              </a:ext>
+            </a:extLst>
+          </p:cNvPr>
+          <p:cNvSpPr/>
+          <p:nvPr/>
+        </p:nvSpPr>
+        <p:spPr>
+          <a:xfrm>
+            <a:off x="6382800" y="2711700"/>
+            <a:ext cx="946800" cy="310500"/>
+          </a:xfrm>
+          <a:prstGeom prst="rect">
+            <a:avLst/>
+          </a:prstGeom>
+        </p:spPr>
+        <p:style>
+          <a:lnRef idx="2">
+            <a:schemeClr val="accent1">
+              <a:shade val="50000"/>
+            </a:schemeClr>
+          </a:lnRef>
+          <a:fillRef idx="1">
+            <a:schemeClr val="accent1"/>
+          </a:fillRef>
+          <a:effectRef idx="0">
+            <a:schemeClr val="accent1"/>
+          </a:effectRef>
+          <a:fontRef idx="minor">
+            <a:schemeClr val="lt1"/>
+          </a:fontRef>
+        </p:style>
+        <p:txBody>
+          <a:bodyPr rtlCol="0" anchor="ctr"/>
+          <a:lstStyle/>
+          <a:p>
+            <a:pPr algn="ctr"/>
             <a:r>
               <a:rPr lang="en-US" dirty="0"/>
-              <a:t>Tracks</a:t>
-            </a:r>
-          </a:p>
-          <a:p>
-            <a:pPr marL="742950" lvl="1" indent="-285750">
-              <a:buFont typeface="Arial" panose="020B0604020202020204" pitchFamily="34" charset="0"/>
-              <a:buChar char="•"/>
-            </a:pPr>
-            <a:r>
-              <a:rPr lang="en-US" dirty="0"/>
-              <a:t>Drums</a:t>
-            </a:r>
-          </a:p>
-          <a:p>
-            <a:pPr marL="1200150" lvl="2" indent="-285750">
-              <a:buFont typeface="Arial" panose="020B0604020202020204" pitchFamily="34" charset="0"/>
-              <a:buChar char="•"/>
-            </a:pPr>
-            <a:r>
-              <a:rPr lang="en-US" dirty="0"/>
-              <a:t>Kick</a:t>
-            </a:r>
-          </a:p>
-          <a:p>
-            <a:pPr marL="1200150" lvl="2" indent="-285750">
-              <a:buFont typeface="Arial" panose="020B0604020202020204" pitchFamily="34" charset="0"/>
-              <a:buChar char="•"/>
-            </a:pPr>
-            <a:r>
-              <a:rPr lang="en-US" dirty="0"/>
-              <a:t>Snare</a:t>
-            </a:r>
-          </a:p>
-          <a:p>
-            <a:pPr marL="1200150" lvl="2" indent="-285750">
-              <a:buFont typeface="Arial" panose="020B0604020202020204" pitchFamily="34" charset="0"/>
-              <a:buChar char="•"/>
-            </a:pPr>
-            <a:r>
-              <a:rPr lang="en-US" dirty="0"/>
-              <a:t>HH</a:t>
-            </a:r>
-          </a:p>
-          <a:p>
-            <a:pPr marL="1200150" lvl="2" indent="-285750">
-              <a:buFont typeface="Arial" panose="020B0604020202020204" pitchFamily="34" charset="0"/>
-              <a:buChar char="•"/>
-            </a:pPr>
-            <a:r>
-              <a:rPr lang="en-US" dirty="0"/>
-              <a:t>Overs</a:t>
-            </a:r>
-          </a:p>
-          <a:p>
-            <a:pPr marL="1200150" lvl="2" indent="-285750">
-              <a:buFont typeface="Arial" panose="020B0604020202020204" pitchFamily="34" charset="0"/>
-              <a:buChar char="•"/>
-            </a:pPr>
-            <a:r>
-              <a:rPr lang="en-US" dirty="0"/>
-              <a:t>Toms</a:t>
-            </a:r>
-          </a:p>
-          <a:p>
-            <a:pPr marL="1657350" lvl="3" indent="-285750">
-              <a:buFont typeface="Arial" panose="020B0604020202020204" pitchFamily="34" charset="0"/>
-              <a:buChar char="•"/>
-            </a:pPr>
-            <a:r>
-              <a:rPr lang="en-US" dirty="0"/>
-              <a:t>Hi</a:t>
-            </a:r>
-          </a:p>
-          <a:p>
-            <a:pPr marL="1657350" lvl="3" indent="-285750">
-              <a:buFont typeface="Arial" panose="020B0604020202020204" pitchFamily="34" charset="0"/>
-              <a:buChar char="•"/>
-            </a:pPr>
-            <a:r>
-              <a:rPr lang="en-US" dirty="0"/>
-              <a:t>Med</a:t>
-            </a:r>
-          </a:p>
-          <a:p>
-            <a:pPr marL="1657350" lvl="3" indent="-285750">
-              <a:buFont typeface="Arial" panose="020B0604020202020204" pitchFamily="34" charset="0"/>
-              <a:buChar char="•"/>
-            </a:pPr>
-            <a:r>
-              <a:rPr lang="en-US" dirty="0"/>
-              <a:t>Low</a:t>
-            </a:r>
-          </a:p>
-          <a:p>
-            <a:pPr marL="742950" lvl="1" indent="-285750">
-              <a:buFont typeface="Arial" panose="020B0604020202020204" pitchFamily="34" charset="0"/>
-              <a:buChar char="•"/>
-            </a:pPr>
-            <a:r>
-              <a:rPr lang="en-US" dirty="0"/>
-              <a:t>Acoustic</a:t>
-            </a:r>
-          </a:p>
-          <a:p>
-            <a:pPr marL="742950" lvl="1" indent="-285750">
-              <a:buFont typeface="Arial" panose="020B0604020202020204" pitchFamily="34" charset="0"/>
-              <a:buChar char="•"/>
-            </a:pPr>
-            <a:r>
-              <a:rPr lang="en-US" dirty="0"/>
-              <a:t>Perc</a:t>
-            </a:r>
-          </a:p>
-          <a:p>
-            <a:pPr marL="742950" lvl="1" indent="-285750">
-              <a:buFont typeface="Arial" panose="020B0604020202020204" pitchFamily="34" charset="0"/>
-              <a:buChar char="•"/>
-            </a:pPr>
-            <a:r>
-              <a:rPr lang="en-US" dirty="0"/>
-              <a:t>Rhythm </a:t>
-            </a:r>
-            <a:r>
-              <a:rPr lang="en-US" dirty="0" err="1"/>
-              <a:t>Gtr</a:t>
-            </a:r>
-            <a:endParaRPr lang="en-US" dirty="0"/>
-          </a:p>
-          <a:p>
-            <a:pPr marL="742950" lvl="1" indent="-285750">
-              <a:buFont typeface="Arial" panose="020B0604020202020204" pitchFamily="34" charset="0"/>
-              <a:buChar char="•"/>
-            </a:pPr>
-            <a:r>
-              <a:rPr lang="en-US" dirty="0"/>
-              <a:t>Piano</a:t>
-            </a:r>
-          </a:p>
-          <a:p>
-            <a:pPr marL="742950" lvl="1" indent="-285750">
-              <a:buFont typeface="Arial" panose="020B0604020202020204" pitchFamily="34" charset="0"/>
-              <a:buChar char="•"/>
-            </a:pPr>
-            <a:r>
-              <a:rPr lang="en-US" dirty="0"/>
-              <a:t>Keys</a:t>
-            </a:r>
-          </a:p>
-          <a:p>
-            <a:pPr marL="742950" lvl="1" indent="-285750">
-              <a:buFont typeface="Arial" panose="020B0604020202020204" pitchFamily="34" charset="0"/>
-              <a:buChar char="•"/>
-            </a:pPr>
-            <a:r>
-              <a:rPr lang="en-US" dirty="0"/>
-              <a:t>Bass</a:t>
-            </a:r>
-          </a:p>
-          <a:p>
-            <a:pPr marL="742950" lvl="1" indent="-285750">
-              <a:buFont typeface="Arial" panose="020B0604020202020204" pitchFamily="34" charset="0"/>
-              <a:buChar char="•"/>
-            </a:pPr>
-            <a:r>
-              <a:rPr lang="en-US" dirty="0"/>
-              <a:t>Lead </a:t>
-            </a:r>
-            <a:r>
-              <a:rPr lang="en-US" dirty="0" err="1"/>
-              <a:t>Gtr</a:t>
-            </a:r>
-            <a:endParaRPr lang="en-US" dirty="0"/>
-          </a:p>
-          <a:p>
-            <a:pPr marL="742950" lvl="1" indent="-285750">
-              <a:buFont typeface="Arial" panose="020B0604020202020204" pitchFamily="34" charset="0"/>
-              <a:buChar char="•"/>
-            </a:pPr>
-            <a:r>
-              <a:rPr lang="en-US" dirty="0"/>
-              <a:t>Strings</a:t>
-            </a:r>
-          </a:p>
-          <a:p>
-            <a:pPr marL="742950" lvl="1" indent="-285750">
-              <a:buFont typeface="Arial" panose="020B0604020202020204" pitchFamily="34" charset="0"/>
-              <a:buChar char="•"/>
-            </a:pPr>
-            <a:endParaRPr lang="en-US" dirty="0"/>
-          </a:p>
-          <a:p>
-            <a:pPr marL="742950" lvl="1" indent="-285750">
-              <a:buFont typeface="Arial" panose="020B0604020202020204" pitchFamily="34" charset="0"/>
-              <a:buChar char="•"/>
-            </a:pPr>
-            <a:endParaRPr lang="en-US" dirty="0"/>
+              <a:t>Change</a:t>
+            </a:r>
           </a:p>
         </p:txBody>
       </p:sp>
     </p:spTree>
     <p:extLst>
       <p:ext uri="{BB962C8B-B14F-4D97-AF65-F5344CB8AC3E}">
-        <p14:creationId xmlns:p14="http://schemas.microsoft.com/office/powerpoint/2010/main" val="2334414300"/>
+        <p14:creationId xmlns:p14="http://schemas.microsoft.com/office/powerpoint/2010/main" val="1985410195"/>
       </p:ext>
     </p:extLst>
   </p:cSld>
@@ -4772,7 +5586,7 @@
 </p:sld>
 </file>
 
-<file path=ppt/slides/slide4.xml><?xml version="1.0" encoding="utf-8"?>
+<file path=ppt/slides/slide13.xml><?xml version="1.0" encoding="utf-8"?>
 <p:sld xmlns:a="http://schemas.openxmlformats.org/drawingml/2006/main" xmlns:r="http://schemas.openxmlformats.org/officeDocument/2006/relationships" xmlns:p="http://schemas.openxmlformats.org/presentationml/2006/main">
   <p:cSld>
     <p:bg>
@@ -6180,6 +6994,5431 @@
     <p:extLst>
       <p:ext uri="{BB962C8B-B14F-4D97-AF65-F5344CB8AC3E}">
         <p14:creationId xmlns:p14="http://schemas.microsoft.com/office/powerpoint/2010/main" val="1368290941"/>
+      </p:ext>
+    </p:extLst>
+  </p:cSld>
+  <p:clrMapOvr>
+    <a:masterClrMapping/>
+  </p:clrMapOvr>
+</p:sld>
+</file>
+
+<file path=ppt/slides/slide2.xml><?xml version="1.0" encoding="utf-8"?>
+<p:sld xmlns:a="http://schemas.openxmlformats.org/drawingml/2006/main" xmlns:r="http://schemas.openxmlformats.org/officeDocument/2006/relationships" xmlns:p="http://schemas.openxmlformats.org/presentationml/2006/main">
+  <p:cSld>
+    <p:spTree>
+      <p:nvGrpSpPr>
+        <p:cNvPr id="1" name=""/>
+        <p:cNvGrpSpPr/>
+        <p:nvPr/>
+      </p:nvGrpSpPr>
+      <p:grpSpPr>
+        <a:xfrm>
+          <a:off x="0" y="0"/>
+          <a:ext cx="0" cy="0"/>
+          <a:chOff x="0" y="0"/>
+          <a:chExt cx="0" cy="0"/>
+        </a:xfrm>
+      </p:grpSpPr>
+      <p:sp>
+        <p:nvSpPr>
+          <p:cNvPr id="2" name="Rectangle 1">
+            <a:extLst>
+              <a:ext uri="{FF2B5EF4-FFF2-40B4-BE49-F238E27FC236}">
+                <a16:creationId xmlns:a16="http://schemas.microsoft.com/office/drawing/2014/main" id="{F410BDF6-4F84-48D6-8C80-695A844EF1FD}"/>
+              </a:ext>
+            </a:extLst>
+          </p:cNvPr>
+          <p:cNvSpPr/>
+          <p:nvPr/>
+        </p:nvSpPr>
+        <p:spPr>
+          <a:xfrm>
+            <a:off x="3261600" y="216000"/>
+            <a:ext cx="3283200" cy="6278400"/>
+          </a:xfrm>
+          <a:prstGeom prst="rect">
+            <a:avLst/>
+          </a:prstGeom>
+          <a:solidFill>
+            <a:schemeClr val="tx1">
+              <a:lumMod val="85000"/>
+              <a:lumOff val="15000"/>
+            </a:schemeClr>
+          </a:solidFill>
+        </p:spPr>
+        <p:style>
+          <a:lnRef idx="2">
+            <a:schemeClr val="accent1">
+              <a:shade val="50000"/>
+            </a:schemeClr>
+          </a:lnRef>
+          <a:fillRef idx="1">
+            <a:schemeClr val="accent1"/>
+          </a:fillRef>
+          <a:effectRef idx="0">
+            <a:schemeClr val="accent1"/>
+          </a:effectRef>
+          <a:fontRef idx="minor">
+            <a:schemeClr val="lt1"/>
+          </a:fontRef>
+        </p:style>
+        <p:txBody>
+          <a:bodyPr rtlCol="0" anchor="ctr"/>
+          <a:lstStyle/>
+          <a:p>
+            <a:pPr algn="ctr"/>
+            <a:endParaRPr lang="en-US"/>
+          </a:p>
+        </p:txBody>
+      </p:sp>
+      <p:sp>
+        <p:nvSpPr>
+          <p:cNvPr id="3" name="Isosceles Triangle 2">
+            <a:extLst>
+              <a:ext uri="{FF2B5EF4-FFF2-40B4-BE49-F238E27FC236}">
+                <a16:creationId xmlns:a16="http://schemas.microsoft.com/office/drawing/2014/main" id="{8B7076F8-708B-49F1-9865-43FA073F9C72}"/>
+              </a:ext>
+            </a:extLst>
+          </p:cNvPr>
+          <p:cNvSpPr/>
+          <p:nvPr/>
+        </p:nvSpPr>
+        <p:spPr>
+          <a:xfrm rot="16200000">
+            <a:off x="4301964" y="5990401"/>
+            <a:ext cx="338400" cy="324000"/>
+          </a:xfrm>
+          <a:prstGeom prst="triangle">
+            <a:avLst/>
+          </a:prstGeom>
+        </p:spPr>
+        <p:style>
+          <a:lnRef idx="2">
+            <a:schemeClr val="accent2">
+              <a:shade val="50000"/>
+            </a:schemeClr>
+          </a:lnRef>
+          <a:fillRef idx="1">
+            <a:schemeClr val="accent2"/>
+          </a:fillRef>
+          <a:effectRef idx="0">
+            <a:schemeClr val="accent2"/>
+          </a:effectRef>
+          <a:fontRef idx="minor">
+            <a:schemeClr val="lt1"/>
+          </a:fontRef>
+        </p:style>
+        <p:txBody>
+          <a:bodyPr rtlCol="0" anchor="ctr"/>
+          <a:lstStyle/>
+          <a:p>
+            <a:pPr algn="ctr"/>
+            <a:endParaRPr lang="en-US"/>
+          </a:p>
+        </p:txBody>
+      </p:sp>
+      <p:sp>
+        <p:nvSpPr>
+          <p:cNvPr id="4" name="Isosceles Triangle 3">
+            <a:extLst>
+              <a:ext uri="{FF2B5EF4-FFF2-40B4-BE49-F238E27FC236}">
+                <a16:creationId xmlns:a16="http://schemas.microsoft.com/office/drawing/2014/main" id="{8F567682-D44D-4C4C-959E-89AB0CFD5B27}"/>
+              </a:ext>
+            </a:extLst>
+          </p:cNvPr>
+          <p:cNvSpPr/>
+          <p:nvPr/>
+        </p:nvSpPr>
+        <p:spPr>
+          <a:xfrm rot="5400000" flipH="1">
+            <a:off x="5414400" y="6008400"/>
+            <a:ext cx="338400" cy="324000"/>
+          </a:xfrm>
+          <a:prstGeom prst="triangle">
+            <a:avLst/>
+          </a:prstGeom>
+        </p:spPr>
+        <p:style>
+          <a:lnRef idx="2">
+            <a:schemeClr val="accent2">
+              <a:shade val="50000"/>
+            </a:schemeClr>
+          </a:lnRef>
+          <a:fillRef idx="1">
+            <a:schemeClr val="accent2"/>
+          </a:fillRef>
+          <a:effectRef idx="0">
+            <a:schemeClr val="accent2"/>
+          </a:effectRef>
+          <a:fontRef idx="minor">
+            <a:schemeClr val="lt1"/>
+          </a:fontRef>
+        </p:style>
+        <p:txBody>
+          <a:bodyPr rtlCol="0" anchor="ctr"/>
+          <a:lstStyle/>
+          <a:p>
+            <a:pPr algn="ctr"/>
+            <a:endParaRPr lang="en-US"/>
+          </a:p>
+        </p:txBody>
+      </p:sp>
+      <p:sp>
+        <p:nvSpPr>
+          <p:cNvPr id="5" name="Rectangle 4">
+            <a:extLst>
+              <a:ext uri="{FF2B5EF4-FFF2-40B4-BE49-F238E27FC236}">
+                <a16:creationId xmlns:a16="http://schemas.microsoft.com/office/drawing/2014/main" id="{15E8AF71-862F-4661-8E92-A9DAAC0DE147}"/>
+              </a:ext>
+            </a:extLst>
+          </p:cNvPr>
+          <p:cNvSpPr/>
+          <p:nvPr/>
+        </p:nvSpPr>
+        <p:spPr>
+          <a:xfrm>
+            <a:off x="4837671" y="6001200"/>
+            <a:ext cx="379422" cy="320401"/>
+          </a:xfrm>
+          <a:prstGeom prst="rect">
+            <a:avLst/>
+          </a:prstGeom>
+        </p:spPr>
+        <p:style>
+          <a:lnRef idx="2">
+            <a:schemeClr val="accent2">
+              <a:shade val="50000"/>
+            </a:schemeClr>
+          </a:lnRef>
+          <a:fillRef idx="1">
+            <a:schemeClr val="accent2"/>
+          </a:fillRef>
+          <a:effectRef idx="0">
+            <a:schemeClr val="accent2"/>
+          </a:effectRef>
+          <a:fontRef idx="minor">
+            <a:schemeClr val="lt1"/>
+          </a:fontRef>
+        </p:style>
+        <p:txBody>
+          <a:bodyPr rtlCol="0" anchor="ctr"/>
+          <a:lstStyle/>
+          <a:p>
+            <a:pPr algn="ctr"/>
+            <a:endParaRPr lang="en-US"/>
+          </a:p>
+        </p:txBody>
+      </p:sp>
+      <p:sp>
+        <p:nvSpPr>
+          <p:cNvPr id="6" name="Rectangle 5">
+            <a:extLst>
+              <a:ext uri="{FF2B5EF4-FFF2-40B4-BE49-F238E27FC236}">
+                <a16:creationId xmlns:a16="http://schemas.microsoft.com/office/drawing/2014/main" id="{13E719EF-66BF-4D3A-8040-854E31E65D7F}"/>
+              </a:ext>
+            </a:extLst>
+          </p:cNvPr>
+          <p:cNvSpPr/>
+          <p:nvPr/>
+        </p:nvSpPr>
+        <p:spPr>
+          <a:xfrm>
+            <a:off x="3441600" y="856800"/>
+            <a:ext cx="2937600" cy="568800"/>
+          </a:xfrm>
+          <a:prstGeom prst="rect">
+            <a:avLst/>
+          </a:prstGeom>
+        </p:spPr>
+        <p:style>
+          <a:lnRef idx="2">
+            <a:schemeClr val="accent1">
+              <a:shade val="50000"/>
+            </a:schemeClr>
+          </a:lnRef>
+          <a:fillRef idx="1">
+            <a:schemeClr val="accent1"/>
+          </a:fillRef>
+          <a:effectRef idx="0">
+            <a:schemeClr val="accent1"/>
+          </a:effectRef>
+          <a:fontRef idx="minor">
+            <a:schemeClr val="lt1"/>
+          </a:fontRef>
+        </p:style>
+        <p:txBody>
+          <a:bodyPr rtlCol="0" anchor="ctr"/>
+          <a:lstStyle/>
+          <a:p>
+            <a:r>
+              <a:rPr lang="en-US" sz="1050" dirty="0"/>
+              <a:t>Goldfinger</a:t>
+            </a:r>
+          </a:p>
+          <a:p>
+            <a:r>
+              <a:rPr lang="en-US" sz="1600" dirty="0"/>
+              <a:t>The man with a gun</a:t>
+            </a:r>
+          </a:p>
+        </p:txBody>
+      </p:sp>
+      <p:pic>
+        <p:nvPicPr>
+          <p:cNvPr id="7" name="Picture 6">
+            <a:extLst>
+              <a:ext uri="{FF2B5EF4-FFF2-40B4-BE49-F238E27FC236}">
+                <a16:creationId xmlns:a16="http://schemas.microsoft.com/office/drawing/2014/main" id="{A9168196-EDE1-4009-A79E-A0281FB76EE1}"/>
+              </a:ext>
+            </a:extLst>
+          </p:cNvPr>
+          <p:cNvPicPr preferRelativeResize="0">
+            <a:picLocks/>
+          </p:cNvPicPr>
+          <p:nvPr>
+            <p:custDataLst>
+              <p:custData r:id="rId1"/>
+            </p:custDataLst>
+          </p:nvPr>
+        </p:nvPicPr>
+        <p:blipFill rotWithShape="1">
+          <a:blip r:embed="rId12">
+            <a:extLst>
+              <a:ext uri="{28A0092B-C50C-407E-A947-70E740481C1C}">
+                <a14:useLocalDpi xmlns:a14="http://schemas.microsoft.com/office/drawing/2010/main" val="0"/>
+              </a:ext>
+            </a:extLst>
+          </a:blip>
+          <a:srcRect l="24992" t="23267" r="24992" b="24992"/>
+          <a:stretch/>
+        </p:blipFill>
+        <p:spPr>
+          <a:xfrm>
+            <a:off x="5729903" y="1028805"/>
+            <a:ext cx="217297" cy="224790"/>
+          </a:xfrm>
+          <a:prstGeom prst="rect">
+            <a:avLst/>
+          </a:prstGeom>
+        </p:spPr>
+      </p:pic>
+      <p:pic>
+        <p:nvPicPr>
+          <p:cNvPr id="8" name="Picture 7">
+            <a:extLst>
+              <a:ext uri="{FF2B5EF4-FFF2-40B4-BE49-F238E27FC236}">
+                <a16:creationId xmlns:a16="http://schemas.microsoft.com/office/drawing/2014/main" id="{6D9C0F55-17E4-4359-8B88-CB57C263DB57}"/>
+              </a:ext>
+            </a:extLst>
+          </p:cNvPr>
+          <p:cNvPicPr preferRelativeResize="0">
+            <a:picLocks/>
+          </p:cNvPicPr>
+          <p:nvPr>
+            <p:custDataLst>
+              <p:custData r:id="rId2"/>
+            </p:custDataLst>
+          </p:nvPr>
+        </p:nvPicPr>
+        <p:blipFill>
+          <a:blip r:embed="rId13">
+            <a:extLst>
+              <a:ext uri="{28A0092B-C50C-407E-A947-70E740481C1C}">
+                <a14:useLocalDpi xmlns:a14="http://schemas.microsoft.com/office/drawing/2010/main" val="0"/>
+              </a:ext>
+            </a:extLst>
+          </a:blip>
+          <a:stretch>
+            <a:fillRect/>
+          </a:stretch>
+        </p:blipFill>
+        <p:spPr>
+          <a:xfrm>
+            <a:off x="5880150" y="859499"/>
+            <a:ext cx="566101" cy="566101"/>
+          </a:xfrm>
+          <a:prstGeom prst="rect">
+            <a:avLst/>
+          </a:prstGeom>
+        </p:spPr>
+      </p:pic>
+      <p:sp>
+        <p:nvSpPr>
+          <p:cNvPr id="9" name="Rectangle 8">
+            <a:extLst>
+              <a:ext uri="{FF2B5EF4-FFF2-40B4-BE49-F238E27FC236}">
+                <a16:creationId xmlns:a16="http://schemas.microsoft.com/office/drawing/2014/main" id="{585A7A1C-938D-4647-B84C-BB7ED8B9CD32}"/>
+              </a:ext>
+            </a:extLst>
+          </p:cNvPr>
+          <p:cNvSpPr/>
+          <p:nvPr/>
+        </p:nvSpPr>
+        <p:spPr>
+          <a:xfrm>
+            <a:off x="3441600" y="1506795"/>
+            <a:ext cx="2937600" cy="568800"/>
+          </a:xfrm>
+          <a:prstGeom prst="rect">
+            <a:avLst/>
+          </a:prstGeom>
+          <a:solidFill>
+            <a:schemeClr val="accent1">
+              <a:lumMod val="50000"/>
+            </a:schemeClr>
+          </a:solidFill>
+        </p:spPr>
+        <p:style>
+          <a:lnRef idx="2">
+            <a:schemeClr val="accent1">
+              <a:shade val="50000"/>
+            </a:schemeClr>
+          </a:lnRef>
+          <a:fillRef idx="1">
+            <a:schemeClr val="accent1"/>
+          </a:fillRef>
+          <a:effectRef idx="0">
+            <a:schemeClr val="accent1"/>
+          </a:effectRef>
+          <a:fontRef idx="minor">
+            <a:schemeClr val="lt1"/>
+          </a:fontRef>
+        </p:style>
+        <p:txBody>
+          <a:bodyPr rtlCol="0" anchor="ctr"/>
+          <a:lstStyle/>
+          <a:p>
+            <a:r>
+              <a:rPr lang="en-US" sz="1200" dirty="0"/>
+              <a:t>Goldfinger</a:t>
+            </a:r>
+          </a:p>
+          <a:p>
+            <a:r>
+              <a:rPr lang="en-US" dirty="0"/>
+              <a:t>007 theme</a:t>
+            </a:r>
+          </a:p>
+        </p:txBody>
+      </p:sp>
+      <p:pic>
+        <p:nvPicPr>
+          <p:cNvPr id="10" name="Picture 9">
+            <a:extLst>
+              <a:ext uri="{FF2B5EF4-FFF2-40B4-BE49-F238E27FC236}">
+                <a16:creationId xmlns:a16="http://schemas.microsoft.com/office/drawing/2014/main" id="{E830E4A8-7378-4176-8906-34F0FCC48DB7}"/>
+              </a:ext>
+            </a:extLst>
+          </p:cNvPr>
+          <p:cNvPicPr preferRelativeResize="0">
+            <a:picLocks/>
+          </p:cNvPicPr>
+          <p:nvPr>
+            <p:custDataLst>
+              <p:custData r:id="rId3"/>
+            </p:custDataLst>
+          </p:nvPr>
+        </p:nvPicPr>
+        <p:blipFill rotWithShape="1">
+          <a:blip r:embed="rId12">
+            <a:extLst>
+              <a:ext uri="{28A0092B-C50C-407E-A947-70E740481C1C}">
+                <a14:useLocalDpi xmlns:a14="http://schemas.microsoft.com/office/drawing/2010/main" val="0"/>
+              </a:ext>
+            </a:extLst>
+          </a:blip>
+          <a:srcRect l="24992" t="23267" r="24992" b="24992"/>
+          <a:stretch/>
+        </p:blipFill>
+        <p:spPr>
+          <a:xfrm>
+            <a:off x="5729903" y="1678800"/>
+            <a:ext cx="217297" cy="224790"/>
+          </a:xfrm>
+          <a:prstGeom prst="rect">
+            <a:avLst/>
+          </a:prstGeom>
+        </p:spPr>
+      </p:pic>
+      <p:pic>
+        <p:nvPicPr>
+          <p:cNvPr id="11" name="Picture 10">
+            <a:extLst>
+              <a:ext uri="{FF2B5EF4-FFF2-40B4-BE49-F238E27FC236}">
+                <a16:creationId xmlns:a16="http://schemas.microsoft.com/office/drawing/2014/main" id="{F1338FDB-ACFE-4069-B267-3C7C63FDCF5F}"/>
+              </a:ext>
+            </a:extLst>
+          </p:cNvPr>
+          <p:cNvPicPr preferRelativeResize="0">
+            <a:picLocks/>
+          </p:cNvPicPr>
+          <p:nvPr>
+            <p:custDataLst>
+              <p:custData r:id="rId4"/>
+            </p:custDataLst>
+          </p:nvPr>
+        </p:nvPicPr>
+        <p:blipFill>
+          <a:blip r:embed="rId13">
+            <a:extLst>
+              <a:ext uri="{28A0092B-C50C-407E-A947-70E740481C1C}">
+                <a14:useLocalDpi xmlns:a14="http://schemas.microsoft.com/office/drawing/2010/main" val="0"/>
+              </a:ext>
+            </a:extLst>
+          </a:blip>
+          <a:stretch>
+            <a:fillRect/>
+          </a:stretch>
+        </p:blipFill>
+        <p:spPr>
+          <a:xfrm>
+            <a:off x="5880150" y="1509494"/>
+            <a:ext cx="566101" cy="566101"/>
+          </a:xfrm>
+          <a:prstGeom prst="rect">
+            <a:avLst/>
+          </a:prstGeom>
+        </p:spPr>
+      </p:pic>
+      <p:sp>
+        <p:nvSpPr>
+          <p:cNvPr id="12" name="Rectangle 11">
+            <a:extLst>
+              <a:ext uri="{FF2B5EF4-FFF2-40B4-BE49-F238E27FC236}">
+                <a16:creationId xmlns:a16="http://schemas.microsoft.com/office/drawing/2014/main" id="{B1B07466-E2D6-47B3-86AD-F9ACCA175E2B}"/>
+              </a:ext>
+            </a:extLst>
+          </p:cNvPr>
+          <p:cNvSpPr/>
+          <p:nvPr/>
+        </p:nvSpPr>
+        <p:spPr>
+          <a:xfrm>
+            <a:off x="3441600" y="2156790"/>
+            <a:ext cx="2937600" cy="568800"/>
+          </a:xfrm>
+          <a:prstGeom prst="rect">
+            <a:avLst/>
+          </a:prstGeom>
+        </p:spPr>
+        <p:style>
+          <a:lnRef idx="2">
+            <a:schemeClr val="accent1">
+              <a:shade val="50000"/>
+            </a:schemeClr>
+          </a:lnRef>
+          <a:fillRef idx="1">
+            <a:schemeClr val="accent1"/>
+          </a:fillRef>
+          <a:effectRef idx="0">
+            <a:schemeClr val="accent1"/>
+          </a:effectRef>
+          <a:fontRef idx="minor">
+            <a:schemeClr val="lt1"/>
+          </a:fontRef>
+        </p:style>
+        <p:txBody>
+          <a:bodyPr rtlCol="0" anchor="ctr"/>
+          <a:lstStyle/>
+          <a:p>
+            <a:r>
+              <a:rPr lang="en-US" sz="1200" dirty="0"/>
+              <a:t>Goldfinger</a:t>
+            </a:r>
+          </a:p>
+          <a:p>
+            <a:r>
+              <a:rPr lang="en-US" dirty="0"/>
+              <a:t>The man with a gun</a:t>
+            </a:r>
+          </a:p>
+        </p:txBody>
+      </p:sp>
+      <p:pic>
+        <p:nvPicPr>
+          <p:cNvPr id="13" name="Picture 12">
+            <a:extLst>
+              <a:ext uri="{FF2B5EF4-FFF2-40B4-BE49-F238E27FC236}">
+                <a16:creationId xmlns:a16="http://schemas.microsoft.com/office/drawing/2014/main" id="{095B9B2B-D972-47BD-85AD-59D95C455FC5}"/>
+              </a:ext>
+            </a:extLst>
+          </p:cNvPr>
+          <p:cNvPicPr preferRelativeResize="0">
+            <a:picLocks/>
+          </p:cNvPicPr>
+          <p:nvPr>
+            <p:custDataLst>
+              <p:custData r:id="rId5"/>
+            </p:custDataLst>
+          </p:nvPr>
+        </p:nvPicPr>
+        <p:blipFill rotWithShape="1">
+          <a:blip r:embed="rId12">
+            <a:extLst>
+              <a:ext uri="{28A0092B-C50C-407E-A947-70E740481C1C}">
+                <a14:useLocalDpi xmlns:a14="http://schemas.microsoft.com/office/drawing/2010/main" val="0"/>
+              </a:ext>
+            </a:extLst>
+          </a:blip>
+          <a:srcRect l="24992" t="23267" r="24992" b="24992"/>
+          <a:stretch/>
+        </p:blipFill>
+        <p:spPr>
+          <a:xfrm>
+            <a:off x="5729903" y="2328795"/>
+            <a:ext cx="217297" cy="224790"/>
+          </a:xfrm>
+          <a:prstGeom prst="rect">
+            <a:avLst/>
+          </a:prstGeom>
+        </p:spPr>
+      </p:pic>
+      <p:pic>
+        <p:nvPicPr>
+          <p:cNvPr id="14" name="Picture 13">
+            <a:extLst>
+              <a:ext uri="{FF2B5EF4-FFF2-40B4-BE49-F238E27FC236}">
+                <a16:creationId xmlns:a16="http://schemas.microsoft.com/office/drawing/2014/main" id="{5B9A5EF3-879E-495D-856D-1F39EA8CD380}"/>
+              </a:ext>
+            </a:extLst>
+          </p:cNvPr>
+          <p:cNvPicPr preferRelativeResize="0">
+            <a:picLocks/>
+          </p:cNvPicPr>
+          <p:nvPr>
+            <p:custDataLst>
+              <p:custData r:id="rId6"/>
+            </p:custDataLst>
+          </p:nvPr>
+        </p:nvPicPr>
+        <p:blipFill>
+          <a:blip r:embed="rId13">
+            <a:extLst>
+              <a:ext uri="{28A0092B-C50C-407E-A947-70E740481C1C}">
+                <a14:useLocalDpi xmlns:a14="http://schemas.microsoft.com/office/drawing/2010/main" val="0"/>
+              </a:ext>
+            </a:extLst>
+          </a:blip>
+          <a:stretch>
+            <a:fillRect/>
+          </a:stretch>
+        </p:blipFill>
+        <p:spPr>
+          <a:xfrm>
+            <a:off x="5880150" y="2159489"/>
+            <a:ext cx="566101" cy="566101"/>
+          </a:xfrm>
+          <a:prstGeom prst="rect">
+            <a:avLst/>
+          </a:prstGeom>
+        </p:spPr>
+      </p:pic>
+      <p:sp>
+        <p:nvSpPr>
+          <p:cNvPr id="15" name="Rectangle 14">
+            <a:extLst>
+              <a:ext uri="{FF2B5EF4-FFF2-40B4-BE49-F238E27FC236}">
+                <a16:creationId xmlns:a16="http://schemas.microsoft.com/office/drawing/2014/main" id="{172ED5FB-E86C-4268-A561-6403C9680002}"/>
+              </a:ext>
+            </a:extLst>
+          </p:cNvPr>
+          <p:cNvSpPr/>
+          <p:nvPr/>
+        </p:nvSpPr>
+        <p:spPr>
+          <a:xfrm>
+            <a:off x="3441600" y="2806785"/>
+            <a:ext cx="2937600" cy="568800"/>
+          </a:xfrm>
+          <a:prstGeom prst="rect">
+            <a:avLst/>
+          </a:prstGeom>
+        </p:spPr>
+        <p:style>
+          <a:lnRef idx="2">
+            <a:schemeClr val="accent1">
+              <a:shade val="50000"/>
+            </a:schemeClr>
+          </a:lnRef>
+          <a:fillRef idx="1">
+            <a:schemeClr val="accent1"/>
+          </a:fillRef>
+          <a:effectRef idx="0">
+            <a:schemeClr val="accent1"/>
+          </a:effectRef>
+          <a:fontRef idx="minor">
+            <a:schemeClr val="lt1"/>
+          </a:fontRef>
+        </p:style>
+        <p:txBody>
+          <a:bodyPr rtlCol="0" anchor="ctr"/>
+          <a:lstStyle/>
+          <a:p>
+            <a:r>
+              <a:rPr lang="en-US" sz="1200" dirty="0"/>
+              <a:t>Moon </a:t>
+            </a:r>
+            <a:r>
+              <a:rPr lang="en-US" sz="1200" dirty="0" err="1"/>
+              <a:t>Raker</a:t>
+            </a:r>
+            <a:endParaRPr lang="en-US" sz="1200" dirty="0"/>
+          </a:p>
+          <a:p>
+            <a:r>
+              <a:rPr lang="en-US" dirty="0"/>
+              <a:t>Jaws Teeth</a:t>
+            </a:r>
+          </a:p>
+        </p:txBody>
+      </p:sp>
+      <p:pic>
+        <p:nvPicPr>
+          <p:cNvPr id="16" name="Picture 15">
+            <a:extLst>
+              <a:ext uri="{FF2B5EF4-FFF2-40B4-BE49-F238E27FC236}">
+                <a16:creationId xmlns:a16="http://schemas.microsoft.com/office/drawing/2014/main" id="{322665F1-76B8-4034-861E-11574D3F16A7}"/>
+              </a:ext>
+            </a:extLst>
+          </p:cNvPr>
+          <p:cNvPicPr preferRelativeResize="0">
+            <a:picLocks/>
+          </p:cNvPicPr>
+          <p:nvPr>
+            <p:custDataLst>
+              <p:custData r:id="rId7"/>
+            </p:custDataLst>
+          </p:nvPr>
+        </p:nvPicPr>
+        <p:blipFill rotWithShape="1">
+          <a:blip r:embed="rId12">
+            <a:extLst>
+              <a:ext uri="{28A0092B-C50C-407E-A947-70E740481C1C}">
+                <a14:useLocalDpi xmlns:a14="http://schemas.microsoft.com/office/drawing/2010/main" val="0"/>
+              </a:ext>
+            </a:extLst>
+          </a:blip>
+          <a:srcRect l="24992" t="23267" r="24992" b="24992"/>
+          <a:stretch/>
+        </p:blipFill>
+        <p:spPr>
+          <a:xfrm>
+            <a:off x="5729903" y="2978790"/>
+            <a:ext cx="217297" cy="224790"/>
+          </a:xfrm>
+          <a:prstGeom prst="rect">
+            <a:avLst/>
+          </a:prstGeom>
+        </p:spPr>
+      </p:pic>
+      <p:pic>
+        <p:nvPicPr>
+          <p:cNvPr id="17" name="Picture 16">
+            <a:extLst>
+              <a:ext uri="{FF2B5EF4-FFF2-40B4-BE49-F238E27FC236}">
+                <a16:creationId xmlns:a16="http://schemas.microsoft.com/office/drawing/2014/main" id="{1312F516-64C3-4BE1-B33C-E1F8AE4ADE4D}"/>
+              </a:ext>
+            </a:extLst>
+          </p:cNvPr>
+          <p:cNvPicPr preferRelativeResize="0">
+            <a:picLocks/>
+          </p:cNvPicPr>
+          <p:nvPr>
+            <p:custDataLst>
+              <p:custData r:id="rId8"/>
+            </p:custDataLst>
+          </p:nvPr>
+        </p:nvPicPr>
+        <p:blipFill>
+          <a:blip r:embed="rId13">
+            <a:extLst>
+              <a:ext uri="{28A0092B-C50C-407E-A947-70E740481C1C}">
+                <a14:useLocalDpi xmlns:a14="http://schemas.microsoft.com/office/drawing/2010/main" val="0"/>
+              </a:ext>
+            </a:extLst>
+          </a:blip>
+          <a:stretch>
+            <a:fillRect/>
+          </a:stretch>
+        </p:blipFill>
+        <p:spPr>
+          <a:xfrm>
+            <a:off x="5880150" y="2809484"/>
+            <a:ext cx="566101" cy="566101"/>
+          </a:xfrm>
+          <a:prstGeom prst="rect">
+            <a:avLst/>
+          </a:prstGeom>
+        </p:spPr>
+      </p:pic>
+      <p:sp>
+        <p:nvSpPr>
+          <p:cNvPr id="18" name="Rectangle 17">
+            <a:extLst>
+              <a:ext uri="{FF2B5EF4-FFF2-40B4-BE49-F238E27FC236}">
+                <a16:creationId xmlns:a16="http://schemas.microsoft.com/office/drawing/2014/main" id="{836959FB-E475-408D-BB9C-82BD974E29EB}"/>
+              </a:ext>
+            </a:extLst>
+          </p:cNvPr>
+          <p:cNvSpPr/>
+          <p:nvPr/>
+        </p:nvSpPr>
+        <p:spPr>
+          <a:xfrm>
+            <a:off x="6968572" y="1101430"/>
+            <a:ext cx="2937600" cy="568800"/>
+          </a:xfrm>
+          <a:prstGeom prst="rect">
+            <a:avLst/>
+          </a:prstGeom>
+        </p:spPr>
+        <p:style>
+          <a:lnRef idx="2">
+            <a:schemeClr val="accent1">
+              <a:shade val="50000"/>
+            </a:schemeClr>
+          </a:lnRef>
+          <a:fillRef idx="1">
+            <a:schemeClr val="accent1"/>
+          </a:fillRef>
+          <a:effectRef idx="0">
+            <a:schemeClr val="accent1"/>
+          </a:effectRef>
+          <a:fontRef idx="minor">
+            <a:schemeClr val="lt1"/>
+          </a:fontRef>
+        </p:style>
+        <p:txBody>
+          <a:bodyPr rtlCol="0" anchor="ctr"/>
+          <a:lstStyle/>
+          <a:p>
+            <a:endParaRPr lang="en-US" sz="800" dirty="0"/>
+          </a:p>
+        </p:txBody>
+      </p:sp>
+      <p:pic>
+        <p:nvPicPr>
+          <p:cNvPr id="19" name="Picture 18">
+            <a:extLst>
+              <a:ext uri="{FF2B5EF4-FFF2-40B4-BE49-F238E27FC236}">
+                <a16:creationId xmlns:a16="http://schemas.microsoft.com/office/drawing/2014/main" id="{9697DA65-4F32-4D92-9E24-C3DDEC29817C}"/>
+              </a:ext>
+            </a:extLst>
+          </p:cNvPr>
+          <p:cNvPicPr preferRelativeResize="0">
+            <a:picLocks/>
+          </p:cNvPicPr>
+          <p:nvPr>
+            <p:custDataLst>
+              <p:custData r:id="rId9"/>
+            </p:custDataLst>
+          </p:nvPr>
+        </p:nvPicPr>
+        <p:blipFill rotWithShape="1">
+          <a:blip r:embed="rId12">
+            <a:extLst>
+              <a:ext uri="{28A0092B-C50C-407E-A947-70E740481C1C}">
+                <a14:useLocalDpi xmlns:a14="http://schemas.microsoft.com/office/drawing/2010/main" val="0"/>
+              </a:ext>
+            </a:extLst>
+          </a:blip>
+          <a:srcRect l="24992" t="23267" r="24992" b="24992"/>
+          <a:stretch/>
+        </p:blipFill>
+        <p:spPr>
+          <a:xfrm>
+            <a:off x="9256875" y="1273435"/>
+            <a:ext cx="217297" cy="224790"/>
+          </a:xfrm>
+          <a:prstGeom prst="rect">
+            <a:avLst/>
+          </a:prstGeom>
+        </p:spPr>
+      </p:pic>
+      <p:pic>
+        <p:nvPicPr>
+          <p:cNvPr id="20" name="Picture 19">
+            <a:extLst>
+              <a:ext uri="{FF2B5EF4-FFF2-40B4-BE49-F238E27FC236}">
+                <a16:creationId xmlns:a16="http://schemas.microsoft.com/office/drawing/2014/main" id="{5A927C11-7370-4ECE-86B2-3E5227C61A2D}"/>
+              </a:ext>
+            </a:extLst>
+          </p:cNvPr>
+          <p:cNvPicPr preferRelativeResize="0">
+            <a:picLocks/>
+          </p:cNvPicPr>
+          <p:nvPr>
+            <p:custDataLst>
+              <p:custData r:id="rId10"/>
+            </p:custDataLst>
+          </p:nvPr>
+        </p:nvPicPr>
+        <p:blipFill>
+          <a:blip r:embed="rId13">
+            <a:extLst>
+              <a:ext uri="{28A0092B-C50C-407E-A947-70E740481C1C}">
+                <a14:useLocalDpi xmlns:a14="http://schemas.microsoft.com/office/drawing/2010/main" val="0"/>
+              </a:ext>
+            </a:extLst>
+          </a:blip>
+          <a:stretch>
+            <a:fillRect/>
+          </a:stretch>
+        </p:blipFill>
+        <p:spPr>
+          <a:xfrm>
+            <a:off x="9407122" y="1104129"/>
+            <a:ext cx="566101" cy="566101"/>
+          </a:xfrm>
+          <a:prstGeom prst="rect">
+            <a:avLst/>
+          </a:prstGeom>
+        </p:spPr>
+      </p:pic>
+      <p:sp>
+        <p:nvSpPr>
+          <p:cNvPr id="21" name="Rectangle 20">
+            <a:extLst>
+              <a:ext uri="{FF2B5EF4-FFF2-40B4-BE49-F238E27FC236}">
+                <a16:creationId xmlns:a16="http://schemas.microsoft.com/office/drawing/2014/main" id="{CE1594FD-64F3-4E20-A5C9-A577F3F2D20A}"/>
+              </a:ext>
+            </a:extLst>
+          </p:cNvPr>
+          <p:cNvSpPr/>
+          <p:nvPr/>
+        </p:nvSpPr>
+        <p:spPr>
+          <a:xfrm>
+            <a:off x="7163594" y="1101430"/>
+            <a:ext cx="1898260" cy="568800"/>
+          </a:xfrm>
+          <a:prstGeom prst="rect">
+            <a:avLst/>
+          </a:prstGeom>
+          <a:noFill/>
+          <a:ln>
+            <a:noFill/>
+          </a:ln>
+        </p:spPr>
+        <p:style>
+          <a:lnRef idx="2">
+            <a:schemeClr val="accent1">
+              <a:shade val="50000"/>
+            </a:schemeClr>
+          </a:lnRef>
+          <a:fillRef idx="1">
+            <a:schemeClr val="accent1"/>
+          </a:fillRef>
+          <a:effectRef idx="0">
+            <a:schemeClr val="accent1"/>
+          </a:effectRef>
+          <a:fontRef idx="minor">
+            <a:schemeClr val="lt1"/>
+          </a:fontRef>
+        </p:style>
+        <p:txBody>
+          <a:bodyPr rtlCol="0" anchor="ctr"/>
+          <a:lstStyle/>
+          <a:p>
+            <a:r>
+              <a:rPr lang="en-US" sz="1050" dirty="0"/>
+              <a:t>Goldfinger</a:t>
+            </a:r>
+          </a:p>
+          <a:p>
+            <a:r>
+              <a:rPr lang="en-US" sz="1600" dirty="0"/>
+              <a:t>The man with a gun</a:t>
+            </a:r>
+          </a:p>
+        </p:txBody>
+      </p:sp>
+    </p:spTree>
+    <p:extLst>
+      <p:ext uri="{BB962C8B-B14F-4D97-AF65-F5344CB8AC3E}">
+        <p14:creationId xmlns:p14="http://schemas.microsoft.com/office/powerpoint/2010/main" val="3153876431"/>
+      </p:ext>
+    </p:extLst>
+  </p:cSld>
+  <p:clrMapOvr>
+    <a:masterClrMapping/>
+  </p:clrMapOvr>
+</p:sld>
+</file>
+
+<file path=ppt/slides/slide3.xml><?xml version="1.0" encoding="utf-8"?>
+<p:sld xmlns:a="http://schemas.openxmlformats.org/drawingml/2006/main" xmlns:r="http://schemas.openxmlformats.org/officeDocument/2006/relationships" xmlns:p="http://schemas.openxmlformats.org/presentationml/2006/main">
+  <p:cSld>
+    <p:spTree>
+      <p:nvGrpSpPr>
+        <p:cNvPr id="1" name=""/>
+        <p:cNvGrpSpPr/>
+        <p:nvPr/>
+      </p:nvGrpSpPr>
+      <p:grpSpPr>
+        <a:xfrm>
+          <a:off x="0" y="0"/>
+          <a:ext cx="0" cy="0"/>
+          <a:chOff x="0" y="0"/>
+          <a:chExt cx="0" cy="0"/>
+        </a:xfrm>
+      </p:grpSpPr>
+      <p:sp>
+        <p:nvSpPr>
+          <p:cNvPr id="2" name="Rectangle 1">
+            <a:extLst>
+              <a:ext uri="{FF2B5EF4-FFF2-40B4-BE49-F238E27FC236}">
+                <a16:creationId xmlns:a16="http://schemas.microsoft.com/office/drawing/2014/main" id="{F410BDF6-4F84-48D6-8C80-695A844EF1FD}"/>
+              </a:ext>
+            </a:extLst>
+          </p:cNvPr>
+          <p:cNvSpPr/>
+          <p:nvPr/>
+        </p:nvSpPr>
+        <p:spPr>
+          <a:xfrm>
+            <a:off x="3261600" y="216000"/>
+            <a:ext cx="3283200" cy="6278400"/>
+          </a:xfrm>
+          <a:prstGeom prst="rect">
+            <a:avLst/>
+          </a:prstGeom>
+          <a:solidFill>
+            <a:schemeClr val="tx1">
+              <a:lumMod val="85000"/>
+              <a:lumOff val="15000"/>
+            </a:schemeClr>
+          </a:solidFill>
+        </p:spPr>
+        <p:style>
+          <a:lnRef idx="2">
+            <a:schemeClr val="accent1">
+              <a:shade val="50000"/>
+            </a:schemeClr>
+          </a:lnRef>
+          <a:fillRef idx="1">
+            <a:schemeClr val="accent1"/>
+          </a:fillRef>
+          <a:effectRef idx="0">
+            <a:schemeClr val="accent1"/>
+          </a:effectRef>
+          <a:fontRef idx="minor">
+            <a:schemeClr val="lt1"/>
+          </a:fontRef>
+        </p:style>
+        <p:txBody>
+          <a:bodyPr rtlCol="0" anchor="ctr"/>
+          <a:lstStyle/>
+          <a:p>
+            <a:pPr algn="ctr"/>
+            <a:endParaRPr lang="en-US"/>
+          </a:p>
+        </p:txBody>
+      </p:sp>
+      <p:sp>
+        <p:nvSpPr>
+          <p:cNvPr id="3" name="Isosceles Triangle 2">
+            <a:extLst>
+              <a:ext uri="{FF2B5EF4-FFF2-40B4-BE49-F238E27FC236}">
+                <a16:creationId xmlns:a16="http://schemas.microsoft.com/office/drawing/2014/main" id="{8B7076F8-708B-49F1-9865-43FA073F9C72}"/>
+              </a:ext>
+            </a:extLst>
+          </p:cNvPr>
+          <p:cNvSpPr/>
+          <p:nvPr/>
+        </p:nvSpPr>
+        <p:spPr>
+          <a:xfrm rot="16200000">
+            <a:off x="4149564" y="5952301"/>
+            <a:ext cx="338400" cy="324000"/>
+          </a:xfrm>
+          <a:prstGeom prst="triangle">
+            <a:avLst/>
+          </a:prstGeom>
+        </p:spPr>
+        <p:style>
+          <a:lnRef idx="2">
+            <a:schemeClr val="accent2">
+              <a:shade val="50000"/>
+            </a:schemeClr>
+          </a:lnRef>
+          <a:fillRef idx="1">
+            <a:schemeClr val="accent2"/>
+          </a:fillRef>
+          <a:effectRef idx="0">
+            <a:schemeClr val="accent2"/>
+          </a:effectRef>
+          <a:fontRef idx="minor">
+            <a:schemeClr val="lt1"/>
+          </a:fontRef>
+        </p:style>
+        <p:txBody>
+          <a:bodyPr rtlCol="0" anchor="ctr"/>
+          <a:lstStyle/>
+          <a:p>
+            <a:pPr algn="ctr"/>
+            <a:endParaRPr lang="en-US"/>
+          </a:p>
+        </p:txBody>
+      </p:sp>
+      <p:sp>
+        <p:nvSpPr>
+          <p:cNvPr id="4" name="Isosceles Triangle 3">
+            <a:extLst>
+              <a:ext uri="{FF2B5EF4-FFF2-40B4-BE49-F238E27FC236}">
+                <a16:creationId xmlns:a16="http://schemas.microsoft.com/office/drawing/2014/main" id="{8F567682-D44D-4C4C-959E-89AB0CFD5B27}"/>
+              </a:ext>
+            </a:extLst>
+          </p:cNvPr>
+          <p:cNvSpPr/>
+          <p:nvPr/>
+        </p:nvSpPr>
+        <p:spPr>
+          <a:xfrm rot="5400000" flipH="1">
+            <a:off x="5262000" y="5970300"/>
+            <a:ext cx="338400" cy="324000"/>
+          </a:xfrm>
+          <a:prstGeom prst="triangle">
+            <a:avLst/>
+          </a:prstGeom>
+        </p:spPr>
+        <p:style>
+          <a:lnRef idx="2">
+            <a:schemeClr val="accent2">
+              <a:shade val="50000"/>
+            </a:schemeClr>
+          </a:lnRef>
+          <a:fillRef idx="1">
+            <a:schemeClr val="accent2"/>
+          </a:fillRef>
+          <a:effectRef idx="0">
+            <a:schemeClr val="accent2"/>
+          </a:effectRef>
+          <a:fontRef idx="minor">
+            <a:schemeClr val="lt1"/>
+          </a:fontRef>
+        </p:style>
+        <p:txBody>
+          <a:bodyPr rtlCol="0" anchor="ctr"/>
+          <a:lstStyle/>
+          <a:p>
+            <a:pPr algn="ctr"/>
+            <a:endParaRPr lang="en-US"/>
+          </a:p>
+        </p:txBody>
+      </p:sp>
+      <p:sp>
+        <p:nvSpPr>
+          <p:cNvPr id="5" name="Rectangle 4">
+            <a:extLst>
+              <a:ext uri="{FF2B5EF4-FFF2-40B4-BE49-F238E27FC236}">
+                <a16:creationId xmlns:a16="http://schemas.microsoft.com/office/drawing/2014/main" id="{15E8AF71-862F-4661-8E92-A9DAAC0DE147}"/>
+              </a:ext>
+            </a:extLst>
+          </p:cNvPr>
+          <p:cNvSpPr/>
+          <p:nvPr/>
+        </p:nvSpPr>
+        <p:spPr>
+          <a:xfrm>
+            <a:off x="4685271" y="5963100"/>
+            <a:ext cx="379422" cy="320401"/>
+          </a:xfrm>
+          <a:prstGeom prst="rect">
+            <a:avLst/>
+          </a:prstGeom>
+        </p:spPr>
+        <p:style>
+          <a:lnRef idx="2">
+            <a:schemeClr val="accent2">
+              <a:shade val="50000"/>
+            </a:schemeClr>
+          </a:lnRef>
+          <a:fillRef idx="1">
+            <a:schemeClr val="accent2"/>
+          </a:fillRef>
+          <a:effectRef idx="0">
+            <a:schemeClr val="accent2"/>
+          </a:effectRef>
+          <a:fontRef idx="minor">
+            <a:schemeClr val="lt1"/>
+          </a:fontRef>
+        </p:style>
+        <p:txBody>
+          <a:bodyPr rtlCol="0" anchor="ctr"/>
+          <a:lstStyle/>
+          <a:p>
+            <a:pPr algn="ctr"/>
+            <a:endParaRPr lang="en-US"/>
+          </a:p>
+        </p:txBody>
+      </p:sp>
+      <p:sp>
+        <p:nvSpPr>
+          <p:cNvPr id="6" name="Rectangle 5">
+            <a:extLst>
+              <a:ext uri="{FF2B5EF4-FFF2-40B4-BE49-F238E27FC236}">
+                <a16:creationId xmlns:a16="http://schemas.microsoft.com/office/drawing/2014/main" id="{13E719EF-66BF-4D3A-8040-854E31E65D7F}"/>
+              </a:ext>
+            </a:extLst>
+          </p:cNvPr>
+          <p:cNvSpPr/>
+          <p:nvPr/>
+        </p:nvSpPr>
+        <p:spPr>
+          <a:xfrm>
+            <a:off x="3441600" y="856800"/>
+            <a:ext cx="2937600" cy="568800"/>
+          </a:xfrm>
+          <a:prstGeom prst="rect">
+            <a:avLst/>
+          </a:prstGeom>
+        </p:spPr>
+        <p:style>
+          <a:lnRef idx="2">
+            <a:schemeClr val="accent1">
+              <a:shade val="50000"/>
+            </a:schemeClr>
+          </a:lnRef>
+          <a:fillRef idx="1">
+            <a:schemeClr val="accent1"/>
+          </a:fillRef>
+          <a:effectRef idx="0">
+            <a:schemeClr val="accent1"/>
+          </a:effectRef>
+          <a:fontRef idx="minor">
+            <a:schemeClr val="lt1"/>
+          </a:fontRef>
+        </p:style>
+        <p:txBody>
+          <a:bodyPr rtlCol="0" anchor="ctr"/>
+          <a:lstStyle/>
+          <a:p>
+            <a:r>
+              <a:rPr lang="en-US" sz="1050" dirty="0"/>
+              <a:t>Goldfinger</a:t>
+            </a:r>
+          </a:p>
+          <a:p>
+            <a:r>
+              <a:rPr lang="en-US" sz="1600" dirty="0"/>
+              <a:t>The man with a gun</a:t>
+            </a:r>
+          </a:p>
+        </p:txBody>
+      </p:sp>
+      <p:pic>
+        <p:nvPicPr>
+          <p:cNvPr id="7" name="Picture 6">
+            <a:extLst>
+              <a:ext uri="{FF2B5EF4-FFF2-40B4-BE49-F238E27FC236}">
+                <a16:creationId xmlns:a16="http://schemas.microsoft.com/office/drawing/2014/main" id="{A9168196-EDE1-4009-A79E-A0281FB76EE1}"/>
+              </a:ext>
+            </a:extLst>
+          </p:cNvPr>
+          <p:cNvPicPr preferRelativeResize="0">
+            <a:picLocks/>
+          </p:cNvPicPr>
+          <p:nvPr>
+            <p:custDataLst>
+              <p:custData r:id="rId1"/>
+            </p:custDataLst>
+          </p:nvPr>
+        </p:nvPicPr>
+        <p:blipFill rotWithShape="1">
+          <a:blip r:embed="rId16">
+            <a:extLst>
+              <a:ext uri="{28A0092B-C50C-407E-A947-70E740481C1C}">
+                <a14:useLocalDpi xmlns:a14="http://schemas.microsoft.com/office/drawing/2010/main" val="0"/>
+              </a:ext>
+            </a:extLst>
+          </a:blip>
+          <a:srcRect l="24992" t="23267" r="24992" b="24992"/>
+          <a:stretch/>
+        </p:blipFill>
+        <p:spPr>
+          <a:xfrm>
+            <a:off x="5729903" y="1028805"/>
+            <a:ext cx="217297" cy="224790"/>
+          </a:xfrm>
+          <a:prstGeom prst="rect">
+            <a:avLst/>
+          </a:prstGeom>
+        </p:spPr>
+      </p:pic>
+      <p:pic>
+        <p:nvPicPr>
+          <p:cNvPr id="8" name="Picture 7">
+            <a:extLst>
+              <a:ext uri="{FF2B5EF4-FFF2-40B4-BE49-F238E27FC236}">
+                <a16:creationId xmlns:a16="http://schemas.microsoft.com/office/drawing/2014/main" id="{6D9C0F55-17E4-4359-8B88-CB57C263DB57}"/>
+              </a:ext>
+            </a:extLst>
+          </p:cNvPr>
+          <p:cNvPicPr preferRelativeResize="0">
+            <a:picLocks/>
+          </p:cNvPicPr>
+          <p:nvPr>
+            <p:custDataLst>
+              <p:custData r:id="rId2"/>
+            </p:custDataLst>
+          </p:nvPr>
+        </p:nvPicPr>
+        <p:blipFill>
+          <a:blip r:embed="rId17">
+            <a:extLst>
+              <a:ext uri="{28A0092B-C50C-407E-A947-70E740481C1C}">
+                <a14:useLocalDpi xmlns:a14="http://schemas.microsoft.com/office/drawing/2010/main" val="0"/>
+              </a:ext>
+            </a:extLst>
+          </a:blip>
+          <a:stretch>
+            <a:fillRect/>
+          </a:stretch>
+        </p:blipFill>
+        <p:spPr>
+          <a:xfrm>
+            <a:off x="5880150" y="859499"/>
+            <a:ext cx="566101" cy="566101"/>
+          </a:xfrm>
+          <a:prstGeom prst="rect">
+            <a:avLst/>
+          </a:prstGeom>
+        </p:spPr>
+      </p:pic>
+      <p:sp>
+        <p:nvSpPr>
+          <p:cNvPr id="9" name="Rectangle 8">
+            <a:extLst>
+              <a:ext uri="{FF2B5EF4-FFF2-40B4-BE49-F238E27FC236}">
+                <a16:creationId xmlns:a16="http://schemas.microsoft.com/office/drawing/2014/main" id="{585A7A1C-938D-4647-B84C-BB7ED8B9CD32}"/>
+              </a:ext>
+            </a:extLst>
+          </p:cNvPr>
+          <p:cNvSpPr/>
+          <p:nvPr/>
+        </p:nvSpPr>
+        <p:spPr>
+          <a:xfrm>
+            <a:off x="3441600" y="1506795"/>
+            <a:ext cx="2937600" cy="568800"/>
+          </a:xfrm>
+          <a:prstGeom prst="rect">
+            <a:avLst/>
+          </a:prstGeom>
+          <a:solidFill>
+            <a:schemeClr val="accent1">
+              <a:lumMod val="50000"/>
+            </a:schemeClr>
+          </a:solidFill>
+        </p:spPr>
+        <p:style>
+          <a:lnRef idx="2">
+            <a:schemeClr val="accent1">
+              <a:shade val="50000"/>
+            </a:schemeClr>
+          </a:lnRef>
+          <a:fillRef idx="1">
+            <a:schemeClr val="accent1"/>
+          </a:fillRef>
+          <a:effectRef idx="0">
+            <a:schemeClr val="accent1"/>
+          </a:effectRef>
+          <a:fontRef idx="minor">
+            <a:schemeClr val="lt1"/>
+          </a:fontRef>
+        </p:style>
+        <p:txBody>
+          <a:bodyPr rtlCol="0" anchor="ctr"/>
+          <a:lstStyle/>
+          <a:p>
+            <a:r>
+              <a:rPr lang="en-US" sz="1200" dirty="0"/>
+              <a:t>Goldfinger</a:t>
+            </a:r>
+          </a:p>
+          <a:p>
+            <a:r>
+              <a:rPr lang="en-US" dirty="0"/>
+              <a:t>007 theme</a:t>
+            </a:r>
+          </a:p>
+        </p:txBody>
+      </p:sp>
+      <p:pic>
+        <p:nvPicPr>
+          <p:cNvPr id="10" name="Picture 9">
+            <a:extLst>
+              <a:ext uri="{FF2B5EF4-FFF2-40B4-BE49-F238E27FC236}">
+                <a16:creationId xmlns:a16="http://schemas.microsoft.com/office/drawing/2014/main" id="{E830E4A8-7378-4176-8906-34F0FCC48DB7}"/>
+              </a:ext>
+            </a:extLst>
+          </p:cNvPr>
+          <p:cNvPicPr preferRelativeResize="0">
+            <a:picLocks/>
+          </p:cNvPicPr>
+          <p:nvPr>
+            <p:custDataLst>
+              <p:custData r:id="rId3"/>
+            </p:custDataLst>
+          </p:nvPr>
+        </p:nvPicPr>
+        <p:blipFill rotWithShape="1">
+          <a:blip r:embed="rId16">
+            <a:extLst>
+              <a:ext uri="{28A0092B-C50C-407E-A947-70E740481C1C}">
+                <a14:useLocalDpi xmlns:a14="http://schemas.microsoft.com/office/drawing/2010/main" val="0"/>
+              </a:ext>
+            </a:extLst>
+          </a:blip>
+          <a:srcRect l="24992" t="23267" r="24992" b="24992"/>
+          <a:stretch/>
+        </p:blipFill>
+        <p:spPr>
+          <a:xfrm>
+            <a:off x="5729903" y="1678800"/>
+            <a:ext cx="217297" cy="224790"/>
+          </a:xfrm>
+          <a:prstGeom prst="rect">
+            <a:avLst/>
+          </a:prstGeom>
+        </p:spPr>
+      </p:pic>
+      <p:pic>
+        <p:nvPicPr>
+          <p:cNvPr id="11" name="Picture 10">
+            <a:extLst>
+              <a:ext uri="{FF2B5EF4-FFF2-40B4-BE49-F238E27FC236}">
+                <a16:creationId xmlns:a16="http://schemas.microsoft.com/office/drawing/2014/main" id="{F1338FDB-ACFE-4069-B267-3C7C63FDCF5F}"/>
+              </a:ext>
+            </a:extLst>
+          </p:cNvPr>
+          <p:cNvPicPr preferRelativeResize="0">
+            <a:picLocks/>
+          </p:cNvPicPr>
+          <p:nvPr>
+            <p:custDataLst>
+              <p:custData r:id="rId4"/>
+            </p:custDataLst>
+          </p:nvPr>
+        </p:nvPicPr>
+        <p:blipFill>
+          <a:blip r:embed="rId17">
+            <a:extLst>
+              <a:ext uri="{28A0092B-C50C-407E-A947-70E740481C1C}">
+                <a14:useLocalDpi xmlns:a14="http://schemas.microsoft.com/office/drawing/2010/main" val="0"/>
+              </a:ext>
+            </a:extLst>
+          </a:blip>
+          <a:stretch>
+            <a:fillRect/>
+          </a:stretch>
+        </p:blipFill>
+        <p:spPr>
+          <a:xfrm>
+            <a:off x="5880150" y="1509494"/>
+            <a:ext cx="566101" cy="566101"/>
+          </a:xfrm>
+          <a:prstGeom prst="rect">
+            <a:avLst/>
+          </a:prstGeom>
+        </p:spPr>
+      </p:pic>
+      <p:sp>
+        <p:nvSpPr>
+          <p:cNvPr id="12" name="Rectangle 11">
+            <a:extLst>
+              <a:ext uri="{FF2B5EF4-FFF2-40B4-BE49-F238E27FC236}">
+                <a16:creationId xmlns:a16="http://schemas.microsoft.com/office/drawing/2014/main" id="{B1B07466-E2D6-47B3-86AD-F9ACCA175E2B}"/>
+              </a:ext>
+            </a:extLst>
+          </p:cNvPr>
+          <p:cNvSpPr/>
+          <p:nvPr/>
+        </p:nvSpPr>
+        <p:spPr>
+          <a:xfrm>
+            <a:off x="3441600" y="2156790"/>
+            <a:ext cx="2937600" cy="568800"/>
+          </a:xfrm>
+          <a:prstGeom prst="rect">
+            <a:avLst/>
+          </a:prstGeom>
+        </p:spPr>
+        <p:style>
+          <a:lnRef idx="2">
+            <a:schemeClr val="accent1">
+              <a:shade val="50000"/>
+            </a:schemeClr>
+          </a:lnRef>
+          <a:fillRef idx="1">
+            <a:schemeClr val="accent1"/>
+          </a:fillRef>
+          <a:effectRef idx="0">
+            <a:schemeClr val="accent1"/>
+          </a:effectRef>
+          <a:fontRef idx="minor">
+            <a:schemeClr val="lt1"/>
+          </a:fontRef>
+        </p:style>
+        <p:txBody>
+          <a:bodyPr rtlCol="0" anchor="ctr"/>
+          <a:lstStyle/>
+          <a:p>
+            <a:r>
+              <a:rPr lang="en-US" sz="1200" dirty="0"/>
+              <a:t>Goldfinger</a:t>
+            </a:r>
+          </a:p>
+          <a:p>
+            <a:r>
+              <a:rPr lang="en-US" dirty="0"/>
+              <a:t>The man with a gun</a:t>
+            </a:r>
+          </a:p>
+        </p:txBody>
+      </p:sp>
+      <p:pic>
+        <p:nvPicPr>
+          <p:cNvPr id="13" name="Picture 12">
+            <a:extLst>
+              <a:ext uri="{FF2B5EF4-FFF2-40B4-BE49-F238E27FC236}">
+                <a16:creationId xmlns:a16="http://schemas.microsoft.com/office/drawing/2014/main" id="{095B9B2B-D972-47BD-85AD-59D95C455FC5}"/>
+              </a:ext>
+            </a:extLst>
+          </p:cNvPr>
+          <p:cNvPicPr preferRelativeResize="0">
+            <a:picLocks/>
+          </p:cNvPicPr>
+          <p:nvPr>
+            <p:custDataLst>
+              <p:custData r:id="rId5"/>
+            </p:custDataLst>
+          </p:nvPr>
+        </p:nvPicPr>
+        <p:blipFill rotWithShape="1">
+          <a:blip r:embed="rId16">
+            <a:extLst>
+              <a:ext uri="{28A0092B-C50C-407E-A947-70E740481C1C}">
+                <a14:useLocalDpi xmlns:a14="http://schemas.microsoft.com/office/drawing/2010/main" val="0"/>
+              </a:ext>
+            </a:extLst>
+          </a:blip>
+          <a:srcRect l="24992" t="23267" r="24992" b="24992"/>
+          <a:stretch/>
+        </p:blipFill>
+        <p:spPr>
+          <a:xfrm>
+            <a:off x="5729903" y="2328795"/>
+            <a:ext cx="217297" cy="224790"/>
+          </a:xfrm>
+          <a:prstGeom prst="rect">
+            <a:avLst/>
+          </a:prstGeom>
+        </p:spPr>
+      </p:pic>
+      <p:pic>
+        <p:nvPicPr>
+          <p:cNvPr id="14" name="Picture 13">
+            <a:extLst>
+              <a:ext uri="{FF2B5EF4-FFF2-40B4-BE49-F238E27FC236}">
+                <a16:creationId xmlns:a16="http://schemas.microsoft.com/office/drawing/2014/main" id="{5B9A5EF3-879E-495D-856D-1F39EA8CD380}"/>
+              </a:ext>
+            </a:extLst>
+          </p:cNvPr>
+          <p:cNvPicPr preferRelativeResize="0">
+            <a:picLocks/>
+          </p:cNvPicPr>
+          <p:nvPr>
+            <p:custDataLst>
+              <p:custData r:id="rId6"/>
+            </p:custDataLst>
+          </p:nvPr>
+        </p:nvPicPr>
+        <p:blipFill>
+          <a:blip r:embed="rId17">
+            <a:extLst>
+              <a:ext uri="{28A0092B-C50C-407E-A947-70E740481C1C}">
+                <a14:useLocalDpi xmlns:a14="http://schemas.microsoft.com/office/drawing/2010/main" val="0"/>
+              </a:ext>
+            </a:extLst>
+          </a:blip>
+          <a:stretch>
+            <a:fillRect/>
+          </a:stretch>
+        </p:blipFill>
+        <p:spPr>
+          <a:xfrm>
+            <a:off x="5880150" y="2159489"/>
+            <a:ext cx="566101" cy="566101"/>
+          </a:xfrm>
+          <a:prstGeom prst="rect">
+            <a:avLst/>
+          </a:prstGeom>
+        </p:spPr>
+      </p:pic>
+      <p:sp>
+        <p:nvSpPr>
+          <p:cNvPr id="15" name="Rectangle 14">
+            <a:extLst>
+              <a:ext uri="{FF2B5EF4-FFF2-40B4-BE49-F238E27FC236}">
+                <a16:creationId xmlns:a16="http://schemas.microsoft.com/office/drawing/2014/main" id="{172ED5FB-E86C-4268-A561-6403C9680002}"/>
+              </a:ext>
+            </a:extLst>
+          </p:cNvPr>
+          <p:cNvSpPr/>
+          <p:nvPr/>
+        </p:nvSpPr>
+        <p:spPr>
+          <a:xfrm>
+            <a:off x="3441600" y="2806785"/>
+            <a:ext cx="2937600" cy="568800"/>
+          </a:xfrm>
+          <a:prstGeom prst="rect">
+            <a:avLst/>
+          </a:prstGeom>
+        </p:spPr>
+        <p:style>
+          <a:lnRef idx="2">
+            <a:schemeClr val="accent1">
+              <a:shade val="50000"/>
+            </a:schemeClr>
+          </a:lnRef>
+          <a:fillRef idx="1">
+            <a:schemeClr val="accent1"/>
+          </a:fillRef>
+          <a:effectRef idx="0">
+            <a:schemeClr val="accent1"/>
+          </a:effectRef>
+          <a:fontRef idx="minor">
+            <a:schemeClr val="lt1"/>
+          </a:fontRef>
+        </p:style>
+        <p:txBody>
+          <a:bodyPr rtlCol="0" anchor="ctr"/>
+          <a:lstStyle/>
+          <a:p>
+            <a:r>
+              <a:rPr lang="en-US" sz="1200" dirty="0"/>
+              <a:t>Moon </a:t>
+            </a:r>
+            <a:r>
+              <a:rPr lang="en-US" sz="1200" dirty="0" err="1"/>
+              <a:t>Raker</a:t>
+            </a:r>
+            <a:endParaRPr lang="en-US" sz="1200" dirty="0"/>
+          </a:p>
+          <a:p>
+            <a:r>
+              <a:rPr lang="en-US" dirty="0"/>
+              <a:t>Jaws Teeth</a:t>
+            </a:r>
+          </a:p>
+        </p:txBody>
+      </p:sp>
+      <p:pic>
+        <p:nvPicPr>
+          <p:cNvPr id="16" name="Picture 15">
+            <a:extLst>
+              <a:ext uri="{FF2B5EF4-FFF2-40B4-BE49-F238E27FC236}">
+                <a16:creationId xmlns:a16="http://schemas.microsoft.com/office/drawing/2014/main" id="{322665F1-76B8-4034-861E-11574D3F16A7}"/>
+              </a:ext>
+            </a:extLst>
+          </p:cNvPr>
+          <p:cNvPicPr preferRelativeResize="0">
+            <a:picLocks/>
+          </p:cNvPicPr>
+          <p:nvPr>
+            <p:custDataLst>
+              <p:custData r:id="rId7"/>
+            </p:custDataLst>
+          </p:nvPr>
+        </p:nvPicPr>
+        <p:blipFill rotWithShape="1">
+          <a:blip r:embed="rId16">
+            <a:extLst>
+              <a:ext uri="{28A0092B-C50C-407E-A947-70E740481C1C}">
+                <a14:useLocalDpi xmlns:a14="http://schemas.microsoft.com/office/drawing/2010/main" val="0"/>
+              </a:ext>
+            </a:extLst>
+          </a:blip>
+          <a:srcRect l="24992" t="23267" r="24992" b="24992"/>
+          <a:stretch/>
+        </p:blipFill>
+        <p:spPr>
+          <a:xfrm>
+            <a:off x="5729903" y="2978790"/>
+            <a:ext cx="217297" cy="224790"/>
+          </a:xfrm>
+          <a:prstGeom prst="rect">
+            <a:avLst/>
+          </a:prstGeom>
+        </p:spPr>
+      </p:pic>
+      <p:pic>
+        <p:nvPicPr>
+          <p:cNvPr id="17" name="Picture 16">
+            <a:extLst>
+              <a:ext uri="{FF2B5EF4-FFF2-40B4-BE49-F238E27FC236}">
+                <a16:creationId xmlns:a16="http://schemas.microsoft.com/office/drawing/2014/main" id="{1312F516-64C3-4BE1-B33C-E1F8AE4ADE4D}"/>
+              </a:ext>
+            </a:extLst>
+          </p:cNvPr>
+          <p:cNvPicPr preferRelativeResize="0">
+            <a:picLocks/>
+          </p:cNvPicPr>
+          <p:nvPr>
+            <p:custDataLst>
+              <p:custData r:id="rId8"/>
+            </p:custDataLst>
+          </p:nvPr>
+        </p:nvPicPr>
+        <p:blipFill>
+          <a:blip r:embed="rId17">
+            <a:extLst>
+              <a:ext uri="{28A0092B-C50C-407E-A947-70E740481C1C}">
+                <a14:useLocalDpi xmlns:a14="http://schemas.microsoft.com/office/drawing/2010/main" val="0"/>
+              </a:ext>
+            </a:extLst>
+          </a:blip>
+          <a:stretch>
+            <a:fillRect/>
+          </a:stretch>
+        </p:blipFill>
+        <p:spPr>
+          <a:xfrm>
+            <a:off x="5880150" y="2809484"/>
+            <a:ext cx="566101" cy="566101"/>
+          </a:xfrm>
+          <a:prstGeom prst="rect">
+            <a:avLst/>
+          </a:prstGeom>
+        </p:spPr>
+      </p:pic>
+      <p:sp>
+        <p:nvSpPr>
+          <p:cNvPr id="18" name="Rectangle 17">
+            <a:extLst>
+              <a:ext uri="{FF2B5EF4-FFF2-40B4-BE49-F238E27FC236}">
+                <a16:creationId xmlns:a16="http://schemas.microsoft.com/office/drawing/2014/main" id="{836959FB-E475-408D-BB9C-82BD974E29EB}"/>
+              </a:ext>
+            </a:extLst>
+          </p:cNvPr>
+          <p:cNvSpPr/>
+          <p:nvPr/>
+        </p:nvSpPr>
+        <p:spPr>
+          <a:xfrm>
+            <a:off x="6968572" y="1101430"/>
+            <a:ext cx="2937600" cy="568800"/>
+          </a:xfrm>
+          <a:prstGeom prst="rect">
+            <a:avLst/>
+          </a:prstGeom>
+        </p:spPr>
+        <p:style>
+          <a:lnRef idx="2">
+            <a:schemeClr val="accent1">
+              <a:shade val="50000"/>
+            </a:schemeClr>
+          </a:lnRef>
+          <a:fillRef idx="1">
+            <a:schemeClr val="accent1"/>
+          </a:fillRef>
+          <a:effectRef idx="0">
+            <a:schemeClr val="accent1"/>
+          </a:effectRef>
+          <a:fontRef idx="minor">
+            <a:schemeClr val="lt1"/>
+          </a:fontRef>
+        </p:style>
+        <p:txBody>
+          <a:bodyPr rtlCol="0" anchor="ctr"/>
+          <a:lstStyle/>
+          <a:p>
+            <a:endParaRPr lang="en-US" sz="800" dirty="0"/>
+          </a:p>
+        </p:txBody>
+      </p:sp>
+      <p:pic>
+        <p:nvPicPr>
+          <p:cNvPr id="19" name="Picture 18">
+            <a:extLst>
+              <a:ext uri="{FF2B5EF4-FFF2-40B4-BE49-F238E27FC236}">
+                <a16:creationId xmlns:a16="http://schemas.microsoft.com/office/drawing/2014/main" id="{9697DA65-4F32-4D92-9E24-C3DDEC29817C}"/>
+              </a:ext>
+            </a:extLst>
+          </p:cNvPr>
+          <p:cNvPicPr preferRelativeResize="0">
+            <a:picLocks/>
+          </p:cNvPicPr>
+          <p:nvPr>
+            <p:custDataLst>
+              <p:custData r:id="rId9"/>
+            </p:custDataLst>
+          </p:nvPr>
+        </p:nvPicPr>
+        <p:blipFill rotWithShape="1">
+          <a:blip r:embed="rId16">
+            <a:extLst>
+              <a:ext uri="{28A0092B-C50C-407E-A947-70E740481C1C}">
+                <a14:useLocalDpi xmlns:a14="http://schemas.microsoft.com/office/drawing/2010/main" val="0"/>
+              </a:ext>
+            </a:extLst>
+          </a:blip>
+          <a:srcRect l="24992" t="23267" r="24992" b="24992"/>
+          <a:stretch/>
+        </p:blipFill>
+        <p:spPr>
+          <a:xfrm>
+            <a:off x="9256875" y="1273435"/>
+            <a:ext cx="217297" cy="224790"/>
+          </a:xfrm>
+          <a:prstGeom prst="rect">
+            <a:avLst/>
+          </a:prstGeom>
+        </p:spPr>
+      </p:pic>
+      <p:pic>
+        <p:nvPicPr>
+          <p:cNvPr id="20" name="Picture 19">
+            <a:extLst>
+              <a:ext uri="{FF2B5EF4-FFF2-40B4-BE49-F238E27FC236}">
+                <a16:creationId xmlns:a16="http://schemas.microsoft.com/office/drawing/2014/main" id="{5A927C11-7370-4ECE-86B2-3E5227C61A2D}"/>
+              </a:ext>
+            </a:extLst>
+          </p:cNvPr>
+          <p:cNvPicPr preferRelativeResize="0">
+            <a:picLocks/>
+          </p:cNvPicPr>
+          <p:nvPr>
+            <p:custDataLst>
+              <p:custData r:id="rId10"/>
+            </p:custDataLst>
+          </p:nvPr>
+        </p:nvPicPr>
+        <p:blipFill>
+          <a:blip r:embed="rId17">
+            <a:extLst>
+              <a:ext uri="{28A0092B-C50C-407E-A947-70E740481C1C}">
+                <a14:useLocalDpi xmlns:a14="http://schemas.microsoft.com/office/drawing/2010/main" val="0"/>
+              </a:ext>
+            </a:extLst>
+          </a:blip>
+          <a:stretch>
+            <a:fillRect/>
+          </a:stretch>
+        </p:blipFill>
+        <p:spPr>
+          <a:xfrm>
+            <a:off x="9407122" y="1104129"/>
+            <a:ext cx="566101" cy="566101"/>
+          </a:xfrm>
+          <a:prstGeom prst="rect">
+            <a:avLst/>
+          </a:prstGeom>
+        </p:spPr>
+      </p:pic>
+      <p:sp>
+        <p:nvSpPr>
+          <p:cNvPr id="21" name="Rectangle 20">
+            <a:extLst>
+              <a:ext uri="{FF2B5EF4-FFF2-40B4-BE49-F238E27FC236}">
+                <a16:creationId xmlns:a16="http://schemas.microsoft.com/office/drawing/2014/main" id="{CE1594FD-64F3-4E20-A5C9-A577F3F2D20A}"/>
+              </a:ext>
+            </a:extLst>
+          </p:cNvPr>
+          <p:cNvSpPr/>
+          <p:nvPr/>
+        </p:nvSpPr>
+        <p:spPr>
+          <a:xfrm>
+            <a:off x="7163594" y="1101430"/>
+            <a:ext cx="1898260" cy="568800"/>
+          </a:xfrm>
+          <a:prstGeom prst="rect">
+            <a:avLst/>
+          </a:prstGeom>
+          <a:noFill/>
+          <a:ln>
+            <a:noFill/>
+          </a:ln>
+        </p:spPr>
+        <p:style>
+          <a:lnRef idx="2">
+            <a:schemeClr val="accent1">
+              <a:shade val="50000"/>
+            </a:schemeClr>
+          </a:lnRef>
+          <a:fillRef idx="1">
+            <a:schemeClr val="accent1"/>
+          </a:fillRef>
+          <a:effectRef idx="0">
+            <a:schemeClr val="accent1"/>
+          </a:effectRef>
+          <a:fontRef idx="minor">
+            <a:schemeClr val="lt1"/>
+          </a:fontRef>
+        </p:style>
+        <p:txBody>
+          <a:bodyPr rtlCol="0" anchor="ctr"/>
+          <a:lstStyle/>
+          <a:p>
+            <a:r>
+              <a:rPr lang="en-US" sz="1050" dirty="0"/>
+              <a:t>Goldfinger</a:t>
+            </a:r>
+          </a:p>
+          <a:p>
+            <a:r>
+              <a:rPr lang="en-US" sz="1600" dirty="0"/>
+              <a:t>The man with a gun</a:t>
+            </a:r>
+          </a:p>
+        </p:txBody>
+      </p:sp>
+      <p:pic>
+        <p:nvPicPr>
+          <p:cNvPr id="22" name="Picture 21">
+            <a:extLst>
+              <a:ext uri="{FF2B5EF4-FFF2-40B4-BE49-F238E27FC236}">
+                <a16:creationId xmlns:a16="http://schemas.microsoft.com/office/drawing/2014/main" id="{78F84B74-72B7-4765-8FA1-CD7B7693BE7B}"/>
+              </a:ext>
+            </a:extLst>
+          </p:cNvPr>
+          <p:cNvPicPr preferRelativeResize="0">
+            <a:picLocks/>
+          </p:cNvPicPr>
+          <p:nvPr>
+            <p:custDataLst>
+              <p:custData r:id="rId11"/>
+            </p:custDataLst>
+          </p:nvPr>
+        </p:nvPicPr>
+        <p:blipFill>
+          <a:blip r:embed="rId18">
+            <a:extLst>
+              <a:ext uri="{28A0092B-C50C-407E-A947-70E740481C1C}">
+                <a14:useLocalDpi xmlns:a14="http://schemas.microsoft.com/office/drawing/2010/main" val="0"/>
+              </a:ext>
+            </a:extLst>
+          </a:blip>
+          <a:stretch>
+            <a:fillRect/>
+          </a:stretch>
+        </p:blipFill>
+        <p:spPr>
+          <a:xfrm>
+            <a:off x="254000" y="254000"/>
+            <a:ext cx="337500" cy="337500"/>
+          </a:xfrm>
+          <a:prstGeom prst="rect">
+            <a:avLst/>
+          </a:prstGeom>
+        </p:spPr>
+      </p:pic>
+      <p:pic>
+        <p:nvPicPr>
+          <p:cNvPr id="23" name="Picture 22">
+            <a:extLst>
+              <a:ext uri="{FF2B5EF4-FFF2-40B4-BE49-F238E27FC236}">
+                <a16:creationId xmlns:a16="http://schemas.microsoft.com/office/drawing/2014/main" id="{7CADAE05-CA58-4001-9547-E998F28141AB}"/>
+              </a:ext>
+            </a:extLst>
+          </p:cNvPr>
+          <p:cNvPicPr preferRelativeResize="0">
+            <a:picLocks/>
+          </p:cNvPicPr>
+          <p:nvPr>
+            <p:custDataLst>
+              <p:custData r:id="rId12"/>
+            </p:custDataLst>
+          </p:nvPr>
+        </p:nvPicPr>
+        <p:blipFill>
+          <a:blip r:embed="rId18">
+            <a:duotone>
+              <a:schemeClr val="accent2">
+                <a:shade val="45000"/>
+                <a:satMod val="135000"/>
+              </a:schemeClr>
+              <a:prstClr val="white"/>
+            </a:duotone>
+            <a:extLst>
+              <a:ext uri="{28A0092B-C50C-407E-A947-70E740481C1C}">
+                <a14:useLocalDpi xmlns:a14="http://schemas.microsoft.com/office/drawing/2010/main" val="0"/>
+              </a:ext>
+            </a:extLst>
+          </a:blip>
+          <a:stretch>
+            <a:fillRect/>
+          </a:stretch>
+        </p:blipFill>
+        <p:spPr>
+          <a:xfrm>
+            <a:off x="3047697" y="5636406"/>
+            <a:ext cx="1269903" cy="898592"/>
+          </a:xfrm>
+          <a:prstGeom prst="rect">
+            <a:avLst/>
+          </a:prstGeom>
+        </p:spPr>
+      </p:pic>
+      <p:pic>
+        <p:nvPicPr>
+          <p:cNvPr id="24" name="Picture 23">
+            <a:extLst>
+              <a:ext uri="{FF2B5EF4-FFF2-40B4-BE49-F238E27FC236}">
+                <a16:creationId xmlns:a16="http://schemas.microsoft.com/office/drawing/2014/main" id="{0B736870-9F54-468A-8C37-10BE1A9CD3C3}"/>
+              </a:ext>
+            </a:extLst>
+          </p:cNvPr>
+          <p:cNvPicPr preferRelativeResize="0">
+            <a:picLocks/>
+          </p:cNvPicPr>
+          <p:nvPr>
+            <p:custDataLst>
+              <p:custData r:id="rId13"/>
+            </p:custDataLst>
+          </p:nvPr>
+        </p:nvPicPr>
+        <p:blipFill>
+          <a:blip r:embed="rId19">
+            <a:duotone>
+              <a:schemeClr val="accent2">
+                <a:shade val="45000"/>
+                <a:satMod val="135000"/>
+              </a:schemeClr>
+              <a:prstClr val="white"/>
+            </a:duotone>
+            <a:extLst>
+              <a:ext uri="{28A0092B-C50C-407E-A947-70E740481C1C}">
+                <a14:useLocalDpi xmlns:a14="http://schemas.microsoft.com/office/drawing/2010/main" val="0"/>
+              </a:ext>
+            </a:extLst>
+          </a:blip>
+          <a:stretch>
+            <a:fillRect/>
+          </a:stretch>
+        </p:blipFill>
+        <p:spPr>
+          <a:xfrm>
+            <a:off x="5492155" y="5630731"/>
+            <a:ext cx="1342089" cy="949671"/>
+          </a:xfrm>
+          <a:prstGeom prst="rect">
+            <a:avLst/>
+          </a:prstGeom>
+        </p:spPr>
+      </p:pic>
+      <p:pic>
+        <p:nvPicPr>
+          <p:cNvPr id="25" name="Picture 24">
+            <a:extLst>
+              <a:ext uri="{FF2B5EF4-FFF2-40B4-BE49-F238E27FC236}">
+                <a16:creationId xmlns:a16="http://schemas.microsoft.com/office/drawing/2014/main" id="{96CFC433-3148-476F-AE2F-0CC648164F9B}"/>
+              </a:ext>
+            </a:extLst>
+          </p:cNvPr>
+          <p:cNvPicPr preferRelativeResize="0">
+            <a:picLocks/>
+          </p:cNvPicPr>
+          <p:nvPr>
+            <p:custDataLst>
+              <p:custData r:id="rId14"/>
+            </p:custDataLst>
+          </p:nvPr>
+        </p:nvPicPr>
+        <p:blipFill>
+          <a:blip r:embed="rId20">
+            <a:duotone>
+              <a:schemeClr val="accent2">
+                <a:shade val="45000"/>
+                <a:satMod val="135000"/>
+              </a:schemeClr>
+              <a:prstClr val="white"/>
+            </a:duotone>
+            <a:extLst>
+              <a:ext uri="{28A0092B-C50C-407E-A947-70E740481C1C}">
+                <a14:useLocalDpi xmlns:a14="http://schemas.microsoft.com/office/drawing/2010/main" val="0"/>
+              </a:ext>
+            </a:extLst>
+          </a:blip>
+          <a:stretch>
+            <a:fillRect/>
+          </a:stretch>
+        </p:blipFill>
+        <p:spPr>
+          <a:xfrm>
+            <a:off x="5503646" y="5348505"/>
+            <a:ext cx="506979" cy="338400"/>
+          </a:xfrm>
+          <a:prstGeom prst="rect">
+            <a:avLst/>
+          </a:prstGeom>
+        </p:spPr>
+      </p:pic>
+      <p:sp>
+        <p:nvSpPr>
+          <p:cNvPr id="28" name="TextBox 27">
+            <a:extLst>
+              <a:ext uri="{FF2B5EF4-FFF2-40B4-BE49-F238E27FC236}">
+                <a16:creationId xmlns:a16="http://schemas.microsoft.com/office/drawing/2014/main" id="{B118E18F-2BDD-4DD2-AA19-230EB4D0A7CE}"/>
+              </a:ext>
+            </a:extLst>
+          </p:cNvPr>
+          <p:cNvSpPr txBox="1"/>
+          <p:nvPr/>
+        </p:nvSpPr>
+        <p:spPr>
+          <a:xfrm>
+            <a:off x="3582137" y="5286873"/>
+            <a:ext cx="735463" cy="461665"/>
+          </a:xfrm>
+          <a:prstGeom prst="rect">
+            <a:avLst/>
+          </a:prstGeom>
+          <a:noFill/>
+        </p:spPr>
+        <p:txBody>
+          <a:bodyPr wrap="square" rtlCol="0">
+            <a:spAutoFit/>
+          </a:bodyPr>
+          <a:lstStyle/>
+          <a:p>
+            <a:r>
+              <a:rPr lang="en-US" sz="2400" b="1" dirty="0">
+                <a:solidFill>
+                  <a:schemeClr val="accent2">
+                    <a:lumMod val="75000"/>
+                  </a:schemeClr>
+                </a:solidFill>
+              </a:rPr>
+              <a:t>A/B</a:t>
+            </a:r>
+          </a:p>
+        </p:txBody>
+      </p:sp>
+    </p:spTree>
+    <p:extLst>
+      <p:ext uri="{BB962C8B-B14F-4D97-AF65-F5344CB8AC3E}">
+        <p14:creationId xmlns:p14="http://schemas.microsoft.com/office/powerpoint/2010/main" val="2250984652"/>
+      </p:ext>
+    </p:extLst>
+  </p:cSld>
+  <p:clrMapOvr>
+    <a:masterClrMapping/>
+  </p:clrMapOvr>
+</p:sld>
+</file>
+
+<file path=ppt/slides/slide4.xml><?xml version="1.0" encoding="utf-8"?>
+<p:sld xmlns:a="http://schemas.openxmlformats.org/drawingml/2006/main" xmlns:r="http://schemas.openxmlformats.org/officeDocument/2006/relationships" xmlns:p="http://schemas.openxmlformats.org/presentationml/2006/main">
+  <p:cSld>
+    <p:spTree>
+      <p:nvGrpSpPr>
+        <p:cNvPr id="1" name=""/>
+        <p:cNvGrpSpPr/>
+        <p:nvPr/>
+      </p:nvGrpSpPr>
+      <p:grpSpPr>
+        <a:xfrm>
+          <a:off x="0" y="0"/>
+          <a:ext cx="0" cy="0"/>
+          <a:chOff x="0" y="0"/>
+          <a:chExt cx="0" cy="0"/>
+        </a:xfrm>
+      </p:grpSpPr>
+      <p:pic>
+        <p:nvPicPr>
+          <p:cNvPr id="2" name="Picture 1">
+            <a:extLst>
+              <a:ext uri="{FF2B5EF4-FFF2-40B4-BE49-F238E27FC236}">
+                <a16:creationId xmlns:a16="http://schemas.microsoft.com/office/drawing/2014/main" id="{78D28494-B058-453F-8158-A3512158C307}"/>
+              </a:ext>
+            </a:extLst>
+          </p:cNvPr>
+          <p:cNvPicPr preferRelativeResize="0">
+            <a:picLocks/>
+          </p:cNvPicPr>
+          <p:nvPr>
+            <p:custDataLst>
+              <p:custData r:id="rId1"/>
+            </p:custDataLst>
+          </p:nvPr>
+        </p:nvPicPr>
+        <p:blipFill>
+          <a:blip r:embed="rId9">
+            <a:extLst>
+              <a:ext uri="{28A0092B-C50C-407E-A947-70E740481C1C}">
+                <a14:useLocalDpi xmlns:a14="http://schemas.microsoft.com/office/drawing/2010/main" val="0"/>
+              </a:ext>
+            </a:extLst>
+          </a:blip>
+          <a:stretch>
+            <a:fillRect/>
+          </a:stretch>
+        </p:blipFill>
+        <p:spPr>
+          <a:xfrm>
+            <a:off x="1035503" y="2171290"/>
+            <a:ext cx="184413" cy="247500"/>
+          </a:xfrm>
+          <a:prstGeom prst="rect">
+            <a:avLst/>
+          </a:prstGeom>
+        </p:spPr>
+      </p:pic>
+      <p:sp>
+        <p:nvSpPr>
+          <p:cNvPr id="3" name="Rectangle 2">
+            <a:extLst>
+              <a:ext uri="{FF2B5EF4-FFF2-40B4-BE49-F238E27FC236}">
+                <a16:creationId xmlns:a16="http://schemas.microsoft.com/office/drawing/2014/main" id="{AE312CDA-960C-41F2-A181-76D43E73E11E}"/>
+              </a:ext>
+            </a:extLst>
+          </p:cNvPr>
+          <p:cNvSpPr/>
+          <p:nvPr/>
+        </p:nvSpPr>
+        <p:spPr>
+          <a:xfrm>
+            <a:off x="1221834" y="2171290"/>
+            <a:ext cx="45719" cy="247500"/>
+          </a:xfrm>
+          <a:prstGeom prst="rect">
+            <a:avLst/>
+          </a:prstGeom>
+          <a:solidFill>
+            <a:schemeClr val="tx1"/>
+          </a:solidFill>
+          <a:ln>
+            <a:noFill/>
+          </a:ln>
+        </p:spPr>
+        <p:style>
+          <a:lnRef idx="2">
+            <a:schemeClr val="accent1">
+              <a:shade val="50000"/>
+            </a:schemeClr>
+          </a:lnRef>
+          <a:fillRef idx="1">
+            <a:schemeClr val="accent1"/>
+          </a:fillRef>
+          <a:effectRef idx="0">
+            <a:schemeClr val="accent1"/>
+          </a:effectRef>
+          <a:fontRef idx="minor">
+            <a:schemeClr val="lt1"/>
+          </a:fontRef>
+        </p:style>
+        <p:txBody>
+          <a:bodyPr rtlCol="0" anchor="ctr"/>
+          <a:lstStyle/>
+          <a:p>
+            <a:pPr algn="ctr"/>
+            <a:endParaRPr lang="en-US"/>
+          </a:p>
+        </p:txBody>
+      </p:sp>
+      <p:grpSp>
+        <p:nvGrpSpPr>
+          <p:cNvPr id="6" name="Group 5">
+            <a:extLst>
+              <a:ext uri="{FF2B5EF4-FFF2-40B4-BE49-F238E27FC236}">
+                <a16:creationId xmlns:a16="http://schemas.microsoft.com/office/drawing/2014/main" id="{8520D60F-79EF-4728-83E3-ABC294E82FEA}"/>
+              </a:ext>
+            </a:extLst>
+          </p:cNvPr>
+          <p:cNvGrpSpPr/>
+          <p:nvPr/>
+        </p:nvGrpSpPr>
+        <p:grpSpPr>
+          <a:xfrm flipH="1">
+            <a:off x="1035503" y="2516912"/>
+            <a:ext cx="232050" cy="247500"/>
+            <a:chOff x="1035503" y="2516912"/>
+            <a:chExt cx="232050" cy="247500"/>
+          </a:xfrm>
+        </p:grpSpPr>
+        <p:pic>
+          <p:nvPicPr>
+            <p:cNvPr id="4" name="Picture 3">
+              <a:extLst>
+                <a:ext uri="{FF2B5EF4-FFF2-40B4-BE49-F238E27FC236}">
+                  <a16:creationId xmlns:a16="http://schemas.microsoft.com/office/drawing/2014/main" id="{AA915D65-0FBF-4AB3-BAAF-11C22D0A5BF5}"/>
+                </a:ext>
+              </a:extLst>
+            </p:cNvPr>
+            <p:cNvPicPr preferRelativeResize="0">
+              <a:picLocks/>
+            </p:cNvPicPr>
+            <p:nvPr>
+              <p:custDataLst>
+                <p:custData r:id="rId7"/>
+              </p:custDataLst>
+            </p:nvPr>
+          </p:nvPicPr>
+          <p:blipFill>
+            <a:blip r:embed="rId9">
+              <a:extLst>
+                <a:ext uri="{28A0092B-C50C-407E-A947-70E740481C1C}">
+                  <a14:useLocalDpi xmlns:a14="http://schemas.microsoft.com/office/drawing/2010/main" val="0"/>
+                </a:ext>
+              </a:extLst>
+            </a:blip>
+            <a:stretch>
+              <a:fillRect/>
+            </a:stretch>
+          </p:blipFill>
+          <p:spPr>
+            <a:xfrm>
+              <a:off x="1035503" y="2516912"/>
+              <a:ext cx="184413" cy="247500"/>
+            </a:xfrm>
+            <a:prstGeom prst="rect">
+              <a:avLst/>
+            </a:prstGeom>
+          </p:spPr>
+        </p:pic>
+        <p:sp>
+          <p:nvSpPr>
+            <p:cNvPr id="5" name="Rectangle 4">
+              <a:extLst>
+                <a:ext uri="{FF2B5EF4-FFF2-40B4-BE49-F238E27FC236}">
+                  <a16:creationId xmlns:a16="http://schemas.microsoft.com/office/drawing/2014/main" id="{A3B08E67-DA30-47BB-9F86-97C086D1FECB}"/>
+                </a:ext>
+              </a:extLst>
+            </p:cNvPr>
+            <p:cNvSpPr/>
+            <p:nvPr/>
+          </p:nvSpPr>
+          <p:spPr>
+            <a:xfrm>
+              <a:off x="1221834" y="2516912"/>
+              <a:ext cx="45719" cy="247500"/>
+            </a:xfrm>
+            <a:prstGeom prst="rect">
+              <a:avLst/>
+            </a:prstGeom>
+            <a:solidFill>
+              <a:schemeClr val="tx1"/>
+            </a:solidFill>
+            <a:ln>
+              <a:noFill/>
+            </a:ln>
+          </p:spPr>
+          <p:style>
+            <a:lnRef idx="2">
+              <a:schemeClr val="accent1">
+                <a:shade val="50000"/>
+              </a:schemeClr>
+            </a:lnRef>
+            <a:fillRef idx="1">
+              <a:schemeClr val="accent1"/>
+            </a:fillRef>
+            <a:effectRef idx="0">
+              <a:schemeClr val="accent1"/>
+            </a:effectRef>
+            <a:fontRef idx="minor">
+              <a:schemeClr val="lt1"/>
+            </a:fontRef>
+          </p:style>
+          <p:txBody>
+            <a:bodyPr rtlCol="0" anchor="ctr"/>
+            <a:lstStyle/>
+            <a:p>
+              <a:pPr algn="ctr"/>
+              <a:endParaRPr lang="en-US"/>
+            </a:p>
+          </p:txBody>
+        </p:sp>
+      </p:grpSp>
+      <p:pic>
+        <p:nvPicPr>
+          <p:cNvPr id="7" name="Picture 6">
+            <a:extLst>
+              <a:ext uri="{FF2B5EF4-FFF2-40B4-BE49-F238E27FC236}">
+                <a16:creationId xmlns:a16="http://schemas.microsoft.com/office/drawing/2014/main" id="{6D221579-EA75-45FB-BCD4-8786100E180D}"/>
+              </a:ext>
+            </a:extLst>
+          </p:cNvPr>
+          <p:cNvPicPr preferRelativeResize="0">
+            <a:picLocks/>
+          </p:cNvPicPr>
+          <p:nvPr>
+            <p:custDataLst>
+              <p:custData r:id="rId2"/>
+            </p:custDataLst>
+          </p:nvPr>
+        </p:nvPicPr>
+        <p:blipFill rotWithShape="1">
+          <a:blip r:embed="rId10">
+            <a:extLst>
+              <a:ext uri="{28A0092B-C50C-407E-A947-70E740481C1C}">
+                <a14:useLocalDpi xmlns:a14="http://schemas.microsoft.com/office/drawing/2010/main" val="0"/>
+              </a:ext>
+            </a:extLst>
+          </a:blip>
+          <a:srcRect l="24992" t="23267" r="24992" b="24992"/>
+          <a:stretch/>
+        </p:blipFill>
+        <p:spPr>
+          <a:xfrm>
+            <a:off x="1035503" y="1787418"/>
+            <a:ext cx="276225" cy="285750"/>
+          </a:xfrm>
+          <a:prstGeom prst="rect">
+            <a:avLst/>
+          </a:prstGeom>
+        </p:spPr>
+      </p:pic>
+      <p:pic>
+        <p:nvPicPr>
+          <p:cNvPr id="8" name="Picture 7">
+            <a:extLst>
+              <a:ext uri="{FF2B5EF4-FFF2-40B4-BE49-F238E27FC236}">
+                <a16:creationId xmlns:a16="http://schemas.microsoft.com/office/drawing/2014/main" id="{D762D232-0492-4AEB-BB2C-B00A755B904C}"/>
+              </a:ext>
+            </a:extLst>
+          </p:cNvPr>
+          <p:cNvPicPr preferRelativeResize="0">
+            <a:picLocks/>
+          </p:cNvPicPr>
+          <p:nvPr>
+            <p:custDataLst>
+              <p:custData r:id="rId3"/>
+            </p:custDataLst>
+          </p:nvPr>
+        </p:nvPicPr>
+        <p:blipFill>
+          <a:blip r:embed="rId11">
+            <a:extLst>
+              <a:ext uri="{28A0092B-C50C-407E-A947-70E740481C1C}">
+                <a14:useLocalDpi xmlns:a14="http://schemas.microsoft.com/office/drawing/2010/main" val="0"/>
+              </a:ext>
+            </a:extLst>
+          </a:blip>
+          <a:stretch>
+            <a:fillRect/>
+          </a:stretch>
+        </p:blipFill>
+        <p:spPr>
+          <a:xfrm>
+            <a:off x="875589" y="1254526"/>
+            <a:ext cx="566101" cy="566101"/>
+          </a:xfrm>
+          <a:prstGeom prst="rect">
+            <a:avLst/>
+          </a:prstGeom>
+        </p:spPr>
+      </p:pic>
+      <p:pic>
+        <p:nvPicPr>
+          <p:cNvPr id="9" name="Picture 8">
+            <a:extLst>
+              <a:ext uri="{FF2B5EF4-FFF2-40B4-BE49-F238E27FC236}">
+                <a16:creationId xmlns:a16="http://schemas.microsoft.com/office/drawing/2014/main" id="{512647F8-512A-460E-AB25-A05A10D364C4}"/>
+              </a:ext>
+            </a:extLst>
+          </p:cNvPr>
+          <p:cNvPicPr preferRelativeResize="0">
+            <a:picLocks/>
+          </p:cNvPicPr>
+          <p:nvPr>
+            <p:custDataLst>
+              <p:custData r:id="rId4"/>
+            </p:custDataLst>
+          </p:nvPr>
+        </p:nvPicPr>
+        <p:blipFill>
+          <a:blip r:embed="rId12">
+            <a:extLst>
+              <a:ext uri="{28A0092B-C50C-407E-A947-70E740481C1C}">
+                <a14:useLocalDpi xmlns:a14="http://schemas.microsoft.com/office/drawing/2010/main" val="0"/>
+              </a:ext>
+            </a:extLst>
+          </a:blip>
+          <a:stretch>
+            <a:fillRect/>
+          </a:stretch>
+        </p:blipFill>
+        <p:spPr>
+          <a:xfrm>
+            <a:off x="917970" y="920989"/>
+            <a:ext cx="522429" cy="470829"/>
+          </a:xfrm>
+          <a:prstGeom prst="rect">
+            <a:avLst/>
+          </a:prstGeom>
+        </p:spPr>
+      </p:pic>
+      <p:pic>
+        <p:nvPicPr>
+          <p:cNvPr id="10" name="Picture 9">
+            <a:extLst>
+              <a:ext uri="{FF2B5EF4-FFF2-40B4-BE49-F238E27FC236}">
+                <a16:creationId xmlns:a16="http://schemas.microsoft.com/office/drawing/2014/main" id="{554AA7BD-F926-4024-95C9-21E2280F8B5B}"/>
+              </a:ext>
+            </a:extLst>
+          </p:cNvPr>
+          <p:cNvPicPr preferRelativeResize="0">
+            <a:picLocks/>
+          </p:cNvPicPr>
+          <p:nvPr>
+            <p:custDataLst>
+              <p:custData r:id="rId5"/>
+            </p:custDataLst>
+          </p:nvPr>
+        </p:nvPicPr>
+        <p:blipFill>
+          <a:blip r:embed="rId13">
+            <a:extLst>
+              <a:ext uri="{28A0092B-C50C-407E-A947-70E740481C1C}">
+                <a14:useLocalDpi xmlns:a14="http://schemas.microsoft.com/office/drawing/2010/main" val="0"/>
+              </a:ext>
+            </a:extLst>
+          </a:blip>
+          <a:stretch>
+            <a:fillRect/>
+          </a:stretch>
+        </p:blipFill>
+        <p:spPr>
+          <a:xfrm>
+            <a:off x="917970" y="2764412"/>
+            <a:ext cx="522429" cy="522429"/>
+          </a:xfrm>
+          <a:prstGeom prst="rect">
+            <a:avLst/>
+          </a:prstGeom>
+        </p:spPr>
+      </p:pic>
+      <p:pic>
+        <p:nvPicPr>
+          <p:cNvPr id="11" name="Picture 10">
+            <a:extLst>
+              <a:ext uri="{FF2B5EF4-FFF2-40B4-BE49-F238E27FC236}">
+                <a16:creationId xmlns:a16="http://schemas.microsoft.com/office/drawing/2014/main" id="{4DA9E312-0E5E-4F00-A346-F1D7DFD0DE28}"/>
+              </a:ext>
+            </a:extLst>
+          </p:cNvPr>
+          <p:cNvPicPr preferRelativeResize="0">
+            <a:picLocks/>
+          </p:cNvPicPr>
+          <p:nvPr>
+            <p:custDataLst>
+              <p:custData r:id="rId6"/>
+            </p:custDataLst>
+          </p:nvPr>
+        </p:nvPicPr>
+        <p:blipFill>
+          <a:blip r:embed="rId14">
+            <a:extLst>
+              <a:ext uri="{28A0092B-C50C-407E-A947-70E740481C1C}">
+                <a14:useLocalDpi xmlns:a14="http://schemas.microsoft.com/office/drawing/2010/main" val="0"/>
+              </a:ext>
+            </a:extLst>
+          </a:blip>
+          <a:stretch>
+            <a:fillRect/>
+          </a:stretch>
+        </p:blipFill>
+        <p:spPr>
+          <a:xfrm>
+            <a:off x="933384" y="530076"/>
+            <a:ext cx="450510" cy="450510"/>
+          </a:xfrm>
+          <a:prstGeom prst="rect">
+            <a:avLst/>
+          </a:prstGeom>
+        </p:spPr>
+      </p:pic>
+    </p:spTree>
+    <p:extLst>
+      <p:ext uri="{BB962C8B-B14F-4D97-AF65-F5344CB8AC3E}">
+        <p14:creationId xmlns:p14="http://schemas.microsoft.com/office/powerpoint/2010/main" val="958477323"/>
+      </p:ext>
+    </p:extLst>
+  </p:cSld>
+  <p:clrMapOvr>
+    <a:masterClrMapping/>
+  </p:clrMapOvr>
+</p:sld>
+</file>
+
+<file path=ppt/slides/slide5.xml><?xml version="1.0" encoding="utf-8"?>
+<p:sld xmlns:a="http://schemas.openxmlformats.org/drawingml/2006/main" xmlns:r="http://schemas.openxmlformats.org/officeDocument/2006/relationships" xmlns:p="http://schemas.openxmlformats.org/presentationml/2006/main">
+  <p:cSld>
+    <p:spTree>
+      <p:nvGrpSpPr>
+        <p:cNvPr id="1" name=""/>
+        <p:cNvGrpSpPr/>
+        <p:nvPr/>
+      </p:nvGrpSpPr>
+      <p:grpSpPr>
+        <a:xfrm>
+          <a:off x="0" y="0"/>
+          <a:ext cx="0" cy="0"/>
+          <a:chOff x="0" y="0"/>
+          <a:chExt cx="0" cy="0"/>
+        </a:xfrm>
+      </p:grpSpPr>
+      <p:sp>
+        <p:nvSpPr>
+          <p:cNvPr id="2" name="Rectangle 1">
+            <a:extLst>
+              <a:ext uri="{FF2B5EF4-FFF2-40B4-BE49-F238E27FC236}">
+                <a16:creationId xmlns:a16="http://schemas.microsoft.com/office/drawing/2014/main" id="{A194BB3F-B4B7-42DF-BB9D-A10782CE4279}"/>
+              </a:ext>
+            </a:extLst>
+          </p:cNvPr>
+          <p:cNvSpPr/>
+          <p:nvPr/>
+        </p:nvSpPr>
+        <p:spPr>
+          <a:xfrm>
+            <a:off x="255860" y="462206"/>
+            <a:ext cx="3443425" cy="5933588"/>
+          </a:xfrm>
+          <a:prstGeom prst="rect">
+            <a:avLst/>
+          </a:prstGeom>
+        </p:spPr>
+        <p:style>
+          <a:lnRef idx="2">
+            <a:schemeClr val="accent1">
+              <a:shade val="50000"/>
+            </a:schemeClr>
+          </a:lnRef>
+          <a:fillRef idx="1">
+            <a:schemeClr val="accent1"/>
+          </a:fillRef>
+          <a:effectRef idx="0">
+            <a:schemeClr val="accent1"/>
+          </a:effectRef>
+          <a:fontRef idx="minor">
+            <a:schemeClr val="lt1"/>
+          </a:fontRef>
+        </p:style>
+        <p:txBody>
+          <a:bodyPr rtlCol="0" anchor="ctr"/>
+          <a:lstStyle/>
+          <a:p>
+            <a:pPr algn="ctr"/>
+            <a:endParaRPr lang="en-US"/>
+          </a:p>
+        </p:txBody>
+      </p:sp>
+      <p:sp>
+        <p:nvSpPr>
+          <p:cNvPr id="4" name="TextBox 3">
+            <a:extLst>
+              <a:ext uri="{FF2B5EF4-FFF2-40B4-BE49-F238E27FC236}">
+                <a16:creationId xmlns:a16="http://schemas.microsoft.com/office/drawing/2014/main" id="{AB8493C0-FBBE-4C81-AAC6-8D1E851CB373}"/>
+              </a:ext>
+            </a:extLst>
+          </p:cNvPr>
+          <p:cNvSpPr txBox="1"/>
+          <p:nvPr/>
+        </p:nvSpPr>
+        <p:spPr>
+          <a:xfrm>
+            <a:off x="4028962" y="372805"/>
+            <a:ext cx="4602480" cy="4801314"/>
+          </a:xfrm>
+          <a:prstGeom prst="rect">
+            <a:avLst/>
+          </a:prstGeom>
+          <a:noFill/>
+        </p:spPr>
+        <p:txBody>
+          <a:bodyPr wrap="square" rtlCol="0">
+            <a:spAutoFit/>
+          </a:bodyPr>
+          <a:lstStyle/>
+          <a:p>
+            <a:pPr marL="285750" indent="-285750">
+              <a:buFont typeface="Arial" panose="020B0604020202020204" pitchFamily="34" charset="0"/>
+              <a:buChar char="•"/>
+            </a:pPr>
+            <a:r>
+              <a:rPr lang="en-US" dirty="0"/>
+              <a:t>Levels</a:t>
+            </a:r>
+          </a:p>
+          <a:p>
+            <a:pPr marL="285750" indent="-285750">
+              <a:buFont typeface="Arial" panose="020B0604020202020204" pitchFamily="34" charset="0"/>
+              <a:buChar char="•"/>
+            </a:pPr>
+            <a:r>
+              <a:rPr lang="en-US" dirty="0"/>
+              <a:t>Parts</a:t>
+            </a:r>
+          </a:p>
+          <a:p>
+            <a:pPr marL="742950" lvl="1" indent="-285750">
+              <a:buFont typeface="Arial" panose="020B0604020202020204" pitchFamily="34" charset="0"/>
+              <a:buChar char="•"/>
+            </a:pPr>
+            <a:r>
+              <a:rPr lang="en-US" dirty="0"/>
+              <a:t>Verse</a:t>
+            </a:r>
+          </a:p>
+          <a:p>
+            <a:pPr marL="742950" lvl="1" indent="-285750">
+              <a:buFont typeface="Arial" panose="020B0604020202020204" pitchFamily="34" charset="0"/>
+              <a:buChar char="•"/>
+            </a:pPr>
+            <a:r>
+              <a:rPr lang="en-US" dirty="0"/>
+              <a:t>Chorus</a:t>
+            </a:r>
+          </a:p>
+          <a:p>
+            <a:pPr marL="742950" lvl="1" indent="-285750">
+              <a:buFont typeface="Arial" panose="020B0604020202020204" pitchFamily="34" charset="0"/>
+              <a:buChar char="•"/>
+            </a:pPr>
+            <a:r>
+              <a:rPr lang="en-US" dirty="0"/>
+              <a:t>Bridge</a:t>
+            </a:r>
+          </a:p>
+          <a:p>
+            <a:pPr marL="742950" lvl="1" indent="-285750">
+              <a:buFont typeface="Arial" panose="020B0604020202020204" pitchFamily="34" charset="0"/>
+              <a:buChar char="•"/>
+            </a:pPr>
+            <a:r>
+              <a:rPr lang="en-US" dirty="0" err="1"/>
+              <a:t>Inrto</a:t>
+            </a:r>
+            <a:endParaRPr lang="en-US" dirty="0"/>
+          </a:p>
+          <a:p>
+            <a:pPr marL="742950" lvl="1" indent="-285750">
+              <a:buFont typeface="Arial" panose="020B0604020202020204" pitchFamily="34" charset="0"/>
+              <a:buChar char="•"/>
+            </a:pPr>
+            <a:r>
+              <a:rPr lang="en-US" dirty="0" err="1"/>
+              <a:t>PreChorus</a:t>
+            </a:r>
+            <a:endParaRPr lang="en-US" dirty="0"/>
+          </a:p>
+          <a:p>
+            <a:pPr marL="285750" indent="-285750">
+              <a:buFont typeface="Arial" panose="020B0604020202020204" pitchFamily="34" charset="0"/>
+              <a:buChar char="•"/>
+            </a:pPr>
+            <a:r>
+              <a:rPr lang="en-US" dirty="0"/>
+              <a:t>Type of Levels</a:t>
+            </a:r>
+          </a:p>
+          <a:p>
+            <a:pPr marL="742950" lvl="1" indent="-285750">
+              <a:buFont typeface="Arial" panose="020B0604020202020204" pitchFamily="34" charset="0"/>
+              <a:buChar char="•"/>
+            </a:pPr>
+            <a:r>
+              <a:rPr lang="en-US" dirty="0"/>
+              <a:t>Bass</a:t>
+            </a:r>
+          </a:p>
+          <a:p>
+            <a:pPr marL="742950" lvl="1" indent="-285750">
+              <a:buFont typeface="Arial" panose="020B0604020202020204" pitchFamily="34" charset="0"/>
+              <a:buChar char="•"/>
+            </a:pPr>
+            <a:r>
+              <a:rPr lang="en-US" dirty="0" err="1"/>
+              <a:t>Mids</a:t>
+            </a:r>
+            <a:endParaRPr lang="en-US" dirty="0"/>
+          </a:p>
+          <a:p>
+            <a:pPr marL="742950" lvl="1" indent="-285750">
+              <a:buFont typeface="Arial" panose="020B0604020202020204" pitchFamily="34" charset="0"/>
+              <a:buChar char="•"/>
+            </a:pPr>
+            <a:r>
+              <a:rPr lang="en-US" dirty="0"/>
+              <a:t>High </a:t>
+            </a:r>
+            <a:r>
+              <a:rPr lang="en-US" dirty="0" err="1"/>
+              <a:t>Mids</a:t>
+            </a:r>
+            <a:endParaRPr lang="en-US" dirty="0"/>
+          </a:p>
+          <a:p>
+            <a:pPr marL="742950" lvl="1" indent="-285750">
+              <a:buFont typeface="Arial" panose="020B0604020202020204" pitchFamily="34" charset="0"/>
+              <a:buChar char="•"/>
+            </a:pPr>
+            <a:r>
+              <a:rPr lang="en-US" dirty="0"/>
+              <a:t>Highs</a:t>
+            </a:r>
+          </a:p>
+          <a:p>
+            <a:pPr marL="742950" lvl="1" indent="-285750">
+              <a:buFont typeface="Arial" panose="020B0604020202020204" pitchFamily="34" charset="0"/>
+              <a:buChar char="•"/>
+            </a:pPr>
+            <a:r>
+              <a:rPr lang="en-US" dirty="0"/>
+              <a:t>Reverb/</a:t>
+            </a:r>
+            <a:r>
+              <a:rPr lang="en-US" dirty="0" err="1"/>
+              <a:t>fx</a:t>
+            </a:r>
+            <a:endParaRPr lang="en-US" dirty="0"/>
+          </a:p>
+          <a:p>
+            <a:pPr marL="285750" indent="-285750">
+              <a:buFont typeface="Arial" panose="020B0604020202020204" pitchFamily="34" charset="0"/>
+              <a:buChar char="•"/>
+            </a:pPr>
+            <a:r>
+              <a:rPr lang="en-US" dirty="0"/>
+              <a:t>Pitch</a:t>
+            </a:r>
+          </a:p>
+          <a:p>
+            <a:pPr marL="285750" indent="-285750">
+              <a:buFont typeface="Arial" panose="020B0604020202020204" pitchFamily="34" charset="0"/>
+              <a:buChar char="•"/>
+            </a:pPr>
+            <a:r>
+              <a:rPr lang="en-US" dirty="0"/>
+              <a:t>Problems – with location</a:t>
+            </a:r>
+          </a:p>
+          <a:p>
+            <a:pPr marL="742950" lvl="1" indent="-285750">
+              <a:buFont typeface="Arial" panose="020B0604020202020204" pitchFamily="34" charset="0"/>
+              <a:buChar char="•"/>
+            </a:pPr>
+            <a:r>
+              <a:rPr lang="en-US" dirty="0"/>
+              <a:t>Pitch</a:t>
+            </a:r>
+          </a:p>
+          <a:p>
+            <a:pPr marL="742950" lvl="1" indent="-285750">
+              <a:buFont typeface="Arial" panose="020B0604020202020204" pitchFamily="34" charset="0"/>
+              <a:buChar char="•"/>
+            </a:pPr>
+            <a:r>
+              <a:rPr lang="en-US" dirty="0"/>
+              <a:t>Timing</a:t>
+            </a:r>
+          </a:p>
+        </p:txBody>
+      </p:sp>
+      <p:sp>
+        <p:nvSpPr>
+          <p:cNvPr id="6" name="Rectangle 5">
+            <a:extLst>
+              <a:ext uri="{FF2B5EF4-FFF2-40B4-BE49-F238E27FC236}">
+                <a16:creationId xmlns:a16="http://schemas.microsoft.com/office/drawing/2014/main" id="{DD20BDF1-C31A-4C60-9C16-C31EF2BFB505}"/>
+              </a:ext>
+            </a:extLst>
+          </p:cNvPr>
+          <p:cNvSpPr/>
+          <p:nvPr/>
+        </p:nvSpPr>
+        <p:spPr>
+          <a:xfrm>
+            <a:off x="376965" y="4804901"/>
+            <a:ext cx="3119120" cy="1406455"/>
+          </a:xfrm>
+          <a:prstGeom prst="rect">
+            <a:avLst/>
+          </a:prstGeom>
+          <a:solidFill>
+            <a:schemeClr val="tx1">
+              <a:lumMod val="75000"/>
+              <a:lumOff val="25000"/>
+            </a:schemeClr>
+          </a:solidFill>
+        </p:spPr>
+        <p:style>
+          <a:lnRef idx="2">
+            <a:schemeClr val="accent1">
+              <a:shade val="50000"/>
+            </a:schemeClr>
+          </a:lnRef>
+          <a:fillRef idx="1">
+            <a:schemeClr val="accent1"/>
+          </a:fillRef>
+          <a:effectRef idx="0">
+            <a:schemeClr val="accent1"/>
+          </a:effectRef>
+          <a:fontRef idx="minor">
+            <a:schemeClr val="lt1"/>
+          </a:fontRef>
+        </p:style>
+        <p:txBody>
+          <a:bodyPr rtlCol="0" anchor="ctr"/>
+          <a:lstStyle/>
+          <a:p>
+            <a:r>
+              <a:rPr lang="en-US" dirty="0"/>
+              <a:t>Notes</a:t>
+            </a:r>
+          </a:p>
+        </p:txBody>
+      </p:sp>
+      <p:sp>
+        <p:nvSpPr>
+          <p:cNvPr id="7" name="TextBox 6">
+            <a:extLst>
+              <a:ext uri="{FF2B5EF4-FFF2-40B4-BE49-F238E27FC236}">
+                <a16:creationId xmlns:a16="http://schemas.microsoft.com/office/drawing/2014/main" id="{D8161ED5-3EC5-4BF2-9F6B-500A8F7538E6}"/>
+              </a:ext>
+            </a:extLst>
+          </p:cNvPr>
+          <p:cNvSpPr txBox="1"/>
+          <p:nvPr/>
+        </p:nvSpPr>
+        <p:spPr>
+          <a:xfrm>
+            <a:off x="6901410" y="372805"/>
+            <a:ext cx="5034729" cy="8125301"/>
+          </a:xfrm>
+          <a:prstGeom prst="rect">
+            <a:avLst/>
+          </a:prstGeom>
+          <a:noFill/>
+        </p:spPr>
+        <p:txBody>
+          <a:bodyPr wrap="square" rtlCol="0">
+            <a:spAutoFit/>
+          </a:bodyPr>
+          <a:lstStyle/>
+          <a:p>
+            <a:pPr marL="285750" indent="-285750">
+              <a:buFont typeface="Arial" panose="020B0604020202020204" pitchFamily="34" charset="0"/>
+              <a:buChar char="•"/>
+            </a:pPr>
+            <a:r>
+              <a:rPr lang="en-US" dirty="0"/>
+              <a:t>Tracks</a:t>
+            </a:r>
+          </a:p>
+          <a:p>
+            <a:pPr marL="742950" lvl="1" indent="-285750">
+              <a:buFont typeface="Arial" panose="020B0604020202020204" pitchFamily="34" charset="0"/>
+              <a:buChar char="•"/>
+            </a:pPr>
+            <a:r>
+              <a:rPr lang="en-US" dirty="0"/>
+              <a:t>Drums</a:t>
+            </a:r>
+          </a:p>
+          <a:p>
+            <a:pPr marL="1200150" lvl="2" indent="-285750">
+              <a:buFont typeface="Arial" panose="020B0604020202020204" pitchFamily="34" charset="0"/>
+              <a:buChar char="•"/>
+            </a:pPr>
+            <a:r>
+              <a:rPr lang="en-US" dirty="0"/>
+              <a:t>Kick</a:t>
+            </a:r>
+          </a:p>
+          <a:p>
+            <a:pPr marL="1200150" lvl="2" indent="-285750">
+              <a:buFont typeface="Arial" panose="020B0604020202020204" pitchFamily="34" charset="0"/>
+              <a:buChar char="•"/>
+            </a:pPr>
+            <a:r>
+              <a:rPr lang="en-US" dirty="0"/>
+              <a:t>Snare</a:t>
+            </a:r>
+          </a:p>
+          <a:p>
+            <a:pPr marL="1200150" lvl="2" indent="-285750">
+              <a:buFont typeface="Arial" panose="020B0604020202020204" pitchFamily="34" charset="0"/>
+              <a:buChar char="•"/>
+            </a:pPr>
+            <a:r>
+              <a:rPr lang="en-US" dirty="0"/>
+              <a:t>HH</a:t>
+            </a:r>
+          </a:p>
+          <a:p>
+            <a:pPr marL="1200150" lvl="2" indent="-285750">
+              <a:buFont typeface="Arial" panose="020B0604020202020204" pitchFamily="34" charset="0"/>
+              <a:buChar char="•"/>
+            </a:pPr>
+            <a:r>
+              <a:rPr lang="en-US" dirty="0"/>
+              <a:t>Overs</a:t>
+            </a:r>
+          </a:p>
+          <a:p>
+            <a:pPr marL="1200150" lvl="2" indent="-285750">
+              <a:buFont typeface="Arial" panose="020B0604020202020204" pitchFamily="34" charset="0"/>
+              <a:buChar char="•"/>
+            </a:pPr>
+            <a:r>
+              <a:rPr lang="en-US" dirty="0"/>
+              <a:t>Toms</a:t>
+            </a:r>
+          </a:p>
+          <a:p>
+            <a:pPr marL="1657350" lvl="3" indent="-285750">
+              <a:buFont typeface="Arial" panose="020B0604020202020204" pitchFamily="34" charset="0"/>
+              <a:buChar char="•"/>
+            </a:pPr>
+            <a:r>
+              <a:rPr lang="en-US" dirty="0"/>
+              <a:t>Hi</a:t>
+            </a:r>
+          </a:p>
+          <a:p>
+            <a:pPr marL="1657350" lvl="3" indent="-285750">
+              <a:buFont typeface="Arial" panose="020B0604020202020204" pitchFamily="34" charset="0"/>
+              <a:buChar char="•"/>
+            </a:pPr>
+            <a:r>
+              <a:rPr lang="en-US" dirty="0"/>
+              <a:t>Med</a:t>
+            </a:r>
+          </a:p>
+          <a:p>
+            <a:pPr marL="1657350" lvl="3" indent="-285750">
+              <a:buFont typeface="Arial" panose="020B0604020202020204" pitchFamily="34" charset="0"/>
+              <a:buChar char="•"/>
+            </a:pPr>
+            <a:r>
+              <a:rPr lang="en-US" dirty="0"/>
+              <a:t>Low</a:t>
+            </a:r>
+          </a:p>
+          <a:p>
+            <a:pPr marL="742950" lvl="1" indent="-285750">
+              <a:buFont typeface="Arial" panose="020B0604020202020204" pitchFamily="34" charset="0"/>
+              <a:buChar char="•"/>
+            </a:pPr>
+            <a:r>
+              <a:rPr lang="en-US" dirty="0"/>
+              <a:t>Acoustic</a:t>
+            </a:r>
+          </a:p>
+          <a:p>
+            <a:pPr marL="742950" lvl="1" indent="-285750">
+              <a:buFont typeface="Arial" panose="020B0604020202020204" pitchFamily="34" charset="0"/>
+              <a:buChar char="•"/>
+            </a:pPr>
+            <a:r>
+              <a:rPr lang="en-US" dirty="0"/>
+              <a:t>Perc</a:t>
+            </a:r>
+          </a:p>
+          <a:p>
+            <a:pPr marL="742950" lvl="1" indent="-285750">
+              <a:buFont typeface="Arial" panose="020B0604020202020204" pitchFamily="34" charset="0"/>
+              <a:buChar char="•"/>
+            </a:pPr>
+            <a:r>
+              <a:rPr lang="en-US" dirty="0"/>
+              <a:t>Rhythm </a:t>
+            </a:r>
+            <a:r>
+              <a:rPr lang="en-US" dirty="0" err="1"/>
+              <a:t>Gtr</a:t>
+            </a:r>
+            <a:endParaRPr lang="en-US" dirty="0"/>
+          </a:p>
+          <a:p>
+            <a:pPr marL="742950" lvl="1" indent="-285750">
+              <a:buFont typeface="Arial" panose="020B0604020202020204" pitchFamily="34" charset="0"/>
+              <a:buChar char="•"/>
+            </a:pPr>
+            <a:r>
+              <a:rPr lang="en-US" dirty="0"/>
+              <a:t>Piano</a:t>
+            </a:r>
+          </a:p>
+          <a:p>
+            <a:pPr marL="742950" lvl="1" indent="-285750">
+              <a:buFont typeface="Arial" panose="020B0604020202020204" pitchFamily="34" charset="0"/>
+              <a:buChar char="•"/>
+            </a:pPr>
+            <a:r>
+              <a:rPr lang="en-US" dirty="0"/>
+              <a:t>Keys</a:t>
+            </a:r>
+          </a:p>
+          <a:p>
+            <a:pPr marL="742950" lvl="1" indent="-285750">
+              <a:buFont typeface="Arial" panose="020B0604020202020204" pitchFamily="34" charset="0"/>
+              <a:buChar char="•"/>
+            </a:pPr>
+            <a:r>
+              <a:rPr lang="en-US" dirty="0"/>
+              <a:t>Bass</a:t>
+            </a:r>
+          </a:p>
+          <a:p>
+            <a:pPr marL="742950" lvl="1" indent="-285750">
+              <a:buFont typeface="Arial" panose="020B0604020202020204" pitchFamily="34" charset="0"/>
+              <a:buChar char="•"/>
+            </a:pPr>
+            <a:r>
+              <a:rPr lang="en-US" dirty="0"/>
+              <a:t>Lead </a:t>
+            </a:r>
+            <a:r>
+              <a:rPr lang="en-US" dirty="0" err="1"/>
+              <a:t>Gtr</a:t>
+            </a:r>
+            <a:endParaRPr lang="en-US" dirty="0"/>
+          </a:p>
+          <a:p>
+            <a:pPr marL="742950" lvl="1" indent="-285750">
+              <a:buFont typeface="Arial" panose="020B0604020202020204" pitchFamily="34" charset="0"/>
+              <a:buChar char="•"/>
+            </a:pPr>
+            <a:r>
+              <a:rPr lang="en-US" dirty="0"/>
+              <a:t>Strings</a:t>
+            </a:r>
+          </a:p>
+          <a:p>
+            <a:pPr marL="742950" lvl="1" indent="-285750">
+              <a:buFont typeface="Arial" panose="020B0604020202020204" pitchFamily="34" charset="0"/>
+              <a:buChar char="•"/>
+            </a:pPr>
+            <a:r>
+              <a:rPr lang="en-US" dirty="0"/>
+              <a:t>Lead Vox</a:t>
+            </a:r>
+          </a:p>
+          <a:p>
+            <a:pPr marL="742950" lvl="1" indent="-285750">
+              <a:buFont typeface="Arial" panose="020B0604020202020204" pitchFamily="34" charset="0"/>
+              <a:buChar char="•"/>
+            </a:pPr>
+            <a:r>
+              <a:rPr lang="en-US" dirty="0"/>
+              <a:t>Back Vox</a:t>
+            </a:r>
+          </a:p>
+          <a:p>
+            <a:pPr marL="742950" lvl="1" indent="-285750">
+              <a:buFont typeface="Arial" panose="020B0604020202020204" pitchFamily="34" charset="0"/>
+              <a:buChar char="•"/>
+            </a:pPr>
+            <a:r>
+              <a:rPr lang="en-US" dirty="0" err="1"/>
+              <a:t>Yukalee</a:t>
+            </a:r>
+            <a:endParaRPr lang="en-US" dirty="0"/>
+          </a:p>
+          <a:p>
+            <a:pPr marL="742950" lvl="1" indent="-285750">
+              <a:buFont typeface="Arial" panose="020B0604020202020204" pitchFamily="34" charset="0"/>
+              <a:buChar char="•"/>
+            </a:pPr>
+            <a:r>
+              <a:rPr lang="en-US" dirty="0"/>
+              <a:t>Organ</a:t>
+            </a:r>
+          </a:p>
+          <a:p>
+            <a:pPr marL="742950" lvl="1" indent="-285750">
+              <a:buFont typeface="Arial" panose="020B0604020202020204" pitchFamily="34" charset="0"/>
+              <a:buChar char="•"/>
+            </a:pPr>
+            <a:r>
+              <a:rPr lang="en-US" dirty="0"/>
+              <a:t>B3</a:t>
+            </a:r>
+          </a:p>
+          <a:p>
+            <a:pPr marL="742950" lvl="1" indent="-285750">
+              <a:buFont typeface="Arial" panose="020B0604020202020204" pitchFamily="34" charset="0"/>
+              <a:buChar char="•"/>
+            </a:pPr>
+            <a:r>
+              <a:rPr lang="en-US" dirty="0"/>
+              <a:t>Harmonica</a:t>
+            </a:r>
+          </a:p>
+          <a:p>
+            <a:pPr marL="742950" lvl="1" indent="-285750">
+              <a:buFont typeface="Arial" panose="020B0604020202020204" pitchFamily="34" charset="0"/>
+              <a:buChar char="•"/>
+            </a:pPr>
+            <a:r>
+              <a:rPr lang="en-US" dirty="0" err="1"/>
+              <a:t>Tamborine</a:t>
+            </a:r>
+            <a:endParaRPr lang="en-US" dirty="0"/>
+          </a:p>
+          <a:p>
+            <a:pPr marL="742950" lvl="1" indent="-285750">
+              <a:buFont typeface="Arial" panose="020B0604020202020204" pitchFamily="34" charset="0"/>
+              <a:buChar char="•"/>
+            </a:pPr>
+            <a:r>
+              <a:rPr lang="en-US" dirty="0"/>
+              <a:t>Shaker</a:t>
+            </a:r>
+          </a:p>
+          <a:p>
+            <a:pPr marL="742950" lvl="1" indent="-285750">
+              <a:buFont typeface="Arial" panose="020B0604020202020204" pitchFamily="34" charset="0"/>
+              <a:buChar char="•"/>
+            </a:pPr>
+            <a:endParaRPr lang="en-US" dirty="0"/>
+          </a:p>
+          <a:p>
+            <a:pPr marL="742950" lvl="1" indent="-285750">
+              <a:buFont typeface="Arial" panose="020B0604020202020204" pitchFamily="34" charset="0"/>
+              <a:buChar char="•"/>
+            </a:pPr>
+            <a:endParaRPr lang="en-US" dirty="0"/>
+          </a:p>
+          <a:p>
+            <a:pPr marL="742950" lvl="1" indent="-285750">
+              <a:buFont typeface="Arial" panose="020B0604020202020204" pitchFamily="34" charset="0"/>
+              <a:buChar char="•"/>
+            </a:pPr>
+            <a:endParaRPr lang="en-US" dirty="0"/>
+          </a:p>
+        </p:txBody>
+      </p:sp>
+      <p:sp>
+        <p:nvSpPr>
+          <p:cNvPr id="3" name="Rectangle 2">
+            <a:extLst>
+              <a:ext uri="{FF2B5EF4-FFF2-40B4-BE49-F238E27FC236}">
+                <a16:creationId xmlns:a16="http://schemas.microsoft.com/office/drawing/2014/main" id="{DBAB244C-9A89-4638-9BDA-5843A6C3D9A2}"/>
+              </a:ext>
+            </a:extLst>
+          </p:cNvPr>
+          <p:cNvSpPr/>
+          <p:nvPr/>
+        </p:nvSpPr>
+        <p:spPr>
+          <a:xfrm>
+            <a:off x="4276530" y="5535504"/>
+            <a:ext cx="1819470" cy="410547"/>
+          </a:xfrm>
+          <a:prstGeom prst="rect">
+            <a:avLst/>
+          </a:prstGeom>
+        </p:spPr>
+        <p:style>
+          <a:lnRef idx="0">
+            <a:schemeClr val="accent2"/>
+          </a:lnRef>
+          <a:fillRef idx="3">
+            <a:schemeClr val="accent2"/>
+          </a:fillRef>
+          <a:effectRef idx="3">
+            <a:schemeClr val="accent2"/>
+          </a:effectRef>
+          <a:fontRef idx="minor">
+            <a:schemeClr val="lt1"/>
+          </a:fontRef>
+        </p:style>
+        <p:txBody>
+          <a:bodyPr rtlCol="0" anchor="ctr"/>
+          <a:lstStyle/>
+          <a:p>
+            <a:r>
+              <a:rPr lang="en-US" dirty="0"/>
+              <a:t>Pitchy</a:t>
+            </a:r>
+          </a:p>
+        </p:txBody>
+      </p:sp>
+      <p:sp>
+        <p:nvSpPr>
+          <p:cNvPr id="5" name="Rectangle: Rounded Corners 4">
+            <a:extLst>
+              <a:ext uri="{FF2B5EF4-FFF2-40B4-BE49-F238E27FC236}">
+                <a16:creationId xmlns:a16="http://schemas.microsoft.com/office/drawing/2014/main" id="{C0E9D253-9B12-4A23-A692-0AABC2C5EA7F}"/>
+              </a:ext>
+            </a:extLst>
+          </p:cNvPr>
+          <p:cNvSpPr/>
+          <p:nvPr/>
+        </p:nvSpPr>
+        <p:spPr>
+          <a:xfrm>
+            <a:off x="5693302" y="5606518"/>
+            <a:ext cx="354341" cy="291505"/>
+          </a:xfrm>
+          <a:prstGeom prst="roundRect">
+            <a:avLst/>
+          </a:prstGeom>
+        </p:spPr>
+        <p:style>
+          <a:lnRef idx="2">
+            <a:schemeClr val="accent3">
+              <a:shade val="50000"/>
+            </a:schemeClr>
+          </a:lnRef>
+          <a:fillRef idx="1">
+            <a:schemeClr val="accent3"/>
+          </a:fillRef>
+          <a:effectRef idx="0">
+            <a:schemeClr val="accent3"/>
+          </a:effectRef>
+          <a:fontRef idx="minor">
+            <a:schemeClr val="lt1"/>
+          </a:fontRef>
+        </p:style>
+        <p:txBody>
+          <a:bodyPr rtlCol="0" anchor="ctr"/>
+          <a:lstStyle/>
+          <a:p>
+            <a:pPr algn="ctr"/>
+            <a:endParaRPr lang="en-US"/>
+          </a:p>
+        </p:txBody>
+      </p:sp>
+      <p:pic>
+        <p:nvPicPr>
+          <p:cNvPr id="8" name="Picture 7">
+            <a:extLst>
+              <a:ext uri="{FF2B5EF4-FFF2-40B4-BE49-F238E27FC236}">
+                <a16:creationId xmlns:a16="http://schemas.microsoft.com/office/drawing/2014/main" id="{CF5919B5-DCEE-43F1-8569-4D655E740800}"/>
+              </a:ext>
+            </a:extLst>
+          </p:cNvPr>
+          <p:cNvPicPr>
+            <a:picLocks noChangeAspect="1"/>
+          </p:cNvPicPr>
+          <p:nvPr>
+            <p:custDataLst>
+              <p:custData r:id="rId1"/>
+            </p:custDataLst>
+          </p:nvPr>
+        </p:nvPicPr>
+        <p:blipFill rotWithShape="1">
+          <a:blip r:embed="rId3">
+            <a:extLst>
+              <a:ext uri="{28A0092B-C50C-407E-A947-70E740481C1C}">
+                <a14:useLocalDpi xmlns:a14="http://schemas.microsoft.com/office/drawing/2010/main" val="0"/>
+              </a:ext>
+            </a:extLst>
+          </a:blip>
+          <a:srcRect l="22965" t="20595" r="22967" b="22965"/>
+          <a:stretch/>
+        </p:blipFill>
+        <p:spPr>
+          <a:xfrm>
+            <a:off x="5742828" y="5599093"/>
+            <a:ext cx="271462" cy="283368"/>
+          </a:xfrm>
+          <a:prstGeom prst="rect">
+            <a:avLst/>
+          </a:prstGeom>
+        </p:spPr>
+      </p:pic>
+    </p:spTree>
+    <p:extLst>
+      <p:ext uri="{BB962C8B-B14F-4D97-AF65-F5344CB8AC3E}">
+        <p14:creationId xmlns:p14="http://schemas.microsoft.com/office/powerpoint/2010/main" val="2334414300"/>
+      </p:ext>
+    </p:extLst>
+  </p:cSld>
+  <p:clrMapOvr>
+    <a:masterClrMapping/>
+  </p:clrMapOvr>
+</p:sld>
+</file>
+
+<file path=ppt/slides/slide6.xml><?xml version="1.0" encoding="utf-8"?>
+<p:sld xmlns:a="http://schemas.openxmlformats.org/drawingml/2006/main" xmlns:r="http://schemas.openxmlformats.org/officeDocument/2006/relationships" xmlns:p="http://schemas.openxmlformats.org/presentationml/2006/main">
+  <p:cSld>
+    <p:spTree>
+      <p:nvGrpSpPr>
+        <p:cNvPr id="1" name=""/>
+        <p:cNvGrpSpPr/>
+        <p:nvPr/>
+      </p:nvGrpSpPr>
+      <p:grpSpPr>
+        <a:xfrm>
+          <a:off x="0" y="0"/>
+          <a:ext cx="0" cy="0"/>
+          <a:chOff x="0" y="0"/>
+          <a:chExt cx="0" cy="0"/>
+        </a:xfrm>
+      </p:grpSpPr>
+      <p:sp>
+        <p:nvSpPr>
+          <p:cNvPr id="2" name="TextBox 1">
+            <a:extLst>
+              <a:ext uri="{FF2B5EF4-FFF2-40B4-BE49-F238E27FC236}">
+                <a16:creationId xmlns:a16="http://schemas.microsoft.com/office/drawing/2014/main" id="{E3B06211-024F-4C07-A9ED-1BDEA9E16AB6}"/>
+              </a:ext>
+            </a:extLst>
+          </p:cNvPr>
+          <p:cNvSpPr txBox="1"/>
+          <p:nvPr/>
+        </p:nvSpPr>
+        <p:spPr>
+          <a:xfrm>
+            <a:off x="568712" y="613317"/>
+            <a:ext cx="2533642" cy="3139321"/>
+          </a:xfrm>
+          <a:prstGeom prst="rect">
+            <a:avLst/>
+          </a:prstGeom>
+          <a:noFill/>
+        </p:spPr>
+        <p:txBody>
+          <a:bodyPr wrap="none" rtlCol="0">
+            <a:spAutoFit/>
+          </a:bodyPr>
+          <a:lstStyle/>
+          <a:p>
+            <a:r>
+              <a:rPr lang="en-US" dirty="0"/>
+              <a:t>Verse needs to come up</a:t>
+            </a:r>
+          </a:p>
+          <a:p>
+            <a:r>
+              <a:rPr lang="en-US" dirty="0"/>
+              <a:t>Bass is loud</a:t>
+            </a:r>
+          </a:p>
+          <a:p>
+            <a:r>
+              <a:rPr lang="en-US" dirty="0"/>
+              <a:t>Bass is </a:t>
+            </a:r>
+            <a:r>
+              <a:rPr lang="en-US" dirty="0" err="1"/>
+              <a:t>Boomy</a:t>
+            </a:r>
+            <a:endParaRPr lang="en-US" dirty="0"/>
+          </a:p>
+          <a:p>
+            <a:r>
+              <a:rPr lang="en-US" dirty="0"/>
+              <a:t>Snare is boxy</a:t>
+            </a:r>
+          </a:p>
+          <a:p>
+            <a:r>
+              <a:rPr lang="en-US" dirty="0"/>
+              <a:t>Vocals too loud in chorus</a:t>
+            </a:r>
+          </a:p>
+          <a:p>
+            <a:r>
+              <a:rPr lang="en-US" dirty="0"/>
+              <a:t>Thicken the snare</a:t>
+            </a:r>
+          </a:p>
+          <a:p>
+            <a:r>
+              <a:rPr lang="en-US" dirty="0"/>
+              <a:t>Too much verb</a:t>
+            </a:r>
+          </a:p>
+          <a:p>
+            <a:r>
+              <a:rPr lang="en-US" dirty="0"/>
+              <a:t>Not enough verb</a:t>
+            </a:r>
+          </a:p>
+          <a:p>
+            <a:endParaRPr lang="en-US" dirty="0"/>
+          </a:p>
+          <a:p>
+            <a:endParaRPr lang="en-US" dirty="0"/>
+          </a:p>
+          <a:p>
+            <a:endParaRPr lang="en-US" dirty="0"/>
+          </a:p>
+        </p:txBody>
+      </p:sp>
+      <p:sp>
+        <p:nvSpPr>
+          <p:cNvPr id="3" name="TextBox 2">
+            <a:extLst>
+              <a:ext uri="{FF2B5EF4-FFF2-40B4-BE49-F238E27FC236}">
+                <a16:creationId xmlns:a16="http://schemas.microsoft.com/office/drawing/2014/main" id="{C1C743CA-0D3C-43D9-9AD2-BD21867D0154}"/>
+              </a:ext>
+            </a:extLst>
+          </p:cNvPr>
+          <p:cNvSpPr txBox="1"/>
+          <p:nvPr/>
+        </p:nvSpPr>
+        <p:spPr>
+          <a:xfrm>
+            <a:off x="6096000" y="245326"/>
+            <a:ext cx="1555234" cy="7294305"/>
+          </a:xfrm>
+          <a:prstGeom prst="rect">
+            <a:avLst/>
+          </a:prstGeom>
+          <a:noFill/>
+        </p:spPr>
+        <p:txBody>
+          <a:bodyPr wrap="none" rtlCol="0">
+            <a:spAutoFit/>
+          </a:bodyPr>
+          <a:lstStyle/>
+          <a:p>
+            <a:r>
+              <a:rPr lang="en-US" dirty="0"/>
+              <a:t>Adjectives</a:t>
+            </a:r>
+          </a:p>
+          <a:p>
+            <a:pPr marL="285750" indent="-285750">
+              <a:buFont typeface="Arial" panose="020B0604020202020204" pitchFamily="34" charset="0"/>
+              <a:buChar char="•"/>
+            </a:pPr>
+            <a:r>
+              <a:rPr lang="en-US" dirty="0"/>
+              <a:t>Scratchy</a:t>
+            </a:r>
+          </a:p>
+          <a:p>
+            <a:pPr marL="285750" indent="-285750">
+              <a:buFont typeface="Arial" panose="020B0604020202020204" pitchFamily="34" charset="0"/>
+              <a:buChar char="•"/>
+            </a:pPr>
+            <a:r>
+              <a:rPr lang="en-US" dirty="0" err="1"/>
+              <a:t>Nasily</a:t>
+            </a:r>
+            <a:endParaRPr lang="en-US" dirty="0"/>
+          </a:p>
+          <a:p>
+            <a:pPr marL="285750" indent="-285750">
+              <a:buFont typeface="Arial" panose="020B0604020202020204" pitchFamily="34" charset="0"/>
+              <a:buChar char="•"/>
+            </a:pPr>
+            <a:r>
+              <a:rPr lang="en-US" dirty="0" err="1"/>
+              <a:t>Boomy</a:t>
+            </a:r>
+            <a:endParaRPr lang="en-US" dirty="0"/>
+          </a:p>
+          <a:p>
+            <a:pPr marL="285750" indent="-285750">
+              <a:buFont typeface="Arial" panose="020B0604020202020204" pitchFamily="34" charset="0"/>
+              <a:buChar char="•"/>
+            </a:pPr>
+            <a:r>
+              <a:rPr lang="en-US" dirty="0"/>
+              <a:t>Boxy</a:t>
+            </a:r>
+          </a:p>
+          <a:p>
+            <a:pPr marL="285750" indent="-285750">
+              <a:buFont typeface="Arial" panose="020B0604020202020204" pitchFamily="34" charset="0"/>
+              <a:buChar char="•"/>
+            </a:pPr>
+            <a:r>
+              <a:rPr lang="en-US" dirty="0"/>
+              <a:t>Tinny</a:t>
+            </a:r>
+          </a:p>
+          <a:p>
+            <a:pPr marL="285750" indent="-285750">
+              <a:buFont typeface="Arial" panose="020B0604020202020204" pitchFamily="34" charset="0"/>
+              <a:buChar char="•"/>
+            </a:pPr>
+            <a:r>
+              <a:rPr lang="en-US" dirty="0" err="1"/>
+              <a:t>Sillibent</a:t>
+            </a:r>
+            <a:endParaRPr lang="en-US" dirty="0"/>
+          </a:p>
+          <a:p>
+            <a:pPr marL="285750" indent="-285750">
+              <a:buFont typeface="Arial" panose="020B0604020202020204" pitchFamily="34" charset="0"/>
+              <a:buChar char="•"/>
+            </a:pPr>
+            <a:r>
+              <a:rPr lang="en-US" dirty="0"/>
+              <a:t>Brighten</a:t>
+            </a:r>
+          </a:p>
+          <a:p>
+            <a:pPr marL="285750" indent="-285750">
+              <a:buFont typeface="Arial" panose="020B0604020202020204" pitchFamily="34" charset="0"/>
+              <a:buChar char="•"/>
+            </a:pPr>
+            <a:r>
+              <a:rPr lang="en-US" dirty="0"/>
+              <a:t>Dull</a:t>
+            </a:r>
+          </a:p>
+          <a:p>
+            <a:pPr marL="285750" indent="-285750">
+              <a:buFont typeface="Arial" panose="020B0604020202020204" pitchFamily="34" charset="0"/>
+              <a:buChar char="•"/>
+            </a:pPr>
+            <a:r>
+              <a:rPr lang="en-US" dirty="0"/>
+              <a:t>Strident</a:t>
+            </a:r>
+          </a:p>
+          <a:p>
+            <a:pPr marL="285750" indent="-285750">
+              <a:buFont typeface="Arial" panose="020B0604020202020204" pitchFamily="34" charset="0"/>
+              <a:buChar char="•"/>
+            </a:pPr>
+            <a:r>
+              <a:rPr lang="en-US" dirty="0"/>
+              <a:t>Thin</a:t>
+            </a:r>
+          </a:p>
+          <a:p>
+            <a:pPr marL="285750" indent="-285750">
+              <a:buFont typeface="Arial" panose="020B0604020202020204" pitchFamily="34" charset="0"/>
+              <a:buChar char="•"/>
+            </a:pPr>
+            <a:r>
+              <a:rPr lang="en-US" dirty="0"/>
+              <a:t>Shrill</a:t>
+            </a:r>
+          </a:p>
+          <a:p>
+            <a:pPr marL="285750" indent="-285750">
+              <a:buFont typeface="Arial" panose="020B0604020202020204" pitchFamily="34" charset="0"/>
+              <a:buChar char="•"/>
+            </a:pPr>
+            <a:r>
+              <a:rPr lang="en-US" dirty="0"/>
+              <a:t>Breathy</a:t>
+            </a:r>
+          </a:p>
+          <a:p>
+            <a:pPr marL="285750" indent="-285750">
+              <a:buFont typeface="Arial" panose="020B0604020202020204" pitchFamily="34" charset="0"/>
+              <a:buChar char="•"/>
+            </a:pPr>
+            <a:r>
+              <a:rPr lang="en-US" dirty="0"/>
+              <a:t>Flat/Sharp</a:t>
+            </a:r>
+          </a:p>
+          <a:p>
+            <a:pPr marL="285750" indent="-285750">
+              <a:buFont typeface="Arial" panose="020B0604020202020204" pitchFamily="34" charset="0"/>
+              <a:buChar char="•"/>
+            </a:pPr>
+            <a:r>
+              <a:rPr lang="en-US" dirty="0"/>
+              <a:t>Reedy</a:t>
+            </a:r>
+          </a:p>
+          <a:p>
+            <a:pPr marL="285750" indent="-285750">
+              <a:buFont typeface="Arial" panose="020B0604020202020204" pitchFamily="34" charset="0"/>
+              <a:buChar char="•"/>
+            </a:pPr>
+            <a:r>
+              <a:rPr lang="en-US" dirty="0"/>
+              <a:t>Cold/Warm</a:t>
+            </a:r>
+          </a:p>
+          <a:p>
+            <a:pPr marL="285750" indent="-285750">
+              <a:buFont typeface="Arial" panose="020B0604020202020204" pitchFamily="34" charset="0"/>
+              <a:buChar char="•"/>
+            </a:pPr>
+            <a:r>
+              <a:rPr lang="en-US" dirty="0"/>
+              <a:t>Brassy</a:t>
+            </a:r>
+          </a:p>
+          <a:p>
+            <a:pPr marL="285750" indent="-285750">
+              <a:buFont typeface="Arial" panose="020B0604020202020204" pitchFamily="34" charset="0"/>
+              <a:buChar char="•"/>
+            </a:pPr>
+            <a:r>
+              <a:rPr lang="en-US" dirty="0"/>
+              <a:t>Muffled</a:t>
+            </a:r>
+          </a:p>
+          <a:p>
+            <a:pPr marL="285750" indent="-285750">
+              <a:buFont typeface="Arial" panose="020B0604020202020204" pitchFamily="34" charset="0"/>
+              <a:buChar char="•"/>
+            </a:pPr>
+            <a:r>
+              <a:rPr lang="en-US" dirty="0"/>
+              <a:t>Muddy</a:t>
+            </a:r>
+          </a:p>
+          <a:p>
+            <a:pPr marL="285750" indent="-285750">
+              <a:buFont typeface="Arial" panose="020B0604020202020204" pitchFamily="34" charset="0"/>
+              <a:buChar char="•"/>
+            </a:pPr>
+            <a:r>
+              <a:rPr lang="en-US" dirty="0"/>
+              <a:t>Harsh</a:t>
+            </a:r>
+          </a:p>
+          <a:p>
+            <a:pPr marL="285750" indent="-285750">
+              <a:buFont typeface="Arial" panose="020B0604020202020204" pitchFamily="34" charset="0"/>
+              <a:buChar char="•"/>
+            </a:pPr>
+            <a:r>
+              <a:rPr lang="en-US" dirty="0"/>
+              <a:t>Buzzy</a:t>
+            </a:r>
+          </a:p>
+          <a:p>
+            <a:pPr marL="285750" indent="-285750">
+              <a:buFont typeface="Arial" panose="020B0604020202020204" pitchFamily="34" charset="0"/>
+              <a:buChar char="•"/>
+            </a:pPr>
+            <a:r>
+              <a:rPr lang="en-US" dirty="0"/>
+              <a:t>Plosive</a:t>
+            </a:r>
+          </a:p>
+          <a:p>
+            <a:pPr marL="285750" indent="-285750">
+              <a:buFont typeface="Arial" panose="020B0604020202020204" pitchFamily="34" charset="0"/>
+              <a:buChar char="•"/>
+            </a:pPr>
+            <a:r>
+              <a:rPr lang="en-US" dirty="0"/>
+              <a:t>Sibilants </a:t>
+            </a:r>
+          </a:p>
+          <a:p>
+            <a:pPr marL="285750" indent="-285750">
+              <a:buFont typeface="Arial" panose="020B0604020202020204" pitchFamily="34" charset="0"/>
+              <a:buChar char="•"/>
+            </a:pPr>
+            <a:endParaRPr lang="en-US" dirty="0"/>
+          </a:p>
+          <a:p>
+            <a:pPr marL="285750" indent="-285750">
+              <a:buFont typeface="Arial" panose="020B0604020202020204" pitchFamily="34" charset="0"/>
+              <a:buChar char="•"/>
+            </a:pPr>
+            <a:endParaRPr lang="en-US" dirty="0"/>
+          </a:p>
+          <a:p>
+            <a:endParaRPr lang="en-US" dirty="0"/>
+          </a:p>
+        </p:txBody>
+      </p:sp>
+    </p:spTree>
+    <p:extLst>
+      <p:ext uri="{BB962C8B-B14F-4D97-AF65-F5344CB8AC3E}">
+        <p14:creationId xmlns:p14="http://schemas.microsoft.com/office/powerpoint/2010/main" val="501224667"/>
+      </p:ext>
+    </p:extLst>
+  </p:cSld>
+  <p:clrMapOvr>
+    <a:masterClrMapping/>
+  </p:clrMapOvr>
+</p:sld>
+</file>
+
+<file path=ppt/slides/slide7.xml><?xml version="1.0" encoding="utf-8"?>
+<p:sld xmlns:a="http://schemas.openxmlformats.org/drawingml/2006/main" xmlns:r="http://schemas.openxmlformats.org/officeDocument/2006/relationships" xmlns:p="http://schemas.openxmlformats.org/presentationml/2006/main">
+  <p:cSld>
+    <p:spTree>
+      <p:nvGrpSpPr>
+        <p:cNvPr id="1" name=""/>
+        <p:cNvGrpSpPr/>
+        <p:nvPr/>
+      </p:nvGrpSpPr>
+      <p:grpSpPr>
+        <a:xfrm>
+          <a:off x="0" y="0"/>
+          <a:ext cx="0" cy="0"/>
+          <a:chOff x="0" y="0"/>
+          <a:chExt cx="0" cy="0"/>
+        </a:xfrm>
+      </p:grpSpPr>
+      <p:sp>
+        <p:nvSpPr>
+          <p:cNvPr id="2" name="Rectangle 1">
+            <a:extLst>
+              <a:ext uri="{FF2B5EF4-FFF2-40B4-BE49-F238E27FC236}">
+                <a16:creationId xmlns:a16="http://schemas.microsoft.com/office/drawing/2014/main" id="{9E32AC6E-B01C-487E-813E-8FF4F5167EAE}"/>
+              </a:ext>
+            </a:extLst>
+          </p:cNvPr>
+          <p:cNvSpPr/>
+          <p:nvPr/>
+        </p:nvSpPr>
+        <p:spPr>
+          <a:xfrm>
+            <a:off x="3618523" y="819499"/>
+            <a:ext cx="1459801" cy="2313354"/>
+          </a:xfrm>
+          <a:prstGeom prst="rect">
+            <a:avLst/>
+          </a:prstGeom>
+        </p:spPr>
+        <p:style>
+          <a:lnRef idx="2">
+            <a:schemeClr val="accent1">
+              <a:shade val="50000"/>
+            </a:schemeClr>
+          </a:lnRef>
+          <a:fillRef idx="1">
+            <a:schemeClr val="accent1"/>
+          </a:fillRef>
+          <a:effectRef idx="0">
+            <a:schemeClr val="accent1"/>
+          </a:effectRef>
+          <a:fontRef idx="minor">
+            <a:schemeClr val="lt1"/>
+          </a:fontRef>
+        </p:style>
+        <p:txBody>
+          <a:bodyPr rtlCol="0" anchor="ctr"/>
+          <a:lstStyle/>
+          <a:p>
+            <a:pPr algn="ctr"/>
+            <a:r>
+              <a:rPr lang="en-US" dirty="0"/>
+              <a:t>Comment</a:t>
+            </a:r>
+          </a:p>
+        </p:txBody>
+      </p:sp>
+      <p:sp>
+        <p:nvSpPr>
+          <p:cNvPr id="4" name="Rectangle 3">
+            <a:extLst>
+              <a:ext uri="{FF2B5EF4-FFF2-40B4-BE49-F238E27FC236}">
+                <a16:creationId xmlns:a16="http://schemas.microsoft.com/office/drawing/2014/main" id="{D4B649B1-3E20-440B-BF08-403EB312A649}"/>
+              </a:ext>
+            </a:extLst>
+          </p:cNvPr>
+          <p:cNvSpPr/>
+          <p:nvPr/>
+        </p:nvSpPr>
+        <p:spPr>
+          <a:xfrm>
+            <a:off x="5078325" y="831222"/>
+            <a:ext cx="1541306" cy="2313354"/>
+          </a:xfrm>
+          <a:prstGeom prst="rect">
+            <a:avLst/>
+          </a:prstGeom>
+        </p:spPr>
+        <p:style>
+          <a:lnRef idx="1">
+            <a:schemeClr val="accent6"/>
+          </a:lnRef>
+          <a:fillRef idx="2">
+            <a:schemeClr val="accent6"/>
+          </a:fillRef>
+          <a:effectRef idx="1">
+            <a:schemeClr val="accent6"/>
+          </a:effectRef>
+          <a:fontRef idx="minor">
+            <a:schemeClr val="dk1"/>
+          </a:fontRef>
+        </p:style>
+        <p:txBody>
+          <a:bodyPr rtlCol="0" anchor="ctr"/>
+          <a:lstStyle/>
+          <a:p>
+            <a:pPr algn="ctr"/>
+            <a:r>
+              <a:rPr lang="en-US" dirty="0"/>
+              <a:t>Level</a:t>
+            </a:r>
+          </a:p>
+        </p:txBody>
+      </p:sp>
+      <p:sp>
+        <p:nvSpPr>
+          <p:cNvPr id="5" name="Rectangle 4">
+            <a:extLst>
+              <a:ext uri="{FF2B5EF4-FFF2-40B4-BE49-F238E27FC236}">
+                <a16:creationId xmlns:a16="http://schemas.microsoft.com/office/drawing/2014/main" id="{ABCADC8B-FA5E-4B6B-81CE-83902C9323EC}"/>
+              </a:ext>
+            </a:extLst>
+          </p:cNvPr>
+          <p:cNvSpPr/>
+          <p:nvPr/>
+        </p:nvSpPr>
+        <p:spPr>
+          <a:xfrm>
+            <a:off x="3598147" y="4810648"/>
+            <a:ext cx="3001107" cy="508000"/>
+          </a:xfrm>
+          <a:prstGeom prst="rect">
+            <a:avLst/>
+          </a:prstGeom>
+        </p:spPr>
+        <p:style>
+          <a:lnRef idx="2">
+            <a:schemeClr val="dk1"/>
+          </a:lnRef>
+          <a:fillRef idx="1">
+            <a:schemeClr val="lt1"/>
+          </a:fillRef>
+          <a:effectRef idx="0">
+            <a:schemeClr val="dk1"/>
+          </a:effectRef>
+          <a:fontRef idx="minor">
+            <a:schemeClr val="dk1"/>
+          </a:fontRef>
+        </p:style>
+        <p:txBody>
+          <a:bodyPr rtlCol="0" anchor="ctr"/>
+          <a:lstStyle/>
+          <a:p>
+            <a:r>
+              <a:rPr lang="en-US" dirty="0"/>
+              <a:t>???</a:t>
+            </a:r>
+          </a:p>
+        </p:txBody>
+      </p:sp>
+      <p:sp>
+        <p:nvSpPr>
+          <p:cNvPr id="6" name="Rectangle 5">
+            <a:extLst>
+              <a:ext uri="{FF2B5EF4-FFF2-40B4-BE49-F238E27FC236}">
+                <a16:creationId xmlns:a16="http://schemas.microsoft.com/office/drawing/2014/main" id="{241D24B5-4222-43D7-9EFF-11074A959EF0}"/>
+              </a:ext>
+            </a:extLst>
+          </p:cNvPr>
+          <p:cNvSpPr/>
+          <p:nvPr/>
+        </p:nvSpPr>
+        <p:spPr>
+          <a:xfrm>
+            <a:off x="3598147" y="5318648"/>
+            <a:ext cx="3001107" cy="1123461"/>
+          </a:xfrm>
+          <a:prstGeom prst="rect">
+            <a:avLst/>
+          </a:prstGeom>
+        </p:spPr>
+        <p:style>
+          <a:lnRef idx="1">
+            <a:schemeClr val="accent3"/>
+          </a:lnRef>
+          <a:fillRef idx="2">
+            <a:schemeClr val="accent3"/>
+          </a:fillRef>
+          <a:effectRef idx="1">
+            <a:schemeClr val="accent3"/>
+          </a:effectRef>
+          <a:fontRef idx="minor">
+            <a:schemeClr val="dk1"/>
+          </a:fontRef>
+        </p:style>
+        <p:txBody>
+          <a:bodyPr rtlCol="0" anchor="ctr"/>
+          <a:lstStyle/>
+          <a:p>
+            <a:r>
+              <a:rPr lang="en-US" dirty="0"/>
+              <a:t>Shrill in Chorus</a:t>
+            </a:r>
+          </a:p>
+          <a:p>
+            <a:r>
+              <a:rPr lang="en-US" dirty="0"/>
+              <a:t>Pitchy in Bridge</a:t>
+            </a:r>
+          </a:p>
+          <a:p>
+            <a:r>
+              <a:rPr lang="en-US" dirty="0"/>
+              <a:t>Volume +2</a:t>
+            </a:r>
+          </a:p>
+          <a:p>
+            <a:r>
+              <a:rPr lang="en-US" dirty="0"/>
+              <a:t>Reverb -1</a:t>
+            </a:r>
+          </a:p>
+        </p:txBody>
+      </p:sp>
+      <p:sp>
+        <p:nvSpPr>
+          <p:cNvPr id="7" name="Rectangle 6">
+            <a:extLst>
+              <a:ext uri="{FF2B5EF4-FFF2-40B4-BE49-F238E27FC236}">
+                <a16:creationId xmlns:a16="http://schemas.microsoft.com/office/drawing/2014/main" id="{5D701381-5A80-476B-AA46-36055C1DCBE1}"/>
+              </a:ext>
+            </a:extLst>
+          </p:cNvPr>
+          <p:cNvSpPr/>
+          <p:nvPr/>
+        </p:nvSpPr>
+        <p:spPr>
+          <a:xfrm>
+            <a:off x="3577771" y="3122524"/>
+            <a:ext cx="3001107" cy="1688124"/>
+          </a:xfrm>
+          <a:prstGeom prst="rect">
+            <a:avLst/>
+          </a:prstGeom>
+        </p:spPr>
+        <p:style>
+          <a:lnRef idx="1">
+            <a:schemeClr val="dk1"/>
+          </a:lnRef>
+          <a:fillRef idx="2">
+            <a:schemeClr val="dk1"/>
+          </a:fillRef>
+          <a:effectRef idx="1">
+            <a:schemeClr val="dk1"/>
+          </a:effectRef>
+          <a:fontRef idx="minor">
+            <a:schemeClr val="dk1"/>
+          </a:fontRef>
+        </p:style>
+        <p:txBody>
+          <a:bodyPr rtlCol="0" anchor="ctr"/>
+          <a:lstStyle/>
+          <a:p>
+            <a:pPr algn="ctr"/>
+            <a:endParaRPr lang="en-US"/>
+          </a:p>
+        </p:txBody>
+      </p:sp>
+      <p:sp>
+        <p:nvSpPr>
+          <p:cNvPr id="8" name="Rectangle: Rounded Corners 7">
+            <a:extLst>
+              <a:ext uri="{FF2B5EF4-FFF2-40B4-BE49-F238E27FC236}">
+                <a16:creationId xmlns:a16="http://schemas.microsoft.com/office/drawing/2014/main" id="{E57EA9CE-12F7-428D-BFE4-EF0E811A7F4A}"/>
+              </a:ext>
+            </a:extLst>
+          </p:cNvPr>
+          <p:cNvSpPr/>
+          <p:nvPr/>
+        </p:nvSpPr>
+        <p:spPr>
+          <a:xfrm>
+            <a:off x="3655924" y="3239756"/>
+            <a:ext cx="1031631" cy="429846"/>
+          </a:xfrm>
+          <a:prstGeom prst="roundRect">
+            <a:avLst/>
+          </a:prstGeom>
+          <a:solidFill>
+            <a:schemeClr val="accent2">
+              <a:lumMod val="75000"/>
+            </a:schemeClr>
+          </a:solidFill>
+        </p:spPr>
+        <p:style>
+          <a:lnRef idx="2">
+            <a:schemeClr val="accent1">
+              <a:shade val="50000"/>
+            </a:schemeClr>
+          </a:lnRef>
+          <a:fillRef idx="1">
+            <a:schemeClr val="accent1"/>
+          </a:fillRef>
+          <a:effectRef idx="0">
+            <a:schemeClr val="accent1"/>
+          </a:effectRef>
+          <a:fontRef idx="minor">
+            <a:schemeClr val="lt1"/>
+          </a:fontRef>
+        </p:style>
+        <p:txBody>
+          <a:bodyPr rtlCol="0" anchor="ctr"/>
+          <a:lstStyle/>
+          <a:p>
+            <a:pPr algn="ctr"/>
+            <a:r>
+              <a:rPr lang="en-US" dirty="0"/>
+              <a:t>Verse</a:t>
+            </a:r>
+          </a:p>
+        </p:txBody>
+      </p:sp>
+      <p:sp>
+        <p:nvSpPr>
+          <p:cNvPr id="9" name="Rectangle: Rounded Corners 8">
+            <a:extLst>
+              <a:ext uri="{FF2B5EF4-FFF2-40B4-BE49-F238E27FC236}">
+                <a16:creationId xmlns:a16="http://schemas.microsoft.com/office/drawing/2014/main" id="{FAB930D5-84E9-463F-82EA-575E81C68666}"/>
+              </a:ext>
+            </a:extLst>
+          </p:cNvPr>
+          <p:cNvSpPr/>
+          <p:nvPr/>
+        </p:nvSpPr>
+        <p:spPr>
+          <a:xfrm>
+            <a:off x="3655924" y="3720403"/>
+            <a:ext cx="1031631" cy="429846"/>
+          </a:xfrm>
+          <a:prstGeom prst="roundRect">
+            <a:avLst/>
+          </a:prstGeom>
+          <a:solidFill>
+            <a:schemeClr val="accent2">
+              <a:lumMod val="75000"/>
+            </a:schemeClr>
+          </a:solidFill>
+        </p:spPr>
+        <p:style>
+          <a:lnRef idx="2">
+            <a:schemeClr val="accent1">
+              <a:shade val="50000"/>
+            </a:schemeClr>
+          </a:lnRef>
+          <a:fillRef idx="1">
+            <a:schemeClr val="accent1"/>
+          </a:fillRef>
+          <a:effectRef idx="0">
+            <a:schemeClr val="accent1"/>
+          </a:effectRef>
+          <a:fontRef idx="minor">
+            <a:schemeClr val="lt1"/>
+          </a:fontRef>
+        </p:style>
+        <p:txBody>
+          <a:bodyPr rtlCol="0" anchor="ctr"/>
+          <a:lstStyle/>
+          <a:p>
+            <a:pPr algn="ctr"/>
+            <a:r>
+              <a:rPr lang="en-US" dirty="0"/>
+              <a:t>Chorus</a:t>
+            </a:r>
+          </a:p>
+        </p:txBody>
+      </p:sp>
+      <p:sp>
+        <p:nvSpPr>
+          <p:cNvPr id="10" name="Rectangle: Rounded Corners 9">
+            <a:extLst>
+              <a:ext uri="{FF2B5EF4-FFF2-40B4-BE49-F238E27FC236}">
+                <a16:creationId xmlns:a16="http://schemas.microsoft.com/office/drawing/2014/main" id="{B972085F-B40E-4697-B676-24CA6C437349}"/>
+              </a:ext>
+            </a:extLst>
+          </p:cNvPr>
+          <p:cNvSpPr/>
+          <p:nvPr/>
+        </p:nvSpPr>
+        <p:spPr>
+          <a:xfrm>
+            <a:off x="4773524" y="3257341"/>
+            <a:ext cx="1031631" cy="429846"/>
+          </a:xfrm>
+          <a:prstGeom prst="roundRect">
+            <a:avLst/>
+          </a:prstGeom>
+          <a:solidFill>
+            <a:schemeClr val="accent2">
+              <a:lumMod val="75000"/>
+            </a:schemeClr>
+          </a:solidFill>
+        </p:spPr>
+        <p:style>
+          <a:lnRef idx="2">
+            <a:schemeClr val="accent1">
+              <a:shade val="50000"/>
+            </a:schemeClr>
+          </a:lnRef>
+          <a:fillRef idx="1">
+            <a:schemeClr val="accent1"/>
+          </a:fillRef>
+          <a:effectRef idx="0">
+            <a:schemeClr val="accent1"/>
+          </a:effectRef>
+          <a:fontRef idx="minor">
+            <a:schemeClr val="lt1"/>
+          </a:fontRef>
+        </p:style>
+        <p:txBody>
+          <a:bodyPr rtlCol="0" anchor="ctr"/>
+          <a:lstStyle/>
+          <a:p>
+            <a:pPr algn="ctr"/>
+            <a:r>
+              <a:rPr lang="en-US" dirty="0"/>
+              <a:t>Bridge</a:t>
+            </a:r>
+          </a:p>
+        </p:txBody>
+      </p:sp>
+      <p:sp>
+        <p:nvSpPr>
+          <p:cNvPr id="11" name="Rectangle: Rounded Corners 10">
+            <a:extLst>
+              <a:ext uri="{FF2B5EF4-FFF2-40B4-BE49-F238E27FC236}">
+                <a16:creationId xmlns:a16="http://schemas.microsoft.com/office/drawing/2014/main" id="{6E4371DF-ED43-4BDC-B88B-91941D16769A}"/>
+              </a:ext>
+            </a:extLst>
+          </p:cNvPr>
+          <p:cNvSpPr/>
+          <p:nvPr/>
+        </p:nvSpPr>
+        <p:spPr>
+          <a:xfrm>
+            <a:off x="4773523" y="3712585"/>
+            <a:ext cx="1031631" cy="429846"/>
+          </a:xfrm>
+          <a:prstGeom prst="roundRect">
+            <a:avLst/>
+          </a:prstGeom>
+          <a:solidFill>
+            <a:schemeClr val="accent2">
+              <a:lumMod val="75000"/>
+            </a:schemeClr>
+          </a:solidFill>
+        </p:spPr>
+        <p:style>
+          <a:lnRef idx="2">
+            <a:schemeClr val="accent1">
+              <a:shade val="50000"/>
+            </a:schemeClr>
+          </a:lnRef>
+          <a:fillRef idx="1">
+            <a:schemeClr val="accent1"/>
+          </a:fillRef>
+          <a:effectRef idx="0">
+            <a:schemeClr val="accent1"/>
+          </a:effectRef>
+          <a:fontRef idx="minor">
+            <a:schemeClr val="lt1"/>
+          </a:fontRef>
+        </p:style>
+        <p:txBody>
+          <a:bodyPr rtlCol="0" anchor="ctr"/>
+          <a:lstStyle/>
+          <a:p>
+            <a:pPr algn="ctr"/>
+            <a:r>
+              <a:rPr lang="en-US" dirty="0"/>
+              <a:t>All</a:t>
+            </a:r>
+          </a:p>
+        </p:txBody>
+      </p:sp>
+    </p:spTree>
+    <p:extLst>
+      <p:ext uri="{BB962C8B-B14F-4D97-AF65-F5344CB8AC3E}">
+        <p14:creationId xmlns:p14="http://schemas.microsoft.com/office/powerpoint/2010/main" val="4061322405"/>
+      </p:ext>
+    </p:extLst>
+  </p:cSld>
+  <p:clrMapOvr>
+    <a:masterClrMapping/>
+  </p:clrMapOvr>
+</p:sld>
+</file>
+
+<file path=ppt/slides/slide8.xml><?xml version="1.0" encoding="utf-8"?>
+<p:sld xmlns:a="http://schemas.openxmlformats.org/drawingml/2006/main" xmlns:r="http://schemas.openxmlformats.org/officeDocument/2006/relationships" xmlns:p="http://schemas.openxmlformats.org/presentationml/2006/main">
+  <p:cSld>
+    <p:spTree>
+      <p:nvGrpSpPr>
+        <p:cNvPr id="1" name=""/>
+        <p:cNvGrpSpPr/>
+        <p:nvPr/>
+      </p:nvGrpSpPr>
+      <p:grpSpPr>
+        <a:xfrm>
+          <a:off x="0" y="0"/>
+          <a:ext cx="0" cy="0"/>
+          <a:chOff x="0" y="0"/>
+          <a:chExt cx="0" cy="0"/>
+        </a:xfrm>
+      </p:grpSpPr>
+      <p:sp>
+        <p:nvSpPr>
+          <p:cNvPr id="2" name="Rectangle 1">
+            <a:extLst>
+              <a:ext uri="{FF2B5EF4-FFF2-40B4-BE49-F238E27FC236}">
+                <a16:creationId xmlns:a16="http://schemas.microsoft.com/office/drawing/2014/main" id="{85189C0A-B3B4-4122-80C2-9B816CD981A4}"/>
+              </a:ext>
+            </a:extLst>
+          </p:cNvPr>
+          <p:cNvSpPr/>
+          <p:nvPr/>
+        </p:nvSpPr>
+        <p:spPr>
+          <a:xfrm>
+            <a:off x="2962031" y="1445846"/>
+            <a:ext cx="3001107" cy="2078892"/>
+          </a:xfrm>
+          <a:prstGeom prst="rect">
+            <a:avLst/>
+          </a:prstGeom>
+        </p:spPr>
+        <p:style>
+          <a:lnRef idx="2">
+            <a:schemeClr val="accent6">
+              <a:shade val="50000"/>
+            </a:schemeClr>
+          </a:lnRef>
+          <a:fillRef idx="1">
+            <a:schemeClr val="accent6"/>
+          </a:fillRef>
+          <a:effectRef idx="0">
+            <a:schemeClr val="accent6"/>
+          </a:effectRef>
+          <a:fontRef idx="minor">
+            <a:schemeClr val="lt1"/>
+          </a:fontRef>
+        </p:style>
+        <p:txBody>
+          <a:bodyPr rtlCol="0" anchor="ctr"/>
+          <a:lstStyle/>
+          <a:p>
+            <a:pPr algn="ctr"/>
+            <a:endParaRPr lang="en-US"/>
+          </a:p>
+        </p:txBody>
+      </p:sp>
+      <p:sp>
+        <p:nvSpPr>
+          <p:cNvPr id="3" name="Rectangle 2">
+            <a:extLst>
+              <a:ext uri="{FF2B5EF4-FFF2-40B4-BE49-F238E27FC236}">
+                <a16:creationId xmlns:a16="http://schemas.microsoft.com/office/drawing/2014/main" id="{FC6F9BE0-A563-4219-BCE4-3ADF9485092F}"/>
+              </a:ext>
+            </a:extLst>
+          </p:cNvPr>
+          <p:cNvSpPr/>
+          <p:nvPr/>
+        </p:nvSpPr>
+        <p:spPr>
+          <a:xfrm>
+            <a:off x="2962031" y="3524738"/>
+            <a:ext cx="3001107" cy="1688124"/>
+          </a:xfrm>
+          <a:prstGeom prst="rect">
+            <a:avLst/>
+          </a:prstGeom>
+        </p:spPr>
+        <p:style>
+          <a:lnRef idx="1">
+            <a:schemeClr val="dk1"/>
+          </a:lnRef>
+          <a:fillRef idx="2">
+            <a:schemeClr val="dk1"/>
+          </a:fillRef>
+          <a:effectRef idx="1">
+            <a:schemeClr val="dk1"/>
+          </a:effectRef>
+          <a:fontRef idx="minor">
+            <a:schemeClr val="dk1"/>
+          </a:fontRef>
+        </p:style>
+        <p:txBody>
+          <a:bodyPr rtlCol="0" anchor="ctr"/>
+          <a:lstStyle/>
+          <a:p>
+            <a:pPr algn="ctr"/>
+            <a:endParaRPr lang="en-US"/>
+          </a:p>
+        </p:txBody>
+      </p:sp>
+      <p:sp>
+        <p:nvSpPr>
+          <p:cNvPr id="4" name="Rectangle 3">
+            <a:extLst>
+              <a:ext uri="{FF2B5EF4-FFF2-40B4-BE49-F238E27FC236}">
+                <a16:creationId xmlns:a16="http://schemas.microsoft.com/office/drawing/2014/main" id="{2E81B1EF-E513-4E17-B267-144359813112}"/>
+              </a:ext>
+            </a:extLst>
+          </p:cNvPr>
+          <p:cNvSpPr/>
+          <p:nvPr/>
+        </p:nvSpPr>
+        <p:spPr>
+          <a:xfrm>
+            <a:off x="3040184" y="1563078"/>
+            <a:ext cx="1633416" cy="429846"/>
+          </a:xfrm>
+          <a:prstGeom prst="rect">
+            <a:avLst/>
+          </a:prstGeom>
+          <a:solidFill>
+            <a:schemeClr val="accent1">
+              <a:lumMod val="75000"/>
+            </a:schemeClr>
+          </a:solidFill>
+        </p:spPr>
+        <p:style>
+          <a:lnRef idx="0">
+            <a:schemeClr val="accent1"/>
+          </a:lnRef>
+          <a:fillRef idx="3">
+            <a:schemeClr val="accent1"/>
+          </a:fillRef>
+          <a:effectRef idx="3">
+            <a:schemeClr val="accent1"/>
+          </a:effectRef>
+          <a:fontRef idx="minor">
+            <a:schemeClr val="lt1"/>
+          </a:fontRef>
+        </p:style>
+        <p:txBody>
+          <a:bodyPr rtlCol="0" anchor="ctr"/>
+          <a:lstStyle/>
+          <a:p>
+            <a:pPr algn="ctr"/>
+            <a:r>
+              <a:rPr lang="en-US" dirty="0" err="1"/>
+              <a:t>Boomy</a:t>
+            </a:r>
+            <a:endParaRPr lang="en-US" dirty="0"/>
+          </a:p>
+        </p:txBody>
+      </p:sp>
+      <p:sp>
+        <p:nvSpPr>
+          <p:cNvPr id="5" name="Rectangle 4">
+            <a:extLst>
+              <a:ext uri="{FF2B5EF4-FFF2-40B4-BE49-F238E27FC236}">
+                <a16:creationId xmlns:a16="http://schemas.microsoft.com/office/drawing/2014/main" id="{C7647B74-36D4-432B-80F9-E3A926156263}"/>
+              </a:ext>
+            </a:extLst>
+          </p:cNvPr>
+          <p:cNvSpPr/>
+          <p:nvPr/>
+        </p:nvSpPr>
+        <p:spPr>
+          <a:xfrm>
+            <a:off x="3040184" y="2074985"/>
+            <a:ext cx="1633416" cy="429846"/>
+          </a:xfrm>
+          <a:prstGeom prst="rect">
+            <a:avLst/>
+          </a:prstGeom>
+          <a:solidFill>
+            <a:schemeClr val="accent1">
+              <a:lumMod val="75000"/>
+            </a:schemeClr>
+          </a:solidFill>
+        </p:spPr>
+        <p:style>
+          <a:lnRef idx="0">
+            <a:schemeClr val="accent1"/>
+          </a:lnRef>
+          <a:fillRef idx="3">
+            <a:schemeClr val="accent1"/>
+          </a:fillRef>
+          <a:effectRef idx="3">
+            <a:schemeClr val="accent1"/>
+          </a:effectRef>
+          <a:fontRef idx="minor">
+            <a:schemeClr val="lt1"/>
+          </a:fontRef>
+        </p:style>
+        <p:txBody>
+          <a:bodyPr rtlCol="0" anchor="ctr"/>
+          <a:lstStyle/>
+          <a:p>
+            <a:pPr algn="ctr"/>
+            <a:r>
+              <a:rPr lang="en-US" dirty="0"/>
+              <a:t>Thin</a:t>
+            </a:r>
+          </a:p>
+        </p:txBody>
+      </p:sp>
+      <p:sp>
+        <p:nvSpPr>
+          <p:cNvPr id="6" name="Rectangle 5">
+            <a:extLst>
+              <a:ext uri="{FF2B5EF4-FFF2-40B4-BE49-F238E27FC236}">
+                <a16:creationId xmlns:a16="http://schemas.microsoft.com/office/drawing/2014/main" id="{8623FFD6-06C2-48B3-B7F6-167A479D3DB4}"/>
+              </a:ext>
+            </a:extLst>
+          </p:cNvPr>
+          <p:cNvSpPr/>
+          <p:nvPr/>
+        </p:nvSpPr>
+        <p:spPr>
+          <a:xfrm>
+            <a:off x="3040184" y="2586892"/>
+            <a:ext cx="1633416" cy="429846"/>
+          </a:xfrm>
+          <a:prstGeom prst="rect">
+            <a:avLst/>
+          </a:prstGeom>
+          <a:solidFill>
+            <a:schemeClr val="accent1">
+              <a:lumMod val="75000"/>
+            </a:schemeClr>
+          </a:solidFill>
+        </p:spPr>
+        <p:style>
+          <a:lnRef idx="0">
+            <a:schemeClr val="accent1"/>
+          </a:lnRef>
+          <a:fillRef idx="3">
+            <a:schemeClr val="accent1"/>
+          </a:fillRef>
+          <a:effectRef idx="3">
+            <a:schemeClr val="accent1"/>
+          </a:effectRef>
+          <a:fontRef idx="minor">
+            <a:schemeClr val="lt1"/>
+          </a:fontRef>
+        </p:style>
+        <p:txBody>
+          <a:bodyPr rtlCol="0" anchor="ctr"/>
+          <a:lstStyle/>
+          <a:p>
+            <a:pPr algn="ctr"/>
+            <a:r>
+              <a:rPr lang="en-US" dirty="0"/>
+              <a:t>Shrill</a:t>
+            </a:r>
+          </a:p>
+        </p:txBody>
+      </p:sp>
+      <p:sp>
+        <p:nvSpPr>
+          <p:cNvPr id="7" name="Rectangle 6">
+            <a:extLst>
+              <a:ext uri="{FF2B5EF4-FFF2-40B4-BE49-F238E27FC236}">
+                <a16:creationId xmlns:a16="http://schemas.microsoft.com/office/drawing/2014/main" id="{A558A564-C44F-4023-8E10-1B33AE10B22F}"/>
+              </a:ext>
+            </a:extLst>
+          </p:cNvPr>
+          <p:cNvSpPr/>
+          <p:nvPr/>
+        </p:nvSpPr>
+        <p:spPr>
+          <a:xfrm>
+            <a:off x="2962031" y="1062892"/>
+            <a:ext cx="3001107" cy="382954"/>
+          </a:xfrm>
+          <a:prstGeom prst="rect">
+            <a:avLst/>
+          </a:prstGeom>
+        </p:spPr>
+        <p:style>
+          <a:lnRef idx="0">
+            <a:schemeClr val="accent4"/>
+          </a:lnRef>
+          <a:fillRef idx="3">
+            <a:schemeClr val="accent4"/>
+          </a:fillRef>
+          <a:effectRef idx="3">
+            <a:schemeClr val="accent4"/>
+          </a:effectRef>
+          <a:fontRef idx="minor">
+            <a:schemeClr val="lt1"/>
+          </a:fontRef>
+        </p:style>
+        <p:txBody>
+          <a:bodyPr rtlCol="0" anchor="ctr"/>
+          <a:lstStyle/>
+          <a:p>
+            <a:pPr algn="ctr"/>
+            <a:r>
+              <a:rPr lang="en-US" dirty="0">
+                <a:solidFill>
+                  <a:schemeClr val="tx1"/>
+                </a:solidFill>
+              </a:rPr>
+              <a:t>Lead </a:t>
+            </a:r>
+            <a:r>
+              <a:rPr lang="en-US" dirty="0" err="1">
+                <a:solidFill>
+                  <a:schemeClr val="tx1"/>
+                </a:solidFill>
+              </a:rPr>
+              <a:t>Gtr</a:t>
+            </a:r>
+            <a:endParaRPr lang="en-US" dirty="0">
+              <a:solidFill>
+                <a:schemeClr val="tx1"/>
+              </a:solidFill>
+            </a:endParaRPr>
+          </a:p>
+        </p:txBody>
+      </p:sp>
+      <p:sp>
+        <p:nvSpPr>
+          <p:cNvPr id="8" name="Rectangle: Rounded Corners 7">
+            <a:extLst>
+              <a:ext uri="{FF2B5EF4-FFF2-40B4-BE49-F238E27FC236}">
+                <a16:creationId xmlns:a16="http://schemas.microsoft.com/office/drawing/2014/main" id="{17A53691-A66D-4983-8E72-5A27634A3C6A}"/>
+              </a:ext>
+            </a:extLst>
+          </p:cNvPr>
+          <p:cNvSpPr/>
+          <p:nvPr/>
+        </p:nvSpPr>
+        <p:spPr>
+          <a:xfrm>
+            <a:off x="3040184" y="3641970"/>
+            <a:ext cx="1031631" cy="429846"/>
+          </a:xfrm>
+          <a:prstGeom prst="roundRect">
+            <a:avLst/>
+          </a:prstGeom>
+          <a:solidFill>
+            <a:schemeClr val="accent2">
+              <a:lumMod val="75000"/>
+            </a:schemeClr>
+          </a:solidFill>
+        </p:spPr>
+        <p:style>
+          <a:lnRef idx="2">
+            <a:schemeClr val="accent1">
+              <a:shade val="50000"/>
+            </a:schemeClr>
+          </a:lnRef>
+          <a:fillRef idx="1">
+            <a:schemeClr val="accent1"/>
+          </a:fillRef>
+          <a:effectRef idx="0">
+            <a:schemeClr val="accent1"/>
+          </a:effectRef>
+          <a:fontRef idx="minor">
+            <a:schemeClr val="lt1"/>
+          </a:fontRef>
+        </p:style>
+        <p:txBody>
+          <a:bodyPr rtlCol="0" anchor="ctr"/>
+          <a:lstStyle/>
+          <a:p>
+            <a:pPr algn="ctr"/>
+            <a:r>
+              <a:rPr lang="en-US" dirty="0"/>
+              <a:t>Verse</a:t>
+            </a:r>
+          </a:p>
+        </p:txBody>
+      </p:sp>
+      <p:sp>
+        <p:nvSpPr>
+          <p:cNvPr id="9" name="Rectangle: Rounded Corners 8">
+            <a:extLst>
+              <a:ext uri="{FF2B5EF4-FFF2-40B4-BE49-F238E27FC236}">
+                <a16:creationId xmlns:a16="http://schemas.microsoft.com/office/drawing/2014/main" id="{3AC27A24-174E-413F-8A5F-813D775442B7}"/>
+              </a:ext>
+            </a:extLst>
+          </p:cNvPr>
+          <p:cNvSpPr/>
+          <p:nvPr/>
+        </p:nvSpPr>
+        <p:spPr>
+          <a:xfrm>
+            <a:off x="3040184" y="4122617"/>
+            <a:ext cx="1031631" cy="429846"/>
+          </a:xfrm>
+          <a:prstGeom prst="roundRect">
+            <a:avLst/>
+          </a:prstGeom>
+          <a:solidFill>
+            <a:schemeClr val="accent2">
+              <a:lumMod val="75000"/>
+            </a:schemeClr>
+          </a:solidFill>
+        </p:spPr>
+        <p:style>
+          <a:lnRef idx="2">
+            <a:schemeClr val="accent1">
+              <a:shade val="50000"/>
+            </a:schemeClr>
+          </a:lnRef>
+          <a:fillRef idx="1">
+            <a:schemeClr val="accent1"/>
+          </a:fillRef>
+          <a:effectRef idx="0">
+            <a:schemeClr val="accent1"/>
+          </a:effectRef>
+          <a:fontRef idx="minor">
+            <a:schemeClr val="lt1"/>
+          </a:fontRef>
+        </p:style>
+        <p:txBody>
+          <a:bodyPr rtlCol="0" anchor="ctr"/>
+          <a:lstStyle/>
+          <a:p>
+            <a:pPr algn="ctr"/>
+            <a:r>
+              <a:rPr lang="en-US" dirty="0"/>
+              <a:t>Chorus</a:t>
+            </a:r>
+          </a:p>
+        </p:txBody>
+      </p:sp>
+      <p:sp>
+        <p:nvSpPr>
+          <p:cNvPr id="10" name="Rectangle: Rounded Corners 9">
+            <a:extLst>
+              <a:ext uri="{FF2B5EF4-FFF2-40B4-BE49-F238E27FC236}">
+                <a16:creationId xmlns:a16="http://schemas.microsoft.com/office/drawing/2014/main" id="{3A4B720F-C91D-40E7-8A09-9BA1A70FB736}"/>
+              </a:ext>
+            </a:extLst>
+          </p:cNvPr>
+          <p:cNvSpPr/>
+          <p:nvPr/>
+        </p:nvSpPr>
+        <p:spPr>
+          <a:xfrm>
+            <a:off x="4157784" y="3659555"/>
+            <a:ext cx="1031631" cy="429846"/>
+          </a:xfrm>
+          <a:prstGeom prst="roundRect">
+            <a:avLst/>
+          </a:prstGeom>
+          <a:solidFill>
+            <a:schemeClr val="accent2">
+              <a:lumMod val="75000"/>
+            </a:schemeClr>
+          </a:solidFill>
+        </p:spPr>
+        <p:style>
+          <a:lnRef idx="2">
+            <a:schemeClr val="accent1">
+              <a:shade val="50000"/>
+            </a:schemeClr>
+          </a:lnRef>
+          <a:fillRef idx="1">
+            <a:schemeClr val="accent1"/>
+          </a:fillRef>
+          <a:effectRef idx="0">
+            <a:schemeClr val="accent1"/>
+          </a:effectRef>
+          <a:fontRef idx="minor">
+            <a:schemeClr val="lt1"/>
+          </a:fontRef>
+        </p:style>
+        <p:txBody>
+          <a:bodyPr rtlCol="0" anchor="ctr"/>
+          <a:lstStyle/>
+          <a:p>
+            <a:pPr algn="ctr"/>
+            <a:r>
+              <a:rPr lang="en-US" dirty="0"/>
+              <a:t>Bridge</a:t>
+            </a:r>
+          </a:p>
+        </p:txBody>
+      </p:sp>
+      <p:sp>
+        <p:nvSpPr>
+          <p:cNvPr id="11" name="Rectangle: Rounded Corners 10">
+            <a:extLst>
+              <a:ext uri="{FF2B5EF4-FFF2-40B4-BE49-F238E27FC236}">
+                <a16:creationId xmlns:a16="http://schemas.microsoft.com/office/drawing/2014/main" id="{7963B1D0-EDF2-4825-B4A6-19E248D7A238}"/>
+              </a:ext>
+            </a:extLst>
+          </p:cNvPr>
+          <p:cNvSpPr/>
+          <p:nvPr/>
+        </p:nvSpPr>
+        <p:spPr>
+          <a:xfrm>
+            <a:off x="4157783" y="4114799"/>
+            <a:ext cx="1031631" cy="429846"/>
+          </a:xfrm>
+          <a:prstGeom prst="roundRect">
+            <a:avLst/>
+          </a:prstGeom>
+          <a:solidFill>
+            <a:schemeClr val="accent2">
+              <a:lumMod val="75000"/>
+            </a:schemeClr>
+          </a:solidFill>
+        </p:spPr>
+        <p:style>
+          <a:lnRef idx="2">
+            <a:schemeClr val="accent1">
+              <a:shade val="50000"/>
+            </a:schemeClr>
+          </a:lnRef>
+          <a:fillRef idx="1">
+            <a:schemeClr val="accent1"/>
+          </a:fillRef>
+          <a:effectRef idx="0">
+            <a:schemeClr val="accent1"/>
+          </a:effectRef>
+          <a:fontRef idx="minor">
+            <a:schemeClr val="lt1"/>
+          </a:fontRef>
+        </p:style>
+        <p:txBody>
+          <a:bodyPr rtlCol="0" anchor="ctr"/>
+          <a:lstStyle/>
+          <a:p>
+            <a:pPr algn="ctr"/>
+            <a:r>
+              <a:rPr lang="en-US" dirty="0"/>
+              <a:t>All</a:t>
+            </a:r>
+          </a:p>
+        </p:txBody>
+      </p:sp>
+      <p:sp>
+        <p:nvSpPr>
+          <p:cNvPr id="12" name="Rectangle 11">
+            <a:extLst>
+              <a:ext uri="{FF2B5EF4-FFF2-40B4-BE49-F238E27FC236}">
+                <a16:creationId xmlns:a16="http://schemas.microsoft.com/office/drawing/2014/main" id="{6640B8F1-CA2D-4FE4-B744-0E87D34D5476}"/>
+              </a:ext>
+            </a:extLst>
+          </p:cNvPr>
+          <p:cNvSpPr/>
+          <p:nvPr/>
+        </p:nvSpPr>
+        <p:spPr>
+          <a:xfrm>
+            <a:off x="2962031" y="5212862"/>
+            <a:ext cx="3001107" cy="508000"/>
+          </a:xfrm>
+          <a:prstGeom prst="rect">
+            <a:avLst/>
+          </a:prstGeom>
+        </p:spPr>
+        <p:style>
+          <a:lnRef idx="2">
+            <a:schemeClr val="dk1"/>
+          </a:lnRef>
+          <a:fillRef idx="1">
+            <a:schemeClr val="lt1"/>
+          </a:fillRef>
+          <a:effectRef idx="0">
+            <a:schemeClr val="dk1"/>
+          </a:effectRef>
+          <a:fontRef idx="minor">
+            <a:schemeClr val="dk1"/>
+          </a:fontRef>
+        </p:style>
+        <p:txBody>
+          <a:bodyPr rtlCol="0" anchor="ctr"/>
+          <a:lstStyle/>
+          <a:p>
+            <a:r>
+              <a:rPr lang="en-US" dirty="0"/>
+              <a:t>Lead </a:t>
+            </a:r>
+            <a:r>
+              <a:rPr lang="en-US" dirty="0" err="1"/>
+              <a:t>Gtr</a:t>
+            </a:r>
+            <a:r>
+              <a:rPr lang="en-US" dirty="0"/>
+              <a:t> </a:t>
+            </a:r>
+            <a:r>
+              <a:rPr lang="en-US" dirty="0" err="1"/>
+              <a:t>Boomy</a:t>
+            </a:r>
+            <a:r>
+              <a:rPr lang="en-US" dirty="0"/>
+              <a:t> in Verse</a:t>
+            </a:r>
+          </a:p>
+        </p:txBody>
+      </p:sp>
+      <p:sp>
+        <p:nvSpPr>
+          <p:cNvPr id="13" name="Rectangle 12">
+            <a:extLst>
+              <a:ext uri="{FF2B5EF4-FFF2-40B4-BE49-F238E27FC236}">
+                <a16:creationId xmlns:a16="http://schemas.microsoft.com/office/drawing/2014/main" id="{C52BBB09-C6F5-49B6-83CA-880FBCB066D6}"/>
+              </a:ext>
+            </a:extLst>
+          </p:cNvPr>
+          <p:cNvSpPr/>
+          <p:nvPr/>
+        </p:nvSpPr>
+        <p:spPr>
+          <a:xfrm>
+            <a:off x="2962031" y="5720862"/>
+            <a:ext cx="3001107" cy="1123461"/>
+          </a:xfrm>
+          <a:prstGeom prst="rect">
+            <a:avLst/>
+          </a:prstGeom>
+        </p:spPr>
+        <p:style>
+          <a:lnRef idx="1">
+            <a:schemeClr val="accent3"/>
+          </a:lnRef>
+          <a:fillRef idx="2">
+            <a:schemeClr val="accent3"/>
+          </a:fillRef>
+          <a:effectRef idx="1">
+            <a:schemeClr val="accent3"/>
+          </a:effectRef>
+          <a:fontRef idx="minor">
+            <a:schemeClr val="dk1"/>
+          </a:fontRef>
+        </p:style>
+        <p:txBody>
+          <a:bodyPr rtlCol="0" anchor="ctr"/>
+          <a:lstStyle/>
+          <a:p>
+            <a:r>
+              <a:rPr lang="en-US" dirty="0"/>
+              <a:t>Shrill in Chorus</a:t>
+            </a:r>
+          </a:p>
+          <a:p>
+            <a:r>
+              <a:rPr lang="en-US" dirty="0"/>
+              <a:t>Pitchy in Bridge</a:t>
+            </a:r>
+          </a:p>
+          <a:p>
+            <a:r>
+              <a:rPr lang="en-US" dirty="0"/>
+              <a:t>Volume +2</a:t>
+            </a:r>
+          </a:p>
+          <a:p>
+            <a:r>
+              <a:rPr lang="en-US" dirty="0"/>
+              <a:t>Reverb -1</a:t>
+            </a:r>
+          </a:p>
+        </p:txBody>
+      </p:sp>
+      <p:pic>
+        <p:nvPicPr>
+          <p:cNvPr id="14" name="Picture 13">
+            <a:extLst>
+              <a:ext uri="{FF2B5EF4-FFF2-40B4-BE49-F238E27FC236}">
+                <a16:creationId xmlns:a16="http://schemas.microsoft.com/office/drawing/2014/main" id="{26885905-28A1-472B-ABEA-E284E7E028C0}"/>
+              </a:ext>
+            </a:extLst>
+          </p:cNvPr>
+          <p:cNvPicPr preferRelativeResize="0">
+            <a:picLocks/>
+          </p:cNvPicPr>
+          <p:nvPr>
+            <p:custDataLst>
+              <p:custData r:id="rId1"/>
+            </p:custDataLst>
+          </p:nvPr>
+        </p:nvPicPr>
+        <p:blipFill rotWithShape="1">
+          <a:blip r:embed="rId3">
+            <a:extLst>
+              <a:ext uri="{28A0092B-C50C-407E-A947-70E740481C1C}">
+                <a14:useLocalDpi xmlns:a14="http://schemas.microsoft.com/office/drawing/2010/main" val="0"/>
+              </a:ext>
+            </a:extLst>
+          </a:blip>
+          <a:srcRect l="24992" t="23267" r="24992" b="24992"/>
+          <a:stretch/>
+        </p:blipFill>
+        <p:spPr>
+          <a:xfrm>
+            <a:off x="5607503" y="5340490"/>
+            <a:ext cx="276225" cy="285750"/>
+          </a:xfrm>
+          <a:prstGeom prst="rect">
+            <a:avLst/>
+          </a:prstGeom>
+        </p:spPr>
+      </p:pic>
+    </p:spTree>
+    <p:extLst>
+      <p:ext uri="{BB962C8B-B14F-4D97-AF65-F5344CB8AC3E}">
+        <p14:creationId xmlns:p14="http://schemas.microsoft.com/office/powerpoint/2010/main" val="1502929595"/>
+      </p:ext>
+    </p:extLst>
+  </p:cSld>
+  <p:clrMapOvr>
+    <a:masterClrMapping/>
+  </p:clrMapOvr>
+</p:sld>
+</file>
+
+<file path=ppt/slides/slide9.xml><?xml version="1.0" encoding="utf-8"?>
+<p:sld xmlns:a="http://schemas.openxmlformats.org/drawingml/2006/main" xmlns:r="http://schemas.openxmlformats.org/officeDocument/2006/relationships" xmlns:p="http://schemas.openxmlformats.org/presentationml/2006/main">
+  <p:cSld>
+    <p:spTree>
+      <p:nvGrpSpPr>
+        <p:cNvPr id="1" name=""/>
+        <p:cNvGrpSpPr/>
+        <p:nvPr/>
+      </p:nvGrpSpPr>
+      <p:grpSpPr>
+        <a:xfrm>
+          <a:off x="0" y="0"/>
+          <a:ext cx="0" cy="0"/>
+          <a:chOff x="0" y="0"/>
+          <a:chExt cx="0" cy="0"/>
+        </a:xfrm>
+      </p:grpSpPr>
+      <p:pic>
+        <p:nvPicPr>
+          <p:cNvPr id="3" name="Picture 2" descr="A close up of a logo&#10;&#10;Description automatically generated">
+            <a:extLst>
+              <a:ext uri="{FF2B5EF4-FFF2-40B4-BE49-F238E27FC236}">
+                <a16:creationId xmlns:a16="http://schemas.microsoft.com/office/drawing/2014/main" id="{48FF7778-6BD2-4C6D-B724-F2F2B06E621A}"/>
+              </a:ext>
+            </a:extLst>
+          </p:cNvPr>
+          <p:cNvPicPr>
+            <a:picLocks noChangeAspect="1"/>
+          </p:cNvPicPr>
+          <p:nvPr/>
+        </p:nvPicPr>
+        <p:blipFill>
+          <a:blip r:embed="rId5">
+            <a:extLst>
+              <a:ext uri="{28A0092B-C50C-407E-A947-70E740481C1C}">
+                <a14:useLocalDpi xmlns:a14="http://schemas.microsoft.com/office/drawing/2010/main" val="0"/>
+              </a:ext>
+              <a:ext uri="{837473B0-CC2E-450A-ABE3-18F120FF3D39}">
+                <a1611:picAttrSrcUrl xmlns:a1611="http://schemas.microsoft.com/office/drawing/2016/11/main" r:id="rId6"/>
+              </a:ext>
+            </a:extLst>
+          </a:blip>
+          <a:stretch>
+            <a:fillRect/>
+          </a:stretch>
+        </p:blipFill>
+        <p:spPr>
+          <a:xfrm>
+            <a:off x="10185278" y="2920226"/>
+            <a:ext cx="648978" cy="648978"/>
+          </a:xfrm>
+          <a:prstGeom prst="rect">
+            <a:avLst/>
+          </a:prstGeom>
+        </p:spPr>
+      </p:pic>
+      <p:pic>
+        <p:nvPicPr>
+          <p:cNvPr id="12" name="Picture 11">
+            <a:extLst>
+              <a:ext uri="{FF2B5EF4-FFF2-40B4-BE49-F238E27FC236}">
+                <a16:creationId xmlns:a16="http://schemas.microsoft.com/office/drawing/2014/main" id="{2F50B6C2-D62A-4AA2-B5E3-F8BDC2B784DE}"/>
+              </a:ext>
+            </a:extLst>
+          </p:cNvPr>
+          <p:cNvPicPr>
+            <a:picLocks noChangeAspect="1"/>
+          </p:cNvPicPr>
+          <p:nvPr/>
+        </p:nvPicPr>
+        <p:blipFill>
+          <a:blip r:embed="rId7">
+            <a:extLst>
+              <a:ext uri="{28A0092B-C50C-407E-A947-70E740481C1C}">
+                <a14:useLocalDpi xmlns:a14="http://schemas.microsoft.com/office/drawing/2010/main" val="0"/>
+              </a:ext>
+              <a:ext uri="{837473B0-CC2E-450A-ABE3-18F120FF3D39}">
+                <a1611:picAttrSrcUrl xmlns:a1611="http://schemas.microsoft.com/office/drawing/2016/11/main" r:id="rId8"/>
+              </a:ext>
+            </a:extLst>
+          </a:blip>
+          <a:stretch>
+            <a:fillRect/>
+          </a:stretch>
+        </p:blipFill>
+        <p:spPr>
+          <a:xfrm>
+            <a:off x="9882909" y="1184686"/>
+            <a:ext cx="1071419" cy="1071419"/>
+          </a:xfrm>
+          <a:prstGeom prst="rect">
+            <a:avLst/>
+          </a:prstGeom>
+        </p:spPr>
+      </p:pic>
+      <p:pic>
+        <p:nvPicPr>
+          <p:cNvPr id="14" name="Picture 13">
+            <a:extLst>
+              <a:ext uri="{FF2B5EF4-FFF2-40B4-BE49-F238E27FC236}">
+                <a16:creationId xmlns:a16="http://schemas.microsoft.com/office/drawing/2014/main" id="{3E4CCCCD-BC9D-44E6-A291-CCA1375CA6DD}"/>
+              </a:ext>
+            </a:extLst>
+          </p:cNvPr>
+          <p:cNvPicPr>
+            <a:picLocks noChangeAspect="1"/>
+          </p:cNvPicPr>
+          <p:nvPr/>
+        </p:nvPicPr>
+        <p:blipFill>
+          <a:blip r:embed="rId9"/>
+          <a:stretch>
+            <a:fillRect/>
+          </a:stretch>
+        </p:blipFill>
+        <p:spPr>
+          <a:xfrm rot="2571204">
+            <a:off x="10772119" y="3118354"/>
+            <a:ext cx="331826" cy="901700"/>
+          </a:xfrm>
+          <a:prstGeom prst="rect">
+            <a:avLst/>
+          </a:prstGeom>
+        </p:spPr>
+      </p:pic>
+      <p:pic>
+        <p:nvPicPr>
+          <p:cNvPr id="15" name="Picture 14">
+            <a:extLst>
+              <a:ext uri="{FF2B5EF4-FFF2-40B4-BE49-F238E27FC236}">
+                <a16:creationId xmlns:a16="http://schemas.microsoft.com/office/drawing/2014/main" id="{749C281C-08B4-4BAE-B75B-F30F3D5E888B}"/>
+              </a:ext>
+            </a:extLst>
+          </p:cNvPr>
+          <p:cNvPicPr>
+            <a:picLocks noChangeAspect="1"/>
+          </p:cNvPicPr>
+          <p:nvPr/>
+        </p:nvPicPr>
+        <p:blipFill>
+          <a:blip r:embed="rId10"/>
+          <a:stretch>
+            <a:fillRect/>
+          </a:stretch>
+        </p:blipFill>
+        <p:spPr>
+          <a:xfrm rot="20591194">
+            <a:off x="9613780" y="3624613"/>
+            <a:ext cx="538258" cy="1049770"/>
+          </a:xfrm>
+          <a:prstGeom prst="rect">
+            <a:avLst/>
+          </a:prstGeom>
+        </p:spPr>
+      </p:pic>
+      <p:pic>
+        <p:nvPicPr>
+          <p:cNvPr id="16" name="Picture 15">
+            <a:extLst>
+              <a:ext uri="{FF2B5EF4-FFF2-40B4-BE49-F238E27FC236}">
+                <a16:creationId xmlns:a16="http://schemas.microsoft.com/office/drawing/2014/main" id="{68C92784-7294-4900-9C64-24D95DA9D77A}"/>
+              </a:ext>
+            </a:extLst>
+          </p:cNvPr>
+          <p:cNvPicPr>
+            <a:picLocks noChangeAspect="1"/>
+          </p:cNvPicPr>
+          <p:nvPr/>
+        </p:nvPicPr>
+        <p:blipFill>
+          <a:blip r:embed="rId11"/>
+          <a:stretch>
+            <a:fillRect/>
+          </a:stretch>
+        </p:blipFill>
+        <p:spPr>
+          <a:xfrm flipV="1">
+            <a:off x="9776845" y="5071094"/>
+            <a:ext cx="1909186" cy="369126"/>
+          </a:xfrm>
+          <a:prstGeom prst="rect">
+            <a:avLst/>
+          </a:prstGeom>
+        </p:spPr>
+      </p:pic>
+      <p:pic>
+        <p:nvPicPr>
+          <p:cNvPr id="17" name="Picture 16">
+            <a:extLst>
+              <a:ext uri="{FF2B5EF4-FFF2-40B4-BE49-F238E27FC236}">
+                <a16:creationId xmlns:a16="http://schemas.microsoft.com/office/drawing/2014/main" id="{7DD6C3FB-7419-4098-BDAC-14B9C0F32198}"/>
+              </a:ext>
+            </a:extLst>
+          </p:cNvPr>
+          <p:cNvPicPr>
+            <a:picLocks noChangeAspect="1"/>
+          </p:cNvPicPr>
+          <p:nvPr/>
+        </p:nvPicPr>
+        <p:blipFill>
+          <a:blip r:embed="rId12"/>
+          <a:stretch>
+            <a:fillRect/>
+          </a:stretch>
+        </p:blipFill>
+        <p:spPr>
+          <a:xfrm>
+            <a:off x="8060904" y="5071094"/>
+            <a:ext cx="1412554" cy="1457499"/>
+          </a:xfrm>
+          <a:prstGeom prst="rect">
+            <a:avLst/>
+          </a:prstGeom>
+        </p:spPr>
+      </p:pic>
+      <p:pic>
+        <p:nvPicPr>
+          <p:cNvPr id="19" name="Picture 18" descr="A close up of a guitar&#10;&#10;Description automatically generated">
+            <a:extLst>
+              <a:ext uri="{FF2B5EF4-FFF2-40B4-BE49-F238E27FC236}">
+                <a16:creationId xmlns:a16="http://schemas.microsoft.com/office/drawing/2014/main" id="{36955A9E-FC70-474D-8AB1-6FE870FEAB38}"/>
+              </a:ext>
+            </a:extLst>
+          </p:cNvPr>
+          <p:cNvPicPr>
+            <a:picLocks noChangeAspect="1"/>
+          </p:cNvPicPr>
+          <p:nvPr/>
+        </p:nvPicPr>
+        <p:blipFill rotWithShape="1">
+          <a:blip r:embed="rId13">
+            <a:clrChange>
+              <a:clrFrom>
+                <a:srgbClr val="FFFFFF"/>
+              </a:clrFrom>
+              <a:clrTo>
+                <a:srgbClr val="FFFFFF">
+                  <a:alpha val="0"/>
+                </a:srgbClr>
+              </a:clrTo>
+            </a:clrChange>
+            <a:extLst>
+              <a:ext uri="{28A0092B-C50C-407E-A947-70E740481C1C}">
+                <a14:useLocalDpi xmlns:a14="http://schemas.microsoft.com/office/drawing/2010/main" val="0"/>
+              </a:ext>
+              <a:ext uri="{837473B0-CC2E-450A-ABE3-18F120FF3D39}">
+                <a1611:picAttrSrcUrl xmlns:a1611="http://schemas.microsoft.com/office/drawing/2016/11/main" r:id="rId14"/>
+              </a:ext>
+            </a:extLst>
+          </a:blip>
+          <a:srcRect l="35966" r="33090"/>
+          <a:stretch/>
+        </p:blipFill>
+        <p:spPr>
+          <a:xfrm rot="3022740">
+            <a:off x="9977211" y="2460546"/>
+            <a:ext cx="374081" cy="846227"/>
+          </a:xfrm>
+          <a:prstGeom prst="rect">
+            <a:avLst/>
+          </a:prstGeom>
+        </p:spPr>
+      </p:pic>
+      <p:sp>
+        <p:nvSpPr>
+          <p:cNvPr id="21" name="Rectangle 20">
+            <a:extLst>
+              <a:ext uri="{FF2B5EF4-FFF2-40B4-BE49-F238E27FC236}">
+                <a16:creationId xmlns:a16="http://schemas.microsoft.com/office/drawing/2014/main" id="{DB562CED-7FF7-42EA-949F-D7F124F734FD}"/>
+              </a:ext>
+            </a:extLst>
+          </p:cNvPr>
+          <p:cNvSpPr/>
+          <p:nvPr/>
+        </p:nvSpPr>
+        <p:spPr>
+          <a:xfrm>
+            <a:off x="2447635" y="2920226"/>
+            <a:ext cx="1745673" cy="377330"/>
+          </a:xfrm>
+          <a:prstGeom prst="rect">
+            <a:avLst/>
+          </a:prstGeom>
+        </p:spPr>
+        <p:style>
+          <a:lnRef idx="0">
+            <a:schemeClr val="accent2"/>
+          </a:lnRef>
+          <a:fillRef idx="3">
+            <a:schemeClr val="accent2"/>
+          </a:fillRef>
+          <a:effectRef idx="3">
+            <a:schemeClr val="accent2"/>
+          </a:effectRef>
+          <a:fontRef idx="minor">
+            <a:schemeClr val="lt1"/>
+          </a:fontRef>
+        </p:style>
+        <p:txBody>
+          <a:bodyPr rtlCol="0" anchor="ctr"/>
+          <a:lstStyle/>
+          <a:p>
+            <a:r>
+              <a:rPr lang="en-US" dirty="0"/>
+              <a:t>Lead </a:t>
+            </a:r>
+            <a:r>
+              <a:rPr lang="en-US" dirty="0" err="1"/>
+              <a:t>Gtr</a:t>
+            </a:r>
+            <a:endParaRPr lang="en-US" dirty="0"/>
+          </a:p>
+        </p:txBody>
+      </p:sp>
+      <p:pic>
+        <p:nvPicPr>
+          <p:cNvPr id="22" name="Picture 21">
+            <a:extLst>
+              <a:ext uri="{FF2B5EF4-FFF2-40B4-BE49-F238E27FC236}">
+                <a16:creationId xmlns:a16="http://schemas.microsoft.com/office/drawing/2014/main" id="{D76383A9-A0FD-4047-A190-3D3D77AEDD29}"/>
+              </a:ext>
+            </a:extLst>
+          </p:cNvPr>
+          <p:cNvPicPr>
+            <a:picLocks noChangeAspect="1"/>
+          </p:cNvPicPr>
+          <p:nvPr>
+            <p:custDataLst>
+              <p:custData r:id="rId1"/>
+            </p:custDataLst>
+          </p:nvPr>
+        </p:nvPicPr>
+        <p:blipFill rotWithShape="1">
+          <a:blip r:embed="rId15">
+            <a:extLst>
+              <a:ext uri="{28A0092B-C50C-407E-A947-70E740481C1C}">
+                <a14:useLocalDpi xmlns:a14="http://schemas.microsoft.com/office/drawing/2010/main" val="0"/>
+              </a:ext>
+            </a:extLst>
+          </a:blip>
+          <a:srcRect l="22965" t="20595" r="22967" b="22965"/>
+          <a:stretch/>
+        </p:blipFill>
+        <p:spPr>
+          <a:xfrm>
+            <a:off x="6096000" y="1043002"/>
+            <a:ext cx="271462" cy="283368"/>
+          </a:xfrm>
+          <a:prstGeom prst="rect">
+            <a:avLst/>
+          </a:prstGeom>
+        </p:spPr>
+        <p:style>
+          <a:lnRef idx="1">
+            <a:schemeClr val="dk1"/>
+          </a:lnRef>
+          <a:fillRef idx="2">
+            <a:schemeClr val="dk1"/>
+          </a:fillRef>
+          <a:effectRef idx="1">
+            <a:schemeClr val="dk1"/>
+          </a:effectRef>
+          <a:fontRef idx="minor">
+            <a:schemeClr val="dk1"/>
+          </a:fontRef>
+        </p:style>
+      </p:pic>
+      <p:pic>
+        <p:nvPicPr>
+          <p:cNvPr id="23" name="Picture 22">
+            <a:extLst>
+              <a:ext uri="{FF2B5EF4-FFF2-40B4-BE49-F238E27FC236}">
+                <a16:creationId xmlns:a16="http://schemas.microsoft.com/office/drawing/2014/main" id="{E7974DFF-1F5C-4917-9D10-660282E200D0}"/>
+              </a:ext>
+            </a:extLst>
+          </p:cNvPr>
+          <p:cNvPicPr preferRelativeResize="0">
+            <a:picLocks/>
+          </p:cNvPicPr>
+          <p:nvPr>
+            <p:custDataLst>
+              <p:custData r:id="rId2"/>
+            </p:custDataLst>
+          </p:nvPr>
+        </p:nvPicPr>
+        <p:blipFill rotWithShape="1">
+          <a:blip r:embed="rId16">
+            <a:extLst>
+              <a:ext uri="{28A0092B-C50C-407E-A947-70E740481C1C}">
+                <a14:useLocalDpi xmlns:a14="http://schemas.microsoft.com/office/drawing/2010/main" val="0"/>
+              </a:ext>
+            </a:extLst>
+          </a:blip>
+          <a:srcRect l="20703" t="25355" r="21167" b="23492"/>
+          <a:stretch/>
+        </p:blipFill>
+        <p:spPr>
+          <a:xfrm flipV="1">
+            <a:off x="4044479" y="1343890"/>
+            <a:ext cx="297658" cy="261937"/>
+          </a:xfrm>
+          <a:prstGeom prst="rect">
+            <a:avLst/>
+          </a:prstGeom>
+        </p:spPr>
+      </p:pic>
+      <p:pic>
+        <p:nvPicPr>
+          <p:cNvPr id="24" name="Picture 23">
+            <a:extLst>
+              <a:ext uri="{FF2B5EF4-FFF2-40B4-BE49-F238E27FC236}">
+                <a16:creationId xmlns:a16="http://schemas.microsoft.com/office/drawing/2014/main" id="{8494B986-40F6-4CCA-B311-D600AF508414}"/>
+              </a:ext>
+            </a:extLst>
+          </p:cNvPr>
+          <p:cNvPicPr preferRelativeResize="0">
+            <a:picLocks/>
+          </p:cNvPicPr>
+          <p:nvPr>
+            <p:custDataLst>
+              <p:custData r:id="rId3"/>
+            </p:custDataLst>
+          </p:nvPr>
+        </p:nvPicPr>
+        <p:blipFill rotWithShape="1">
+          <a:blip r:embed="rId17">
+            <a:extLst>
+              <a:ext uri="{28A0092B-C50C-407E-A947-70E740481C1C}">
+                <a14:useLocalDpi xmlns:a14="http://schemas.microsoft.com/office/drawing/2010/main" val="0"/>
+              </a:ext>
+            </a:extLst>
+          </a:blip>
+          <a:srcRect l="24992" t="23267" r="24992" b="24992"/>
+          <a:stretch/>
+        </p:blipFill>
+        <p:spPr>
+          <a:xfrm>
+            <a:off x="3872904" y="2968201"/>
+            <a:ext cx="276225" cy="285750"/>
+          </a:xfrm>
+          <a:prstGeom prst="rect">
+            <a:avLst/>
+          </a:prstGeom>
+        </p:spPr>
+        <p:style>
+          <a:lnRef idx="0">
+            <a:schemeClr val="accent3"/>
+          </a:lnRef>
+          <a:fillRef idx="3">
+            <a:schemeClr val="accent3"/>
+          </a:fillRef>
+          <a:effectRef idx="3">
+            <a:schemeClr val="accent3"/>
+          </a:effectRef>
+          <a:fontRef idx="minor">
+            <a:schemeClr val="lt1"/>
+          </a:fontRef>
+        </p:style>
+      </p:pic>
+    </p:spTree>
+    <p:extLst>
+      <p:ext uri="{BB962C8B-B14F-4D97-AF65-F5344CB8AC3E}">
+        <p14:creationId xmlns:p14="http://schemas.microsoft.com/office/powerpoint/2010/main" val="4011701475"/>
       </p:ext>
     </p:extLst>
   </p:cSld>
@@ -6486,98 +12725,882 @@
 
 <file path=customXml/item1.xml><?xml version="1.0" encoding="utf-8"?>
 <Control xmlns="http://schemas.microsoft.com/VisualStudio/2011/storyboarding/control">
-  <Id Name="System.Storyboarding.WindowsAppIcons.Edit" Revision="1" Stencil="System.Storyboarding.WindowsAppIcons" StencilVersion="0.1"/>
+  <Id Name="System.Storyboarding.WindowsPhoneIcons.Add" Revision="1" Stencil="System.Storyboarding.WindowsPhoneIcons" StencilVersion="0.1"/>
 </Control>
 </file>
 
-<file path=customXml/item2.xml><?xml version="1.0" encoding="utf-8"?>
+<file path=customXml/item10.xml><?xml version="1.0" encoding="utf-8"?>
 <Control xmlns="http://schemas.microsoft.com/VisualStudio/2011/storyboarding/control">
   <Id Name="System.Storyboarding.WindowsAppIcons.Play" Revision="1" Stencil="System.Storyboarding.WindowsAppIcons" StencilVersion="0.1"/>
 </Control>
 </file>
 
-<file path=customXml/item3.xml><?xml version="1.0" encoding="utf-8"?>
+<file path=customXml/item11.xml><?xml version="1.0" encoding="utf-8"?>
+<Control xmlns="http://schemas.microsoft.com/VisualStudio/2011/storyboarding/control">
+  <Id Name="System.Storyboarding.Icons.Volume" Revision="1" Stencil="System.Storyboarding.Icons" StencilVersion="0.1"/>
+</Control>
+</file>
+
+<file path=customXml/item12.xml><?xml version="1.0" encoding="utf-8"?>
+<Control xmlns="http://schemas.microsoft.com/VisualStudio/2011/storyboarding/control">
+  <Id Name="System.Storyboarding.WindowsAppIcons.Minus" Revision="1" Stencil="System.Storyboarding.WindowsAppIcons" StencilVersion="0.1"/>
+</Control>
+</file>
+
+<file path=customXml/item13.xml><?xml version="1.0" encoding="utf-8"?>
+<Control xmlns="http://schemas.microsoft.com/VisualStudio/2011/storyboarding/control">
+  <Id Name="System.Storyboarding.WindowsAppIcons.Edit" Revision="1" Stencil="System.Storyboarding.WindowsAppIcons" StencilVersion="0.1"/>
+</Control>
+</file>
+
+<file path=customXml/item14.xml><?xml version="1.0" encoding="utf-8"?>
 <Control xmlns="http://schemas.microsoft.com/VisualStudio/2011/storyboarding/control">
   <Id Name="System.Storyboarding.WindowsAppIcons.Play" Revision="1" Stencil="System.Storyboarding.WindowsAppIcons" StencilVersion="0.1"/>
 </Control>
 </file>
 
-<file path=customXml/item4.xml><?xml version="1.0" encoding="utf-8"?>
+<file path=customXml/item15.xml><?xml version="1.0" encoding="utf-8"?>
+<Control xmlns="http://schemas.microsoft.com/VisualStudio/2011/storyboarding/control">
+  <Id Name="System.Storyboarding.WindowsPhoneIcons.Minus" Revision="1" Stencil="System.Storyboarding.WindowsPhoneIcons" StencilVersion="0.1"/>
+</Control>
+</file>
+
+<file path=customXml/item16.xml><?xml version="1.0" encoding="utf-8"?>
+<Control xmlns="http://schemas.microsoft.com/VisualStudio/2011/storyboarding/control">
+  <Id Name="System.Storyboarding.WindowsAppIcons.Play" Revision="1" Stencil="System.Storyboarding.WindowsAppIcons" StencilVersion="0.1"/>
+</Control>
+</file>
+
+<file path=customXml/item17.xml><?xml version="1.0" encoding="utf-8"?>
+<Control xmlns="http://schemas.microsoft.com/VisualStudio/2011/storyboarding/control">
+  <Id Name="4b4d62c4-0b58-49c3-9bd5-0f2c494cd34e" RevisionId="df283dbf-c6b0-49ce-bc2c-3341a4271bd3" Stencil="172d6d98-e5c9-42e9-a209-79f7a94bbd38" StencilRevisionId="00000000-0000-0000-0000-000000000000" StencilVersion="0.0"/>
+</Control>
+</file>
+
+<file path=customXml/item18.xml><?xml version="1.0" encoding="utf-8"?>
+<Control xmlns="http://schemas.microsoft.com/VisualStudio/2011/storyboarding/control">
+  <Id Name="System.Storyboarding.WindowsAppIcons.Play" Revision="1" Stencil="System.Storyboarding.WindowsAppIcons" StencilVersion="0.1"/>
+</Control>
+</file>
+
+<file path=customXml/item19.xml><?xml version="1.0" encoding="utf-8"?>
+<Control xmlns="http://schemas.microsoft.com/VisualStudio/2011/storyboarding/control">
+  <Id Name="System.Storyboarding.WindowsAppIcons.Play" Revision="1" Stencil="System.Storyboarding.WindowsAppIcons" StencilVersion="0.1"/>
+</Control>
+</file>
+
+<file path=customXml/item2.xml><?xml version="1.0" encoding="utf-8"?>
+<Control xmlns="http://schemas.microsoft.com/VisualStudio/2011/storyboarding/control">
+  <Id Name="System.Storyboarding.WindowsAppIcons.Plus" Revision="1" Stencil="System.Storyboarding.WindowsAppIcons" StencilVersion="0.1"/>
+</Control>
+</file>
+
+<file path=customXml/item20.xml><?xml version="1.0" encoding="utf-8"?>
+<Control xmlns="http://schemas.microsoft.com/VisualStudio/2011/storyboarding/control">
+  <Id Name="System.Storyboarding.WindowsAppIcons.Play" Revision="1" Stencil="System.Storyboarding.WindowsAppIcons" StencilVersion="0.1"/>
+</Control>
+</file>
+
+<file path=customXml/item21.xml><?xml version="1.0" encoding="utf-8"?>
+<Control xmlns="http://schemas.microsoft.com/VisualStudio/2011/storyboarding/control">
+  <Id Name="System.Storyboarding.WindowsAppIcons.Play" Revision="1" Stencil="System.Storyboarding.WindowsAppIcons" StencilVersion="0.1"/>
+</Control>
+</file>
+
+<file path=customXml/item22.xml><?xml version="1.0" encoding="utf-8"?>
+<Control xmlns="http://schemas.microsoft.com/VisualStudio/2011/storyboarding/control">
+  <Id Name="System.Storyboarding.WindowsAppIcons.Play" Revision="1" Stencil="System.Storyboarding.WindowsAppIcons" StencilVersion="0.1"/>
+</Control>
+</file>
+
+<file path=customXml/item23.xml><?xml version="1.0" encoding="utf-8"?>
+<Control xmlns="http://schemas.microsoft.com/VisualStudio/2011/storyboarding/control">
+  <Id Name="System.Storyboarding.WindowsAppIcons.Plus" Revision="1" Stencil="System.Storyboarding.WindowsAppIcons" StencilVersion="0.1"/>
+</Control>
+</file>
+
+<file path=customXml/item24.xml><?xml version="1.0" encoding="utf-8"?>
+<Control xmlns="http://schemas.microsoft.com/VisualStudio/2011/storyboarding/control">
+  <Id Name="System.Storyboarding.Icons.Volume" Revision="1" Stencil="System.Storyboarding.Icons" StencilVersion="0.1"/>
+</Control>
+</file>
+
+<file path=customXml/item25.xml><?xml version="1.0" encoding="utf-8"?>
 <Control xmlns="http://schemas.microsoft.com/VisualStudio/2011/storyboarding/control">
   <Id Name="System.Storyboarding.WindowsPhoneIcons.Cancel" Revision="1" Stencil="System.Storyboarding.WindowsPhoneIcons" StencilVersion="0.1"/>
 </Control>
 </file>
 
-<file path=customXml/item5.xml><?xml version="1.0" encoding="utf-8"?>
+<file path=customXml/item26.xml><?xml version="1.0" encoding="utf-8"?>
 <Control xmlns="http://schemas.microsoft.com/VisualStudio/2011/storyboarding/control">
-  <Id Name="System.Storyboarding.WindowsPhoneIcons.Add" Revision="1" Stencil="System.Storyboarding.WindowsPhoneIcons" StencilVersion="0.1"/>
+  <Id Name="System.Storyboarding.Icons.Volume" Revision="1" Stencil="System.Storyboarding.Icons" StencilVersion="0.1"/>
 </Control>
 </file>
 
-<file path=customXml/item6.xml><?xml version="1.0" encoding="utf-8"?>
+<file path=customXml/item27.xml><?xml version="1.0" encoding="utf-8"?>
+<Control xmlns="http://schemas.microsoft.com/VisualStudio/2011/storyboarding/control">
+  <Id Name="System.Storyboarding.WindowsAppIcons.Play" Revision="1" Stencil="System.Storyboarding.WindowsAppIcons" StencilVersion="0.1"/>
+</Control>
+</file>
+
+<file path=customXml/item28.xml><?xml version="1.0" encoding="utf-8"?>
+<Control xmlns="http://schemas.microsoft.com/VisualStudio/2011/storyboarding/control">
+  <Id Name="System.Storyboarding.WindowsAppIcons.Edit" Revision="1" Stencil="System.Storyboarding.WindowsAppIcons" StencilVersion="0.1"/>
+</Control>
+</file>
+
+<file path=customXml/item29.xml><?xml version="1.0" encoding="utf-8"?>
+<Control xmlns="http://schemas.microsoft.com/VisualStudio/2011/storyboarding/control">
+  <Id Name="System.Storyboarding.WindowsAppIcons.Clock" Revision="1" Stencil="System.Storyboarding.WindowsAppIcons" StencilVersion="0.1"/>
+</Control>
+</file>
+
+<file path=customXml/item3.xml><?xml version="1.0" encoding="utf-8"?>
 <Control xmlns="http://schemas.microsoft.com/VisualStudio/2011/storyboarding/control">
   <Id Name="System.Storyboarding.WindowsPhoneIcons.Refresh" Revision="1" Stencil="System.Storyboarding.WindowsPhoneIcons" StencilVersion="0.1"/>
 </Control>
 </file>
 
+<file path=customXml/item30.xml><?xml version="1.0" encoding="utf-8"?>
+<Control xmlns="http://schemas.microsoft.com/VisualStudio/2011/storyboarding/control">
+  <Id Name="System.Storyboarding.WindowsAppIcons.Edit" Revision="1" Stencil="System.Storyboarding.WindowsAppIcons" StencilVersion="0.1"/>
+</Control>
+</file>
+
+<file path=customXml/item31.xml><?xml version="1.0" encoding="utf-8"?>
+<Control xmlns="http://schemas.microsoft.com/VisualStudio/2011/storyboarding/control">
+  <Id Name="System.Storyboarding.WindowsPhoneIcons.Cancel" Revision="1" Stencil="System.Storyboarding.WindowsPhoneIcons" StencilVersion="0.1"/>
+</Control>
+</file>
+
+<file path=customXml/item32.xml><?xml version="1.0" encoding="utf-8"?>
+<Control xmlns="http://schemas.microsoft.com/VisualStudio/2011/storyboarding/control">
+  <Id Name="32035d07-bc66-4a79-8001-2507012193e3" RevisionId="7f6cc906-8fab-4878-8f41-90bcdc4e860e" Stencil="172d6d98-e5c9-42e9-a209-79f7a94bbd38" StencilRevisionId="00000000-0000-0000-0000-000000000000" StencilVersion="0.0"/>
+</Control>
+</file>
+
+<file path=customXml/item33.xml><?xml version="1.0" encoding="utf-8"?>
+<Control xmlns="http://schemas.microsoft.com/VisualStudio/2011/storyboarding/control">
+  <Id Name="System.Storyboarding.WindowsAppIcons.Play" Revision="1" Stencil="System.Storyboarding.WindowsAppIcons" StencilVersion="0.1"/>
+</Control>
+</file>
+
+<file path=customXml/item34.xml><?xml version="1.0" encoding="utf-8"?>
+<Control xmlns="http://schemas.microsoft.com/VisualStudio/2011/storyboarding/control">
+  <Id Name="4b4d62c4-0b58-49c3-9bd5-0f2c494cd34e" RevisionId="df283dbf-c6b0-49ce-bc2c-3341a4271bd3" Stencil="172d6d98-e5c9-42e9-a209-79f7a94bbd38" StencilRevisionId="00000000-0000-0000-0000-000000000000" StencilVersion="0.0"/>
+</Control>
+</file>
+
+<file path=customXml/item35.xml><?xml version="1.0" encoding="utf-8"?>
+<Control xmlns="http://schemas.microsoft.com/VisualStudio/2011/storyboarding/control">
+  <Id Name="System.Storyboarding.WindowsAppIcons.Play" Revision="1" Stencil="System.Storyboarding.WindowsAppIcons" StencilVersion="0.1"/>
+</Control>
+</file>
+
+<file path=customXml/item36.xml><?xml version="1.0" encoding="utf-8"?>
+<Control xmlns="http://schemas.microsoft.com/VisualStudio/2011/storyboarding/control">
+  <Id Name="System.Storyboarding.WindowsPhoneIcons.Cancel" Revision="1" Stencil="System.Storyboarding.WindowsPhoneIcons" StencilVersion="0.1"/>
+</Control>
+</file>
+
+<file path=customXml/item37.xml><?xml version="1.0" encoding="utf-8"?>
+<Control xmlns="http://schemas.microsoft.com/VisualStudio/2011/storyboarding/control">
+  <Id Name="System.Storyboarding.WindowsAppIcons.Clock" Revision="1" Stencil="System.Storyboarding.WindowsAppIcons" StencilVersion="0.1"/>
+</Control>
+</file>
+
+<file path=customXml/item38.xml><?xml version="1.0" encoding="utf-8"?>
+<Control xmlns="http://schemas.microsoft.com/VisualStudio/2011/storyboarding/control">
+  <Id Name="32035d07-bc66-4a79-8001-2507012193e3" RevisionId="7f6cc906-8fab-4878-8f41-90bcdc4e860e" Stencil="172d6d98-e5c9-42e9-a209-79f7a94bbd38" StencilRevisionId="00000000-0000-0000-0000-000000000000" StencilVersion="0.0"/>
+</Control>
+</file>
+
+<file path=customXml/item39.xml><?xml version="1.0" encoding="utf-8"?>
+<Control xmlns="http://schemas.microsoft.com/VisualStudio/2011/storyboarding/control">
+  <Id Name="System.Storyboarding.WindowsAppIcons.Edit" Revision="1" Stencil="System.Storyboarding.WindowsAppIcons" StencilVersion="0.1"/>
+</Control>
+</file>
+
+<file path=customXml/item4.xml><?xml version="1.0" encoding="utf-8"?>
+<Control xmlns="http://schemas.microsoft.com/VisualStudio/2011/storyboarding/control">
+  <Id Name="System.Storyboarding.WindowsAppIcons.Donotwant" Revision="1" Stencil="System.Storyboarding.WindowsAppIcons" StencilVersion="0.1"/>
+</Control>
+</file>
+
+<file path=customXml/item40.xml><?xml version="1.0" encoding="utf-8"?>
+<Control xmlns="http://schemas.microsoft.com/VisualStudio/2011/storyboarding/control">
+  <Id Name="System.Storyboarding.WindowsAppIcons.Edit" Revision="1" Stencil="System.Storyboarding.WindowsAppIcons" StencilVersion="0.1"/>
+</Control>
+</file>
+
+<file path=customXml/item41.xml><?xml version="1.0" encoding="utf-8"?>
+<Control xmlns="http://schemas.microsoft.com/VisualStudio/2011/storyboarding/control">
+  <Id Name="System.Storyboarding.WindowsPhoneIcons.Cancel" Revision="1" Stencil="System.Storyboarding.WindowsPhoneIcons" StencilVersion="0.1"/>
+</Control>
+</file>
+
+<file path=customXml/item42.xml><?xml version="1.0" encoding="utf-8"?>
+<Control xmlns="http://schemas.microsoft.com/VisualStudio/2011/storyboarding/control">
+  <Id Name="System.Storyboarding.WindowsAppIcons.Edit" Revision="1" Stencil="System.Storyboarding.WindowsAppIcons" StencilVersion="0.1"/>
+</Control>
+</file>
+
+<file path=customXml/item43.xml><?xml version="1.0" encoding="utf-8"?>
+<Control xmlns="http://schemas.microsoft.com/VisualStudio/2011/storyboarding/control">
+  <Id Name="System.Storyboarding.WindowsPhoneIcons.Cancel" Revision="1" Stencil="System.Storyboarding.WindowsPhoneIcons" StencilVersion="0.1"/>
+</Control>
+</file>
+
+<file path=customXml/item44.xml><?xml version="1.0" encoding="utf-8"?>
+<Control xmlns="http://schemas.microsoft.com/VisualStudio/2011/storyboarding/control">
+  <Id Name="System.Storyboarding.WindowsAppIcons.Edit" Revision="1" Stencil="System.Storyboarding.WindowsAppIcons" StencilVersion="0.1"/>
+</Control>
+</file>
+
+<file path=customXml/item45.xml><?xml version="1.0" encoding="utf-8"?>
+<Control xmlns="http://schemas.microsoft.com/VisualStudio/2011/storyboarding/control">
+  <Id Name="System.Storyboarding.WindowsPhoneIcons.Cancel" Revision="1" Stencil="System.Storyboarding.WindowsPhoneIcons" StencilVersion="0.1"/>
+</Control>
+</file>
+
+<file path=customXml/item46.xml><?xml version="1.0" encoding="utf-8"?>
+<Control xmlns="http://schemas.microsoft.com/VisualStudio/2011/storyboarding/control">
+  <Id Name="System.Storyboarding.WindowsAppIcons.Edit" Revision="1" Stencil="System.Storyboarding.WindowsAppIcons" StencilVersion="0.1"/>
+</Control>
+</file>
+
+<file path=customXml/item47.xml><?xml version="1.0" encoding="utf-8"?>
+<Control xmlns="http://schemas.microsoft.com/VisualStudio/2011/storyboarding/control">
+  <Id Name="System.Storyboarding.WindowsPhoneIcons.Cancel" Revision="1" Stencil="System.Storyboarding.WindowsPhoneIcons" StencilVersion="0.1"/>
+</Control>
+</file>
+
+<file path=customXml/item48.xml><?xml version="1.0" encoding="utf-8"?>
+<Control xmlns="http://schemas.microsoft.com/VisualStudio/2011/storyboarding/control">
+  <Id Name="System.Storyboarding.WindowsAppIcons.Edit" Revision="1" Stencil="System.Storyboarding.WindowsAppIcons" StencilVersion="0.1"/>
+</Control>
+</file>
+
+<file path=customXml/item49.xml><?xml version="1.0" encoding="utf-8"?>
+<Control xmlns="http://schemas.microsoft.com/VisualStudio/2011/storyboarding/control">
+  <Id Name="System.Storyboarding.WindowsPhoneIcons.Cancel" Revision="1" Stencil="System.Storyboarding.WindowsPhoneIcons" StencilVersion="0.1"/>
+</Control>
+</file>
+
+<file path=customXml/item5.xml><?xml version="1.0" encoding="utf-8"?>
+<Control xmlns="http://schemas.microsoft.com/VisualStudio/2011/storyboarding/control">
+  <Id Name="System.Storyboarding.WindowsAppIcons.Play" Revision="1" Stencil="System.Storyboarding.WindowsAppIcons" StencilVersion="0.1"/>
+</Control>
+</file>
+
+<file path=customXml/item50.xml><?xml version="1.0" encoding="utf-8"?>
+<Control xmlns="http://schemas.microsoft.com/VisualStudio/2011/storyboarding/control">
+  <Id Name="System.Storyboarding.WindowsAppIcons.Edit" Revision="1" Stencil="System.Storyboarding.WindowsAppIcons" StencilVersion="0.1"/>
+</Control>
+</file>
+
+<file path=customXml/item51.xml><?xml version="1.0" encoding="utf-8"?>
+<Control xmlns="http://schemas.microsoft.com/VisualStudio/2011/storyboarding/control">
+  <Id Name="System.Storyboarding.WindowsPhoneIcons.Cancel" Revision="1" Stencil="System.Storyboarding.WindowsPhoneIcons" StencilVersion="0.1"/>
+</Control>
+</file>
+
+<file path=customXml/item52.xml><?xml version="1.0" encoding="utf-8"?>
+<Control xmlns="http://schemas.microsoft.com/VisualStudio/2011/storyboarding/control">
+  <Id Name="System.Storyboarding.WindowsAppIcons.Edit" Revision="1" Stencil="System.Storyboarding.WindowsAppIcons" StencilVersion="0.1"/>
+</Control>
+</file>
+
+<file path=customXml/item53.xml><?xml version="1.0" encoding="utf-8"?>
+<Control xmlns="http://schemas.microsoft.com/VisualStudio/2011/storyboarding/control">
+  <Id Name="System.Storyboarding.WindowsPhoneIcons.Cancel" Revision="1" Stencil="System.Storyboarding.WindowsPhoneIcons" StencilVersion="0.1"/>
+</Control>
+</file>
+
+<file path=customXml/item54.xml><?xml version="1.0" encoding="utf-8"?>
+<Control xmlns="http://schemas.microsoft.com/VisualStudio/2011/storyboarding/control">
+  <Id Name="System.Storyboarding.WindowsAppIcons.Edit" Revision="1" Stencil="System.Storyboarding.WindowsAppIcons" StencilVersion="0.1"/>
+</Control>
+</file>
+
+<file path=customXml/item55.xml><?xml version="1.0" encoding="utf-8"?>
+<Control xmlns="http://schemas.microsoft.com/VisualStudio/2011/storyboarding/control">
+  <Id Name="System.Storyboarding.WindowsPhoneIcons.Cancel" Revision="1" Stencil="System.Storyboarding.WindowsPhoneIcons" StencilVersion="0.1"/>
+</Control>
+</file>
+
+<file path=customXml/item56.xml><?xml version="1.0" encoding="utf-8"?>
+<Control xmlns="http://schemas.microsoft.com/VisualStudio/2011/storyboarding/control">
+  <Id Name="System.Storyboarding.WindowsAppIcons.Edit" Revision="1" Stencil="System.Storyboarding.WindowsAppIcons" StencilVersion="0.1"/>
+</Control>
+</file>
+
+<file path=customXml/item57.xml><?xml version="1.0" encoding="utf-8"?>
+<Control xmlns="http://schemas.microsoft.com/VisualStudio/2011/storyboarding/control">
+  <Id Name="System.Storyboarding.WindowsPhoneIcons.Cancel" Revision="1" Stencil="System.Storyboarding.WindowsPhoneIcons" StencilVersion="0.1"/>
+</Control>
+</file>
+
+<file path=customXml/item58.xml><?xml version="1.0" encoding="utf-8"?>
+<Control xmlns="http://schemas.microsoft.com/VisualStudio/2011/storyboarding/control">
+  <Id Name="System.Storyboarding.WindowsAppIcons.Edit" Revision="1" Stencil="System.Storyboarding.WindowsAppIcons" StencilVersion="0.1"/>
+</Control>
+</file>
+
+<file path=customXml/item59.xml><?xml version="1.0" encoding="utf-8"?>
+<Control xmlns="http://schemas.microsoft.com/VisualStudio/2011/storyboarding/control">
+  <Id Name="System.Storyboarding.WindowsPhoneIcons.Cancel" Revision="1" Stencil="System.Storyboarding.WindowsPhoneIcons" StencilVersion="0.1"/>
+</Control>
+</file>
+
+<file path=customXml/item6.xml><?xml version="1.0" encoding="utf-8"?>
+<Control xmlns="http://schemas.microsoft.com/VisualStudio/2011/storyboarding/control">
+  <Id Name="System.Storyboarding.WindowsAppIcons.Minus" Revision="1" Stencil="System.Storyboarding.WindowsAppIcons" StencilVersion="0.1"/>
+</Control>
+</file>
+
+<file path=customXml/item60.xml><?xml version="1.0" encoding="utf-8"?>
+<Control xmlns="http://schemas.microsoft.com/VisualStudio/2011/storyboarding/control">
+  <Id Name="System.Storyboarding.WindowsPhoneIcons.Rewind" Revision="1" Stencil="System.Storyboarding.WindowsPhoneIcons" StencilVersion="0.1"/>
+</Control>
+</file>
+
+<file path=customXml/item61.xml><?xml version="1.0" encoding="utf-8"?>
+<Control xmlns="http://schemas.microsoft.com/VisualStudio/2011/storyboarding/control">
+  <Id Name="System.Storyboarding.WindowsPhoneIcons.Rewind" Revision="1" Stencil="System.Storyboarding.WindowsPhoneIcons" StencilVersion="0.1"/>
+</Control>
+</file>
+
+<file path=customXml/item62.xml><?xml version="1.0" encoding="utf-8"?>
+<Control xmlns="http://schemas.microsoft.com/VisualStudio/2011/storyboarding/control">
+  <Id Name="System.Storyboarding.WindowsPhoneIcons.FastForward" Revision="1" Stencil="System.Storyboarding.WindowsPhoneIcons" StencilVersion="0.1"/>
+</Control>
+</file>
+
+<file path=customXml/item63.xml><?xml version="1.0" encoding="utf-8"?>
+<Control xmlns="http://schemas.microsoft.com/VisualStudio/2011/storyboarding/control">
+  <Id Name="System.Storyboarding.WindowsAppIcons.Retweet" Revision="1" Stencil="System.Storyboarding.WindowsAppIcons" StencilVersion="0.1"/>
+</Control>
+</file>
+
 <file path=customXml/item7.xml><?xml version="1.0" encoding="utf-8"?>
 <Control xmlns="http://schemas.microsoft.com/VisualStudio/2011/storyboarding/control">
-  <Id Name="System.Storyboarding.WindowsPhoneIcons.Minus" Revision="1" Stencil="System.Storyboarding.WindowsPhoneIcons" StencilVersion="0.1"/>
+  <Id Name="System.Storyboarding.WindowsAppIcons.Play" Revision="1" Stencil="System.Storyboarding.WindowsAppIcons" StencilVersion="0.1"/>
 </Control>
 </file>
 
+<file path=customXml/item8.xml><?xml version="1.0" encoding="utf-8"?>
+<Control xmlns="http://schemas.microsoft.com/VisualStudio/2011/storyboarding/control">
+  <Id Name="System.Storyboarding.WindowsAppIcons.Play" Revision="1" Stencil="System.Storyboarding.WindowsAppIcons" StencilVersion="0.1"/>
+</Control>
+</file>
+
+<file path=customXml/item9.xml><?xml version="1.0" encoding="utf-8"?>
+<Control xmlns="http://schemas.microsoft.com/VisualStudio/2011/storyboarding/control">
+  <Id Name="System.Storyboarding.WindowsAppIcons.Edit" Revision="1" Stencil="System.Storyboarding.WindowsAppIcons" StencilVersion="0.1"/>
+</Control>
+</file>
+
 <file path=customXml/itemProps1.xml><?xml version="1.0" encoding="utf-8"?>
+<ds:datastoreItem xmlns:ds="http://schemas.openxmlformats.org/officeDocument/2006/customXml" ds:itemID="{182A85CA-4E58-49C8-8C48-758766C210A9}">
+  <ds:schemaRefs>
+    <ds:schemaRef ds:uri="http://schemas.microsoft.com/VisualStudio/2011/storyboarding/control"/>
+  </ds:schemaRefs>
+</ds:datastoreItem>
+</file>
+
+<file path=customXml/itemProps10.xml><?xml version="1.0" encoding="utf-8"?>
+<ds:datastoreItem xmlns:ds="http://schemas.openxmlformats.org/officeDocument/2006/customXml" ds:itemID="{F7BFCA9F-A0B1-4AC1-AD74-CE9E4213160F}">
+  <ds:schemaRefs>
+    <ds:schemaRef ds:uri="http://schemas.microsoft.com/VisualStudio/2011/storyboarding/control"/>
+  </ds:schemaRefs>
+</ds:datastoreItem>
+</file>
+
+<file path=customXml/itemProps11.xml><?xml version="1.0" encoding="utf-8"?>
+<ds:datastoreItem xmlns:ds="http://schemas.openxmlformats.org/officeDocument/2006/customXml" ds:itemID="{F9BC2D1E-7C73-45D1-9E4F-E6345E51DF2D}">
+  <ds:schemaRefs>
+    <ds:schemaRef ds:uri="http://schemas.microsoft.com/VisualStudio/2011/storyboarding/control"/>
+  </ds:schemaRefs>
+</ds:datastoreItem>
+</file>
+
+<file path=customXml/itemProps12.xml><?xml version="1.0" encoding="utf-8"?>
+<ds:datastoreItem xmlns:ds="http://schemas.openxmlformats.org/officeDocument/2006/customXml" ds:itemID="{CB538EC4-2D5D-4BC6-AFD7-AF4FD42C21A7}">
+  <ds:schemaRefs>
+    <ds:schemaRef ds:uri="http://schemas.microsoft.com/VisualStudio/2011/storyboarding/control"/>
+  </ds:schemaRefs>
+</ds:datastoreItem>
+</file>
+
+<file path=customXml/itemProps13.xml><?xml version="1.0" encoding="utf-8"?>
+<ds:datastoreItem xmlns:ds="http://schemas.openxmlformats.org/officeDocument/2006/customXml" ds:itemID="{7D8A3F15-58CA-4DA9-A6C9-5E4399E681CE}">
+  <ds:schemaRefs>
+    <ds:schemaRef ds:uri="http://schemas.microsoft.com/VisualStudio/2011/storyboarding/control"/>
+  </ds:schemaRefs>
+</ds:datastoreItem>
+</file>
+
+<file path=customXml/itemProps14.xml><?xml version="1.0" encoding="utf-8"?>
+<ds:datastoreItem xmlns:ds="http://schemas.openxmlformats.org/officeDocument/2006/customXml" ds:itemID="{5D95BE6E-D5AB-409A-85E4-CE7D6FA00509}">
+  <ds:schemaRefs>
+    <ds:schemaRef ds:uri="http://schemas.microsoft.com/VisualStudio/2011/storyboarding/control"/>
+  </ds:schemaRefs>
+</ds:datastoreItem>
+</file>
+
+<file path=customXml/itemProps15.xml><?xml version="1.0" encoding="utf-8"?>
+<ds:datastoreItem xmlns:ds="http://schemas.openxmlformats.org/officeDocument/2006/customXml" ds:itemID="{0CAA02FD-32C9-42E8-98BE-0EAAD29173F4}">
+  <ds:schemaRefs>
+    <ds:schemaRef ds:uri="http://schemas.microsoft.com/VisualStudio/2011/storyboarding/control"/>
+  </ds:schemaRefs>
+</ds:datastoreItem>
+</file>
+
+<file path=customXml/itemProps16.xml><?xml version="1.0" encoding="utf-8"?>
+<ds:datastoreItem xmlns:ds="http://schemas.openxmlformats.org/officeDocument/2006/customXml" ds:itemID="{66C429A6-A1FB-4A44-9868-139AEFE376E0}">
+  <ds:schemaRefs>
+    <ds:schemaRef ds:uri="http://schemas.microsoft.com/VisualStudio/2011/storyboarding/control"/>
+  </ds:schemaRefs>
+</ds:datastoreItem>
+</file>
+
+<file path=customXml/itemProps17.xml><?xml version="1.0" encoding="utf-8"?>
+<ds:datastoreItem xmlns:ds="http://schemas.openxmlformats.org/officeDocument/2006/customXml" ds:itemID="{6E845879-650B-4022-A35E-856E74320ACC}">
+  <ds:schemaRefs>
+    <ds:schemaRef ds:uri="http://schemas.microsoft.com/VisualStudio/2011/storyboarding/control"/>
+  </ds:schemaRefs>
+</ds:datastoreItem>
+</file>
+
+<file path=customXml/itemProps18.xml><?xml version="1.0" encoding="utf-8"?>
+<ds:datastoreItem xmlns:ds="http://schemas.openxmlformats.org/officeDocument/2006/customXml" ds:itemID="{96BD8081-566A-4B7A-9794-537613F8A560}">
+  <ds:schemaRefs>
+    <ds:schemaRef ds:uri="http://schemas.microsoft.com/VisualStudio/2011/storyboarding/control"/>
+  </ds:schemaRefs>
+</ds:datastoreItem>
+</file>
+
+<file path=customXml/itemProps19.xml><?xml version="1.0" encoding="utf-8"?>
+<ds:datastoreItem xmlns:ds="http://schemas.openxmlformats.org/officeDocument/2006/customXml" ds:itemID="{BC2C5481-5539-4A2E-88CE-EE6972284F48}">
+  <ds:schemaRefs>
+    <ds:schemaRef ds:uri="http://schemas.microsoft.com/VisualStudio/2011/storyboarding/control"/>
+  </ds:schemaRefs>
+</ds:datastoreItem>
+</file>
+
+<file path=customXml/itemProps2.xml><?xml version="1.0" encoding="utf-8"?>
+<ds:datastoreItem xmlns:ds="http://schemas.openxmlformats.org/officeDocument/2006/customXml" ds:itemID="{4B90C7DA-FFAF-434B-A961-A1A1B575F753}">
+  <ds:schemaRefs>
+    <ds:schemaRef ds:uri="http://schemas.microsoft.com/VisualStudio/2011/storyboarding/control"/>
+  </ds:schemaRefs>
+</ds:datastoreItem>
+</file>
+
+<file path=customXml/itemProps20.xml><?xml version="1.0" encoding="utf-8"?>
+<ds:datastoreItem xmlns:ds="http://schemas.openxmlformats.org/officeDocument/2006/customXml" ds:itemID="{5B8607FE-59BB-43C3-BBC9-D002A93B2860}">
+  <ds:schemaRefs>
+    <ds:schemaRef ds:uri="http://schemas.microsoft.com/VisualStudio/2011/storyboarding/control"/>
+  </ds:schemaRefs>
+</ds:datastoreItem>
+</file>
+
+<file path=customXml/itemProps21.xml><?xml version="1.0" encoding="utf-8"?>
+<ds:datastoreItem xmlns:ds="http://schemas.openxmlformats.org/officeDocument/2006/customXml" ds:itemID="{2DB54B02-095B-4767-A849-7F09D55BDBEC}">
+  <ds:schemaRefs>
+    <ds:schemaRef ds:uri="http://schemas.microsoft.com/VisualStudio/2011/storyboarding/control"/>
+  </ds:schemaRefs>
+</ds:datastoreItem>
+</file>
+
+<file path=customXml/itemProps22.xml><?xml version="1.0" encoding="utf-8"?>
+<ds:datastoreItem xmlns:ds="http://schemas.openxmlformats.org/officeDocument/2006/customXml" ds:itemID="{A6484AF2-F055-4C78-982B-D2156684306A}">
+  <ds:schemaRefs>
+    <ds:schemaRef ds:uri="http://schemas.microsoft.com/VisualStudio/2011/storyboarding/control"/>
+  </ds:schemaRefs>
+</ds:datastoreItem>
+</file>
+
+<file path=customXml/itemProps23.xml><?xml version="1.0" encoding="utf-8"?>
+<ds:datastoreItem xmlns:ds="http://schemas.openxmlformats.org/officeDocument/2006/customXml" ds:itemID="{7C81862B-608B-4E4F-9DB1-7DBCFE9F2139}">
+  <ds:schemaRefs>
+    <ds:schemaRef ds:uri="http://schemas.microsoft.com/VisualStudio/2011/storyboarding/control"/>
+  </ds:schemaRefs>
+</ds:datastoreItem>
+</file>
+
+<file path=customXml/itemProps24.xml><?xml version="1.0" encoding="utf-8"?>
+<ds:datastoreItem xmlns:ds="http://schemas.openxmlformats.org/officeDocument/2006/customXml" ds:itemID="{A822EFA2-5211-415D-91B1-1D2F11D7CBDF}">
+  <ds:schemaRefs>
+    <ds:schemaRef ds:uri="http://schemas.microsoft.com/VisualStudio/2011/storyboarding/control"/>
+  </ds:schemaRefs>
+</ds:datastoreItem>
+</file>
+
+<file path=customXml/itemProps25.xml><?xml version="1.0" encoding="utf-8"?>
+<ds:datastoreItem xmlns:ds="http://schemas.openxmlformats.org/officeDocument/2006/customXml" ds:itemID="{6CC874DE-6D79-4EBA-A0F5-DB01923D7AE0}">
+  <ds:schemaRefs>
+    <ds:schemaRef ds:uri="http://schemas.microsoft.com/VisualStudio/2011/storyboarding/control"/>
+  </ds:schemaRefs>
+</ds:datastoreItem>
+</file>
+
+<file path=customXml/itemProps26.xml><?xml version="1.0" encoding="utf-8"?>
+<ds:datastoreItem xmlns:ds="http://schemas.openxmlformats.org/officeDocument/2006/customXml" ds:itemID="{43B5ED86-0060-4D69-806F-5CA89175AE14}">
+  <ds:schemaRefs>
+    <ds:schemaRef ds:uri="http://schemas.microsoft.com/VisualStudio/2011/storyboarding/control"/>
+  </ds:schemaRefs>
+</ds:datastoreItem>
+</file>
+
+<file path=customXml/itemProps27.xml><?xml version="1.0" encoding="utf-8"?>
+<ds:datastoreItem xmlns:ds="http://schemas.openxmlformats.org/officeDocument/2006/customXml" ds:itemID="{2693F098-32A1-41BE-97F8-CEDAE063F99E}">
+  <ds:schemaRefs>
+    <ds:schemaRef ds:uri="http://schemas.microsoft.com/VisualStudio/2011/storyboarding/control"/>
+  </ds:schemaRefs>
+</ds:datastoreItem>
+</file>
+
+<file path=customXml/itemProps28.xml><?xml version="1.0" encoding="utf-8"?>
+<ds:datastoreItem xmlns:ds="http://schemas.openxmlformats.org/officeDocument/2006/customXml" ds:itemID="{2C816A0A-85BC-4830-BAEE-1F53C8E67489}">
+  <ds:schemaRefs>
+    <ds:schemaRef ds:uri="http://schemas.microsoft.com/VisualStudio/2011/storyboarding/control"/>
+  </ds:schemaRefs>
+</ds:datastoreItem>
+</file>
+
+<file path=customXml/itemProps29.xml><?xml version="1.0" encoding="utf-8"?>
+<ds:datastoreItem xmlns:ds="http://schemas.openxmlformats.org/officeDocument/2006/customXml" ds:itemID="{9176D73F-88EB-4204-941E-2ADCC7F101D3}">
+  <ds:schemaRefs>
+    <ds:schemaRef ds:uri="http://schemas.microsoft.com/VisualStudio/2011/storyboarding/control"/>
+  </ds:schemaRefs>
+</ds:datastoreItem>
+</file>
+
+<file path=customXml/itemProps3.xml><?xml version="1.0" encoding="utf-8"?>
+<ds:datastoreItem xmlns:ds="http://schemas.openxmlformats.org/officeDocument/2006/customXml" ds:itemID="{F50EEE5E-70AE-4092-8CFF-7CEEF7A1A3DA}">
+  <ds:schemaRefs>
+    <ds:schemaRef ds:uri="http://schemas.microsoft.com/VisualStudio/2011/storyboarding/control"/>
+  </ds:schemaRefs>
+</ds:datastoreItem>
+</file>
+
+<file path=customXml/itemProps30.xml><?xml version="1.0" encoding="utf-8"?>
+<ds:datastoreItem xmlns:ds="http://schemas.openxmlformats.org/officeDocument/2006/customXml" ds:itemID="{6AC15D59-1985-4B02-A204-9FA5E328EF32}">
+  <ds:schemaRefs>
+    <ds:schemaRef ds:uri="http://schemas.microsoft.com/VisualStudio/2011/storyboarding/control"/>
+  </ds:schemaRefs>
+</ds:datastoreItem>
+</file>
+
+<file path=customXml/itemProps31.xml><?xml version="1.0" encoding="utf-8"?>
+<ds:datastoreItem xmlns:ds="http://schemas.openxmlformats.org/officeDocument/2006/customXml" ds:itemID="{0F4FBE72-4778-4A80-9A59-1EAA7879E88B}">
+  <ds:schemaRefs>
+    <ds:schemaRef ds:uri="http://schemas.microsoft.com/VisualStudio/2011/storyboarding/control"/>
+  </ds:schemaRefs>
+</ds:datastoreItem>
+</file>
+
+<file path=customXml/itemProps32.xml><?xml version="1.0" encoding="utf-8"?>
+<ds:datastoreItem xmlns:ds="http://schemas.openxmlformats.org/officeDocument/2006/customXml" ds:itemID="{896AE23B-403F-4EEC-900F-6E95A60A4CC1}">
+  <ds:schemaRefs>
+    <ds:schemaRef ds:uri="http://schemas.microsoft.com/VisualStudio/2011/storyboarding/control"/>
+  </ds:schemaRefs>
+</ds:datastoreItem>
+</file>
+
+<file path=customXml/itemProps33.xml><?xml version="1.0" encoding="utf-8"?>
+<ds:datastoreItem xmlns:ds="http://schemas.openxmlformats.org/officeDocument/2006/customXml" ds:itemID="{1D5DC517-E715-4F56-B43C-13839AE337F0}">
+  <ds:schemaRefs>
+    <ds:schemaRef ds:uri="http://schemas.microsoft.com/VisualStudio/2011/storyboarding/control"/>
+  </ds:schemaRefs>
+</ds:datastoreItem>
+</file>
+
+<file path=customXml/itemProps34.xml><?xml version="1.0" encoding="utf-8"?>
+<ds:datastoreItem xmlns:ds="http://schemas.openxmlformats.org/officeDocument/2006/customXml" ds:itemID="{4F1F443E-6774-443F-BAD5-FCCC4103B164}">
+  <ds:schemaRefs>
+    <ds:schemaRef ds:uri="http://schemas.microsoft.com/VisualStudio/2011/storyboarding/control"/>
+  </ds:schemaRefs>
+</ds:datastoreItem>
+</file>
+
+<file path=customXml/itemProps35.xml><?xml version="1.0" encoding="utf-8"?>
+<ds:datastoreItem xmlns:ds="http://schemas.openxmlformats.org/officeDocument/2006/customXml" ds:itemID="{E3E34527-CBA0-4787-B0F7-C2B934B5B4C4}">
+  <ds:schemaRefs>
+    <ds:schemaRef ds:uri="http://schemas.microsoft.com/VisualStudio/2011/storyboarding/control"/>
+  </ds:schemaRefs>
+</ds:datastoreItem>
+</file>
+
+<file path=customXml/itemProps36.xml><?xml version="1.0" encoding="utf-8"?>
+<ds:datastoreItem xmlns:ds="http://schemas.openxmlformats.org/officeDocument/2006/customXml" ds:itemID="{F8E474D2-D249-494A-827C-6C0C85F35C5A}">
+  <ds:schemaRefs>
+    <ds:schemaRef ds:uri="http://schemas.microsoft.com/VisualStudio/2011/storyboarding/control"/>
+  </ds:schemaRefs>
+</ds:datastoreItem>
+</file>
+
+<file path=customXml/itemProps37.xml><?xml version="1.0" encoding="utf-8"?>
+<ds:datastoreItem xmlns:ds="http://schemas.openxmlformats.org/officeDocument/2006/customXml" ds:itemID="{8B0AB7B0-1EE2-42BF-9C41-9C904E313494}">
+  <ds:schemaRefs>
+    <ds:schemaRef ds:uri="http://schemas.microsoft.com/VisualStudio/2011/storyboarding/control"/>
+  </ds:schemaRefs>
+</ds:datastoreItem>
+</file>
+
+<file path=customXml/itemProps38.xml><?xml version="1.0" encoding="utf-8"?>
+<ds:datastoreItem xmlns:ds="http://schemas.openxmlformats.org/officeDocument/2006/customXml" ds:itemID="{A4C33EEA-7075-4651-97E3-4829E38E21EA}">
+  <ds:schemaRefs>
+    <ds:schemaRef ds:uri="http://schemas.microsoft.com/VisualStudio/2011/storyboarding/control"/>
+  </ds:schemaRefs>
+</ds:datastoreItem>
+</file>
+
+<file path=customXml/itemProps39.xml><?xml version="1.0" encoding="utf-8"?>
+<ds:datastoreItem xmlns:ds="http://schemas.openxmlformats.org/officeDocument/2006/customXml" ds:itemID="{91ED1748-2ACC-4580-9DD0-53AE211F1DA7}">
+  <ds:schemaRefs>
+    <ds:schemaRef ds:uri="http://schemas.microsoft.com/VisualStudio/2011/storyboarding/control"/>
+  </ds:schemaRefs>
+</ds:datastoreItem>
+</file>
+
+<file path=customXml/itemProps4.xml><?xml version="1.0" encoding="utf-8"?>
+<ds:datastoreItem xmlns:ds="http://schemas.openxmlformats.org/officeDocument/2006/customXml" ds:itemID="{10C4D8A6-492F-4C3D-BAAD-8273F297A317}">
+  <ds:schemaRefs>
+    <ds:schemaRef ds:uri="http://schemas.microsoft.com/VisualStudio/2011/storyboarding/control"/>
+  </ds:schemaRefs>
+</ds:datastoreItem>
+</file>
+
+<file path=customXml/itemProps40.xml><?xml version="1.0" encoding="utf-8"?>
+<ds:datastoreItem xmlns:ds="http://schemas.openxmlformats.org/officeDocument/2006/customXml" ds:itemID="{09AAF7D3-4D9D-47F0-9621-CB53A66318C0}">
+  <ds:schemaRefs>
+    <ds:schemaRef ds:uri="http://schemas.microsoft.com/VisualStudio/2011/storyboarding/control"/>
+  </ds:schemaRefs>
+</ds:datastoreItem>
+</file>
+
+<file path=customXml/itemProps41.xml><?xml version="1.0" encoding="utf-8"?>
+<ds:datastoreItem xmlns:ds="http://schemas.openxmlformats.org/officeDocument/2006/customXml" ds:itemID="{2D4E3CDC-752C-421E-817A-A9D2344595DE}">
+  <ds:schemaRefs>
+    <ds:schemaRef ds:uri="http://schemas.microsoft.com/VisualStudio/2011/storyboarding/control"/>
+  </ds:schemaRefs>
+</ds:datastoreItem>
+</file>
+
+<file path=customXml/itemProps42.xml><?xml version="1.0" encoding="utf-8"?>
+<ds:datastoreItem xmlns:ds="http://schemas.openxmlformats.org/officeDocument/2006/customXml" ds:itemID="{CC557381-0DF9-4AE0-A746-74A48780A5BE}">
+  <ds:schemaRefs>
+    <ds:schemaRef ds:uri="http://schemas.microsoft.com/VisualStudio/2011/storyboarding/control"/>
+  </ds:schemaRefs>
+</ds:datastoreItem>
+</file>
+
+<file path=customXml/itemProps43.xml><?xml version="1.0" encoding="utf-8"?>
+<ds:datastoreItem xmlns:ds="http://schemas.openxmlformats.org/officeDocument/2006/customXml" ds:itemID="{EFA40575-6F4E-445E-9D80-B0CC775DC0E1}">
+  <ds:schemaRefs>
+    <ds:schemaRef ds:uri="http://schemas.microsoft.com/VisualStudio/2011/storyboarding/control"/>
+  </ds:schemaRefs>
+</ds:datastoreItem>
+</file>
+
+<file path=customXml/itemProps44.xml><?xml version="1.0" encoding="utf-8"?>
+<ds:datastoreItem xmlns:ds="http://schemas.openxmlformats.org/officeDocument/2006/customXml" ds:itemID="{11BD6915-90EA-4F41-8AE8-401B6A2355DB}">
+  <ds:schemaRefs>
+    <ds:schemaRef ds:uri="http://schemas.microsoft.com/VisualStudio/2011/storyboarding/control"/>
+  </ds:schemaRefs>
+</ds:datastoreItem>
+</file>
+
+<file path=customXml/itemProps45.xml><?xml version="1.0" encoding="utf-8"?>
+<ds:datastoreItem xmlns:ds="http://schemas.openxmlformats.org/officeDocument/2006/customXml" ds:itemID="{27542DCB-8EFC-47CA-8570-0C93F332B27B}">
+  <ds:schemaRefs>
+    <ds:schemaRef ds:uri="http://schemas.microsoft.com/VisualStudio/2011/storyboarding/control"/>
+  </ds:schemaRefs>
+</ds:datastoreItem>
+</file>
+
+<file path=customXml/itemProps46.xml><?xml version="1.0" encoding="utf-8"?>
+<ds:datastoreItem xmlns:ds="http://schemas.openxmlformats.org/officeDocument/2006/customXml" ds:itemID="{B0DD2967-9B1E-4AF4-9E22-1FB363BF21A1}">
+  <ds:schemaRefs>
+    <ds:schemaRef ds:uri="http://schemas.microsoft.com/VisualStudio/2011/storyboarding/control"/>
+  </ds:schemaRefs>
+</ds:datastoreItem>
+</file>
+
+<file path=customXml/itemProps47.xml><?xml version="1.0" encoding="utf-8"?>
+<ds:datastoreItem xmlns:ds="http://schemas.openxmlformats.org/officeDocument/2006/customXml" ds:itemID="{8A7670A8-5D8A-499C-9FEE-E0BBB4E6BEFF}">
+  <ds:schemaRefs>
+    <ds:schemaRef ds:uri="http://schemas.microsoft.com/VisualStudio/2011/storyboarding/control"/>
+  </ds:schemaRefs>
+</ds:datastoreItem>
+</file>
+
+<file path=customXml/itemProps48.xml><?xml version="1.0" encoding="utf-8"?>
+<ds:datastoreItem xmlns:ds="http://schemas.openxmlformats.org/officeDocument/2006/customXml" ds:itemID="{EC8AFA28-5388-46A0-B0AF-CDC06E1AFD31}">
+  <ds:schemaRefs>
+    <ds:schemaRef ds:uri="http://schemas.microsoft.com/VisualStudio/2011/storyboarding/control"/>
+  </ds:schemaRefs>
+</ds:datastoreItem>
+</file>
+
+<file path=customXml/itemProps49.xml><?xml version="1.0" encoding="utf-8"?>
+<ds:datastoreItem xmlns:ds="http://schemas.openxmlformats.org/officeDocument/2006/customXml" ds:itemID="{FDB8CFE8-3808-4247-A2FD-35E246A153DC}">
+  <ds:schemaRefs>
+    <ds:schemaRef ds:uri="http://schemas.microsoft.com/VisualStudio/2011/storyboarding/control"/>
+  </ds:schemaRefs>
+</ds:datastoreItem>
+</file>
+
+<file path=customXml/itemProps5.xml><?xml version="1.0" encoding="utf-8"?>
+<ds:datastoreItem xmlns:ds="http://schemas.openxmlformats.org/officeDocument/2006/customXml" ds:itemID="{290B1F0A-87D8-47BA-9898-8D500A95812B}">
+  <ds:schemaRefs>
+    <ds:schemaRef ds:uri="http://schemas.microsoft.com/VisualStudio/2011/storyboarding/control"/>
+  </ds:schemaRefs>
+</ds:datastoreItem>
+</file>
+
+<file path=customXml/itemProps50.xml><?xml version="1.0" encoding="utf-8"?>
+<ds:datastoreItem xmlns:ds="http://schemas.openxmlformats.org/officeDocument/2006/customXml" ds:itemID="{80A2EE3F-8E5E-4E02-8371-075F75881CC2}">
+  <ds:schemaRefs>
+    <ds:schemaRef ds:uri="http://schemas.microsoft.com/VisualStudio/2011/storyboarding/control"/>
+  </ds:schemaRefs>
+</ds:datastoreItem>
+</file>
+
+<file path=customXml/itemProps51.xml><?xml version="1.0" encoding="utf-8"?>
+<ds:datastoreItem xmlns:ds="http://schemas.openxmlformats.org/officeDocument/2006/customXml" ds:itemID="{DE740E6A-43E5-497F-8F78-B904C61CB614}">
+  <ds:schemaRefs>
+    <ds:schemaRef ds:uri="http://schemas.microsoft.com/VisualStudio/2011/storyboarding/control"/>
+  </ds:schemaRefs>
+</ds:datastoreItem>
+</file>
+
+<file path=customXml/itemProps52.xml><?xml version="1.0" encoding="utf-8"?>
+<ds:datastoreItem xmlns:ds="http://schemas.openxmlformats.org/officeDocument/2006/customXml" ds:itemID="{34422DFF-D2BE-4305-8DA3-E0E99CFA01F4}">
+  <ds:schemaRefs>
+    <ds:schemaRef ds:uri="http://schemas.microsoft.com/VisualStudio/2011/storyboarding/control"/>
+  </ds:schemaRefs>
+</ds:datastoreItem>
+</file>
+
+<file path=customXml/itemProps53.xml><?xml version="1.0" encoding="utf-8"?>
+<ds:datastoreItem xmlns:ds="http://schemas.openxmlformats.org/officeDocument/2006/customXml" ds:itemID="{D8EE4C6F-B1D4-4AC9-928F-40B58F8389AA}">
+  <ds:schemaRefs>
+    <ds:schemaRef ds:uri="http://schemas.microsoft.com/VisualStudio/2011/storyboarding/control"/>
+  </ds:schemaRefs>
+</ds:datastoreItem>
+</file>
+
+<file path=customXml/itemProps54.xml><?xml version="1.0" encoding="utf-8"?>
+<ds:datastoreItem xmlns:ds="http://schemas.openxmlformats.org/officeDocument/2006/customXml" ds:itemID="{FB9740A1-8F0C-4AA2-A2C9-15A377DC91A6}">
+  <ds:schemaRefs>
+    <ds:schemaRef ds:uri="http://schemas.microsoft.com/VisualStudio/2011/storyboarding/control"/>
+  </ds:schemaRefs>
+</ds:datastoreItem>
+</file>
+
+<file path=customXml/itemProps55.xml><?xml version="1.0" encoding="utf-8"?>
+<ds:datastoreItem xmlns:ds="http://schemas.openxmlformats.org/officeDocument/2006/customXml" ds:itemID="{35E8E4AC-13BF-495B-B0AA-5F07A0EB9441}">
+  <ds:schemaRefs>
+    <ds:schemaRef ds:uri="http://schemas.microsoft.com/VisualStudio/2011/storyboarding/control"/>
+  </ds:schemaRefs>
+</ds:datastoreItem>
+</file>
+
+<file path=customXml/itemProps56.xml><?xml version="1.0" encoding="utf-8"?>
+<ds:datastoreItem xmlns:ds="http://schemas.openxmlformats.org/officeDocument/2006/customXml" ds:itemID="{A76A203E-9FD7-42C2-8FEF-B018DFF7E4D1}">
+  <ds:schemaRefs>
+    <ds:schemaRef ds:uri="http://schemas.microsoft.com/VisualStudio/2011/storyboarding/control"/>
+  </ds:schemaRefs>
+</ds:datastoreItem>
+</file>
+
+<file path=customXml/itemProps57.xml><?xml version="1.0" encoding="utf-8"?>
+<ds:datastoreItem xmlns:ds="http://schemas.openxmlformats.org/officeDocument/2006/customXml" ds:itemID="{855315B8-2A4D-4E8D-AAC1-C0281182FD5B}">
+  <ds:schemaRefs>
+    <ds:schemaRef ds:uri="http://schemas.microsoft.com/VisualStudio/2011/storyboarding/control"/>
+  </ds:schemaRefs>
+</ds:datastoreItem>
+</file>
+
+<file path=customXml/itemProps58.xml><?xml version="1.0" encoding="utf-8"?>
+<ds:datastoreItem xmlns:ds="http://schemas.openxmlformats.org/officeDocument/2006/customXml" ds:itemID="{6BD8AD1D-48A9-4F6D-9433-F36CBEB3125F}">
+  <ds:schemaRefs>
+    <ds:schemaRef ds:uri="http://schemas.microsoft.com/VisualStudio/2011/storyboarding/control"/>
+  </ds:schemaRefs>
+</ds:datastoreItem>
+</file>
+
+<file path=customXml/itemProps59.xml><?xml version="1.0" encoding="utf-8"?>
+<ds:datastoreItem xmlns:ds="http://schemas.openxmlformats.org/officeDocument/2006/customXml" ds:itemID="{69819B4B-C652-4029-9D6F-1F30F2207B1C}">
+  <ds:schemaRefs>
+    <ds:schemaRef ds:uri="http://schemas.microsoft.com/VisualStudio/2011/storyboarding/control"/>
+  </ds:schemaRefs>
+</ds:datastoreItem>
+</file>
+
+<file path=customXml/itemProps6.xml><?xml version="1.0" encoding="utf-8"?>
+<ds:datastoreItem xmlns:ds="http://schemas.openxmlformats.org/officeDocument/2006/customXml" ds:itemID="{04504D90-2CEB-4E3A-A555-86C532BE774F}">
+  <ds:schemaRefs>
+    <ds:schemaRef ds:uri="http://schemas.microsoft.com/VisualStudio/2011/storyboarding/control"/>
+  </ds:schemaRefs>
+</ds:datastoreItem>
+</file>
+
+<file path=customXml/itemProps60.xml><?xml version="1.0" encoding="utf-8"?>
+<ds:datastoreItem xmlns:ds="http://schemas.openxmlformats.org/officeDocument/2006/customXml" ds:itemID="{8C16C620-F89C-496A-ABC2-EBAA770A5D2B}">
+  <ds:schemaRefs>
+    <ds:schemaRef ds:uri="http://schemas.microsoft.com/VisualStudio/2011/storyboarding/control"/>
+  </ds:schemaRefs>
+</ds:datastoreItem>
+</file>
+
+<file path=customXml/itemProps61.xml><?xml version="1.0" encoding="utf-8"?>
+<ds:datastoreItem xmlns:ds="http://schemas.openxmlformats.org/officeDocument/2006/customXml" ds:itemID="{541D200C-886D-4393-A468-D257F7CE4C2E}">
+  <ds:schemaRefs>
+    <ds:schemaRef ds:uri="http://schemas.microsoft.com/VisualStudio/2011/storyboarding/control"/>
+  </ds:schemaRefs>
+</ds:datastoreItem>
+</file>
+
+<file path=customXml/itemProps62.xml><?xml version="1.0" encoding="utf-8"?>
+<ds:datastoreItem xmlns:ds="http://schemas.openxmlformats.org/officeDocument/2006/customXml" ds:itemID="{8B4AE673-39D1-4921-A713-E0BD45B32E43}">
+  <ds:schemaRefs>
+    <ds:schemaRef ds:uri="http://schemas.microsoft.com/VisualStudio/2011/storyboarding/control"/>
+  </ds:schemaRefs>
+</ds:datastoreItem>
+</file>
+
+<file path=customXml/itemProps63.xml><?xml version="1.0" encoding="utf-8"?>
+<ds:datastoreItem xmlns:ds="http://schemas.openxmlformats.org/officeDocument/2006/customXml" ds:itemID="{AEE75C41-50A0-4E2E-8E71-75152E4221D1}">
+  <ds:schemaRefs>
+    <ds:schemaRef ds:uri="http://schemas.microsoft.com/VisualStudio/2011/storyboarding/control"/>
+  </ds:schemaRefs>
+</ds:datastoreItem>
+</file>
+
+<file path=customXml/itemProps7.xml><?xml version="1.0" encoding="utf-8"?>
+<ds:datastoreItem xmlns:ds="http://schemas.openxmlformats.org/officeDocument/2006/customXml" ds:itemID="{FF1022A0-DAA8-4910-B054-25E1EE26A5AC}">
+  <ds:schemaRefs>
+    <ds:schemaRef ds:uri="http://schemas.microsoft.com/VisualStudio/2011/storyboarding/control"/>
+  </ds:schemaRefs>
+</ds:datastoreItem>
+</file>
+
+<file path=customXml/itemProps8.xml><?xml version="1.0" encoding="utf-8"?>
+<ds:datastoreItem xmlns:ds="http://schemas.openxmlformats.org/officeDocument/2006/customXml" ds:itemID="{FBDB9D4B-5D23-4316-AE7E-E386D2E702D4}">
+  <ds:schemaRefs>
+    <ds:schemaRef ds:uri="http://schemas.microsoft.com/VisualStudio/2011/storyboarding/control"/>
+  </ds:schemaRefs>
+</ds:datastoreItem>
+</file>
+
+<file path=customXml/itemProps9.xml><?xml version="1.0" encoding="utf-8"?>
 <ds:datastoreItem xmlns:ds="http://schemas.openxmlformats.org/officeDocument/2006/customXml" ds:itemID="{61361C12-AEB1-4243-8694-E22DB7BB0B58}">
   <ds:schemaRefs>
     <ds:schemaRef ds:uri="http://schemas.microsoft.com/VisualStudio/2011/storyboarding/control"/>
   </ds:schemaRefs>
 </ds:datastoreItem>
-</file>
-
-<file path=customXml/itemProps2.xml><?xml version="1.0" encoding="utf-8"?>
-<ds:datastoreItem xmlns:ds="http://schemas.openxmlformats.org/officeDocument/2006/customXml" ds:itemID="{5D95BE6E-D5AB-409A-85E4-CE7D6FA00509}">
-  <ds:schemaRefs>
-    <ds:schemaRef ds:uri="http://schemas.microsoft.com/VisualStudio/2011/storyboarding/control"/>
-  </ds:schemaRefs>
-</ds:datastoreItem>
-</file>
-
-<file path=customXml/itemProps3.xml><?xml version="1.0" encoding="utf-8"?>
-<ds:datastoreItem xmlns:ds="http://schemas.openxmlformats.org/officeDocument/2006/customXml" ds:itemID="{5B8607FE-59BB-43C3-BBC9-D002A93B2860}">
-  <ds:schemaRefs>
-    <ds:schemaRef ds:uri="http://schemas.microsoft.com/VisualStudio/2011/storyboarding/control"/>
-  </ds:schemaRefs>
-</ds:datastoreItem>
-</file>
-
-<file path=customXml/itemProps4.xml><?xml version="1.0" encoding="utf-8"?>
-<ds:datastoreItem xmlns:ds="http://schemas.openxmlformats.org/officeDocument/2006/customXml" ds:itemID="{0F4FBE72-4778-4A80-9A59-1EAA7879E88B}">
-  <ds:schemaRefs>
-    <ds:schemaRef ds:uri="http://schemas.microsoft.com/VisualStudio/2011/storyboarding/control"/>
-  </ds:schemaRefs>
-</ds:datastoreItem>
-</file>
-
-<file path=customXml/itemProps5.xml><?xml version="1.0" encoding="utf-8"?>
-<ds:datastoreItem xmlns:ds="http://schemas.openxmlformats.org/officeDocument/2006/customXml" ds:itemID="{182A85CA-4E58-49C8-8C48-758766C210A9}">
-  <ds:schemaRefs>
-    <ds:schemaRef ds:uri="http://schemas.microsoft.com/VisualStudio/2011/storyboarding/control"/>
-  </ds:schemaRefs>
-</ds:datastoreItem>
-</file>
-
-<file path=customXml/itemProps6.xml><?xml version="1.0" encoding="utf-8"?>
-<ds:datastoreItem xmlns:ds="http://schemas.openxmlformats.org/officeDocument/2006/customXml" ds:itemID="{F50EEE5E-70AE-4092-8CFF-7CEEF7A1A3DA}">
-  <ds:schemaRefs>
-    <ds:schemaRef ds:uri="http://schemas.microsoft.com/VisualStudio/2011/storyboarding/control"/>
-  </ds:schemaRefs>
-</ds:datastoreItem>
-</file>
-
-<file path=customXml/itemProps7.xml><?xml version="1.0" encoding="utf-8"?>
-<ds:datastoreItem xmlns:ds="http://schemas.openxmlformats.org/officeDocument/2006/customXml" ds:itemID="{0CAA02FD-32C9-42E8-98BE-0EAAD29173F4}">
-  <ds:schemaRefs>
-    <ds:schemaRef ds:uri="http://schemas.microsoft.com/VisualStudio/2011/storyboarding/control"/>
-  </ds:schemaRefs>
-</ds:datastoreItem>
 </file>
--- a/Prototype/Icon.pptx
+++ b/Prototype/Icon.pptx
@@ -2,22 +2,22 @@
 <file path=ppt/presentation.xml><?xml version="1.0" encoding="utf-8"?>
 <p:presentation xmlns:a="http://schemas.openxmlformats.org/drawingml/2006/main" xmlns:r="http://schemas.openxmlformats.org/officeDocument/2006/relationships" xmlns:p="http://schemas.openxmlformats.org/presentationml/2006/main" saveSubsetFonts="1">
   <p:sldMasterIdLst>
-    <p:sldMasterId id="2147483648" r:id="rId64"/>
+    <p:sldMasterId id="2147483648" r:id="rId69"/>
   </p:sldMasterIdLst>
   <p:sldIdLst>
-    <p:sldId id="256" r:id="rId65"/>
-    <p:sldId id="267" r:id="rId66"/>
-    <p:sldId id="268" r:id="rId67"/>
-    <p:sldId id="258" r:id="rId68"/>
-    <p:sldId id="259" r:id="rId69"/>
-    <p:sldId id="261" r:id="rId70"/>
-    <p:sldId id="265" r:id="rId71"/>
-    <p:sldId id="264" r:id="rId72"/>
-    <p:sldId id="260" r:id="rId73"/>
-    <p:sldId id="262" r:id="rId74"/>
-    <p:sldId id="263" r:id="rId75"/>
-    <p:sldId id="266" r:id="rId76"/>
-    <p:sldId id="257" r:id="rId77"/>
+    <p:sldId id="256" r:id="rId70"/>
+    <p:sldId id="267" r:id="rId71"/>
+    <p:sldId id="268" r:id="rId72"/>
+    <p:sldId id="258" r:id="rId73"/>
+    <p:sldId id="259" r:id="rId74"/>
+    <p:sldId id="261" r:id="rId75"/>
+    <p:sldId id="265" r:id="rId76"/>
+    <p:sldId id="264" r:id="rId77"/>
+    <p:sldId id="260" r:id="rId78"/>
+    <p:sldId id="262" r:id="rId79"/>
+    <p:sldId id="263" r:id="rId80"/>
+    <p:sldId id="266" r:id="rId81"/>
+    <p:sldId id="257" r:id="rId82"/>
   </p:sldIdLst>
   <p:sldSz cx="12192000" cy="6858000"/>
   <p:notesSz cx="6858000" cy="9144000"/>
@@ -271,7 +271,7 @@
           <a:p>
             <a:fld id="{245C2C28-0D12-4EC8-9616-6109F8E9BCEB}" type="datetimeFigureOut">
               <a:rPr lang="en-US" smtClean="0"/>
-              <a:t>1/23/2019</a:t>
+              <a:t>4/11/2019</a:t>
             </a:fld>
             <a:endParaRPr lang="en-US"/>
           </a:p>
@@ -469,7 +469,7 @@
           <a:p>
             <a:fld id="{245C2C28-0D12-4EC8-9616-6109F8E9BCEB}" type="datetimeFigureOut">
               <a:rPr lang="en-US" smtClean="0"/>
-              <a:t>1/23/2019</a:t>
+              <a:t>4/11/2019</a:t>
             </a:fld>
             <a:endParaRPr lang="en-US"/>
           </a:p>
@@ -677,7 +677,7 @@
           <a:p>
             <a:fld id="{245C2C28-0D12-4EC8-9616-6109F8E9BCEB}" type="datetimeFigureOut">
               <a:rPr lang="en-US" smtClean="0"/>
-              <a:t>1/23/2019</a:t>
+              <a:t>4/11/2019</a:t>
             </a:fld>
             <a:endParaRPr lang="en-US"/>
           </a:p>
@@ -875,7 +875,7 @@
           <a:p>
             <a:fld id="{245C2C28-0D12-4EC8-9616-6109F8E9BCEB}" type="datetimeFigureOut">
               <a:rPr lang="en-US" smtClean="0"/>
-              <a:t>1/23/2019</a:t>
+              <a:t>4/11/2019</a:t>
             </a:fld>
             <a:endParaRPr lang="en-US"/>
           </a:p>
@@ -1150,7 +1150,7 @@
           <a:p>
             <a:fld id="{245C2C28-0D12-4EC8-9616-6109F8E9BCEB}" type="datetimeFigureOut">
               <a:rPr lang="en-US" smtClean="0"/>
-              <a:t>1/23/2019</a:t>
+              <a:t>4/11/2019</a:t>
             </a:fld>
             <a:endParaRPr lang="en-US"/>
           </a:p>
@@ -1415,7 +1415,7 @@
           <a:p>
             <a:fld id="{245C2C28-0D12-4EC8-9616-6109F8E9BCEB}" type="datetimeFigureOut">
               <a:rPr lang="en-US" smtClean="0"/>
-              <a:t>1/23/2019</a:t>
+              <a:t>4/11/2019</a:t>
             </a:fld>
             <a:endParaRPr lang="en-US"/>
           </a:p>
@@ -1827,7 +1827,7 @@
           <a:p>
             <a:fld id="{245C2C28-0D12-4EC8-9616-6109F8E9BCEB}" type="datetimeFigureOut">
               <a:rPr lang="en-US" smtClean="0"/>
-              <a:t>1/23/2019</a:t>
+              <a:t>4/11/2019</a:t>
             </a:fld>
             <a:endParaRPr lang="en-US"/>
           </a:p>
@@ -1968,7 +1968,7 @@
           <a:p>
             <a:fld id="{245C2C28-0D12-4EC8-9616-6109F8E9BCEB}" type="datetimeFigureOut">
               <a:rPr lang="en-US" smtClean="0"/>
-              <a:t>1/23/2019</a:t>
+              <a:t>4/11/2019</a:t>
             </a:fld>
             <a:endParaRPr lang="en-US"/>
           </a:p>
@@ -2081,7 +2081,7 @@
           <a:p>
             <a:fld id="{245C2C28-0D12-4EC8-9616-6109F8E9BCEB}" type="datetimeFigureOut">
               <a:rPr lang="en-US" smtClean="0"/>
-              <a:t>1/23/2019</a:t>
+              <a:t>4/11/2019</a:t>
             </a:fld>
             <a:endParaRPr lang="en-US"/>
           </a:p>
@@ -2392,7 +2392,7 @@
           <a:p>
             <a:fld id="{245C2C28-0D12-4EC8-9616-6109F8E9BCEB}" type="datetimeFigureOut">
               <a:rPr lang="en-US" smtClean="0"/>
-              <a:t>1/23/2019</a:t>
+              <a:t>4/11/2019</a:t>
             </a:fld>
             <a:endParaRPr lang="en-US"/>
           </a:p>
@@ -2680,7 +2680,7 @@
           <a:p>
             <a:fld id="{245C2C28-0D12-4EC8-9616-6109F8E9BCEB}" type="datetimeFigureOut">
               <a:rPr lang="en-US" smtClean="0"/>
-              <a:t>1/23/2019</a:t>
+              <a:t>4/11/2019</a:t>
             </a:fld>
             <a:endParaRPr lang="en-US"/>
           </a:p>
@@ -2921,7 +2921,7 @@
           <a:p>
             <a:fld id="{245C2C28-0D12-4EC8-9616-6109F8E9BCEB}" type="datetimeFigureOut">
               <a:rPr lang="en-US" smtClean="0"/>
-              <a:t>1/23/2019</a:t>
+              <a:t>4/11/2019</a:t>
             </a:fld>
             <a:endParaRPr lang="en-US"/>
           </a:p>
@@ -9149,7 +9149,7 @@
           </p:nvPr>
         </p:nvPicPr>
         <p:blipFill>
-          <a:blip r:embed="rId9">
+          <a:blip r:embed="rId14">
             <a:extLst>
               <a:ext uri="{28A0092B-C50C-407E-A947-70E740481C1C}">
                 <a14:useLocalDpi xmlns:a14="http://schemas.microsoft.com/office/drawing/2010/main" val="0"/>
@@ -9256,12 +9256,12 @@
             </p:cNvPicPr>
             <p:nvPr>
               <p:custDataLst>
-                <p:custData r:id="rId7"/>
+                <p:custData r:id="rId12"/>
               </p:custDataLst>
             </p:nvPr>
           </p:nvPicPr>
           <p:blipFill>
-            <a:blip r:embed="rId9">
+            <a:blip r:embed="rId14">
               <a:extLst>
                 <a:ext uri="{28A0092B-C50C-407E-A947-70E740481C1C}">
                   <a14:useLocalDpi xmlns:a14="http://schemas.microsoft.com/office/drawing/2010/main" val="0"/>
@@ -9354,7 +9354,7 @@
           </p:nvPr>
         </p:nvPicPr>
         <p:blipFill rotWithShape="1">
-          <a:blip r:embed="rId10">
+          <a:blip r:embed="rId15">
             <a:extLst>
               <a:ext uri="{28A0092B-C50C-407E-A947-70E740481C1C}">
                 <a14:useLocalDpi xmlns:a14="http://schemas.microsoft.com/office/drawing/2010/main" val="0"/>
@@ -9393,7 +9393,7 @@
           </p:nvPr>
         </p:nvPicPr>
         <p:blipFill>
-          <a:blip r:embed="rId11">
+          <a:blip r:embed="rId16">
             <a:extLst>
               <a:ext uri="{28A0092B-C50C-407E-A947-70E740481C1C}">
                 <a14:useLocalDpi xmlns:a14="http://schemas.microsoft.com/office/drawing/2010/main" val="0"/>
@@ -9433,7 +9433,7 @@
           </p:nvPr>
         </p:nvPicPr>
         <p:blipFill>
-          <a:blip r:embed="rId12">
+          <a:blip r:embed="rId17">
             <a:extLst>
               <a:ext uri="{28A0092B-C50C-407E-A947-70E740481C1C}">
                 <a14:useLocalDpi xmlns:a14="http://schemas.microsoft.com/office/drawing/2010/main" val="0"/>
@@ -9473,7 +9473,7 @@
           </p:nvPr>
         </p:nvPicPr>
         <p:blipFill>
-          <a:blip r:embed="rId13">
+          <a:blip r:embed="rId18">
             <a:extLst>
               <a:ext uri="{28A0092B-C50C-407E-A947-70E740481C1C}">
                 <a14:useLocalDpi xmlns:a14="http://schemas.microsoft.com/office/drawing/2010/main" val="0"/>
@@ -9513,7 +9513,7 @@
           </p:nvPr>
         </p:nvPicPr>
         <p:blipFill>
-          <a:blip r:embed="rId14">
+          <a:blip r:embed="rId19">
             <a:extLst>
               <a:ext uri="{28A0092B-C50C-407E-A947-70E740481C1C}">
                 <a14:useLocalDpi xmlns:a14="http://schemas.microsoft.com/office/drawing/2010/main" val="0"/>
@@ -9532,6 +9532,334 @@
           <a:prstGeom prst="rect">
             <a:avLst/>
           </a:prstGeom>
+        </p:spPr>
+      </p:pic>
+      <p:sp>
+        <p:nvSpPr>
+          <p:cNvPr id="12" name="Freeform 102">
+            <a:extLst>
+              <a:ext uri="{FF2B5EF4-FFF2-40B4-BE49-F238E27FC236}">
+                <a16:creationId xmlns:a16="http://schemas.microsoft.com/office/drawing/2014/main" id="{00FC4AC1-2F86-46AC-A6DF-7AFF82CF5A7B}"/>
+              </a:ext>
+            </a:extLst>
+          </p:cNvPr>
+          <p:cNvSpPr>
+            <a:spLocks/>
+          </p:cNvSpPr>
+          <p:nvPr>
+            <p:custDataLst>
+              <p:custData r:id="rId7"/>
+              <p:custData r:id="rId8"/>
+            </p:custDataLst>
+          </p:nvPr>
+        </p:nvSpPr>
+        <p:spPr bwMode="black">
+          <a:xfrm flipV="1">
+            <a:off x="1035503" y="3361754"/>
+            <a:ext cx="198531" cy="270709"/>
+          </a:xfrm>
+          <a:custGeom>
+            <a:avLst/>
+            <a:gdLst>
+              <a:gd name="T0" fmla="*/ 37 w 96"/>
+              <a:gd name="T1" fmla="*/ 45 h 131"/>
+              <a:gd name="T2" fmla="*/ 0 w 96"/>
+              <a:gd name="T3" fmla="*/ 83 h 131"/>
+              <a:gd name="T4" fmla="*/ 0 w 96"/>
+              <a:gd name="T5" fmla="*/ 52 h 131"/>
+              <a:gd name="T6" fmla="*/ 48 w 96"/>
+              <a:gd name="T7" fmla="*/ 0 h 131"/>
+              <a:gd name="T8" fmla="*/ 96 w 96"/>
+              <a:gd name="T9" fmla="*/ 52 h 131"/>
+              <a:gd name="T10" fmla="*/ 96 w 96"/>
+              <a:gd name="T11" fmla="*/ 83 h 131"/>
+              <a:gd name="T12" fmla="*/ 60 w 96"/>
+              <a:gd name="T13" fmla="*/ 45 h 131"/>
+              <a:gd name="T14" fmla="*/ 60 w 96"/>
+              <a:gd name="T15" fmla="*/ 131 h 131"/>
+              <a:gd name="T16" fmla="*/ 37 w 96"/>
+              <a:gd name="T17" fmla="*/ 131 h 131"/>
+              <a:gd name="T18" fmla="*/ 37 w 96"/>
+              <a:gd name="T19" fmla="*/ 45 h 131"/>
+            </a:gdLst>
+            <a:ahLst/>
+            <a:cxnLst>
+              <a:cxn ang="0">
+                <a:pos x="T0" y="T1"/>
+              </a:cxn>
+              <a:cxn ang="0">
+                <a:pos x="T2" y="T3"/>
+              </a:cxn>
+              <a:cxn ang="0">
+                <a:pos x="T4" y="T5"/>
+              </a:cxn>
+              <a:cxn ang="0">
+                <a:pos x="T6" y="T7"/>
+              </a:cxn>
+              <a:cxn ang="0">
+                <a:pos x="T8" y="T9"/>
+              </a:cxn>
+              <a:cxn ang="0">
+                <a:pos x="T10" y="T11"/>
+              </a:cxn>
+              <a:cxn ang="0">
+                <a:pos x="T12" y="T13"/>
+              </a:cxn>
+              <a:cxn ang="0">
+                <a:pos x="T14" y="T15"/>
+              </a:cxn>
+              <a:cxn ang="0">
+                <a:pos x="T16" y="T17"/>
+              </a:cxn>
+              <a:cxn ang="0">
+                <a:pos x="T18" y="T19"/>
+              </a:cxn>
+            </a:cxnLst>
+            <a:rect l="0" t="0" r="r" b="b"/>
+            <a:pathLst>
+              <a:path w="96" h="131">
+                <a:moveTo>
+                  <a:pt x="37" y="45"/>
+                </a:moveTo>
+                <a:lnTo>
+                  <a:pt x="0" y="83"/>
+                </a:lnTo>
+                <a:lnTo>
+                  <a:pt x="0" y="52"/>
+                </a:lnTo>
+                <a:lnTo>
+                  <a:pt x="48" y="0"/>
+                </a:lnTo>
+                <a:lnTo>
+                  <a:pt x="96" y="52"/>
+                </a:lnTo>
+                <a:lnTo>
+                  <a:pt x="96" y="83"/>
+                </a:lnTo>
+                <a:lnTo>
+                  <a:pt x="60" y="45"/>
+                </a:lnTo>
+                <a:lnTo>
+                  <a:pt x="60" y="131"/>
+                </a:lnTo>
+                <a:lnTo>
+                  <a:pt x="37" y="131"/>
+                </a:lnTo>
+                <a:lnTo>
+                  <a:pt x="37" y="45"/>
+                </a:lnTo>
+                <a:close/>
+              </a:path>
+            </a:pathLst>
+          </a:custGeom>
+          <a:solidFill>
+            <a:srgbClr val="000000"/>
+          </a:solidFill>
+          <a:ln>
+            <a:noFill/>
+          </a:ln>
+          <a:extLst/>
+        </p:spPr>
+        <p:txBody>
+          <a:bodyPr vert="horz" wrap="square" lIns="97576" tIns="48788" rIns="97576" bIns="48788" numCol="1" anchor="t" anchorCtr="0" compatLnSpc="1">
+            <a:prstTxWarp prst="textNoShape">
+              <a:avLst/>
+            </a:prstTxWarp>
+          </a:bodyPr>
+          <a:lstStyle/>
+          <a:p>
+            <a:endParaRPr lang="en-US"/>
+          </a:p>
+        </p:txBody>
+      </p:sp>
+      <p:pic>
+        <p:nvPicPr>
+          <p:cNvPr id="13" name="Picture 12">
+            <a:extLst>
+              <a:ext uri="{FF2B5EF4-FFF2-40B4-BE49-F238E27FC236}">
+                <a16:creationId xmlns:a16="http://schemas.microsoft.com/office/drawing/2014/main" id="{80C77C23-5A27-41D6-B015-203638553201}"/>
+              </a:ext>
+            </a:extLst>
+          </p:cNvPr>
+          <p:cNvPicPr>
+            <a:picLocks noChangeAspect="1"/>
+          </p:cNvPicPr>
+          <p:nvPr/>
+        </p:nvPicPr>
+        <p:blipFill>
+          <a:blip r:embed="rId20"/>
+          <a:stretch>
+            <a:fillRect/>
+          </a:stretch>
+        </p:blipFill>
+        <p:spPr>
+          <a:xfrm>
+            <a:off x="3514990" y="2636403"/>
+            <a:ext cx="738512" cy="480938"/>
+          </a:xfrm>
+          <a:prstGeom prst="rect">
+            <a:avLst/>
+          </a:prstGeom>
+        </p:spPr>
+      </p:pic>
+      <p:pic>
+        <p:nvPicPr>
+          <p:cNvPr id="14" name="Picture 13">
+            <a:extLst>
+              <a:ext uri="{FF2B5EF4-FFF2-40B4-BE49-F238E27FC236}">
+                <a16:creationId xmlns:a16="http://schemas.microsoft.com/office/drawing/2014/main" id="{2C459F62-1165-4B29-A576-5ADDCA2F15C0}"/>
+              </a:ext>
+            </a:extLst>
+          </p:cNvPr>
+          <p:cNvPicPr preferRelativeResize="0">
+            <a:picLocks/>
+          </p:cNvPicPr>
+          <p:nvPr>
+            <p:custDataLst>
+              <p:custData r:id="rId9"/>
+            </p:custDataLst>
+          </p:nvPr>
+        </p:nvPicPr>
+        <p:blipFill>
+          <a:blip r:embed="rId17">
+            <a:extLst>
+              <a:ext uri="{28A0092B-C50C-407E-A947-70E740481C1C}">
+                <a14:useLocalDpi xmlns:a14="http://schemas.microsoft.com/office/drawing/2010/main" val="0"/>
+              </a:ext>
+            </a:extLst>
+          </a:blip>
+          <a:stretch>
+            <a:fillRect/>
+          </a:stretch>
+        </p:blipFill>
+        <p:spPr>
+          <a:xfrm>
+            <a:off x="3361817" y="2400988"/>
+            <a:ext cx="522429" cy="470829"/>
+          </a:xfrm>
+          <a:prstGeom prst="rect">
+            <a:avLst/>
+          </a:prstGeom>
+        </p:spPr>
+      </p:pic>
+      <p:pic>
+        <p:nvPicPr>
+          <p:cNvPr id="16" name="Picture 15">
+            <a:extLst>
+              <a:ext uri="{FF2B5EF4-FFF2-40B4-BE49-F238E27FC236}">
+                <a16:creationId xmlns:a16="http://schemas.microsoft.com/office/drawing/2014/main" id="{CD64E555-4924-4E77-B2B7-5A9428F1D09C}"/>
+              </a:ext>
+            </a:extLst>
+          </p:cNvPr>
+          <p:cNvPicPr>
+            <a:picLocks noChangeAspect="1"/>
+          </p:cNvPicPr>
+          <p:nvPr/>
+        </p:nvPicPr>
+        <p:blipFill>
+          <a:blip r:embed="rId21"/>
+          <a:stretch>
+            <a:fillRect/>
+          </a:stretch>
+        </p:blipFill>
+        <p:spPr>
+          <a:xfrm>
+            <a:off x="5217064" y="2632673"/>
+            <a:ext cx="462544" cy="470828"/>
+          </a:xfrm>
+          <a:prstGeom prst="rect">
+            <a:avLst/>
+          </a:prstGeom>
+        </p:spPr>
+      </p:pic>
+      <p:pic>
+        <p:nvPicPr>
+          <p:cNvPr id="17" name="Picture 16">
+            <a:extLst>
+              <a:ext uri="{FF2B5EF4-FFF2-40B4-BE49-F238E27FC236}">
+                <a16:creationId xmlns:a16="http://schemas.microsoft.com/office/drawing/2014/main" id="{61B6A90C-9287-43BD-88CF-A2AD45E7E9C8}"/>
+              </a:ext>
+            </a:extLst>
+          </p:cNvPr>
+          <p:cNvPicPr preferRelativeResize="0">
+            <a:picLocks/>
+          </p:cNvPicPr>
+          <p:nvPr>
+            <p:custDataLst>
+              <p:custData r:id="rId10"/>
+            </p:custDataLst>
+          </p:nvPr>
+        </p:nvPicPr>
+        <p:blipFill>
+          <a:blip r:embed="rId17">
+            <a:extLst>
+              <a:ext uri="{28A0092B-C50C-407E-A947-70E740481C1C}">
+                <a14:useLocalDpi xmlns:a14="http://schemas.microsoft.com/office/drawing/2010/main" val="0"/>
+              </a:ext>
+            </a:extLst>
+          </a:blip>
+          <a:stretch>
+            <a:fillRect/>
+          </a:stretch>
+        </p:blipFill>
+        <p:spPr>
+          <a:xfrm>
+            <a:off x="4908756" y="2391378"/>
+            <a:ext cx="522429" cy="470829"/>
+          </a:xfrm>
+          <a:prstGeom prst="rect">
+            <a:avLst/>
+          </a:prstGeom>
+        </p:spPr>
+      </p:pic>
+      <p:pic>
+        <p:nvPicPr>
+          <p:cNvPr id="18" name="Picture 2" descr="C:\Users\t-dantay\Documents\First24\folderopen1.png">
+            <a:extLst>
+              <a:ext uri="{FF2B5EF4-FFF2-40B4-BE49-F238E27FC236}">
+                <a16:creationId xmlns:a16="http://schemas.microsoft.com/office/drawing/2014/main" id="{F7CDCF61-63E6-4450-ADBA-CFF7D1492A66}"/>
+              </a:ext>
+            </a:extLst>
+          </p:cNvPr>
+          <p:cNvPicPr>
+            <a:picLocks noChangeAspect="1" noChangeArrowheads="1"/>
+          </p:cNvPicPr>
+          <p:nvPr>
+            <p:custDataLst>
+              <p:custData r:id="rId11"/>
+            </p:custDataLst>
+          </p:nvPr>
+        </p:nvPicPr>
+        <p:blipFill rotWithShape="1">
+          <a:blip r:embed="rId22" cstate="print">
+            <a:biLevel thresh="75000"/>
+            <a:extLst>
+              <a:ext uri="{28A0092B-C50C-407E-A947-70E740481C1C}">
+                <a14:useLocalDpi xmlns:a14="http://schemas.microsoft.com/office/drawing/2010/main" val="0"/>
+              </a:ext>
+            </a:extLst>
+          </a:blip>
+          <a:srcRect t="23865" r="33389"/>
+          <a:stretch/>
+        </p:blipFill>
+        <p:spPr bwMode="auto">
+          <a:xfrm>
+            <a:off x="1038953" y="3890309"/>
+            <a:ext cx="228600" cy="175552"/>
+          </a:xfrm>
+          <a:prstGeom prst="rect">
+            <a:avLst/>
+          </a:prstGeom>
+          <a:noFill/>
+          <a:extLst>
+            <a:ext uri="{909E8E84-426E-40DD-AFC4-6F175D3DCCD1}">
+              <a14:hiddenFill xmlns:a14="http://schemas.microsoft.com/office/drawing/2010/main">
+                <a:solidFill>
+                  <a:srgbClr val="FFFFFF"/>
+                </a:solidFill>
+              </a14:hiddenFill>
+            </a:ext>
+          </a:extLst>
         </p:spPr>
       </p:pic>
     </p:spTree>
@@ -12725,7 +13053,7 @@
 
 <file path=customXml/item1.xml><?xml version="1.0" encoding="utf-8"?>
 <Control xmlns="http://schemas.microsoft.com/VisualStudio/2011/storyboarding/control">
-  <Id Name="System.Storyboarding.WindowsPhoneIcons.Add" Revision="1" Stencil="System.Storyboarding.WindowsPhoneIcons" StencilVersion="0.1"/>
+  <Id Name="System.Storyboarding.WindowsAppIcons.Edit" Revision="1" Stencil="System.Storyboarding.WindowsAppIcons" StencilVersion="0.1"/>
 </Control>
 </file>
 
@@ -12737,19 +13065,19 @@
 
 <file path=customXml/item11.xml><?xml version="1.0" encoding="utf-8"?>
 <Control xmlns="http://schemas.microsoft.com/VisualStudio/2011/storyboarding/control">
-  <Id Name="System.Storyboarding.Icons.Volume" Revision="1" Stencil="System.Storyboarding.Icons" StencilVersion="0.1"/>
+  <Id Name="System.Storyboarding.WindowsPhoneIcons.Rewind" Revision="1" Stencil="System.Storyboarding.WindowsPhoneIcons" StencilVersion="0.1"/>
 </Control>
 </file>
 
 <file path=customXml/item12.xml><?xml version="1.0" encoding="utf-8"?>
 <Control xmlns="http://schemas.microsoft.com/VisualStudio/2011/storyboarding/control">
-  <Id Name="System.Storyboarding.WindowsAppIcons.Minus" Revision="1" Stencil="System.Storyboarding.WindowsAppIcons" StencilVersion="0.1"/>
+  <Id Name="System.Storyboarding.WindowsAppIcons.Play" Revision="1" Stencil="System.Storyboarding.WindowsAppIcons" StencilVersion="0.1"/>
 </Control>
 </file>
 
 <file path=customXml/item13.xml><?xml version="1.0" encoding="utf-8"?>
 <Control xmlns="http://schemas.microsoft.com/VisualStudio/2011/storyboarding/control">
-  <Id Name="System.Storyboarding.WindowsAppIcons.Edit" Revision="1" Stencil="System.Storyboarding.WindowsAppIcons" StencilVersion="0.1"/>
+  <Id Name="System.Storyboarding.WindowsAppIcons.Play" Revision="1" Stencil="System.Storyboarding.WindowsAppIcons" StencilVersion="0.1"/>
 </Control>
 </file>
 
@@ -12761,43 +13089,43 @@
 
 <file path=customXml/item15.xml><?xml version="1.0" encoding="utf-8"?>
 <Control xmlns="http://schemas.microsoft.com/VisualStudio/2011/storyboarding/control">
-  <Id Name="System.Storyboarding.WindowsPhoneIcons.Minus" Revision="1" Stencil="System.Storyboarding.WindowsPhoneIcons" StencilVersion="0.1"/>
+  <Id Name="System.Storyboarding.WindowsAppIcons.Play" Revision="1" Stencil="System.Storyboarding.WindowsAppIcons" StencilVersion="0.1"/>
 </Control>
 </file>
 
 <file path=customXml/item16.xml><?xml version="1.0" encoding="utf-8"?>
+<Control xmlns="http://schemas.microsoft.com/VisualStudio/2011/storyboarding/control">
+  <Id Name="System.Storyboarding.WindowsAppIcons.Edit" Revision="1" Stencil="System.Storyboarding.WindowsAppIcons" StencilVersion="0.1"/>
+</Control>
+</file>
+
+<file path=customXml/item17.xml><?xml version="1.0" encoding="utf-8"?>
 <Control xmlns="http://schemas.microsoft.com/VisualStudio/2011/storyboarding/control">
   <Id Name="System.Storyboarding.WindowsAppIcons.Play" Revision="1" Stencil="System.Storyboarding.WindowsAppIcons" StencilVersion="0.1"/>
 </Control>
 </file>
 
-<file path=customXml/item17.xml><?xml version="1.0" encoding="utf-8"?>
-<Control xmlns="http://schemas.microsoft.com/VisualStudio/2011/storyboarding/control">
-  <Id Name="4b4d62c4-0b58-49c3-9bd5-0f2c494cd34e" RevisionId="df283dbf-c6b0-49ce-bc2c-3341a4271bd3" Stencil="172d6d98-e5c9-42e9-a209-79f7a94bbd38" StencilRevisionId="00000000-0000-0000-0000-000000000000" StencilVersion="0.0"/>
-</Control>
-</file>
-
 <file path=customXml/item18.xml><?xml version="1.0" encoding="utf-8"?>
 <Control xmlns="http://schemas.microsoft.com/VisualStudio/2011/storyboarding/control">
-  <Id Name="System.Storyboarding.WindowsAppIcons.Play" Revision="1" Stencil="System.Storyboarding.WindowsAppIcons" StencilVersion="0.1"/>
+  <Id Name="System.Storyboarding.WindowsPhoneIcons.Cancel" Revision="1" Stencil="System.Storyboarding.WindowsPhoneIcons" StencilVersion="0.1"/>
 </Control>
 </file>
 
 <file path=customXml/item19.xml><?xml version="1.0" encoding="utf-8"?>
 <Control xmlns="http://schemas.microsoft.com/VisualStudio/2011/storyboarding/control">
-  <Id Name="System.Storyboarding.WindowsAppIcons.Play" Revision="1" Stencil="System.Storyboarding.WindowsAppIcons" StencilVersion="0.1"/>
+  <Id Name="System.Storyboarding.WindowsAppIcons.Edit" Revision="1" Stencil="System.Storyboarding.WindowsAppIcons" StencilVersion="0.1"/>
 </Control>
 </file>
 
 <file path=customXml/item2.xml><?xml version="1.0" encoding="utf-8"?>
 <Control xmlns="http://schemas.microsoft.com/VisualStudio/2011/storyboarding/control">
-  <Id Name="System.Storyboarding.WindowsAppIcons.Plus" Revision="1" Stencil="System.Storyboarding.WindowsAppIcons" StencilVersion="0.1"/>
+  <Id Name="System.Storyboarding.WindowsPhoneIcons.Cancel" Revision="1" Stencil="System.Storyboarding.WindowsPhoneIcons" StencilVersion="0.1"/>
 </Control>
 </file>
 
 <file path=customXml/item20.xml><?xml version="1.0" encoding="utf-8"?>
 <Control xmlns="http://schemas.microsoft.com/VisualStudio/2011/storyboarding/control">
-  <Id Name="System.Storyboarding.WindowsAppIcons.Play" Revision="1" Stencil="System.Storyboarding.WindowsAppIcons" StencilVersion="0.1"/>
+  <Id Name="System.Storyboarding.WindowsAppIcons.Edit" Revision="1" Stencil="System.Storyboarding.WindowsAppIcons" StencilVersion="0.1"/>
 </Control>
 </file>
 
@@ -12809,31 +13137,31 @@
 
 <file path=customXml/item22.xml><?xml version="1.0" encoding="utf-8"?>
 <Control xmlns="http://schemas.microsoft.com/VisualStudio/2011/storyboarding/control">
-  <Id Name="System.Storyboarding.WindowsAppIcons.Play" Revision="1" Stencil="System.Storyboarding.WindowsAppIcons" StencilVersion="0.1"/>
+  <Id Name="System.Storyboarding.WindowsPhoneIcons.Cancel" Revision="1" Stencil="System.Storyboarding.WindowsPhoneIcons" StencilVersion="0.1"/>
 </Control>
 </file>
 
 <file path=customXml/item23.xml><?xml version="1.0" encoding="utf-8"?>
 <Control xmlns="http://schemas.microsoft.com/VisualStudio/2011/storyboarding/control">
-  <Id Name="System.Storyboarding.WindowsAppIcons.Plus" Revision="1" Stencil="System.Storyboarding.WindowsAppIcons" StencilVersion="0.1"/>
+  <Id Name="System.Storyboarding.WindowsPhoneIcons.Refresh" Revision="1" Stencil="System.Storyboarding.WindowsPhoneIcons" StencilVersion="0.1"/>
 </Control>
 </file>
 
 <file path=customXml/item24.xml><?xml version="1.0" encoding="utf-8"?>
 <Control xmlns="http://schemas.microsoft.com/VisualStudio/2011/storyboarding/control">
-  <Id Name="System.Storyboarding.Icons.Volume" Revision="1" Stencil="System.Storyboarding.Icons" StencilVersion="0.1"/>
+  <Id Name="System.Storyboarding.WindowsAppIcons.Minus" Revision="1" Stencil="System.Storyboarding.WindowsAppIcons" StencilVersion="0.1"/>
 </Control>
 </file>
 
 <file path=customXml/item25.xml><?xml version="1.0" encoding="utf-8"?>
 <Control xmlns="http://schemas.microsoft.com/VisualStudio/2011/storyboarding/control">
-  <Id Name="System.Storyboarding.WindowsPhoneIcons.Cancel" Revision="1" Stencil="System.Storyboarding.WindowsPhoneIcons" StencilVersion="0.1"/>
+  <Id Name="4b4d62c4-0b58-49c3-9bd5-0f2c494cd34e" RevisionId="df283dbf-c6b0-49ce-bc2c-3341a4271bd3" Stencil="172d6d98-e5c9-42e9-a209-79f7a94bbd38" StencilRevisionId="00000000-0000-0000-0000-000000000000" StencilVersion="0.0"/>
 </Control>
 </file>
 
 <file path=customXml/item26.xml><?xml version="1.0" encoding="utf-8"?>
 <Control xmlns="http://schemas.microsoft.com/VisualStudio/2011/storyboarding/control">
-  <Id Name="System.Storyboarding.Icons.Volume" Revision="1" Stencil="System.Storyboarding.Icons" StencilVersion="0.1"/>
+  <Id Name="System.Storyboarding.WindowsPhoneIcons.Cancel" Revision="1" Stencil="System.Storyboarding.WindowsPhoneIcons" StencilVersion="0.1"/>
 </Control>
 </file>
 
@@ -12845,73 +13173,73 @@
 
 <file path=customXml/item28.xml><?xml version="1.0" encoding="utf-8"?>
 <Control xmlns="http://schemas.microsoft.com/VisualStudio/2011/storyboarding/control">
-  <Id Name="System.Storyboarding.WindowsAppIcons.Edit" Revision="1" Stencil="System.Storyboarding.WindowsAppIcons" StencilVersion="0.1"/>
+  <Id Name="32035d07-bc66-4a79-8001-2507012193e3" RevisionId="7f6cc906-8fab-4878-8f41-90bcdc4e860e" Stencil="172d6d98-e5c9-42e9-a209-79f7a94bbd38" StencilRevisionId="00000000-0000-0000-0000-000000000000" StencilVersion="0.0"/>
 </Control>
 </file>
 
 <file path=customXml/item29.xml><?xml version="1.0" encoding="utf-8"?>
-<Control xmlns="http://schemas.microsoft.com/VisualStudio/2011/storyboarding/control">
-  <Id Name="System.Storyboarding.WindowsAppIcons.Clock" Revision="1" Stencil="System.Storyboarding.WindowsAppIcons" StencilVersion="0.1"/>
-</Control>
-</file>
-
-<file path=customXml/item3.xml><?xml version="1.0" encoding="utf-8"?>
-<Control xmlns="http://schemas.microsoft.com/VisualStudio/2011/storyboarding/control">
-  <Id Name="System.Storyboarding.WindowsPhoneIcons.Refresh" Revision="1" Stencil="System.Storyboarding.WindowsPhoneIcons" StencilVersion="0.1"/>
-</Control>
-</file>
-
-<file path=customXml/item30.xml><?xml version="1.0" encoding="utf-8"?>
 <Control xmlns="http://schemas.microsoft.com/VisualStudio/2011/storyboarding/control">
   <Id Name="System.Storyboarding.WindowsAppIcons.Edit" Revision="1" Stencil="System.Storyboarding.WindowsAppIcons" StencilVersion="0.1"/>
 </Control>
 </file>
 
-<file path=customXml/item31.xml><?xml version="1.0" encoding="utf-8"?>
+<file path=customXml/item3.xml><?xml version="1.0" encoding="utf-8"?>
+<Control xmlns="http://schemas.microsoft.com/VisualStudio/2011/storyboarding/control">
+  <Id Name="System.Storyboarding.WindowsAppIcons.Retweet" Revision="1" Stencil="System.Storyboarding.WindowsAppIcons" StencilVersion="0.1"/>
+</Control>
+</file>
+
+<file path=customXml/item30.xml><?xml version="1.0" encoding="utf-8"?>
 <Control xmlns="http://schemas.microsoft.com/VisualStudio/2011/storyboarding/control">
   <Id Name="System.Storyboarding.WindowsPhoneIcons.Cancel" Revision="1" Stencil="System.Storyboarding.WindowsPhoneIcons" StencilVersion="0.1"/>
 </Control>
 </file>
 
-<file path=customXml/item32.xml><?xml version="1.0" encoding="utf-8"?>
-<Control xmlns="http://schemas.microsoft.com/VisualStudio/2011/storyboarding/control">
-  <Id Name="32035d07-bc66-4a79-8001-2507012193e3" RevisionId="7f6cc906-8fab-4878-8f41-90bcdc4e860e" Stencil="172d6d98-e5c9-42e9-a209-79f7a94bbd38" StencilRevisionId="00000000-0000-0000-0000-000000000000" StencilVersion="0.0"/>
-</Control>
-</file>
-
-<file path=customXml/item33.xml><?xml version="1.0" encoding="utf-8"?>
+<file path=customXml/item31.xml><?xml version="1.0" encoding="utf-8"?>
 <Control xmlns="http://schemas.microsoft.com/VisualStudio/2011/storyboarding/control">
   <Id Name="System.Storyboarding.WindowsAppIcons.Play" Revision="1" Stencil="System.Storyboarding.WindowsAppIcons" StencilVersion="0.1"/>
 </Control>
 </file>
 
-<file path=customXml/item34.xml><?xml version="1.0" encoding="utf-8"?>
-<Control xmlns="http://schemas.microsoft.com/VisualStudio/2011/storyboarding/control">
-  <Id Name="4b4d62c4-0b58-49c3-9bd5-0f2c494cd34e" RevisionId="df283dbf-c6b0-49ce-bc2c-3341a4271bd3" Stencil="172d6d98-e5c9-42e9-a209-79f7a94bbd38" StencilRevisionId="00000000-0000-0000-0000-000000000000" StencilVersion="0.0"/>
-</Control>
-</file>
-
-<file path=customXml/item35.xml><?xml version="1.0" encoding="utf-8"?>
-<Control xmlns="http://schemas.microsoft.com/VisualStudio/2011/storyboarding/control">
-  <Id Name="System.Storyboarding.WindowsAppIcons.Play" Revision="1" Stencil="System.Storyboarding.WindowsAppIcons" StencilVersion="0.1"/>
-</Control>
-</file>
-
-<file path=customXml/item36.xml><?xml version="1.0" encoding="utf-8"?>
+<file path=customXml/item32.xml><?xml version="1.0" encoding="utf-8"?>
 <Control xmlns="http://schemas.microsoft.com/VisualStudio/2011/storyboarding/control">
   <Id Name="System.Storyboarding.WindowsPhoneIcons.Cancel" Revision="1" Stencil="System.Storyboarding.WindowsPhoneIcons" StencilVersion="0.1"/>
 </Control>
 </file>
 
+<file path=customXml/item33.xml><?xml version="1.0" encoding="utf-8"?>
+<Control xmlns="http://schemas.microsoft.com/VisualStudio/2011/storyboarding/control">
+  <Id Name="System.Storyboarding.WindowsAppIcons.Edit" Revision="1" Stencil="System.Storyboarding.WindowsAppIcons" StencilVersion="0.1"/>
+</Control>
+</file>
+
+<file path=customXml/item34.xml><?xml version="1.0" encoding="utf-8"?>
+<Control xmlns="http://schemas.microsoft.com/VisualStudio/2011/storyboarding/control">
+  <Id Name="System.Storyboarding.WindowsPhoneIcons.FastForward" Revision="1" Stencil="System.Storyboarding.WindowsPhoneIcons" StencilVersion="0.1"/>
+</Control>
+</file>
+
+<file path=customXml/item35.xml><?xml version="1.0" encoding="utf-8"?>
+<Control xmlns="http://schemas.microsoft.com/VisualStudio/2011/storyboarding/control">
+  <Id Name="System.Storyboarding.WindowsPhoneIcons.Add" Revision="1" Stencil="System.Storyboarding.WindowsPhoneIcons" StencilVersion="0.1"/>
+</Control>
+</file>
+
+<file path=customXml/item36.xml><?xml version="1.0" encoding="utf-8"?>
+<Control xmlns="http://schemas.microsoft.com/VisualStudio/2011/storyboarding/control">
+  <Id Name="System.Storyboarding.WindowsAppIcons.Minus" Revision="1" Stencil="System.Storyboarding.WindowsAppIcons" StencilVersion="0.1"/>
+</Control>
+</file>
+
 <file path=customXml/item37.xml><?xml version="1.0" encoding="utf-8"?>
 <Control xmlns="http://schemas.microsoft.com/VisualStudio/2011/storyboarding/control">
-  <Id Name="System.Storyboarding.WindowsAppIcons.Clock" Revision="1" Stencil="System.Storyboarding.WindowsAppIcons" StencilVersion="0.1"/>
+  <Id Name="System.Storyboarding.WindowsPhoneIcons.Minus" Revision="1" Stencil="System.Storyboarding.WindowsPhoneIcons" StencilVersion="0.1"/>
 </Control>
 </file>
 
 <file path=customXml/item38.xml><?xml version="1.0" encoding="utf-8"?>
 <Control xmlns="http://schemas.microsoft.com/VisualStudio/2011/storyboarding/control">
-  <Id Name="32035d07-bc66-4a79-8001-2507012193e3" RevisionId="7f6cc906-8fab-4878-8f41-90bcdc4e860e" Stencil="172d6d98-e5c9-42e9-a209-79f7a94bbd38" StencilRevisionId="00000000-0000-0000-0000-000000000000" StencilVersion="0.0"/>
+  <Id Name="System.Storyboarding.WindowsAppIcons.Plus" Revision="1" Stencil="System.Storyboarding.WindowsAppIcons" StencilVersion="0.1"/>
 </Control>
 </file>
 
@@ -12923,13 +13251,13 @@
 
 <file path=customXml/item4.xml><?xml version="1.0" encoding="utf-8"?>
 <Control xmlns="http://schemas.microsoft.com/VisualStudio/2011/storyboarding/control">
-  <Id Name="System.Storyboarding.WindowsAppIcons.Donotwant" Revision="1" Stencil="System.Storyboarding.WindowsAppIcons" StencilVersion="0.1"/>
+  <Id Name="System.Storyboarding.WindowsAppIcons.Play" Revision="1" Stencil="System.Storyboarding.WindowsAppIcons" StencilVersion="0.1"/>
 </Control>
 </file>
 
 <file path=customXml/item40.xml><?xml version="1.0" encoding="utf-8"?>
 <Control xmlns="http://schemas.microsoft.com/VisualStudio/2011/storyboarding/control">
-  <Id Name="System.Storyboarding.WindowsAppIcons.Edit" Revision="1" Stencil="System.Storyboarding.WindowsAppIcons" StencilVersion="0.1"/>
+  <Id Name="System.Storyboarding.WindowsPhoneIcons.Cancel" Revision="1" Stencil="System.Storyboarding.WindowsPhoneIcons" StencilVersion="0.1"/>
 </Control>
 </file>
 
@@ -12941,25 +13269,25 @@
 
 <file path=customXml/item42.xml><?xml version="1.0" encoding="utf-8"?>
 <Control xmlns="http://schemas.microsoft.com/VisualStudio/2011/storyboarding/control">
-  <Id Name="System.Storyboarding.WindowsAppIcons.Edit" Revision="1" Stencil="System.Storyboarding.WindowsAppIcons" StencilVersion="0.1"/>
+  <Id Name="System.Storyboarding.WindowsPhoneIcons.Cancel" Revision="1" Stencil="System.Storyboarding.WindowsPhoneIcons" StencilVersion="0.1"/>
 </Control>
 </file>
 
 <file path=customXml/item43.xml><?xml version="1.0" encoding="utf-8"?>
+<Control xmlns="http://schemas.microsoft.com/VisualStudio/2011/storyboarding/control">
+  <Id Name="System.Storyboarding.WindowsAppIcons.Play" Revision="1" Stencil="System.Storyboarding.WindowsAppIcons" StencilVersion="0.1"/>
+</Control>
+</file>
+
+<file path=customXml/item44.xml><?xml version="1.0" encoding="utf-8"?>
 <Control xmlns="http://schemas.microsoft.com/VisualStudio/2011/storyboarding/control">
   <Id Name="System.Storyboarding.WindowsPhoneIcons.Cancel" Revision="1" Stencil="System.Storyboarding.WindowsPhoneIcons" StencilVersion="0.1"/>
 </Control>
 </file>
 
-<file path=customXml/item44.xml><?xml version="1.0" encoding="utf-8"?>
+<file path=customXml/item45.xml><?xml version="1.0" encoding="utf-8"?>
 <Control xmlns="http://schemas.microsoft.com/VisualStudio/2011/storyboarding/control">
   <Id Name="System.Storyboarding.WindowsAppIcons.Edit" Revision="1" Stencil="System.Storyboarding.WindowsAppIcons" StencilVersion="0.1"/>
-</Control>
-</file>
-
-<file path=customXml/item45.xml><?xml version="1.0" encoding="utf-8"?>
-<Control xmlns="http://schemas.microsoft.com/VisualStudio/2011/storyboarding/control">
-  <Id Name="System.Storyboarding.WindowsPhoneIcons.Cancel" Revision="1" Stencil="System.Storyboarding.WindowsPhoneIcons" StencilVersion="0.1"/>
 </Control>
 </file>
 
@@ -12971,25 +13299,25 @@
 
 <file path=customXml/item47.xml><?xml version="1.0" encoding="utf-8"?>
 <Control xmlns="http://schemas.microsoft.com/VisualStudio/2011/storyboarding/control">
-  <Id Name="System.Storyboarding.WindowsPhoneIcons.Cancel" Revision="1" Stencil="System.Storyboarding.WindowsPhoneIcons" StencilVersion="0.1"/>
+  <Id Name="System.Storyboarding.WindowsPhoneIcons.Rewind" Revision="1" Stencil="System.Storyboarding.WindowsPhoneIcons" StencilVersion="0.1"/>
 </Control>
 </file>
 
 <file path=customXml/item48.xml><?xml version="1.0" encoding="utf-8"?>
+<Control xmlns="http://schemas.microsoft.com/VisualStudio/2011/storyboarding/control">
+  <Id Name="System.Storyboarding.WindowsAppIcons.Donotwant" Revision="1" Stencil="System.Storyboarding.WindowsAppIcons" StencilVersion="0.1"/>
+</Control>
+</file>
+
+<file path=customXml/item49.xml><?xml version="1.0" encoding="utf-8"?>
 <Control xmlns="http://schemas.microsoft.com/VisualStudio/2011/storyboarding/control">
   <Id Name="System.Storyboarding.WindowsAppIcons.Edit" Revision="1" Stencil="System.Storyboarding.WindowsAppIcons" StencilVersion="0.1"/>
 </Control>
 </file>
 
-<file path=customXml/item49.xml><?xml version="1.0" encoding="utf-8"?>
-<Control xmlns="http://schemas.microsoft.com/VisualStudio/2011/storyboarding/control">
-  <Id Name="System.Storyboarding.WindowsPhoneIcons.Cancel" Revision="1" Stencil="System.Storyboarding.WindowsPhoneIcons" StencilVersion="0.1"/>
-</Control>
-</file>
-
 <file path=customXml/item5.xml><?xml version="1.0" encoding="utf-8"?>
 <Control xmlns="http://schemas.microsoft.com/VisualStudio/2011/storyboarding/control">
-  <Id Name="System.Storyboarding.WindowsAppIcons.Play" Revision="1" Stencil="System.Storyboarding.WindowsAppIcons" StencilVersion="0.1"/>
+  <Id Name="System.Storyboarding.Icons.Volume" Revision="1" Stencil="System.Storyboarding.Icons" StencilVersion="0.1"/>
 </Control>
 </file>
 
@@ -13001,7 +13329,7 @@
 
 <file path=customXml/item51.xml><?xml version="1.0" encoding="utf-8"?>
 <Control xmlns="http://schemas.microsoft.com/VisualStudio/2011/storyboarding/control">
-  <Id Name="System.Storyboarding.WindowsPhoneIcons.Cancel" Revision="1" Stencil="System.Storyboarding.WindowsPhoneIcons" StencilVersion="0.1"/>
+  <Id Name="System.Storyboarding.WindowsAppIcons.Play" Revision="1" Stencil="System.Storyboarding.WindowsAppIcons" StencilVersion="0.1"/>
 </Control>
 </file>
 
@@ -13013,7 +13341,7 @@
 
 <file path=customXml/item53.xml><?xml version="1.0" encoding="utf-8"?>
 <Control xmlns="http://schemas.microsoft.com/VisualStudio/2011/storyboarding/control">
-  <Id Name="System.Storyboarding.WindowsPhoneIcons.Cancel" Revision="1" Stencil="System.Storyboarding.WindowsPhoneIcons" StencilVersion="0.1"/>
+  <Id Name="4b4d62c4-0b58-49c3-9bd5-0f2c494cd34e" RevisionId="df283dbf-c6b0-49ce-bc2c-3341a4271bd3" Stencil="172d6d98-e5c9-42e9-a209-79f7a94bbd38" StencilRevisionId="00000000-0000-0000-0000-000000000000" StencilVersion="0.0"/>
 </Control>
 </file>
 
@@ -13031,67 +13359,97 @@
 
 <file path=customXml/item56.xml><?xml version="1.0" encoding="utf-8"?>
 <Control xmlns="http://schemas.microsoft.com/VisualStudio/2011/storyboarding/control">
+  <Id Name="System.Storyboarding.WindowsAppIcons.Play" Revision="1" Stencil="System.Storyboarding.WindowsAppIcons" StencilVersion="0.1"/>
+</Control>
+</file>
+
+<file path=customXml/item57.xml><?xml version="1.0" encoding="utf-8"?>
+<Control xmlns="http://schemas.microsoft.com/VisualStudio/2011/storyboarding/control">
+  <Id Name="System.Storyboarding.WindowsAppIcons.Plus" Revision="1" Stencil="System.Storyboarding.WindowsAppIcons" StencilVersion="0.1"/>
+</Control>
+</file>
+
+<file path=customXml/item58.xml><?xml version="1.0" encoding="utf-8"?>
+<Control xmlns="http://schemas.microsoft.com/VisualStudio/2011/storyboarding/control">
+  <Id Name="System.Storyboarding.WindowsAppIcons.Clock" Revision="1" Stencil="System.Storyboarding.WindowsAppIcons" StencilVersion="0.1"/>
+</Control>
+</file>
+
+<file path=customXml/item59.xml><?xml version="1.0" encoding="utf-8"?>
+<Control xmlns="http://schemas.microsoft.com/VisualStudio/2011/storyboarding/control">
+  <Id Name="System.Storyboarding.Icons.Volume" Revision="1" Stencil="System.Storyboarding.Icons" StencilVersion="0.1"/>
+</Control>
+</file>
+
+<file path=customXml/item6.xml><?xml version="1.0" encoding="utf-8"?>
+<Control xmlns="http://schemas.microsoft.com/VisualStudio/2011/storyboarding/control">
+  <Id Name="32035d07-bc66-4a79-8001-2507012193e3" RevisionId="7f6cc906-8fab-4878-8f41-90bcdc4e860e" Stencil="172d6d98-e5c9-42e9-a209-79f7a94bbd38" StencilRevisionId="00000000-0000-0000-0000-000000000000" StencilVersion="0.0"/>
+</Control>
+</file>
+
+<file path=customXml/item60.xml><?xml version="1.0" encoding="utf-8"?>
+<Control xmlns="http://schemas.microsoft.com/VisualStudio/2011/storyboarding/control">
   <Id Name="System.Storyboarding.WindowsAppIcons.Edit" Revision="1" Stencil="System.Storyboarding.WindowsAppIcons" StencilVersion="0.1"/>
 </Control>
 </file>
 
-<file path=customXml/item57.xml><?xml version="1.0" encoding="utf-8"?>
+<file path=customXml/item61.xml><?xml version="1.0" encoding="utf-8"?>
 <Control xmlns="http://schemas.microsoft.com/VisualStudio/2011/storyboarding/control">
   <Id Name="System.Storyboarding.WindowsPhoneIcons.Cancel" Revision="1" Stencil="System.Storyboarding.WindowsPhoneIcons" StencilVersion="0.1"/>
 </Control>
 </file>
 
-<file path=customXml/item58.xml><?xml version="1.0" encoding="utf-8"?>
-<Control xmlns="http://schemas.microsoft.com/VisualStudio/2011/storyboarding/control">
-  <Id Name="System.Storyboarding.WindowsAppIcons.Edit" Revision="1" Stencil="System.Storyboarding.WindowsAppIcons" StencilVersion="0.1"/>
-</Control>
-</file>
-
-<file path=customXml/item59.xml><?xml version="1.0" encoding="utf-8"?>
-<Control xmlns="http://schemas.microsoft.com/VisualStudio/2011/storyboarding/control">
-  <Id Name="System.Storyboarding.WindowsPhoneIcons.Cancel" Revision="1" Stencil="System.Storyboarding.WindowsPhoneIcons" StencilVersion="0.1"/>
-</Control>
-</file>
-
-<file path=customXml/item6.xml><?xml version="1.0" encoding="utf-8"?>
-<Control xmlns="http://schemas.microsoft.com/VisualStudio/2011/storyboarding/control">
-  <Id Name="System.Storyboarding.WindowsAppIcons.Minus" Revision="1" Stencil="System.Storyboarding.WindowsAppIcons" StencilVersion="0.1"/>
-</Control>
-</file>
-
-<file path=customXml/item60.xml><?xml version="1.0" encoding="utf-8"?>
-<Control xmlns="http://schemas.microsoft.com/VisualStudio/2011/storyboarding/control">
-  <Id Name="System.Storyboarding.WindowsPhoneIcons.Rewind" Revision="1" Stencil="System.Storyboarding.WindowsPhoneIcons" StencilVersion="0.1"/>
-</Control>
-</file>
-
-<file path=customXml/item61.xml><?xml version="1.0" encoding="utf-8"?>
-<Control xmlns="http://schemas.microsoft.com/VisualStudio/2011/storyboarding/control">
-  <Id Name="System.Storyboarding.WindowsPhoneIcons.Rewind" Revision="1" Stencil="System.Storyboarding.WindowsPhoneIcons" StencilVersion="0.1"/>
-</Control>
-</file>
-
 <file path=customXml/item62.xml><?xml version="1.0" encoding="utf-8"?>
 <Control xmlns="http://schemas.microsoft.com/VisualStudio/2011/storyboarding/control">
-  <Id Name="System.Storyboarding.WindowsPhoneIcons.FastForward" Revision="1" Stencil="System.Storyboarding.WindowsPhoneIcons" StencilVersion="0.1"/>
+  <Id Name="System.Storyboarding.Icons.Volume" Revision="1" Stencil="System.Storyboarding.Icons" StencilVersion="0.1"/>
 </Control>
 </file>
 
 <file path=customXml/item63.xml><?xml version="1.0" encoding="utf-8"?>
-<Control xmlns="http://schemas.microsoft.com/VisualStudio/2011/storyboarding/control">
-  <Id Name="System.Storyboarding.WindowsAppIcons.Retweet" Revision="1" Stencil="System.Storyboarding.WindowsAppIcons" StencilVersion="0.1"/>
-</Control>
-</file>
-
-<file path=customXml/item7.xml><?xml version="1.0" encoding="utf-8"?>
 <Control xmlns="http://schemas.microsoft.com/VisualStudio/2011/storyboarding/control">
   <Id Name="System.Storyboarding.WindowsAppIcons.Play" Revision="1" Stencil="System.Storyboarding.WindowsAppIcons" StencilVersion="0.1"/>
 </Control>
 </file>
 
+<file path=customXml/item64.xml><?xml version="1.0" encoding="utf-8"?>
+<Control xmlns="http://schemas.microsoft.com/VisualStudio/2011/storyboarding/control">
+  <Id Name="e75cd7fd-d454-43ac-a2bd-cf0ac4f48652" RevisionId="8831f7ae-9100-4ae6-a512-25e5a2ad6d46" Stencil="172d6d98-e5c9-42e9-a209-79f7a94bbd38" StencilRevisionId="00000000-0000-0000-0000-000000000000" StencilVersion="0.0"/>
+</Control>
+</file>
+
+<file path=customXml/item65.xml><?xml version="1.0" encoding="utf-8"?>
+<Control xmlns="http://schemas.microsoft.com/VisualStudio/2011/storyboarding/control">
+  <Id Name="System.Storyboarding.WindowsAppIcons.Down" Revision="1" Stencil="System.Storyboarding.WindowsAppIcons" StencilVersion="0.1"/>
+</Control>
+</file>
+
+<file path=customXml/item66.xml><?xml version="1.0" encoding="utf-8"?>
+<Control xmlns="http://schemas.microsoft.com/VisualStudio/2011/storyboarding/control">
+  <Id Name="System.Storyboarding.WindowsPhoneIcons.Add" Revision="1" Stencil="System.Storyboarding.WindowsPhoneIcons" StencilVersion="0.1"/>
+</Control>
+</file>
+
+<file path=customXml/item67.xml><?xml version="1.0" encoding="utf-8"?>
+<Control xmlns="http://schemas.microsoft.com/VisualStudio/2011/storyboarding/control">
+  <Id Name="System.Storyboarding.WindowsPhoneIcons.Add" Revision="1" Stencil="System.Storyboarding.WindowsPhoneIcons" StencilVersion="0.1"/>
+</Control>
+</file>
+
+<file path=customXml/item68.xml><?xml version="1.0" encoding="utf-8"?>
+<Control xmlns="http://schemas.microsoft.com/VisualStudio/2011/storyboarding/control">
+  <Id Name="System.Storyboarding.Icons.FolderOpen" Revision="1" Stencil="System.Storyboarding.Icons" StencilVersion="0.1"/>
+</Control>
+</file>
+
+<file path=customXml/item7.xml><?xml version="1.0" encoding="utf-8"?>
+<Control xmlns="http://schemas.microsoft.com/VisualStudio/2011/storyboarding/control">
+  <Id Name="System.Storyboarding.WindowsAppIcons.Clock" Revision="1" Stencil="System.Storyboarding.WindowsAppIcons" StencilVersion="0.1"/>
+</Control>
+</file>
+
 <file path=customXml/item8.xml><?xml version="1.0" encoding="utf-8"?>
 <Control xmlns="http://schemas.microsoft.com/VisualStudio/2011/storyboarding/control">
-  <Id Name="System.Storyboarding.WindowsAppIcons.Play" Revision="1" Stencil="System.Storyboarding.WindowsAppIcons" StencilVersion="0.1"/>
+  <Id Name="System.Storyboarding.WindowsPhoneIcons.Cancel" Revision="1" Stencil="System.Storyboarding.WindowsPhoneIcons" StencilVersion="0.1"/>
 </Control>
 </file>
 
@@ -13102,6 +13460,230 @@
 </file>
 
 <file path=customXml/itemProps1.xml><?xml version="1.0" encoding="utf-8"?>
+<ds:datastoreItem xmlns:ds="http://schemas.openxmlformats.org/officeDocument/2006/customXml" ds:itemID="{CC557381-0DF9-4AE0-A746-74A48780A5BE}">
+  <ds:schemaRefs>
+    <ds:schemaRef ds:uri="http://schemas.microsoft.com/VisualStudio/2011/storyboarding/control"/>
+  </ds:schemaRefs>
+</ds:datastoreItem>
+</file>
+
+<file path=customXml/itemProps10.xml><?xml version="1.0" encoding="utf-8"?>
+<ds:datastoreItem xmlns:ds="http://schemas.openxmlformats.org/officeDocument/2006/customXml" ds:itemID="{290B1F0A-87D8-47BA-9898-8D500A95812B}">
+  <ds:schemaRefs>
+    <ds:schemaRef ds:uri="http://schemas.microsoft.com/VisualStudio/2011/storyboarding/control"/>
+  </ds:schemaRefs>
+</ds:datastoreItem>
+</file>
+
+<file path=customXml/itemProps11.xml><?xml version="1.0" encoding="utf-8"?>
+<ds:datastoreItem xmlns:ds="http://schemas.openxmlformats.org/officeDocument/2006/customXml" ds:itemID="{541D200C-886D-4393-A468-D257F7CE4C2E}">
+  <ds:schemaRefs>
+    <ds:schemaRef ds:uri="http://schemas.microsoft.com/VisualStudio/2011/storyboarding/control"/>
+  </ds:schemaRefs>
+</ds:datastoreItem>
+</file>
+
+<file path=customXml/itemProps12.xml><?xml version="1.0" encoding="utf-8"?>
+<ds:datastoreItem xmlns:ds="http://schemas.openxmlformats.org/officeDocument/2006/customXml" ds:itemID="{BC2C5481-5539-4A2E-88CE-EE6972284F48}">
+  <ds:schemaRefs>
+    <ds:schemaRef ds:uri="http://schemas.microsoft.com/VisualStudio/2011/storyboarding/control"/>
+  </ds:schemaRefs>
+</ds:datastoreItem>
+</file>
+
+<file path=customXml/itemProps13.xml><?xml version="1.0" encoding="utf-8"?>
+<ds:datastoreItem xmlns:ds="http://schemas.openxmlformats.org/officeDocument/2006/customXml" ds:itemID="{5D95BE6E-D5AB-409A-85E4-CE7D6FA00509}">
+  <ds:schemaRefs>
+    <ds:schemaRef ds:uri="http://schemas.microsoft.com/VisualStudio/2011/storyboarding/control"/>
+  </ds:schemaRefs>
+</ds:datastoreItem>
+</file>
+
+<file path=customXml/itemProps14.xml><?xml version="1.0" encoding="utf-8"?>
+<ds:datastoreItem xmlns:ds="http://schemas.openxmlformats.org/officeDocument/2006/customXml" ds:itemID="{A6484AF2-F055-4C78-982B-D2156684306A}">
+  <ds:schemaRefs>
+    <ds:schemaRef ds:uri="http://schemas.microsoft.com/VisualStudio/2011/storyboarding/control"/>
+  </ds:schemaRefs>
+</ds:datastoreItem>
+</file>
+
+<file path=customXml/itemProps15.xml><?xml version="1.0" encoding="utf-8"?>
+<ds:datastoreItem xmlns:ds="http://schemas.openxmlformats.org/officeDocument/2006/customXml" ds:itemID="{2693F098-32A1-41BE-97F8-CEDAE063F99E}">
+  <ds:schemaRefs>
+    <ds:schemaRef ds:uri="http://schemas.microsoft.com/VisualStudio/2011/storyboarding/control"/>
+  </ds:schemaRefs>
+</ds:datastoreItem>
+</file>
+
+<file path=customXml/itemProps16.xml><?xml version="1.0" encoding="utf-8"?>
+<ds:datastoreItem xmlns:ds="http://schemas.openxmlformats.org/officeDocument/2006/customXml" ds:itemID="{6AC15D59-1985-4B02-A204-9FA5E328EF32}">
+  <ds:schemaRefs>
+    <ds:schemaRef ds:uri="http://schemas.microsoft.com/VisualStudio/2011/storyboarding/control"/>
+  </ds:schemaRefs>
+</ds:datastoreItem>
+</file>
+
+<file path=customXml/itemProps17.xml><?xml version="1.0" encoding="utf-8"?>
+<ds:datastoreItem xmlns:ds="http://schemas.openxmlformats.org/officeDocument/2006/customXml" ds:itemID="{E3E34527-CBA0-4787-B0F7-C2B934B5B4C4}">
+  <ds:schemaRefs>
+    <ds:schemaRef ds:uri="http://schemas.microsoft.com/VisualStudio/2011/storyboarding/control"/>
+  </ds:schemaRefs>
+</ds:datastoreItem>
+</file>
+
+<file path=customXml/itemProps18.xml><?xml version="1.0" encoding="utf-8"?>
+<ds:datastoreItem xmlns:ds="http://schemas.openxmlformats.org/officeDocument/2006/customXml" ds:itemID="{EFA40575-6F4E-445E-9D80-B0CC775DC0E1}">
+  <ds:schemaRefs>
+    <ds:schemaRef ds:uri="http://schemas.microsoft.com/VisualStudio/2011/storyboarding/control"/>
+  </ds:schemaRefs>
+</ds:datastoreItem>
+</file>
+
+<file path=customXml/itemProps19.xml><?xml version="1.0" encoding="utf-8"?>
+<ds:datastoreItem xmlns:ds="http://schemas.openxmlformats.org/officeDocument/2006/customXml" ds:itemID="{EC8AFA28-5388-46A0-B0AF-CDC06E1AFD31}">
+  <ds:schemaRefs>
+    <ds:schemaRef ds:uri="http://schemas.microsoft.com/VisualStudio/2011/storyboarding/control"/>
+  </ds:schemaRefs>
+</ds:datastoreItem>
+</file>
+
+<file path=customXml/itemProps2.xml><?xml version="1.0" encoding="utf-8"?>
+<ds:datastoreItem xmlns:ds="http://schemas.openxmlformats.org/officeDocument/2006/customXml" ds:itemID="{8A7670A8-5D8A-499C-9FEE-E0BBB4E6BEFF}">
+  <ds:schemaRefs>
+    <ds:schemaRef ds:uri="http://schemas.microsoft.com/VisualStudio/2011/storyboarding/control"/>
+  </ds:schemaRefs>
+</ds:datastoreItem>
+</file>
+
+<file path=customXml/itemProps20.xml><?xml version="1.0" encoding="utf-8"?>
+<ds:datastoreItem xmlns:ds="http://schemas.openxmlformats.org/officeDocument/2006/customXml" ds:itemID="{A76A203E-9FD7-42C2-8FEF-B018DFF7E4D1}">
+  <ds:schemaRefs>
+    <ds:schemaRef ds:uri="http://schemas.microsoft.com/VisualStudio/2011/storyboarding/control"/>
+  </ds:schemaRefs>
+</ds:datastoreItem>
+</file>
+
+<file path=customXml/itemProps21.xml><?xml version="1.0" encoding="utf-8"?>
+<ds:datastoreItem xmlns:ds="http://schemas.openxmlformats.org/officeDocument/2006/customXml" ds:itemID="{FBDB9D4B-5D23-4316-AE7E-E386D2E702D4}">
+  <ds:schemaRefs>
+    <ds:schemaRef ds:uri="http://schemas.microsoft.com/VisualStudio/2011/storyboarding/control"/>
+  </ds:schemaRefs>
+</ds:datastoreItem>
+</file>
+
+<file path=customXml/itemProps22.xml><?xml version="1.0" encoding="utf-8"?>
+<ds:datastoreItem xmlns:ds="http://schemas.openxmlformats.org/officeDocument/2006/customXml" ds:itemID="{DE740E6A-43E5-497F-8F78-B904C61CB614}">
+  <ds:schemaRefs>
+    <ds:schemaRef ds:uri="http://schemas.microsoft.com/VisualStudio/2011/storyboarding/control"/>
+  </ds:schemaRefs>
+</ds:datastoreItem>
+</file>
+
+<file path=customXml/itemProps23.xml><?xml version="1.0" encoding="utf-8"?>
+<ds:datastoreItem xmlns:ds="http://schemas.openxmlformats.org/officeDocument/2006/customXml" ds:itemID="{F50EEE5E-70AE-4092-8CFF-7CEEF7A1A3DA}">
+  <ds:schemaRefs>
+    <ds:schemaRef ds:uri="http://schemas.microsoft.com/VisualStudio/2011/storyboarding/control"/>
+  </ds:schemaRefs>
+</ds:datastoreItem>
+</file>
+
+<file path=customXml/itemProps24.xml><?xml version="1.0" encoding="utf-8"?>
+<ds:datastoreItem xmlns:ds="http://schemas.openxmlformats.org/officeDocument/2006/customXml" ds:itemID="{CB538EC4-2D5D-4BC6-AFD7-AF4FD42C21A7}">
+  <ds:schemaRefs>
+    <ds:schemaRef ds:uri="http://schemas.microsoft.com/VisualStudio/2011/storyboarding/control"/>
+  </ds:schemaRefs>
+</ds:datastoreItem>
+</file>
+
+<file path=customXml/itemProps25.xml><?xml version="1.0" encoding="utf-8"?>
+<ds:datastoreItem xmlns:ds="http://schemas.openxmlformats.org/officeDocument/2006/customXml" ds:itemID="{6E845879-650B-4022-A35E-856E74320ACC}">
+  <ds:schemaRefs>
+    <ds:schemaRef ds:uri="http://schemas.microsoft.com/VisualStudio/2011/storyboarding/control"/>
+  </ds:schemaRefs>
+</ds:datastoreItem>
+</file>
+
+<file path=customXml/itemProps26.xml><?xml version="1.0" encoding="utf-8"?>
+<ds:datastoreItem xmlns:ds="http://schemas.openxmlformats.org/officeDocument/2006/customXml" ds:itemID="{6CC874DE-6D79-4EBA-A0F5-DB01923D7AE0}">
+  <ds:schemaRefs>
+    <ds:schemaRef ds:uri="http://schemas.microsoft.com/VisualStudio/2011/storyboarding/control"/>
+  </ds:schemaRefs>
+</ds:datastoreItem>
+</file>
+
+<file path=customXml/itemProps27.xml><?xml version="1.0" encoding="utf-8"?>
+<ds:datastoreItem xmlns:ds="http://schemas.openxmlformats.org/officeDocument/2006/customXml" ds:itemID="{1D5DC517-E715-4F56-B43C-13839AE337F0}">
+  <ds:schemaRefs>
+    <ds:schemaRef ds:uri="http://schemas.microsoft.com/VisualStudio/2011/storyboarding/control"/>
+  </ds:schemaRefs>
+</ds:datastoreItem>
+</file>
+
+<file path=customXml/itemProps28.xml><?xml version="1.0" encoding="utf-8"?>
+<ds:datastoreItem xmlns:ds="http://schemas.openxmlformats.org/officeDocument/2006/customXml" ds:itemID="{A4C33EEA-7075-4651-97E3-4829E38E21EA}">
+  <ds:schemaRefs>
+    <ds:schemaRef ds:uri="http://schemas.microsoft.com/VisualStudio/2011/storyboarding/control"/>
+  </ds:schemaRefs>
+</ds:datastoreItem>
+</file>
+
+<file path=customXml/itemProps29.xml><?xml version="1.0" encoding="utf-8"?>
+<ds:datastoreItem xmlns:ds="http://schemas.openxmlformats.org/officeDocument/2006/customXml" ds:itemID="{B0DD2967-9B1E-4AF4-9E22-1FB363BF21A1}">
+  <ds:schemaRefs>
+    <ds:schemaRef ds:uri="http://schemas.microsoft.com/VisualStudio/2011/storyboarding/control"/>
+  </ds:schemaRefs>
+</ds:datastoreItem>
+</file>
+
+<file path=customXml/itemProps3.xml><?xml version="1.0" encoding="utf-8"?>
+<ds:datastoreItem xmlns:ds="http://schemas.openxmlformats.org/officeDocument/2006/customXml" ds:itemID="{AEE75C41-50A0-4E2E-8E71-75152E4221D1}">
+  <ds:schemaRefs>
+    <ds:schemaRef ds:uri="http://schemas.microsoft.com/VisualStudio/2011/storyboarding/control"/>
+  </ds:schemaRefs>
+</ds:datastoreItem>
+</file>
+
+<file path=customXml/itemProps30.xml><?xml version="1.0" encoding="utf-8"?>
+<ds:datastoreItem xmlns:ds="http://schemas.openxmlformats.org/officeDocument/2006/customXml" ds:itemID="{69819B4B-C652-4029-9D6F-1F30F2207B1C}">
+  <ds:schemaRefs>
+    <ds:schemaRef ds:uri="http://schemas.microsoft.com/VisualStudio/2011/storyboarding/control"/>
+  </ds:schemaRefs>
+</ds:datastoreItem>
+</file>
+
+<file path=customXml/itemProps31.xml><?xml version="1.0" encoding="utf-8"?>
+<ds:datastoreItem xmlns:ds="http://schemas.openxmlformats.org/officeDocument/2006/customXml" ds:itemID="{5B8607FE-59BB-43C3-BBC9-D002A93B2860}">
+  <ds:schemaRefs>
+    <ds:schemaRef ds:uri="http://schemas.microsoft.com/VisualStudio/2011/storyboarding/control"/>
+  </ds:schemaRefs>
+</ds:datastoreItem>
+</file>
+
+<file path=customXml/itemProps32.xml><?xml version="1.0" encoding="utf-8"?>
+<ds:datastoreItem xmlns:ds="http://schemas.openxmlformats.org/officeDocument/2006/customXml" ds:itemID="{2D4E3CDC-752C-421E-817A-A9D2344595DE}">
+  <ds:schemaRefs>
+    <ds:schemaRef ds:uri="http://schemas.microsoft.com/VisualStudio/2011/storyboarding/control"/>
+  </ds:schemaRefs>
+</ds:datastoreItem>
+</file>
+
+<file path=customXml/itemProps33.xml><?xml version="1.0" encoding="utf-8"?>
+<ds:datastoreItem xmlns:ds="http://schemas.openxmlformats.org/officeDocument/2006/customXml" ds:itemID="{FB9740A1-8F0C-4AA2-A2C9-15A377DC91A6}">
+  <ds:schemaRefs>
+    <ds:schemaRef ds:uri="http://schemas.microsoft.com/VisualStudio/2011/storyboarding/control"/>
+  </ds:schemaRefs>
+</ds:datastoreItem>
+</file>
+
+<file path=customXml/itemProps34.xml><?xml version="1.0" encoding="utf-8"?>
+<ds:datastoreItem xmlns:ds="http://schemas.openxmlformats.org/officeDocument/2006/customXml" ds:itemID="{8B4AE673-39D1-4921-A713-E0BD45B32E43}">
+  <ds:schemaRefs>
+    <ds:schemaRef ds:uri="http://schemas.microsoft.com/VisualStudio/2011/storyboarding/control"/>
+  </ds:schemaRefs>
+</ds:datastoreItem>
+</file>
+
+<file path=customXml/itemProps35.xml><?xml version="1.0" encoding="utf-8"?>
 <ds:datastoreItem xmlns:ds="http://schemas.openxmlformats.org/officeDocument/2006/customXml" ds:itemID="{182A85CA-4E58-49C8-8C48-758766C210A9}">
   <ds:schemaRefs>
     <ds:schemaRef ds:uri="http://schemas.microsoft.com/VisualStudio/2011/storyboarding/control"/>
@@ -13109,7 +13691,71 @@
 </ds:datastoreItem>
 </file>
 
-<file path=customXml/itemProps10.xml><?xml version="1.0" encoding="utf-8"?>
+<file path=customXml/itemProps36.xml><?xml version="1.0" encoding="utf-8"?>
+<ds:datastoreItem xmlns:ds="http://schemas.openxmlformats.org/officeDocument/2006/customXml" ds:itemID="{04504D90-2CEB-4E3A-A555-86C532BE774F}">
+  <ds:schemaRefs>
+    <ds:schemaRef ds:uri="http://schemas.microsoft.com/VisualStudio/2011/storyboarding/control"/>
+  </ds:schemaRefs>
+</ds:datastoreItem>
+</file>
+
+<file path=customXml/itemProps37.xml><?xml version="1.0" encoding="utf-8"?>
+<ds:datastoreItem xmlns:ds="http://schemas.openxmlformats.org/officeDocument/2006/customXml" ds:itemID="{0CAA02FD-32C9-42E8-98BE-0EAAD29173F4}">
+  <ds:schemaRefs>
+    <ds:schemaRef ds:uri="http://schemas.microsoft.com/VisualStudio/2011/storyboarding/control"/>
+  </ds:schemaRefs>
+</ds:datastoreItem>
+</file>
+
+<file path=customXml/itemProps38.xml><?xml version="1.0" encoding="utf-8"?>
+<ds:datastoreItem xmlns:ds="http://schemas.openxmlformats.org/officeDocument/2006/customXml" ds:itemID="{7C81862B-608B-4E4F-9DB1-7DBCFE9F2139}">
+  <ds:schemaRefs>
+    <ds:schemaRef ds:uri="http://schemas.microsoft.com/VisualStudio/2011/storyboarding/control"/>
+  </ds:schemaRefs>
+</ds:datastoreItem>
+</file>
+
+<file path=customXml/itemProps39.xml><?xml version="1.0" encoding="utf-8"?>
+<ds:datastoreItem xmlns:ds="http://schemas.openxmlformats.org/officeDocument/2006/customXml" ds:itemID="{2C816A0A-85BC-4830-BAEE-1F53C8E67489}">
+  <ds:schemaRefs>
+    <ds:schemaRef ds:uri="http://schemas.microsoft.com/VisualStudio/2011/storyboarding/control"/>
+  </ds:schemaRefs>
+</ds:datastoreItem>
+</file>
+
+<file path=customXml/itemProps4.xml><?xml version="1.0" encoding="utf-8"?>
+<ds:datastoreItem xmlns:ds="http://schemas.openxmlformats.org/officeDocument/2006/customXml" ds:itemID="{66C429A6-A1FB-4A44-9868-139AEFE376E0}">
+  <ds:schemaRefs>
+    <ds:schemaRef ds:uri="http://schemas.microsoft.com/VisualStudio/2011/storyboarding/control"/>
+  </ds:schemaRefs>
+</ds:datastoreItem>
+</file>
+
+<file path=customXml/itemProps40.xml><?xml version="1.0" encoding="utf-8"?>
+<ds:datastoreItem xmlns:ds="http://schemas.openxmlformats.org/officeDocument/2006/customXml" ds:itemID="{F8E474D2-D249-494A-827C-6C0C85F35C5A}">
+  <ds:schemaRefs>
+    <ds:schemaRef ds:uri="http://schemas.microsoft.com/VisualStudio/2011/storyboarding/control"/>
+  </ds:schemaRefs>
+</ds:datastoreItem>
+</file>
+
+<file path=customXml/itemProps41.xml><?xml version="1.0" encoding="utf-8"?>
+<ds:datastoreItem xmlns:ds="http://schemas.openxmlformats.org/officeDocument/2006/customXml" ds:itemID="{FDB8CFE8-3808-4247-A2FD-35E246A153DC}">
+  <ds:schemaRefs>
+    <ds:schemaRef ds:uri="http://schemas.microsoft.com/VisualStudio/2011/storyboarding/control"/>
+  </ds:schemaRefs>
+</ds:datastoreItem>
+</file>
+
+<file path=customXml/itemProps42.xml><?xml version="1.0" encoding="utf-8"?>
+<ds:datastoreItem xmlns:ds="http://schemas.openxmlformats.org/officeDocument/2006/customXml" ds:itemID="{855315B8-2A4D-4E8D-AAC1-C0281182FD5B}">
+  <ds:schemaRefs>
+    <ds:schemaRef ds:uri="http://schemas.microsoft.com/VisualStudio/2011/storyboarding/control"/>
+  </ds:schemaRefs>
+</ds:datastoreItem>
+</file>
+
+<file path=customXml/itemProps43.xml><?xml version="1.0" encoding="utf-8"?>
 <ds:datastoreItem xmlns:ds="http://schemas.openxmlformats.org/officeDocument/2006/customXml" ds:itemID="{F7BFCA9F-A0B1-4AC1-AD74-CE9E4213160F}">
   <ds:schemaRefs>
     <ds:schemaRef ds:uri="http://schemas.microsoft.com/VisualStudio/2011/storyboarding/control"/>
@@ -13117,7 +13763,55 @@
 </ds:datastoreItem>
 </file>
 
-<file path=customXml/itemProps11.xml><?xml version="1.0" encoding="utf-8"?>
+<file path=customXml/itemProps44.xml><?xml version="1.0" encoding="utf-8"?>
+<ds:datastoreItem xmlns:ds="http://schemas.openxmlformats.org/officeDocument/2006/customXml" ds:itemID="{0F4FBE72-4778-4A80-9A59-1EAA7879E88B}">
+  <ds:schemaRefs>
+    <ds:schemaRef ds:uri="http://schemas.microsoft.com/VisualStudio/2011/storyboarding/control"/>
+  </ds:schemaRefs>
+</ds:datastoreItem>
+</file>
+
+<file path=customXml/itemProps45.xml><?xml version="1.0" encoding="utf-8"?>
+<ds:datastoreItem xmlns:ds="http://schemas.openxmlformats.org/officeDocument/2006/customXml" ds:itemID="{11BD6915-90EA-4F41-8AE8-401B6A2355DB}">
+  <ds:schemaRefs>
+    <ds:schemaRef ds:uri="http://schemas.microsoft.com/VisualStudio/2011/storyboarding/control"/>
+  </ds:schemaRefs>
+</ds:datastoreItem>
+</file>
+
+<file path=customXml/itemProps46.xml><?xml version="1.0" encoding="utf-8"?>
+<ds:datastoreItem xmlns:ds="http://schemas.openxmlformats.org/officeDocument/2006/customXml" ds:itemID="{34422DFF-D2BE-4305-8DA3-E0E99CFA01F4}">
+  <ds:schemaRefs>
+    <ds:schemaRef ds:uri="http://schemas.microsoft.com/VisualStudio/2011/storyboarding/control"/>
+  </ds:schemaRefs>
+</ds:datastoreItem>
+</file>
+
+<file path=customXml/itemProps47.xml><?xml version="1.0" encoding="utf-8"?>
+<ds:datastoreItem xmlns:ds="http://schemas.openxmlformats.org/officeDocument/2006/customXml" ds:itemID="{8C16C620-F89C-496A-ABC2-EBAA770A5D2B}">
+  <ds:schemaRefs>
+    <ds:schemaRef ds:uri="http://schemas.microsoft.com/VisualStudio/2011/storyboarding/control"/>
+  </ds:schemaRefs>
+</ds:datastoreItem>
+</file>
+
+<file path=customXml/itemProps48.xml><?xml version="1.0" encoding="utf-8"?>
+<ds:datastoreItem xmlns:ds="http://schemas.openxmlformats.org/officeDocument/2006/customXml" ds:itemID="{10C4D8A6-492F-4C3D-BAAD-8273F297A317}">
+  <ds:schemaRefs>
+    <ds:schemaRef ds:uri="http://schemas.microsoft.com/VisualStudio/2011/storyboarding/control"/>
+  </ds:schemaRefs>
+</ds:datastoreItem>
+</file>
+
+<file path=customXml/itemProps49.xml><?xml version="1.0" encoding="utf-8"?>
+<ds:datastoreItem xmlns:ds="http://schemas.openxmlformats.org/officeDocument/2006/customXml" ds:itemID="{61361C12-AEB1-4243-8694-E22DB7BB0B58}">
+  <ds:schemaRefs>
+    <ds:schemaRef ds:uri="http://schemas.microsoft.com/VisualStudio/2011/storyboarding/control"/>
+  </ds:schemaRefs>
+</ds:datastoreItem>
+</file>
+
+<file path=customXml/itemProps5.xml><?xml version="1.0" encoding="utf-8"?>
 <ds:datastoreItem xmlns:ds="http://schemas.openxmlformats.org/officeDocument/2006/customXml" ds:itemID="{F9BC2D1E-7C73-45D1-9E4F-E6345E51DF2D}">
   <ds:schemaRefs>
     <ds:schemaRef ds:uri="http://schemas.microsoft.com/VisualStudio/2011/storyboarding/control"/>
@@ -13125,15 +13819,7 @@
 </ds:datastoreItem>
 </file>
 
-<file path=customXml/itemProps12.xml><?xml version="1.0" encoding="utf-8"?>
-<ds:datastoreItem xmlns:ds="http://schemas.openxmlformats.org/officeDocument/2006/customXml" ds:itemID="{CB538EC4-2D5D-4BC6-AFD7-AF4FD42C21A7}">
-  <ds:schemaRefs>
-    <ds:schemaRef ds:uri="http://schemas.microsoft.com/VisualStudio/2011/storyboarding/control"/>
-  </ds:schemaRefs>
-</ds:datastoreItem>
-</file>
-
-<file path=customXml/itemProps13.xml><?xml version="1.0" encoding="utf-8"?>
+<file path=customXml/itemProps50.xml><?xml version="1.0" encoding="utf-8"?>
 <ds:datastoreItem xmlns:ds="http://schemas.openxmlformats.org/officeDocument/2006/customXml" ds:itemID="{7D8A3F15-58CA-4DA9-A6C9-5E4399E681CE}">
   <ds:schemaRefs>
     <ds:schemaRef ds:uri="http://schemas.microsoft.com/VisualStudio/2011/storyboarding/control"/>
@@ -13141,39 +13827,7 @@
 </ds:datastoreItem>
 </file>
 
-<file path=customXml/itemProps14.xml><?xml version="1.0" encoding="utf-8"?>
-<ds:datastoreItem xmlns:ds="http://schemas.openxmlformats.org/officeDocument/2006/customXml" ds:itemID="{5D95BE6E-D5AB-409A-85E4-CE7D6FA00509}">
-  <ds:schemaRefs>
-    <ds:schemaRef ds:uri="http://schemas.microsoft.com/VisualStudio/2011/storyboarding/control"/>
-  </ds:schemaRefs>
-</ds:datastoreItem>
-</file>
-
-<file path=customXml/itemProps15.xml><?xml version="1.0" encoding="utf-8"?>
-<ds:datastoreItem xmlns:ds="http://schemas.openxmlformats.org/officeDocument/2006/customXml" ds:itemID="{0CAA02FD-32C9-42E8-98BE-0EAAD29173F4}">
-  <ds:schemaRefs>
-    <ds:schemaRef ds:uri="http://schemas.microsoft.com/VisualStudio/2011/storyboarding/control"/>
-  </ds:schemaRefs>
-</ds:datastoreItem>
-</file>
-
-<file path=customXml/itemProps16.xml><?xml version="1.0" encoding="utf-8"?>
-<ds:datastoreItem xmlns:ds="http://schemas.openxmlformats.org/officeDocument/2006/customXml" ds:itemID="{66C429A6-A1FB-4A44-9868-139AEFE376E0}">
-  <ds:schemaRefs>
-    <ds:schemaRef ds:uri="http://schemas.microsoft.com/VisualStudio/2011/storyboarding/control"/>
-  </ds:schemaRefs>
-</ds:datastoreItem>
-</file>
-
-<file path=customXml/itemProps17.xml><?xml version="1.0" encoding="utf-8"?>
-<ds:datastoreItem xmlns:ds="http://schemas.openxmlformats.org/officeDocument/2006/customXml" ds:itemID="{6E845879-650B-4022-A35E-856E74320ACC}">
-  <ds:schemaRefs>
-    <ds:schemaRef ds:uri="http://schemas.microsoft.com/VisualStudio/2011/storyboarding/control"/>
-  </ds:schemaRefs>
-</ds:datastoreItem>
-</file>
-
-<file path=customXml/itemProps18.xml><?xml version="1.0" encoding="utf-8"?>
+<file path=customXml/itemProps51.xml><?xml version="1.0" encoding="utf-8"?>
 <ds:datastoreItem xmlns:ds="http://schemas.openxmlformats.org/officeDocument/2006/customXml" ds:itemID="{96BD8081-566A-4B7A-9794-537613F8A560}">
   <ds:schemaRefs>
     <ds:schemaRef ds:uri="http://schemas.microsoft.com/VisualStudio/2011/storyboarding/control"/>
@@ -13181,143 +13835,15 @@
 </ds:datastoreItem>
 </file>
 
-<file path=customXml/itemProps19.xml><?xml version="1.0" encoding="utf-8"?>
-<ds:datastoreItem xmlns:ds="http://schemas.openxmlformats.org/officeDocument/2006/customXml" ds:itemID="{BC2C5481-5539-4A2E-88CE-EE6972284F48}">
+<file path=customXml/itemProps52.xml><?xml version="1.0" encoding="utf-8"?>
+<ds:datastoreItem xmlns:ds="http://schemas.openxmlformats.org/officeDocument/2006/customXml" ds:itemID="{91ED1748-2ACC-4580-9DD0-53AE211F1DA7}">
   <ds:schemaRefs>
     <ds:schemaRef ds:uri="http://schemas.microsoft.com/VisualStudio/2011/storyboarding/control"/>
   </ds:schemaRefs>
 </ds:datastoreItem>
 </file>
 
-<file path=customXml/itemProps2.xml><?xml version="1.0" encoding="utf-8"?>
-<ds:datastoreItem xmlns:ds="http://schemas.openxmlformats.org/officeDocument/2006/customXml" ds:itemID="{4B90C7DA-FFAF-434B-A961-A1A1B575F753}">
-  <ds:schemaRefs>
-    <ds:schemaRef ds:uri="http://schemas.microsoft.com/VisualStudio/2011/storyboarding/control"/>
-  </ds:schemaRefs>
-</ds:datastoreItem>
-</file>
-
-<file path=customXml/itemProps20.xml><?xml version="1.0" encoding="utf-8"?>
-<ds:datastoreItem xmlns:ds="http://schemas.openxmlformats.org/officeDocument/2006/customXml" ds:itemID="{5B8607FE-59BB-43C3-BBC9-D002A93B2860}">
-  <ds:schemaRefs>
-    <ds:schemaRef ds:uri="http://schemas.microsoft.com/VisualStudio/2011/storyboarding/control"/>
-  </ds:schemaRefs>
-</ds:datastoreItem>
-</file>
-
-<file path=customXml/itemProps21.xml><?xml version="1.0" encoding="utf-8"?>
-<ds:datastoreItem xmlns:ds="http://schemas.openxmlformats.org/officeDocument/2006/customXml" ds:itemID="{2DB54B02-095B-4767-A849-7F09D55BDBEC}">
-  <ds:schemaRefs>
-    <ds:schemaRef ds:uri="http://schemas.microsoft.com/VisualStudio/2011/storyboarding/control"/>
-  </ds:schemaRefs>
-</ds:datastoreItem>
-</file>
-
-<file path=customXml/itemProps22.xml><?xml version="1.0" encoding="utf-8"?>
-<ds:datastoreItem xmlns:ds="http://schemas.openxmlformats.org/officeDocument/2006/customXml" ds:itemID="{A6484AF2-F055-4C78-982B-D2156684306A}">
-  <ds:schemaRefs>
-    <ds:schemaRef ds:uri="http://schemas.microsoft.com/VisualStudio/2011/storyboarding/control"/>
-  </ds:schemaRefs>
-</ds:datastoreItem>
-</file>
-
-<file path=customXml/itemProps23.xml><?xml version="1.0" encoding="utf-8"?>
-<ds:datastoreItem xmlns:ds="http://schemas.openxmlformats.org/officeDocument/2006/customXml" ds:itemID="{7C81862B-608B-4E4F-9DB1-7DBCFE9F2139}">
-  <ds:schemaRefs>
-    <ds:schemaRef ds:uri="http://schemas.microsoft.com/VisualStudio/2011/storyboarding/control"/>
-  </ds:schemaRefs>
-</ds:datastoreItem>
-</file>
-
-<file path=customXml/itemProps24.xml><?xml version="1.0" encoding="utf-8"?>
-<ds:datastoreItem xmlns:ds="http://schemas.openxmlformats.org/officeDocument/2006/customXml" ds:itemID="{A822EFA2-5211-415D-91B1-1D2F11D7CBDF}">
-  <ds:schemaRefs>
-    <ds:schemaRef ds:uri="http://schemas.microsoft.com/VisualStudio/2011/storyboarding/control"/>
-  </ds:schemaRefs>
-</ds:datastoreItem>
-</file>
-
-<file path=customXml/itemProps25.xml><?xml version="1.0" encoding="utf-8"?>
-<ds:datastoreItem xmlns:ds="http://schemas.openxmlformats.org/officeDocument/2006/customXml" ds:itemID="{6CC874DE-6D79-4EBA-A0F5-DB01923D7AE0}">
-  <ds:schemaRefs>
-    <ds:schemaRef ds:uri="http://schemas.microsoft.com/VisualStudio/2011/storyboarding/control"/>
-  </ds:schemaRefs>
-</ds:datastoreItem>
-</file>
-
-<file path=customXml/itemProps26.xml><?xml version="1.0" encoding="utf-8"?>
-<ds:datastoreItem xmlns:ds="http://schemas.openxmlformats.org/officeDocument/2006/customXml" ds:itemID="{43B5ED86-0060-4D69-806F-5CA89175AE14}">
-  <ds:schemaRefs>
-    <ds:schemaRef ds:uri="http://schemas.microsoft.com/VisualStudio/2011/storyboarding/control"/>
-  </ds:schemaRefs>
-</ds:datastoreItem>
-</file>
-
-<file path=customXml/itemProps27.xml><?xml version="1.0" encoding="utf-8"?>
-<ds:datastoreItem xmlns:ds="http://schemas.openxmlformats.org/officeDocument/2006/customXml" ds:itemID="{2693F098-32A1-41BE-97F8-CEDAE063F99E}">
-  <ds:schemaRefs>
-    <ds:schemaRef ds:uri="http://schemas.microsoft.com/VisualStudio/2011/storyboarding/control"/>
-  </ds:schemaRefs>
-</ds:datastoreItem>
-</file>
-
-<file path=customXml/itemProps28.xml><?xml version="1.0" encoding="utf-8"?>
-<ds:datastoreItem xmlns:ds="http://schemas.openxmlformats.org/officeDocument/2006/customXml" ds:itemID="{2C816A0A-85BC-4830-BAEE-1F53C8E67489}">
-  <ds:schemaRefs>
-    <ds:schemaRef ds:uri="http://schemas.microsoft.com/VisualStudio/2011/storyboarding/control"/>
-  </ds:schemaRefs>
-</ds:datastoreItem>
-</file>
-
-<file path=customXml/itemProps29.xml><?xml version="1.0" encoding="utf-8"?>
-<ds:datastoreItem xmlns:ds="http://schemas.openxmlformats.org/officeDocument/2006/customXml" ds:itemID="{9176D73F-88EB-4204-941E-2ADCC7F101D3}">
-  <ds:schemaRefs>
-    <ds:schemaRef ds:uri="http://schemas.microsoft.com/VisualStudio/2011/storyboarding/control"/>
-  </ds:schemaRefs>
-</ds:datastoreItem>
-</file>
-
-<file path=customXml/itemProps3.xml><?xml version="1.0" encoding="utf-8"?>
-<ds:datastoreItem xmlns:ds="http://schemas.openxmlformats.org/officeDocument/2006/customXml" ds:itemID="{F50EEE5E-70AE-4092-8CFF-7CEEF7A1A3DA}">
-  <ds:schemaRefs>
-    <ds:schemaRef ds:uri="http://schemas.microsoft.com/VisualStudio/2011/storyboarding/control"/>
-  </ds:schemaRefs>
-</ds:datastoreItem>
-</file>
-
-<file path=customXml/itemProps30.xml><?xml version="1.0" encoding="utf-8"?>
-<ds:datastoreItem xmlns:ds="http://schemas.openxmlformats.org/officeDocument/2006/customXml" ds:itemID="{6AC15D59-1985-4B02-A204-9FA5E328EF32}">
-  <ds:schemaRefs>
-    <ds:schemaRef ds:uri="http://schemas.microsoft.com/VisualStudio/2011/storyboarding/control"/>
-  </ds:schemaRefs>
-</ds:datastoreItem>
-</file>
-
-<file path=customXml/itemProps31.xml><?xml version="1.0" encoding="utf-8"?>
-<ds:datastoreItem xmlns:ds="http://schemas.openxmlformats.org/officeDocument/2006/customXml" ds:itemID="{0F4FBE72-4778-4A80-9A59-1EAA7879E88B}">
-  <ds:schemaRefs>
-    <ds:schemaRef ds:uri="http://schemas.microsoft.com/VisualStudio/2011/storyboarding/control"/>
-  </ds:schemaRefs>
-</ds:datastoreItem>
-</file>
-
-<file path=customXml/itemProps32.xml><?xml version="1.0" encoding="utf-8"?>
-<ds:datastoreItem xmlns:ds="http://schemas.openxmlformats.org/officeDocument/2006/customXml" ds:itemID="{896AE23B-403F-4EEC-900F-6E95A60A4CC1}">
-  <ds:schemaRefs>
-    <ds:schemaRef ds:uri="http://schemas.microsoft.com/VisualStudio/2011/storyboarding/control"/>
-  </ds:schemaRefs>
-</ds:datastoreItem>
-</file>
-
-<file path=customXml/itemProps33.xml><?xml version="1.0" encoding="utf-8"?>
-<ds:datastoreItem xmlns:ds="http://schemas.openxmlformats.org/officeDocument/2006/customXml" ds:itemID="{1D5DC517-E715-4F56-B43C-13839AE337F0}">
-  <ds:schemaRefs>
-    <ds:schemaRef ds:uri="http://schemas.microsoft.com/VisualStudio/2011/storyboarding/control"/>
-  </ds:schemaRefs>
-</ds:datastoreItem>
-</file>
-
-<file path=customXml/itemProps34.xml><?xml version="1.0" encoding="utf-8"?>
+<file path=customXml/itemProps53.xml><?xml version="1.0" encoding="utf-8"?>
 <ds:datastoreItem xmlns:ds="http://schemas.openxmlformats.org/officeDocument/2006/customXml" ds:itemID="{4F1F443E-6774-443F-BAD5-FCCC4103B164}">
   <ds:schemaRefs>
     <ds:schemaRef ds:uri="http://schemas.microsoft.com/VisualStudio/2011/storyboarding/control"/>
@@ -13325,176 +13851,8 @@
 </ds:datastoreItem>
 </file>
 
-<file path=customXml/itemProps35.xml><?xml version="1.0" encoding="utf-8"?>
-<ds:datastoreItem xmlns:ds="http://schemas.openxmlformats.org/officeDocument/2006/customXml" ds:itemID="{E3E34527-CBA0-4787-B0F7-C2B934B5B4C4}">
-  <ds:schemaRefs>
-    <ds:schemaRef ds:uri="http://schemas.microsoft.com/VisualStudio/2011/storyboarding/control"/>
-  </ds:schemaRefs>
-</ds:datastoreItem>
-</file>
-
-<file path=customXml/itemProps36.xml><?xml version="1.0" encoding="utf-8"?>
-<ds:datastoreItem xmlns:ds="http://schemas.openxmlformats.org/officeDocument/2006/customXml" ds:itemID="{F8E474D2-D249-494A-827C-6C0C85F35C5A}">
-  <ds:schemaRefs>
-    <ds:schemaRef ds:uri="http://schemas.microsoft.com/VisualStudio/2011/storyboarding/control"/>
-  </ds:schemaRefs>
-</ds:datastoreItem>
-</file>
-
-<file path=customXml/itemProps37.xml><?xml version="1.0" encoding="utf-8"?>
-<ds:datastoreItem xmlns:ds="http://schemas.openxmlformats.org/officeDocument/2006/customXml" ds:itemID="{8B0AB7B0-1EE2-42BF-9C41-9C904E313494}">
-  <ds:schemaRefs>
-    <ds:schemaRef ds:uri="http://schemas.microsoft.com/VisualStudio/2011/storyboarding/control"/>
-  </ds:schemaRefs>
-</ds:datastoreItem>
-</file>
-
-<file path=customXml/itemProps38.xml><?xml version="1.0" encoding="utf-8"?>
-<ds:datastoreItem xmlns:ds="http://schemas.openxmlformats.org/officeDocument/2006/customXml" ds:itemID="{A4C33EEA-7075-4651-97E3-4829E38E21EA}">
-  <ds:schemaRefs>
-    <ds:schemaRef ds:uri="http://schemas.microsoft.com/VisualStudio/2011/storyboarding/control"/>
-  </ds:schemaRefs>
-</ds:datastoreItem>
-</file>
-
-<file path=customXml/itemProps39.xml><?xml version="1.0" encoding="utf-8"?>
-<ds:datastoreItem xmlns:ds="http://schemas.openxmlformats.org/officeDocument/2006/customXml" ds:itemID="{91ED1748-2ACC-4580-9DD0-53AE211F1DA7}">
-  <ds:schemaRefs>
-    <ds:schemaRef ds:uri="http://schemas.microsoft.com/VisualStudio/2011/storyboarding/control"/>
-  </ds:schemaRefs>
-</ds:datastoreItem>
-</file>
-
-<file path=customXml/itemProps4.xml><?xml version="1.0" encoding="utf-8"?>
-<ds:datastoreItem xmlns:ds="http://schemas.openxmlformats.org/officeDocument/2006/customXml" ds:itemID="{10C4D8A6-492F-4C3D-BAAD-8273F297A317}">
-  <ds:schemaRefs>
-    <ds:schemaRef ds:uri="http://schemas.microsoft.com/VisualStudio/2011/storyboarding/control"/>
-  </ds:schemaRefs>
-</ds:datastoreItem>
-</file>
-
-<file path=customXml/itemProps40.xml><?xml version="1.0" encoding="utf-8"?>
-<ds:datastoreItem xmlns:ds="http://schemas.openxmlformats.org/officeDocument/2006/customXml" ds:itemID="{09AAF7D3-4D9D-47F0-9621-CB53A66318C0}">
-  <ds:schemaRefs>
-    <ds:schemaRef ds:uri="http://schemas.microsoft.com/VisualStudio/2011/storyboarding/control"/>
-  </ds:schemaRefs>
-</ds:datastoreItem>
-</file>
-
-<file path=customXml/itemProps41.xml><?xml version="1.0" encoding="utf-8"?>
-<ds:datastoreItem xmlns:ds="http://schemas.openxmlformats.org/officeDocument/2006/customXml" ds:itemID="{2D4E3CDC-752C-421E-817A-A9D2344595DE}">
-  <ds:schemaRefs>
-    <ds:schemaRef ds:uri="http://schemas.microsoft.com/VisualStudio/2011/storyboarding/control"/>
-  </ds:schemaRefs>
-</ds:datastoreItem>
-</file>
-
-<file path=customXml/itemProps42.xml><?xml version="1.0" encoding="utf-8"?>
-<ds:datastoreItem xmlns:ds="http://schemas.openxmlformats.org/officeDocument/2006/customXml" ds:itemID="{CC557381-0DF9-4AE0-A746-74A48780A5BE}">
-  <ds:schemaRefs>
-    <ds:schemaRef ds:uri="http://schemas.microsoft.com/VisualStudio/2011/storyboarding/control"/>
-  </ds:schemaRefs>
-</ds:datastoreItem>
-</file>
-
-<file path=customXml/itemProps43.xml><?xml version="1.0" encoding="utf-8"?>
-<ds:datastoreItem xmlns:ds="http://schemas.openxmlformats.org/officeDocument/2006/customXml" ds:itemID="{EFA40575-6F4E-445E-9D80-B0CC775DC0E1}">
-  <ds:schemaRefs>
-    <ds:schemaRef ds:uri="http://schemas.microsoft.com/VisualStudio/2011/storyboarding/control"/>
-  </ds:schemaRefs>
-</ds:datastoreItem>
-</file>
-
-<file path=customXml/itemProps44.xml><?xml version="1.0" encoding="utf-8"?>
-<ds:datastoreItem xmlns:ds="http://schemas.openxmlformats.org/officeDocument/2006/customXml" ds:itemID="{11BD6915-90EA-4F41-8AE8-401B6A2355DB}">
-  <ds:schemaRefs>
-    <ds:schemaRef ds:uri="http://schemas.microsoft.com/VisualStudio/2011/storyboarding/control"/>
-  </ds:schemaRefs>
-</ds:datastoreItem>
-</file>
-
-<file path=customXml/itemProps45.xml><?xml version="1.0" encoding="utf-8"?>
-<ds:datastoreItem xmlns:ds="http://schemas.openxmlformats.org/officeDocument/2006/customXml" ds:itemID="{27542DCB-8EFC-47CA-8570-0C93F332B27B}">
-  <ds:schemaRefs>
-    <ds:schemaRef ds:uri="http://schemas.microsoft.com/VisualStudio/2011/storyboarding/control"/>
-  </ds:schemaRefs>
-</ds:datastoreItem>
-</file>
-
-<file path=customXml/itemProps46.xml><?xml version="1.0" encoding="utf-8"?>
-<ds:datastoreItem xmlns:ds="http://schemas.openxmlformats.org/officeDocument/2006/customXml" ds:itemID="{B0DD2967-9B1E-4AF4-9E22-1FB363BF21A1}">
-  <ds:schemaRefs>
-    <ds:schemaRef ds:uri="http://schemas.microsoft.com/VisualStudio/2011/storyboarding/control"/>
-  </ds:schemaRefs>
-</ds:datastoreItem>
-</file>
-
-<file path=customXml/itemProps47.xml><?xml version="1.0" encoding="utf-8"?>
-<ds:datastoreItem xmlns:ds="http://schemas.openxmlformats.org/officeDocument/2006/customXml" ds:itemID="{8A7670A8-5D8A-499C-9FEE-E0BBB4E6BEFF}">
-  <ds:schemaRefs>
-    <ds:schemaRef ds:uri="http://schemas.microsoft.com/VisualStudio/2011/storyboarding/control"/>
-  </ds:schemaRefs>
-</ds:datastoreItem>
-</file>
-
-<file path=customXml/itemProps48.xml><?xml version="1.0" encoding="utf-8"?>
-<ds:datastoreItem xmlns:ds="http://schemas.openxmlformats.org/officeDocument/2006/customXml" ds:itemID="{EC8AFA28-5388-46A0-B0AF-CDC06E1AFD31}">
-  <ds:schemaRefs>
-    <ds:schemaRef ds:uri="http://schemas.microsoft.com/VisualStudio/2011/storyboarding/control"/>
-  </ds:schemaRefs>
-</ds:datastoreItem>
-</file>
-
-<file path=customXml/itemProps49.xml><?xml version="1.0" encoding="utf-8"?>
-<ds:datastoreItem xmlns:ds="http://schemas.openxmlformats.org/officeDocument/2006/customXml" ds:itemID="{FDB8CFE8-3808-4247-A2FD-35E246A153DC}">
-  <ds:schemaRefs>
-    <ds:schemaRef ds:uri="http://schemas.microsoft.com/VisualStudio/2011/storyboarding/control"/>
-  </ds:schemaRefs>
-</ds:datastoreItem>
-</file>
-
-<file path=customXml/itemProps5.xml><?xml version="1.0" encoding="utf-8"?>
-<ds:datastoreItem xmlns:ds="http://schemas.openxmlformats.org/officeDocument/2006/customXml" ds:itemID="{290B1F0A-87D8-47BA-9898-8D500A95812B}">
-  <ds:schemaRefs>
-    <ds:schemaRef ds:uri="http://schemas.microsoft.com/VisualStudio/2011/storyboarding/control"/>
-  </ds:schemaRefs>
-</ds:datastoreItem>
-</file>
-
-<file path=customXml/itemProps50.xml><?xml version="1.0" encoding="utf-8"?>
+<file path=customXml/itemProps54.xml><?xml version="1.0" encoding="utf-8"?>
 <ds:datastoreItem xmlns:ds="http://schemas.openxmlformats.org/officeDocument/2006/customXml" ds:itemID="{80A2EE3F-8E5E-4E02-8371-075F75881CC2}">
-  <ds:schemaRefs>
-    <ds:schemaRef ds:uri="http://schemas.microsoft.com/VisualStudio/2011/storyboarding/control"/>
-  </ds:schemaRefs>
-</ds:datastoreItem>
-</file>
-
-<file path=customXml/itemProps51.xml><?xml version="1.0" encoding="utf-8"?>
-<ds:datastoreItem xmlns:ds="http://schemas.openxmlformats.org/officeDocument/2006/customXml" ds:itemID="{DE740E6A-43E5-497F-8F78-B904C61CB614}">
-  <ds:schemaRefs>
-    <ds:schemaRef ds:uri="http://schemas.microsoft.com/VisualStudio/2011/storyboarding/control"/>
-  </ds:schemaRefs>
-</ds:datastoreItem>
-</file>
-
-<file path=customXml/itemProps52.xml><?xml version="1.0" encoding="utf-8"?>
-<ds:datastoreItem xmlns:ds="http://schemas.openxmlformats.org/officeDocument/2006/customXml" ds:itemID="{34422DFF-D2BE-4305-8DA3-E0E99CFA01F4}">
-  <ds:schemaRefs>
-    <ds:schemaRef ds:uri="http://schemas.microsoft.com/VisualStudio/2011/storyboarding/control"/>
-  </ds:schemaRefs>
-</ds:datastoreItem>
-</file>
-
-<file path=customXml/itemProps53.xml><?xml version="1.0" encoding="utf-8"?>
-<ds:datastoreItem xmlns:ds="http://schemas.openxmlformats.org/officeDocument/2006/customXml" ds:itemID="{D8EE4C6F-B1D4-4AC9-928F-40B58F8389AA}">
-  <ds:schemaRefs>
-    <ds:schemaRef ds:uri="http://schemas.microsoft.com/VisualStudio/2011/storyboarding/control"/>
-  </ds:schemaRefs>
-</ds:datastoreItem>
-</file>
-
-<file path=customXml/itemProps54.xml><?xml version="1.0" encoding="utf-8"?>
-<ds:datastoreItem xmlns:ds="http://schemas.openxmlformats.org/officeDocument/2006/customXml" ds:itemID="{FB9740A1-8F0C-4AA2-A2C9-15A377DC91A6}">
   <ds:schemaRefs>
     <ds:schemaRef ds:uri="http://schemas.microsoft.com/VisualStudio/2011/storyboarding/control"/>
   </ds:schemaRefs>
@@ -13510,7 +13868,7 @@
 </file>
 
 <file path=customXml/itemProps56.xml><?xml version="1.0" encoding="utf-8"?>
-<ds:datastoreItem xmlns:ds="http://schemas.openxmlformats.org/officeDocument/2006/customXml" ds:itemID="{A76A203E-9FD7-42C2-8FEF-B018DFF7E4D1}">
+<ds:datastoreItem xmlns:ds="http://schemas.openxmlformats.org/officeDocument/2006/customXml" ds:itemID="{FF1022A0-DAA8-4910-B054-25E1EE26A5AC}">
   <ds:schemaRefs>
     <ds:schemaRef ds:uri="http://schemas.microsoft.com/VisualStudio/2011/storyboarding/control"/>
   </ds:schemaRefs>
@@ -13518,7 +13876,7 @@
 </file>
 
 <file path=customXml/itemProps57.xml><?xml version="1.0" encoding="utf-8"?>
-<ds:datastoreItem xmlns:ds="http://schemas.openxmlformats.org/officeDocument/2006/customXml" ds:itemID="{855315B8-2A4D-4E8D-AAC1-C0281182FD5B}">
+<ds:datastoreItem xmlns:ds="http://schemas.openxmlformats.org/officeDocument/2006/customXml" ds:itemID="{4B90C7DA-FFAF-434B-A961-A1A1B575F753}">
   <ds:schemaRefs>
     <ds:schemaRef ds:uri="http://schemas.microsoft.com/VisualStudio/2011/storyboarding/control"/>
   </ds:schemaRefs>
@@ -13526,81 +13884,121 @@
 </file>
 
 <file path=customXml/itemProps58.xml><?xml version="1.0" encoding="utf-8"?>
+<ds:datastoreItem xmlns:ds="http://schemas.openxmlformats.org/officeDocument/2006/customXml" ds:itemID="{9176D73F-88EB-4204-941E-2ADCC7F101D3}">
+  <ds:schemaRefs>
+    <ds:schemaRef ds:uri="http://schemas.microsoft.com/VisualStudio/2011/storyboarding/control"/>
+  </ds:schemaRefs>
+</ds:datastoreItem>
+</file>
+
+<file path=customXml/itemProps59.xml><?xml version="1.0" encoding="utf-8"?>
+<ds:datastoreItem xmlns:ds="http://schemas.openxmlformats.org/officeDocument/2006/customXml" ds:itemID="{A822EFA2-5211-415D-91B1-1D2F11D7CBDF}">
+  <ds:schemaRefs>
+    <ds:schemaRef ds:uri="http://schemas.microsoft.com/VisualStudio/2011/storyboarding/control"/>
+  </ds:schemaRefs>
+</ds:datastoreItem>
+</file>
+
+<file path=customXml/itemProps6.xml><?xml version="1.0" encoding="utf-8"?>
+<ds:datastoreItem xmlns:ds="http://schemas.openxmlformats.org/officeDocument/2006/customXml" ds:itemID="{896AE23B-403F-4EEC-900F-6E95A60A4CC1}">
+  <ds:schemaRefs>
+    <ds:schemaRef ds:uri="http://schemas.microsoft.com/VisualStudio/2011/storyboarding/control"/>
+  </ds:schemaRefs>
+</ds:datastoreItem>
+</file>
+
+<file path=customXml/itemProps60.xml><?xml version="1.0" encoding="utf-8"?>
+<ds:datastoreItem xmlns:ds="http://schemas.openxmlformats.org/officeDocument/2006/customXml" ds:itemID="{09AAF7D3-4D9D-47F0-9621-CB53A66318C0}">
+  <ds:schemaRefs>
+    <ds:schemaRef ds:uri="http://schemas.microsoft.com/VisualStudio/2011/storyboarding/control"/>
+  </ds:schemaRefs>
+</ds:datastoreItem>
+</file>
+
+<file path=customXml/itemProps61.xml><?xml version="1.0" encoding="utf-8"?>
+<ds:datastoreItem xmlns:ds="http://schemas.openxmlformats.org/officeDocument/2006/customXml" ds:itemID="{27542DCB-8EFC-47CA-8570-0C93F332B27B}">
+  <ds:schemaRefs>
+    <ds:schemaRef ds:uri="http://schemas.microsoft.com/VisualStudio/2011/storyboarding/control"/>
+  </ds:schemaRefs>
+</ds:datastoreItem>
+</file>
+
+<file path=customXml/itemProps62.xml><?xml version="1.0" encoding="utf-8"?>
+<ds:datastoreItem xmlns:ds="http://schemas.openxmlformats.org/officeDocument/2006/customXml" ds:itemID="{43B5ED86-0060-4D69-806F-5CA89175AE14}">
+  <ds:schemaRefs>
+    <ds:schemaRef ds:uri="http://schemas.microsoft.com/VisualStudio/2011/storyboarding/control"/>
+  </ds:schemaRefs>
+</ds:datastoreItem>
+</file>
+
+<file path=customXml/itemProps63.xml><?xml version="1.0" encoding="utf-8"?>
+<ds:datastoreItem xmlns:ds="http://schemas.openxmlformats.org/officeDocument/2006/customXml" ds:itemID="{2DB54B02-095B-4767-A849-7F09D55BDBEC}">
+  <ds:schemaRefs>
+    <ds:schemaRef ds:uri="http://schemas.microsoft.com/VisualStudio/2011/storyboarding/control"/>
+  </ds:schemaRefs>
+</ds:datastoreItem>
+</file>
+
+<file path=customXml/itemProps64.xml><?xml version="1.0" encoding="utf-8"?>
+<ds:datastoreItem xmlns:ds="http://schemas.openxmlformats.org/officeDocument/2006/customXml" ds:itemID="{B24B058A-7394-4884-87AB-3D162B4AF263}">
+  <ds:schemaRefs>
+    <ds:schemaRef ds:uri="http://schemas.microsoft.com/VisualStudio/2011/storyboarding/control"/>
+  </ds:schemaRefs>
+</ds:datastoreItem>
+</file>
+
+<file path=customXml/itemProps65.xml><?xml version="1.0" encoding="utf-8"?>
+<ds:datastoreItem xmlns:ds="http://schemas.openxmlformats.org/officeDocument/2006/customXml" ds:itemID="{540C3353-3E36-4F77-9C4A-0DB4A5D7CCD1}">
+  <ds:schemaRefs>
+    <ds:schemaRef ds:uri="http://schemas.microsoft.com/VisualStudio/2011/storyboarding/control"/>
+  </ds:schemaRefs>
+</ds:datastoreItem>
+</file>
+
+<file path=customXml/itemProps66.xml><?xml version="1.0" encoding="utf-8"?>
+<ds:datastoreItem xmlns:ds="http://schemas.openxmlformats.org/officeDocument/2006/customXml" ds:itemID="{99E258B9-636D-4FC3-A18B-5731CC1F850C}">
+  <ds:schemaRefs>
+    <ds:schemaRef ds:uri="http://schemas.microsoft.com/VisualStudio/2011/storyboarding/control"/>
+  </ds:schemaRefs>
+</ds:datastoreItem>
+</file>
+
+<file path=customXml/itemProps67.xml><?xml version="1.0" encoding="utf-8"?>
+<ds:datastoreItem xmlns:ds="http://schemas.openxmlformats.org/officeDocument/2006/customXml" ds:itemID="{ECEE1C58-60D6-4BE6-B599-4F7E9AB9E035}">
+  <ds:schemaRefs>
+    <ds:schemaRef ds:uri="http://schemas.microsoft.com/VisualStudio/2011/storyboarding/control"/>
+  </ds:schemaRefs>
+</ds:datastoreItem>
+</file>
+
+<file path=customXml/itemProps68.xml><?xml version="1.0" encoding="utf-8"?>
+<ds:datastoreItem xmlns:ds="http://schemas.openxmlformats.org/officeDocument/2006/customXml" ds:itemID="{0DEE920A-6ADA-48DA-B23C-E869E21EA911}">
+  <ds:schemaRefs>
+    <ds:schemaRef ds:uri="http://schemas.microsoft.com/VisualStudio/2011/storyboarding/control"/>
+  </ds:schemaRefs>
+</ds:datastoreItem>
+</file>
+
+<file path=customXml/itemProps7.xml><?xml version="1.0" encoding="utf-8"?>
+<ds:datastoreItem xmlns:ds="http://schemas.openxmlformats.org/officeDocument/2006/customXml" ds:itemID="{8B0AB7B0-1EE2-42BF-9C41-9C904E313494}">
+  <ds:schemaRefs>
+    <ds:schemaRef ds:uri="http://schemas.microsoft.com/VisualStudio/2011/storyboarding/control"/>
+  </ds:schemaRefs>
+</ds:datastoreItem>
+</file>
+
+<file path=customXml/itemProps8.xml><?xml version="1.0" encoding="utf-8"?>
+<ds:datastoreItem xmlns:ds="http://schemas.openxmlformats.org/officeDocument/2006/customXml" ds:itemID="{D8EE4C6F-B1D4-4AC9-928F-40B58F8389AA}">
+  <ds:schemaRefs>
+    <ds:schemaRef ds:uri="http://schemas.microsoft.com/VisualStudio/2011/storyboarding/control"/>
+  </ds:schemaRefs>
+</ds:datastoreItem>
+</file>
+
+<file path=customXml/itemProps9.xml><?xml version="1.0" encoding="utf-8"?>
 <ds:datastoreItem xmlns:ds="http://schemas.openxmlformats.org/officeDocument/2006/customXml" ds:itemID="{6BD8AD1D-48A9-4F6D-9433-F36CBEB3125F}">
   <ds:schemaRefs>
     <ds:schemaRef ds:uri="http://schemas.microsoft.com/VisualStudio/2011/storyboarding/control"/>
   </ds:schemaRefs>
 </ds:datastoreItem>
-</file>
-
-<file path=customXml/itemProps59.xml><?xml version="1.0" encoding="utf-8"?>
-<ds:datastoreItem xmlns:ds="http://schemas.openxmlformats.org/officeDocument/2006/customXml" ds:itemID="{69819B4B-C652-4029-9D6F-1F30F2207B1C}">
-  <ds:schemaRefs>
-    <ds:schemaRef ds:uri="http://schemas.microsoft.com/VisualStudio/2011/storyboarding/control"/>
-  </ds:schemaRefs>
-</ds:datastoreItem>
-</file>
-
-<file path=customXml/itemProps6.xml><?xml version="1.0" encoding="utf-8"?>
-<ds:datastoreItem xmlns:ds="http://schemas.openxmlformats.org/officeDocument/2006/customXml" ds:itemID="{04504D90-2CEB-4E3A-A555-86C532BE774F}">
-  <ds:schemaRefs>
-    <ds:schemaRef ds:uri="http://schemas.microsoft.com/VisualStudio/2011/storyboarding/control"/>
-  </ds:schemaRefs>
-</ds:datastoreItem>
-</file>
-
-<file path=customXml/itemProps60.xml><?xml version="1.0" encoding="utf-8"?>
-<ds:datastoreItem xmlns:ds="http://schemas.openxmlformats.org/officeDocument/2006/customXml" ds:itemID="{8C16C620-F89C-496A-ABC2-EBAA770A5D2B}">
-  <ds:schemaRefs>
-    <ds:schemaRef ds:uri="http://schemas.microsoft.com/VisualStudio/2011/storyboarding/control"/>
-  </ds:schemaRefs>
-</ds:datastoreItem>
-</file>
-
-<file path=customXml/itemProps61.xml><?xml version="1.0" encoding="utf-8"?>
-<ds:datastoreItem xmlns:ds="http://schemas.openxmlformats.org/officeDocument/2006/customXml" ds:itemID="{541D200C-886D-4393-A468-D257F7CE4C2E}">
-  <ds:schemaRefs>
-    <ds:schemaRef ds:uri="http://schemas.microsoft.com/VisualStudio/2011/storyboarding/control"/>
-  </ds:schemaRefs>
-</ds:datastoreItem>
-</file>
-
-<file path=customXml/itemProps62.xml><?xml version="1.0" encoding="utf-8"?>
-<ds:datastoreItem xmlns:ds="http://schemas.openxmlformats.org/officeDocument/2006/customXml" ds:itemID="{8B4AE673-39D1-4921-A713-E0BD45B32E43}">
-  <ds:schemaRefs>
-    <ds:schemaRef ds:uri="http://schemas.microsoft.com/VisualStudio/2011/storyboarding/control"/>
-  </ds:schemaRefs>
-</ds:datastoreItem>
-</file>
-
-<file path=customXml/itemProps63.xml><?xml version="1.0" encoding="utf-8"?>
-<ds:datastoreItem xmlns:ds="http://schemas.openxmlformats.org/officeDocument/2006/customXml" ds:itemID="{AEE75C41-50A0-4E2E-8E71-75152E4221D1}">
-  <ds:schemaRefs>
-    <ds:schemaRef ds:uri="http://schemas.microsoft.com/VisualStudio/2011/storyboarding/control"/>
-  </ds:schemaRefs>
-</ds:datastoreItem>
-</file>
-
-<file path=customXml/itemProps7.xml><?xml version="1.0" encoding="utf-8"?>
-<ds:datastoreItem xmlns:ds="http://schemas.openxmlformats.org/officeDocument/2006/customXml" ds:itemID="{FF1022A0-DAA8-4910-B054-25E1EE26A5AC}">
-  <ds:schemaRefs>
-    <ds:schemaRef ds:uri="http://schemas.microsoft.com/VisualStudio/2011/storyboarding/control"/>
-  </ds:schemaRefs>
-</ds:datastoreItem>
-</file>
-
-<file path=customXml/itemProps8.xml><?xml version="1.0" encoding="utf-8"?>
-<ds:datastoreItem xmlns:ds="http://schemas.openxmlformats.org/officeDocument/2006/customXml" ds:itemID="{FBDB9D4B-5D23-4316-AE7E-E386D2E702D4}">
-  <ds:schemaRefs>
-    <ds:schemaRef ds:uri="http://schemas.microsoft.com/VisualStudio/2011/storyboarding/control"/>
-  </ds:schemaRefs>
-</ds:datastoreItem>
-</file>
-
-<file path=customXml/itemProps9.xml><?xml version="1.0" encoding="utf-8"?>
-<ds:datastoreItem xmlns:ds="http://schemas.openxmlformats.org/officeDocument/2006/customXml" ds:itemID="{61361C12-AEB1-4243-8694-E22DB7BB0B58}">
-  <ds:schemaRefs>
-    <ds:schemaRef ds:uri="http://schemas.microsoft.com/VisualStudio/2011/storyboarding/control"/>
-  </ds:schemaRefs>
-</ds:datastoreItem>
 </file>
--- a/Prototype/Icon.pptx
+++ b/Prototype/Icon.pptx
@@ -271,7 +271,7 @@
           <a:p>
             <a:fld id="{245C2C28-0D12-4EC8-9616-6109F8E9BCEB}" type="datetimeFigureOut">
               <a:rPr lang="en-US" smtClean="0"/>
-              <a:t>4/11/2019</a:t>
+              <a:t>4/26/2019</a:t>
             </a:fld>
             <a:endParaRPr lang="en-US"/>
           </a:p>
@@ -469,7 +469,7 @@
           <a:p>
             <a:fld id="{245C2C28-0D12-4EC8-9616-6109F8E9BCEB}" type="datetimeFigureOut">
               <a:rPr lang="en-US" smtClean="0"/>
-              <a:t>4/11/2019</a:t>
+              <a:t>4/26/2019</a:t>
             </a:fld>
             <a:endParaRPr lang="en-US"/>
           </a:p>
@@ -677,7 +677,7 @@
           <a:p>
             <a:fld id="{245C2C28-0D12-4EC8-9616-6109F8E9BCEB}" type="datetimeFigureOut">
               <a:rPr lang="en-US" smtClean="0"/>
-              <a:t>4/11/2019</a:t>
+              <a:t>4/26/2019</a:t>
             </a:fld>
             <a:endParaRPr lang="en-US"/>
           </a:p>
@@ -875,7 +875,7 @@
           <a:p>
             <a:fld id="{245C2C28-0D12-4EC8-9616-6109F8E9BCEB}" type="datetimeFigureOut">
               <a:rPr lang="en-US" smtClean="0"/>
-              <a:t>4/11/2019</a:t>
+              <a:t>4/26/2019</a:t>
             </a:fld>
             <a:endParaRPr lang="en-US"/>
           </a:p>
@@ -1150,7 +1150,7 @@
           <a:p>
             <a:fld id="{245C2C28-0D12-4EC8-9616-6109F8E9BCEB}" type="datetimeFigureOut">
               <a:rPr lang="en-US" smtClean="0"/>
-              <a:t>4/11/2019</a:t>
+              <a:t>4/26/2019</a:t>
             </a:fld>
             <a:endParaRPr lang="en-US"/>
           </a:p>
@@ -1415,7 +1415,7 @@
           <a:p>
             <a:fld id="{245C2C28-0D12-4EC8-9616-6109F8E9BCEB}" type="datetimeFigureOut">
               <a:rPr lang="en-US" smtClean="0"/>
-              <a:t>4/11/2019</a:t>
+              <a:t>4/26/2019</a:t>
             </a:fld>
             <a:endParaRPr lang="en-US"/>
           </a:p>
@@ -1827,7 +1827,7 @@
           <a:p>
             <a:fld id="{245C2C28-0D12-4EC8-9616-6109F8E9BCEB}" type="datetimeFigureOut">
               <a:rPr lang="en-US" smtClean="0"/>
-              <a:t>4/11/2019</a:t>
+              <a:t>4/26/2019</a:t>
             </a:fld>
             <a:endParaRPr lang="en-US"/>
           </a:p>
@@ -1968,7 +1968,7 @@
           <a:p>
             <a:fld id="{245C2C28-0D12-4EC8-9616-6109F8E9BCEB}" type="datetimeFigureOut">
               <a:rPr lang="en-US" smtClean="0"/>
-              <a:t>4/11/2019</a:t>
+              <a:t>4/26/2019</a:t>
             </a:fld>
             <a:endParaRPr lang="en-US"/>
           </a:p>
@@ -2081,7 +2081,7 @@
           <a:p>
             <a:fld id="{245C2C28-0D12-4EC8-9616-6109F8E9BCEB}" type="datetimeFigureOut">
               <a:rPr lang="en-US" smtClean="0"/>
-              <a:t>4/11/2019</a:t>
+              <a:t>4/26/2019</a:t>
             </a:fld>
             <a:endParaRPr lang="en-US"/>
           </a:p>
@@ -2392,7 +2392,7 @@
           <a:p>
             <a:fld id="{245C2C28-0D12-4EC8-9616-6109F8E9BCEB}" type="datetimeFigureOut">
               <a:rPr lang="en-US" smtClean="0"/>
-              <a:t>4/11/2019</a:t>
+              <a:t>4/26/2019</a:t>
             </a:fld>
             <a:endParaRPr lang="en-US"/>
           </a:p>
@@ -2680,7 +2680,7 @@
           <a:p>
             <a:fld id="{245C2C28-0D12-4EC8-9616-6109F8E9BCEB}" type="datetimeFigureOut">
               <a:rPr lang="en-US" smtClean="0"/>
-              <a:t>4/11/2019</a:t>
+              <a:t>4/26/2019</a:t>
             </a:fld>
             <a:endParaRPr lang="en-US"/>
           </a:p>
@@ -2921,7 +2921,7 @@
           <a:p>
             <a:fld id="{245C2C28-0D12-4EC8-9616-6109F8E9BCEB}" type="datetimeFigureOut">
               <a:rPr lang="en-US" smtClean="0"/>
-              <a:t>4/11/2019</a:t>
+              <a:t>4/26/2019</a:t>
             </a:fld>
             <a:endParaRPr lang="en-US"/>
           </a:p>
@@ -9862,6 +9862,45 @@
           </a:extLst>
         </p:spPr>
       </p:pic>
+      <p:pic>
+        <p:nvPicPr>
+          <p:cNvPr id="19" name="Graphic 18" descr="Line arrow: Straight">
+            <a:extLst>
+              <a:ext uri="{FF2B5EF4-FFF2-40B4-BE49-F238E27FC236}">
+                <a16:creationId xmlns:a16="http://schemas.microsoft.com/office/drawing/2014/main" id="{B92C5E26-4765-4A0D-9B71-B0A8357CA9C1}"/>
+              </a:ext>
+            </a:extLst>
+          </p:cNvPr>
+          <p:cNvPicPr>
+            <a:picLocks noChangeAspect="1"/>
+          </p:cNvPicPr>
+          <p:nvPr/>
+        </p:nvPicPr>
+        <p:blipFill>
+          <a:blip r:embed="rId23">
+            <a:extLst>
+              <a:ext uri="{28A0092B-C50C-407E-A947-70E740481C1C}">
+                <a14:useLocalDpi xmlns:a14="http://schemas.microsoft.com/office/drawing/2010/main" val="0"/>
+              </a:ext>
+              <a:ext uri="{96DAC541-7B7A-43D3-8B79-37D633B846F1}">
+                <asvg:svgBlip xmlns:asvg="http://schemas.microsoft.com/office/drawing/2016/SVG/main" r:embed="rId24"/>
+              </a:ext>
+            </a:extLst>
+          </a:blip>
+          <a:stretch>
+            <a:fillRect/>
+          </a:stretch>
+        </p:blipFill>
+        <p:spPr>
+          <a:xfrm>
+            <a:off x="2708631" y="3978085"/>
+            <a:ext cx="914400" cy="914400"/>
+          </a:xfrm>
+          <a:prstGeom prst="rect">
+            <a:avLst/>
+          </a:prstGeom>
+        </p:spPr>
+      </p:pic>
     </p:spTree>
     <p:extLst>
       <p:ext uri="{BB962C8B-B14F-4D97-AF65-F5344CB8AC3E}">
@@ -13053,7 +13092,7 @@
 
 <file path=customXml/item1.xml><?xml version="1.0" encoding="utf-8"?>
 <Control xmlns="http://schemas.microsoft.com/VisualStudio/2011/storyboarding/control">
-  <Id Name="System.Storyboarding.WindowsAppIcons.Edit" Revision="1" Stencil="System.Storyboarding.WindowsAppIcons" StencilVersion="0.1"/>
+  <Id Name="System.Storyboarding.WindowsPhoneIcons.Rewind" Revision="1" Stencil="System.Storyboarding.WindowsPhoneIcons" StencilVersion="0.1"/>
 </Control>
 </file>
 
@@ -13065,13 +13104,13 @@
 
 <file path=customXml/item11.xml><?xml version="1.0" encoding="utf-8"?>
 <Control xmlns="http://schemas.microsoft.com/VisualStudio/2011/storyboarding/control">
-  <Id Name="System.Storyboarding.WindowsPhoneIcons.Rewind" Revision="1" Stencil="System.Storyboarding.WindowsPhoneIcons" StencilVersion="0.1"/>
+  <Id Name="System.Storyboarding.WindowsPhoneIcons.Cancel" Revision="1" Stencil="System.Storyboarding.WindowsPhoneIcons" StencilVersion="0.1"/>
 </Control>
 </file>
 
 <file path=customXml/item12.xml><?xml version="1.0" encoding="utf-8"?>
 <Control xmlns="http://schemas.microsoft.com/VisualStudio/2011/storyboarding/control">
-  <Id Name="System.Storyboarding.WindowsAppIcons.Play" Revision="1" Stencil="System.Storyboarding.WindowsAppIcons" StencilVersion="0.1"/>
+  <Id Name="System.Storyboarding.WindowsPhoneIcons.Add" Revision="1" Stencil="System.Storyboarding.WindowsPhoneIcons" StencilVersion="0.1"/>
 </Control>
 </file>
 
@@ -13083,7 +13122,7 @@
 
 <file path=customXml/item14.xml><?xml version="1.0" encoding="utf-8"?>
 <Control xmlns="http://schemas.microsoft.com/VisualStudio/2011/storyboarding/control">
-  <Id Name="System.Storyboarding.WindowsAppIcons.Play" Revision="1" Stencil="System.Storyboarding.WindowsAppIcons" StencilVersion="0.1"/>
+  <Id Name="System.Storyboarding.WindowsAppIcons.Donotwant" Revision="1" Stencil="System.Storyboarding.WindowsAppIcons" StencilVersion="0.1"/>
 </Control>
 </file>
 
@@ -13095,25 +13134,25 @@
 
 <file path=customXml/item16.xml><?xml version="1.0" encoding="utf-8"?>
 <Control xmlns="http://schemas.microsoft.com/VisualStudio/2011/storyboarding/control">
-  <Id Name="System.Storyboarding.WindowsAppIcons.Edit" Revision="1" Stencil="System.Storyboarding.WindowsAppIcons" StencilVersion="0.1"/>
+  <Id Name="e75cd7fd-d454-43ac-a2bd-cf0ac4f48652" RevisionId="8831f7ae-9100-4ae6-a512-25e5a2ad6d46" Stencil="172d6d98-e5c9-42e9-a209-79f7a94bbd38" StencilRevisionId="00000000-0000-0000-0000-000000000000" StencilVersion="0.0"/>
 </Control>
 </file>
 
 <file path=customXml/item17.xml><?xml version="1.0" encoding="utf-8"?>
+<Control xmlns="http://schemas.microsoft.com/VisualStudio/2011/storyboarding/control">
+  <Id Name="System.Storyboarding.WindowsPhoneIcons.Cancel" Revision="1" Stencil="System.Storyboarding.WindowsPhoneIcons" StencilVersion="0.1"/>
+</Control>
+</file>
+
+<file path=customXml/item18.xml><?xml version="1.0" encoding="utf-8"?>
 <Control xmlns="http://schemas.microsoft.com/VisualStudio/2011/storyboarding/control">
   <Id Name="System.Storyboarding.WindowsAppIcons.Play" Revision="1" Stencil="System.Storyboarding.WindowsAppIcons" StencilVersion="0.1"/>
 </Control>
 </file>
 
-<file path=customXml/item18.xml><?xml version="1.0" encoding="utf-8"?>
-<Control xmlns="http://schemas.microsoft.com/VisualStudio/2011/storyboarding/control">
-  <Id Name="System.Storyboarding.WindowsPhoneIcons.Cancel" Revision="1" Stencil="System.Storyboarding.WindowsPhoneIcons" StencilVersion="0.1"/>
-</Control>
-</file>
-
 <file path=customXml/item19.xml><?xml version="1.0" encoding="utf-8"?>
 <Control xmlns="http://schemas.microsoft.com/VisualStudio/2011/storyboarding/control">
-  <Id Name="System.Storyboarding.WindowsAppIcons.Edit" Revision="1" Stencil="System.Storyboarding.WindowsAppIcons" StencilVersion="0.1"/>
+  <Id Name="System.Storyboarding.WindowsAppIcons.Retweet" Revision="1" Stencil="System.Storyboarding.WindowsAppIcons" StencilVersion="0.1"/>
 </Control>
 </file>
 
@@ -13125,7 +13164,7 @@
 
 <file path=customXml/item20.xml><?xml version="1.0" encoding="utf-8"?>
 <Control xmlns="http://schemas.microsoft.com/VisualStudio/2011/storyboarding/control">
-  <Id Name="System.Storyboarding.WindowsAppIcons.Edit" Revision="1" Stencil="System.Storyboarding.WindowsAppIcons" StencilVersion="0.1"/>
+  <Id Name="System.Storyboarding.WindowsAppIcons.Play" Revision="1" Stencil="System.Storyboarding.WindowsAppIcons" StencilVersion="0.1"/>
 </Control>
 </file>
 
@@ -13137,133 +13176,133 @@
 
 <file path=customXml/item22.xml><?xml version="1.0" encoding="utf-8"?>
 <Control xmlns="http://schemas.microsoft.com/VisualStudio/2011/storyboarding/control">
+  <Id Name="4b4d62c4-0b58-49c3-9bd5-0f2c494cd34e" RevisionId="df283dbf-c6b0-49ce-bc2c-3341a4271bd3" Stencil="172d6d98-e5c9-42e9-a209-79f7a94bbd38" StencilRevisionId="00000000-0000-0000-0000-000000000000" StencilVersion="0.0"/>
+</Control>
+</file>
+
+<file path=customXml/item23.xml><?xml version="1.0" encoding="utf-8"?>
+<Control xmlns="http://schemas.microsoft.com/VisualStudio/2011/storyboarding/control">
+  <Id Name="System.Storyboarding.WindowsAppIcons.Edit" Revision="1" Stencil="System.Storyboarding.WindowsAppIcons" StencilVersion="0.1"/>
+</Control>
+</file>
+
+<file path=customXml/item24.xml><?xml version="1.0" encoding="utf-8"?>
+<Control xmlns="http://schemas.microsoft.com/VisualStudio/2011/storyboarding/control">
+  <Id Name="System.Storyboarding.WindowsAppIcons.Plus" Revision="1" Stencil="System.Storyboarding.WindowsAppIcons" StencilVersion="0.1"/>
+</Control>
+</file>
+
+<file path=customXml/item25.xml><?xml version="1.0" encoding="utf-8"?>
+<Control xmlns="http://schemas.microsoft.com/VisualStudio/2011/storyboarding/control">
+  <Id Name="System.Storyboarding.WindowsAppIcons.Edit" Revision="1" Stencil="System.Storyboarding.WindowsAppIcons" StencilVersion="0.1"/>
+</Control>
+</file>
+
+<file path=customXml/item26.xml><?xml version="1.0" encoding="utf-8"?>
+<Control xmlns="http://schemas.microsoft.com/VisualStudio/2011/storyboarding/control">
+  <Id Name="System.Storyboarding.Icons.Volume" Revision="1" Stencil="System.Storyboarding.Icons" StencilVersion="0.1"/>
+</Control>
+</file>
+
+<file path=customXml/item27.xml><?xml version="1.0" encoding="utf-8"?>
+<Control xmlns="http://schemas.microsoft.com/VisualStudio/2011/storyboarding/control">
+  <Id Name="System.Storyboarding.WindowsPhoneIcons.Add" Revision="1" Stencil="System.Storyboarding.WindowsPhoneIcons" StencilVersion="0.1"/>
+</Control>
+</file>
+
+<file path=customXml/item28.xml><?xml version="1.0" encoding="utf-8"?>
+<Control xmlns="http://schemas.microsoft.com/VisualStudio/2011/storyboarding/control">
+  <Id Name="System.Storyboarding.WindowsAppIcons.Edit" Revision="1" Stencil="System.Storyboarding.WindowsAppIcons" StencilVersion="0.1"/>
+</Control>
+</file>
+
+<file path=customXml/item29.xml><?xml version="1.0" encoding="utf-8"?>
+<Control xmlns="http://schemas.microsoft.com/VisualStudio/2011/storyboarding/control">
   <Id Name="System.Storyboarding.WindowsPhoneIcons.Cancel" Revision="1" Stencil="System.Storyboarding.WindowsPhoneIcons" StencilVersion="0.1"/>
 </Control>
 </file>
 
-<file path=customXml/item23.xml><?xml version="1.0" encoding="utf-8"?>
+<file path=customXml/item3.xml><?xml version="1.0" encoding="utf-8"?>
+<Control xmlns="http://schemas.microsoft.com/VisualStudio/2011/storyboarding/control">
+  <Id Name="System.Storyboarding.WindowsPhoneIcons.Minus" Revision="1" Stencil="System.Storyboarding.WindowsPhoneIcons" StencilVersion="0.1"/>
+</Control>
+</file>
+
+<file path=customXml/item30.xml><?xml version="1.0" encoding="utf-8"?>
+<Control xmlns="http://schemas.microsoft.com/VisualStudio/2011/storyboarding/control">
+  <Id Name="System.Storyboarding.WindowsAppIcons.Edit" Revision="1" Stencil="System.Storyboarding.WindowsAppIcons" StencilVersion="0.1"/>
+</Control>
+</file>
+
+<file path=customXml/item31.xml><?xml version="1.0" encoding="utf-8"?>
+<Control xmlns="http://schemas.microsoft.com/VisualStudio/2011/storyboarding/control">
+  <Id Name="System.Storyboarding.Icons.Volume" Revision="1" Stencil="System.Storyboarding.Icons" StencilVersion="0.1"/>
+</Control>
+</file>
+
+<file path=customXml/item32.xml><?xml version="1.0" encoding="utf-8"?>
+<Control xmlns="http://schemas.microsoft.com/VisualStudio/2011/storyboarding/control">
+  <Id Name="System.Storyboarding.WindowsAppIcons.Edit" Revision="1" Stencil="System.Storyboarding.WindowsAppIcons" StencilVersion="0.1"/>
+</Control>
+</file>
+
+<file path=customXml/item33.xml><?xml version="1.0" encoding="utf-8"?>
+<Control xmlns="http://schemas.microsoft.com/VisualStudio/2011/storyboarding/control">
+  <Id Name="32035d07-bc66-4a79-8001-2507012193e3" RevisionId="7f6cc906-8fab-4878-8f41-90bcdc4e860e" Stencil="172d6d98-e5c9-42e9-a209-79f7a94bbd38" StencilRevisionId="00000000-0000-0000-0000-000000000000" StencilVersion="0.0"/>
+</Control>
+</file>
+
+<file path=customXml/item34.xml><?xml version="1.0" encoding="utf-8"?>
+<Control xmlns="http://schemas.microsoft.com/VisualStudio/2011/storyboarding/control">
+  <Id Name="System.Storyboarding.WindowsAppIcons.Play" Revision="1" Stencil="System.Storyboarding.WindowsAppIcons" StencilVersion="0.1"/>
+</Control>
+</file>
+
+<file path=customXml/item35.xml><?xml version="1.0" encoding="utf-8"?>
 <Control xmlns="http://schemas.microsoft.com/VisualStudio/2011/storyboarding/control">
   <Id Name="System.Storyboarding.WindowsPhoneIcons.Refresh" Revision="1" Stencil="System.Storyboarding.WindowsPhoneIcons" StencilVersion="0.1"/>
 </Control>
 </file>
 
-<file path=customXml/item24.xml><?xml version="1.0" encoding="utf-8"?>
+<file path=customXml/item36.xml><?xml version="1.0" encoding="utf-8"?>
+<Control xmlns="http://schemas.microsoft.com/VisualStudio/2011/storyboarding/control">
+  <Id Name="32035d07-bc66-4a79-8001-2507012193e3" RevisionId="7f6cc906-8fab-4878-8f41-90bcdc4e860e" Stencil="172d6d98-e5c9-42e9-a209-79f7a94bbd38" StencilRevisionId="00000000-0000-0000-0000-000000000000" StencilVersion="0.0"/>
+</Control>
+</file>
+
+<file path=customXml/item37.xml><?xml version="1.0" encoding="utf-8"?>
 <Control xmlns="http://schemas.microsoft.com/VisualStudio/2011/storyboarding/control">
   <Id Name="System.Storyboarding.WindowsAppIcons.Minus" Revision="1" Stencil="System.Storyboarding.WindowsAppIcons" StencilVersion="0.1"/>
 </Control>
 </file>
 
-<file path=customXml/item25.xml><?xml version="1.0" encoding="utf-8"?>
+<file path=customXml/item38.xml><?xml version="1.0" encoding="utf-8"?>
+<Control xmlns="http://schemas.microsoft.com/VisualStudio/2011/storyboarding/control">
+  <Id Name="System.Storyboarding.WindowsAppIcons.Edit" Revision="1" Stencil="System.Storyboarding.WindowsAppIcons" StencilVersion="0.1"/>
+</Control>
+</file>
+
+<file path=customXml/item39.xml><?xml version="1.0" encoding="utf-8"?>
+<Control xmlns="http://schemas.microsoft.com/VisualStudio/2011/storyboarding/control">
+  <Id Name="System.Storyboarding.WindowsAppIcons.Plus" Revision="1" Stencil="System.Storyboarding.WindowsAppIcons" StencilVersion="0.1"/>
+</Control>
+</file>
+
+<file path=customXml/item4.xml><?xml version="1.0" encoding="utf-8"?>
 <Control xmlns="http://schemas.microsoft.com/VisualStudio/2011/storyboarding/control">
   <Id Name="4b4d62c4-0b58-49c3-9bd5-0f2c494cd34e" RevisionId="df283dbf-c6b0-49ce-bc2c-3341a4271bd3" Stencil="172d6d98-e5c9-42e9-a209-79f7a94bbd38" StencilRevisionId="00000000-0000-0000-0000-000000000000" StencilVersion="0.0"/>
 </Control>
 </file>
 
-<file path=customXml/item26.xml><?xml version="1.0" encoding="utf-8"?>
-<Control xmlns="http://schemas.microsoft.com/VisualStudio/2011/storyboarding/control">
-  <Id Name="System.Storyboarding.WindowsPhoneIcons.Cancel" Revision="1" Stencil="System.Storyboarding.WindowsPhoneIcons" StencilVersion="0.1"/>
-</Control>
-</file>
-
-<file path=customXml/item27.xml><?xml version="1.0" encoding="utf-8"?>
+<file path=customXml/item40.xml><?xml version="1.0" encoding="utf-8"?>
 <Control xmlns="http://schemas.microsoft.com/VisualStudio/2011/storyboarding/control">
   <Id Name="System.Storyboarding.WindowsAppIcons.Play" Revision="1" Stencil="System.Storyboarding.WindowsAppIcons" StencilVersion="0.1"/>
 </Control>
 </file>
 
-<file path=customXml/item28.xml><?xml version="1.0" encoding="utf-8"?>
-<Control xmlns="http://schemas.microsoft.com/VisualStudio/2011/storyboarding/control">
-  <Id Name="32035d07-bc66-4a79-8001-2507012193e3" RevisionId="7f6cc906-8fab-4878-8f41-90bcdc4e860e" Stencil="172d6d98-e5c9-42e9-a209-79f7a94bbd38" StencilRevisionId="00000000-0000-0000-0000-000000000000" StencilVersion="0.0"/>
-</Control>
-</file>
-
-<file path=customXml/item29.xml><?xml version="1.0" encoding="utf-8"?>
-<Control xmlns="http://schemas.microsoft.com/VisualStudio/2011/storyboarding/control">
-  <Id Name="System.Storyboarding.WindowsAppIcons.Edit" Revision="1" Stencil="System.Storyboarding.WindowsAppIcons" StencilVersion="0.1"/>
-</Control>
-</file>
-
-<file path=customXml/item3.xml><?xml version="1.0" encoding="utf-8"?>
-<Control xmlns="http://schemas.microsoft.com/VisualStudio/2011/storyboarding/control">
-  <Id Name="System.Storyboarding.WindowsAppIcons.Retweet" Revision="1" Stencil="System.Storyboarding.WindowsAppIcons" StencilVersion="0.1"/>
-</Control>
-</file>
-
-<file path=customXml/item30.xml><?xml version="1.0" encoding="utf-8"?>
-<Control xmlns="http://schemas.microsoft.com/VisualStudio/2011/storyboarding/control">
-  <Id Name="System.Storyboarding.WindowsPhoneIcons.Cancel" Revision="1" Stencil="System.Storyboarding.WindowsPhoneIcons" StencilVersion="0.1"/>
-</Control>
-</file>
-
-<file path=customXml/item31.xml><?xml version="1.0" encoding="utf-8"?>
+<file path=customXml/item41.xml><?xml version="1.0" encoding="utf-8"?>
 <Control xmlns="http://schemas.microsoft.com/VisualStudio/2011/storyboarding/control">
   <Id Name="System.Storyboarding.WindowsAppIcons.Play" Revision="1" Stencil="System.Storyboarding.WindowsAppIcons" StencilVersion="0.1"/>
-</Control>
-</file>
-
-<file path=customXml/item32.xml><?xml version="1.0" encoding="utf-8"?>
-<Control xmlns="http://schemas.microsoft.com/VisualStudio/2011/storyboarding/control">
-  <Id Name="System.Storyboarding.WindowsPhoneIcons.Cancel" Revision="1" Stencil="System.Storyboarding.WindowsPhoneIcons" StencilVersion="0.1"/>
-</Control>
-</file>
-
-<file path=customXml/item33.xml><?xml version="1.0" encoding="utf-8"?>
-<Control xmlns="http://schemas.microsoft.com/VisualStudio/2011/storyboarding/control">
-  <Id Name="System.Storyboarding.WindowsAppIcons.Edit" Revision="1" Stencil="System.Storyboarding.WindowsAppIcons" StencilVersion="0.1"/>
-</Control>
-</file>
-
-<file path=customXml/item34.xml><?xml version="1.0" encoding="utf-8"?>
-<Control xmlns="http://schemas.microsoft.com/VisualStudio/2011/storyboarding/control">
-  <Id Name="System.Storyboarding.WindowsPhoneIcons.FastForward" Revision="1" Stencil="System.Storyboarding.WindowsPhoneIcons" StencilVersion="0.1"/>
-</Control>
-</file>
-
-<file path=customXml/item35.xml><?xml version="1.0" encoding="utf-8"?>
-<Control xmlns="http://schemas.microsoft.com/VisualStudio/2011/storyboarding/control">
-  <Id Name="System.Storyboarding.WindowsPhoneIcons.Add" Revision="1" Stencil="System.Storyboarding.WindowsPhoneIcons" StencilVersion="0.1"/>
-</Control>
-</file>
-
-<file path=customXml/item36.xml><?xml version="1.0" encoding="utf-8"?>
-<Control xmlns="http://schemas.microsoft.com/VisualStudio/2011/storyboarding/control">
-  <Id Name="System.Storyboarding.WindowsAppIcons.Minus" Revision="1" Stencil="System.Storyboarding.WindowsAppIcons" StencilVersion="0.1"/>
-</Control>
-</file>
-
-<file path=customXml/item37.xml><?xml version="1.0" encoding="utf-8"?>
-<Control xmlns="http://schemas.microsoft.com/VisualStudio/2011/storyboarding/control">
-  <Id Name="System.Storyboarding.WindowsPhoneIcons.Minus" Revision="1" Stencil="System.Storyboarding.WindowsPhoneIcons" StencilVersion="0.1"/>
-</Control>
-</file>
-
-<file path=customXml/item38.xml><?xml version="1.0" encoding="utf-8"?>
-<Control xmlns="http://schemas.microsoft.com/VisualStudio/2011/storyboarding/control">
-  <Id Name="System.Storyboarding.WindowsAppIcons.Plus" Revision="1" Stencil="System.Storyboarding.WindowsAppIcons" StencilVersion="0.1"/>
-</Control>
-</file>
-
-<file path=customXml/item39.xml><?xml version="1.0" encoding="utf-8"?>
-<Control xmlns="http://schemas.microsoft.com/VisualStudio/2011/storyboarding/control">
-  <Id Name="System.Storyboarding.WindowsAppIcons.Edit" Revision="1" Stencil="System.Storyboarding.WindowsAppIcons" StencilVersion="0.1"/>
-</Control>
-</file>
-
-<file path=customXml/item4.xml><?xml version="1.0" encoding="utf-8"?>
-<Control xmlns="http://schemas.microsoft.com/VisualStudio/2011/storyboarding/control">
-  <Id Name="System.Storyboarding.WindowsAppIcons.Play" Revision="1" Stencil="System.Storyboarding.WindowsAppIcons" StencilVersion="0.1"/>
-</Control>
-</file>
-
-<file path=customXml/item40.xml><?xml version="1.0" encoding="utf-8"?>
-<Control xmlns="http://schemas.microsoft.com/VisualStudio/2011/storyboarding/control">
-  <Id Name="System.Storyboarding.WindowsPhoneIcons.Cancel" Revision="1" Stencil="System.Storyboarding.WindowsPhoneIcons" StencilVersion="0.1"/>
-</Control>
-</file>
-
-<file path=customXml/item41.xml><?xml version="1.0" encoding="utf-8"?>
-<Control xmlns="http://schemas.microsoft.com/VisualStudio/2011/storyboarding/control">
-  <Id Name="System.Storyboarding.WindowsPhoneIcons.Cancel" Revision="1" Stencil="System.Storyboarding.WindowsPhoneIcons" StencilVersion="0.1"/>
 </Control>
 </file>
 
@@ -13275,49 +13314,49 @@
 
 <file path=customXml/item43.xml><?xml version="1.0" encoding="utf-8"?>
 <Control xmlns="http://schemas.microsoft.com/VisualStudio/2011/storyboarding/control">
+  <Id Name="System.Storyboarding.WindowsAppIcons.Edit" Revision="1" Stencil="System.Storyboarding.WindowsAppIcons" StencilVersion="0.1"/>
+</Control>
+</file>
+
+<file path=customXml/item44.xml><?xml version="1.0" encoding="utf-8"?>
+<Control xmlns="http://schemas.microsoft.com/VisualStudio/2011/storyboarding/control">
+  <Id Name="System.Storyboarding.WindowsAppIcons.Edit" Revision="1" Stencil="System.Storyboarding.WindowsAppIcons" StencilVersion="0.1"/>
+</Control>
+</file>
+
+<file path=customXml/item45.xml><?xml version="1.0" encoding="utf-8"?>
+<Control xmlns="http://schemas.microsoft.com/VisualStudio/2011/storyboarding/control">
+  <Id Name="System.Storyboarding.WindowsAppIcons.Down" Revision="1" Stencil="System.Storyboarding.WindowsAppIcons" StencilVersion="0.1"/>
+</Control>
+</file>
+
+<file path=customXml/item46.xml><?xml version="1.0" encoding="utf-8"?>
+<Control xmlns="http://schemas.microsoft.com/VisualStudio/2011/storyboarding/control">
   <Id Name="System.Storyboarding.WindowsAppIcons.Play" Revision="1" Stencil="System.Storyboarding.WindowsAppIcons" StencilVersion="0.1"/>
 </Control>
 </file>
 
-<file path=customXml/item44.xml><?xml version="1.0" encoding="utf-8"?>
+<file path=customXml/item47.xml><?xml version="1.0" encoding="utf-8"?>
+<Control xmlns="http://schemas.microsoft.com/VisualStudio/2011/storyboarding/control">
+  <Id Name="System.Storyboarding.WindowsAppIcons.Edit" Revision="1" Stencil="System.Storyboarding.WindowsAppIcons" StencilVersion="0.1"/>
+</Control>
+</file>
+
+<file path=customXml/item48.xml><?xml version="1.0" encoding="utf-8"?>
+<Control xmlns="http://schemas.microsoft.com/VisualStudio/2011/storyboarding/control">
+  <Id Name="System.Storyboarding.WindowsAppIcons.Play" Revision="1" Stencil="System.Storyboarding.WindowsAppIcons" StencilVersion="0.1"/>
+</Control>
+</file>
+
+<file path=customXml/item49.xml><?xml version="1.0" encoding="utf-8"?>
 <Control xmlns="http://schemas.microsoft.com/VisualStudio/2011/storyboarding/control">
   <Id Name="System.Storyboarding.WindowsPhoneIcons.Cancel" Revision="1" Stencil="System.Storyboarding.WindowsPhoneIcons" StencilVersion="0.1"/>
 </Control>
 </file>
 
-<file path=customXml/item45.xml><?xml version="1.0" encoding="utf-8"?>
-<Control xmlns="http://schemas.microsoft.com/VisualStudio/2011/storyboarding/control">
-  <Id Name="System.Storyboarding.WindowsAppIcons.Edit" Revision="1" Stencil="System.Storyboarding.WindowsAppIcons" StencilVersion="0.1"/>
-</Control>
-</file>
-
-<file path=customXml/item46.xml><?xml version="1.0" encoding="utf-8"?>
-<Control xmlns="http://schemas.microsoft.com/VisualStudio/2011/storyboarding/control">
-  <Id Name="System.Storyboarding.WindowsAppIcons.Edit" Revision="1" Stencil="System.Storyboarding.WindowsAppIcons" StencilVersion="0.1"/>
-</Control>
-</file>
-
-<file path=customXml/item47.xml><?xml version="1.0" encoding="utf-8"?>
-<Control xmlns="http://schemas.microsoft.com/VisualStudio/2011/storyboarding/control">
-  <Id Name="System.Storyboarding.WindowsPhoneIcons.Rewind" Revision="1" Stencil="System.Storyboarding.WindowsPhoneIcons" StencilVersion="0.1"/>
-</Control>
-</file>
-
-<file path=customXml/item48.xml><?xml version="1.0" encoding="utf-8"?>
-<Control xmlns="http://schemas.microsoft.com/VisualStudio/2011/storyboarding/control">
-  <Id Name="System.Storyboarding.WindowsAppIcons.Donotwant" Revision="1" Stencil="System.Storyboarding.WindowsAppIcons" StencilVersion="0.1"/>
-</Control>
-</file>
-
-<file path=customXml/item49.xml><?xml version="1.0" encoding="utf-8"?>
-<Control xmlns="http://schemas.microsoft.com/VisualStudio/2011/storyboarding/control">
-  <Id Name="System.Storyboarding.WindowsAppIcons.Edit" Revision="1" Stencil="System.Storyboarding.WindowsAppIcons" StencilVersion="0.1"/>
-</Control>
-</file>
-
 <file path=customXml/item5.xml><?xml version="1.0" encoding="utf-8"?>
 <Control xmlns="http://schemas.microsoft.com/VisualStudio/2011/storyboarding/control">
-  <Id Name="System.Storyboarding.Icons.Volume" Revision="1" Stencil="System.Storyboarding.Icons" StencilVersion="0.1"/>
+  <Id Name="System.Storyboarding.WindowsAppIcons.Clock" Revision="1" Stencil="System.Storyboarding.WindowsAppIcons" StencilVersion="0.1"/>
 </Control>
 </file>
 
@@ -13329,7 +13368,7 @@
 
 <file path=customXml/item51.xml><?xml version="1.0" encoding="utf-8"?>
 <Control xmlns="http://schemas.microsoft.com/VisualStudio/2011/storyboarding/control">
-  <Id Name="System.Storyboarding.WindowsAppIcons.Play" Revision="1" Stencil="System.Storyboarding.WindowsAppIcons" StencilVersion="0.1"/>
+  <Id Name="System.Storyboarding.WindowsPhoneIcons.FastForward" Revision="1" Stencil="System.Storyboarding.WindowsPhoneIcons" StencilVersion="0.1"/>
 </Control>
 </file>
 
@@ -13341,13 +13380,13 @@
 
 <file path=customXml/item53.xml><?xml version="1.0" encoding="utf-8"?>
 <Control xmlns="http://schemas.microsoft.com/VisualStudio/2011/storyboarding/control">
-  <Id Name="4b4d62c4-0b58-49c3-9bd5-0f2c494cd34e" RevisionId="df283dbf-c6b0-49ce-bc2c-3341a4271bd3" Stencil="172d6d98-e5c9-42e9-a209-79f7a94bbd38" StencilRevisionId="00000000-0000-0000-0000-000000000000" StencilVersion="0.0"/>
+  <Id Name="System.Storyboarding.WindowsPhoneIcons.Cancel" Revision="1" Stencil="System.Storyboarding.WindowsPhoneIcons" StencilVersion="0.1"/>
 </Control>
 </file>
 
 <file path=customXml/item54.xml><?xml version="1.0" encoding="utf-8"?>
 <Control xmlns="http://schemas.microsoft.com/VisualStudio/2011/storyboarding/control">
-  <Id Name="System.Storyboarding.WindowsAppIcons.Edit" Revision="1" Stencil="System.Storyboarding.WindowsAppIcons" StencilVersion="0.1"/>
+  <Id Name="System.Storyboarding.WindowsAppIcons.Clock" Revision="1" Stencil="System.Storyboarding.WindowsAppIcons" StencilVersion="0.1"/>
 </Control>
 </file>
 
@@ -13359,37 +13398,37 @@
 
 <file path=customXml/item56.xml><?xml version="1.0" encoding="utf-8"?>
 <Control xmlns="http://schemas.microsoft.com/VisualStudio/2011/storyboarding/control">
-  <Id Name="System.Storyboarding.WindowsAppIcons.Play" Revision="1" Stencil="System.Storyboarding.WindowsAppIcons" StencilVersion="0.1"/>
+  <Id Name="System.Storyboarding.WindowsAppIcons.Edit" Revision="1" Stencil="System.Storyboarding.WindowsAppIcons" StencilVersion="0.1"/>
 </Control>
 </file>
 
 <file path=customXml/item57.xml><?xml version="1.0" encoding="utf-8"?>
 <Control xmlns="http://schemas.microsoft.com/VisualStudio/2011/storyboarding/control">
-  <Id Name="System.Storyboarding.WindowsAppIcons.Plus" Revision="1" Stencil="System.Storyboarding.WindowsAppIcons" StencilVersion="0.1"/>
+  <Id Name="System.Storyboarding.WindowsAppIcons.Minus" Revision="1" Stencil="System.Storyboarding.WindowsAppIcons" StencilVersion="0.1"/>
 </Control>
 </file>
 
 <file path=customXml/item58.xml><?xml version="1.0" encoding="utf-8"?>
 <Control xmlns="http://schemas.microsoft.com/VisualStudio/2011/storyboarding/control">
-  <Id Name="System.Storyboarding.WindowsAppIcons.Clock" Revision="1" Stencil="System.Storyboarding.WindowsAppIcons" StencilVersion="0.1"/>
+  <Id Name="System.Storyboarding.WindowsPhoneIcons.Cancel" Revision="1" Stencil="System.Storyboarding.WindowsPhoneIcons" StencilVersion="0.1"/>
 </Control>
 </file>
 
 <file path=customXml/item59.xml><?xml version="1.0" encoding="utf-8"?>
+<Control xmlns="http://schemas.microsoft.com/VisualStudio/2011/storyboarding/control">
+  <Id Name="System.Storyboarding.WindowsAppIcons.Edit" Revision="1" Stencil="System.Storyboarding.WindowsAppIcons" StencilVersion="0.1"/>
+</Control>
+</file>
+
+<file path=customXml/item6.xml><?xml version="1.0" encoding="utf-8"?>
 <Control xmlns="http://schemas.microsoft.com/VisualStudio/2011/storyboarding/control">
   <Id Name="System.Storyboarding.Icons.Volume" Revision="1" Stencil="System.Storyboarding.Icons" StencilVersion="0.1"/>
 </Control>
 </file>
 
-<file path=customXml/item6.xml><?xml version="1.0" encoding="utf-8"?>
-<Control xmlns="http://schemas.microsoft.com/VisualStudio/2011/storyboarding/control">
-  <Id Name="32035d07-bc66-4a79-8001-2507012193e3" RevisionId="7f6cc906-8fab-4878-8f41-90bcdc4e860e" Stencil="172d6d98-e5c9-42e9-a209-79f7a94bbd38" StencilRevisionId="00000000-0000-0000-0000-000000000000" StencilVersion="0.0"/>
-</Control>
-</file>
-
 <file path=customXml/item60.xml><?xml version="1.0" encoding="utf-8"?>
 <Control xmlns="http://schemas.microsoft.com/VisualStudio/2011/storyboarding/control">
-  <Id Name="System.Storyboarding.WindowsAppIcons.Edit" Revision="1" Stencil="System.Storyboarding.WindowsAppIcons" StencilVersion="0.1"/>
+  <Id Name="System.Storyboarding.WindowsPhoneIcons.Add" Revision="1" Stencil="System.Storyboarding.WindowsPhoneIcons" StencilVersion="0.1"/>
 </Control>
 </file>
 
@@ -13401,7 +13440,7 @@
 
 <file path=customXml/item62.xml><?xml version="1.0" encoding="utf-8"?>
 <Control xmlns="http://schemas.microsoft.com/VisualStudio/2011/storyboarding/control">
-  <Id Name="System.Storyboarding.Icons.Volume" Revision="1" Stencil="System.Storyboarding.Icons" StencilVersion="0.1"/>
+  <Id Name="System.Storyboarding.WindowsPhoneIcons.Cancel" Revision="1" Stencil="System.Storyboarding.WindowsPhoneIcons" StencilVersion="0.1"/>
 </Control>
 </file>
 
@@ -13413,53 +13452,253 @@
 
 <file path=customXml/item64.xml><?xml version="1.0" encoding="utf-8"?>
 <Control xmlns="http://schemas.microsoft.com/VisualStudio/2011/storyboarding/control">
-  <Id Name="e75cd7fd-d454-43ac-a2bd-cf0ac4f48652" RevisionId="8831f7ae-9100-4ae6-a512-25e5a2ad6d46" Stencil="172d6d98-e5c9-42e9-a209-79f7a94bbd38" StencilRevisionId="00000000-0000-0000-0000-000000000000" StencilVersion="0.0"/>
+  <Id Name="System.Storyboarding.WindowsPhoneIcons.Cancel" Revision="1" Stencil="System.Storyboarding.WindowsPhoneIcons" StencilVersion="0.1"/>
 </Control>
 </file>
 
 <file path=customXml/item65.xml><?xml version="1.0" encoding="utf-8"?>
 <Control xmlns="http://schemas.microsoft.com/VisualStudio/2011/storyboarding/control">
-  <Id Name="System.Storyboarding.WindowsAppIcons.Down" Revision="1" Stencil="System.Storyboarding.WindowsAppIcons" StencilVersion="0.1"/>
+  <Id Name="System.Storyboarding.WindowsPhoneIcons.Rewind" Revision="1" Stencil="System.Storyboarding.WindowsPhoneIcons" StencilVersion="0.1"/>
 </Control>
 </file>
 
 <file path=customXml/item66.xml><?xml version="1.0" encoding="utf-8"?>
 <Control xmlns="http://schemas.microsoft.com/VisualStudio/2011/storyboarding/control">
-  <Id Name="System.Storyboarding.WindowsPhoneIcons.Add" Revision="1" Stencil="System.Storyboarding.WindowsPhoneIcons" StencilVersion="0.1"/>
+  <Id Name="System.Storyboarding.WindowsAppIcons.Play" Revision="1" Stencil="System.Storyboarding.WindowsAppIcons" StencilVersion="0.1"/>
 </Control>
 </file>
 
 <file path=customXml/item67.xml><?xml version="1.0" encoding="utf-8"?>
-<Control xmlns="http://schemas.microsoft.com/VisualStudio/2011/storyboarding/control">
-  <Id Name="System.Storyboarding.WindowsPhoneIcons.Add" Revision="1" Stencil="System.Storyboarding.WindowsPhoneIcons" StencilVersion="0.1"/>
-</Control>
-</file>
-
-<file path=customXml/item68.xml><?xml version="1.0" encoding="utf-8"?>
 <Control xmlns="http://schemas.microsoft.com/VisualStudio/2011/storyboarding/control">
   <Id Name="System.Storyboarding.Icons.FolderOpen" Revision="1" Stencil="System.Storyboarding.Icons" StencilVersion="0.1"/>
 </Control>
 </file>
 
+<file path=customXml/item68.xml><?xml version="1.0" encoding="utf-8"?>
+<Control xmlns="http://schemas.microsoft.com/VisualStudio/2011/storyboarding/control">
+  <Id Name="System.Storyboarding.WindowsAppIcons.Edit" Revision="1" Stencil="System.Storyboarding.WindowsAppIcons" StencilVersion="0.1"/>
+</Control>
+</file>
+
 <file path=customXml/item7.xml><?xml version="1.0" encoding="utf-8"?>
 <Control xmlns="http://schemas.microsoft.com/VisualStudio/2011/storyboarding/control">
-  <Id Name="System.Storyboarding.WindowsAppIcons.Clock" Revision="1" Stencil="System.Storyboarding.WindowsAppIcons" StencilVersion="0.1"/>
+  <Id Name="System.Storyboarding.WindowsAppIcons.Edit" Revision="1" Stencil="System.Storyboarding.WindowsAppIcons" StencilVersion="0.1"/>
 </Control>
 </file>
 
 <file path=customXml/item8.xml><?xml version="1.0" encoding="utf-8"?>
+<Control xmlns="http://schemas.microsoft.com/VisualStudio/2011/storyboarding/control">
+  <Id Name="System.Storyboarding.WindowsAppIcons.Play" Revision="1" Stencil="System.Storyboarding.WindowsAppIcons" StencilVersion="0.1"/>
+</Control>
+</file>
+
+<file path=customXml/item9.xml><?xml version="1.0" encoding="utf-8"?>
 <Control xmlns="http://schemas.microsoft.com/VisualStudio/2011/storyboarding/control">
   <Id Name="System.Storyboarding.WindowsPhoneIcons.Cancel" Revision="1" Stencil="System.Storyboarding.WindowsPhoneIcons" StencilVersion="0.1"/>
 </Control>
 </file>
 
-<file path=customXml/item9.xml><?xml version="1.0" encoding="utf-8"?>
-<Control xmlns="http://schemas.microsoft.com/VisualStudio/2011/storyboarding/control">
-  <Id Name="System.Storyboarding.WindowsAppIcons.Edit" Revision="1" Stencil="System.Storyboarding.WindowsAppIcons" StencilVersion="0.1"/>
-</Control>
-</file>
-
 <file path=customXml/itemProps1.xml><?xml version="1.0" encoding="utf-8"?>
+<ds:datastoreItem xmlns:ds="http://schemas.openxmlformats.org/officeDocument/2006/customXml" ds:itemID="{541D200C-886D-4393-A468-D257F7CE4C2E}">
+  <ds:schemaRefs>
+    <ds:schemaRef ds:uri="http://schemas.microsoft.com/VisualStudio/2011/storyboarding/control"/>
+  </ds:schemaRefs>
+</ds:datastoreItem>
+</file>
+
+<file path=customXml/itemProps10.xml><?xml version="1.0" encoding="utf-8"?>
+<ds:datastoreItem xmlns:ds="http://schemas.openxmlformats.org/officeDocument/2006/customXml" ds:itemID="{1D5DC517-E715-4F56-B43C-13839AE337F0}">
+  <ds:schemaRefs>
+    <ds:schemaRef ds:uri="http://schemas.microsoft.com/VisualStudio/2011/storyboarding/control"/>
+  </ds:schemaRefs>
+</ds:datastoreItem>
+</file>
+
+<file path=customXml/itemProps11.xml><?xml version="1.0" encoding="utf-8"?>
+<ds:datastoreItem xmlns:ds="http://schemas.openxmlformats.org/officeDocument/2006/customXml" ds:itemID="{69819B4B-C652-4029-9D6F-1F30F2207B1C}">
+  <ds:schemaRefs>
+    <ds:schemaRef ds:uri="http://schemas.microsoft.com/VisualStudio/2011/storyboarding/control"/>
+  </ds:schemaRefs>
+</ds:datastoreItem>
+</file>
+
+<file path=customXml/itemProps12.xml><?xml version="1.0" encoding="utf-8"?>
+<ds:datastoreItem xmlns:ds="http://schemas.openxmlformats.org/officeDocument/2006/customXml" ds:itemID="{182A85CA-4E58-49C8-8C48-758766C210A9}">
+  <ds:schemaRefs>
+    <ds:schemaRef ds:uri="http://schemas.microsoft.com/VisualStudio/2011/storyboarding/control"/>
+  </ds:schemaRefs>
+</ds:datastoreItem>
+</file>
+
+<file path=customXml/itemProps13.xml><?xml version="1.0" encoding="utf-8"?>
+<ds:datastoreItem xmlns:ds="http://schemas.openxmlformats.org/officeDocument/2006/customXml" ds:itemID="{F7BFCA9F-A0B1-4AC1-AD74-CE9E4213160F}">
+  <ds:schemaRefs>
+    <ds:schemaRef ds:uri="http://schemas.microsoft.com/VisualStudio/2011/storyboarding/control"/>
+  </ds:schemaRefs>
+</ds:datastoreItem>
+</file>
+
+<file path=customXml/itemProps14.xml><?xml version="1.0" encoding="utf-8"?>
+<ds:datastoreItem xmlns:ds="http://schemas.openxmlformats.org/officeDocument/2006/customXml" ds:itemID="{10C4D8A6-492F-4C3D-BAAD-8273F297A317}">
+  <ds:schemaRefs>
+    <ds:schemaRef ds:uri="http://schemas.microsoft.com/VisualStudio/2011/storyboarding/control"/>
+  </ds:schemaRefs>
+</ds:datastoreItem>
+</file>
+
+<file path=customXml/itemProps15.xml><?xml version="1.0" encoding="utf-8"?>
+<ds:datastoreItem xmlns:ds="http://schemas.openxmlformats.org/officeDocument/2006/customXml" ds:itemID="{FF1022A0-DAA8-4910-B054-25E1EE26A5AC}">
+  <ds:schemaRefs>
+    <ds:schemaRef ds:uri="http://schemas.microsoft.com/VisualStudio/2011/storyboarding/control"/>
+  </ds:schemaRefs>
+</ds:datastoreItem>
+</file>
+
+<file path=customXml/itemProps16.xml><?xml version="1.0" encoding="utf-8"?>
+<ds:datastoreItem xmlns:ds="http://schemas.openxmlformats.org/officeDocument/2006/customXml" ds:itemID="{B24B058A-7394-4884-87AB-3D162B4AF263}">
+  <ds:schemaRefs>
+    <ds:schemaRef ds:uri="http://schemas.microsoft.com/VisualStudio/2011/storyboarding/control"/>
+  </ds:schemaRefs>
+</ds:datastoreItem>
+</file>
+
+<file path=customXml/itemProps17.xml><?xml version="1.0" encoding="utf-8"?>
+<ds:datastoreItem xmlns:ds="http://schemas.openxmlformats.org/officeDocument/2006/customXml" ds:itemID="{D8EE4C6F-B1D4-4AC9-928F-40B58F8389AA}">
+  <ds:schemaRefs>
+    <ds:schemaRef ds:uri="http://schemas.microsoft.com/VisualStudio/2011/storyboarding/control"/>
+  </ds:schemaRefs>
+</ds:datastoreItem>
+</file>
+
+<file path=customXml/itemProps18.xml><?xml version="1.0" encoding="utf-8"?>
+<ds:datastoreItem xmlns:ds="http://schemas.openxmlformats.org/officeDocument/2006/customXml" ds:itemID="{96BD8081-566A-4B7A-9794-537613F8A560}">
+  <ds:schemaRefs>
+    <ds:schemaRef ds:uri="http://schemas.microsoft.com/VisualStudio/2011/storyboarding/control"/>
+  </ds:schemaRefs>
+</ds:datastoreItem>
+</file>
+
+<file path=customXml/itemProps19.xml><?xml version="1.0" encoding="utf-8"?>
+<ds:datastoreItem xmlns:ds="http://schemas.openxmlformats.org/officeDocument/2006/customXml" ds:itemID="{AEE75C41-50A0-4E2E-8E71-75152E4221D1}">
+  <ds:schemaRefs>
+    <ds:schemaRef ds:uri="http://schemas.microsoft.com/VisualStudio/2011/storyboarding/control"/>
+  </ds:schemaRefs>
+</ds:datastoreItem>
+</file>
+
+<file path=customXml/itemProps2.xml><?xml version="1.0" encoding="utf-8"?>
+<ds:datastoreItem xmlns:ds="http://schemas.openxmlformats.org/officeDocument/2006/customXml" ds:itemID="{2D4E3CDC-752C-421E-817A-A9D2344595DE}">
+  <ds:schemaRefs>
+    <ds:schemaRef ds:uri="http://schemas.microsoft.com/VisualStudio/2011/storyboarding/control"/>
+  </ds:schemaRefs>
+</ds:datastoreItem>
+</file>
+
+<file path=customXml/itemProps20.xml><?xml version="1.0" encoding="utf-8"?>
+<ds:datastoreItem xmlns:ds="http://schemas.openxmlformats.org/officeDocument/2006/customXml" ds:itemID="{BC2C5481-5539-4A2E-88CE-EE6972284F48}">
+  <ds:schemaRefs>
+    <ds:schemaRef ds:uri="http://schemas.microsoft.com/VisualStudio/2011/storyboarding/control"/>
+  </ds:schemaRefs>
+</ds:datastoreItem>
+</file>
+
+<file path=customXml/itemProps21.xml><?xml version="1.0" encoding="utf-8"?>
+<ds:datastoreItem xmlns:ds="http://schemas.openxmlformats.org/officeDocument/2006/customXml" ds:itemID="{E3E34527-CBA0-4787-B0F7-C2B934B5B4C4}">
+  <ds:schemaRefs>
+    <ds:schemaRef ds:uri="http://schemas.microsoft.com/VisualStudio/2011/storyboarding/control"/>
+  </ds:schemaRefs>
+</ds:datastoreItem>
+</file>
+
+<file path=customXml/itemProps22.xml><?xml version="1.0" encoding="utf-8"?>
+<ds:datastoreItem xmlns:ds="http://schemas.openxmlformats.org/officeDocument/2006/customXml" ds:itemID="{6E845879-650B-4022-A35E-856E74320ACC}">
+  <ds:schemaRefs>
+    <ds:schemaRef ds:uri="http://schemas.microsoft.com/VisualStudio/2011/storyboarding/control"/>
+  </ds:schemaRefs>
+</ds:datastoreItem>
+</file>
+
+<file path=customXml/itemProps23.xml><?xml version="1.0" encoding="utf-8"?>
+<ds:datastoreItem xmlns:ds="http://schemas.openxmlformats.org/officeDocument/2006/customXml" ds:itemID="{FB9740A1-8F0C-4AA2-A2C9-15A377DC91A6}">
+  <ds:schemaRefs>
+    <ds:schemaRef ds:uri="http://schemas.microsoft.com/VisualStudio/2011/storyboarding/control"/>
+  </ds:schemaRefs>
+</ds:datastoreItem>
+</file>
+
+<file path=customXml/itemProps24.xml><?xml version="1.0" encoding="utf-8"?>
+<ds:datastoreItem xmlns:ds="http://schemas.openxmlformats.org/officeDocument/2006/customXml" ds:itemID="{7C81862B-608B-4E4F-9DB1-7DBCFE9F2139}">
+  <ds:schemaRefs>
+    <ds:schemaRef ds:uri="http://schemas.microsoft.com/VisualStudio/2011/storyboarding/control"/>
+  </ds:schemaRefs>
+</ds:datastoreItem>
+</file>
+
+<file path=customXml/itemProps25.xml><?xml version="1.0" encoding="utf-8"?>
+<ds:datastoreItem xmlns:ds="http://schemas.openxmlformats.org/officeDocument/2006/customXml" ds:itemID="{34422DFF-D2BE-4305-8DA3-E0E99CFA01F4}">
+  <ds:schemaRefs>
+    <ds:schemaRef ds:uri="http://schemas.microsoft.com/VisualStudio/2011/storyboarding/control"/>
+  </ds:schemaRefs>
+</ds:datastoreItem>
+</file>
+
+<file path=customXml/itemProps26.xml><?xml version="1.0" encoding="utf-8"?>
+<ds:datastoreItem xmlns:ds="http://schemas.openxmlformats.org/officeDocument/2006/customXml" ds:itemID="{A822EFA2-5211-415D-91B1-1D2F11D7CBDF}">
+  <ds:schemaRefs>
+    <ds:schemaRef ds:uri="http://schemas.microsoft.com/VisualStudio/2011/storyboarding/control"/>
+  </ds:schemaRefs>
+</ds:datastoreItem>
+</file>
+
+<file path=customXml/itemProps27.xml><?xml version="1.0" encoding="utf-8"?>
+<ds:datastoreItem xmlns:ds="http://schemas.openxmlformats.org/officeDocument/2006/customXml" ds:itemID="{ECEE1C58-60D6-4BE6-B599-4F7E9AB9E035}">
+  <ds:schemaRefs>
+    <ds:schemaRef ds:uri="http://schemas.microsoft.com/VisualStudio/2011/storyboarding/control"/>
+  </ds:schemaRefs>
+</ds:datastoreItem>
+</file>
+
+<file path=customXml/itemProps28.xml><?xml version="1.0" encoding="utf-8"?>
+<ds:datastoreItem xmlns:ds="http://schemas.openxmlformats.org/officeDocument/2006/customXml" ds:itemID="{A76A203E-9FD7-42C2-8FEF-B018DFF7E4D1}">
+  <ds:schemaRefs>
+    <ds:schemaRef ds:uri="http://schemas.microsoft.com/VisualStudio/2011/storyboarding/control"/>
+  </ds:schemaRefs>
+</ds:datastoreItem>
+</file>
+
+<file path=customXml/itemProps29.xml><?xml version="1.0" encoding="utf-8"?>
+<ds:datastoreItem xmlns:ds="http://schemas.openxmlformats.org/officeDocument/2006/customXml" ds:itemID="{FDB8CFE8-3808-4247-A2FD-35E246A153DC}">
+  <ds:schemaRefs>
+    <ds:schemaRef ds:uri="http://schemas.microsoft.com/VisualStudio/2011/storyboarding/control"/>
+  </ds:schemaRefs>
+</ds:datastoreItem>
+</file>
+
+<file path=customXml/itemProps3.xml><?xml version="1.0" encoding="utf-8"?>
+<ds:datastoreItem xmlns:ds="http://schemas.openxmlformats.org/officeDocument/2006/customXml" ds:itemID="{0CAA02FD-32C9-42E8-98BE-0EAAD29173F4}">
+  <ds:schemaRefs>
+    <ds:schemaRef ds:uri="http://schemas.microsoft.com/VisualStudio/2011/storyboarding/control"/>
+  </ds:schemaRefs>
+</ds:datastoreItem>
+</file>
+
+<file path=customXml/itemProps30.xml><?xml version="1.0" encoding="utf-8"?>
+<ds:datastoreItem xmlns:ds="http://schemas.openxmlformats.org/officeDocument/2006/customXml" ds:itemID="{80A2EE3F-8E5E-4E02-8371-075F75881CC2}">
+  <ds:schemaRefs>
+    <ds:schemaRef ds:uri="http://schemas.microsoft.com/VisualStudio/2011/storyboarding/control"/>
+  </ds:schemaRefs>
+</ds:datastoreItem>
+</file>
+
+<file path=customXml/itemProps31.xml><?xml version="1.0" encoding="utf-8"?>
+<ds:datastoreItem xmlns:ds="http://schemas.openxmlformats.org/officeDocument/2006/customXml" ds:itemID="{43B5ED86-0060-4D69-806F-5CA89175AE14}">
+  <ds:schemaRefs>
+    <ds:schemaRef ds:uri="http://schemas.microsoft.com/VisualStudio/2011/storyboarding/control"/>
+  </ds:schemaRefs>
+</ds:datastoreItem>
+</file>
+
+<file path=customXml/itemProps32.xml><?xml version="1.0" encoding="utf-8"?>
 <ds:datastoreItem xmlns:ds="http://schemas.openxmlformats.org/officeDocument/2006/customXml" ds:itemID="{CC557381-0DF9-4AE0-A746-74A48780A5BE}">
   <ds:schemaRefs>
     <ds:schemaRef ds:uri="http://schemas.microsoft.com/VisualStudio/2011/storyboarding/control"/>
@@ -13467,7 +13706,71 @@
 </ds:datastoreItem>
 </file>
 
-<file path=customXml/itemProps10.xml><?xml version="1.0" encoding="utf-8"?>
+<file path=customXml/itemProps33.xml><?xml version="1.0" encoding="utf-8"?>
+<ds:datastoreItem xmlns:ds="http://schemas.openxmlformats.org/officeDocument/2006/customXml" ds:itemID="{896AE23B-403F-4EEC-900F-6E95A60A4CC1}">
+  <ds:schemaRefs>
+    <ds:schemaRef ds:uri="http://schemas.microsoft.com/VisualStudio/2011/storyboarding/control"/>
+  </ds:schemaRefs>
+</ds:datastoreItem>
+</file>
+
+<file path=customXml/itemProps34.xml><?xml version="1.0" encoding="utf-8"?>
+<ds:datastoreItem xmlns:ds="http://schemas.openxmlformats.org/officeDocument/2006/customXml" ds:itemID="{2693F098-32A1-41BE-97F8-CEDAE063F99E}">
+  <ds:schemaRefs>
+    <ds:schemaRef ds:uri="http://schemas.microsoft.com/VisualStudio/2011/storyboarding/control"/>
+  </ds:schemaRefs>
+</ds:datastoreItem>
+</file>
+
+<file path=customXml/itemProps35.xml><?xml version="1.0" encoding="utf-8"?>
+<ds:datastoreItem xmlns:ds="http://schemas.openxmlformats.org/officeDocument/2006/customXml" ds:itemID="{F50EEE5E-70AE-4092-8CFF-7CEEF7A1A3DA}">
+  <ds:schemaRefs>
+    <ds:schemaRef ds:uri="http://schemas.microsoft.com/VisualStudio/2011/storyboarding/control"/>
+  </ds:schemaRefs>
+</ds:datastoreItem>
+</file>
+
+<file path=customXml/itemProps36.xml><?xml version="1.0" encoding="utf-8"?>
+<ds:datastoreItem xmlns:ds="http://schemas.openxmlformats.org/officeDocument/2006/customXml" ds:itemID="{A4C33EEA-7075-4651-97E3-4829E38E21EA}">
+  <ds:schemaRefs>
+    <ds:schemaRef ds:uri="http://schemas.microsoft.com/VisualStudio/2011/storyboarding/control"/>
+  </ds:schemaRefs>
+</ds:datastoreItem>
+</file>
+
+<file path=customXml/itemProps37.xml><?xml version="1.0" encoding="utf-8"?>
+<ds:datastoreItem xmlns:ds="http://schemas.openxmlformats.org/officeDocument/2006/customXml" ds:itemID="{04504D90-2CEB-4E3A-A555-86C532BE774F}">
+  <ds:schemaRefs>
+    <ds:schemaRef ds:uri="http://schemas.microsoft.com/VisualStudio/2011/storyboarding/control"/>
+  </ds:schemaRefs>
+</ds:datastoreItem>
+</file>
+
+<file path=customXml/itemProps38.xml><?xml version="1.0" encoding="utf-8"?>
+<ds:datastoreItem xmlns:ds="http://schemas.openxmlformats.org/officeDocument/2006/customXml" ds:itemID="{61361C12-AEB1-4243-8694-E22DB7BB0B58}">
+  <ds:schemaRefs>
+    <ds:schemaRef ds:uri="http://schemas.microsoft.com/VisualStudio/2011/storyboarding/control"/>
+  </ds:schemaRefs>
+</ds:datastoreItem>
+</file>
+
+<file path=customXml/itemProps39.xml><?xml version="1.0" encoding="utf-8"?>
+<ds:datastoreItem xmlns:ds="http://schemas.openxmlformats.org/officeDocument/2006/customXml" ds:itemID="{4B90C7DA-FFAF-434B-A961-A1A1B575F753}">
+  <ds:schemaRefs>
+    <ds:schemaRef ds:uri="http://schemas.microsoft.com/VisualStudio/2011/storyboarding/control"/>
+  </ds:schemaRefs>
+</ds:datastoreItem>
+</file>
+
+<file path=customXml/itemProps4.xml><?xml version="1.0" encoding="utf-8"?>
+<ds:datastoreItem xmlns:ds="http://schemas.openxmlformats.org/officeDocument/2006/customXml" ds:itemID="{4F1F443E-6774-443F-BAD5-FCCC4103B164}">
+  <ds:schemaRefs>
+    <ds:schemaRef ds:uri="http://schemas.microsoft.com/VisualStudio/2011/storyboarding/control"/>
+  </ds:schemaRefs>
+</ds:datastoreItem>
+</file>
+
+<file path=customXml/itemProps40.xml><?xml version="1.0" encoding="utf-8"?>
 <ds:datastoreItem xmlns:ds="http://schemas.openxmlformats.org/officeDocument/2006/customXml" ds:itemID="{290B1F0A-87D8-47BA-9898-8D500A95812B}">
   <ds:schemaRefs>
     <ds:schemaRef ds:uri="http://schemas.microsoft.com/VisualStudio/2011/storyboarding/control"/>
@@ -13475,23 +13778,63 @@
 </ds:datastoreItem>
 </file>
 
-<file path=customXml/itemProps11.xml><?xml version="1.0" encoding="utf-8"?>
-<ds:datastoreItem xmlns:ds="http://schemas.openxmlformats.org/officeDocument/2006/customXml" ds:itemID="{541D200C-886D-4393-A468-D257F7CE4C2E}">
+<file path=customXml/itemProps41.xml><?xml version="1.0" encoding="utf-8"?>
+<ds:datastoreItem xmlns:ds="http://schemas.openxmlformats.org/officeDocument/2006/customXml" ds:itemID="{5B8607FE-59BB-43C3-BBC9-D002A93B2860}">
   <ds:schemaRefs>
     <ds:schemaRef ds:uri="http://schemas.microsoft.com/VisualStudio/2011/storyboarding/control"/>
   </ds:schemaRefs>
 </ds:datastoreItem>
 </file>
 
-<file path=customXml/itemProps12.xml><?xml version="1.0" encoding="utf-8"?>
-<ds:datastoreItem xmlns:ds="http://schemas.openxmlformats.org/officeDocument/2006/customXml" ds:itemID="{BC2C5481-5539-4A2E-88CE-EE6972284F48}">
+<file path=customXml/itemProps42.xml><?xml version="1.0" encoding="utf-8"?>
+<ds:datastoreItem xmlns:ds="http://schemas.openxmlformats.org/officeDocument/2006/customXml" ds:itemID="{0F4FBE72-4778-4A80-9A59-1EAA7879E88B}">
   <ds:schemaRefs>
     <ds:schemaRef ds:uri="http://schemas.microsoft.com/VisualStudio/2011/storyboarding/control"/>
   </ds:schemaRefs>
 </ds:datastoreItem>
 </file>
 
-<file path=customXml/itemProps13.xml><?xml version="1.0" encoding="utf-8"?>
+<file path=customXml/itemProps43.xml><?xml version="1.0" encoding="utf-8"?>
+<ds:datastoreItem xmlns:ds="http://schemas.openxmlformats.org/officeDocument/2006/customXml" ds:itemID="{91ED1748-2ACC-4580-9DD0-53AE211F1DA7}">
+  <ds:schemaRefs>
+    <ds:schemaRef ds:uri="http://schemas.microsoft.com/VisualStudio/2011/storyboarding/control"/>
+  </ds:schemaRefs>
+</ds:datastoreItem>
+</file>
+
+<file path=customXml/itemProps44.xml><?xml version="1.0" encoding="utf-8"?>
+<ds:datastoreItem xmlns:ds="http://schemas.openxmlformats.org/officeDocument/2006/customXml" ds:itemID="{09AAF7D3-4D9D-47F0-9621-CB53A66318C0}">
+  <ds:schemaRefs>
+    <ds:schemaRef ds:uri="http://schemas.microsoft.com/VisualStudio/2011/storyboarding/control"/>
+  </ds:schemaRefs>
+</ds:datastoreItem>
+</file>
+
+<file path=customXml/itemProps45.xml><?xml version="1.0" encoding="utf-8"?>
+<ds:datastoreItem xmlns:ds="http://schemas.openxmlformats.org/officeDocument/2006/customXml" ds:itemID="{540C3353-3E36-4F77-9C4A-0DB4A5D7CCD1}">
+  <ds:schemaRefs>
+    <ds:schemaRef ds:uri="http://schemas.microsoft.com/VisualStudio/2011/storyboarding/control"/>
+  </ds:schemaRefs>
+</ds:datastoreItem>
+</file>
+
+<file path=customXml/itemProps46.xml><?xml version="1.0" encoding="utf-8"?>
+<ds:datastoreItem xmlns:ds="http://schemas.openxmlformats.org/officeDocument/2006/customXml" ds:itemID="{66C429A6-A1FB-4A44-9868-139AEFE376E0}">
+  <ds:schemaRefs>
+    <ds:schemaRef ds:uri="http://schemas.microsoft.com/VisualStudio/2011/storyboarding/control"/>
+  </ds:schemaRefs>
+</ds:datastoreItem>
+</file>
+
+<file path=customXml/itemProps47.xml><?xml version="1.0" encoding="utf-8"?>
+<ds:datastoreItem xmlns:ds="http://schemas.openxmlformats.org/officeDocument/2006/customXml" ds:itemID="{6BD8AD1D-48A9-4F6D-9433-F36CBEB3125F}">
+  <ds:schemaRefs>
+    <ds:schemaRef ds:uri="http://schemas.microsoft.com/VisualStudio/2011/storyboarding/control"/>
+  </ds:schemaRefs>
+</ds:datastoreItem>
+</file>
+
+<file path=customXml/itemProps48.xml><?xml version="1.0" encoding="utf-8"?>
 <ds:datastoreItem xmlns:ds="http://schemas.openxmlformats.org/officeDocument/2006/customXml" ds:itemID="{5D95BE6E-D5AB-409A-85E4-CE7D6FA00509}">
   <ds:schemaRefs>
     <ds:schemaRef ds:uri="http://schemas.microsoft.com/VisualStudio/2011/storyboarding/control"/>
@@ -13499,39 +13842,7 @@
 </ds:datastoreItem>
 </file>
 
-<file path=customXml/itemProps14.xml><?xml version="1.0" encoding="utf-8"?>
-<ds:datastoreItem xmlns:ds="http://schemas.openxmlformats.org/officeDocument/2006/customXml" ds:itemID="{A6484AF2-F055-4C78-982B-D2156684306A}">
-  <ds:schemaRefs>
-    <ds:schemaRef ds:uri="http://schemas.microsoft.com/VisualStudio/2011/storyboarding/control"/>
-  </ds:schemaRefs>
-</ds:datastoreItem>
-</file>
-
-<file path=customXml/itemProps15.xml><?xml version="1.0" encoding="utf-8"?>
-<ds:datastoreItem xmlns:ds="http://schemas.openxmlformats.org/officeDocument/2006/customXml" ds:itemID="{2693F098-32A1-41BE-97F8-CEDAE063F99E}">
-  <ds:schemaRefs>
-    <ds:schemaRef ds:uri="http://schemas.microsoft.com/VisualStudio/2011/storyboarding/control"/>
-  </ds:schemaRefs>
-</ds:datastoreItem>
-</file>
-
-<file path=customXml/itemProps16.xml><?xml version="1.0" encoding="utf-8"?>
-<ds:datastoreItem xmlns:ds="http://schemas.openxmlformats.org/officeDocument/2006/customXml" ds:itemID="{6AC15D59-1985-4B02-A204-9FA5E328EF32}">
-  <ds:schemaRefs>
-    <ds:schemaRef ds:uri="http://schemas.microsoft.com/VisualStudio/2011/storyboarding/control"/>
-  </ds:schemaRefs>
-</ds:datastoreItem>
-</file>
-
-<file path=customXml/itemProps17.xml><?xml version="1.0" encoding="utf-8"?>
-<ds:datastoreItem xmlns:ds="http://schemas.openxmlformats.org/officeDocument/2006/customXml" ds:itemID="{E3E34527-CBA0-4787-B0F7-C2B934B5B4C4}">
-  <ds:schemaRefs>
-    <ds:schemaRef ds:uri="http://schemas.microsoft.com/VisualStudio/2011/storyboarding/control"/>
-  </ds:schemaRefs>
-</ds:datastoreItem>
-</file>
-
-<file path=customXml/itemProps18.xml><?xml version="1.0" encoding="utf-8"?>
+<file path=customXml/itemProps49.xml><?xml version="1.0" encoding="utf-8"?>
 <ds:datastoreItem xmlns:ds="http://schemas.openxmlformats.org/officeDocument/2006/customXml" ds:itemID="{EFA40575-6F4E-445E-9D80-B0CC775DC0E1}">
   <ds:schemaRefs>
     <ds:schemaRef ds:uri="http://schemas.microsoft.com/VisualStudio/2011/storyboarding/control"/>
@@ -13539,15 +13850,55 @@
 </ds:datastoreItem>
 </file>
 
-<file path=customXml/itemProps19.xml><?xml version="1.0" encoding="utf-8"?>
-<ds:datastoreItem xmlns:ds="http://schemas.openxmlformats.org/officeDocument/2006/customXml" ds:itemID="{EC8AFA28-5388-46A0-B0AF-CDC06E1AFD31}">
+<file path=customXml/itemProps5.xml><?xml version="1.0" encoding="utf-8"?>
+<ds:datastoreItem xmlns:ds="http://schemas.openxmlformats.org/officeDocument/2006/customXml" ds:itemID="{9176D73F-88EB-4204-941E-2ADCC7F101D3}">
   <ds:schemaRefs>
     <ds:schemaRef ds:uri="http://schemas.microsoft.com/VisualStudio/2011/storyboarding/control"/>
   </ds:schemaRefs>
 </ds:datastoreItem>
 </file>
 
-<file path=customXml/itemProps2.xml><?xml version="1.0" encoding="utf-8"?>
+<file path=customXml/itemProps50.xml><?xml version="1.0" encoding="utf-8"?>
+<ds:datastoreItem xmlns:ds="http://schemas.openxmlformats.org/officeDocument/2006/customXml" ds:itemID="{2C816A0A-85BC-4830-BAEE-1F53C8E67489}">
+  <ds:schemaRefs>
+    <ds:schemaRef ds:uri="http://schemas.microsoft.com/VisualStudio/2011/storyboarding/control"/>
+  </ds:schemaRefs>
+</ds:datastoreItem>
+</file>
+
+<file path=customXml/itemProps51.xml><?xml version="1.0" encoding="utf-8"?>
+<ds:datastoreItem xmlns:ds="http://schemas.openxmlformats.org/officeDocument/2006/customXml" ds:itemID="{8B4AE673-39D1-4921-A713-E0BD45B32E43}">
+  <ds:schemaRefs>
+    <ds:schemaRef ds:uri="http://schemas.microsoft.com/VisualStudio/2011/storyboarding/control"/>
+  </ds:schemaRefs>
+</ds:datastoreItem>
+</file>
+
+<file path=customXml/itemProps52.xml><?xml version="1.0" encoding="utf-8"?>
+<ds:datastoreItem xmlns:ds="http://schemas.openxmlformats.org/officeDocument/2006/customXml" ds:itemID="{7D8A3F15-58CA-4DA9-A6C9-5E4399E681CE}">
+  <ds:schemaRefs>
+    <ds:schemaRef ds:uri="http://schemas.microsoft.com/VisualStudio/2011/storyboarding/control"/>
+  </ds:schemaRefs>
+</ds:datastoreItem>
+</file>
+
+<file path=customXml/itemProps53.xml><?xml version="1.0" encoding="utf-8"?>
+<ds:datastoreItem xmlns:ds="http://schemas.openxmlformats.org/officeDocument/2006/customXml" ds:itemID="{35E8E4AC-13BF-495B-B0AA-5F07A0EB9441}">
+  <ds:schemaRefs>
+    <ds:schemaRef ds:uri="http://schemas.microsoft.com/VisualStudio/2011/storyboarding/control"/>
+  </ds:schemaRefs>
+</ds:datastoreItem>
+</file>
+
+<file path=customXml/itemProps54.xml><?xml version="1.0" encoding="utf-8"?>
+<ds:datastoreItem xmlns:ds="http://schemas.openxmlformats.org/officeDocument/2006/customXml" ds:itemID="{8B0AB7B0-1EE2-42BF-9C41-9C904E313494}">
+  <ds:schemaRefs>
+    <ds:schemaRef ds:uri="http://schemas.microsoft.com/VisualStudio/2011/storyboarding/control"/>
+  </ds:schemaRefs>
+</ds:datastoreItem>
+</file>
+
+<file path=customXml/itemProps55.xml><?xml version="1.0" encoding="utf-8"?>
 <ds:datastoreItem xmlns:ds="http://schemas.openxmlformats.org/officeDocument/2006/customXml" ds:itemID="{8A7670A8-5D8A-499C-9FEE-E0BBB4E6BEFF}">
   <ds:schemaRefs>
     <ds:schemaRef ds:uri="http://schemas.microsoft.com/VisualStudio/2011/storyboarding/control"/>
@@ -13555,39 +13906,15 @@
 </ds:datastoreItem>
 </file>
 
-<file path=customXml/itemProps20.xml><?xml version="1.0" encoding="utf-8"?>
-<ds:datastoreItem xmlns:ds="http://schemas.openxmlformats.org/officeDocument/2006/customXml" ds:itemID="{A76A203E-9FD7-42C2-8FEF-B018DFF7E4D1}">
+<file path=customXml/itemProps56.xml><?xml version="1.0" encoding="utf-8"?>
+<ds:datastoreItem xmlns:ds="http://schemas.openxmlformats.org/officeDocument/2006/customXml" ds:itemID="{B0DD2967-9B1E-4AF4-9E22-1FB363BF21A1}">
   <ds:schemaRefs>
     <ds:schemaRef ds:uri="http://schemas.microsoft.com/VisualStudio/2011/storyboarding/control"/>
   </ds:schemaRefs>
 </ds:datastoreItem>
 </file>
 
-<file path=customXml/itemProps21.xml><?xml version="1.0" encoding="utf-8"?>
-<ds:datastoreItem xmlns:ds="http://schemas.openxmlformats.org/officeDocument/2006/customXml" ds:itemID="{FBDB9D4B-5D23-4316-AE7E-E386D2E702D4}">
-  <ds:schemaRefs>
-    <ds:schemaRef ds:uri="http://schemas.microsoft.com/VisualStudio/2011/storyboarding/control"/>
-  </ds:schemaRefs>
-</ds:datastoreItem>
-</file>
-
-<file path=customXml/itemProps22.xml><?xml version="1.0" encoding="utf-8"?>
-<ds:datastoreItem xmlns:ds="http://schemas.openxmlformats.org/officeDocument/2006/customXml" ds:itemID="{DE740E6A-43E5-497F-8F78-B904C61CB614}">
-  <ds:schemaRefs>
-    <ds:schemaRef ds:uri="http://schemas.microsoft.com/VisualStudio/2011/storyboarding/control"/>
-  </ds:schemaRefs>
-</ds:datastoreItem>
-</file>
-
-<file path=customXml/itemProps23.xml><?xml version="1.0" encoding="utf-8"?>
-<ds:datastoreItem xmlns:ds="http://schemas.openxmlformats.org/officeDocument/2006/customXml" ds:itemID="{F50EEE5E-70AE-4092-8CFF-7CEEF7A1A3DA}">
-  <ds:schemaRefs>
-    <ds:schemaRef ds:uri="http://schemas.microsoft.com/VisualStudio/2011/storyboarding/control"/>
-  </ds:schemaRefs>
-</ds:datastoreItem>
-</file>
-
-<file path=customXml/itemProps24.xml><?xml version="1.0" encoding="utf-8"?>
+<file path=customXml/itemProps57.xml><?xml version="1.0" encoding="utf-8"?>
 <ds:datastoreItem xmlns:ds="http://schemas.openxmlformats.org/officeDocument/2006/customXml" ds:itemID="{CB538EC4-2D5D-4BC6-AFD7-AF4FD42C21A7}">
   <ds:schemaRefs>
     <ds:schemaRef ds:uri="http://schemas.microsoft.com/VisualStudio/2011/storyboarding/control"/>
@@ -13595,143 +13922,7 @@
 </ds:datastoreItem>
 </file>
 
-<file path=customXml/itemProps25.xml><?xml version="1.0" encoding="utf-8"?>
-<ds:datastoreItem xmlns:ds="http://schemas.openxmlformats.org/officeDocument/2006/customXml" ds:itemID="{6E845879-650B-4022-A35E-856E74320ACC}">
-  <ds:schemaRefs>
-    <ds:schemaRef ds:uri="http://schemas.microsoft.com/VisualStudio/2011/storyboarding/control"/>
-  </ds:schemaRefs>
-</ds:datastoreItem>
-</file>
-
-<file path=customXml/itemProps26.xml><?xml version="1.0" encoding="utf-8"?>
-<ds:datastoreItem xmlns:ds="http://schemas.openxmlformats.org/officeDocument/2006/customXml" ds:itemID="{6CC874DE-6D79-4EBA-A0F5-DB01923D7AE0}">
-  <ds:schemaRefs>
-    <ds:schemaRef ds:uri="http://schemas.microsoft.com/VisualStudio/2011/storyboarding/control"/>
-  </ds:schemaRefs>
-</ds:datastoreItem>
-</file>
-
-<file path=customXml/itemProps27.xml><?xml version="1.0" encoding="utf-8"?>
-<ds:datastoreItem xmlns:ds="http://schemas.openxmlformats.org/officeDocument/2006/customXml" ds:itemID="{1D5DC517-E715-4F56-B43C-13839AE337F0}">
-  <ds:schemaRefs>
-    <ds:schemaRef ds:uri="http://schemas.microsoft.com/VisualStudio/2011/storyboarding/control"/>
-  </ds:schemaRefs>
-</ds:datastoreItem>
-</file>
-
-<file path=customXml/itemProps28.xml><?xml version="1.0" encoding="utf-8"?>
-<ds:datastoreItem xmlns:ds="http://schemas.openxmlformats.org/officeDocument/2006/customXml" ds:itemID="{A4C33EEA-7075-4651-97E3-4829E38E21EA}">
-  <ds:schemaRefs>
-    <ds:schemaRef ds:uri="http://schemas.microsoft.com/VisualStudio/2011/storyboarding/control"/>
-  </ds:schemaRefs>
-</ds:datastoreItem>
-</file>
-
-<file path=customXml/itemProps29.xml><?xml version="1.0" encoding="utf-8"?>
-<ds:datastoreItem xmlns:ds="http://schemas.openxmlformats.org/officeDocument/2006/customXml" ds:itemID="{B0DD2967-9B1E-4AF4-9E22-1FB363BF21A1}">
-  <ds:schemaRefs>
-    <ds:schemaRef ds:uri="http://schemas.microsoft.com/VisualStudio/2011/storyboarding/control"/>
-  </ds:schemaRefs>
-</ds:datastoreItem>
-</file>
-
-<file path=customXml/itemProps3.xml><?xml version="1.0" encoding="utf-8"?>
-<ds:datastoreItem xmlns:ds="http://schemas.openxmlformats.org/officeDocument/2006/customXml" ds:itemID="{AEE75C41-50A0-4E2E-8E71-75152E4221D1}">
-  <ds:schemaRefs>
-    <ds:schemaRef ds:uri="http://schemas.microsoft.com/VisualStudio/2011/storyboarding/control"/>
-  </ds:schemaRefs>
-</ds:datastoreItem>
-</file>
-
-<file path=customXml/itemProps30.xml><?xml version="1.0" encoding="utf-8"?>
-<ds:datastoreItem xmlns:ds="http://schemas.openxmlformats.org/officeDocument/2006/customXml" ds:itemID="{69819B4B-C652-4029-9D6F-1F30F2207B1C}">
-  <ds:schemaRefs>
-    <ds:schemaRef ds:uri="http://schemas.microsoft.com/VisualStudio/2011/storyboarding/control"/>
-  </ds:schemaRefs>
-</ds:datastoreItem>
-</file>
-
-<file path=customXml/itemProps31.xml><?xml version="1.0" encoding="utf-8"?>
-<ds:datastoreItem xmlns:ds="http://schemas.openxmlformats.org/officeDocument/2006/customXml" ds:itemID="{5B8607FE-59BB-43C3-BBC9-D002A93B2860}">
-  <ds:schemaRefs>
-    <ds:schemaRef ds:uri="http://schemas.microsoft.com/VisualStudio/2011/storyboarding/control"/>
-  </ds:schemaRefs>
-</ds:datastoreItem>
-</file>
-
-<file path=customXml/itemProps32.xml><?xml version="1.0" encoding="utf-8"?>
-<ds:datastoreItem xmlns:ds="http://schemas.openxmlformats.org/officeDocument/2006/customXml" ds:itemID="{2D4E3CDC-752C-421E-817A-A9D2344595DE}">
-  <ds:schemaRefs>
-    <ds:schemaRef ds:uri="http://schemas.microsoft.com/VisualStudio/2011/storyboarding/control"/>
-  </ds:schemaRefs>
-</ds:datastoreItem>
-</file>
-
-<file path=customXml/itemProps33.xml><?xml version="1.0" encoding="utf-8"?>
-<ds:datastoreItem xmlns:ds="http://schemas.openxmlformats.org/officeDocument/2006/customXml" ds:itemID="{FB9740A1-8F0C-4AA2-A2C9-15A377DC91A6}">
-  <ds:schemaRefs>
-    <ds:schemaRef ds:uri="http://schemas.microsoft.com/VisualStudio/2011/storyboarding/control"/>
-  </ds:schemaRefs>
-</ds:datastoreItem>
-</file>
-
-<file path=customXml/itemProps34.xml><?xml version="1.0" encoding="utf-8"?>
-<ds:datastoreItem xmlns:ds="http://schemas.openxmlformats.org/officeDocument/2006/customXml" ds:itemID="{8B4AE673-39D1-4921-A713-E0BD45B32E43}">
-  <ds:schemaRefs>
-    <ds:schemaRef ds:uri="http://schemas.microsoft.com/VisualStudio/2011/storyboarding/control"/>
-  </ds:schemaRefs>
-</ds:datastoreItem>
-</file>
-
-<file path=customXml/itemProps35.xml><?xml version="1.0" encoding="utf-8"?>
-<ds:datastoreItem xmlns:ds="http://schemas.openxmlformats.org/officeDocument/2006/customXml" ds:itemID="{182A85CA-4E58-49C8-8C48-758766C210A9}">
-  <ds:schemaRefs>
-    <ds:schemaRef ds:uri="http://schemas.microsoft.com/VisualStudio/2011/storyboarding/control"/>
-  </ds:schemaRefs>
-</ds:datastoreItem>
-</file>
-
-<file path=customXml/itemProps36.xml><?xml version="1.0" encoding="utf-8"?>
-<ds:datastoreItem xmlns:ds="http://schemas.openxmlformats.org/officeDocument/2006/customXml" ds:itemID="{04504D90-2CEB-4E3A-A555-86C532BE774F}">
-  <ds:schemaRefs>
-    <ds:schemaRef ds:uri="http://schemas.microsoft.com/VisualStudio/2011/storyboarding/control"/>
-  </ds:schemaRefs>
-</ds:datastoreItem>
-</file>
-
-<file path=customXml/itemProps37.xml><?xml version="1.0" encoding="utf-8"?>
-<ds:datastoreItem xmlns:ds="http://schemas.openxmlformats.org/officeDocument/2006/customXml" ds:itemID="{0CAA02FD-32C9-42E8-98BE-0EAAD29173F4}">
-  <ds:schemaRefs>
-    <ds:schemaRef ds:uri="http://schemas.microsoft.com/VisualStudio/2011/storyboarding/control"/>
-  </ds:schemaRefs>
-</ds:datastoreItem>
-</file>
-
-<file path=customXml/itemProps38.xml><?xml version="1.0" encoding="utf-8"?>
-<ds:datastoreItem xmlns:ds="http://schemas.openxmlformats.org/officeDocument/2006/customXml" ds:itemID="{7C81862B-608B-4E4F-9DB1-7DBCFE9F2139}">
-  <ds:schemaRefs>
-    <ds:schemaRef ds:uri="http://schemas.microsoft.com/VisualStudio/2011/storyboarding/control"/>
-  </ds:schemaRefs>
-</ds:datastoreItem>
-</file>
-
-<file path=customXml/itemProps39.xml><?xml version="1.0" encoding="utf-8"?>
-<ds:datastoreItem xmlns:ds="http://schemas.openxmlformats.org/officeDocument/2006/customXml" ds:itemID="{2C816A0A-85BC-4830-BAEE-1F53C8E67489}">
-  <ds:schemaRefs>
-    <ds:schemaRef ds:uri="http://schemas.microsoft.com/VisualStudio/2011/storyboarding/control"/>
-  </ds:schemaRefs>
-</ds:datastoreItem>
-</file>
-
-<file path=customXml/itemProps4.xml><?xml version="1.0" encoding="utf-8"?>
-<ds:datastoreItem xmlns:ds="http://schemas.openxmlformats.org/officeDocument/2006/customXml" ds:itemID="{66C429A6-A1FB-4A44-9868-139AEFE376E0}">
-  <ds:schemaRefs>
-    <ds:schemaRef ds:uri="http://schemas.microsoft.com/VisualStudio/2011/storyboarding/control"/>
-  </ds:schemaRefs>
-</ds:datastoreItem>
-</file>
-
-<file path=customXml/itemProps40.xml><?xml version="1.0" encoding="utf-8"?>
+<file path=customXml/itemProps58.xml><?xml version="1.0" encoding="utf-8"?>
 <ds:datastoreItem xmlns:ds="http://schemas.openxmlformats.org/officeDocument/2006/customXml" ds:itemID="{F8E474D2-D249-494A-827C-6C0C85F35C5A}">
   <ds:schemaRefs>
     <ds:schemaRef ds:uri="http://schemas.microsoft.com/VisualStudio/2011/storyboarding/control"/>
@@ -13739,39 +13930,7 @@
 </ds:datastoreItem>
 </file>
 
-<file path=customXml/itemProps41.xml><?xml version="1.0" encoding="utf-8"?>
-<ds:datastoreItem xmlns:ds="http://schemas.openxmlformats.org/officeDocument/2006/customXml" ds:itemID="{FDB8CFE8-3808-4247-A2FD-35E246A153DC}">
-  <ds:schemaRefs>
-    <ds:schemaRef ds:uri="http://schemas.microsoft.com/VisualStudio/2011/storyboarding/control"/>
-  </ds:schemaRefs>
-</ds:datastoreItem>
-</file>
-
-<file path=customXml/itemProps42.xml><?xml version="1.0" encoding="utf-8"?>
-<ds:datastoreItem xmlns:ds="http://schemas.openxmlformats.org/officeDocument/2006/customXml" ds:itemID="{855315B8-2A4D-4E8D-AAC1-C0281182FD5B}">
-  <ds:schemaRefs>
-    <ds:schemaRef ds:uri="http://schemas.microsoft.com/VisualStudio/2011/storyboarding/control"/>
-  </ds:schemaRefs>
-</ds:datastoreItem>
-</file>
-
-<file path=customXml/itemProps43.xml><?xml version="1.0" encoding="utf-8"?>
-<ds:datastoreItem xmlns:ds="http://schemas.openxmlformats.org/officeDocument/2006/customXml" ds:itemID="{F7BFCA9F-A0B1-4AC1-AD74-CE9E4213160F}">
-  <ds:schemaRefs>
-    <ds:schemaRef ds:uri="http://schemas.microsoft.com/VisualStudio/2011/storyboarding/control"/>
-  </ds:schemaRefs>
-</ds:datastoreItem>
-</file>
-
-<file path=customXml/itemProps44.xml><?xml version="1.0" encoding="utf-8"?>
-<ds:datastoreItem xmlns:ds="http://schemas.openxmlformats.org/officeDocument/2006/customXml" ds:itemID="{0F4FBE72-4778-4A80-9A59-1EAA7879E88B}">
-  <ds:schemaRefs>
-    <ds:schemaRef ds:uri="http://schemas.microsoft.com/VisualStudio/2011/storyboarding/control"/>
-  </ds:schemaRefs>
-</ds:datastoreItem>
-</file>
-
-<file path=customXml/itemProps45.xml><?xml version="1.0" encoding="utf-8"?>
+<file path=customXml/itemProps59.xml><?xml version="1.0" encoding="utf-8"?>
 <ds:datastoreItem xmlns:ds="http://schemas.openxmlformats.org/officeDocument/2006/customXml" ds:itemID="{11BD6915-90EA-4F41-8AE8-401B6A2355DB}">
   <ds:schemaRefs>
     <ds:schemaRef ds:uri="http://schemas.microsoft.com/VisualStudio/2011/storyboarding/control"/>
@@ -13779,39 +13938,7 @@
 </ds:datastoreItem>
 </file>
 
-<file path=customXml/itemProps46.xml><?xml version="1.0" encoding="utf-8"?>
-<ds:datastoreItem xmlns:ds="http://schemas.openxmlformats.org/officeDocument/2006/customXml" ds:itemID="{34422DFF-D2BE-4305-8DA3-E0E99CFA01F4}">
-  <ds:schemaRefs>
-    <ds:schemaRef ds:uri="http://schemas.microsoft.com/VisualStudio/2011/storyboarding/control"/>
-  </ds:schemaRefs>
-</ds:datastoreItem>
-</file>
-
-<file path=customXml/itemProps47.xml><?xml version="1.0" encoding="utf-8"?>
-<ds:datastoreItem xmlns:ds="http://schemas.openxmlformats.org/officeDocument/2006/customXml" ds:itemID="{8C16C620-F89C-496A-ABC2-EBAA770A5D2B}">
-  <ds:schemaRefs>
-    <ds:schemaRef ds:uri="http://schemas.microsoft.com/VisualStudio/2011/storyboarding/control"/>
-  </ds:schemaRefs>
-</ds:datastoreItem>
-</file>
-
-<file path=customXml/itemProps48.xml><?xml version="1.0" encoding="utf-8"?>
-<ds:datastoreItem xmlns:ds="http://schemas.openxmlformats.org/officeDocument/2006/customXml" ds:itemID="{10C4D8A6-492F-4C3D-BAAD-8273F297A317}">
-  <ds:schemaRefs>
-    <ds:schemaRef ds:uri="http://schemas.microsoft.com/VisualStudio/2011/storyboarding/control"/>
-  </ds:schemaRefs>
-</ds:datastoreItem>
-</file>
-
-<file path=customXml/itemProps49.xml><?xml version="1.0" encoding="utf-8"?>
-<ds:datastoreItem xmlns:ds="http://schemas.openxmlformats.org/officeDocument/2006/customXml" ds:itemID="{61361C12-AEB1-4243-8694-E22DB7BB0B58}">
-  <ds:schemaRefs>
-    <ds:schemaRef ds:uri="http://schemas.microsoft.com/VisualStudio/2011/storyboarding/control"/>
-  </ds:schemaRefs>
-</ds:datastoreItem>
-</file>
-
-<file path=customXml/itemProps5.xml><?xml version="1.0" encoding="utf-8"?>
+<file path=customXml/itemProps6.xml><?xml version="1.0" encoding="utf-8"?>
 <ds:datastoreItem xmlns:ds="http://schemas.openxmlformats.org/officeDocument/2006/customXml" ds:itemID="{F9BC2D1E-7C73-45D1-9E4F-E6345E51DF2D}">
   <ds:schemaRefs>
     <ds:schemaRef ds:uri="http://schemas.microsoft.com/VisualStudio/2011/storyboarding/control"/>
@@ -13819,96 +13946,8 @@
 </ds:datastoreItem>
 </file>
 
-<file path=customXml/itemProps50.xml><?xml version="1.0" encoding="utf-8"?>
-<ds:datastoreItem xmlns:ds="http://schemas.openxmlformats.org/officeDocument/2006/customXml" ds:itemID="{7D8A3F15-58CA-4DA9-A6C9-5E4399E681CE}">
-  <ds:schemaRefs>
-    <ds:schemaRef ds:uri="http://schemas.microsoft.com/VisualStudio/2011/storyboarding/control"/>
-  </ds:schemaRefs>
-</ds:datastoreItem>
-</file>
-
-<file path=customXml/itemProps51.xml><?xml version="1.0" encoding="utf-8"?>
-<ds:datastoreItem xmlns:ds="http://schemas.openxmlformats.org/officeDocument/2006/customXml" ds:itemID="{96BD8081-566A-4B7A-9794-537613F8A560}">
-  <ds:schemaRefs>
-    <ds:schemaRef ds:uri="http://schemas.microsoft.com/VisualStudio/2011/storyboarding/control"/>
-  </ds:schemaRefs>
-</ds:datastoreItem>
-</file>
-
-<file path=customXml/itemProps52.xml><?xml version="1.0" encoding="utf-8"?>
-<ds:datastoreItem xmlns:ds="http://schemas.openxmlformats.org/officeDocument/2006/customXml" ds:itemID="{91ED1748-2ACC-4580-9DD0-53AE211F1DA7}">
-  <ds:schemaRefs>
-    <ds:schemaRef ds:uri="http://schemas.microsoft.com/VisualStudio/2011/storyboarding/control"/>
-  </ds:schemaRefs>
-</ds:datastoreItem>
-</file>
-
-<file path=customXml/itemProps53.xml><?xml version="1.0" encoding="utf-8"?>
-<ds:datastoreItem xmlns:ds="http://schemas.openxmlformats.org/officeDocument/2006/customXml" ds:itemID="{4F1F443E-6774-443F-BAD5-FCCC4103B164}">
-  <ds:schemaRefs>
-    <ds:schemaRef ds:uri="http://schemas.microsoft.com/VisualStudio/2011/storyboarding/control"/>
-  </ds:schemaRefs>
-</ds:datastoreItem>
-</file>
-
-<file path=customXml/itemProps54.xml><?xml version="1.0" encoding="utf-8"?>
-<ds:datastoreItem xmlns:ds="http://schemas.openxmlformats.org/officeDocument/2006/customXml" ds:itemID="{80A2EE3F-8E5E-4E02-8371-075F75881CC2}">
-  <ds:schemaRefs>
-    <ds:schemaRef ds:uri="http://schemas.microsoft.com/VisualStudio/2011/storyboarding/control"/>
-  </ds:schemaRefs>
-</ds:datastoreItem>
-</file>
-
-<file path=customXml/itemProps55.xml><?xml version="1.0" encoding="utf-8"?>
-<ds:datastoreItem xmlns:ds="http://schemas.openxmlformats.org/officeDocument/2006/customXml" ds:itemID="{35E8E4AC-13BF-495B-B0AA-5F07A0EB9441}">
-  <ds:schemaRefs>
-    <ds:schemaRef ds:uri="http://schemas.microsoft.com/VisualStudio/2011/storyboarding/control"/>
-  </ds:schemaRefs>
-</ds:datastoreItem>
-</file>
-
-<file path=customXml/itemProps56.xml><?xml version="1.0" encoding="utf-8"?>
-<ds:datastoreItem xmlns:ds="http://schemas.openxmlformats.org/officeDocument/2006/customXml" ds:itemID="{FF1022A0-DAA8-4910-B054-25E1EE26A5AC}">
-  <ds:schemaRefs>
-    <ds:schemaRef ds:uri="http://schemas.microsoft.com/VisualStudio/2011/storyboarding/control"/>
-  </ds:schemaRefs>
-</ds:datastoreItem>
-</file>
-
-<file path=customXml/itemProps57.xml><?xml version="1.0" encoding="utf-8"?>
-<ds:datastoreItem xmlns:ds="http://schemas.openxmlformats.org/officeDocument/2006/customXml" ds:itemID="{4B90C7DA-FFAF-434B-A961-A1A1B575F753}">
-  <ds:schemaRefs>
-    <ds:schemaRef ds:uri="http://schemas.microsoft.com/VisualStudio/2011/storyboarding/control"/>
-  </ds:schemaRefs>
-</ds:datastoreItem>
-</file>
-
-<file path=customXml/itemProps58.xml><?xml version="1.0" encoding="utf-8"?>
-<ds:datastoreItem xmlns:ds="http://schemas.openxmlformats.org/officeDocument/2006/customXml" ds:itemID="{9176D73F-88EB-4204-941E-2ADCC7F101D3}">
-  <ds:schemaRefs>
-    <ds:schemaRef ds:uri="http://schemas.microsoft.com/VisualStudio/2011/storyboarding/control"/>
-  </ds:schemaRefs>
-</ds:datastoreItem>
-</file>
-
-<file path=customXml/itemProps59.xml><?xml version="1.0" encoding="utf-8"?>
-<ds:datastoreItem xmlns:ds="http://schemas.openxmlformats.org/officeDocument/2006/customXml" ds:itemID="{A822EFA2-5211-415D-91B1-1D2F11D7CBDF}">
-  <ds:schemaRefs>
-    <ds:schemaRef ds:uri="http://schemas.microsoft.com/VisualStudio/2011/storyboarding/control"/>
-  </ds:schemaRefs>
-</ds:datastoreItem>
-</file>
-
-<file path=customXml/itemProps6.xml><?xml version="1.0" encoding="utf-8"?>
-<ds:datastoreItem xmlns:ds="http://schemas.openxmlformats.org/officeDocument/2006/customXml" ds:itemID="{896AE23B-403F-4EEC-900F-6E95A60A4CC1}">
-  <ds:schemaRefs>
-    <ds:schemaRef ds:uri="http://schemas.microsoft.com/VisualStudio/2011/storyboarding/control"/>
-  </ds:schemaRefs>
-</ds:datastoreItem>
-</file>
-
 <file path=customXml/itemProps60.xml><?xml version="1.0" encoding="utf-8"?>
-<ds:datastoreItem xmlns:ds="http://schemas.openxmlformats.org/officeDocument/2006/customXml" ds:itemID="{09AAF7D3-4D9D-47F0-9621-CB53A66318C0}">
+<ds:datastoreItem xmlns:ds="http://schemas.openxmlformats.org/officeDocument/2006/customXml" ds:itemID="{99E258B9-636D-4FC3-A18B-5731CC1F850C}">
   <ds:schemaRefs>
     <ds:schemaRef ds:uri="http://schemas.microsoft.com/VisualStudio/2011/storyboarding/control"/>
   </ds:schemaRefs>
@@ -13924,7 +13963,7 @@
 </file>
 
 <file path=customXml/itemProps62.xml><?xml version="1.0" encoding="utf-8"?>
-<ds:datastoreItem xmlns:ds="http://schemas.openxmlformats.org/officeDocument/2006/customXml" ds:itemID="{43B5ED86-0060-4D69-806F-5CA89175AE14}">
+<ds:datastoreItem xmlns:ds="http://schemas.openxmlformats.org/officeDocument/2006/customXml" ds:itemID="{6CC874DE-6D79-4EBA-A0F5-DB01923D7AE0}">
   <ds:schemaRefs>
     <ds:schemaRef ds:uri="http://schemas.microsoft.com/VisualStudio/2011/storyboarding/control"/>
   </ds:schemaRefs>
@@ -13932,6 +13971,30 @@
 </file>
 
 <file path=customXml/itemProps63.xml><?xml version="1.0" encoding="utf-8"?>
+<ds:datastoreItem xmlns:ds="http://schemas.openxmlformats.org/officeDocument/2006/customXml" ds:itemID="{FBDB9D4B-5D23-4316-AE7E-E386D2E702D4}">
+  <ds:schemaRefs>
+    <ds:schemaRef ds:uri="http://schemas.microsoft.com/VisualStudio/2011/storyboarding/control"/>
+  </ds:schemaRefs>
+</ds:datastoreItem>
+</file>
+
+<file path=customXml/itemProps64.xml><?xml version="1.0" encoding="utf-8"?>
+<ds:datastoreItem xmlns:ds="http://schemas.openxmlformats.org/officeDocument/2006/customXml" ds:itemID="{855315B8-2A4D-4E8D-AAC1-C0281182FD5B}">
+  <ds:schemaRefs>
+    <ds:schemaRef ds:uri="http://schemas.microsoft.com/VisualStudio/2011/storyboarding/control"/>
+  </ds:schemaRefs>
+</ds:datastoreItem>
+</file>
+
+<file path=customXml/itemProps65.xml><?xml version="1.0" encoding="utf-8"?>
+<ds:datastoreItem xmlns:ds="http://schemas.openxmlformats.org/officeDocument/2006/customXml" ds:itemID="{8C16C620-F89C-496A-ABC2-EBAA770A5D2B}">
+  <ds:schemaRefs>
+    <ds:schemaRef ds:uri="http://schemas.microsoft.com/VisualStudio/2011/storyboarding/control"/>
+  </ds:schemaRefs>
+</ds:datastoreItem>
+</file>
+
+<file path=customXml/itemProps66.xml><?xml version="1.0" encoding="utf-8"?>
 <ds:datastoreItem xmlns:ds="http://schemas.openxmlformats.org/officeDocument/2006/customXml" ds:itemID="{2DB54B02-095B-4767-A849-7F09D55BDBEC}">
   <ds:schemaRefs>
     <ds:schemaRef ds:uri="http://schemas.microsoft.com/VisualStudio/2011/storyboarding/control"/>
@@ -13939,39 +14002,7 @@
 </ds:datastoreItem>
 </file>
 
-<file path=customXml/itemProps64.xml><?xml version="1.0" encoding="utf-8"?>
-<ds:datastoreItem xmlns:ds="http://schemas.openxmlformats.org/officeDocument/2006/customXml" ds:itemID="{B24B058A-7394-4884-87AB-3D162B4AF263}">
-  <ds:schemaRefs>
-    <ds:schemaRef ds:uri="http://schemas.microsoft.com/VisualStudio/2011/storyboarding/control"/>
-  </ds:schemaRefs>
-</ds:datastoreItem>
-</file>
-
-<file path=customXml/itemProps65.xml><?xml version="1.0" encoding="utf-8"?>
-<ds:datastoreItem xmlns:ds="http://schemas.openxmlformats.org/officeDocument/2006/customXml" ds:itemID="{540C3353-3E36-4F77-9C4A-0DB4A5D7CCD1}">
-  <ds:schemaRefs>
-    <ds:schemaRef ds:uri="http://schemas.microsoft.com/VisualStudio/2011/storyboarding/control"/>
-  </ds:schemaRefs>
-</ds:datastoreItem>
-</file>
-
-<file path=customXml/itemProps66.xml><?xml version="1.0" encoding="utf-8"?>
-<ds:datastoreItem xmlns:ds="http://schemas.openxmlformats.org/officeDocument/2006/customXml" ds:itemID="{99E258B9-636D-4FC3-A18B-5731CC1F850C}">
-  <ds:schemaRefs>
-    <ds:schemaRef ds:uri="http://schemas.microsoft.com/VisualStudio/2011/storyboarding/control"/>
-  </ds:schemaRefs>
-</ds:datastoreItem>
-</file>
-
 <file path=customXml/itemProps67.xml><?xml version="1.0" encoding="utf-8"?>
-<ds:datastoreItem xmlns:ds="http://schemas.openxmlformats.org/officeDocument/2006/customXml" ds:itemID="{ECEE1C58-60D6-4BE6-B599-4F7E9AB9E035}">
-  <ds:schemaRefs>
-    <ds:schemaRef ds:uri="http://schemas.microsoft.com/VisualStudio/2011/storyboarding/control"/>
-  </ds:schemaRefs>
-</ds:datastoreItem>
-</file>
-
-<file path=customXml/itemProps68.xml><?xml version="1.0" encoding="utf-8"?>
 <ds:datastoreItem xmlns:ds="http://schemas.openxmlformats.org/officeDocument/2006/customXml" ds:itemID="{0DEE920A-6ADA-48DA-B23C-E869E21EA911}">
   <ds:schemaRefs>
     <ds:schemaRef ds:uri="http://schemas.microsoft.com/VisualStudio/2011/storyboarding/control"/>
@@ -13979,24 +14010,32 @@
 </ds:datastoreItem>
 </file>
 
-<file path=customXml/itemProps7.xml><?xml version="1.0" encoding="utf-8"?>
-<ds:datastoreItem xmlns:ds="http://schemas.openxmlformats.org/officeDocument/2006/customXml" ds:itemID="{8B0AB7B0-1EE2-42BF-9C41-9C904E313494}">
+<file path=customXml/itemProps68.xml><?xml version="1.0" encoding="utf-8"?>
+<ds:datastoreItem xmlns:ds="http://schemas.openxmlformats.org/officeDocument/2006/customXml" ds:itemID="{6AC15D59-1985-4B02-A204-9FA5E328EF32}">
   <ds:schemaRefs>
     <ds:schemaRef ds:uri="http://schemas.microsoft.com/VisualStudio/2011/storyboarding/control"/>
   </ds:schemaRefs>
 </ds:datastoreItem>
 </file>
 
-<file path=customXml/itemProps8.xml><?xml version="1.0" encoding="utf-8"?>
-<ds:datastoreItem xmlns:ds="http://schemas.openxmlformats.org/officeDocument/2006/customXml" ds:itemID="{D8EE4C6F-B1D4-4AC9-928F-40B58F8389AA}">
+<file path=customXml/itemProps7.xml><?xml version="1.0" encoding="utf-8"?>
+<ds:datastoreItem xmlns:ds="http://schemas.openxmlformats.org/officeDocument/2006/customXml" ds:itemID="{EC8AFA28-5388-46A0-B0AF-CDC06E1AFD31}">
   <ds:schemaRefs>
     <ds:schemaRef ds:uri="http://schemas.microsoft.com/VisualStudio/2011/storyboarding/control"/>
   </ds:schemaRefs>
 </ds:datastoreItem>
 </file>
 
+<file path=customXml/itemProps8.xml><?xml version="1.0" encoding="utf-8"?>
+<ds:datastoreItem xmlns:ds="http://schemas.openxmlformats.org/officeDocument/2006/customXml" ds:itemID="{A6484AF2-F055-4C78-982B-D2156684306A}">
+  <ds:schemaRefs>
+    <ds:schemaRef ds:uri="http://schemas.microsoft.com/VisualStudio/2011/storyboarding/control"/>
+  </ds:schemaRefs>
+</ds:datastoreItem>
+</file>
+
 <file path=customXml/itemProps9.xml><?xml version="1.0" encoding="utf-8"?>
-<ds:datastoreItem xmlns:ds="http://schemas.openxmlformats.org/officeDocument/2006/customXml" ds:itemID="{6BD8AD1D-48A9-4F6D-9433-F36CBEB3125F}">
+<ds:datastoreItem xmlns:ds="http://schemas.openxmlformats.org/officeDocument/2006/customXml" ds:itemID="{DE740E6A-43E5-497F-8F78-B904C61CB614}">
   <ds:schemaRefs>
     <ds:schemaRef ds:uri="http://schemas.microsoft.com/VisualStudio/2011/storyboarding/control"/>
   </ds:schemaRefs>

--- a/Prototype/Icon.pptx
+++ b/Prototype/Icon.pptx
@@ -271,7 +271,7 @@
           <a:p>
             <a:fld id="{245C2C28-0D12-4EC8-9616-6109F8E9BCEB}" type="datetimeFigureOut">
               <a:rPr lang="en-US" smtClean="0"/>
-              <a:t>4/26/2019</a:t>
+              <a:t>4/29/2019</a:t>
             </a:fld>
             <a:endParaRPr lang="en-US"/>
           </a:p>
@@ -469,7 +469,7 @@
           <a:p>
             <a:fld id="{245C2C28-0D12-4EC8-9616-6109F8E9BCEB}" type="datetimeFigureOut">
               <a:rPr lang="en-US" smtClean="0"/>
-              <a:t>4/26/2019</a:t>
+              <a:t>4/29/2019</a:t>
             </a:fld>
             <a:endParaRPr lang="en-US"/>
           </a:p>
@@ -677,7 +677,7 @@
           <a:p>
             <a:fld id="{245C2C28-0D12-4EC8-9616-6109F8E9BCEB}" type="datetimeFigureOut">
               <a:rPr lang="en-US" smtClean="0"/>
-              <a:t>4/26/2019</a:t>
+              <a:t>4/29/2019</a:t>
             </a:fld>
             <a:endParaRPr lang="en-US"/>
           </a:p>
@@ -875,7 +875,7 @@
           <a:p>
             <a:fld id="{245C2C28-0D12-4EC8-9616-6109F8E9BCEB}" type="datetimeFigureOut">
               <a:rPr lang="en-US" smtClean="0"/>
-              <a:t>4/26/2019</a:t>
+              <a:t>4/29/2019</a:t>
             </a:fld>
             <a:endParaRPr lang="en-US"/>
           </a:p>
@@ -1150,7 +1150,7 @@
           <a:p>
             <a:fld id="{245C2C28-0D12-4EC8-9616-6109F8E9BCEB}" type="datetimeFigureOut">
               <a:rPr lang="en-US" smtClean="0"/>
-              <a:t>4/26/2019</a:t>
+              <a:t>4/29/2019</a:t>
             </a:fld>
             <a:endParaRPr lang="en-US"/>
           </a:p>
@@ -1415,7 +1415,7 @@
           <a:p>
             <a:fld id="{245C2C28-0D12-4EC8-9616-6109F8E9BCEB}" type="datetimeFigureOut">
               <a:rPr lang="en-US" smtClean="0"/>
-              <a:t>4/26/2019</a:t>
+              <a:t>4/29/2019</a:t>
             </a:fld>
             <a:endParaRPr lang="en-US"/>
           </a:p>
@@ -1827,7 +1827,7 @@
           <a:p>
             <a:fld id="{245C2C28-0D12-4EC8-9616-6109F8E9BCEB}" type="datetimeFigureOut">
               <a:rPr lang="en-US" smtClean="0"/>
-              <a:t>4/26/2019</a:t>
+              <a:t>4/29/2019</a:t>
             </a:fld>
             <a:endParaRPr lang="en-US"/>
           </a:p>
@@ -1968,7 +1968,7 @@
           <a:p>
             <a:fld id="{245C2C28-0D12-4EC8-9616-6109F8E9BCEB}" type="datetimeFigureOut">
               <a:rPr lang="en-US" smtClean="0"/>
-              <a:t>4/26/2019</a:t>
+              <a:t>4/29/2019</a:t>
             </a:fld>
             <a:endParaRPr lang="en-US"/>
           </a:p>
@@ -2081,7 +2081,7 @@
           <a:p>
             <a:fld id="{245C2C28-0D12-4EC8-9616-6109F8E9BCEB}" type="datetimeFigureOut">
               <a:rPr lang="en-US" smtClean="0"/>
-              <a:t>4/26/2019</a:t>
+              <a:t>4/29/2019</a:t>
             </a:fld>
             <a:endParaRPr lang="en-US"/>
           </a:p>
@@ -2392,7 +2392,7 @@
           <a:p>
             <a:fld id="{245C2C28-0D12-4EC8-9616-6109F8E9BCEB}" type="datetimeFigureOut">
               <a:rPr lang="en-US" smtClean="0"/>
-              <a:t>4/26/2019</a:t>
+              <a:t>4/29/2019</a:t>
             </a:fld>
             <a:endParaRPr lang="en-US"/>
           </a:p>
@@ -2680,7 +2680,7 @@
           <a:p>
             <a:fld id="{245C2C28-0D12-4EC8-9616-6109F8E9BCEB}" type="datetimeFigureOut">
               <a:rPr lang="en-US" smtClean="0"/>
-              <a:t>4/26/2019</a:t>
+              <a:t>4/29/2019</a:t>
             </a:fld>
             <a:endParaRPr lang="en-US"/>
           </a:p>
@@ -2921,7 +2921,7 @@
           <a:p>
             <a:fld id="{245C2C28-0D12-4EC8-9616-6109F8E9BCEB}" type="datetimeFigureOut">
               <a:rPr lang="en-US" smtClean="0"/>
-              <a:t>4/26/2019</a:t>
+              <a:t>4/29/2019</a:t>
             </a:fld>
             <a:endParaRPr lang="en-US"/>
           </a:p>
@@ -9901,6 +9901,291 @@
           </a:prstGeom>
         </p:spPr>
       </p:pic>
+      <p:pic>
+        <p:nvPicPr>
+          <p:cNvPr id="20" name="Graphic 19" descr="Arrow: Vertical U-turn">
+            <a:extLst>
+              <a:ext uri="{FF2B5EF4-FFF2-40B4-BE49-F238E27FC236}">
+                <a16:creationId xmlns:a16="http://schemas.microsoft.com/office/drawing/2014/main" id="{99DA7650-894B-4A93-8F73-995316196DD4}"/>
+              </a:ext>
+            </a:extLst>
+          </p:cNvPr>
+          <p:cNvPicPr>
+            <a:picLocks noChangeAspect="1"/>
+          </p:cNvPicPr>
+          <p:nvPr/>
+        </p:nvPicPr>
+        <p:blipFill>
+          <a:blip r:embed="rId25">
+            <a:extLst>
+              <a:ext uri="{28A0092B-C50C-407E-A947-70E740481C1C}">
+                <a14:useLocalDpi xmlns:a14="http://schemas.microsoft.com/office/drawing/2010/main" val="0"/>
+              </a:ext>
+              <a:ext uri="{96DAC541-7B7A-43D3-8B79-37D633B846F1}">
+                <asvg:svgBlip xmlns:asvg="http://schemas.microsoft.com/office/drawing/2016/SVG/main" r:embed="rId26"/>
+              </a:ext>
+            </a:extLst>
+          </a:blip>
+          <a:stretch>
+            <a:fillRect/>
+          </a:stretch>
+        </p:blipFill>
+        <p:spPr>
+          <a:xfrm flipV="1">
+            <a:off x="945918" y="4540802"/>
+            <a:ext cx="376227" cy="376227"/>
+          </a:xfrm>
+          <a:prstGeom prst="rect">
+            <a:avLst/>
+          </a:prstGeom>
+        </p:spPr>
+      </p:pic>
+      <p:pic>
+        <p:nvPicPr>
+          <p:cNvPr id="24" name="Graphic 23" descr="Line arrow: Horizontal U-turn">
+            <a:extLst>
+              <a:ext uri="{FF2B5EF4-FFF2-40B4-BE49-F238E27FC236}">
+                <a16:creationId xmlns:a16="http://schemas.microsoft.com/office/drawing/2014/main" id="{AD7A3DFB-134A-480C-9FBA-3142BEAEE86F}"/>
+              </a:ext>
+            </a:extLst>
+          </p:cNvPr>
+          <p:cNvPicPr>
+            <a:picLocks noChangeAspect="1"/>
+          </p:cNvPicPr>
+          <p:nvPr/>
+        </p:nvPicPr>
+        <p:blipFill>
+          <a:blip r:embed="rId27">
+            <a:extLst>
+              <a:ext uri="{28A0092B-C50C-407E-A947-70E740481C1C}">
+                <a14:useLocalDpi xmlns:a14="http://schemas.microsoft.com/office/drawing/2010/main" val="0"/>
+              </a:ext>
+              <a:ext uri="{96DAC541-7B7A-43D3-8B79-37D633B846F1}">
+                <asvg:svgBlip xmlns:asvg="http://schemas.microsoft.com/office/drawing/2016/SVG/main" r:embed="rId28"/>
+              </a:ext>
+            </a:extLst>
+          </a:blip>
+          <a:stretch>
+            <a:fillRect/>
+          </a:stretch>
+        </p:blipFill>
+        <p:spPr>
+          <a:xfrm rot="5192154">
+            <a:off x="917970" y="5037374"/>
+            <a:ext cx="480938" cy="480938"/>
+          </a:xfrm>
+          <a:prstGeom prst="rect">
+            <a:avLst/>
+          </a:prstGeom>
+        </p:spPr>
+      </p:pic>
+      <p:pic>
+        <p:nvPicPr>
+          <p:cNvPr id="26" name="Graphic 25" descr="Music">
+            <a:extLst>
+              <a:ext uri="{FF2B5EF4-FFF2-40B4-BE49-F238E27FC236}">
+                <a16:creationId xmlns:a16="http://schemas.microsoft.com/office/drawing/2014/main" id="{3E0A4779-05CB-4F00-8434-D10507C1A2AC}"/>
+              </a:ext>
+            </a:extLst>
+          </p:cNvPr>
+          <p:cNvPicPr>
+            <a:picLocks noChangeAspect="1"/>
+          </p:cNvPicPr>
+          <p:nvPr/>
+        </p:nvPicPr>
+        <p:blipFill>
+          <a:blip r:embed="rId29">
+            <a:extLst>
+              <a:ext uri="{28A0092B-C50C-407E-A947-70E740481C1C}">
+                <a14:useLocalDpi xmlns:a14="http://schemas.microsoft.com/office/drawing/2010/main" val="0"/>
+              </a:ext>
+              <a:ext uri="{96DAC541-7B7A-43D3-8B79-37D633B846F1}">
+                <asvg:svgBlip xmlns:asvg="http://schemas.microsoft.com/office/drawing/2016/SVG/main" r:embed="rId30"/>
+              </a:ext>
+            </a:extLst>
+          </a:blip>
+          <a:stretch>
+            <a:fillRect/>
+          </a:stretch>
+        </p:blipFill>
+        <p:spPr>
+          <a:xfrm>
+            <a:off x="5638800" y="2971800"/>
+            <a:ext cx="914400" cy="914400"/>
+          </a:xfrm>
+          <a:prstGeom prst="rect">
+            <a:avLst/>
+          </a:prstGeom>
+        </p:spPr>
+      </p:pic>
+      <p:pic>
+        <p:nvPicPr>
+          <p:cNvPr id="28" name="Graphic 27" descr="Return">
+            <a:extLst>
+              <a:ext uri="{FF2B5EF4-FFF2-40B4-BE49-F238E27FC236}">
+                <a16:creationId xmlns:a16="http://schemas.microsoft.com/office/drawing/2014/main" id="{D78FD003-8303-4208-8444-55A87038F7A0}"/>
+              </a:ext>
+            </a:extLst>
+          </p:cNvPr>
+          <p:cNvPicPr>
+            <a:picLocks noChangeAspect="1"/>
+          </p:cNvPicPr>
+          <p:nvPr/>
+        </p:nvPicPr>
+        <p:blipFill>
+          <a:blip r:embed="rId31">
+            <a:extLst>
+              <a:ext uri="{28A0092B-C50C-407E-A947-70E740481C1C}">
+                <a14:useLocalDpi xmlns:a14="http://schemas.microsoft.com/office/drawing/2010/main" val="0"/>
+              </a:ext>
+              <a:ext uri="{96DAC541-7B7A-43D3-8B79-37D633B846F1}">
+                <asvg:svgBlip xmlns:asvg="http://schemas.microsoft.com/office/drawing/2016/SVG/main" r:embed="rId32"/>
+              </a:ext>
+            </a:extLst>
+          </a:blip>
+          <a:stretch>
+            <a:fillRect/>
+          </a:stretch>
+        </p:blipFill>
+        <p:spPr>
+          <a:xfrm>
+            <a:off x="933384" y="6032178"/>
+            <a:ext cx="345429" cy="345429"/>
+          </a:xfrm>
+          <a:prstGeom prst="rect">
+            <a:avLst/>
+          </a:prstGeom>
+        </p:spPr>
+      </p:pic>
+      <p:sp>
+        <p:nvSpPr>
+          <p:cNvPr id="29" name="Rectangle 28">
+            <a:extLst>
+              <a:ext uri="{FF2B5EF4-FFF2-40B4-BE49-F238E27FC236}">
+                <a16:creationId xmlns:a16="http://schemas.microsoft.com/office/drawing/2014/main" id="{562F668B-2ABF-4047-98EA-93BD2E128E01}"/>
+              </a:ext>
+            </a:extLst>
+          </p:cNvPr>
+          <p:cNvSpPr/>
+          <p:nvPr/>
+        </p:nvSpPr>
+        <p:spPr>
+          <a:xfrm>
+            <a:off x="7209571" y="1448256"/>
+            <a:ext cx="2091843" cy="2437944"/>
+          </a:xfrm>
+          <a:prstGeom prst="rect">
+            <a:avLst/>
+          </a:prstGeom>
+        </p:spPr>
+        <p:style>
+          <a:lnRef idx="2">
+            <a:schemeClr val="dk1">
+              <a:shade val="50000"/>
+            </a:schemeClr>
+          </a:lnRef>
+          <a:fillRef idx="1">
+            <a:schemeClr val="dk1"/>
+          </a:fillRef>
+          <a:effectRef idx="0">
+            <a:schemeClr val="dk1"/>
+          </a:effectRef>
+          <a:fontRef idx="minor">
+            <a:schemeClr val="lt1"/>
+          </a:fontRef>
+        </p:style>
+        <p:txBody>
+          <a:bodyPr rtlCol="0" anchor="ctr"/>
+          <a:lstStyle/>
+          <a:p>
+            <a:pPr algn="ctr"/>
+            <a:endParaRPr lang="en-US"/>
+          </a:p>
+        </p:txBody>
+      </p:sp>
+      <p:sp>
+        <p:nvSpPr>
+          <p:cNvPr id="30" name="Oval 29">
+            <a:extLst>
+              <a:ext uri="{FF2B5EF4-FFF2-40B4-BE49-F238E27FC236}">
+                <a16:creationId xmlns:a16="http://schemas.microsoft.com/office/drawing/2014/main" id="{AD23691E-6865-439E-BE18-48AB82DD0C2B}"/>
+              </a:ext>
+            </a:extLst>
+          </p:cNvPr>
+          <p:cNvSpPr/>
+          <p:nvPr/>
+        </p:nvSpPr>
+        <p:spPr>
+          <a:xfrm>
+            <a:off x="7723647" y="2171290"/>
+            <a:ext cx="1063689" cy="1041507"/>
+          </a:xfrm>
+          <a:prstGeom prst="ellipse">
+            <a:avLst/>
+          </a:prstGeom>
+        </p:spPr>
+        <p:style>
+          <a:lnRef idx="2">
+            <a:schemeClr val="dk1"/>
+          </a:lnRef>
+          <a:fillRef idx="1">
+            <a:schemeClr val="lt1"/>
+          </a:fillRef>
+          <a:effectRef idx="0">
+            <a:schemeClr val="dk1"/>
+          </a:effectRef>
+          <a:fontRef idx="minor">
+            <a:schemeClr val="dk1"/>
+          </a:fontRef>
+        </p:style>
+        <p:txBody>
+          <a:bodyPr rtlCol="0" anchor="ctr"/>
+          <a:lstStyle/>
+          <a:p>
+            <a:pPr algn="ctr"/>
+            <a:endParaRPr lang="en-US"/>
+          </a:p>
+        </p:txBody>
+      </p:sp>
+      <p:pic>
+        <p:nvPicPr>
+          <p:cNvPr id="22" name="Graphic 21" descr="Arrow: Clockwise curve">
+            <a:extLst>
+              <a:ext uri="{FF2B5EF4-FFF2-40B4-BE49-F238E27FC236}">
+                <a16:creationId xmlns:a16="http://schemas.microsoft.com/office/drawing/2014/main" id="{ADA03324-FA14-43A0-B04D-E9E7B8B6EFF2}"/>
+              </a:ext>
+            </a:extLst>
+          </p:cNvPr>
+          <p:cNvPicPr>
+            <a:picLocks noChangeAspect="1"/>
+          </p:cNvPicPr>
+          <p:nvPr/>
+        </p:nvPicPr>
+        <p:blipFill>
+          <a:blip r:embed="rId33">
+            <a:extLst>
+              <a:ext uri="{28A0092B-C50C-407E-A947-70E740481C1C}">
+                <a14:useLocalDpi xmlns:a14="http://schemas.microsoft.com/office/drawing/2010/main" val="0"/>
+              </a:ext>
+              <a:ext uri="{96DAC541-7B7A-43D3-8B79-37D633B846F1}">
+                <asvg:svgBlip xmlns:asvg="http://schemas.microsoft.com/office/drawing/2016/SVG/main" r:embed="rId34"/>
+              </a:ext>
+            </a:extLst>
+          </a:blip>
+          <a:stretch>
+            <a:fillRect/>
+          </a:stretch>
+        </p:blipFill>
+        <p:spPr>
+          <a:xfrm>
+            <a:off x="7807482" y="2295040"/>
+            <a:ext cx="850786" cy="850786"/>
+          </a:xfrm>
+          <a:prstGeom prst="rect">
+            <a:avLst/>
+          </a:prstGeom>
+        </p:spPr>
+      </p:pic>
     </p:spTree>
     <p:extLst>
       <p:ext uri="{BB962C8B-B14F-4D97-AF65-F5344CB8AC3E}">
@@ -13092,25 +13377,25 @@
 
 <file path=customXml/item1.xml><?xml version="1.0" encoding="utf-8"?>
 <Control xmlns="http://schemas.microsoft.com/VisualStudio/2011/storyboarding/control">
-  <Id Name="System.Storyboarding.WindowsPhoneIcons.Rewind" Revision="1" Stencil="System.Storyboarding.WindowsPhoneIcons" StencilVersion="0.1"/>
+  <Id Name="System.Storyboarding.WindowsAppIcons.Edit" Revision="1" Stencil="System.Storyboarding.WindowsAppIcons" StencilVersion="0.1"/>
 </Control>
 </file>
 
 <file path=customXml/item10.xml><?xml version="1.0" encoding="utf-8"?>
 <Control xmlns="http://schemas.microsoft.com/VisualStudio/2011/storyboarding/control">
-  <Id Name="System.Storyboarding.WindowsAppIcons.Play" Revision="1" Stencil="System.Storyboarding.WindowsAppIcons" StencilVersion="0.1"/>
+  <Id Name="System.Storyboarding.WindowsAppIcons.Edit" Revision="1" Stencil="System.Storyboarding.WindowsAppIcons" StencilVersion="0.1"/>
 </Control>
 </file>
 
 <file path=customXml/item11.xml><?xml version="1.0" encoding="utf-8"?>
 <Control xmlns="http://schemas.microsoft.com/VisualStudio/2011/storyboarding/control">
-  <Id Name="System.Storyboarding.WindowsPhoneIcons.Cancel" Revision="1" Stencil="System.Storyboarding.WindowsPhoneIcons" StencilVersion="0.1"/>
+  <Id Name="System.Storyboarding.WindowsPhoneIcons.Refresh" Revision="1" Stencil="System.Storyboarding.WindowsPhoneIcons" StencilVersion="0.1"/>
 </Control>
 </file>
 
 <file path=customXml/item12.xml><?xml version="1.0" encoding="utf-8"?>
 <Control xmlns="http://schemas.microsoft.com/VisualStudio/2011/storyboarding/control">
-  <Id Name="System.Storyboarding.WindowsPhoneIcons.Add" Revision="1" Stencil="System.Storyboarding.WindowsPhoneIcons" StencilVersion="0.1"/>
+  <Id Name="System.Storyboarding.WindowsAppIcons.Edit" Revision="1" Stencil="System.Storyboarding.WindowsAppIcons" StencilVersion="0.1"/>
 </Control>
 </file>
 
@@ -13122,61 +13407,61 @@
 
 <file path=customXml/item14.xml><?xml version="1.0" encoding="utf-8"?>
 <Control xmlns="http://schemas.microsoft.com/VisualStudio/2011/storyboarding/control">
-  <Id Name="System.Storyboarding.WindowsAppIcons.Donotwant" Revision="1" Stencil="System.Storyboarding.WindowsAppIcons" StencilVersion="0.1"/>
+  <Id Name="System.Storyboarding.WindowsAppIcons.Edit" Revision="1" Stencil="System.Storyboarding.WindowsAppIcons" StencilVersion="0.1"/>
 </Control>
 </file>
 
 <file path=customXml/item15.xml><?xml version="1.0" encoding="utf-8"?>
+<Control xmlns="http://schemas.microsoft.com/VisualStudio/2011/storyboarding/control">
+  <Id Name="System.Storyboarding.WindowsPhoneIcons.Cancel" Revision="1" Stencil="System.Storyboarding.WindowsPhoneIcons" StencilVersion="0.1"/>
+</Control>
+</file>
+
+<file path=customXml/item16.xml><?xml version="1.0" encoding="utf-8"?>
 <Control xmlns="http://schemas.microsoft.com/VisualStudio/2011/storyboarding/control">
   <Id Name="System.Storyboarding.WindowsAppIcons.Play" Revision="1" Stencil="System.Storyboarding.WindowsAppIcons" StencilVersion="0.1"/>
 </Control>
 </file>
 
-<file path=customXml/item16.xml><?xml version="1.0" encoding="utf-8"?>
+<file path=customXml/item17.xml><?xml version="1.0" encoding="utf-8"?>
 <Control xmlns="http://schemas.microsoft.com/VisualStudio/2011/storyboarding/control">
-  <Id Name="e75cd7fd-d454-43ac-a2bd-cf0ac4f48652" RevisionId="8831f7ae-9100-4ae6-a512-25e5a2ad6d46" Stencil="172d6d98-e5c9-42e9-a209-79f7a94bbd38" StencilRevisionId="00000000-0000-0000-0000-000000000000" StencilVersion="0.0"/>
+  <Id Name="System.Storyboarding.WindowsPhoneIcons.FastForward" Revision="1" Stencil="System.Storyboarding.WindowsPhoneIcons" StencilVersion="0.1"/>
 </Control>
 </file>
 
-<file path=customXml/item17.xml><?xml version="1.0" encoding="utf-8"?>
+<file path=customXml/item18.xml><?xml version="1.0" encoding="utf-8"?>
+<Control xmlns="http://schemas.microsoft.com/VisualStudio/2011/storyboarding/control">
+  <Id Name="System.Storyboarding.WindowsPhoneIcons.Minus" Revision="1" Stencil="System.Storyboarding.WindowsPhoneIcons" StencilVersion="0.1"/>
+</Control>
+</file>
+
+<file path=customXml/item19.xml><?xml version="1.0" encoding="utf-8"?>
+<Control xmlns="http://schemas.microsoft.com/VisualStudio/2011/storyboarding/control">
+  <Id Name="System.Storyboarding.WindowsPhoneIcons.Add" Revision="1" Stencil="System.Storyboarding.WindowsPhoneIcons" StencilVersion="0.1"/>
+</Control>
+</file>
+
+<file path=customXml/item2.xml><?xml version="1.0" encoding="utf-8"?>
+<Control xmlns="http://schemas.microsoft.com/VisualStudio/2011/storyboarding/control">
+  <Id Name="System.Storyboarding.WindowsAppIcons.Minus" Revision="1" Stencil="System.Storyboarding.WindowsAppIcons" StencilVersion="0.1"/>
+</Control>
+</file>
+
+<file path=customXml/item20.xml><?xml version="1.0" encoding="utf-8"?>
 <Control xmlns="http://schemas.microsoft.com/VisualStudio/2011/storyboarding/control">
   <Id Name="System.Storyboarding.WindowsPhoneIcons.Cancel" Revision="1" Stencil="System.Storyboarding.WindowsPhoneIcons" StencilVersion="0.1"/>
 </Control>
 </file>
 
-<file path=customXml/item18.xml><?xml version="1.0" encoding="utf-8"?>
-<Control xmlns="http://schemas.microsoft.com/VisualStudio/2011/storyboarding/control">
-  <Id Name="System.Storyboarding.WindowsAppIcons.Play" Revision="1" Stencil="System.Storyboarding.WindowsAppIcons" StencilVersion="0.1"/>
-</Control>
-</file>
-
-<file path=customXml/item19.xml><?xml version="1.0" encoding="utf-8"?>
-<Control xmlns="http://schemas.microsoft.com/VisualStudio/2011/storyboarding/control">
-  <Id Name="System.Storyboarding.WindowsAppIcons.Retweet" Revision="1" Stencil="System.Storyboarding.WindowsAppIcons" StencilVersion="0.1"/>
-</Control>
-</file>
-
-<file path=customXml/item2.xml><?xml version="1.0" encoding="utf-8"?>
-<Control xmlns="http://schemas.microsoft.com/VisualStudio/2011/storyboarding/control">
-  <Id Name="System.Storyboarding.WindowsPhoneIcons.Cancel" Revision="1" Stencil="System.Storyboarding.WindowsPhoneIcons" StencilVersion="0.1"/>
-</Control>
-</file>
-
-<file path=customXml/item20.xml><?xml version="1.0" encoding="utf-8"?>
-<Control xmlns="http://schemas.microsoft.com/VisualStudio/2011/storyboarding/control">
-  <Id Name="System.Storyboarding.WindowsAppIcons.Play" Revision="1" Stencil="System.Storyboarding.WindowsAppIcons" StencilVersion="0.1"/>
-</Control>
-</file>
-
 <file path=customXml/item21.xml><?xml version="1.0" encoding="utf-8"?>
 <Control xmlns="http://schemas.microsoft.com/VisualStudio/2011/storyboarding/control">
-  <Id Name="System.Storyboarding.WindowsAppIcons.Play" Revision="1" Stencil="System.Storyboarding.WindowsAppIcons" StencilVersion="0.1"/>
+  <Id Name="System.Storyboarding.WindowsAppIcons.Edit" Revision="1" Stencil="System.Storyboarding.WindowsAppIcons" StencilVersion="0.1"/>
 </Control>
 </file>
 
 <file path=customXml/item22.xml><?xml version="1.0" encoding="utf-8"?>
 <Control xmlns="http://schemas.microsoft.com/VisualStudio/2011/storyboarding/control">
-  <Id Name="4b4d62c4-0b58-49c3-9bd5-0f2c494cd34e" RevisionId="df283dbf-c6b0-49ce-bc2c-3341a4271bd3" Stencil="172d6d98-e5c9-42e9-a209-79f7a94bbd38" StencilRevisionId="00000000-0000-0000-0000-000000000000" StencilVersion="0.0"/>
+  <Id Name="32035d07-bc66-4a79-8001-2507012193e3" RevisionId="7f6cc906-8fab-4878-8f41-90bcdc4e860e" Stencil="172d6d98-e5c9-42e9-a209-79f7a94bbd38" StencilRevisionId="00000000-0000-0000-0000-000000000000" StencilVersion="0.0"/>
 </Control>
 </file>
 
@@ -13188,7 +13473,7 @@
 
 <file path=customXml/item24.xml><?xml version="1.0" encoding="utf-8"?>
 <Control xmlns="http://schemas.microsoft.com/VisualStudio/2011/storyboarding/control">
-  <Id Name="System.Storyboarding.WindowsAppIcons.Plus" Revision="1" Stencil="System.Storyboarding.WindowsAppIcons" StencilVersion="0.1"/>
+  <Id Name="System.Storyboarding.WindowsAppIcons.Play" Revision="1" Stencil="System.Storyboarding.WindowsAppIcons" StencilVersion="0.1"/>
 </Control>
 </file>
 
@@ -13200,67 +13485,67 @@
 
 <file path=customXml/item26.xml><?xml version="1.0" encoding="utf-8"?>
 <Control xmlns="http://schemas.microsoft.com/VisualStudio/2011/storyboarding/control">
+  <Id Name="System.Storyboarding.Icons.FolderOpen" Revision="1" Stencil="System.Storyboarding.Icons" StencilVersion="0.1"/>
+</Control>
+</file>
+
+<file path=customXml/item27.xml><?xml version="1.0" encoding="utf-8"?>
+<Control xmlns="http://schemas.microsoft.com/VisualStudio/2011/storyboarding/control">
+  <Id Name="System.Storyboarding.WindowsAppIcons.Play" Revision="1" Stencil="System.Storyboarding.WindowsAppIcons" StencilVersion="0.1"/>
+</Control>
+</file>
+
+<file path=customXml/item28.xml><?xml version="1.0" encoding="utf-8"?>
+<Control xmlns="http://schemas.microsoft.com/VisualStudio/2011/storyboarding/control">
+  <Id Name="System.Storyboarding.WindowsAppIcons.Play" Revision="1" Stencil="System.Storyboarding.WindowsAppIcons" StencilVersion="0.1"/>
+</Control>
+</file>
+
+<file path=customXml/item29.xml><?xml version="1.0" encoding="utf-8"?>
+<Control xmlns="http://schemas.microsoft.com/VisualStudio/2011/storyboarding/control">
+  <Id Name="System.Storyboarding.WindowsAppIcons.Clock" Revision="1" Stencil="System.Storyboarding.WindowsAppIcons" StencilVersion="0.1"/>
+</Control>
+</file>
+
+<file path=customXml/item3.xml><?xml version="1.0" encoding="utf-8"?>
+<Control xmlns="http://schemas.microsoft.com/VisualStudio/2011/storyboarding/control">
+  <Id Name="System.Storyboarding.WindowsPhoneIcons.Cancel" Revision="1" Stencil="System.Storyboarding.WindowsPhoneIcons" StencilVersion="0.1"/>
+</Control>
+</file>
+
+<file path=customXml/item30.xml><?xml version="1.0" encoding="utf-8"?>
+<Control xmlns="http://schemas.microsoft.com/VisualStudio/2011/storyboarding/control">
+  <Id Name="System.Storyboarding.WindowsPhoneIcons.Cancel" Revision="1" Stencil="System.Storyboarding.WindowsPhoneIcons" StencilVersion="0.1"/>
+</Control>
+</file>
+
+<file path=customXml/item31.xml><?xml version="1.0" encoding="utf-8"?>
+<Control xmlns="http://schemas.microsoft.com/VisualStudio/2011/storyboarding/control">
+  <Id Name="System.Storyboarding.WindowsPhoneIcons.Rewind" Revision="1" Stencil="System.Storyboarding.WindowsPhoneIcons" StencilVersion="0.1"/>
+</Control>
+</file>
+
+<file path=customXml/item32.xml><?xml version="1.0" encoding="utf-8"?>
+<Control xmlns="http://schemas.microsoft.com/VisualStudio/2011/storyboarding/control">
   <Id Name="System.Storyboarding.Icons.Volume" Revision="1" Stencil="System.Storyboarding.Icons" StencilVersion="0.1"/>
 </Control>
 </file>
 
-<file path=customXml/item27.xml><?xml version="1.0" encoding="utf-8"?>
+<file path=customXml/item33.xml><?xml version="1.0" encoding="utf-8"?>
 <Control xmlns="http://schemas.microsoft.com/VisualStudio/2011/storyboarding/control">
-  <Id Name="System.Storyboarding.WindowsPhoneIcons.Add" Revision="1" Stencil="System.Storyboarding.WindowsPhoneIcons" StencilVersion="0.1"/>
+  <Id Name="System.Storyboarding.WindowsAppIcons.Play" Revision="1" Stencil="System.Storyboarding.WindowsAppIcons" StencilVersion="0.1"/>
 </Control>
 </file>
 
-<file path=customXml/item28.xml><?xml version="1.0" encoding="utf-8"?>
+<file path=customXml/item34.xml><?xml version="1.0" encoding="utf-8"?>
 <Control xmlns="http://schemas.microsoft.com/VisualStudio/2011/storyboarding/control">
   <Id Name="System.Storyboarding.WindowsAppIcons.Edit" Revision="1" Stencil="System.Storyboarding.WindowsAppIcons" StencilVersion="0.1"/>
 </Control>
 </file>
 
-<file path=customXml/item29.xml><?xml version="1.0" encoding="utf-8"?>
-<Control xmlns="http://schemas.microsoft.com/VisualStudio/2011/storyboarding/control">
-  <Id Name="System.Storyboarding.WindowsPhoneIcons.Cancel" Revision="1" Stencil="System.Storyboarding.WindowsPhoneIcons" StencilVersion="0.1"/>
-</Control>
-</file>
-
-<file path=customXml/item3.xml><?xml version="1.0" encoding="utf-8"?>
-<Control xmlns="http://schemas.microsoft.com/VisualStudio/2011/storyboarding/control">
-  <Id Name="System.Storyboarding.WindowsPhoneIcons.Minus" Revision="1" Stencil="System.Storyboarding.WindowsPhoneIcons" StencilVersion="0.1"/>
-</Control>
-</file>
-
-<file path=customXml/item30.xml><?xml version="1.0" encoding="utf-8"?>
+<file path=customXml/item35.xml><?xml version="1.0" encoding="utf-8"?>
 <Control xmlns="http://schemas.microsoft.com/VisualStudio/2011/storyboarding/control">
   <Id Name="System.Storyboarding.WindowsAppIcons.Edit" Revision="1" Stencil="System.Storyboarding.WindowsAppIcons" StencilVersion="0.1"/>
-</Control>
-</file>
-
-<file path=customXml/item31.xml><?xml version="1.0" encoding="utf-8"?>
-<Control xmlns="http://schemas.microsoft.com/VisualStudio/2011/storyboarding/control">
-  <Id Name="System.Storyboarding.Icons.Volume" Revision="1" Stencil="System.Storyboarding.Icons" StencilVersion="0.1"/>
-</Control>
-</file>
-
-<file path=customXml/item32.xml><?xml version="1.0" encoding="utf-8"?>
-<Control xmlns="http://schemas.microsoft.com/VisualStudio/2011/storyboarding/control">
-  <Id Name="System.Storyboarding.WindowsAppIcons.Edit" Revision="1" Stencil="System.Storyboarding.WindowsAppIcons" StencilVersion="0.1"/>
-</Control>
-</file>
-
-<file path=customXml/item33.xml><?xml version="1.0" encoding="utf-8"?>
-<Control xmlns="http://schemas.microsoft.com/VisualStudio/2011/storyboarding/control">
-  <Id Name="32035d07-bc66-4a79-8001-2507012193e3" RevisionId="7f6cc906-8fab-4878-8f41-90bcdc4e860e" Stencil="172d6d98-e5c9-42e9-a209-79f7a94bbd38" StencilRevisionId="00000000-0000-0000-0000-000000000000" StencilVersion="0.0"/>
-</Control>
-</file>
-
-<file path=customXml/item34.xml><?xml version="1.0" encoding="utf-8"?>
-<Control xmlns="http://schemas.microsoft.com/VisualStudio/2011/storyboarding/control">
-  <Id Name="System.Storyboarding.WindowsAppIcons.Play" Revision="1" Stencil="System.Storyboarding.WindowsAppIcons" StencilVersion="0.1"/>
-</Control>
-</file>
-
-<file path=customXml/item35.xml><?xml version="1.0" encoding="utf-8"?>
-<Control xmlns="http://schemas.microsoft.com/VisualStudio/2011/storyboarding/control">
-  <Id Name="System.Storyboarding.WindowsPhoneIcons.Refresh" Revision="1" Stencil="System.Storyboarding.WindowsPhoneIcons" StencilVersion="0.1"/>
 </Control>
 </file>
 
@@ -13272,73 +13557,73 @@
 
 <file path=customXml/item37.xml><?xml version="1.0" encoding="utf-8"?>
 <Control xmlns="http://schemas.microsoft.com/VisualStudio/2011/storyboarding/control">
+  <Id Name="System.Storyboarding.WindowsPhoneIcons.Cancel" Revision="1" Stencil="System.Storyboarding.WindowsPhoneIcons" StencilVersion="0.1"/>
+</Control>
+</file>
+
+<file path=customXml/item38.xml><?xml version="1.0" encoding="utf-8"?>
+<Control xmlns="http://schemas.microsoft.com/VisualStudio/2011/storyboarding/control">
   <Id Name="System.Storyboarding.WindowsAppIcons.Minus" Revision="1" Stencil="System.Storyboarding.WindowsAppIcons" StencilVersion="0.1"/>
 </Control>
 </file>
 
-<file path=customXml/item38.xml><?xml version="1.0" encoding="utf-8"?>
+<file path=customXml/item39.xml><?xml version="1.0" encoding="utf-8"?>
+<Control xmlns="http://schemas.microsoft.com/VisualStudio/2011/storyboarding/control">
+  <Id Name="System.Storyboarding.WindowsAppIcons.Play" Revision="1" Stencil="System.Storyboarding.WindowsAppIcons" StencilVersion="0.1"/>
+</Control>
+</file>
+
+<file path=customXml/item4.xml><?xml version="1.0" encoding="utf-8"?>
+<Control xmlns="http://schemas.microsoft.com/VisualStudio/2011/storyboarding/control">
+  <Id Name="System.Storyboarding.WindowsPhoneIcons.Cancel" Revision="1" Stencil="System.Storyboarding.WindowsPhoneIcons" StencilVersion="0.1"/>
+</Control>
+</file>
+
+<file path=customXml/item40.xml><?xml version="1.0" encoding="utf-8"?>
+<Control xmlns="http://schemas.microsoft.com/VisualStudio/2011/storyboarding/control">
+  <Id Name="System.Storyboarding.Icons.Volume" Revision="1" Stencil="System.Storyboarding.Icons" StencilVersion="0.1"/>
+</Control>
+</file>
+
+<file path=customXml/item41.xml><?xml version="1.0" encoding="utf-8"?>
 <Control xmlns="http://schemas.microsoft.com/VisualStudio/2011/storyboarding/control">
   <Id Name="System.Storyboarding.WindowsAppIcons.Edit" Revision="1" Stencil="System.Storyboarding.WindowsAppIcons" StencilVersion="0.1"/>
 </Control>
 </file>
 
-<file path=customXml/item39.xml><?xml version="1.0" encoding="utf-8"?>
+<file path=customXml/item42.xml><?xml version="1.0" encoding="utf-8"?>
 <Control xmlns="http://schemas.microsoft.com/VisualStudio/2011/storyboarding/control">
-  <Id Name="System.Storyboarding.WindowsAppIcons.Plus" Revision="1" Stencil="System.Storyboarding.WindowsAppIcons" StencilVersion="0.1"/>
+  <Id Name="System.Storyboarding.WindowsAppIcons.Edit" Revision="1" Stencil="System.Storyboarding.WindowsAppIcons" StencilVersion="0.1"/>
 </Control>
 </file>
 
-<file path=customXml/item4.xml><?xml version="1.0" encoding="utf-8"?>
+<file path=customXml/item43.xml><?xml version="1.0" encoding="utf-8"?>
+<Control xmlns="http://schemas.microsoft.com/VisualStudio/2011/storyboarding/control">
+  <Id Name="System.Storyboarding.WindowsPhoneIcons.Add" Revision="1" Stencil="System.Storyboarding.WindowsPhoneIcons" StencilVersion="0.1"/>
+</Control>
+</file>
+
+<file path=customXml/item44.xml><?xml version="1.0" encoding="utf-8"?>
+<Control xmlns="http://schemas.microsoft.com/VisualStudio/2011/storyboarding/control">
+  <Id Name="System.Storyboarding.WindowsPhoneIcons.Rewind" Revision="1" Stencil="System.Storyboarding.WindowsPhoneIcons" StencilVersion="0.1"/>
+</Control>
+</file>
+
+<file path=customXml/item45.xml><?xml version="1.0" encoding="utf-8"?>
 <Control xmlns="http://schemas.microsoft.com/VisualStudio/2011/storyboarding/control">
   <Id Name="4b4d62c4-0b58-49c3-9bd5-0f2c494cd34e" RevisionId="df283dbf-c6b0-49ce-bc2c-3341a4271bd3" Stencil="172d6d98-e5c9-42e9-a209-79f7a94bbd38" StencilRevisionId="00000000-0000-0000-0000-000000000000" StencilVersion="0.0"/>
 </Control>
 </file>
 
-<file path=customXml/item40.xml><?xml version="1.0" encoding="utf-8"?>
-<Control xmlns="http://schemas.microsoft.com/VisualStudio/2011/storyboarding/control">
-  <Id Name="System.Storyboarding.WindowsAppIcons.Play" Revision="1" Stencil="System.Storyboarding.WindowsAppIcons" StencilVersion="0.1"/>
-</Control>
-</file>
-
-<file path=customXml/item41.xml><?xml version="1.0" encoding="utf-8"?>
-<Control xmlns="http://schemas.microsoft.com/VisualStudio/2011/storyboarding/control">
-  <Id Name="System.Storyboarding.WindowsAppIcons.Play" Revision="1" Stencil="System.Storyboarding.WindowsAppIcons" StencilVersion="0.1"/>
-</Control>
-</file>
-
-<file path=customXml/item42.xml><?xml version="1.0" encoding="utf-8"?>
+<file path=customXml/item46.xml><?xml version="1.0" encoding="utf-8"?>
 <Control xmlns="http://schemas.microsoft.com/VisualStudio/2011/storyboarding/control">
   <Id Name="System.Storyboarding.WindowsPhoneIcons.Cancel" Revision="1" Stencil="System.Storyboarding.WindowsPhoneIcons" StencilVersion="0.1"/>
 </Control>
 </file>
 
-<file path=customXml/item43.xml><?xml version="1.0" encoding="utf-8"?>
-<Control xmlns="http://schemas.microsoft.com/VisualStudio/2011/storyboarding/control">
-  <Id Name="System.Storyboarding.WindowsAppIcons.Edit" Revision="1" Stencil="System.Storyboarding.WindowsAppIcons" StencilVersion="0.1"/>
-</Control>
-</file>
-
-<file path=customXml/item44.xml><?xml version="1.0" encoding="utf-8"?>
-<Control xmlns="http://schemas.microsoft.com/VisualStudio/2011/storyboarding/control">
-  <Id Name="System.Storyboarding.WindowsAppIcons.Edit" Revision="1" Stencil="System.Storyboarding.WindowsAppIcons" StencilVersion="0.1"/>
-</Control>
-</file>
-
-<file path=customXml/item45.xml><?xml version="1.0" encoding="utf-8"?>
-<Control xmlns="http://schemas.microsoft.com/VisualStudio/2011/storyboarding/control">
-  <Id Name="System.Storyboarding.WindowsAppIcons.Down" Revision="1" Stencil="System.Storyboarding.WindowsAppIcons" StencilVersion="0.1"/>
-</Control>
-</file>
-
-<file path=customXml/item46.xml><?xml version="1.0" encoding="utf-8"?>
+<file path=customXml/item47.xml><?xml version="1.0" encoding="utf-8"?>
 <Control xmlns="http://schemas.microsoft.com/VisualStudio/2011/storyboarding/control">
   <Id Name="System.Storyboarding.WindowsAppIcons.Play" Revision="1" Stencil="System.Storyboarding.WindowsAppIcons" StencilVersion="0.1"/>
-</Control>
-</file>
-
-<file path=customXml/item47.xml><?xml version="1.0" encoding="utf-8"?>
-<Control xmlns="http://schemas.microsoft.com/VisualStudio/2011/storyboarding/control">
-  <Id Name="System.Storyboarding.WindowsAppIcons.Edit" Revision="1" Stencil="System.Storyboarding.WindowsAppIcons" StencilVersion="0.1"/>
 </Control>
 </file>
 
@@ -13350,7 +13635,7 @@
 
 <file path=customXml/item49.xml><?xml version="1.0" encoding="utf-8"?>
 <Control xmlns="http://schemas.microsoft.com/VisualStudio/2011/storyboarding/control">
-  <Id Name="System.Storyboarding.WindowsPhoneIcons.Cancel" Revision="1" Stencil="System.Storyboarding.WindowsPhoneIcons" StencilVersion="0.1"/>
+  <Id Name="System.Storyboarding.WindowsAppIcons.Plus" Revision="1" Stencil="System.Storyboarding.WindowsAppIcons" StencilVersion="0.1"/>
 </Control>
 </file>
 
@@ -13362,31 +13647,31 @@
 
 <file path=customXml/item50.xml><?xml version="1.0" encoding="utf-8"?>
 <Control xmlns="http://schemas.microsoft.com/VisualStudio/2011/storyboarding/control">
-  <Id Name="System.Storyboarding.WindowsAppIcons.Edit" Revision="1" Stencil="System.Storyboarding.WindowsAppIcons" StencilVersion="0.1"/>
+  <Id Name="System.Storyboarding.WindowsAppIcons.Play" Revision="1" Stencil="System.Storyboarding.WindowsAppIcons" StencilVersion="0.1"/>
 </Control>
 </file>
 
 <file path=customXml/item51.xml><?xml version="1.0" encoding="utf-8"?>
-<Control xmlns="http://schemas.microsoft.com/VisualStudio/2011/storyboarding/control">
-  <Id Name="System.Storyboarding.WindowsPhoneIcons.FastForward" Revision="1" Stencil="System.Storyboarding.WindowsPhoneIcons" StencilVersion="0.1"/>
-</Control>
-</file>
-
-<file path=customXml/item52.xml><?xml version="1.0" encoding="utf-8"?>
 <Control xmlns="http://schemas.microsoft.com/VisualStudio/2011/storyboarding/control">
   <Id Name="System.Storyboarding.WindowsAppIcons.Edit" Revision="1" Stencil="System.Storyboarding.WindowsAppIcons" StencilVersion="0.1"/>
 </Control>
 </file>
 
-<file path=customXml/item53.xml><?xml version="1.0" encoding="utf-8"?>
+<file path=customXml/item52.xml><?xml version="1.0" encoding="utf-8"?>
 <Control xmlns="http://schemas.microsoft.com/VisualStudio/2011/storyboarding/control">
   <Id Name="System.Storyboarding.WindowsPhoneIcons.Cancel" Revision="1" Stencil="System.Storyboarding.WindowsPhoneIcons" StencilVersion="0.1"/>
 </Control>
 </file>
 
+<file path=customXml/item53.xml><?xml version="1.0" encoding="utf-8"?>
+<Control xmlns="http://schemas.microsoft.com/VisualStudio/2011/storyboarding/control">
+  <Id Name="System.Storyboarding.WindowsAppIcons.Edit" Revision="1" Stencil="System.Storyboarding.WindowsAppIcons" StencilVersion="0.1"/>
+</Control>
+</file>
+
 <file path=customXml/item54.xml><?xml version="1.0" encoding="utf-8"?>
 <Control xmlns="http://schemas.microsoft.com/VisualStudio/2011/storyboarding/control">
-  <Id Name="System.Storyboarding.WindowsAppIcons.Clock" Revision="1" Stencil="System.Storyboarding.WindowsAppIcons" StencilVersion="0.1"/>
+  <Id Name="System.Storyboarding.WindowsPhoneIcons.Cancel" Revision="1" Stencil="System.Storyboarding.WindowsPhoneIcons" StencilVersion="0.1"/>
 </Control>
 </file>
 
@@ -13398,107 +13683,299 @@
 
 <file path=customXml/item56.xml><?xml version="1.0" encoding="utf-8"?>
 <Control xmlns="http://schemas.microsoft.com/VisualStudio/2011/storyboarding/control">
-  <Id Name="System.Storyboarding.WindowsAppIcons.Edit" Revision="1" Stencil="System.Storyboarding.WindowsAppIcons" StencilVersion="0.1"/>
+  <Id Name="System.Storyboarding.WindowsAppIcons.Plus" Revision="1" Stencil="System.Storyboarding.WindowsAppIcons" StencilVersion="0.1"/>
 </Control>
 </file>
 
 <file path=customXml/item57.xml><?xml version="1.0" encoding="utf-8"?>
 <Control xmlns="http://schemas.microsoft.com/VisualStudio/2011/storyboarding/control">
-  <Id Name="System.Storyboarding.WindowsAppIcons.Minus" Revision="1" Stencil="System.Storyboarding.WindowsAppIcons" StencilVersion="0.1"/>
+  <Id Name="System.Storyboarding.WindowsAppIcons.Play" Revision="1" Stencil="System.Storyboarding.WindowsAppIcons" StencilVersion="0.1"/>
 </Control>
 </file>
 
 <file path=customXml/item58.xml><?xml version="1.0" encoding="utf-8"?>
+<Control xmlns="http://schemas.microsoft.com/VisualStudio/2011/storyboarding/control">
+  <Id Name="System.Storyboarding.WindowsAppIcons.Down" Revision="1" Stencil="System.Storyboarding.WindowsAppIcons" StencilVersion="0.1"/>
+</Control>
+</file>
+
+<file path=customXml/item59.xml><?xml version="1.0" encoding="utf-8"?>
+<Control xmlns="http://schemas.microsoft.com/VisualStudio/2011/storyboarding/control">
+  <Id Name="System.Storyboarding.WindowsAppIcons.Play" Revision="1" Stencil="System.Storyboarding.WindowsAppIcons" StencilVersion="0.1"/>
+</Control>
+</file>
+
+<file path=customXml/item6.xml><?xml version="1.0" encoding="utf-8"?>
+<Control xmlns="http://schemas.microsoft.com/VisualStudio/2011/storyboarding/control">
+  <Id Name="System.Storyboarding.WindowsAppIcons.Retweet" Revision="1" Stencil="System.Storyboarding.WindowsAppIcons" StencilVersion="0.1"/>
+</Control>
+</file>
+
+<file path=customXml/item60.xml><?xml version="1.0" encoding="utf-8"?>
 <Control xmlns="http://schemas.microsoft.com/VisualStudio/2011/storyboarding/control">
   <Id Name="System.Storyboarding.WindowsPhoneIcons.Cancel" Revision="1" Stencil="System.Storyboarding.WindowsPhoneIcons" StencilVersion="0.1"/>
 </Control>
 </file>
 
-<file path=customXml/item59.xml><?xml version="1.0" encoding="utf-8"?>
+<file path=customXml/item61.xml><?xml version="1.0" encoding="utf-8"?>
+<Control xmlns="http://schemas.microsoft.com/VisualStudio/2011/storyboarding/control">
+  <Id Name="System.Storyboarding.Icons.Volume" Revision="1" Stencil="System.Storyboarding.Icons" StencilVersion="0.1"/>
+</Control>
+</file>
+
+<file path=customXml/item62.xml><?xml version="1.0" encoding="utf-8"?>
+<Control xmlns="http://schemas.microsoft.com/VisualStudio/2011/storyboarding/control">
+  <Id Name="System.Storyboarding.WindowsAppIcons.Play" Revision="1" Stencil="System.Storyboarding.WindowsAppIcons" StencilVersion="0.1"/>
+</Control>
+</file>
+
+<file path=customXml/item63.xml><?xml version="1.0" encoding="utf-8"?>
+<Control xmlns="http://schemas.microsoft.com/VisualStudio/2011/storyboarding/control">
+  <Id Name="System.Storyboarding.WindowsPhoneIcons.Cancel" Revision="1" Stencil="System.Storyboarding.WindowsPhoneIcons" StencilVersion="0.1"/>
+</Control>
+</file>
+
+<file path=customXml/item64.xml><?xml version="1.0" encoding="utf-8"?>
 <Control xmlns="http://schemas.microsoft.com/VisualStudio/2011/storyboarding/control">
   <Id Name="System.Storyboarding.WindowsAppIcons.Edit" Revision="1" Stencil="System.Storyboarding.WindowsAppIcons" StencilVersion="0.1"/>
 </Control>
 </file>
 
-<file path=customXml/item6.xml><?xml version="1.0" encoding="utf-8"?>
+<file path=customXml/item65.xml><?xml version="1.0" encoding="utf-8"?>
 <Control xmlns="http://schemas.microsoft.com/VisualStudio/2011/storyboarding/control">
-  <Id Name="System.Storyboarding.Icons.Volume" Revision="1" Stencil="System.Storyboarding.Icons" StencilVersion="0.1"/>
+  <Id Name="System.Storyboarding.WindowsAppIcons.Play" Revision="1" Stencil="System.Storyboarding.WindowsAppIcons" StencilVersion="0.1"/>
 </Control>
 </file>
 
-<file path=customXml/item60.xml><?xml version="1.0" encoding="utf-8"?>
+<file path=customXml/item66.xml><?xml version="1.0" encoding="utf-8"?>
+<Control xmlns="http://schemas.microsoft.com/VisualStudio/2011/storyboarding/control">
+  <Id Name="System.Storyboarding.WindowsAppIcons.Edit" Revision="1" Stencil="System.Storyboarding.WindowsAppIcons" StencilVersion="0.1"/>
+</Control>
+</file>
+
+<file path=customXml/item67.xml><?xml version="1.0" encoding="utf-8"?>
+<Control xmlns="http://schemas.microsoft.com/VisualStudio/2011/storyboarding/control">
+  <Id Name="e75cd7fd-d454-43ac-a2bd-cf0ac4f48652" RevisionId="8831f7ae-9100-4ae6-a512-25e5a2ad6d46" Stencil="172d6d98-e5c9-42e9-a209-79f7a94bbd38" StencilRevisionId="00000000-0000-0000-0000-000000000000" StencilVersion="0.0"/>
+</Control>
+</file>
+
+<file path=customXml/item68.xml><?xml version="1.0" encoding="utf-8"?>
+<Control xmlns="http://schemas.microsoft.com/VisualStudio/2011/storyboarding/control">
+  <Id Name="System.Storyboarding.WindowsPhoneIcons.Cancel" Revision="1" Stencil="System.Storyboarding.WindowsPhoneIcons" StencilVersion="0.1"/>
+</Control>
+</file>
+
+<file path=customXml/item7.xml><?xml version="1.0" encoding="utf-8"?>
+<Control xmlns="http://schemas.microsoft.com/VisualStudio/2011/storyboarding/control">
+  <Id Name="System.Storyboarding.WindowsAppIcons.Donotwant" Revision="1" Stencil="System.Storyboarding.WindowsAppIcons" StencilVersion="0.1"/>
+</Control>
+</file>
+
+<file path=customXml/item8.xml><?xml version="1.0" encoding="utf-8"?>
+<Control xmlns="http://schemas.microsoft.com/VisualStudio/2011/storyboarding/control">
+  <Id Name="4b4d62c4-0b58-49c3-9bd5-0f2c494cd34e" RevisionId="df283dbf-c6b0-49ce-bc2c-3341a4271bd3" Stencil="172d6d98-e5c9-42e9-a209-79f7a94bbd38" StencilRevisionId="00000000-0000-0000-0000-000000000000" StencilVersion="0.0"/>
+</Control>
+</file>
+
+<file path=customXml/item9.xml><?xml version="1.0" encoding="utf-8"?>
 <Control xmlns="http://schemas.microsoft.com/VisualStudio/2011/storyboarding/control">
   <Id Name="System.Storyboarding.WindowsPhoneIcons.Add" Revision="1" Stencil="System.Storyboarding.WindowsPhoneIcons" StencilVersion="0.1"/>
 </Control>
 </file>
 
-<file path=customXml/item61.xml><?xml version="1.0" encoding="utf-8"?>
-<Control xmlns="http://schemas.microsoft.com/VisualStudio/2011/storyboarding/control">
-  <Id Name="System.Storyboarding.WindowsPhoneIcons.Cancel" Revision="1" Stencil="System.Storyboarding.WindowsPhoneIcons" StencilVersion="0.1"/>
-</Control>
-</file>
-
-<file path=customXml/item62.xml><?xml version="1.0" encoding="utf-8"?>
-<Control xmlns="http://schemas.microsoft.com/VisualStudio/2011/storyboarding/control">
-  <Id Name="System.Storyboarding.WindowsPhoneIcons.Cancel" Revision="1" Stencil="System.Storyboarding.WindowsPhoneIcons" StencilVersion="0.1"/>
-</Control>
-</file>
-
-<file path=customXml/item63.xml><?xml version="1.0" encoding="utf-8"?>
-<Control xmlns="http://schemas.microsoft.com/VisualStudio/2011/storyboarding/control">
-  <Id Name="System.Storyboarding.WindowsAppIcons.Play" Revision="1" Stencil="System.Storyboarding.WindowsAppIcons" StencilVersion="0.1"/>
-</Control>
-</file>
-
-<file path=customXml/item64.xml><?xml version="1.0" encoding="utf-8"?>
-<Control xmlns="http://schemas.microsoft.com/VisualStudio/2011/storyboarding/control">
-  <Id Name="System.Storyboarding.WindowsPhoneIcons.Cancel" Revision="1" Stencil="System.Storyboarding.WindowsPhoneIcons" StencilVersion="0.1"/>
-</Control>
-</file>
-
-<file path=customXml/item65.xml><?xml version="1.0" encoding="utf-8"?>
-<Control xmlns="http://schemas.microsoft.com/VisualStudio/2011/storyboarding/control">
-  <Id Name="System.Storyboarding.WindowsPhoneIcons.Rewind" Revision="1" Stencil="System.Storyboarding.WindowsPhoneIcons" StencilVersion="0.1"/>
-</Control>
-</file>
-
-<file path=customXml/item66.xml><?xml version="1.0" encoding="utf-8"?>
-<Control xmlns="http://schemas.microsoft.com/VisualStudio/2011/storyboarding/control">
-  <Id Name="System.Storyboarding.WindowsAppIcons.Play" Revision="1" Stencil="System.Storyboarding.WindowsAppIcons" StencilVersion="0.1"/>
-</Control>
-</file>
-
-<file path=customXml/item67.xml><?xml version="1.0" encoding="utf-8"?>
-<Control xmlns="http://schemas.microsoft.com/VisualStudio/2011/storyboarding/control">
-  <Id Name="System.Storyboarding.Icons.FolderOpen" Revision="1" Stencil="System.Storyboarding.Icons" StencilVersion="0.1"/>
-</Control>
-</file>
-
-<file path=customXml/item68.xml><?xml version="1.0" encoding="utf-8"?>
-<Control xmlns="http://schemas.microsoft.com/VisualStudio/2011/storyboarding/control">
-  <Id Name="System.Storyboarding.WindowsAppIcons.Edit" Revision="1" Stencil="System.Storyboarding.WindowsAppIcons" StencilVersion="0.1"/>
-</Control>
-</file>
-
-<file path=customXml/item7.xml><?xml version="1.0" encoding="utf-8"?>
-<Control xmlns="http://schemas.microsoft.com/VisualStudio/2011/storyboarding/control">
-  <Id Name="System.Storyboarding.WindowsAppIcons.Edit" Revision="1" Stencil="System.Storyboarding.WindowsAppIcons" StencilVersion="0.1"/>
-</Control>
-</file>
-
-<file path=customXml/item8.xml><?xml version="1.0" encoding="utf-8"?>
-<Control xmlns="http://schemas.microsoft.com/VisualStudio/2011/storyboarding/control">
-  <Id Name="System.Storyboarding.WindowsAppIcons.Play" Revision="1" Stencil="System.Storyboarding.WindowsAppIcons" StencilVersion="0.1"/>
-</Control>
-</file>
-
-<file path=customXml/item9.xml><?xml version="1.0" encoding="utf-8"?>
-<Control xmlns="http://schemas.microsoft.com/VisualStudio/2011/storyboarding/control">
-  <Id Name="System.Storyboarding.WindowsPhoneIcons.Cancel" Revision="1" Stencil="System.Storyboarding.WindowsPhoneIcons" StencilVersion="0.1"/>
-</Control>
-</file>
-
 <file path=customXml/itemProps1.xml><?xml version="1.0" encoding="utf-8"?>
+<ds:datastoreItem xmlns:ds="http://schemas.openxmlformats.org/officeDocument/2006/customXml" ds:itemID="{CC557381-0DF9-4AE0-A746-74A48780A5BE}">
+  <ds:schemaRefs>
+    <ds:schemaRef ds:uri="http://schemas.microsoft.com/VisualStudio/2011/storyboarding/control"/>
+  </ds:schemaRefs>
+</ds:datastoreItem>
+</file>
+
+<file path=customXml/itemProps10.xml><?xml version="1.0" encoding="utf-8"?>
+<ds:datastoreItem xmlns:ds="http://schemas.openxmlformats.org/officeDocument/2006/customXml" ds:itemID="{80A2EE3F-8E5E-4E02-8371-075F75881CC2}">
+  <ds:schemaRefs>
+    <ds:schemaRef ds:uri="http://schemas.microsoft.com/VisualStudio/2011/storyboarding/control"/>
+  </ds:schemaRefs>
+</ds:datastoreItem>
+</file>
+
+<file path=customXml/itemProps11.xml><?xml version="1.0" encoding="utf-8"?>
+<ds:datastoreItem xmlns:ds="http://schemas.openxmlformats.org/officeDocument/2006/customXml" ds:itemID="{F50EEE5E-70AE-4092-8CFF-7CEEF7A1A3DA}">
+  <ds:schemaRefs>
+    <ds:schemaRef ds:uri="http://schemas.microsoft.com/VisualStudio/2011/storyboarding/control"/>
+  </ds:schemaRefs>
+</ds:datastoreItem>
+</file>
+
+<file path=customXml/itemProps12.xml><?xml version="1.0" encoding="utf-8"?>
+<ds:datastoreItem xmlns:ds="http://schemas.openxmlformats.org/officeDocument/2006/customXml" ds:itemID="{91ED1748-2ACC-4580-9DD0-53AE211F1DA7}">
+  <ds:schemaRefs>
+    <ds:schemaRef ds:uri="http://schemas.microsoft.com/VisualStudio/2011/storyboarding/control"/>
+  </ds:schemaRefs>
+</ds:datastoreItem>
+</file>
+
+<file path=customXml/itemProps13.xml><?xml version="1.0" encoding="utf-8"?>
+<ds:datastoreItem xmlns:ds="http://schemas.openxmlformats.org/officeDocument/2006/customXml" ds:itemID="{5D95BE6E-D5AB-409A-85E4-CE7D6FA00509}">
+  <ds:schemaRefs>
+    <ds:schemaRef ds:uri="http://schemas.microsoft.com/VisualStudio/2011/storyboarding/control"/>
+  </ds:schemaRefs>
+</ds:datastoreItem>
+</file>
+
+<file path=customXml/itemProps14.xml><?xml version="1.0" encoding="utf-8"?>
+<ds:datastoreItem xmlns:ds="http://schemas.openxmlformats.org/officeDocument/2006/customXml" ds:itemID="{B0DD2967-9B1E-4AF4-9E22-1FB363BF21A1}">
+  <ds:schemaRefs>
+    <ds:schemaRef ds:uri="http://schemas.microsoft.com/VisualStudio/2011/storyboarding/control"/>
+  </ds:schemaRefs>
+</ds:datastoreItem>
+</file>
+
+<file path=customXml/itemProps15.xml><?xml version="1.0" encoding="utf-8"?>
+<ds:datastoreItem xmlns:ds="http://schemas.openxmlformats.org/officeDocument/2006/customXml" ds:itemID="{855315B8-2A4D-4E8D-AAC1-C0281182FD5B}">
+  <ds:schemaRefs>
+    <ds:schemaRef ds:uri="http://schemas.microsoft.com/VisualStudio/2011/storyboarding/control"/>
+  </ds:schemaRefs>
+</ds:datastoreItem>
+</file>
+
+<file path=customXml/itemProps16.xml><?xml version="1.0" encoding="utf-8"?>
+<ds:datastoreItem xmlns:ds="http://schemas.openxmlformats.org/officeDocument/2006/customXml" ds:itemID="{A6484AF2-F055-4C78-982B-D2156684306A}">
+  <ds:schemaRefs>
+    <ds:schemaRef ds:uri="http://schemas.microsoft.com/VisualStudio/2011/storyboarding/control"/>
+  </ds:schemaRefs>
+</ds:datastoreItem>
+</file>
+
+<file path=customXml/itemProps17.xml><?xml version="1.0" encoding="utf-8"?>
+<ds:datastoreItem xmlns:ds="http://schemas.openxmlformats.org/officeDocument/2006/customXml" ds:itemID="{8B4AE673-39D1-4921-A713-E0BD45B32E43}">
+  <ds:schemaRefs>
+    <ds:schemaRef ds:uri="http://schemas.microsoft.com/VisualStudio/2011/storyboarding/control"/>
+  </ds:schemaRefs>
+</ds:datastoreItem>
+</file>
+
+<file path=customXml/itemProps18.xml><?xml version="1.0" encoding="utf-8"?>
+<ds:datastoreItem xmlns:ds="http://schemas.openxmlformats.org/officeDocument/2006/customXml" ds:itemID="{0CAA02FD-32C9-42E8-98BE-0EAAD29173F4}">
+  <ds:schemaRefs>
+    <ds:schemaRef ds:uri="http://schemas.microsoft.com/VisualStudio/2011/storyboarding/control"/>
+  </ds:schemaRefs>
+</ds:datastoreItem>
+</file>
+
+<file path=customXml/itemProps19.xml><?xml version="1.0" encoding="utf-8"?>
+<ds:datastoreItem xmlns:ds="http://schemas.openxmlformats.org/officeDocument/2006/customXml" ds:itemID="{182A85CA-4E58-49C8-8C48-758766C210A9}">
+  <ds:schemaRefs>
+    <ds:schemaRef ds:uri="http://schemas.microsoft.com/VisualStudio/2011/storyboarding/control"/>
+  </ds:schemaRefs>
+</ds:datastoreItem>
+</file>
+
+<file path=customXml/itemProps2.xml><?xml version="1.0" encoding="utf-8"?>
+<ds:datastoreItem xmlns:ds="http://schemas.openxmlformats.org/officeDocument/2006/customXml" ds:itemID="{04504D90-2CEB-4E3A-A555-86C532BE774F}">
+  <ds:schemaRefs>
+    <ds:schemaRef ds:uri="http://schemas.microsoft.com/VisualStudio/2011/storyboarding/control"/>
+  </ds:schemaRefs>
+</ds:datastoreItem>
+</file>
+
+<file path=customXml/itemProps20.xml><?xml version="1.0" encoding="utf-8"?>
+<ds:datastoreItem xmlns:ds="http://schemas.openxmlformats.org/officeDocument/2006/customXml" ds:itemID="{D8EE4C6F-B1D4-4AC9-928F-40B58F8389AA}">
+  <ds:schemaRefs>
+    <ds:schemaRef ds:uri="http://schemas.microsoft.com/VisualStudio/2011/storyboarding/control"/>
+  </ds:schemaRefs>
+</ds:datastoreItem>
+</file>
+
+<file path=customXml/itemProps21.xml><?xml version="1.0" encoding="utf-8"?>
+<ds:datastoreItem xmlns:ds="http://schemas.openxmlformats.org/officeDocument/2006/customXml" ds:itemID="{34422DFF-D2BE-4305-8DA3-E0E99CFA01F4}">
+  <ds:schemaRefs>
+    <ds:schemaRef ds:uri="http://schemas.microsoft.com/VisualStudio/2011/storyboarding/control"/>
+  </ds:schemaRefs>
+</ds:datastoreItem>
+</file>
+
+<file path=customXml/itemProps22.xml><?xml version="1.0" encoding="utf-8"?>
+<ds:datastoreItem xmlns:ds="http://schemas.openxmlformats.org/officeDocument/2006/customXml" ds:itemID="{896AE23B-403F-4EEC-900F-6E95A60A4CC1}">
+  <ds:schemaRefs>
+    <ds:schemaRef ds:uri="http://schemas.microsoft.com/VisualStudio/2011/storyboarding/control"/>
+  </ds:schemaRefs>
+</ds:datastoreItem>
+</file>
+
+<file path=customXml/itemProps23.xml><?xml version="1.0" encoding="utf-8"?>
+<ds:datastoreItem xmlns:ds="http://schemas.openxmlformats.org/officeDocument/2006/customXml" ds:itemID="{61361C12-AEB1-4243-8694-E22DB7BB0B58}">
+  <ds:schemaRefs>
+    <ds:schemaRef ds:uri="http://schemas.microsoft.com/VisualStudio/2011/storyboarding/control"/>
+  </ds:schemaRefs>
+</ds:datastoreItem>
+</file>
+
+<file path=customXml/itemProps24.xml><?xml version="1.0" encoding="utf-8"?>
+<ds:datastoreItem xmlns:ds="http://schemas.openxmlformats.org/officeDocument/2006/customXml" ds:itemID="{66C429A6-A1FB-4A44-9868-139AEFE376E0}">
+  <ds:schemaRefs>
+    <ds:schemaRef ds:uri="http://schemas.microsoft.com/VisualStudio/2011/storyboarding/control"/>
+  </ds:schemaRefs>
+</ds:datastoreItem>
+</file>
+
+<file path=customXml/itemProps25.xml><?xml version="1.0" encoding="utf-8"?>
+<ds:datastoreItem xmlns:ds="http://schemas.openxmlformats.org/officeDocument/2006/customXml" ds:itemID="{11BD6915-90EA-4F41-8AE8-401B6A2355DB}">
+  <ds:schemaRefs>
+    <ds:schemaRef ds:uri="http://schemas.microsoft.com/VisualStudio/2011/storyboarding/control"/>
+  </ds:schemaRefs>
+</ds:datastoreItem>
+</file>
+
+<file path=customXml/itemProps26.xml><?xml version="1.0" encoding="utf-8"?>
+<ds:datastoreItem xmlns:ds="http://schemas.openxmlformats.org/officeDocument/2006/customXml" ds:itemID="{0DEE920A-6ADA-48DA-B23C-E869E21EA911}">
+  <ds:schemaRefs>
+    <ds:schemaRef ds:uri="http://schemas.microsoft.com/VisualStudio/2011/storyboarding/control"/>
+  </ds:schemaRefs>
+</ds:datastoreItem>
+</file>
+
+<file path=customXml/itemProps27.xml><?xml version="1.0" encoding="utf-8"?>
+<ds:datastoreItem xmlns:ds="http://schemas.openxmlformats.org/officeDocument/2006/customXml" ds:itemID="{BC2C5481-5539-4A2E-88CE-EE6972284F48}">
+  <ds:schemaRefs>
+    <ds:schemaRef ds:uri="http://schemas.microsoft.com/VisualStudio/2011/storyboarding/control"/>
+  </ds:schemaRefs>
+</ds:datastoreItem>
+</file>
+
+<file path=customXml/itemProps28.xml><?xml version="1.0" encoding="utf-8"?>
+<ds:datastoreItem xmlns:ds="http://schemas.openxmlformats.org/officeDocument/2006/customXml" ds:itemID="{5B8607FE-59BB-43C3-BBC9-D002A93B2860}">
+  <ds:schemaRefs>
+    <ds:schemaRef ds:uri="http://schemas.microsoft.com/VisualStudio/2011/storyboarding/control"/>
+  </ds:schemaRefs>
+</ds:datastoreItem>
+</file>
+
+<file path=customXml/itemProps29.xml><?xml version="1.0" encoding="utf-8"?>
+<ds:datastoreItem xmlns:ds="http://schemas.openxmlformats.org/officeDocument/2006/customXml" ds:itemID="{8B0AB7B0-1EE2-42BF-9C41-9C904E313494}">
+  <ds:schemaRefs>
+    <ds:schemaRef ds:uri="http://schemas.microsoft.com/VisualStudio/2011/storyboarding/control"/>
+  </ds:schemaRefs>
+</ds:datastoreItem>
+</file>
+
+<file path=customXml/itemProps3.xml><?xml version="1.0" encoding="utf-8"?>
+<ds:datastoreItem xmlns:ds="http://schemas.openxmlformats.org/officeDocument/2006/customXml" ds:itemID="{35E8E4AC-13BF-495B-B0AA-5F07A0EB9441}">
+  <ds:schemaRefs>
+    <ds:schemaRef ds:uri="http://schemas.microsoft.com/VisualStudio/2011/storyboarding/control"/>
+  </ds:schemaRefs>
+</ds:datastoreItem>
+</file>
+
+<file path=customXml/itemProps30.xml><?xml version="1.0" encoding="utf-8"?>
+<ds:datastoreItem xmlns:ds="http://schemas.openxmlformats.org/officeDocument/2006/customXml" ds:itemID="{6CC874DE-6D79-4EBA-A0F5-DB01923D7AE0}">
+  <ds:schemaRefs>
+    <ds:schemaRef ds:uri="http://schemas.microsoft.com/VisualStudio/2011/storyboarding/control"/>
+  </ds:schemaRefs>
+</ds:datastoreItem>
+</file>
+
+<file path=customXml/itemProps31.xml><?xml version="1.0" encoding="utf-8"?>
 <ds:datastoreItem xmlns:ds="http://schemas.openxmlformats.org/officeDocument/2006/customXml" ds:itemID="{541D200C-886D-4393-A468-D257F7CE4C2E}">
   <ds:schemaRefs>
     <ds:schemaRef ds:uri="http://schemas.microsoft.com/VisualStudio/2011/storyboarding/control"/>
@@ -13506,47 +13983,15 @@
 </ds:datastoreItem>
 </file>
 
-<file path=customXml/itemProps10.xml><?xml version="1.0" encoding="utf-8"?>
-<ds:datastoreItem xmlns:ds="http://schemas.openxmlformats.org/officeDocument/2006/customXml" ds:itemID="{1D5DC517-E715-4F56-B43C-13839AE337F0}">
+<file path=customXml/itemProps32.xml><?xml version="1.0" encoding="utf-8"?>
+<ds:datastoreItem xmlns:ds="http://schemas.openxmlformats.org/officeDocument/2006/customXml" ds:itemID="{F9BC2D1E-7C73-45D1-9E4F-E6345E51DF2D}">
   <ds:schemaRefs>
     <ds:schemaRef ds:uri="http://schemas.microsoft.com/VisualStudio/2011/storyboarding/control"/>
   </ds:schemaRefs>
 </ds:datastoreItem>
 </file>
 
-<file path=customXml/itemProps11.xml><?xml version="1.0" encoding="utf-8"?>
-<ds:datastoreItem xmlns:ds="http://schemas.openxmlformats.org/officeDocument/2006/customXml" ds:itemID="{69819B4B-C652-4029-9D6F-1F30F2207B1C}">
-  <ds:schemaRefs>
-    <ds:schemaRef ds:uri="http://schemas.microsoft.com/VisualStudio/2011/storyboarding/control"/>
-  </ds:schemaRefs>
-</ds:datastoreItem>
-</file>
-
-<file path=customXml/itemProps12.xml><?xml version="1.0" encoding="utf-8"?>
-<ds:datastoreItem xmlns:ds="http://schemas.openxmlformats.org/officeDocument/2006/customXml" ds:itemID="{182A85CA-4E58-49C8-8C48-758766C210A9}">
-  <ds:schemaRefs>
-    <ds:schemaRef ds:uri="http://schemas.microsoft.com/VisualStudio/2011/storyboarding/control"/>
-  </ds:schemaRefs>
-</ds:datastoreItem>
-</file>
-
-<file path=customXml/itemProps13.xml><?xml version="1.0" encoding="utf-8"?>
-<ds:datastoreItem xmlns:ds="http://schemas.openxmlformats.org/officeDocument/2006/customXml" ds:itemID="{F7BFCA9F-A0B1-4AC1-AD74-CE9E4213160F}">
-  <ds:schemaRefs>
-    <ds:schemaRef ds:uri="http://schemas.microsoft.com/VisualStudio/2011/storyboarding/control"/>
-  </ds:schemaRefs>
-</ds:datastoreItem>
-</file>
-
-<file path=customXml/itemProps14.xml><?xml version="1.0" encoding="utf-8"?>
-<ds:datastoreItem xmlns:ds="http://schemas.openxmlformats.org/officeDocument/2006/customXml" ds:itemID="{10C4D8A6-492F-4C3D-BAAD-8273F297A317}">
-  <ds:schemaRefs>
-    <ds:schemaRef ds:uri="http://schemas.microsoft.com/VisualStudio/2011/storyboarding/control"/>
-  </ds:schemaRefs>
-</ds:datastoreItem>
-</file>
-
-<file path=customXml/itemProps15.xml><?xml version="1.0" encoding="utf-8"?>
+<file path=customXml/itemProps33.xml><?xml version="1.0" encoding="utf-8"?>
 <ds:datastoreItem xmlns:ds="http://schemas.openxmlformats.org/officeDocument/2006/customXml" ds:itemID="{FF1022A0-DAA8-4910-B054-25E1EE26A5AC}">
   <ds:schemaRefs>
     <ds:schemaRef ds:uri="http://schemas.microsoft.com/VisualStudio/2011/storyboarding/control"/>
@@ -13554,71 +13999,7 @@
 </ds:datastoreItem>
 </file>
 
-<file path=customXml/itemProps16.xml><?xml version="1.0" encoding="utf-8"?>
-<ds:datastoreItem xmlns:ds="http://schemas.openxmlformats.org/officeDocument/2006/customXml" ds:itemID="{B24B058A-7394-4884-87AB-3D162B4AF263}">
-  <ds:schemaRefs>
-    <ds:schemaRef ds:uri="http://schemas.microsoft.com/VisualStudio/2011/storyboarding/control"/>
-  </ds:schemaRefs>
-</ds:datastoreItem>
-</file>
-
-<file path=customXml/itemProps17.xml><?xml version="1.0" encoding="utf-8"?>
-<ds:datastoreItem xmlns:ds="http://schemas.openxmlformats.org/officeDocument/2006/customXml" ds:itemID="{D8EE4C6F-B1D4-4AC9-928F-40B58F8389AA}">
-  <ds:schemaRefs>
-    <ds:schemaRef ds:uri="http://schemas.microsoft.com/VisualStudio/2011/storyboarding/control"/>
-  </ds:schemaRefs>
-</ds:datastoreItem>
-</file>
-
-<file path=customXml/itemProps18.xml><?xml version="1.0" encoding="utf-8"?>
-<ds:datastoreItem xmlns:ds="http://schemas.openxmlformats.org/officeDocument/2006/customXml" ds:itemID="{96BD8081-566A-4B7A-9794-537613F8A560}">
-  <ds:schemaRefs>
-    <ds:schemaRef ds:uri="http://schemas.microsoft.com/VisualStudio/2011/storyboarding/control"/>
-  </ds:schemaRefs>
-</ds:datastoreItem>
-</file>
-
-<file path=customXml/itemProps19.xml><?xml version="1.0" encoding="utf-8"?>
-<ds:datastoreItem xmlns:ds="http://schemas.openxmlformats.org/officeDocument/2006/customXml" ds:itemID="{AEE75C41-50A0-4E2E-8E71-75152E4221D1}">
-  <ds:schemaRefs>
-    <ds:schemaRef ds:uri="http://schemas.microsoft.com/VisualStudio/2011/storyboarding/control"/>
-  </ds:schemaRefs>
-</ds:datastoreItem>
-</file>
-
-<file path=customXml/itemProps2.xml><?xml version="1.0" encoding="utf-8"?>
-<ds:datastoreItem xmlns:ds="http://schemas.openxmlformats.org/officeDocument/2006/customXml" ds:itemID="{2D4E3CDC-752C-421E-817A-A9D2344595DE}">
-  <ds:schemaRefs>
-    <ds:schemaRef ds:uri="http://schemas.microsoft.com/VisualStudio/2011/storyboarding/control"/>
-  </ds:schemaRefs>
-</ds:datastoreItem>
-</file>
-
-<file path=customXml/itemProps20.xml><?xml version="1.0" encoding="utf-8"?>
-<ds:datastoreItem xmlns:ds="http://schemas.openxmlformats.org/officeDocument/2006/customXml" ds:itemID="{BC2C5481-5539-4A2E-88CE-EE6972284F48}">
-  <ds:schemaRefs>
-    <ds:schemaRef ds:uri="http://schemas.microsoft.com/VisualStudio/2011/storyboarding/control"/>
-  </ds:schemaRefs>
-</ds:datastoreItem>
-</file>
-
-<file path=customXml/itemProps21.xml><?xml version="1.0" encoding="utf-8"?>
-<ds:datastoreItem xmlns:ds="http://schemas.openxmlformats.org/officeDocument/2006/customXml" ds:itemID="{E3E34527-CBA0-4787-B0F7-C2B934B5B4C4}">
-  <ds:schemaRefs>
-    <ds:schemaRef ds:uri="http://schemas.microsoft.com/VisualStudio/2011/storyboarding/control"/>
-  </ds:schemaRefs>
-</ds:datastoreItem>
-</file>
-
-<file path=customXml/itemProps22.xml><?xml version="1.0" encoding="utf-8"?>
-<ds:datastoreItem xmlns:ds="http://schemas.openxmlformats.org/officeDocument/2006/customXml" ds:itemID="{6E845879-650B-4022-A35E-856E74320ACC}">
-  <ds:schemaRefs>
-    <ds:schemaRef ds:uri="http://schemas.microsoft.com/VisualStudio/2011/storyboarding/control"/>
-  </ds:schemaRefs>
-</ds:datastoreItem>
-</file>
-
-<file path=customXml/itemProps23.xml><?xml version="1.0" encoding="utf-8"?>
+<file path=customXml/itemProps34.xml><?xml version="1.0" encoding="utf-8"?>
 <ds:datastoreItem xmlns:ds="http://schemas.openxmlformats.org/officeDocument/2006/customXml" ds:itemID="{FB9740A1-8F0C-4AA2-A2C9-15A377DC91A6}">
   <ds:schemaRefs>
     <ds:schemaRef ds:uri="http://schemas.microsoft.com/VisualStudio/2011/storyboarding/control"/>
@@ -13626,104 +14007,8 @@
 </ds:datastoreItem>
 </file>
 
-<file path=customXml/itemProps24.xml><?xml version="1.0" encoding="utf-8"?>
-<ds:datastoreItem xmlns:ds="http://schemas.openxmlformats.org/officeDocument/2006/customXml" ds:itemID="{7C81862B-608B-4E4F-9DB1-7DBCFE9F2139}">
-  <ds:schemaRefs>
-    <ds:schemaRef ds:uri="http://schemas.microsoft.com/VisualStudio/2011/storyboarding/control"/>
-  </ds:schemaRefs>
-</ds:datastoreItem>
-</file>
-
-<file path=customXml/itemProps25.xml><?xml version="1.0" encoding="utf-8"?>
-<ds:datastoreItem xmlns:ds="http://schemas.openxmlformats.org/officeDocument/2006/customXml" ds:itemID="{34422DFF-D2BE-4305-8DA3-E0E99CFA01F4}">
-  <ds:schemaRefs>
-    <ds:schemaRef ds:uri="http://schemas.microsoft.com/VisualStudio/2011/storyboarding/control"/>
-  </ds:schemaRefs>
-</ds:datastoreItem>
-</file>
-
-<file path=customXml/itemProps26.xml><?xml version="1.0" encoding="utf-8"?>
-<ds:datastoreItem xmlns:ds="http://schemas.openxmlformats.org/officeDocument/2006/customXml" ds:itemID="{A822EFA2-5211-415D-91B1-1D2F11D7CBDF}">
-  <ds:schemaRefs>
-    <ds:schemaRef ds:uri="http://schemas.microsoft.com/VisualStudio/2011/storyboarding/control"/>
-  </ds:schemaRefs>
-</ds:datastoreItem>
-</file>
-
-<file path=customXml/itemProps27.xml><?xml version="1.0" encoding="utf-8"?>
-<ds:datastoreItem xmlns:ds="http://schemas.openxmlformats.org/officeDocument/2006/customXml" ds:itemID="{ECEE1C58-60D6-4BE6-B599-4F7E9AB9E035}">
-  <ds:schemaRefs>
-    <ds:schemaRef ds:uri="http://schemas.microsoft.com/VisualStudio/2011/storyboarding/control"/>
-  </ds:schemaRefs>
-</ds:datastoreItem>
-</file>
-
-<file path=customXml/itemProps28.xml><?xml version="1.0" encoding="utf-8"?>
+<file path=customXml/itemProps35.xml><?xml version="1.0" encoding="utf-8"?>
 <ds:datastoreItem xmlns:ds="http://schemas.openxmlformats.org/officeDocument/2006/customXml" ds:itemID="{A76A203E-9FD7-42C2-8FEF-B018DFF7E4D1}">
-  <ds:schemaRefs>
-    <ds:schemaRef ds:uri="http://schemas.microsoft.com/VisualStudio/2011/storyboarding/control"/>
-  </ds:schemaRefs>
-</ds:datastoreItem>
-</file>
-
-<file path=customXml/itemProps29.xml><?xml version="1.0" encoding="utf-8"?>
-<ds:datastoreItem xmlns:ds="http://schemas.openxmlformats.org/officeDocument/2006/customXml" ds:itemID="{FDB8CFE8-3808-4247-A2FD-35E246A153DC}">
-  <ds:schemaRefs>
-    <ds:schemaRef ds:uri="http://schemas.microsoft.com/VisualStudio/2011/storyboarding/control"/>
-  </ds:schemaRefs>
-</ds:datastoreItem>
-</file>
-
-<file path=customXml/itemProps3.xml><?xml version="1.0" encoding="utf-8"?>
-<ds:datastoreItem xmlns:ds="http://schemas.openxmlformats.org/officeDocument/2006/customXml" ds:itemID="{0CAA02FD-32C9-42E8-98BE-0EAAD29173F4}">
-  <ds:schemaRefs>
-    <ds:schemaRef ds:uri="http://schemas.microsoft.com/VisualStudio/2011/storyboarding/control"/>
-  </ds:schemaRefs>
-</ds:datastoreItem>
-</file>
-
-<file path=customXml/itemProps30.xml><?xml version="1.0" encoding="utf-8"?>
-<ds:datastoreItem xmlns:ds="http://schemas.openxmlformats.org/officeDocument/2006/customXml" ds:itemID="{80A2EE3F-8E5E-4E02-8371-075F75881CC2}">
-  <ds:schemaRefs>
-    <ds:schemaRef ds:uri="http://schemas.microsoft.com/VisualStudio/2011/storyboarding/control"/>
-  </ds:schemaRefs>
-</ds:datastoreItem>
-</file>
-
-<file path=customXml/itemProps31.xml><?xml version="1.0" encoding="utf-8"?>
-<ds:datastoreItem xmlns:ds="http://schemas.openxmlformats.org/officeDocument/2006/customXml" ds:itemID="{43B5ED86-0060-4D69-806F-5CA89175AE14}">
-  <ds:schemaRefs>
-    <ds:schemaRef ds:uri="http://schemas.microsoft.com/VisualStudio/2011/storyboarding/control"/>
-  </ds:schemaRefs>
-</ds:datastoreItem>
-</file>
-
-<file path=customXml/itemProps32.xml><?xml version="1.0" encoding="utf-8"?>
-<ds:datastoreItem xmlns:ds="http://schemas.openxmlformats.org/officeDocument/2006/customXml" ds:itemID="{CC557381-0DF9-4AE0-A746-74A48780A5BE}">
-  <ds:schemaRefs>
-    <ds:schemaRef ds:uri="http://schemas.microsoft.com/VisualStudio/2011/storyboarding/control"/>
-  </ds:schemaRefs>
-</ds:datastoreItem>
-</file>
-
-<file path=customXml/itemProps33.xml><?xml version="1.0" encoding="utf-8"?>
-<ds:datastoreItem xmlns:ds="http://schemas.openxmlformats.org/officeDocument/2006/customXml" ds:itemID="{896AE23B-403F-4EEC-900F-6E95A60A4CC1}">
-  <ds:schemaRefs>
-    <ds:schemaRef ds:uri="http://schemas.microsoft.com/VisualStudio/2011/storyboarding/control"/>
-  </ds:schemaRefs>
-</ds:datastoreItem>
-</file>
-
-<file path=customXml/itemProps34.xml><?xml version="1.0" encoding="utf-8"?>
-<ds:datastoreItem xmlns:ds="http://schemas.openxmlformats.org/officeDocument/2006/customXml" ds:itemID="{2693F098-32A1-41BE-97F8-CEDAE063F99E}">
-  <ds:schemaRefs>
-    <ds:schemaRef ds:uri="http://schemas.microsoft.com/VisualStudio/2011/storyboarding/control"/>
-  </ds:schemaRefs>
-</ds:datastoreItem>
-</file>
-
-<file path=customXml/itemProps35.xml><?xml version="1.0" encoding="utf-8"?>
-<ds:datastoreItem xmlns:ds="http://schemas.openxmlformats.org/officeDocument/2006/customXml" ds:itemID="{F50EEE5E-70AE-4092-8CFF-7CEEF7A1A3DA}">
   <ds:schemaRefs>
     <ds:schemaRef ds:uri="http://schemas.microsoft.com/VisualStudio/2011/storyboarding/control"/>
   </ds:schemaRefs>
@@ -13739,7 +14024,7 @@
 </file>
 
 <file path=customXml/itemProps37.xml><?xml version="1.0" encoding="utf-8"?>
-<ds:datastoreItem xmlns:ds="http://schemas.openxmlformats.org/officeDocument/2006/customXml" ds:itemID="{04504D90-2CEB-4E3A-A555-86C532BE774F}">
+<ds:datastoreItem xmlns:ds="http://schemas.openxmlformats.org/officeDocument/2006/customXml" ds:itemID="{EFA40575-6F4E-445E-9D80-B0CC775DC0E1}">
   <ds:schemaRefs>
     <ds:schemaRef ds:uri="http://schemas.microsoft.com/VisualStudio/2011/storyboarding/control"/>
   </ds:schemaRefs>
@@ -13747,7 +14032,7 @@
 </file>
 
 <file path=customXml/itemProps38.xml><?xml version="1.0" encoding="utf-8"?>
-<ds:datastoreItem xmlns:ds="http://schemas.openxmlformats.org/officeDocument/2006/customXml" ds:itemID="{61361C12-AEB1-4243-8694-E22DB7BB0B58}">
+<ds:datastoreItem xmlns:ds="http://schemas.openxmlformats.org/officeDocument/2006/customXml" ds:itemID="{CB538EC4-2D5D-4BC6-AFD7-AF4FD42C21A7}">
   <ds:schemaRefs>
     <ds:schemaRef ds:uri="http://schemas.microsoft.com/VisualStudio/2011/storyboarding/control"/>
   </ds:schemaRefs>
@@ -13755,7 +14040,7 @@
 </file>
 
 <file path=customXml/itemProps39.xml><?xml version="1.0" encoding="utf-8"?>
-<ds:datastoreItem xmlns:ds="http://schemas.openxmlformats.org/officeDocument/2006/customXml" ds:itemID="{4B90C7DA-FFAF-434B-A961-A1A1B575F753}">
+<ds:datastoreItem xmlns:ds="http://schemas.openxmlformats.org/officeDocument/2006/customXml" ds:itemID="{1D5DC517-E715-4F56-B43C-13839AE337F0}">
   <ds:schemaRefs>
     <ds:schemaRef ds:uri="http://schemas.microsoft.com/VisualStudio/2011/storyboarding/control"/>
   </ds:schemaRefs>
@@ -13763,6 +14048,54 @@
 </file>
 
 <file path=customXml/itemProps4.xml><?xml version="1.0" encoding="utf-8"?>
+<ds:datastoreItem xmlns:ds="http://schemas.openxmlformats.org/officeDocument/2006/customXml" ds:itemID="{F8E474D2-D249-494A-827C-6C0C85F35C5A}">
+  <ds:schemaRefs>
+    <ds:schemaRef ds:uri="http://schemas.microsoft.com/VisualStudio/2011/storyboarding/control"/>
+  </ds:schemaRefs>
+</ds:datastoreItem>
+</file>
+
+<file path=customXml/itemProps40.xml><?xml version="1.0" encoding="utf-8"?>
+<ds:datastoreItem xmlns:ds="http://schemas.openxmlformats.org/officeDocument/2006/customXml" ds:itemID="{43B5ED86-0060-4D69-806F-5CA89175AE14}">
+  <ds:schemaRefs>
+    <ds:schemaRef ds:uri="http://schemas.microsoft.com/VisualStudio/2011/storyboarding/control"/>
+  </ds:schemaRefs>
+</ds:datastoreItem>
+</file>
+
+<file path=customXml/itemProps41.xml><?xml version="1.0" encoding="utf-8"?>
+<ds:datastoreItem xmlns:ds="http://schemas.openxmlformats.org/officeDocument/2006/customXml" ds:itemID="{09AAF7D3-4D9D-47F0-9621-CB53A66318C0}">
+  <ds:schemaRefs>
+    <ds:schemaRef ds:uri="http://schemas.microsoft.com/VisualStudio/2011/storyboarding/control"/>
+  </ds:schemaRefs>
+</ds:datastoreItem>
+</file>
+
+<file path=customXml/itemProps42.xml><?xml version="1.0" encoding="utf-8"?>
+<ds:datastoreItem xmlns:ds="http://schemas.openxmlformats.org/officeDocument/2006/customXml" ds:itemID="{7D8A3F15-58CA-4DA9-A6C9-5E4399E681CE}">
+  <ds:schemaRefs>
+    <ds:schemaRef ds:uri="http://schemas.microsoft.com/VisualStudio/2011/storyboarding/control"/>
+  </ds:schemaRefs>
+</ds:datastoreItem>
+</file>
+
+<file path=customXml/itemProps43.xml><?xml version="1.0" encoding="utf-8"?>
+<ds:datastoreItem xmlns:ds="http://schemas.openxmlformats.org/officeDocument/2006/customXml" ds:itemID="{99E258B9-636D-4FC3-A18B-5731CC1F850C}">
+  <ds:schemaRefs>
+    <ds:schemaRef ds:uri="http://schemas.microsoft.com/VisualStudio/2011/storyboarding/control"/>
+  </ds:schemaRefs>
+</ds:datastoreItem>
+</file>
+
+<file path=customXml/itemProps44.xml><?xml version="1.0" encoding="utf-8"?>
+<ds:datastoreItem xmlns:ds="http://schemas.openxmlformats.org/officeDocument/2006/customXml" ds:itemID="{8C16C620-F89C-496A-ABC2-EBAA770A5D2B}">
+  <ds:schemaRefs>
+    <ds:schemaRef ds:uri="http://schemas.microsoft.com/VisualStudio/2011/storyboarding/control"/>
+  </ds:schemaRefs>
+</ds:datastoreItem>
+</file>
+
+<file path=customXml/itemProps45.xml><?xml version="1.0" encoding="utf-8"?>
 <ds:datastoreItem xmlns:ds="http://schemas.openxmlformats.org/officeDocument/2006/customXml" ds:itemID="{4F1F443E-6774-443F-BAD5-FCCC4103B164}">
   <ds:schemaRefs>
     <ds:schemaRef ds:uri="http://schemas.microsoft.com/VisualStudio/2011/storyboarding/control"/>
@@ -13770,80 +14103,32 @@
 </ds:datastoreItem>
 </file>
 
-<file path=customXml/itemProps40.xml><?xml version="1.0" encoding="utf-8"?>
-<ds:datastoreItem xmlns:ds="http://schemas.openxmlformats.org/officeDocument/2006/customXml" ds:itemID="{290B1F0A-87D8-47BA-9898-8D500A95812B}">
+<file path=customXml/itemProps46.xml><?xml version="1.0" encoding="utf-8"?>
+<ds:datastoreItem xmlns:ds="http://schemas.openxmlformats.org/officeDocument/2006/customXml" ds:itemID="{DE740E6A-43E5-497F-8F78-B904C61CB614}">
   <ds:schemaRefs>
     <ds:schemaRef ds:uri="http://schemas.microsoft.com/VisualStudio/2011/storyboarding/control"/>
   </ds:schemaRefs>
 </ds:datastoreItem>
 </file>
 
-<file path=customXml/itemProps41.xml><?xml version="1.0" encoding="utf-8"?>
-<ds:datastoreItem xmlns:ds="http://schemas.openxmlformats.org/officeDocument/2006/customXml" ds:itemID="{5B8607FE-59BB-43C3-BBC9-D002A93B2860}">
+<file path=customXml/itemProps47.xml><?xml version="1.0" encoding="utf-8"?>
+<ds:datastoreItem xmlns:ds="http://schemas.openxmlformats.org/officeDocument/2006/customXml" ds:itemID="{F7BFCA9F-A0B1-4AC1-AD74-CE9E4213160F}">
   <ds:schemaRefs>
     <ds:schemaRef ds:uri="http://schemas.microsoft.com/VisualStudio/2011/storyboarding/control"/>
   </ds:schemaRefs>
 </ds:datastoreItem>
 </file>
 
-<file path=customXml/itemProps42.xml><?xml version="1.0" encoding="utf-8"?>
-<ds:datastoreItem xmlns:ds="http://schemas.openxmlformats.org/officeDocument/2006/customXml" ds:itemID="{0F4FBE72-4778-4A80-9A59-1EAA7879E88B}">
+<file path=customXml/itemProps48.xml><?xml version="1.0" encoding="utf-8"?>
+<ds:datastoreItem xmlns:ds="http://schemas.openxmlformats.org/officeDocument/2006/customXml" ds:itemID="{96BD8081-566A-4B7A-9794-537613F8A560}">
   <ds:schemaRefs>
     <ds:schemaRef ds:uri="http://schemas.microsoft.com/VisualStudio/2011/storyboarding/control"/>
   </ds:schemaRefs>
 </ds:datastoreItem>
 </file>
 
-<file path=customXml/itemProps43.xml><?xml version="1.0" encoding="utf-8"?>
-<ds:datastoreItem xmlns:ds="http://schemas.openxmlformats.org/officeDocument/2006/customXml" ds:itemID="{91ED1748-2ACC-4580-9DD0-53AE211F1DA7}">
-  <ds:schemaRefs>
-    <ds:schemaRef ds:uri="http://schemas.microsoft.com/VisualStudio/2011/storyboarding/control"/>
-  </ds:schemaRefs>
-</ds:datastoreItem>
-</file>
-
-<file path=customXml/itemProps44.xml><?xml version="1.0" encoding="utf-8"?>
-<ds:datastoreItem xmlns:ds="http://schemas.openxmlformats.org/officeDocument/2006/customXml" ds:itemID="{09AAF7D3-4D9D-47F0-9621-CB53A66318C0}">
-  <ds:schemaRefs>
-    <ds:schemaRef ds:uri="http://schemas.microsoft.com/VisualStudio/2011/storyboarding/control"/>
-  </ds:schemaRefs>
-</ds:datastoreItem>
-</file>
-
-<file path=customXml/itemProps45.xml><?xml version="1.0" encoding="utf-8"?>
-<ds:datastoreItem xmlns:ds="http://schemas.openxmlformats.org/officeDocument/2006/customXml" ds:itemID="{540C3353-3E36-4F77-9C4A-0DB4A5D7CCD1}">
-  <ds:schemaRefs>
-    <ds:schemaRef ds:uri="http://schemas.microsoft.com/VisualStudio/2011/storyboarding/control"/>
-  </ds:schemaRefs>
-</ds:datastoreItem>
-</file>
-
-<file path=customXml/itemProps46.xml><?xml version="1.0" encoding="utf-8"?>
-<ds:datastoreItem xmlns:ds="http://schemas.openxmlformats.org/officeDocument/2006/customXml" ds:itemID="{66C429A6-A1FB-4A44-9868-139AEFE376E0}">
-  <ds:schemaRefs>
-    <ds:schemaRef ds:uri="http://schemas.microsoft.com/VisualStudio/2011/storyboarding/control"/>
-  </ds:schemaRefs>
-</ds:datastoreItem>
-</file>
-
-<file path=customXml/itemProps47.xml><?xml version="1.0" encoding="utf-8"?>
-<ds:datastoreItem xmlns:ds="http://schemas.openxmlformats.org/officeDocument/2006/customXml" ds:itemID="{6BD8AD1D-48A9-4F6D-9433-F36CBEB3125F}">
-  <ds:schemaRefs>
-    <ds:schemaRef ds:uri="http://schemas.microsoft.com/VisualStudio/2011/storyboarding/control"/>
-  </ds:schemaRefs>
-</ds:datastoreItem>
-</file>
-
-<file path=customXml/itemProps48.xml><?xml version="1.0" encoding="utf-8"?>
-<ds:datastoreItem xmlns:ds="http://schemas.openxmlformats.org/officeDocument/2006/customXml" ds:itemID="{5D95BE6E-D5AB-409A-85E4-CE7D6FA00509}">
-  <ds:schemaRefs>
-    <ds:schemaRef ds:uri="http://schemas.microsoft.com/VisualStudio/2011/storyboarding/control"/>
-  </ds:schemaRefs>
-</ds:datastoreItem>
-</file>
-
 <file path=customXml/itemProps49.xml><?xml version="1.0" encoding="utf-8"?>
-<ds:datastoreItem xmlns:ds="http://schemas.openxmlformats.org/officeDocument/2006/customXml" ds:itemID="{EFA40575-6F4E-445E-9D80-B0CC775DC0E1}">
+<ds:datastoreItem xmlns:ds="http://schemas.openxmlformats.org/officeDocument/2006/customXml" ds:itemID="{4B90C7DA-FFAF-434B-A961-A1A1B575F753}">
   <ds:schemaRefs>
     <ds:schemaRef ds:uri="http://schemas.microsoft.com/VisualStudio/2011/storyboarding/control"/>
   </ds:schemaRefs>
@@ -13859,6 +14144,14 @@
 </file>
 
 <file path=customXml/itemProps50.xml><?xml version="1.0" encoding="utf-8"?>
+<ds:datastoreItem xmlns:ds="http://schemas.openxmlformats.org/officeDocument/2006/customXml" ds:itemID="{2693F098-32A1-41BE-97F8-CEDAE063F99E}">
+  <ds:schemaRefs>
+    <ds:schemaRef ds:uri="http://schemas.microsoft.com/VisualStudio/2011/storyboarding/control"/>
+  </ds:schemaRefs>
+</ds:datastoreItem>
+</file>
+
+<file path=customXml/itemProps51.xml><?xml version="1.0" encoding="utf-8"?>
 <ds:datastoreItem xmlns:ds="http://schemas.openxmlformats.org/officeDocument/2006/customXml" ds:itemID="{2C816A0A-85BC-4830-BAEE-1F53C8E67489}">
   <ds:schemaRefs>
     <ds:schemaRef ds:uri="http://schemas.microsoft.com/VisualStudio/2011/storyboarding/control"/>
@@ -13866,39 +14159,7 @@
 </ds:datastoreItem>
 </file>
 
-<file path=customXml/itemProps51.xml><?xml version="1.0" encoding="utf-8"?>
-<ds:datastoreItem xmlns:ds="http://schemas.openxmlformats.org/officeDocument/2006/customXml" ds:itemID="{8B4AE673-39D1-4921-A713-E0BD45B32E43}">
-  <ds:schemaRefs>
-    <ds:schemaRef ds:uri="http://schemas.microsoft.com/VisualStudio/2011/storyboarding/control"/>
-  </ds:schemaRefs>
-</ds:datastoreItem>
-</file>
-
 <file path=customXml/itemProps52.xml><?xml version="1.0" encoding="utf-8"?>
-<ds:datastoreItem xmlns:ds="http://schemas.openxmlformats.org/officeDocument/2006/customXml" ds:itemID="{7D8A3F15-58CA-4DA9-A6C9-5E4399E681CE}">
-  <ds:schemaRefs>
-    <ds:schemaRef ds:uri="http://schemas.microsoft.com/VisualStudio/2011/storyboarding/control"/>
-  </ds:schemaRefs>
-</ds:datastoreItem>
-</file>
-
-<file path=customXml/itemProps53.xml><?xml version="1.0" encoding="utf-8"?>
-<ds:datastoreItem xmlns:ds="http://schemas.openxmlformats.org/officeDocument/2006/customXml" ds:itemID="{35E8E4AC-13BF-495B-B0AA-5F07A0EB9441}">
-  <ds:schemaRefs>
-    <ds:schemaRef ds:uri="http://schemas.microsoft.com/VisualStudio/2011/storyboarding/control"/>
-  </ds:schemaRefs>
-</ds:datastoreItem>
-</file>
-
-<file path=customXml/itemProps54.xml><?xml version="1.0" encoding="utf-8"?>
-<ds:datastoreItem xmlns:ds="http://schemas.openxmlformats.org/officeDocument/2006/customXml" ds:itemID="{8B0AB7B0-1EE2-42BF-9C41-9C904E313494}">
-  <ds:schemaRefs>
-    <ds:schemaRef ds:uri="http://schemas.microsoft.com/VisualStudio/2011/storyboarding/control"/>
-  </ds:schemaRefs>
-</ds:datastoreItem>
-</file>
-
-<file path=customXml/itemProps55.xml><?xml version="1.0" encoding="utf-8"?>
 <ds:datastoreItem xmlns:ds="http://schemas.openxmlformats.org/officeDocument/2006/customXml" ds:itemID="{8A7670A8-5D8A-499C-9FEE-E0BBB4E6BEFF}">
   <ds:schemaRefs>
     <ds:schemaRef ds:uri="http://schemas.microsoft.com/VisualStudio/2011/storyboarding/control"/>
@@ -13906,55 +14167,71 @@
 </ds:datastoreItem>
 </file>
 
-<file path=customXml/itemProps56.xml><?xml version="1.0" encoding="utf-8"?>
-<ds:datastoreItem xmlns:ds="http://schemas.openxmlformats.org/officeDocument/2006/customXml" ds:itemID="{B0DD2967-9B1E-4AF4-9E22-1FB363BF21A1}">
+<file path=customXml/itemProps53.xml><?xml version="1.0" encoding="utf-8"?>
+<ds:datastoreItem xmlns:ds="http://schemas.openxmlformats.org/officeDocument/2006/customXml" ds:itemID="{EC8AFA28-5388-46A0-B0AF-CDC06E1AFD31}">
   <ds:schemaRefs>
     <ds:schemaRef ds:uri="http://schemas.microsoft.com/VisualStudio/2011/storyboarding/control"/>
   </ds:schemaRefs>
 </ds:datastoreItem>
 </file>
 
-<file path=customXml/itemProps57.xml><?xml version="1.0" encoding="utf-8"?>
-<ds:datastoreItem xmlns:ds="http://schemas.openxmlformats.org/officeDocument/2006/customXml" ds:itemID="{CB538EC4-2D5D-4BC6-AFD7-AF4FD42C21A7}">
+<file path=customXml/itemProps54.xml><?xml version="1.0" encoding="utf-8"?>
+<ds:datastoreItem xmlns:ds="http://schemas.openxmlformats.org/officeDocument/2006/customXml" ds:itemID="{2D4E3CDC-752C-421E-817A-A9D2344595DE}">
   <ds:schemaRefs>
     <ds:schemaRef ds:uri="http://schemas.microsoft.com/VisualStudio/2011/storyboarding/control"/>
   </ds:schemaRefs>
 </ds:datastoreItem>
 </file>
 
-<file path=customXml/itemProps58.xml><?xml version="1.0" encoding="utf-8"?>
-<ds:datastoreItem xmlns:ds="http://schemas.openxmlformats.org/officeDocument/2006/customXml" ds:itemID="{F8E474D2-D249-494A-827C-6C0C85F35C5A}">
+<file path=customXml/itemProps55.xml><?xml version="1.0" encoding="utf-8"?>
+<ds:datastoreItem xmlns:ds="http://schemas.openxmlformats.org/officeDocument/2006/customXml" ds:itemID="{FDB8CFE8-3808-4247-A2FD-35E246A153DC}">
   <ds:schemaRefs>
     <ds:schemaRef ds:uri="http://schemas.microsoft.com/VisualStudio/2011/storyboarding/control"/>
   </ds:schemaRefs>
 </ds:datastoreItem>
 </file>
 
-<file path=customXml/itemProps59.xml><?xml version="1.0" encoding="utf-8"?>
-<ds:datastoreItem xmlns:ds="http://schemas.openxmlformats.org/officeDocument/2006/customXml" ds:itemID="{11BD6915-90EA-4F41-8AE8-401B6A2355DB}">
+<file path=customXml/itemProps56.xml><?xml version="1.0" encoding="utf-8"?>
+<ds:datastoreItem xmlns:ds="http://schemas.openxmlformats.org/officeDocument/2006/customXml" ds:itemID="{7C81862B-608B-4E4F-9DB1-7DBCFE9F2139}">
   <ds:schemaRefs>
     <ds:schemaRef ds:uri="http://schemas.microsoft.com/VisualStudio/2011/storyboarding/control"/>
   </ds:schemaRefs>
 </ds:datastoreItem>
 </file>
 
-<file path=customXml/itemProps6.xml><?xml version="1.0" encoding="utf-8"?>
-<ds:datastoreItem xmlns:ds="http://schemas.openxmlformats.org/officeDocument/2006/customXml" ds:itemID="{F9BC2D1E-7C73-45D1-9E4F-E6345E51DF2D}">
+<file path=customXml/itemProps57.xml><?xml version="1.0" encoding="utf-8"?>
+<ds:datastoreItem xmlns:ds="http://schemas.openxmlformats.org/officeDocument/2006/customXml" ds:itemID="{290B1F0A-87D8-47BA-9898-8D500A95812B}">
   <ds:schemaRefs>
     <ds:schemaRef ds:uri="http://schemas.microsoft.com/VisualStudio/2011/storyboarding/control"/>
   </ds:schemaRefs>
 </ds:datastoreItem>
 </file>
 
-<file path=customXml/itemProps60.xml><?xml version="1.0" encoding="utf-8"?>
-<ds:datastoreItem xmlns:ds="http://schemas.openxmlformats.org/officeDocument/2006/customXml" ds:itemID="{99E258B9-636D-4FC3-A18B-5731CC1F850C}">
+<file path=customXml/itemProps58.xml><?xml version="1.0" encoding="utf-8"?>
+<ds:datastoreItem xmlns:ds="http://schemas.openxmlformats.org/officeDocument/2006/customXml" ds:itemID="{540C3353-3E36-4F77-9C4A-0DB4A5D7CCD1}">
   <ds:schemaRefs>
     <ds:schemaRef ds:uri="http://schemas.microsoft.com/VisualStudio/2011/storyboarding/control"/>
   </ds:schemaRefs>
 </ds:datastoreItem>
 </file>
 
-<file path=customXml/itemProps61.xml><?xml version="1.0" encoding="utf-8"?>
+<file path=customXml/itemProps59.xml><?xml version="1.0" encoding="utf-8"?>
+<ds:datastoreItem xmlns:ds="http://schemas.openxmlformats.org/officeDocument/2006/customXml" ds:itemID="{2DB54B02-095B-4767-A849-7F09D55BDBEC}">
+  <ds:schemaRefs>
+    <ds:schemaRef ds:uri="http://schemas.microsoft.com/VisualStudio/2011/storyboarding/control"/>
+  </ds:schemaRefs>
+</ds:datastoreItem>
+</file>
+
+<file path=customXml/itemProps6.xml><?xml version="1.0" encoding="utf-8"?>
+<ds:datastoreItem xmlns:ds="http://schemas.openxmlformats.org/officeDocument/2006/customXml" ds:itemID="{AEE75C41-50A0-4E2E-8E71-75152E4221D1}">
+  <ds:schemaRefs>
+    <ds:schemaRef ds:uri="http://schemas.microsoft.com/VisualStudio/2011/storyboarding/control"/>
+  </ds:schemaRefs>
+</ds:datastoreItem>
+</file>
+
+<file path=customXml/itemProps60.xml><?xml version="1.0" encoding="utf-8"?>
 <ds:datastoreItem xmlns:ds="http://schemas.openxmlformats.org/officeDocument/2006/customXml" ds:itemID="{27542DCB-8EFC-47CA-8570-0C93F332B27B}">
   <ds:schemaRefs>
     <ds:schemaRef ds:uri="http://schemas.microsoft.com/VisualStudio/2011/storyboarding/control"/>
@@ -13962,15 +14239,39 @@
 </ds:datastoreItem>
 </file>
 
-<file path=customXml/itemProps62.xml><?xml version="1.0" encoding="utf-8"?>
-<ds:datastoreItem xmlns:ds="http://schemas.openxmlformats.org/officeDocument/2006/customXml" ds:itemID="{6CC874DE-6D79-4EBA-A0F5-DB01923D7AE0}">
+<file path=customXml/itemProps61.xml><?xml version="1.0" encoding="utf-8"?>
+<ds:datastoreItem xmlns:ds="http://schemas.openxmlformats.org/officeDocument/2006/customXml" ds:itemID="{A822EFA2-5211-415D-91B1-1D2F11D7CBDF}">
   <ds:schemaRefs>
     <ds:schemaRef ds:uri="http://schemas.microsoft.com/VisualStudio/2011/storyboarding/control"/>
   </ds:schemaRefs>
 </ds:datastoreItem>
 </file>
 
+<file path=customXml/itemProps62.xml><?xml version="1.0" encoding="utf-8"?>
+<ds:datastoreItem xmlns:ds="http://schemas.openxmlformats.org/officeDocument/2006/customXml" ds:itemID="{E3E34527-CBA0-4787-B0F7-C2B934B5B4C4}">
+  <ds:schemaRefs>
+    <ds:schemaRef ds:uri="http://schemas.microsoft.com/VisualStudio/2011/storyboarding/control"/>
+  </ds:schemaRefs>
+</ds:datastoreItem>
+</file>
+
 <file path=customXml/itemProps63.xml><?xml version="1.0" encoding="utf-8"?>
+<ds:datastoreItem xmlns:ds="http://schemas.openxmlformats.org/officeDocument/2006/customXml" ds:itemID="{0F4FBE72-4778-4A80-9A59-1EAA7879E88B}">
+  <ds:schemaRefs>
+    <ds:schemaRef ds:uri="http://schemas.microsoft.com/VisualStudio/2011/storyboarding/control"/>
+  </ds:schemaRefs>
+</ds:datastoreItem>
+</file>
+
+<file path=customXml/itemProps64.xml><?xml version="1.0" encoding="utf-8"?>
+<ds:datastoreItem xmlns:ds="http://schemas.openxmlformats.org/officeDocument/2006/customXml" ds:itemID="{6BD8AD1D-48A9-4F6D-9433-F36CBEB3125F}">
+  <ds:schemaRefs>
+    <ds:schemaRef ds:uri="http://schemas.microsoft.com/VisualStudio/2011/storyboarding/control"/>
+  </ds:schemaRefs>
+</ds:datastoreItem>
+</file>
+
+<file path=customXml/itemProps65.xml><?xml version="1.0" encoding="utf-8"?>
 <ds:datastoreItem xmlns:ds="http://schemas.openxmlformats.org/officeDocument/2006/customXml" ds:itemID="{FBDB9D4B-5D23-4316-AE7E-E386D2E702D4}">
   <ds:schemaRefs>
     <ds:schemaRef ds:uri="http://schemas.microsoft.com/VisualStudio/2011/storyboarding/control"/>
@@ -13978,39 +14279,7 @@
 </ds:datastoreItem>
 </file>
 
-<file path=customXml/itemProps64.xml><?xml version="1.0" encoding="utf-8"?>
-<ds:datastoreItem xmlns:ds="http://schemas.openxmlformats.org/officeDocument/2006/customXml" ds:itemID="{855315B8-2A4D-4E8D-AAC1-C0281182FD5B}">
-  <ds:schemaRefs>
-    <ds:schemaRef ds:uri="http://schemas.microsoft.com/VisualStudio/2011/storyboarding/control"/>
-  </ds:schemaRefs>
-</ds:datastoreItem>
-</file>
-
-<file path=customXml/itemProps65.xml><?xml version="1.0" encoding="utf-8"?>
-<ds:datastoreItem xmlns:ds="http://schemas.openxmlformats.org/officeDocument/2006/customXml" ds:itemID="{8C16C620-F89C-496A-ABC2-EBAA770A5D2B}">
-  <ds:schemaRefs>
-    <ds:schemaRef ds:uri="http://schemas.microsoft.com/VisualStudio/2011/storyboarding/control"/>
-  </ds:schemaRefs>
-</ds:datastoreItem>
-</file>
-
 <file path=customXml/itemProps66.xml><?xml version="1.0" encoding="utf-8"?>
-<ds:datastoreItem xmlns:ds="http://schemas.openxmlformats.org/officeDocument/2006/customXml" ds:itemID="{2DB54B02-095B-4767-A849-7F09D55BDBEC}">
-  <ds:schemaRefs>
-    <ds:schemaRef ds:uri="http://schemas.microsoft.com/VisualStudio/2011/storyboarding/control"/>
-  </ds:schemaRefs>
-</ds:datastoreItem>
-</file>
-
-<file path=customXml/itemProps67.xml><?xml version="1.0" encoding="utf-8"?>
-<ds:datastoreItem xmlns:ds="http://schemas.openxmlformats.org/officeDocument/2006/customXml" ds:itemID="{0DEE920A-6ADA-48DA-B23C-E869E21EA911}">
-  <ds:schemaRefs>
-    <ds:schemaRef ds:uri="http://schemas.microsoft.com/VisualStudio/2011/storyboarding/control"/>
-  </ds:schemaRefs>
-</ds:datastoreItem>
-</file>
-
-<file path=customXml/itemProps68.xml><?xml version="1.0" encoding="utf-8"?>
 <ds:datastoreItem xmlns:ds="http://schemas.openxmlformats.org/officeDocument/2006/customXml" ds:itemID="{6AC15D59-1985-4B02-A204-9FA5E328EF32}">
   <ds:schemaRefs>
     <ds:schemaRef ds:uri="http://schemas.microsoft.com/VisualStudio/2011/storyboarding/control"/>
@@ -14018,24 +14287,40 @@
 </ds:datastoreItem>
 </file>
 
-<file path=customXml/itemProps7.xml><?xml version="1.0" encoding="utf-8"?>
-<ds:datastoreItem xmlns:ds="http://schemas.openxmlformats.org/officeDocument/2006/customXml" ds:itemID="{EC8AFA28-5388-46A0-B0AF-CDC06E1AFD31}">
+<file path=customXml/itemProps67.xml><?xml version="1.0" encoding="utf-8"?>
+<ds:datastoreItem xmlns:ds="http://schemas.openxmlformats.org/officeDocument/2006/customXml" ds:itemID="{B24B058A-7394-4884-87AB-3D162B4AF263}">
   <ds:schemaRefs>
     <ds:schemaRef ds:uri="http://schemas.microsoft.com/VisualStudio/2011/storyboarding/control"/>
   </ds:schemaRefs>
 </ds:datastoreItem>
 </file>
 
-<file path=customXml/itemProps8.xml><?xml version="1.0" encoding="utf-8"?>
-<ds:datastoreItem xmlns:ds="http://schemas.openxmlformats.org/officeDocument/2006/customXml" ds:itemID="{A6484AF2-F055-4C78-982B-D2156684306A}">
+<file path=customXml/itemProps68.xml><?xml version="1.0" encoding="utf-8"?>
+<ds:datastoreItem xmlns:ds="http://schemas.openxmlformats.org/officeDocument/2006/customXml" ds:itemID="{69819B4B-C652-4029-9D6F-1F30F2207B1C}">
   <ds:schemaRefs>
     <ds:schemaRef ds:uri="http://schemas.microsoft.com/VisualStudio/2011/storyboarding/control"/>
   </ds:schemaRefs>
 </ds:datastoreItem>
 </file>
 
+<file path=customXml/itemProps7.xml><?xml version="1.0" encoding="utf-8"?>
+<ds:datastoreItem xmlns:ds="http://schemas.openxmlformats.org/officeDocument/2006/customXml" ds:itemID="{10C4D8A6-492F-4C3D-BAAD-8273F297A317}">
+  <ds:schemaRefs>
+    <ds:schemaRef ds:uri="http://schemas.microsoft.com/VisualStudio/2011/storyboarding/control"/>
+  </ds:schemaRefs>
+</ds:datastoreItem>
+</file>
+
+<file path=customXml/itemProps8.xml><?xml version="1.0" encoding="utf-8"?>
+<ds:datastoreItem xmlns:ds="http://schemas.openxmlformats.org/officeDocument/2006/customXml" ds:itemID="{6E845879-650B-4022-A35E-856E74320ACC}">
+  <ds:schemaRefs>
+    <ds:schemaRef ds:uri="http://schemas.microsoft.com/VisualStudio/2011/storyboarding/control"/>
+  </ds:schemaRefs>
+</ds:datastoreItem>
+</file>
+
 <file path=customXml/itemProps9.xml><?xml version="1.0" encoding="utf-8"?>
-<ds:datastoreItem xmlns:ds="http://schemas.openxmlformats.org/officeDocument/2006/customXml" ds:itemID="{DE740E6A-43E5-497F-8F78-B904C61CB614}">
+<ds:datastoreItem xmlns:ds="http://schemas.openxmlformats.org/officeDocument/2006/customXml" ds:itemID="{ECEE1C58-60D6-4BE6-B599-4F7E9AB9E035}">
   <ds:schemaRefs>
     <ds:schemaRef ds:uri="http://schemas.microsoft.com/VisualStudio/2011/storyboarding/control"/>
   </ds:schemaRefs>

--- a/Prototype/Icon.pptx
+++ b/Prototype/Icon.pptx
@@ -271,7 +271,7 @@
           <a:p>
             <a:fld id="{245C2C28-0D12-4EC8-9616-6109F8E9BCEB}" type="datetimeFigureOut">
               <a:rPr lang="en-US" smtClean="0"/>
-              <a:t>4/29/2019</a:t>
+              <a:t>4/30/2019</a:t>
             </a:fld>
             <a:endParaRPr lang="en-US"/>
           </a:p>
@@ -469,7 +469,7 @@
           <a:p>
             <a:fld id="{245C2C28-0D12-4EC8-9616-6109F8E9BCEB}" type="datetimeFigureOut">
               <a:rPr lang="en-US" smtClean="0"/>
-              <a:t>4/29/2019</a:t>
+              <a:t>4/30/2019</a:t>
             </a:fld>
             <a:endParaRPr lang="en-US"/>
           </a:p>
@@ -677,7 +677,7 @@
           <a:p>
             <a:fld id="{245C2C28-0D12-4EC8-9616-6109F8E9BCEB}" type="datetimeFigureOut">
               <a:rPr lang="en-US" smtClean="0"/>
-              <a:t>4/29/2019</a:t>
+              <a:t>4/30/2019</a:t>
             </a:fld>
             <a:endParaRPr lang="en-US"/>
           </a:p>
@@ -875,7 +875,7 @@
           <a:p>
             <a:fld id="{245C2C28-0D12-4EC8-9616-6109F8E9BCEB}" type="datetimeFigureOut">
               <a:rPr lang="en-US" smtClean="0"/>
-              <a:t>4/29/2019</a:t>
+              <a:t>4/30/2019</a:t>
             </a:fld>
             <a:endParaRPr lang="en-US"/>
           </a:p>
@@ -1150,7 +1150,7 @@
           <a:p>
             <a:fld id="{245C2C28-0D12-4EC8-9616-6109F8E9BCEB}" type="datetimeFigureOut">
               <a:rPr lang="en-US" smtClean="0"/>
-              <a:t>4/29/2019</a:t>
+              <a:t>4/30/2019</a:t>
             </a:fld>
             <a:endParaRPr lang="en-US"/>
           </a:p>
@@ -1415,7 +1415,7 @@
           <a:p>
             <a:fld id="{245C2C28-0D12-4EC8-9616-6109F8E9BCEB}" type="datetimeFigureOut">
               <a:rPr lang="en-US" smtClean="0"/>
-              <a:t>4/29/2019</a:t>
+              <a:t>4/30/2019</a:t>
             </a:fld>
             <a:endParaRPr lang="en-US"/>
           </a:p>
@@ -1827,7 +1827,7 @@
           <a:p>
             <a:fld id="{245C2C28-0D12-4EC8-9616-6109F8E9BCEB}" type="datetimeFigureOut">
               <a:rPr lang="en-US" smtClean="0"/>
-              <a:t>4/29/2019</a:t>
+              <a:t>4/30/2019</a:t>
             </a:fld>
             <a:endParaRPr lang="en-US"/>
           </a:p>
@@ -1968,7 +1968,7 @@
           <a:p>
             <a:fld id="{245C2C28-0D12-4EC8-9616-6109F8E9BCEB}" type="datetimeFigureOut">
               <a:rPr lang="en-US" smtClean="0"/>
-              <a:t>4/29/2019</a:t>
+              <a:t>4/30/2019</a:t>
             </a:fld>
             <a:endParaRPr lang="en-US"/>
           </a:p>
@@ -2081,7 +2081,7 @@
           <a:p>
             <a:fld id="{245C2C28-0D12-4EC8-9616-6109F8E9BCEB}" type="datetimeFigureOut">
               <a:rPr lang="en-US" smtClean="0"/>
-              <a:t>4/29/2019</a:t>
+              <a:t>4/30/2019</a:t>
             </a:fld>
             <a:endParaRPr lang="en-US"/>
           </a:p>
@@ -2392,7 +2392,7 @@
           <a:p>
             <a:fld id="{245C2C28-0D12-4EC8-9616-6109F8E9BCEB}" type="datetimeFigureOut">
               <a:rPr lang="en-US" smtClean="0"/>
-              <a:t>4/29/2019</a:t>
+              <a:t>4/30/2019</a:t>
             </a:fld>
             <a:endParaRPr lang="en-US"/>
           </a:p>
@@ -2680,7 +2680,7 @@
           <a:p>
             <a:fld id="{245C2C28-0D12-4EC8-9616-6109F8E9BCEB}" type="datetimeFigureOut">
               <a:rPr lang="en-US" smtClean="0"/>
-              <a:t>4/29/2019</a:t>
+              <a:t>4/30/2019</a:t>
             </a:fld>
             <a:endParaRPr lang="en-US"/>
           </a:p>
@@ -2921,7 +2921,7 @@
           <a:p>
             <a:fld id="{245C2C28-0D12-4EC8-9616-6109F8E9BCEB}" type="datetimeFigureOut">
               <a:rPr lang="en-US" smtClean="0"/>
-              <a:t>4/29/2019</a:t>
+              <a:t>4/30/2019</a:t>
             </a:fld>
             <a:endParaRPr lang="en-US"/>
           </a:p>
@@ -9981,10 +9981,10 @@
       </p:pic>
       <p:pic>
         <p:nvPicPr>
-          <p:cNvPr id="26" name="Graphic 25" descr="Music">
-            <a:extLst>
-              <a:ext uri="{FF2B5EF4-FFF2-40B4-BE49-F238E27FC236}">
-                <a16:creationId xmlns:a16="http://schemas.microsoft.com/office/drawing/2014/main" id="{3E0A4779-05CB-4F00-8434-D10507C1A2AC}"/>
+          <p:cNvPr id="28" name="Graphic 27" descr="Return">
+            <a:extLst>
+              <a:ext uri="{FF2B5EF4-FFF2-40B4-BE49-F238E27FC236}">
+                <a16:creationId xmlns:a16="http://schemas.microsoft.com/office/drawing/2014/main" id="{D78FD003-8303-4208-8444-55A87038F7A0}"/>
               </a:ext>
             </a:extLst>
           </p:cNvPr>
@@ -10010,45 +10010,6 @@
         </p:blipFill>
         <p:spPr>
           <a:xfrm>
-            <a:off x="5638800" y="2971800"/>
-            <a:ext cx="914400" cy="914400"/>
-          </a:xfrm>
-          <a:prstGeom prst="rect">
-            <a:avLst/>
-          </a:prstGeom>
-        </p:spPr>
-      </p:pic>
-      <p:pic>
-        <p:nvPicPr>
-          <p:cNvPr id="28" name="Graphic 27" descr="Return">
-            <a:extLst>
-              <a:ext uri="{FF2B5EF4-FFF2-40B4-BE49-F238E27FC236}">
-                <a16:creationId xmlns:a16="http://schemas.microsoft.com/office/drawing/2014/main" id="{D78FD003-8303-4208-8444-55A87038F7A0}"/>
-              </a:ext>
-            </a:extLst>
-          </p:cNvPr>
-          <p:cNvPicPr>
-            <a:picLocks noChangeAspect="1"/>
-          </p:cNvPicPr>
-          <p:nvPr/>
-        </p:nvPicPr>
-        <p:blipFill>
-          <a:blip r:embed="rId31">
-            <a:extLst>
-              <a:ext uri="{28A0092B-C50C-407E-A947-70E740481C1C}">
-                <a14:useLocalDpi xmlns:a14="http://schemas.microsoft.com/office/drawing/2010/main" val="0"/>
-              </a:ext>
-              <a:ext uri="{96DAC541-7B7A-43D3-8B79-37D633B846F1}">
-                <asvg:svgBlip xmlns:asvg="http://schemas.microsoft.com/office/drawing/2016/SVG/main" r:embed="rId32"/>
-              </a:ext>
-            </a:extLst>
-          </a:blip>
-          <a:stretch>
-            <a:fillRect/>
-          </a:stretch>
-        </p:blipFill>
-        <p:spPr>
-          <a:xfrm>
             <a:off x="933384" y="6032178"/>
             <a:ext cx="345429" cy="345429"/>
           </a:xfrm>
@@ -10072,7 +10033,7 @@
         <p:spPr>
           <a:xfrm>
             <a:off x="7209571" y="1448256"/>
-            <a:ext cx="2091843" cy="2437944"/>
+            <a:ext cx="2091843" cy="4844544"/>
           </a:xfrm>
           <a:prstGeom prst="rect">
             <a:avLst/>
@@ -10162,13 +10123,13 @@
           <p:nvPr/>
         </p:nvPicPr>
         <p:blipFill>
-          <a:blip r:embed="rId33">
+          <a:blip r:embed="rId31">
             <a:extLst>
               <a:ext uri="{28A0092B-C50C-407E-A947-70E740481C1C}">
                 <a14:useLocalDpi xmlns:a14="http://schemas.microsoft.com/office/drawing/2010/main" val="0"/>
               </a:ext>
               <a:ext uri="{96DAC541-7B7A-43D3-8B79-37D633B846F1}">
-                <asvg:svgBlip xmlns:asvg="http://schemas.microsoft.com/office/drawing/2016/SVG/main" r:embed="rId34"/>
+                <asvg:svgBlip xmlns:asvg="http://schemas.microsoft.com/office/drawing/2016/SVG/main" r:embed="rId32"/>
               </a:ext>
             </a:extLst>
           </a:blip>
@@ -10180,6 +10141,84 @@
           <a:xfrm>
             <a:off x="7807482" y="2295040"/>
             <a:ext cx="850786" cy="850786"/>
+          </a:xfrm>
+          <a:prstGeom prst="rect">
+            <a:avLst/>
+          </a:prstGeom>
+        </p:spPr>
+      </p:pic>
+      <p:pic>
+        <p:nvPicPr>
+          <p:cNvPr id="21" name="Graphic 20" descr="Folder">
+            <a:extLst>
+              <a:ext uri="{FF2B5EF4-FFF2-40B4-BE49-F238E27FC236}">
+                <a16:creationId xmlns:a16="http://schemas.microsoft.com/office/drawing/2014/main" id="{A98A371F-952D-4AE5-A6B6-5DCE6EBD6D50}"/>
+              </a:ext>
+            </a:extLst>
+          </p:cNvPr>
+          <p:cNvPicPr>
+            <a:picLocks noChangeAspect="1"/>
+          </p:cNvPicPr>
+          <p:nvPr/>
+        </p:nvPicPr>
+        <p:blipFill>
+          <a:blip r:embed="rId33">
+            <a:extLst>
+              <a:ext uri="{28A0092B-C50C-407E-A947-70E740481C1C}">
+                <a14:useLocalDpi xmlns:a14="http://schemas.microsoft.com/office/drawing/2010/main" val="0"/>
+              </a:ext>
+              <a:ext uri="{96DAC541-7B7A-43D3-8B79-37D633B846F1}">
+                <asvg:svgBlip xmlns:asvg="http://schemas.microsoft.com/office/drawing/2016/SVG/main" r:embed="rId34"/>
+              </a:ext>
+            </a:extLst>
+          </a:blip>
+          <a:stretch>
+            <a:fillRect/>
+          </a:stretch>
+        </p:blipFill>
+        <p:spPr>
+          <a:xfrm>
+            <a:off x="7736012" y="3838398"/>
+            <a:ext cx="914400" cy="914400"/>
+          </a:xfrm>
+          <a:prstGeom prst="rect">
+            <a:avLst/>
+          </a:prstGeom>
+        </p:spPr>
+      </p:pic>
+      <p:pic>
+        <p:nvPicPr>
+          <p:cNvPr id="26" name="Graphic 25" descr="Music">
+            <a:extLst>
+              <a:ext uri="{FF2B5EF4-FFF2-40B4-BE49-F238E27FC236}">
+                <a16:creationId xmlns:a16="http://schemas.microsoft.com/office/drawing/2014/main" id="{3E0A4779-05CB-4F00-8434-D10507C1A2AC}"/>
+              </a:ext>
+            </a:extLst>
+          </p:cNvPr>
+          <p:cNvPicPr>
+            <a:picLocks noChangeAspect="1"/>
+          </p:cNvPicPr>
+          <p:nvPr/>
+        </p:nvPicPr>
+        <p:blipFill>
+          <a:blip r:embed="rId35">
+            <a:extLst>
+              <a:ext uri="{28A0092B-C50C-407E-A947-70E740481C1C}">
+                <a14:useLocalDpi xmlns:a14="http://schemas.microsoft.com/office/drawing/2010/main" val="0"/>
+              </a:ext>
+              <a:ext uri="{96DAC541-7B7A-43D3-8B79-37D633B846F1}">
+                <asvg:svgBlip xmlns:asvg="http://schemas.microsoft.com/office/drawing/2016/SVG/main" r:embed="rId36"/>
+              </a:ext>
+            </a:extLst>
+          </a:blip>
+          <a:stretch>
+            <a:fillRect/>
+          </a:stretch>
+        </p:blipFill>
+        <p:spPr>
+          <a:xfrm>
+            <a:off x="7891200" y="4062667"/>
+            <a:ext cx="539506" cy="539506"/>
           </a:xfrm>
           <a:prstGeom prst="rect">
             <a:avLst/>
@@ -10543,7 +10582,7 @@
         <p:spPr>
           <a:xfrm>
             <a:off x="6901410" y="372805"/>
-            <a:ext cx="5034729" cy="8125301"/>
+            <a:ext cx="2830419" cy="8125301"/>
           </a:xfrm>
           <a:prstGeom prst="rect">
             <a:avLst/>
@@ -10981,6 +11020,96 @@
           </a:prstGeom>
         </p:spPr>
       </p:pic>
+      <p:sp>
+        <p:nvSpPr>
+          <p:cNvPr id="9" name="TextBox 8">
+            <a:extLst>
+              <a:ext uri="{FF2B5EF4-FFF2-40B4-BE49-F238E27FC236}">
+                <a16:creationId xmlns:a16="http://schemas.microsoft.com/office/drawing/2014/main" id="{305B58B9-2D33-45CA-879A-8E00E45E725A}"/>
+              </a:ext>
+            </a:extLst>
+          </p:cNvPr>
+          <p:cNvSpPr txBox="1"/>
+          <p:nvPr/>
+        </p:nvSpPr>
+        <p:spPr>
+          <a:xfrm>
+            <a:off x="9436853" y="462206"/>
+            <a:ext cx="2499288" cy="2031325"/>
+          </a:xfrm>
+          <a:prstGeom prst="rect">
+            <a:avLst/>
+          </a:prstGeom>
+          <a:noFill/>
+        </p:spPr>
+        <p:txBody>
+          <a:bodyPr wrap="square" rtlCol="0">
+            <a:spAutoFit/>
+          </a:bodyPr>
+          <a:lstStyle/>
+          <a:p>
+            <a:pPr marL="285750" indent="-285750">
+              <a:buFont typeface="Arial" panose="020B0604020202020204" pitchFamily="34" charset="0"/>
+              <a:buChar char="•"/>
+            </a:pPr>
+            <a:r>
+              <a:rPr lang="en-US" dirty="0"/>
+              <a:t>Locations</a:t>
+            </a:r>
+          </a:p>
+          <a:p>
+            <a:pPr marL="742950" lvl="1" indent="-285750">
+              <a:buFont typeface="Arial" panose="020B0604020202020204" pitchFamily="34" charset="0"/>
+              <a:buChar char="•"/>
+            </a:pPr>
+            <a:r>
+              <a:rPr lang="en-US" dirty="0"/>
+              <a:t>Car</a:t>
+            </a:r>
+          </a:p>
+          <a:p>
+            <a:pPr marL="742950" lvl="1" indent="-285750">
+              <a:buFont typeface="Arial" panose="020B0604020202020204" pitchFamily="34" charset="0"/>
+              <a:buChar char="•"/>
+            </a:pPr>
+            <a:r>
+              <a:rPr lang="en-US" dirty="0"/>
+              <a:t>Headphones</a:t>
+            </a:r>
+          </a:p>
+          <a:p>
+            <a:pPr marL="742950" lvl="1" indent="-285750">
+              <a:buFont typeface="Arial" panose="020B0604020202020204" pitchFamily="34" charset="0"/>
+              <a:buChar char="•"/>
+            </a:pPr>
+            <a:r>
+              <a:rPr lang="en-US" dirty="0"/>
+              <a:t>Remember user</a:t>
+            </a:r>
+          </a:p>
+          <a:p>
+            <a:pPr marL="742950" lvl="1" indent="-285750">
+              <a:buFont typeface="Arial" panose="020B0604020202020204" pitchFamily="34" charset="0"/>
+              <a:buChar char="•"/>
+            </a:pPr>
+            <a:endParaRPr lang="en-US" dirty="0"/>
+          </a:p>
+          <a:p>
+            <a:pPr marL="742950" lvl="1" indent="-285750">
+              <a:buFont typeface="Arial" panose="020B0604020202020204" pitchFamily="34" charset="0"/>
+              <a:buChar char="•"/>
+            </a:pPr>
+            <a:endParaRPr lang="en-US" dirty="0"/>
+          </a:p>
+          <a:p>
+            <a:pPr marL="742950" lvl="1" indent="-285750">
+              <a:buFont typeface="Arial" panose="020B0604020202020204" pitchFamily="34" charset="0"/>
+              <a:buChar char="•"/>
+            </a:pPr>
+            <a:endParaRPr lang="en-US" dirty="0"/>
+          </a:p>
+        </p:txBody>
+      </p:sp>
     </p:spTree>
     <p:extLst>
       <p:ext uri="{BB962C8B-B14F-4D97-AF65-F5344CB8AC3E}">
@@ -13383,73 +13512,73 @@
 
 <file path=customXml/item10.xml><?xml version="1.0" encoding="utf-8"?>
 <Control xmlns="http://schemas.microsoft.com/VisualStudio/2011/storyboarding/control">
-  <Id Name="System.Storyboarding.WindowsAppIcons.Edit" Revision="1" Stencil="System.Storyboarding.WindowsAppIcons" StencilVersion="0.1"/>
+  <Id Name="System.Storyboarding.WindowsAppIcons.Down" Revision="1" Stencil="System.Storyboarding.WindowsAppIcons" StencilVersion="0.1"/>
 </Control>
 </file>
 
 <file path=customXml/item11.xml><?xml version="1.0" encoding="utf-8"?>
 <Control xmlns="http://schemas.microsoft.com/VisualStudio/2011/storyboarding/control">
-  <Id Name="System.Storyboarding.WindowsPhoneIcons.Refresh" Revision="1" Stencil="System.Storyboarding.WindowsPhoneIcons" StencilVersion="0.1"/>
+  <Id Name="System.Storyboarding.WindowsAppIcons.Clock" Revision="1" Stencil="System.Storyboarding.WindowsAppIcons" StencilVersion="0.1"/>
 </Control>
 </file>
 
 <file path=customXml/item12.xml><?xml version="1.0" encoding="utf-8"?>
+<Control xmlns="http://schemas.microsoft.com/VisualStudio/2011/storyboarding/control">
+  <Id Name="System.Storyboarding.WindowsPhoneIcons.Add" Revision="1" Stencil="System.Storyboarding.WindowsPhoneIcons" StencilVersion="0.1"/>
+</Control>
+</file>
+
+<file path=customXml/item13.xml><?xml version="1.0" encoding="utf-8"?>
 <Control xmlns="http://schemas.microsoft.com/VisualStudio/2011/storyboarding/control">
   <Id Name="System.Storyboarding.WindowsAppIcons.Edit" Revision="1" Stencil="System.Storyboarding.WindowsAppIcons" StencilVersion="0.1"/>
 </Control>
 </file>
 
-<file path=customXml/item13.xml><?xml version="1.0" encoding="utf-8"?>
+<file path=customXml/item14.xml><?xml version="1.0" encoding="utf-8"?>
+<Control xmlns="http://schemas.microsoft.com/VisualStudio/2011/storyboarding/control">
+  <Id Name="32035d07-bc66-4a79-8001-2507012193e3" RevisionId="7f6cc906-8fab-4878-8f41-90bcdc4e860e" Stencil="172d6d98-e5c9-42e9-a209-79f7a94bbd38" StencilRevisionId="00000000-0000-0000-0000-000000000000" StencilVersion="0.0"/>
+</Control>
+</file>
+
+<file path=customXml/item15.xml><?xml version="1.0" encoding="utf-8"?>
 <Control xmlns="http://schemas.microsoft.com/VisualStudio/2011/storyboarding/control">
   <Id Name="System.Storyboarding.WindowsAppIcons.Play" Revision="1" Stencil="System.Storyboarding.WindowsAppIcons" StencilVersion="0.1"/>
 </Control>
 </file>
 
-<file path=customXml/item14.xml><?xml version="1.0" encoding="utf-8"?>
+<file path=customXml/item16.xml><?xml version="1.0" encoding="utf-8"?>
+<Control xmlns="http://schemas.microsoft.com/VisualStudio/2011/storyboarding/control">
+  <Id Name="System.Storyboarding.WindowsPhoneIcons.Cancel" Revision="1" Stencil="System.Storyboarding.WindowsPhoneIcons" StencilVersion="0.1"/>
+</Control>
+</file>
+
+<file path=customXml/item17.xml><?xml version="1.0" encoding="utf-8"?>
 <Control xmlns="http://schemas.microsoft.com/VisualStudio/2011/storyboarding/control">
   <Id Name="System.Storyboarding.WindowsAppIcons.Edit" Revision="1" Stencil="System.Storyboarding.WindowsAppIcons" StencilVersion="0.1"/>
 </Control>
 </file>
 
-<file path=customXml/item15.xml><?xml version="1.0" encoding="utf-8"?>
+<file path=customXml/item18.xml><?xml version="1.0" encoding="utf-8"?>
 <Control xmlns="http://schemas.microsoft.com/VisualStudio/2011/storyboarding/control">
-  <Id Name="System.Storyboarding.WindowsPhoneIcons.Cancel" Revision="1" Stencil="System.Storyboarding.WindowsPhoneIcons" StencilVersion="0.1"/>
+  <Id Name="System.Storyboarding.WindowsPhoneIcons.Add" Revision="1" Stencil="System.Storyboarding.WindowsPhoneIcons" StencilVersion="0.1"/>
 </Control>
 </file>
 
-<file path=customXml/item16.xml><?xml version="1.0" encoding="utf-8"?>
+<file path=customXml/item19.xml><?xml version="1.0" encoding="utf-8"?>
 <Control xmlns="http://schemas.microsoft.com/VisualStudio/2011/storyboarding/control">
   <Id Name="System.Storyboarding.WindowsAppIcons.Play" Revision="1" Stencil="System.Storyboarding.WindowsAppIcons" StencilVersion="0.1"/>
 </Control>
 </file>
 
-<file path=customXml/item17.xml><?xml version="1.0" encoding="utf-8"?>
-<Control xmlns="http://schemas.microsoft.com/VisualStudio/2011/storyboarding/control">
-  <Id Name="System.Storyboarding.WindowsPhoneIcons.FastForward" Revision="1" Stencil="System.Storyboarding.WindowsPhoneIcons" StencilVersion="0.1"/>
-</Control>
-</file>
-
-<file path=customXml/item18.xml><?xml version="1.0" encoding="utf-8"?>
-<Control xmlns="http://schemas.microsoft.com/VisualStudio/2011/storyboarding/control">
-  <Id Name="System.Storyboarding.WindowsPhoneIcons.Minus" Revision="1" Stencil="System.Storyboarding.WindowsPhoneIcons" StencilVersion="0.1"/>
-</Control>
-</file>
-
-<file path=customXml/item19.xml><?xml version="1.0" encoding="utf-8"?>
-<Control xmlns="http://schemas.microsoft.com/VisualStudio/2011/storyboarding/control">
-  <Id Name="System.Storyboarding.WindowsPhoneIcons.Add" Revision="1" Stencil="System.Storyboarding.WindowsPhoneIcons" StencilVersion="0.1"/>
-</Control>
-</file>
-
 <file path=customXml/item2.xml><?xml version="1.0" encoding="utf-8"?>
 <Control xmlns="http://schemas.microsoft.com/VisualStudio/2011/storyboarding/control">
-  <Id Name="System.Storyboarding.WindowsAppIcons.Minus" Revision="1" Stencil="System.Storyboarding.WindowsAppIcons" StencilVersion="0.1"/>
+  <Id Name="System.Storyboarding.WindowsAppIcons.Play" Revision="1" Stencil="System.Storyboarding.WindowsAppIcons" StencilVersion="0.1"/>
 </Control>
 </file>
 
 <file path=customXml/item20.xml><?xml version="1.0" encoding="utf-8"?>
 <Control xmlns="http://schemas.microsoft.com/VisualStudio/2011/storyboarding/control">
-  <Id Name="System.Storyboarding.WindowsPhoneIcons.Cancel" Revision="1" Stencil="System.Storyboarding.WindowsPhoneIcons" StencilVersion="0.1"/>
+  <Id Name="System.Storyboarding.WindowsAppIcons.Plus" Revision="1" Stencil="System.Storyboarding.WindowsAppIcons" StencilVersion="0.1"/>
 </Control>
 </file>
 
@@ -13461,7 +13590,7 @@
 
 <file path=customXml/item22.xml><?xml version="1.0" encoding="utf-8"?>
 <Control xmlns="http://schemas.microsoft.com/VisualStudio/2011/storyboarding/control">
-  <Id Name="32035d07-bc66-4a79-8001-2507012193e3" RevisionId="7f6cc906-8fab-4878-8f41-90bcdc4e860e" Stencil="172d6d98-e5c9-42e9-a209-79f7a94bbd38" StencilRevisionId="00000000-0000-0000-0000-000000000000" StencilVersion="0.0"/>
+  <Id Name="4b4d62c4-0b58-49c3-9bd5-0f2c494cd34e" RevisionId="df283dbf-c6b0-49ce-bc2c-3341a4271bd3" Stencil="172d6d98-e5c9-42e9-a209-79f7a94bbd38" StencilRevisionId="00000000-0000-0000-0000-000000000000" StencilVersion="0.0"/>
 </Control>
 </file>
 
@@ -13473,7 +13602,7 @@
 
 <file path=customXml/item24.xml><?xml version="1.0" encoding="utf-8"?>
 <Control xmlns="http://schemas.microsoft.com/VisualStudio/2011/storyboarding/control">
-  <Id Name="System.Storyboarding.WindowsAppIcons.Play" Revision="1" Stencil="System.Storyboarding.WindowsAppIcons" StencilVersion="0.1"/>
+  <Id Name="System.Storyboarding.WindowsPhoneIcons.Cancel" Revision="1" Stencil="System.Storyboarding.WindowsPhoneIcons" StencilVersion="0.1"/>
 </Control>
 </file>
 
@@ -13485,13 +13614,13 @@
 
 <file path=customXml/item26.xml><?xml version="1.0" encoding="utf-8"?>
 <Control xmlns="http://schemas.microsoft.com/VisualStudio/2011/storyboarding/control">
-  <Id Name="System.Storyboarding.Icons.FolderOpen" Revision="1" Stencil="System.Storyboarding.Icons" StencilVersion="0.1"/>
+  <Id Name="System.Storyboarding.WindowsPhoneIcons.FastForward" Revision="1" Stencil="System.Storyboarding.WindowsPhoneIcons" StencilVersion="0.1"/>
 </Control>
 </file>
 
 <file path=customXml/item27.xml><?xml version="1.0" encoding="utf-8"?>
 <Control xmlns="http://schemas.microsoft.com/VisualStudio/2011/storyboarding/control">
-  <Id Name="System.Storyboarding.WindowsAppIcons.Play" Revision="1" Stencil="System.Storyboarding.WindowsAppIcons" StencilVersion="0.1"/>
+  <Id Name="System.Storyboarding.WindowsAppIcons.Edit" Revision="1" Stencil="System.Storyboarding.WindowsAppIcons" StencilVersion="0.1"/>
 </Control>
 </file>
 
@@ -13503,7 +13632,7 @@
 
 <file path=customXml/item29.xml><?xml version="1.0" encoding="utf-8"?>
 <Control xmlns="http://schemas.microsoft.com/VisualStudio/2011/storyboarding/control">
-  <Id Name="System.Storyboarding.WindowsAppIcons.Clock" Revision="1" Stencil="System.Storyboarding.WindowsAppIcons" StencilVersion="0.1"/>
+  <Id Name="System.Storyboarding.WindowsAppIcons.Minus" Revision="1" Stencil="System.Storyboarding.WindowsAppIcons" StencilVersion="0.1"/>
 </Control>
 </file>
 
@@ -13521,19 +13650,19 @@
 
 <file path=customXml/item31.xml><?xml version="1.0" encoding="utf-8"?>
 <Control xmlns="http://schemas.microsoft.com/VisualStudio/2011/storyboarding/control">
-  <Id Name="System.Storyboarding.WindowsPhoneIcons.Rewind" Revision="1" Stencil="System.Storyboarding.WindowsPhoneIcons" StencilVersion="0.1"/>
+  <Id Name="System.Storyboarding.WindowsAppIcons.Play" Revision="1" Stencil="System.Storyboarding.WindowsAppIcons" StencilVersion="0.1"/>
 </Control>
 </file>
 
 <file path=customXml/item32.xml><?xml version="1.0" encoding="utf-8"?>
 <Control xmlns="http://schemas.microsoft.com/VisualStudio/2011/storyboarding/control">
-  <Id Name="System.Storyboarding.Icons.Volume" Revision="1" Stencil="System.Storyboarding.Icons" StencilVersion="0.1"/>
+  <Id Name="e75cd7fd-d454-43ac-a2bd-cf0ac4f48652" RevisionId="8831f7ae-9100-4ae6-a512-25e5a2ad6d46" Stencil="172d6d98-e5c9-42e9-a209-79f7a94bbd38" StencilRevisionId="00000000-0000-0000-0000-000000000000" StencilVersion="0.0"/>
 </Control>
 </file>
 
 <file path=customXml/item33.xml><?xml version="1.0" encoding="utf-8"?>
 <Control xmlns="http://schemas.microsoft.com/VisualStudio/2011/storyboarding/control">
-  <Id Name="System.Storyboarding.WindowsAppIcons.Play" Revision="1" Stencil="System.Storyboarding.WindowsAppIcons" StencilVersion="0.1"/>
+  <Id Name="System.Storyboarding.WindowsPhoneIcons.Cancel" Revision="1" Stencil="System.Storyboarding.WindowsPhoneIcons" StencilVersion="0.1"/>
 </Control>
 </file>
 
@@ -13545,31 +13674,31 @@
 
 <file path=customXml/item35.xml><?xml version="1.0" encoding="utf-8"?>
 <Control xmlns="http://schemas.microsoft.com/VisualStudio/2011/storyboarding/control">
+  <Id Name="System.Storyboarding.WindowsPhoneIcons.Cancel" Revision="1" Stencil="System.Storyboarding.WindowsPhoneIcons" StencilVersion="0.1"/>
+</Control>
+</file>
+
+<file path=customXml/item36.xml><?xml version="1.0" encoding="utf-8"?>
+<Control xmlns="http://schemas.microsoft.com/VisualStudio/2011/storyboarding/control">
+  <Id Name="System.Storyboarding.WindowsAppIcons.Play" Revision="1" Stencil="System.Storyboarding.WindowsAppIcons" StencilVersion="0.1"/>
+</Control>
+</file>
+
+<file path=customXml/item37.xml><?xml version="1.0" encoding="utf-8"?>
+<Control xmlns="http://schemas.microsoft.com/VisualStudio/2011/storyboarding/control">
   <Id Name="System.Storyboarding.WindowsAppIcons.Edit" Revision="1" Stencil="System.Storyboarding.WindowsAppIcons" StencilVersion="0.1"/>
 </Control>
 </file>
 
-<file path=customXml/item36.xml><?xml version="1.0" encoding="utf-8"?>
+<file path=customXml/item38.xml><?xml version="1.0" encoding="utf-8"?>
 <Control xmlns="http://schemas.microsoft.com/VisualStudio/2011/storyboarding/control">
-  <Id Name="32035d07-bc66-4a79-8001-2507012193e3" RevisionId="7f6cc906-8fab-4878-8f41-90bcdc4e860e" Stencil="172d6d98-e5c9-42e9-a209-79f7a94bbd38" StencilRevisionId="00000000-0000-0000-0000-000000000000" StencilVersion="0.0"/>
+  <Id Name="System.Storyboarding.WindowsAppIcons.Retweet" Revision="1" Stencil="System.Storyboarding.WindowsAppIcons" StencilVersion="0.1"/>
 </Control>
 </file>
 
-<file path=customXml/item37.xml><?xml version="1.0" encoding="utf-8"?>
+<file path=customXml/item39.xml><?xml version="1.0" encoding="utf-8"?>
 <Control xmlns="http://schemas.microsoft.com/VisualStudio/2011/storyboarding/control">
   <Id Name="System.Storyboarding.WindowsPhoneIcons.Cancel" Revision="1" Stencil="System.Storyboarding.WindowsPhoneIcons" StencilVersion="0.1"/>
-</Control>
-</file>
-
-<file path=customXml/item38.xml><?xml version="1.0" encoding="utf-8"?>
-<Control xmlns="http://schemas.microsoft.com/VisualStudio/2011/storyboarding/control">
-  <Id Name="System.Storyboarding.WindowsAppIcons.Minus" Revision="1" Stencil="System.Storyboarding.WindowsAppIcons" StencilVersion="0.1"/>
-</Control>
-</file>
-
-<file path=customXml/item39.xml><?xml version="1.0" encoding="utf-8"?>
-<Control xmlns="http://schemas.microsoft.com/VisualStudio/2011/storyboarding/control">
-  <Id Name="System.Storyboarding.WindowsAppIcons.Play" Revision="1" Stencil="System.Storyboarding.WindowsAppIcons" StencilVersion="0.1"/>
 </Control>
 </file>
 
@@ -13581,67 +13710,67 @@
 
 <file path=customXml/item40.xml><?xml version="1.0" encoding="utf-8"?>
 <Control xmlns="http://schemas.microsoft.com/VisualStudio/2011/storyboarding/control">
-  <Id Name="System.Storyboarding.Icons.Volume" Revision="1" Stencil="System.Storyboarding.Icons" StencilVersion="0.1"/>
+  <Id Name="System.Storyboarding.WindowsAppIcons.Edit" Revision="1" Stencil="System.Storyboarding.WindowsAppIcons" StencilVersion="0.1"/>
 </Control>
 </file>
 
 <file path=customXml/item41.xml><?xml version="1.0" encoding="utf-8"?>
+<Control xmlns="http://schemas.microsoft.com/VisualStudio/2011/storyboarding/control">
+  <Id Name="System.Storyboarding.WindowsAppIcons.Play" Revision="1" Stencil="System.Storyboarding.WindowsAppIcons" StencilVersion="0.1"/>
+</Control>
+</file>
+
+<file path=customXml/item42.xml><?xml version="1.0" encoding="utf-8"?>
+<Control xmlns="http://schemas.microsoft.com/VisualStudio/2011/storyboarding/control">
+  <Id Name="32035d07-bc66-4a79-8001-2507012193e3" RevisionId="7f6cc906-8fab-4878-8f41-90bcdc4e860e" Stencil="172d6d98-e5c9-42e9-a209-79f7a94bbd38" StencilRevisionId="00000000-0000-0000-0000-000000000000" StencilVersion="0.0"/>
+</Control>
+</file>
+
+<file path=customXml/item43.xml><?xml version="1.0" encoding="utf-8"?>
+<Control xmlns="http://schemas.microsoft.com/VisualStudio/2011/storyboarding/control">
+  <Id Name="System.Storyboarding.WindowsAppIcons.Plus" Revision="1" Stencil="System.Storyboarding.WindowsAppIcons" StencilVersion="0.1"/>
+</Control>
+</file>
+
+<file path=customXml/item44.xml><?xml version="1.0" encoding="utf-8"?>
+<Control xmlns="http://schemas.microsoft.com/VisualStudio/2011/storyboarding/control">
+  <Id Name="System.Storyboarding.WindowsAppIcons.Play" Revision="1" Stencil="System.Storyboarding.WindowsAppIcons" StencilVersion="0.1"/>
+</Control>
+</file>
+
+<file path=customXml/item45.xml><?xml version="1.0" encoding="utf-8"?>
 <Control xmlns="http://schemas.microsoft.com/VisualStudio/2011/storyboarding/control">
   <Id Name="System.Storyboarding.WindowsAppIcons.Edit" Revision="1" Stencil="System.Storyboarding.WindowsAppIcons" StencilVersion="0.1"/>
 </Control>
 </file>
 
-<file path=customXml/item42.xml><?xml version="1.0" encoding="utf-8"?>
-<Control xmlns="http://schemas.microsoft.com/VisualStudio/2011/storyboarding/control">
-  <Id Name="System.Storyboarding.WindowsAppIcons.Edit" Revision="1" Stencil="System.Storyboarding.WindowsAppIcons" StencilVersion="0.1"/>
-</Control>
-</file>
-
-<file path=customXml/item43.xml><?xml version="1.0" encoding="utf-8"?>
-<Control xmlns="http://schemas.microsoft.com/VisualStudio/2011/storyboarding/control">
-  <Id Name="System.Storyboarding.WindowsPhoneIcons.Add" Revision="1" Stencil="System.Storyboarding.WindowsPhoneIcons" StencilVersion="0.1"/>
-</Control>
-</file>
-
-<file path=customXml/item44.xml><?xml version="1.0" encoding="utf-8"?>
+<file path=customXml/item46.xml><?xml version="1.0" encoding="utf-8"?>
 <Control xmlns="http://schemas.microsoft.com/VisualStudio/2011/storyboarding/control">
   <Id Name="System.Storyboarding.WindowsPhoneIcons.Rewind" Revision="1" Stencil="System.Storyboarding.WindowsPhoneIcons" StencilVersion="0.1"/>
 </Control>
 </file>
 
-<file path=customXml/item45.xml><?xml version="1.0" encoding="utf-8"?>
+<file path=customXml/item47.xml><?xml version="1.0" encoding="utf-8"?>
 <Control xmlns="http://schemas.microsoft.com/VisualStudio/2011/storyboarding/control">
-  <Id Name="4b4d62c4-0b58-49c3-9bd5-0f2c494cd34e" RevisionId="df283dbf-c6b0-49ce-bc2c-3341a4271bd3" Stencil="172d6d98-e5c9-42e9-a209-79f7a94bbd38" StencilRevisionId="00000000-0000-0000-0000-000000000000" StencilVersion="0.0"/>
+  <Id Name="System.Storyboarding.WindowsPhoneIcons.Rewind" Revision="1" Stencil="System.Storyboarding.WindowsPhoneIcons" StencilVersion="0.1"/>
 </Control>
 </file>
 
-<file path=customXml/item46.xml><?xml version="1.0" encoding="utf-8"?>
+<file path=customXml/item48.xml><?xml version="1.0" encoding="utf-8"?>
 <Control xmlns="http://schemas.microsoft.com/VisualStudio/2011/storyboarding/control">
   <Id Name="System.Storyboarding.WindowsPhoneIcons.Cancel" Revision="1" Stencil="System.Storyboarding.WindowsPhoneIcons" StencilVersion="0.1"/>
 </Control>
 </file>
 
-<file path=customXml/item47.xml><?xml version="1.0" encoding="utf-8"?>
+<file path=customXml/item49.xml><?xml version="1.0" encoding="utf-8"?>
+<Control xmlns="http://schemas.microsoft.com/VisualStudio/2011/storyboarding/control">
+  <Id Name="System.Storyboarding.WindowsPhoneIcons.Cancel" Revision="1" Stencil="System.Storyboarding.WindowsPhoneIcons" StencilVersion="0.1"/>
+</Control>
+</file>
+
+<file path=customXml/item5.xml><?xml version="1.0" encoding="utf-8"?>
 <Control xmlns="http://schemas.microsoft.com/VisualStudio/2011/storyboarding/control">
   <Id Name="System.Storyboarding.WindowsAppIcons.Play" Revision="1" Stencil="System.Storyboarding.WindowsAppIcons" StencilVersion="0.1"/>
-</Control>
-</file>
-
-<file path=customXml/item48.xml><?xml version="1.0" encoding="utf-8"?>
-<Control xmlns="http://schemas.microsoft.com/VisualStudio/2011/storyboarding/control">
-  <Id Name="System.Storyboarding.WindowsAppIcons.Play" Revision="1" Stencil="System.Storyboarding.WindowsAppIcons" StencilVersion="0.1"/>
-</Control>
-</file>
-
-<file path=customXml/item49.xml><?xml version="1.0" encoding="utf-8"?>
-<Control xmlns="http://schemas.microsoft.com/VisualStudio/2011/storyboarding/control">
-  <Id Name="System.Storyboarding.WindowsAppIcons.Plus" Revision="1" Stencil="System.Storyboarding.WindowsAppIcons" StencilVersion="0.1"/>
-</Control>
-</file>
-
-<file path=customXml/item5.xml><?xml version="1.0" encoding="utf-8"?>
-<Control xmlns="http://schemas.microsoft.com/VisualStudio/2011/storyboarding/control">
-  <Id Name="System.Storyboarding.WindowsAppIcons.Clock" Revision="1" Stencil="System.Storyboarding.WindowsAppIcons" StencilVersion="0.1"/>
 </Control>
 </file>
 
@@ -13653,37 +13782,37 @@
 
 <file path=customXml/item51.xml><?xml version="1.0" encoding="utf-8"?>
 <Control xmlns="http://schemas.microsoft.com/VisualStudio/2011/storyboarding/control">
-  <Id Name="System.Storyboarding.WindowsAppIcons.Edit" Revision="1" Stencil="System.Storyboarding.WindowsAppIcons" StencilVersion="0.1"/>
+  <Id Name="System.Storyboarding.WindowsPhoneIcons.Cancel" Revision="1" Stencil="System.Storyboarding.WindowsPhoneIcons" StencilVersion="0.1"/>
 </Control>
 </file>
 
 <file path=customXml/item52.xml><?xml version="1.0" encoding="utf-8"?>
 <Control xmlns="http://schemas.microsoft.com/VisualStudio/2011/storyboarding/control">
-  <Id Name="System.Storyboarding.WindowsPhoneIcons.Cancel" Revision="1" Stencil="System.Storyboarding.WindowsPhoneIcons" StencilVersion="0.1"/>
+  <Id Name="System.Storyboarding.WindowsPhoneIcons.Add" Revision="1" Stencil="System.Storyboarding.WindowsPhoneIcons" StencilVersion="0.1"/>
 </Control>
 </file>
 
 <file path=customXml/item53.xml><?xml version="1.0" encoding="utf-8"?>
 <Control xmlns="http://schemas.microsoft.com/VisualStudio/2011/storyboarding/control">
-  <Id Name="System.Storyboarding.WindowsAppIcons.Edit" Revision="1" Stencil="System.Storyboarding.WindowsAppIcons" StencilVersion="0.1"/>
+  <Id Name="System.Storyboarding.WindowsAppIcons.Play" Revision="1" Stencil="System.Storyboarding.WindowsAppIcons" StencilVersion="0.1"/>
 </Control>
 </file>
 
 <file path=customXml/item54.xml><?xml version="1.0" encoding="utf-8"?>
 <Control xmlns="http://schemas.microsoft.com/VisualStudio/2011/storyboarding/control">
-  <Id Name="System.Storyboarding.WindowsPhoneIcons.Cancel" Revision="1" Stencil="System.Storyboarding.WindowsPhoneIcons" StencilVersion="0.1"/>
+  <Id Name="System.Storyboarding.WindowsPhoneIcons.Minus" Revision="1" Stencil="System.Storyboarding.WindowsPhoneIcons" StencilVersion="0.1"/>
 </Control>
 </file>
 
 <file path=customXml/item55.xml><?xml version="1.0" encoding="utf-8"?>
 <Control xmlns="http://schemas.microsoft.com/VisualStudio/2011/storyboarding/control">
-  <Id Name="System.Storyboarding.WindowsPhoneIcons.Cancel" Revision="1" Stencil="System.Storyboarding.WindowsPhoneIcons" StencilVersion="0.1"/>
+  <Id Name="System.Storyboarding.WindowsAppIcons.Play" Revision="1" Stencil="System.Storyboarding.WindowsAppIcons" StencilVersion="0.1"/>
 </Control>
 </file>
 
 <file path=customXml/item56.xml><?xml version="1.0" encoding="utf-8"?>
 <Control xmlns="http://schemas.microsoft.com/VisualStudio/2011/storyboarding/control">
-  <Id Name="System.Storyboarding.WindowsAppIcons.Plus" Revision="1" Stencil="System.Storyboarding.WindowsAppIcons" StencilVersion="0.1"/>
+  <Id Name="System.Storyboarding.WindowsAppIcons.Edit" Revision="1" Stencil="System.Storyboarding.WindowsAppIcons" StencilVersion="0.1"/>
 </Control>
 </file>
 
@@ -13695,31 +13824,31 @@
 
 <file path=customXml/item58.xml><?xml version="1.0" encoding="utf-8"?>
 <Control xmlns="http://schemas.microsoft.com/VisualStudio/2011/storyboarding/control">
-  <Id Name="System.Storyboarding.WindowsAppIcons.Down" Revision="1" Stencil="System.Storyboarding.WindowsAppIcons" StencilVersion="0.1"/>
+  <Id Name="System.Storyboarding.WindowsPhoneIcons.Cancel" Revision="1" Stencil="System.Storyboarding.WindowsPhoneIcons" StencilVersion="0.1"/>
 </Control>
 </file>
 
 <file path=customXml/item59.xml><?xml version="1.0" encoding="utf-8"?>
 <Control xmlns="http://schemas.microsoft.com/VisualStudio/2011/storyboarding/control">
-  <Id Name="System.Storyboarding.WindowsAppIcons.Play" Revision="1" Stencil="System.Storyboarding.WindowsAppIcons" StencilVersion="0.1"/>
+  <Id Name="System.Storyboarding.WindowsAppIcons.Donotwant" Revision="1" Stencil="System.Storyboarding.WindowsAppIcons" StencilVersion="0.1"/>
 </Control>
 </file>
 
 <file path=customXml/item6.xml><?xml version="1.0" encoding="utf-8"?>
 <Control xmlns="http://schemas.microsoft.com/VisualStudio/2011/storyboarding/control">
-  <Id Name="System.Storyboarding.WindowsAppIcons.Retweet" Revision="1" Stencil="System.Storyboarding.WindowsAppIcons" StencilVersion="0.1"/>
+  <Id Name="System.Storyboarding.WindowsPhoneIcons.Refresh" Revision="1" Stencil="System.Storyboarding.WindowsPhoneIcons" StencilVersion="0.1"/>
 </Control>
 </file>
 
 <file path=customXml/item60.xml><?xml version="1.0" encoding="utf-8"?>
 <Control xmlns="http://schemas.microsoft.com/VisualStudio/2011/storyboarding/control">
-  <Id Name="System.Storyboarding.WindowsPhoneIcons.Cancel" Revision="1" Stencil="System.Storyboarding.WindowsPhoneIcons" StencilVersion="0.1"/>
+  <Id Name="System.Storyboarding.WindowsAppIcons.Minus" Revision="1" Stencil="System.Storyboarding.WindowsAppIcons" StencilVersion="0.1"/>
 </Control>
 </file>
 
 <file path=customXml/item61.xml><?xml version="1.0" encoding="utf-8"?>
 <Control xmlns="http://schemas.microsoft.com/VisualStudio/2011/storyboarding/control">
-  <Id Name="System.Storyboarding.Icons.Volume" Revision="1" Stencil="System.Storyboarding.Icons" StencilVersion="0.1"/>
+  <Id Name="System.Storyboarding.WindowsAppIcons.Clock" Revision="1" Stencil="System.Storyboarding.WindowsAppIcons" StencilVersion="0.1"/>
 </Control>
 </file>
 
@@ -13731,59 +13860,299 @@
 
 <file path=customXml/item63.xml><?xml version="1.0" encoding="utf-8"?>
 <Control xmlns="http://schemas.microsoft.com/VisualStudio/2011/storyboarding/control">
-  <Id Name="System.Storyboarding.WindowsPhoneIcons.Cancel" Revision="1" Stencil="System.Storyboarding.WindowsPhoneIcons" StencilVersion="0.1"/>
+  <Id Name="System.Storyboarding.Icons.Volume" Revision="1" Stencil="System.Storyboarding.Icons" StencilVersion="0.1"/>
 </Control>
 </file>
 
 <file path=customXml/item64.xml><?xml version="1.0" encoding="utf-8"?>
+<Control xmlns="http://schemas.microsoft.com/VisualStudio/2011/storyboarding/control">
+  <Id Name="4b4d62c4-0b58-49c3-9bd5-0f2c494cd34e" RevisionId="df283dbf-c6b0-49ce-bc2c-3341a4271bd3" Stencil="172d6d98-e5c9-42e9-a209-79f7a94bbd38" StencilRevisionId="00000000-0000-0000-0000-000000000000" StencilVersion="0.0"/>
+</Control>
+</file>
+
+<file path=customXml/item65.xml><?xml version="1.0" encoding="utf-8"?>
 <Control xmlns="http://schemas.microsoft.com/VisualStudio/2011/storyboarding/control">
   <Id Name="System.Storyboarding.WindowsAppIcons.Edit" Revision="1" Stencil="System.Storyboarding.WindowsAppIcons" StencilVersion="0.1"/>
 </Control>
 </file>
 
-<file path=customXml/item65.xml><?xml version="1.0" encoding="utf-8"?>
+<file path=customXml/item66.xml><?xml version="1.0" encoding="utf-8"?>
 <Control xmlns="http://schemas.microsoft.com/VisualStudio/2011/storyboarding/control">
-  <Id Name="System.Storyboarding.WindowsAppIcons.Play" Revision="1" Stencil="System.Storyboarding.WindowsAppIcons" StencilVersion="0.1"/>
+  <Id Name="System.Storyboarding.Icons.Volume" Revision="1" Stencil="System.Storyboarding.Icons" StencilVersion="0.1"/>
 </Control>
 </file>
 
-<file path=customXml/item66.xml><?xml version="1.0" encoding="utf-8"?>
+<file path=customXml/item67.xml><?xml version="1.0" encoding="utf-8"?>
+<Control xmlns="http://schemas.microsoft.com/VisualStudio/2011/storyboarding/control">
+  <Id Name="System.Storyboarding.Icons.FolderOpen" Revision="1" Stencil="System.Storyboarding.Icons" StencilVersion="0.1"/>
+</Control>
+</file>
+
+<file path=customXml/item68.xml><?xml version="1.0" encoding="utf-8"?>
 <Control xmlns="http://schemas.microsoft.com/VisualStudio/2011/storyboarding/control">
   <Id Name="System.Storyboarding.WindowsAppIcons.Edit" Revision="1" Stencil="System.Storyboarding.WindowsAppIcons" StencilVersion="0.1"/>
 </Control>
 </file>
 
-<file path=customXml/item67.xml><?xml version="1.0" encoding="utf-8"?>
+<file path=customXml/item7.xml><?xml version="1.0" encoding="utf-8"?>
 <Control xmlns="http://schemas.microsoft.com/VisualStudio/2011/storyboarding/control">
-  <Id Name="e75cd7fd-d454-43ac-a2bd-cf0ac4f48652" RevisionId="8831f7ae-9100-4ae6-a512-25e5a2ad6d46" Stencil="172d6d98-e5c9-42e9-a209-79f7a94bbd38" StencilRevisionId="00000000-0000-0000-0000-000000000000" StencilVersion="0.0"/>
+  <Id Name="System.Storyboarding.Icons.Volume" Revision="1" Stencil="System.Storyboarding.Icons" StencilVersion="0.1"/>
 </Control>
 </file>
 
-<file path=customXml/item68.xml><?xml version="1.0" encoding="utf-8"?>
+<file path=customXml/item8.xml><?xml version="1.0" encoding="utf-8"?>
 <Control xmlns="http://schemas.microsoft.com/VisualStudio/2011/storyboarding/control">
   <Id Name="System.Storyboarding.WindowsPhoneIcons.Cancel" Revision="1" Stencil="System.Storyboarding.WindowsPhoneIcons" StencilVersion="0.1"/>
 </Control>
 </file>
 
-<file path=customXml/item7.xml><?xml version="1.0" encoding="utf-8"?>
-<Control xmlns="http://schemas.microsoft.com/VisualStudio/2011/storyboarding/control">
-  <Id Name="System.Storyboarding.WindowsAppIcons.Donotwant" Revision="1" Stencil="System.Storyboarding.WindowsAppIcons" StencilVersion="0.1"/>
-</Control>
-</file>
-
-<file path=customXml/item8.xml><?xml version="1.0" encoding="utf-8"?>
-<Control xmlns="http://schemas.microsoft.com/VisualStudio/2011/storyboarding/control">
-  <Id Name="4b4d62c4-0b58-49c3-9bd5-0f2c494cd34e" RevisionId="df283dbf-c6b0-49ce-bc2c-3341a4271bd3" Stencil="172d6d98-e5c9-42e9-a209-79f7a94bbd38" StencilRevisionId="00000000-0000-0000-0000-000000000000" StencilVersion="0.0"/>
-</Control>
-</file>
-
 <file path=customXml/item9.xml><?xml version="1.0" encoding="utf-8"?>
 <Control xmlns="http://schemas.microsoft.com/VisualStudio/2011/storyboarding/control">
-  <Id Name="System.Storyboarding.WindowsPhoneIcons.Add" Revision="1" Stencil="System.Storyboarding.WindowsPhoneIcons" StencilVersion="0.1"/>
+  <Id Name="System.Storyboarding.WindowsAppIcons.Edit" Revision="1" Stencil="System.Storyboarding.WindowsAppIcons" StencilVersion="0.1"/>
 </Control>
 </file>
 
 <file path=customXml/itemProps1.xml><?xml version="1.0" encoding="utf-8"?>
+<ds:datastoreItem xmlns:ds="http://schemas.openxmlformats.org/officeDocument/2006/customXml" ds:itemID="{7D8A3F15-58CA-4DA9-A6C9-5E4399E681CE}">
+  <ds:schemaRefs>
+    <ds:schemaRef ds:uri="http://schemas.microsoft.com/VisualStudio/2011/storyboarding/control"/>
+  </ds:schemaRefs>
+</ds:datastoreItem>
+</file>
+
+<file path=customXml/itemProps10.xml><?xml version="1.0" encoding="utf-8"?>
+<ds:datastoreItem xmlns:ds="http://schemas.openxmlformats.org/officeDocument/2006/customXml" ds:itemID="{540C3353-3E36-4F77-9C4A-0DB4A5D7CCD1}">
+  <ds:schemaRefs>
+    <ds:schemaRef ds:uri="http://schemas.microsoft.com/VisualStudio/2011/storyboarding/control"/>
+  </ds:schemaRefs>
+</ds:datastoreItem>
+</file>
+
+<file path=customXml/itemProps11.xml><?xml version="1.0" encoding="utf-8"?>
+<ds:datastoreItem xmlns:ds="http://schemas.openxmlformats.org/officeDocument/2006/customXml" ds:itemID="{9176D73F-88EB-4204-941E-2ADCC7F101D3}">
+  <ds:schemaRefs>
+    <ds:schemaRef ds:uri="http://schemas.microsoft.com/VisualStudio/2011/storyboarding/control"/>
+  </ds:schemaRefs>
+</ds:datastoreItem>
+</file>
+
+<file path=customXml/itemProps12.xml><?xml version="1.0" encoding="utf-8"?>
+<ds:datastoreItem xmlns:ds="http://schemas.openxmlformats.org/officeDocument/2006/customXml" ds:itemID="{182A85CA-4E58-49C8-8C48-758766C210A9}">
+  <ds:schemaRefs>
+    <ds:schemaRef ds:uri="http://schemas.microsoft.com/VisualStudio/2011/storyboarding/control"/>
+  </ds:schemaRefs>
+</ds:datastoreItem>
+</file>
+
+<file path=customXml/itemProps13.xml><?xml version="1.0" encoding="utf-8"?>
+<ds:datastoreItem xmlns:ds="http://schemas.openxmlformats.org/officeDocument/2006/customXml" ds:itemID="{B0DD2967-9B1E-4AF4-9E22-1FB363BF21A1}">
+  <ds:schemaRefs>
+    <ds:schemaRef ds:uri="http://schemas.microsoft.com/VisualStudio/2011/storyboarding/control"/>
+  </ds:schemaRefs>
+</ds:datastoreItem>
+</file>
+
+<file path=customXml/itemProps14.xml><?xml version="1.0" encoding="utf-8"?>
+<ds:datastoreItem xmlns:ds="http://schemas.openxmlformats.org/officeDocument/2006/customXml" ds:itemID="{896AE23B-403F-4EEC-900F-6E95A60A4CC1}">
+  <ds:schemaRefs>
+    <ds:schemaRef ds:uri="http://schemas.microsoft.com/VisualStudio/2011/storyboarding/control"/>
+  </ds:schemaRefs>
+</ds:datastoreItem>
+</file>
+
+<file path=customXml/itemProps15.xml><?xml version="1.0" encoding="utf-8"?>
+<ds:datastoreItem xmlns:ds="http://schemas.openxmlformats.org/officeDocument/2006/customXml" ds:itemID="{BC2C5481-5539-4A2E-88CE-EE6972284F48}">
+  <ds:schemaRefs>
+    <ds:schemaRef ds:uri="http://schemas.microsoft.com/VisualStudio/2011/storyboarding/control"/>
+  </ds:schemaRefs>
+</ds:datastoreItem>
+</file>
+
+<file path=customXml/itemProps16.xml><?xml version="1.0" encoding="utf-8"?>
+<ds:datastoreItem xmlns:ds="http://schemas.openxmlformats.org/officeDocument/2006/customXml" ds:itemID="{6CC874DE-6D79-4EBA-A0F5-DB01923D7AE0}">
+  <ds:schemaRefs>
+    <ds:schemaRef ds:uri="http://schemas.microsoft.com/VisualStudio/2011/storyboarding/control"/>
+  </ds:schemaRefs>
+</ds:datastoreItem>
+</file>
+
+<file path=customXml/itemProps17.xml><?xml version="1.0" encoding="utf-8"?>
+<ds:datastoreItem xmlns:ds="http://schemas.openxmlformats.org/officeDocument/2006/customXml" ds:itemID="{A76A203E-9FD7-42C2-8FEF-B018DFF7E4D1}">
+  <ds:schemaRefs>
+    <ds:schemaRef ds:uri="http://schemas.microsoft.com/VisualStudio/2011/storyboarding/control"/>
+  </ds:schemaRefs>
+</ds:datastoreItem>
+</file>
+
+<file path=customXml/itemProps18.xml><?xml version="1.0" encoding="utf-8"?>
+<ds:datastoreItem xmlns:ds="http://schemas.openxmlformats.org/officeDocument/2006/customXml" ds:itemID="{99E258B9-636D-4FC3-A18B-5731CC1F850C}">
+  <ds:schemaRefs>
+    <ds:schemaRef ds:uri="http://schemas.microsoft.com/VisualStudio/2011/storyboarding/control"/>
+  </ds:schemaRefs>
+</ds:datastoreItem>
+</file>
+
+<file path=customXml/itemProps19.xml><?xml version="1.0" encoding="utf-8"?>
+<ds:datastoreItem xmlns:ds="http://schemas.openxmlformats.org/officeDocument/2006/customXml" ds:itemID="{96BD8081-566A-4B7A-9794-537613F8A560}">
+  <ds:schemaRefs>
+    <ds:schemaRef ds:uri="http://schemas.microsoft.com/VisualStudio/2011/storyboarding/control"/>
+  </ds:schemaRefs>
+</ds:datastoreItem>
+</file>
+
+<file path=customXml/itemProps2.xml><?xml version="1.0" encoding="utf-8"?>
+<ds:datastoreItem xmlns:ds="http://schemas.openxmlformats.org/officeDocument/2006/customXml" ds:itemID="{F7BFCA9F-A0B1-4AC1-AD74-CE9E4213160F}">
+  <ds:schemaRefs>
+    <ds:schemaRef ds:uri="http://schemas.microsoft.com/VisualStudio/2011/storyboarding/control"/>
+  </ds:schemaRefs>
+</ds:datastoreItem>
+</file>
+
+<file path=customXml/itemProps20.xml><?xml version="1.0" encoding="utf-8"?>
+<ds:datastoreItem xmlns:ds="http://schemas.openxmlformats.org/officeDocument/2006/customXml" ds:itemID="{7C81862B-608B-4E4F-9DB1-7DBCFE9F2139}">
+  <ds:schemaRefs>
+    <ds:schemaRef ds:uri="http://schemas.microsoft.com/VisualStudio/2011/storyboarding/control"/>
+  </ds:schemaRefs>
+</ds:datastoreItem>
+</file>
+
+<file path=customXml/itemProps21.xml><?xml version="1.0" encoding="utf-8"?>
+<ds:datastoreItem xmlns:ds="http://schemas.openxmlformats.org/officeDocument/2006/customXml" ds:itemID="{6BD8AD1D-48A9-4F6D-9433-F36CBEB3125F}">
+  <ds:schemaRefs>
+    <ds:schemaRef ds:uri="http://schemas.microsoft.com/VisualStudio/2011/storyboarding/control"/>
+  </ds:schemaRefs>
+</ds:datastoreItem>
+</file>
+
+<file path=customXml/itemProps22.xml><?xml version="1.0" encoding="utf-8"?>
+<ds:datastoreItem xmlns:ds="http://schemas.openxmlformats.org/officeDocument/2006/customXml" ds:itemID="{6E845879-650B-4022-A35E-856E74320ACC}">
+  <ds:schemaRefs>
+    <ds:schemaRef ds:uri="http://schemas.microsoft.com/VisualStudio/2011/storyboarding/control"/>
+  </ds:schemaRefs>
+</ds:datastoreItem>
+</file>
+
+<file path=customXml/itemProps23.xml><?xml version="1.0" encoding="utf-8"?>
+<ds:datastoreItem xmlns:ds="http://schemas.openxmlformats.org/officeDocument/2006/customXml" ds:itemID="{2C816A0A-85BC-4830-BAEE-1F53C8E67489}">
+  <ds:schemaRefs>
+    <ds:schemaRef ds:uri="http://schemas.microsoft.com/VisualStudio/2011/storyboarding/control"/>
+  </ds:schemaRefs>
+</ds:datastoreItem>
+</file>
+
+<file path=customXml/itemProps24.xml><?xml version="1.0" encoding="utf-8"?>
+<ds:datastoreItem xmlns:ds="http://schemas.openxmlformats.org/officeDocument/2006/customXml" ds:itemID="{35E8E4AC-13BF-495B-B0AA-5F07A0EB9441}">
+  <ds:schemaRefs>
+    <ds:schemaRef ds:uri="http://schemas.microsoft.com/VisualStudio/2011/storyboarding/control"/>
+  </ds:schemaRefs>
+</ds:datastoreItem>
+</file>
+
+<file path=customXml/itemProps25.xml><?xml version="1.0" encoding="utf-8"?>
+<ds:datastoreItem xmlns:ds="http://schemas.openxmlformats.org/officeDocument/2006/customXml" ds:itemID="{91ED1748-2ACC-4580-9DD0-53AE211F1DA7}">
+  <ds:schemaRefs>
+    <ds:schemaRef ds:uri="http://schemas.microsoft.com/VisualStudio/2011/storyboarding/control"/>
+  </ds:schemaRefs>
+</ds:datastoreItem>
+</file>
+
+<file path=customXml/itemProps26.xml><?xml version="1.0" encoding="utf-8"?>
+<ds:datastoreItem xmlns:ds="http://schemas.openxmlformats.org/officeDocument/2006/customXml" ds:itemID="{8B4AE673-39D1-4921-A713-E0BD45B32E43}">
+  <ds:schemaRefs>
+    <ds:schemaRef ds:uri="http://schemas.microsoft.com/VisualStudio/2011/storyboarding/control"/>
+  </ds:schemaRefs>
+</ds:datastoreItem>
+</file>
+
+<file path=customXml/itemProps27.xml><?xml version="1.0" encoding="utf-8"?>
+<ds:datastoreItem xmlns:ds="http://schemas.openxmlformats.org/officeDocument/2006/customXml" ds:itemID="{11BD6915-90EA-4F41-8AE8-401B6A2355DB}">
+  <ds:schemaRefs>
+    <ds:schemaRef ds:uri="http://schemas.microsoft.com/VisualStudio/2011/storyboarding/control"/>
+  </ds:schemaRefs>
+</ds:datastoreItem>
+</file>
+
+<file path=customXml/itemProps28.xml><?xml version="1.0" encoding="utf-8"?>
+<ds:datastoreItem xmlns:ds="http://schemas.openxmlformats.org/officeDocument/2006/customXml" ds:itemID="{FF1022A0-DAA8-4910-B054-25E1EE26A5AC}">
+  <ds:schemaRefs>
+    <ds:schemaRef ds:uri="http://schemas.microsoft.com/VisualStudio/2011/storyboarding/control"/>
+  </ds:schemaRefs>
+</ds:datastoreItem>
+</file>
+
+<file path=customXml/itemProps29.xml><?xml version="1.0" encoding="utf-8"?>
+<ds:datastoreItem xmlns:ds="http://schemas.openxmlformats.org/officeDocument/2006/customXml" ds:itemID="{CB538EC4-2D5D-4BC6-AFD7-AF4FD42C21A7}">
+  <ds:schemaRefs>
+    <ds:schemaRef ds:uri="http://schemas.microsoft.com/VisualStudio/2011/storyboarding/control"/>
+  </ds:schemaRefs>
+</ds:datastoreItem>
+</file>
+
+<file path=customXml/itemProps3.xml><?xml version="1.0" encoding="utf-8"?>
+<ds:datastoreItem xmlns:ds="http://schemas.openxmlformats.org/officeDocument/2006/customXml" ds:itemID="{0F4FBE72-4778-4A80-9A59-1EAA7879E88B}">
+  <ds:schemaRefs>
+    <ds:schemaRef ds:uri="http://schemas.microsoft.com/VisualStudio/2011/storyboarding/control"/>
+  </ds:schemaRefs>
+</ds:datastoreItem>
+</file>
+
+<file path=customXml/itemProps30.xml><?xml version="1.0" encoding="utf-8"?>
+<ds:datastoreItem xmlns:ds="http://schemas.openxmlformats.org/officeDocument/2006/customXml" ds:itemID="{DE740E6A-43E5-497F-8F78-B904C61CB614}">
+  <ds:schemaRefs>
+    <ds:schemaRef ds:uri="http://schemas.microsoft.com/VisualStudio/2011/storyboarding/control"/>
+  </ds:schemaRefs>
+</ds:datastoreItem>
+</file>
+
+<file path=customXml/itemProps31.xml><?xml version="1.0" encoding="utf-8"?>
+<ds:datastoreItem xmlns:ds="http://schemas.openxmlformats.org/officeDocument/2006/customXml" ds:itemID="{2DB54B02-095B-4767-A849-7F09D55BDBEC}">
+  <ds:schemaRefs>
+    <ds:schemaRef ds:uri="http://schemas.microsoft.com/VisualStudio/2011/storyboarding/control"/>
+  </ds:schemaRefs>
+</ds:datastoreItem>
+</file>
+
+<file path=customXml/itemProps32.xml><?xml version="1.0" encoding="utf-8"?>
+<ds:datastoreItem xmlns:ds="http://schemas.openxmlformats.org/officeDocument/2006/customXml" ds:itemID="{B24B058A-7394-4884-87AB-3D162B4AF263}">
+  <ds:schemaRefs>
+    <ds:schemaRef ds:uri="http://schemas.microsoft.com/VisualStudio/2011/storyboarding/control"/>
+  </ds:schemaRefs>
+</ds:datastoreItem>
+</file>
+
+<file path=customXml/itemProps33.xml><?xml version="1.0" encoding="utf-8"?>
+<ds:datastoreItem xmlns:ds="http://schemas.openxmlformats.org/officeDocument/2006/customXml" ds:itemID="{D8EE4C6F-B1D4-4AC9-928F-40B58F8389AA}">
+  <ds:schemaRefs>
+    <ds:schemaRef ds:uri="http://schemas.microsoft.com/VisualStudio/2011/storyboarding/control"/>
+  </ds:schemaRefs>
+</ds:datastoreItem>
+</file>
+
+<file path=customXml/itemProps34.xml><?xml version="1.0" encoding="utf-8"?>
+<ds:datastoreItem xmlns:ds="http://schemas.openxmlformats.org/officeDocument/2006/customXml" ds:itemID="{09AAF7D3-4D9D-47F0-9621-CB53A66318C0}">
+  <ds:schemaRefs>
+    <ds:schemaRef ds:uri="http://schemas.microsoft.com/VisualStudio/2011/storyboarding/control"/>
+  </ds:schemaRefs>
+</ds:datastoreItem>
+</file>
+
+<file path=customXml/itemProps35.xml><?xml version="1.0" encoding="utf-8"?>
+<ds:datastoreItem xmlns:ds="http://schemas.openxmlformats.org/officeDocument/2006/customXml" ds:itemID="{2D4E3CDC-752C-421E-817A-A9D2344595DE}">
+  <ds:schemaRefs>
+    <ds:schemaRef ds:uri="http://schemas.microsoft.com/VisualStudio/2011/storyboarding/control"/>
+  </ds:schemaRefs>
+</ds:datastoreItem>
+</file>
+
+<file path=customXml/itemProps36.xml><?xml version="1.0" encoding="utf-8"?>
+<ds:datastoreItem xmlns:ds="http://schemas.openxmlformats.org/officeDocument/2006/customXml" ds:itemID="{E3E34527-CBA0-4787-B0F7-C2B934B5B4C4}">
+  <ds:schemaRefs>
+    <ds:schemaRef ds:uri="http://schemas.microsoft.com/VisualStudio/2011/storyboarding/control"/>
+  </ds:schemaRefs>
+</ds:datastoreItem>
+</file>
+
+<file path=customXml/itemProps37.xml><?xml version="1.0" encoding="utf-8"?>
 <ds:datastoreItem xmlns:ds="http://schemas.openxmlformats.org/officeDocument/2006/customXml" ds:itemID="{CC557381-0DF9-4AE0-A746-74A48780A5BE}">
   <ds:schemaRefs>
     <ds:schemaRef ds:uri="http://schemas.microsoft.com/VisualStudio/2011/storyboarding/control"/>
@@ -13791,7 +14160,71 @@
 </ds:datastoreItem>
 </file>
 
-<file path=customXml/itemProps10.xml><?xml version="1.0" encoding="utf-8"?>
+<file path=customXml/itemProps38.xml><?xml version="1.0" encoding="utf-8"?>
+<ds:datastoreItem xmlns:ds="http://schemas.openxmlformats.org/officeDocument/2006/customXml" ds:itemID="{AEE75C41-50A0-4E2E-8E71-75152E4221D1}">
+  <ds:schemaRefs>
+    <ds:schemaRef ds:uri="http://schemas.microsoft.com/VisualStudio/2011/storyboarding/control"/>
+  </ds:schemaRefs>
+</ds:datastoreItem>
+</file>
+
+<file path=customXml/itemProps39.xml><?xml version="1.0" encoding="utf-8"?>
+<ds:datastoreItem xmlns:ds="http://schemas.openxmlformats.org/officeDocument/2006/customXml" ds:itemID="{855315B8-2A4D-4E8D-AAC1-C0281182FD5B}">
+  <ds:schemaRefs>
+    <ds:schemaRef ds:uri="http://schemas.microsoft.com/VisualStudio/2011/storyboarding/control"/>
+  </ds:schemaRefs>
+</ds:datastoreItem>
+</file>
+
+<file path=customXml/itemProps4.xml><?xml version="1.0" encoding="utf-8"?>
+<ds:datastoreItem xmlns:ds="http://schemas.openxmlformats.org/officeDocument/2006/customXml" ds:itemID="{69819B4B-C652-4029-9D6F-1F30F2207B1C}">
+  <ds:schemaRefs>
+    <ds:schemaRef ds:uri="http://schemas.microsoft.com/VisualStudio/2011/storyboarding/control"/>
+  </ds:schemaRefs>
+</ds:datastoreItem>
+</file>
+
+<file path=customXml/itemProps40.xml><?xml version="1.0" encoding="utf-8"?>
+<ds:datastoreItem xmlns:ds="http://schemas.openxmlformats.org/officeDocument/2006/customXml" ds:itemID="{61361C12-AEB1-4243-8694-E22DB7BB0B58}">
+  <ds:schemaRefs>
+    <ds:schemaRef ds:uri="http://schemas.microsoft.com/VisualStudio/2011/storyboarding/control"/>
+  </ds:schemaRefs>
+</ds:datastoreItem>
+</file>
+
+<file path=customXml/itemProps41.xml><?xml version="1.0" encoding="utf-8"?>
+<ds:datastoreItem xmlns:ds="http://schemas.openxmlformats.org/officeDocument/2006/customXml" ds:itemID="{5B8607FE-59BB-43C3-BBC9-D002A93B2860}">
+  <ds:schemaRefs>
+    <ds:schemaRef ds:uri="http://schemas.microsoft.com/VisualStudio/2011/storyboarding/control"/>
+  </ds:schemaRefs>
+</ds:datastoreItem>
+</file>
+
+<file path=customXml/itemProps42.xml><?xml version="1.0" encoding="utf-8"?>
+<ds:datastoreItem xmlns:ds="http://schemas.openxmlformats.org/officeDocument/2006/customXml" ds:itemID="{A4C33EEA-7075-4651-97E3-4829E38E21EA}">
+  <ds:schemaRefs>
+    <ds:schemaRef ds:uri="http://schemas.microsoft.com/VisualStudio/2011/storyboarding/control"/>
+  </ds:schemaRefs>
+</ds:datastoreItem>
+</file>
+
+<file path=customXml/itemProps43.xml><?xml version="1.0" encoding="utf-8"?>
+<ds:datastoreItem xmlns:ds="http://schemas.openxmlformats.org/officeDocument/2006/customXml" ds:itemID="{4B90C7DA-FFAF-434B-A961-A1A1B575F753}">
+  <ds:schemaRefs>
+    <ds:schemaRef ds:uri="http://schemas.microsoft.com/VisualStudio/2011/storyboarding/control"/>
+  </ds:schemaRefs>
+</ds:datastoreItem>
+</file>
+
+<file path=customXml/itemProps44.xml><?xml version="1.0" encoding="utf-8"?>
+<ds:datastoreItem xmlns:ds="http://schemas.openxmlformats.org/officeDocument/2006/customXml" ds:itemID="{290B1F0A-87D8-47BA-9898-8D500A95812B}">
+  <ds:schemaRefs>
+    <ds:schemaRef ds:uri="http://schemas.microsoft.com/VisualStudio/2011/storyboarding/control"/>
+  </ds:schemaRefs>
+</ds:datastoreItem>
+</file>
+
+<file path=customXml/itemProps45.xml><?xml version="1.0" encoding="utf-8"?>
 <ds:datastoreItem xmlns:ds="http://schemas.openxmlformats.org/officeDocument/2006/customXml" ds:itemID="{80A2EE3F-8E5E-4E02-8371-075F75881CC2}">
   <ds:schemaRefs>
     <ds:schemaRef ds:uri="http://schemas.microsoft.com/VisualStudio/2011/storyboarding/control"/>
@@ -13799,7 +14232,127 @@
 </ds:datastoreItem>
 </file>
 
-<file path=customXml/itemProps11.xml><?xml version="1.0" encoding="utf-8"?>
+<file path=customXml/itemProps46.xml><?xml version="1.0" encoding="utf-8"?>
+<ds:datastoreItem xmlns:ds="http://schemas.openxmlformats.org/officeDocument/2006/customXml" ds:itemID="{541D200C-886D-4393-A468-D257F7CE4C2E}">
+  <ds:schemaRefs>
+    <ds:schemaRef ds:uri="http://schemas.microsoft.com/VisualStudio/2011/storyboarding/control"/>
+  </ds:schemaRefs>
+</ds:datastoreItem>
+</file>
+
+<file path=customXml/itemProps47.xml><?xml version="1.0" encoding="utf-8"?>
+<ds:datastoreItem xmlns:ds="http://schemas.openxmlformats.org/officeDocument/2006/customXml" ds:itemID="{8C16C620-F89C-496A-ABC2-EBAA770A5D2B}">
+  <ds:schemaRefs>
+    <ds:schemaRef ds:uri="http://schemas.microsoft.com/VisualStudio/2011/storyboarding/control"/>
+  </ds:schemaRefs>
+</ds:datastoreItem>
+</file>
+
+<file path=customXml/itemProps48.xml><?xml version="1.0" encoding="utf-8"?>
+<ds:datastoreItem xmlns:ds="http://schemas.openxmlformats.org/officeDocument/2006/customXml" ds:itemID="{8A7670A8-5D8A-499C-9FEE-E0BBB4E6BEFF}">
+  <ds:schemaRefs>
+    <ds:schemaRef ds:uri="http://schemas.microsoft.com/VisualStudio/2011/storyboarding/control"/>
+  </ds:schemaRefs>
+</ds:datastoreItem>
+</file>
+
+<file path=customXml/itemProps49.xml><?xml version="1.0" encoding="utf-8"?>
+<ds:datastoreItem xmlns:ds="http://schemas.openxmlformats.org/officeDocument/2006/customXml" ds:itemID="{27542DCB-8EFC-47CA-8570-0C93F332B27B}">
+  <ds:schemaRefs>
+    <ds:schemaRef ds:uri="http://schemas.microsoft.com/VisualStudio/2011/storyboarding/control"/>
+  </ds:schemaRefs>
+</ds:datastoreItem>
+</file>
+
+<file path=customXml/itemProps5.xml><?xml version="1.0" encoding="utf-8"?>
+<ds:datastoreItem xmlns:ds="http://schemas.openxmlformats.org/officeDocument/2006/customXml" ds:itemID="{A6484AF2-F055-4C78-982B-D2156684306A}">
+  <ds:schemaRefs>
+    <ds:schemaRef ds:uri="http://schemas.microsoft.com/VisualStudio/2011/storyboarding/control"/>
+  </ds:schemaRefs>
+</ds:datastoreItem>
+</file>
+
+<file path=customXml/itemProps50.xml><?xml version="1.0" encoding="utf-8"?>
+<ds:datastoreItem xmlns:ds="http://schemas.openxmlformats.org/officeDocument/2006/customXml" ds:itemID="{FBDB9D4B-5D23-4316-AE7E-E386D2E702D4}">
+  <ds:schemaRefs>
+    <ds:schemaRef ds:uri="http://schemas.microsoft.com/VisualStudio/2011/storyboarding/control"/>
+  </ds:schemaRefs>
+</ds:datastoreItem>
+</file>
+
+<file path=customXml/itemProps51.xml><?xml version="1.0" encoding="utf-8"?>
+<ds:datastoreItem xmlns:ds="http://schemas.openxmlformats.org/officeDocument/2006/customXml" ds:itemID="{F8E474D2-D249-494A-827C-6C0C85F35C5A}">
+  <ds:schemaRefs>
+    <ds:schemaRef ds:uri="http://schemas.microsoft.com/VisualStudio/2011/storyboarding/control"/>
+  </ds:schemaRefs>
+</ds:datastoreItem>
+</file>
+
+<file path=customXml/itemProps52.xml><?xml version="1.0" encoding="utf-8"?>
+<ds:datastoreItem xmlns:ds="http://schemas.openxmlformats.org/officeDocument/2006/customXml" ds:itemID="{ECEE1C58-60D6-4BE6-B599-4F7E9AB9E035}">
+  <ds:schemaRefs>
+    <ds:schemaRef ds:uri="http://schemas.microsoft.com/VisualStudio/2011/storyboarding/control"/>
+  </ds:schemaRefs>
+</ds:datastoreItem>
+</file>
+
+<file path=customXml/itemProps53.xml><?xml version="1.0" encoding="utf-8"?>
+<ds:datastoreItem xmlns:ds="http://schemas.openxmlformats.org/officeDocument/2006/customXml" ds:itemID="{5D95BE6E-D5AB-409A-85E4-CE7D6FA00509}">
+  <ds:schemaRefs>
+    <ds:schemaRef ds:uri="http://schemas.microsoft.com/VisualStudio/2011/storyboarding/control"/>
+  </ds:schemaRefs>
+</ds:datastoreItem>
+</file>
+
+<file path=customXml/itemProps54.xml><?xml version="1.0" encoding="utf-8"?>
+<ds:datastoreItem xmlns:ds="http://schemas.openxmlformats.org/officeDocument/2006/customXml" ds:itemID="{0CAA02FD-32C9-42E8-98BE-0EAAD29173F4}">
+  <ds:schemaRefs>
+    <ds:schemaRef ds:uri="http://schemas.microsoft.com/VisualStudio/2011/storyboarding/control"/>
+  </ds:schemaRefs>
+</ds:datastoreItem>
+</file>
+
+<file path=customXml/itemProps55.xml><?xml version="1.0" encoding="utf-8"?>
+<ds:datastoreItem xmlns:ds="http://schemas.openxmlformats.org/officeDocument/2006/customXml" ds:itemID="{1D5DC517-E715-4F56-B43C-13839AE337F0}">
+  <ds:schemaRefs>
+    <ds:schemaRef ds:uri="http://schemas.microsoft.com/VisualStudio/2011/storyboarding/control"/>
+  </ds:schemaRefs>
+</ds:datastoreItem>
+</file>
+
+<file path=customXml/itemProps56.xml><?xml version="1.0" encoding="utf-8"?>
+<ds:datastoreItem xmlns:ds="http://schemas.openxmlformats.org/officeDocument/2006/customXml" ds:itemID="{FB9740A1-8F0C-4AA2-A2C9-15A377DC91A6}">
+  <ds:schemaRefs>
+    <ds:schemaRef ds:uri="http://schemas.microsoft.com/VisualStudio/2011/storyboarding/control"/>
+  </ds:schemaRefs>
+</ds:datastoreItem>
+</file>
+
+<file path=customXml/itemProps57.xml><?xml version="1.0" encoding="utf-8"?>
+<ds:datastoreItem xmlns:ds="http://schemas.openxmlformats.org/officeDocument/2006/customXml" ds:itemID="{2693F098-32A1-41BE-97F8-CEDAE063F99E}">
+  <ds:schemaRefs>
+    <ds:schemaRef ds:uri="http://schemas.microsoft.com/VisualStudio/2011/storyboarding/control"/>
+  </ds:schemaRefs>
+</ds:datastoreItem>
+</file>
+
+<file path=customXml/itemProps58.xml><?xml version="1.0" encoding="utf-8"?>
+<ds:datastoreItem xmlns:ds="http://schemas.openxmlformats.org/officeDocument/2006/customXml" ds:itemID="{FDB8CFE8-3808-4247-A2FD-35E246A153DC}">
+  <ds:schemaRefs>
+    <ds:schemaRef ds:uri="http://schemas.microsoft.com/VisualStudio/2011/storyboarding/control"/>
+  </ds:schemaRefs>
+</ds:datastoreItem>
+</file>
+
+<file path=customXml/itemProps59.xml><?xml version="1.0" encoding="utf-8"?>
+<ds:datastoreItem xmlns:ds="http://schemas.openxmlformats.org/officeDocument/2006/customXml" ds:itemID="{10C4D8A6-492F-4C3D-BAAD-8273F297A317}">
+  <ds:schemaRefs>
+    <ds:schemaRef ds:uri="http://schemas.microsoft.com/VisualStudio/2011/storyboarding/control"/>
+  </ds:schemaRefs>
+</ds:datastoreItem>
+</file>
+
+<file path=customXml/itemProps6.xml><?xml version="1.0" encoding="utf-8"?>
 <ds:datastoreItem xmlns:ds="http://schemas.openxmlformats.org/officeDocument/2006/customXml" ds:itemID="{F50EEE5E-70AE-4092-8CFF-7CEEF7A1A3DA}">
   <ds:schemaRefs>
     <ds:schemaRef ds:uri="http://schemas.microsoft.com/VisualStudio/2011/storyboarding/control"/>
@@ -13807,71 +14360,7 @@
 </ds:datastoreItem>
 </file>
 
-<file path=customXml/itemProps12.xml><?xml version="1.0" encoding="utf-8"?>
-<ds:datastoreItem xmlns:ds="http://schemas.openxmlformats.org/officeDocument/2006/customXml" ds:itemID="{91ED1748-2ACC-4580-9DD0-53AE211F1DA7}">
-  <ds:schemaRefs>
-    <ds:schemaRef ds:uri="http://schemas.microsoft.com/VisualStudio/2011/storyboarding/control"/>
-  </ds:schemaRefs>
-</ds:datastoreItem>
-</file>
-
-<file path=customXml/itemProps13.xml><?xml version="1.0" encoding="utf-8"?>
-<ds:datastoreItem xmlns:ds="http://schemas.openxmlformats.org/officeDocument/2006/customXml" ds:itemID="{5D95BE6E-D5AB-409A-85E4-CE7D6FA00509}">
-  <ds:schemaRefs>
-    <ds:schemaRef ds:uri="http://schemas.microsoft.com/VisualStudio/2011/storyboarding/control"/>
-  </ds:schemaRefs>
-</ds:datastoreItem>
-</file>
-
-<file path=customXml/itemProps14.xml><?xml version="1.0" encoding="utf-8"?>
-<ds:datastoreItem xmlns:ds="http://schemas.openxmlformats.org/officeDocument/2006/customXml" ds:itemID="{B0DD2967-9B1E-4AF4-9E22-1FB363BF21A1}">
-  <ds:schemaRefs>
-    <ds:schemaRef ds:uri="http://schemas.microsoft.com/VisualStudio/2011/storyboarding/control"/>
-  </ds:schemaRefs>
-</ds:datastoreItem>
-</file>
-
-<file path=customXml/itemProps15.xml><?xml version="1.0" encoding="utf-8"?>
-<ds:datastoreItem xmlns:ds="http://schemas.openxmlformats.org/officeDocument/2006/customXml" ds:itemID="{855315B8-2A4D-4E8D-AAC1-C0281182FD5B}">
-  <ds:schemaRefs>
-    <ds:schemaRef ds:uri="http://schemas.microsoft.com/VisualStudio/2011/storyboarding/control"/>
-  </ds:schemaRefs>
-</ds:datastoreItem>
-</file>
-
-<file path=customXml/itemProps16.xml><?xml version="1.0" encoding="utf-8"?>
-<ds:datastoreItem xmlns:ds="http://schemas.openxmlformats.org/officeDocument/2006/customXml" ds:itemID="{A6484AF2-F055-4C78-982B-D2156684306A}">
-  <ds:schemaRefs>
-    <ds:schemaRef ds:uri="http://schemas.microsoft.com/VisualStudio/2011/storyboarding/control"/>
-  </ds:schemaRefs>
-</ds:datastoreItem>
-</file>
-
-<file path=customXml/itemProps17.xml><?xml version="1.0" encoding="utf-8"?>
-<ds:datastoreItem xmlns:ds="http://schemas.openxmlformats.org/officeDocument/2006/customXml" ds:itemID="{8B4AE673-39D1-4921-A713-E0BD45B32E43}">
-  <ds:schemaRefs>
-    <ds:schemaRef ds:uri="http://schemas.microsoft.com/VisualStudio/2011/storyboarding/control"/>
-  </ds:schemaRefs>
-</ds:datastoreItem>
-</file>
-
-<file path=customXml/itemProps18.xml><?xml version="1.0" encoding="utf-8"?>
-<ds:datastoreItem xmlns:ds="http://schemas.openxmlformats.org/officeDocument/2006/customXml" ds:itemID="{0CAA02FD-32C9-42E8-98BE-0EAAD29173F4}">
-  <ds:schemaRefs>
-    <ds:schemaRef ds:uri="http://schemas.microsoft.com/VisualStudio/2011/storyboarding/control"/>
-  </ds:schemaRefs>
-</ds:datastoreItem>
-</file>
-
-<file path=customXml/itemProps19.xml><?xml version="1.0" encoding="utf-8"?>
-<ds:datastoreItem xmlns:ds="http://schemas.openxmlformats.org/officeDocument/2006/customXml" ds:itemID="{182A85CA-4E58-49C8-8C48-758766C210A9}">
-  <ds:schemaRefs>
-    <ds:schemaRef ds:uri="http://schemas.microsoft.com/VisualStudio/2011/storyboarding/control"/>
-  </ds:schemaRefs>
-</ds:datastoreItem>
-</file>
-
-<file path=customXml/itemProps2.xml><?xml version="1.0" encoding="utf-8"?>
+<file path=customXml/itemProps60.xml><?xml version="1.0" encoding="utf-8"?>
 <ds:datastoreItem xmlns:ds="http://schemas.openxmlformats.org/officeDocument/2006/customXml" ds:itemID="{04504D90-2CEB-4E3A-A555-86C532BE774F}">
   <ds:schemaRefs>
     <ds:schemaRef ds:uri="http://schemas.microsoft.com/VisualStudio/2011/storyboarding/control"/>
@@ -13879,15 +14368,63 @@
 </ds:datastoreItem>
 </file>
 
-<file path=customXml/itemProps20.xml><?xml version="1.0" encoding="utf-8"?>
-<ds:datastoreItem xmlns:ds="http://schemas.openxmlformats.org/officeDocument/2006/customXml" ds:itemID="{D8EE4C6F-B1D4-4AC9-928F-40B58F8389AA}">
+<file path=customXml/itemProps61.xml><?xml version="1.0" encoding="utf-8"?>
+<ds:datastoreItem xmlns:ds="http://schemas.openxmlformats.org/officeDocument/2006/customXml" ds:itemID="{8B0AB7B0-1EE2-42BF-9C41-9C904E313494}">
   <ds:schemaRefs>
     <ds:schemaRef ds:uri="http://schemas.microsoft.com/VisualStudio/2011/storyboarding/control"/>
   </ds:schemaRefs>
 </ds:datastoreItem>
 </file>
 
-<file path=customXml/itemProps21.xml><?xml version="1.0" encoding="utf-8"?>
+<file path=customXml/itemProps62.xml><?xml version="1.0" encoding="utf-8"?>
+<ds:datastoreItem xmlns:ds="http://schemas.openxmlformats.org/officeDocument/2006/customXml" ds:itemID="{66C429A6-A1FB-4A44-9868-139AEFE376E0}">
+  <ds:schemaRefs>
+    <ds:schemaRef ds:uri="http://schemas.microsoft.com/VisualStudio/2011/storyboarding/control"/>
+  </ds:schemaRefs>
+</ds:datastoreItem>
+</file>
+
+<file path=customXml/itemProps63.xml><?xml version="1.0" encoding="utf-8"?>
+<ds:datastoreItem xmlns:ds="http://schemas.openxmlformats.org/officeDocument/2006/customXml" ds:itemID="{43B5ED86-0060-4D69-806F-5CA89175AE14}">
+  <ds:schemaRefs>
+    <ds:schemaRef ds:uri="http://schemas.microsoft.com/VisualStudio/2011/storyboarding/control"/>
+  </ds:schemaRefs>
+</ds:datastoreItem>
+</file>
+
+<file path=customXml/itemProps64.xml><?xml version="1.0" encoding="utf-8"?>
+<ds:datastoreItem xmlns:ds="http://schemas.openxmlformats.org/officeDocument/2006/customXml" ds:itemID="{4F1F443E-6774-443F-BAD5-FCCC4103B164}">
+  <ds:schemaRefs>
+    <ds:schemaRef ds:uri="http://schemas.microsoft.com/VisualStudio/2011/storyboarding/control"/>
+  </ds:schemaRefs>
+</ds:datastoreItem>
+</file>
+
+<file path=customXml/itemProps65.xml><?xml version="1.0" encoding="utf-8"?>
+<ds:datastoreItem xmlns:ds="http://schemas.openxmlformats.org/officeDocument/2006/customXml" ds:itemID="{6AC15D59-1985-4B02-A204-9FA5E328EF32}">
+  <ds:schemaRefs>
+    <ds:schemaRef ds:uri="http://schemas.microsoft.com/VisualStudio/2011/storyboarding/control"/>
+  </ds:schemaRefs>
+</ds:datastoreItem>
+</file>
+
+<file path=customXml/itemProps66.xml><?xml version="1.0" encoding="utf-8"?>
+<ds:datastoreItem xmlns:ds="http://schemas.openxmlformats.org/officeDocument/2006/customXml" ds:itemID="{A822EFA2-5211-415D-91B1-1D2F11D7CBDF}">
+  <ds:schemaRefs>
+    <ds:schemaRef ds:uri="http://schemas.microsoft.com/VisualStudio/2011/storyboarding/control"/>
+  </ds:schemaRefs>
+</ds:datastoreItem>
+</file>
+
+<file path=customXml/itemProps67.xml><?xml version="1.0" encoding="utf-8"?>
+<ds:datastoreItem xmlns:ds="http://schemas.openxmlformats.org/officeDocument/2006/customXml" ds:itemID="{0DEE920A-6ADA-48DA-B23C-E869E21EA911}">
+  <ds:schemaRefs>
+    <ds:schemaRef ds:uri="http://schemas.microsoft.com/VisualStudio/2011/storyboarding/control"/>
+  </ds:schemaRefs>
+</ds:datastoreItem>
+</file>
+
+<file path=customXml/itemProps68.xml><?xml version="1.0" encoding="utf-8"?>
 <ds:datastoreItem xmlns:ds="http://schemas.openxmlformats.org/officeDocument/2006/customXml" ds:itemID="{34422DFF-D2BE-4305-8DA3-E0E99CFA01F4}">
   <ds:schemaRefs>
     <ds:schemaRef ds:uri="http://schemas.microsoft.com/VisualStudio/2011/storyboarding/control"/>
@@ -13895,95 +14432,7 @@
 </ds:datastoreItem>
 </file>
 
-<file path=customXml/itemProps22.xml><?xml version="1.0" encoding="utf-8"?>
-<ds:datastoreItem xmlns:ds="http://schemas.openxmlformats.org/officeDocument/2006/customXml" ds:itemID="{896AE23B-403F-4EEC-900F-6E95A60A4CC1}">
-  <ds:schemaRefs>
-    <ds:schemaRef ds:uri="http://schemas.microsoft.com/VisualStudio/2011/storyboarding/control"/>
-  </ds:schemaRefs>
-</ds:datastoreItem>
-</file>
-
-<file path=customXml/itemProps23.xml><?xml version="1.0" encoding="utf-8"?>
-<ds:datastoreItem xmlns:ds="http://schemas.openxmlformats.org/officeDocument/2006/customXml" ds:itemID="{61361C12-AEB1-4243-8694-E22DB7BB0B58}">
-  <ds:schemaRefs>
-    <ds:schemaRef ds:uri="http://schemas.microsoft.com/VisualStudio/2011/storyboarding/control"/>
-  </ds:schemaRefs>
-</ds:datastoreItem>
-</file>
-
-<file path=customXml/itemProps24.xml><?xml version="1.0" encoding="utf-8"?>
-<ds:datastoreItem xmlns:ds="http://schemas.openxmlformats.org/officeDocument/2006/customXml" ds:itemID="{66C429A6-A1FB-4A44-9868-139AEFE376E0}">
-  <ds:schemaRefs>
-    <ds:schemaRef ds:uri="http://schemas.microsoft.com/VisualStudio/2011/storyboarding/control"/>
-  </ds:schemaRefs>
-</ds:datastoreItem>
-</file>
-
-<file path=customXml/itemProps25.xml><?xml version="1.0" encoding="utf-8"?>
-<ds:datastoreItem xmlns:ds="http://schemas.openxmlformats.org/officeDocument/2006/customXml" ds:itemID="{11BD6915-90EA-4F41-8AE8-401B6A2355DB}">
-  <ds:schemaRefs>
-    <ds:schemaRef ds:uri="http://schemas.microsoft.com/VisualStudio/2011/storyboarding/control"/>
-  </ds:schemaRefs>
-</ds:datastoreItem>
-</file>
-
-<file path=customXml/itemProps26.xml><?xml version="1.0" encoding="utf-8"?>
-<ds:datastoreItem xmlns:ds="http://schemas.openxmlformats.org/officeDocument/2006/customXml" ds:itemID="{0DEE920A-6ADA-48DA-B23C-E869E21EA911}">
-  <ds:schemaRefs>
-    <ds:schemaRef ds:uri="http://schemas.microsoft.com/VisualStudio/2011/storyboarding/control"/>
-  </ds:schemaRefs>
-</ds:datastoreItem>
-</file>
-
-<file path=customXml/itemProps27.xml><?xml version="1.0" encoding="utf-8"?>
-<ds:datastoreItem xmlns:ds="http://schemas.openxmlformats.org/officeDocument/2006/customXml" ds:itemID="{BC2C5481-5539-4A2E-88CE-EE6972284F48}">
-  <ds:schemaRefs>
-    <ds:schemaRef ds:uri="http://schemas.microsoft.com/VisualStudio/2011/storyboarding/control"/>
-  </ds:schemaRefs>
-</ds:datastoreItem>
-</file>
-
-<file path=customXml/itemProps28.xml><?xml version="1.0" encoding="utf-8"?>
-<ds:datastoreItem xmlns:ds="http://schemas.openxmlformats.org/officeDocument/2006/customXml" ds:itemID="{5B8607FE-59BB-43C3-BBC9-D002A93B2860}">
-  <ds:schemaRefs>
-    <ds:schemaRef ds:uri="http://schemas.microsoft.com/VisualStudio/2011/storyboarding/control"/>
-  </ds:schemaRefs>
-</ds:datastoreItem>
-</file>
-
-<file path=customXml/itemProps29.xml><?xml version="1.0" encoding="utf-8"?>
-<ds:datastoreItem xmlns:ds="http://schemas.openxmlformats.org/officeDocument/2006/customXml" ds:itemID="{8B0AB7B0-1EE2-42BF-9C41-9C904E313494}">
-  <ds:schemaRefs>
-    <ds:schemaRef ds:uri="http://schemas.microsoft.com/VisualStudio/2011/storyboarding/control"/>
-  </ds:schemaRefs>
-</ds:datastoreItem>
-</file>
-
-<file path=customXml/itemProps3.xml><?xml version="1.0" encoding="utf-8"?>
-<ds:datastoreItem xmlns:ds="http://schemas.openxmlformats.org/officeDocument/2006/customXml" ds:itemID="{35E8E4AC-13BF-495B-B0AA-5F07A0EB9441}">
-  <ds:schemaRefs>
-    <ds:schemaRef ds:uri="http://schemas.microsoft.com/VisualStudio/2011/storyboarding/control"/>
-  </ds:schemaRefs>
-</ds:datastoreItem>
-</file>
-
-<file path=customXml/itemProps30.xml><?xml version="1.0" encoding="utf-8"?>
-<ds:datastoreItem xmlns:ds="http://schemas.openxmlformats.org/officeDocument/2006/customXml" ds:itemID="{6CC874DE-6D79-4EBA-A0F5-DB01923D7AE0}">
-  <ds:schemaRefs>
-    <ds:schemaRef ds:uri="http://schemas.microsoft.com/VisualStudio/2011/storyboarding/control"/>
-  </ds:schemaRefs>
-</ds:datastoreItem>
-</file>
-
-<file path=customXml/itemProps31.xml><?xml version="1.0" encoding="utf-8"?>
-<ds:datastoreItem xmlns:ds="http://schemas.openxmlformats.org/officeDocument/2006/customXml" ds:itemID="{541D200C-886D-4393-A468-D257F7CE4C2E}">
-  <ds:schemaRefs>
-    <ds:schemaRef ds:uri="http://schemas.microsoft.com/VisualStudio/2011/storyboarding/control"/>
-  </ds:schemaRefs>
-</ds:datastoreItem>
-</file>
-
-<file path=customXml/itemProps32.xml><?xml version="1.0" encoding="utf-8"?>
+<file path=customXml/itemProps7.xml><?xml version="1.0" encoding="utf-8"?>
 <ds:datastoreItem xmlns:ds="http://schemas.openxmlformats.org/officeDocument/2006/customXml" ds:itemID="{F9BC2D1E-7C73-45D1-9E4F-E6345E51DF2D}">
   <ds:schemaRefs>
     <ds:schemaRef ds:uri="http://schemas.microsoft.com/VisualStudio/2011/storyboarding/control"/>
@@ -13991,39 +14440,7 @@
 </ds:datastoreItem>
 </file>
 
-<file path=customXml/itemProps33.xml><?xml version="1.0" encoding="utf-8"?>
-<ds:datastoreItem xmlns:ds="http://schemas.openxmlformats.org/officeDocument/2006/customXml" ds:itemID="{FF1022A0-DAA8-4910-B054-25E1EE26A5AC}">
-  <ds:schemaRefs>
-    <ds:schemaRef ds:uri="http://schemas.microsoft.com/VisualStudio/2011/storyboarding/control"/>
-  </ds:schemaRefs>
-</ds:datastoreItem>
-</file>
-
-<file path=customXml/itemProps34.xml><?xml version="1.0" encoding="utf-8"?>
-<ds:datastoreItem xmlns:ds="http://schemas.openxmlformats.org/officeDocument/2006/customXml" ds:itemID="{FB9740A1-8F0C-4AA2-A2C9-15A377DC91A6}">
-  <ds:schemaRefs>
-    <ds:schemaRef ds:uri="http://schemas.microsoft.com/VisualStudio/2011/storyboarding/control"/>
-  </ds:schemaRefs>
-</ds:datastoreItem>
-</file>
-
-<file path=customXml/itemProps35.xml><?xml version="1.0" encoding="utf-8"?>
-<ds:datastoreItem xmlns:ds="http://schemas.openxmlformats.org/officeDocument/2006/customXml" ds:itemID="{A76A203E-9FD7-42C2-8FEF-B018DFF7E4D1}">
-  <ds:schemaRefs>
-    <ds:schemaRef ds:uri="http://schemas.microsoft.com/VisualStudio/2011/storyboarding/control"/>
-  </ds:schemaRefs>
-</ds:datastoreItem>
-</file>
-
-<file path=customXml/itemProps36.xml><?xml version="1.0" encoding="utf-8"?>
-<ds:datastoreItem xmlns:ds="http://schemas.openxmlformats.org/officeDocument/2006/customXml" ds:itemID="{A4C33EEA-7075-4651-97E3-4829E38E21EA}">
-  <ds:schemaRefs>
-    <ds:schemaRef ds:uri="http://schemas.microsoft.com/VisualStudio/2011/storyboarding/control"/>
-  </ds:schemaRefs>
-</ds:datastoreItem>
-</file>
-
-<file path=customXml/itemProps37.xml><?xml version="1.0" encoding="utf-8"?>
+<file path=customXml/itemProps8.xml><?xml version="1.0" encoding="utf-8"?>
 <ds:datastoreItem xmlns:ds="http://schemas.openxmlformats.org/officeDocument/2006/customXml" ds:itemID="{EFA40575-6F4E-445E-9D80-B0CC775DC0E1}">
   <ds:schemaRefs>
     <ds:schemaRef ds:uri="http://schemas.microsoft.com/VisualStudio/2011/storyboarding/control"/>
@@ -14031,298 +14448,10 @@
 </ds:datastoreItem>
 </file>
 
-<file path=customXml/itemProps38.xml><?xml version="1.0" encoding="utf-8"?>
-<ds:datastoreItem xmlns:ds="http://schemas.openxmlformats.org/officeDocument/2006/customXml" ds:itemID="{CB538EC4-2D5D-4BC6-AFD7-AF4FD42C21A7}">
-  <ds:schemaRefs>
-    <ds:schemaRef ds:uri="http://schemas.microsoft.com/VisualStudio/2011/storyboarding/control"/>
-  </ds:schemaRefs>
-</ds:datastoreItem>
-</file>
-
-<file path=customXml/itemProps39.xml><?xml version="1.0" encoding="utf-8"?>
-<ds:datastoreItem xmlns:ds="http://schemas.openxmlformats.org/officeDocument/2006/customXml" ds:itemID="{1D5DC517-E715-4F56-B43C-13839AE337F0}">
-  <ds:schemaRefs>
-    <ds:schemaRef ds:uri="http://schemas.microsoft.com/VisualStudio/2011/storyboarding/control"/>
-  </ds:schemaRefs>
-</ds:datastoreItem>
-</file>
-
-<file path=customXml/itemProps4.xml><?xml version="1.0" encoding="utf-8"?>
-<ds:datastoreItem xmlns:ds="http://schemas.openxmlformats.org/officeDocument/2006/customXml" ds:itemID="{F8E474D2-D249-494A-827C-6C0C85F35C5A}">
-  <ds:schemaRefs>
-    <ds:schemaRef ds:uri="http://schemas.microsoft.com/VisualStudio/2011/storyboarding/control"/>
-  </ds:schemaRefs>
-</ds:datastoreItem>
-</file>
-
-<file path=customXml/itemProps40.xml><?xml version="1.0" encoding="utf-8"?>
-<ds:datastoreItem xmlns:ds="http://schemas.openxmlformats.org/officeDocument/2006/customXml" ds:itemID="{43B5ED86-0060-4D69-806F-5CA89175AE14}">
-  <ds:schemaRefs>
-    <ds:schemaRef ds:uri="http://schemas.microsoft.com/VisualStudio/2011/storyboarding/control"/>
-  </ds:schemaRefs>
-</ds:datastoreItem>
-</file>
-
-<file path=customXml/itemProps41.xml><?xml version="1.0" encoding="utf-8"?>
-<ds:datastoreItem xmlns:ds="http://schemas.openxmlformats.org/officeDocument/2006/customXml" ds:itemID="{09AAF7D3-4D9D-47F0-9621-CB53A66318C0}">
-  <ds:schemaRefs>
-    <ds:schemaRef ds:uri="http://schemas.microsoft.com/VisualStudio/2011/storyboarding/control"/>
-  </ds:schemaRefs>
-</ds:datastoreItem>
-</file>
-
-<file path=customXml/itemProps42.xml><?xml version="1.0" encoding="utf-8"?>
-<ds:datastoreItem xmlns:ds="http://schemas.openxmlformats.org/officeDocument/2006/customXml" ds:itemID="{7D8A3F15-58CA-4DA9-A6C9-5E4399E681CE}">
-  <ds:schemaRefs>
-    <ds:schemaRef ds:uri="http://schemas.microsoft.com/VisualStudio/2011/storyboarding/control"/>
-  </ds:schemaRefs>
-</ds:datastoreItem>
-</file>
-
-<file path=customXml/itemProps43.xml><?xml version="1.0" encoding="utf-8"?>
-<ds:datastoreItem xmlns:ds="http://schemas.openxmlformats.org/officeDocument/2006/customXml" ds:itemID="{99E258B9-636D-4FC3-A18B-5731CC1F850C}">
-  <ds:schemaRefs>
-    <ds:schemaRef ds:uri="http://schemas.microsoft.com/VisualStudio/2011/storyboarding/control"/>
-  </ds:schemaRefs>
-</ds:datastoreItem>
-</file>
-
-<file path=customXml/itemProps44.xml><?xml version="1.0" encoding="utf-8"?>
-<ds:datastoreItem xmlns:ds="http://schemas.openxmlformats.org/officeDocument/2006/customXml" ds:itemID="{8C16C620-F89C-496A-ABC2-EBAA770A5D2B}">
-  <ds:schemaRefs>
-    <ds:schemaRef ds:uri="http://schemas.microsoft.com/VisualStudio/2011/storyboarding/control"/>
-  </ds:schemaRefs>
-</ds:datastoreItem>
-</file>
-
-<file path=customXml/itemProps45.xml><?xml version="1.0" encoding="utf-8"?>
-<ds:datastoreItem xmlns:ds="http://schemas.openxmlformats.org/officeDocument/2006/customXml" ds:itemID="{4F1F443E-6774-443F-BAD5-FCCC4103B164}">
-  <ds:schemaRefs>
-    <ds:schemaRef ds:uri="http://schemas.microsoft.com/VisualStudio/2011/storyboarding/control"/>
-  </ds:schemaRefs>
-</ds:datastoreItem>
-</file>
-
-<file path=customXml/itemProps46.xml><?xml version="1.0" encoding="utf-8"?>
-<ds:datastoreItem xmlns:ds="http://schemas.openxmlformats.org/officeDocument/2006/customXml" ds:itemID="{DE740E6A-43E5-497F-8F78-B904C61CB614}">
-  <ds:schemaRefs>
-    <ds:schemaRef ds:uri="http://schemas.microsoft.com/VisualStudio/2011/storyboarding/control"/>
-  </ds:schemaRefs>
-</ds:datastoreItem>
-</file>
-
-<file path=customXml/itemProps47.xml><?xml version="1.0" encoding="utf-8"?>
-<ds:datastoreItem xmlns:ds="http://schemas.openxmlformats.org/officeDocument/2006/customXml" ds:itemID="{F7BFCA9F-A0B1-4AC1-AD74-CE9E4213160F}">
-  <ds:schemaRefs>
-    <ds:schemaRef ds:uri="http://schemas.microsoft.com/VisualStudio/2011/storyboarding/control"/>
-  </ds:schemaRefs>
-</ds:datastoreItem>
-</file>
-
-<file path=customXml/itemProps48.xml><?xml version="1.0" encoding="utf-8"?>
-<ds:datastoreItem xmlns:ds="http://schemas.openxmlformats.org/officeDocument/2006/customXml" ds:itemID="{96BD8081-566A-4B7A-9794-537613F8A560}">
-  <ds:schemaRefs>
-    <ds:schemaRef ds:uri="http://schemas.microsoft.com/VisualStudio/2011/storyboarding/control"/>
-  </ds:schemaRefs>
-</ds:datastoreItem>
-</file>
-
-<file path=customXml/itemProps49.xml><?xml version="1.0" encoding="utf-8"?>
-<ds:datastoreItem xmlns:ds="http://schemas.openxmlformats.org/officeDocument/2006/customXml" ds:itemID="{4B90C7DA-FFAF-434B-A961-A1A1B575F753}">
-  <ds:schemaRefs>
-    <ds:schemaRef ds:uri="http://schemas.microsoft.com/VisualStudio/2011/storyboarding/control"/>
-  </ds:schemaRefs>
-</ds:datastoreItem>
-</file>
-
-<file path=customXml/itemProps5.xml><?xml version="1.0" encoding="utf-8"?>
-<ds:datastoreItem xmlns:ds="http://schemas.openxmlformats.org/officeDocument/2006/customXml" ds:itemID="{9176D73F-88EB-4204-941E-2ADCC7F101D3}">
-  <ds:schemaRefs>
-    <ds:schemaRef ds:uri="http://schemas.microsoft.com/VisualStudio/2011/storyboarding/control"/>
-  </ds:schemaRefs>
-</ds:datastoreItem>
-</file>
-
-<file path=customXml/itemProps50.xml><?xml version="1.0" encoding="utf-8"?>
-<ds:datastoreItem xmlns:ds="http://schemas.openxmlformats.org/officeDocument/2006/customXml" ds:itemID="{2693F098-32A1-41BE-97F8-CEDAE063F99E}">
-  <ds:schemaRefs>
-    <ds:schemaRef ds:uri="http://schemas.microsoft.com/VisualStudio/2011/storyboarding/control"/>
-  </ds:schemaRefs>
-</ds:datastoreItem>
-</file>
-
-<file path=customXml/itemProps51.xml><?xml version="1.0" encoding="utf-8"?>
-<ds:datastoreItem xmlns:ds="http://schemas.openxmlformats.org/officeDocument/2006/customXml" ds:itemID="{2C816A0A-85BC-4830-BAEE-1F53C8E67489}">
-  <ds:schemaRefs>
-    <ds:schemaRef ds:uri="http://schemas.microsoft.com/VisualStudio/2011/storyboarding/control"/>
-  </ds:schemaRefs>
-</ds:datastoreItem>
-</file>
-
-<file path=customXml/itemProps52.xml><?xml version="1.0" encoding="utf-8"?>
-<ds:datastoreItem xmlns:ds="http://schemas.openxmlformats.org/officeDocument/2006/customXml" ds:itemID="{8A7670A8-5D8A-499C-9FEE-E0BBB4E6BEFF}">
-  <ds:schemaRefs>
-    <ds:schemaRef ds:uri="http://schemas.microsoft.com/VisualStudio/2011/storyboarding/control"/>
-  </ds:schemaRefs>
-</ds:datastoreItem>
-</file>
-
-<file path=customXml/itemProps53.xml><?xml version="1.0" encoding="utf-8"?>
+<file path=customXml/itemProps9.xml><?xml version="1.0" encoding="utf-8"?>
 <ds:datastoreItem xmlns:ds="http://schemas.openxmlformats.org/officeDocument/2006/customXml" ds:itemID="{EC8AFA28-5388-46A0-B0AF-CDC06E1AFD31}">
   <ds:schemaRefs>
     <ds:schemaRef ds:uri="http://schemas.microsoft.com/VisualStudio/2011/storyboarding/control"/>
   </ds:schemaRefs>
 </ds:datastoreItem>
-</file>
-
-<file path=customXml/itemProps54.xml><?xml version="1.0" encoding="utf-8"?>
-<ds:datastoreItem xmlns:ds="http://schemas.openxmlformats.org/officeDocument/2006/customXml" ds:itemID="{2D4E3CDC-752C-421E-817A-A9D2344595DE}">
-  <ds:schemaRefs>
-    <ds:schemaRef ds:uri="http://schemas.microsoft.com/VisualStudio/2011/storyboarding/control"/>
-  </ds:schemaRefs>
-</ds:datastoreItem>
-</file>
-
-<file path=customXml/itemProps55.xml><?xml version="1.0" encoding="utf-8"?>
-<ds:datastoreItem xmlns:ds="http://schemas.openxmlformats.org/officeDocument/2006/customXml" ds:itemID="{FDB8CFE8-3808-4247-A2FD-35E246A153DC}">
-  <ds:schemaRefs>
-    <ds:schemaRef ds:uri="http://schemas.microsoft.com/VisualStudio/2011/storyboarding/control"/>
-  </ds:schemaRefs>
-</ds:datastoreItem>
-</file>
-
-<file path=customXml/itemProps56.xml><?xml version="1.0" encoding="utf-8"?>
-<ds:datastoreItem xmlns:ds="http://schemas.openxmlformats.org/officeDocument/2006/customXml" ds:itemID="{7C81862B-608B-4E4F-9DB1-7DBCFE9F2139}">
-  <ds:schemaRefs>
-    <ds:schemaRef ds:uri="http://schemas.microsoft.com/VisualStudio/2011/storyboarding/control"/>
-  </ds:schemaRefs>
-</ds:datastoreItem>
-</file>
-
-<file path=customXml/itemProps57.xml><?xml version="1.0" encoding="utf-8"?>
-<ds:datastoreItem xmlns:ds="http://schemas.openxmlformats.org/officeDocument/2006/customXml" ds:itemID="{290B1F0A-87D8-47BA-9898-8D500A95812B}">
-  <ds:schemaRefs>
-    <ds:schemaRef ds:uri="http://schemas.microsoft.com/VisualStudio/2011/storyboarding/control"/>
-  </ds:schemaRefs>
-</ds:datastoreItem>
-</file>
-
-<file path=customXml/itemProps58.xml><?xml version="1.0" encoding="utf-8"?>
-<ds:datastoreItem xmlns:ds="http://schemas.openxmlformats.org/officeDocument/2006/customXml" ds:itemID="{540C3353-3E36-4F77-9C4A-0DB4A5D7CCD1}">
-  <ds:schemaRefs>
-    <ds:schemaRef ds:uri="http://schemas.microsoft.com/VisualStudio/2011/storyboarding/control"/>
-  </ds:schemaRefs>
-</ds:datastoreItem>
-</file>
-
-<file path=customXml/itemProps59.xml><?xml version="1.0" encoding="utf-8"?>
-<ds:datastoreItem xmlns:ds="http://schemas.openxmlformats.org/officeDocument/2006/customXml" ds:itemID="{2DB54B02-095B-4767-A849-7F09D55BDBEC}">
-  <ds:schemaRefs>
-    <ds:schemaRef ds:uri="http://schemas.microsoft.com/VisualStudio/2011/storyboarding/control"/>
-  </ds:schemaRefs>
-</ds:datastoreItem>
-</file>
-
-<file path=customXml/itemProps6.xml><?xml version="1.0" encoding="utf-8"?>
-<ds:datastoreItem xmlns:ds="http://schemas.openxmlformats.org/officeDocument/2006/customXml" ds:itemID="{AEE75C41-50A0-4E2E-8E71-75152E4221D1}">
-  <ds:schemaRefs>
-    <ds:schemaRef ds:uri="http://schemas.microsoft.com/VisualStudio/2011/storyboarding/control"/>
-  </ds:schemaRefs>
-</ds:datastoreItem>
-</file>
-
-<file path=customXml/itemProps60.xml><?xml version="1.0" encoding="utf-8"?>
-<ds:datastoreItem xmlns:ds="http://schemas.openxmlformats.org/officeDocument/2006/customXml" ds:itemID="{27542DCB-8EFC-47CA-8570-0C93F332B27B}">
-  <ds:schemaRefs>
-    <ds:schemaRef ds:uri="http://schemas.microsoft.com/VisualStudio/2011/storyboarding/control"/>
-  </ds:schemaRefs>
-</ds:datastoreItem>
-</file>
-
-<file path=customXml/itemProps61.xml><?xml version="1.0" encoding="utf-8"?>
-<ds:datastoreItem xmlns:ds="http://schemas.openxmlformats.org/officeDocument/2006/customXml" ds:itemID="{A822EFA2-5211-415D-91B1-1D2F11D7CBDF}">
-  <ds:schemaRefs>
-    <ds:schemaRef ds:uri="http://schemas.microsoft.com/VisualStudio/2011/storyboarding/control"/>
-  </ds:schemaRefs>
-</ds:datastoreItem>
-</file>
-
-<file path=customXml/itemProps62.xml><?xml version="1.0" encoding="utf-8"?>
-<ds:datastoreItem xmlns:ds="http://schemas.openxmlformats.org/officeDocument/2006/customXml" ds:itemID="{E3E34527-CBA0-4787-B0F7-C2B934B5B4C4}">
-  <ds:schemaRefs>
-    <ds:schemaRef ds:uri="http://schemas.microsoft.com/VisualStudio/2011/storyboarding/control"/>
-  </ds:schemaRefs>
-</ds:datastoreItem>
-</file>
-
-<file path=customXml/itemProps63.xml><?xml version="1.0" encoding="utf-8"?>
-<ds:datastoreItem xmlns:ds="http://schemas.openxmlformats.org/officeDocument/2006/customXml" ds:itemID="{0F4FBE72-4778-4A80-9A59-1EAA7879E88B}">
-  <ds:schemaRefs>
-    <ds:schemaRef ds:uri="http://schemas.microsoft.com/VisualStudio/2011/storyboarding/control"/>
-  </ds:schemaRefs>
-</ds:datastoreItem>
-</file>
-
-<file path=customXml/itemProps64.xml><?xml version="1.0" encoding="utf-8"?>
-<ds:datastoreItem xmlns:ds="http://schemas.openxmlformats.org/officeDocument/2006/customXml" ds:itemID="{6BD8AD1D-48A9-4F6D-9433-F36CBEB3125F}">
-  <ds:schemaRefs>
-    <ds:schemaRef ds:uri="http://schemas.microsoft.com/VisualStudio/2011/storyboarding/control"/>
-  </ds:schemaRefs>
-</ds:datastoreItem>
-</file>
-
-<file path=customXml/itemProps65.xml><?xml version="1.0" encoding="utf-8"?>
-<ds:datastoreItem xmlns:ds="http://schemas.openxmlformats.org/officeDocument/2006/customXml" ds:itemID="{FBDB9D4B-5D23-4316-AE7E-E386D2E702D4}">
-  <ds:schemaRefs>
-    <ds:schemaRef ds:uri="http://schemas.microsoft.com/VisualStudio/2011/storyboarding/control"/>
-  </ds:schemaRefs>
-</ds:datastoreItem>
-</file>
-
-<file path=customXml/itemProps66.xml><?xml version="1.0" encoding="utf-8"?>
-<ds:datastoreItem xmlns:ds="http://schemas.openxmlformats.org/officeDocument/2006/customXml" ds:itemID="{6AC15D59-1985-4B02-A204-9FA5E328EF32}">
-  <ds:schemaRefs>
-    <ds:schemaRef ds:uri="http://schemas.microsoft.com/VisualStudio/2011/storyboarding/control"/>
-  </ds:schemaRefs>
-</ds:datastoreItem>
-</file>
-
-<file path=customXml/itemProps67.xml><?xml version="1.0" encoding="utf-8"?>
-<ds:datastoreItem xmlns:ds="http://schemas.openxmlformats.org/officeDocument/2006/customXml" ds:itemID="{B24B058A-7394-4884-87AB-3D162B4AF263}">
-  <ds:schemaRefs>
-    <ds:schemaRef ds:uri="http://schemas.microsoft.com/VisualStudio/2011/storyboarding/control"/>
-  </ds:schemaRefs>
-</ds:datastoreItem>
-</file>
-
-<file path=customXml/itemProps68.xml><?xml version="1.0" encoding="utf-8"?>
-<ds:datastoreItem xmlns:ds="http://schemas.openxmlformats.org/officeDocument/2006/customXml" ds:itemID="{69819B4B-C652-4029-9D6F-1F30F2207B1C}">
-  <ds:schemaRefs>
-    <ds:schemaRef ds:uri="http://schemas.microsoft.com/VisualStudio/2011/storyboarding/control"/>
-  </ds:schemaRefs>
-</ds:datastoreItem>
-</file>
-
-<file path=customXml/itemProps7.xml><?xml version="1.0" encoding="utf-8"?>
-<ds:datastoreItem xmlns:ds="http://schemas.openxmlformats.org/officeDocument/2006/customXml" ds:itemID="{10C4D8A6-492F-4C3D-BAAD-8273F297A317}">
-  <ds:schemaRefs>
-    <ds:schemaRef ds:uri="http://schemas.microsoft.com/VisualStudio/2011/storyboarding/control"/>
-  </ds:schemaRefs>
-</ds:datastoreItem>
-</file>
-
-<file path=customXml/itemProps8.xml><?xml version="1.0" encoding="utf-8"?>
-<ds:datastoreItem xmlns:ds="http://schemas.openxmlformats.org/officeDocument/2006/customXml" ds:itemID="{6E845879-650B-4022-A35E-856E74320ACC}">
-  <ds:schemaRefs>
-    <ds:schemaRef ds:uri="http://schemas.microsoft.com/VisualStudio/2011/storyboarding/control"/>
-  </ds:schemaRefs>
-</ds:datastoreItem>
-</file>
-
-<file path=customXml/itemProps9.xml><?xml version="1.0" encoding="utf-8"?>
-<ds:datastoreItem xmlns:ds="http://schemas.openxmlformats.org/officeDocument/2006/customXml" ds:itemID="{ECEE1C58-60D6-4BE6-B599-4F7E9AB9E035}">
-  <ds:schemaRefs>
-    <ds:schemaRef ds:uri="http://schemas.microsoft.com/VisualStudio/2011/storyboarding/control"/>
-  </ds:schemaRefs>
-</ds:datastoreItem>
 </file>